--- a/Design/Design.pptx
+++ b/Design/Design.pptx
@@ -3591,93 +3591,108 @@
           <a:chExt cx="0" cy="0"/>
         </a:xfrm>
       </p:grpSpPr>
-      <p:pic>
-        <p:nvPicPr>
-          <p:cNvPr id="1026" name="Picture 2" descr="http://upload.wikimedia.org/wikipedia/commons/8/8d/Kolkata_Airport_New_Terminal_gate_waiting_area.jpeg"/>
-          <p:cNvPicPr>
-            <a:picLocks noChangeAspect="1" noChangeArrowheads="1"/>
-          </p:cNvPicPr>
+      <p:grpSp>
+        <p:nvGrpSpPr>
+          <p:cNvPr id="2" name="Group 1"/>
+          <p:cNvGrpSpPr/>
           <p:nvPr/>
-        </p:nvPicPr>
-        <p:blipFill rotWithShape="1">
-          <a:blip r:embed="rId2" cstate="print">
+        </p:nvGrpSpPr>
+        <p:grpSpPr>
+          <a:xfrm>
+            <a:off x="-3" y="-67378"/>
+            <a:ext cx="12192003" cy="7026118"/>
+            <a:chOff x="-3" y="-67378"/>
+            <a:chExt cx="12192003" cy="7026118"/>
+          </a:xfrm>
+        </p:grpSpPr>
+        <p:pic>
+          <p:nvPicPr>
+            <p:cNvPr id="1026" name="Picture 2" descr="http://upload.wikimedia.org/wikipedia/commons/8/8d/Kolkata_Airport_New_Terminal_gate_waiting_area.jpeg"/>
+            <p:cNvPicPr>
+              <a:picLocks noChangeAspect="1" noChangeArrowheads="1"/>
+            </p:cNvPicPr>
+            <p:nvPr/>
+          </p:nvPicPr>
+          <p:blipFill rotWithShape="1">
+            <a:blip r:embed="rId2" cstate="print">
+              <a:extLst>
+                <a:ext uri="{28A0092B-C50C-407E-A947-70E740481C1C}">
+                  <a14:useLocalDpi xmlns:a14="http://schemas.microsoft.com/office/drawing/2010/main" val="0"/>
+                </a:ext>
+              </a:extLst>
+            </a:blip>
+            <a:srcRect t="12160" b="11737"/>
+            <a:stretch/>
+          </p:blipFill>
+          <p:spPr bwMode="auto">
+            <a:xfrm>
+              <a:off x="0" y="0"/>
+              <a:ext cx="12192000" cy="6958740"/>
+            </a:xfrm>
+            <a:prstGeom prst="rect">
+              <a:avLst/>
+            </a:prstGeom>
+            <a:noFill/>
             <a:extLst>
-              <a:ext uri="{28A0092B-C50C-407E-A947-70E740481C1C}">
-                <a14:useLocalDpi xmlns:a14="http://schemas.microsoft.com/office/drawing/2010/main" val="0"/>
+              <a:ext uri="{909E8E84-426E-40DD-AFC4-6F175D3DCCD1}">
+                <a14:hiddenFill xmlns:a14="http://schemas.microsoft.com/office/drawing/2010/main">
+                  <a:solidFill>
+                    <a:srgbClr val="FFFFFF"/>
+                  </a:solidFill>
+                </a14:hiddenFill>
               </a:ext>
             </a:extLst>
-          </a:blip>
-          <a:srcRect t="12160" b="11737"/>
-          <a:stretch/>
-        </p:blipFill>
-        <p:spPr bwMode="auto">
-          <a:xfrm>
-            <a:off x="0" y="0"/>
-            <a:ext cx="12192000" cy="6958740"/>
-          </a:xfrm>
-          <a:prstGeom prst="rect">
-            <a:avLst/>
-          </a:prstGeom>
-          <a:noFill/>
-          <a:extLst>
-            <a:ext uri="{909E8E84-426E-40DD-AFC4-6F175D3DCCD1}">
-              <a14:hiddenFill xmlns:a14="http://schemas.microsoft.com/office/drawing/2010/main">
-                <a:solidFill>
-                  <a:srgbClr val="FFFFFF"/>
-                </a:solidFill>
-              </a14:hiddenFill>
-            </a:ext>
-          </a:extLst>
-        </p:spPr>
-      </p:pic>
-      <p:sp>
-        <p:nvSpPr>
-          <p:cNvPr id="10" name="Rectangle 9"/>
-          <p:cNvSpPr/>
-          <p:nvPr/>
-        </p:nvSpPr>
-        <p:spPr>
-          <a:xfrm>
-            <a:off x="-3" y="-154644"/>
-            <a:ext cx="12192003" cy="7113384"/>
-          </a:xfrm>
-          <a:prstGeom prst="rect">
-            <a:avLst/>
-          </a:prstGeom>
-          <a:solidFill>
-            <a:schemeClr val="bg1">
-              <a:alpha val="40000"/>
-            </a:schemeClr>
-          </a:solidFill>
-          <a:ln>
-            <a:noFill/>
-          </a:ln>
-        </p:spPr>
-        <p:style>
-          <a:lnRef idx="2">
-            <a:schemeClr val="accent1">
-              <a:shade val="50000"/>
-            </a:schemeClr>
-          </a:lnRef>
-          <a:fillRef idx="1">
-            <a:schemeClr val="accent1"/>
-          </a:fillRef>
-          <a:effectRef idx="0">
-            <a:schemeClr val="accent1"/>
-          </a:effectRef>
-          <a:fontRef idx="minor">
-            <a:schemeClr val="lt1"/>
-          </a:fontRef>
-        </p:style>
-        <p:txBody>
-          <a:bodyPr rtlCol="1" anchor="ctr"/>
-          <a:lstStyle/>
-          <a:p>
-            <a:pPr algn="ctr"/>
-            <a:endParaRPr lang="he-IL"/>
-          </a:p>
-        </p:txBody>
-      </p:sp>
+          </p:spPr>
+        </p:pic>
+        <p:sp>
+          <p:nvSpPr>
+            <p:cNvPr id="10" name="Rectangle 9"/>
+            <p:cNvSpPr/>
+            <p:nvPr/>
+          </p:nvSpPr>
+          <p:spPr>
+            <a:xfrm>
+              <a:off x="-3" y="-67378"/>
+              <a:ext cx="12192003" cy="7026117"/>
+            </a:xfrm>
+            <a:prstGeom prst="rect">
+              <a:avLst/>
+            </a:prstGeom>
+            <a:solidFill>
+              <a:schemeClr val="bg1">
+                <a:alpha val="40000"/>
+              </a:schemeClr>
+            </a:solidFill>
+            <a:ln>
+              <a:noFill/>
+            </a:ln>
+          </p:spPr>
+          <p:style>
+            <a:lnRef idx="2">
+              <a:schemeClr val="accent1">
+                <a:shade val="50000"/>
+              </a:schemeClr>
+            </a:lnRef>
+            <a:fillRef idx="1">
+              <a:schemeClr val="accent1"/>
+            </a:fillRef>
+            <a:effectRef idx="0">
+              <a:schemeClr val="accent1"/>
+            </a:effectRef>
+            <a:fontRef idx="minor">
+              <a:schemeClr val="lt1"/>
+            </a:fontRef>
+          </p:style>
+          <p:txBody>
+            <a:bodyPr rtlCol="1" anchor="ctr"/>
+            <a:lstStyle/>
+            <a:p>
+              <a:pPr algn="ctr"/>
+              <a:endParaRPr lang="he-IL" dirty="0"/>
+            </a:p>
+          </p:txBody>
+        </p:sp>
+      </p:grpSp>
       <p:sp>
         <p:nvSpPr>
           <p:cNvPr id="11" name="TextBox 10"/>
@@ -4005,126 +4020,77 @@
           </a:extLst>
         </p:spPr>
       </p:pic>
-      <p:pic>
-        <p:nvPicPr>
-          <p:cNvPr id="1026" name="Picture 2" descr="http://www.rentacar-dalaman.com/upload/Transfer%20Location.jpg"/>
-          <p:cNvPicPr>
-            <a:picLocks noChangeAspect="1" noChangeArrowheads="1"/>
-          </p:cNvPicPr>
-          <p:nvPr/>
-        </p:nvPicPr>
-        <p:blipFill rotWithShape="1">
-          <a:blip r:embed="rId5">
-            <a:extLst>
-              <a:ext uri="{28A0092B-C50C-407E-A947-70E740481C1C}">
-                <a14:useLocalDpi xmlns:a14="http://schemas.microsoft.com/office/drawing/2010/main" val="0"/>
-              </a:ext>
-            </a:extLst>
-          </a:blip>
-          <a:srcRect l="34269" r="27937"/>
-          <a:stretch/>
-        </p:blipFill>
-        <p:spPr bwMode="auto">
-          <a:xfrm>
-            <a:off x="4668253" y="861298"/>
-            <a:ext cx="2829827" cy="4987453"/>
-          </a:xfrm>
-          <a:prstGeom prst="rect">
-            <a:avLst/>
-          </a:prstGeom>
-          <a:noFill/>
-          <a:extLst>
-            <a:ext uri="{909E8E84-426E-40DD-AFC4-6F175D3DCCD1}">
-              <a14:hiddenFill xmlns:a14="http://schemas.microsoft.com/office/drawing/2010/main">
-                <a:solidFill>
-                  <a:srgbClr val="FFFFFF"/>
-                </a:solidFill>
-              </a14:hiddenFill>
-            </a:ext>
-          </a:extLst>
-        </p:spPr>
-      </p:pic>
-      <p:sp>
-        <p:nvSpPr>
-          <p:cNvPr id="4" name="Rectangle 3"/>
-          <p:cNvSpPr/>
-          <p:nvPr/>
-        </p:nvSpPr>
-        <p:spPr>
-          <a:xfrm>
-            <a:off x="4668253" y="861298"/>
-            <a:ext cx="2829827" cy="4987453"/>
-          </a:xfrm>
-          <a:prstGeom prst="rect">
-            <a:avLst/>
-          </a:prstGeom>
-          <a:solidFill>
-            <a:schemeClr val="bg1">
-              <a:alpha val="40000"/>
-            </a:schemeClr>
-          </a:solidFill>
-          <a:ln>
-            <a:noFill/>
-          </a:ln>
-        </p:spPr>
-        <p:style>
-          <a:lnRef idx="2">
-            <a:schemeClr val="accent1">
-              <a:shade val="50000"/>
-            </a:schemeClr>
-          </a:lnRef>
-          <a:fillRef idx="1">
-            <a:schemeClr val="accent1"/>
-          </a:fillRef>
-          <a:effectRef idx="0">
-            <a:schemeClr val="accent1"/>
-          </a:effectRef>
-          <a:fontRef idx="minor">
-            <a:schemeClr val="lt1"/>
-          </a:fontRef>
-        </p:style>
-        <p:txBody>
-          <a:bodyPr rtlCol="1" anchor="ctr"/>
-          <a:lstStyle/>
-          <a:p>
-            <a:pPr algn="ctr"/>
-            <a:endParaRPr lang="he-IL"/>
-          </a:p>
-        </p:txBody>
-      </p:sp>
       <p:grpSp>
         <p:nvGrpSpPr>
-          <p:cNvPr id="24" name="Group 23"/>
+          <p:cNvPr id="2" name="Group 1"/>
           <p:cNvGrpSpPr/>
           <p:nvPr/>
         </p:nvGrpSpPr>
         <p:grpSpPr>
           <a:xfrm>
-            <a:off x="5290686" y="1153946"/>
-            <a:ext cx="1629878" cy="1834754"/>
-            <a:chOff x="8120846" y="1227385"/>
-            <a:chExt cx="3534412" cy="3978687"/>
+            <a:off x="4668253" y="861298"/>
+            <a:ext cx="2829827" cy="4987453"/>
+            <a:chOff x="4668253" y="861298"/>
+            <a:chExt cx="2829827" cy="4987453"/>
           </a:xfrm>
         </p:grpSpPr>
+        <p:pic>
+          <p:nvPicPr>
+            <p:cNvPr id="1026" name="Picture 2" descr="http://www.rentacar-dalaman.com/upload/Transfer%20Location.jpg"/>
+            <p:cNvPicPr>
+              <a:picLocks noChangeAspect="1" noChangeArrowheads="1"/>
+            </p:cNvPicPr>
+            <p:nvPr/>
+          </p:nvPicPr>
+          <p:blipFill rotWithShape="1">
+            <a:blip r:embed="rId5">
+              <a:extLst>
+                <a:ext uri="{28A0092B-C50C-407E-A947-70E740481C1C}">
+                  <a14:useLocalDpi xmlns:a14="http://schemas.microsoft.com/office/drawing/2010/main" val="0"/>
+                </a:ext>
+              </a:extLst>
+            </a:blip>
+            <a:srcRect l="34269" r="27937"/>
+            <a:stretch/>
+          </p:blipFill>
+          <p:spPr bwMode="auto">
+            <a:xfrm>
+              <a:off x="4668253" y="861298"/>
+              <a:ext cx="2829827" cy="4987453"/>
+            </a:xfrm>
+            <a:prstGeom prst="rect">
+              <a:avLst/>
+            </a:prstGeom>
+            <a:noFill/>
+            <a:extLst>
+              <a:ext uri="{909E8E84-426E-40DD-AFC4-6F175D3DCCD1}">
+                <a14:hiddenFill xmlns:a14="http://schemas.microsoft.com/office/drawing/2010/main">
+                  <a:solidFill>
+                    <a:srgbClr val="FFFFFF"/>
+                  </a:solidFill>
+                </a14:hiddenFill>
+              </a:ext>
+            </a:extLst>
+          </p:spPr>
+        </p:pic>
         <p:sp>
           <p:nvSpPr>
-            <p:cNvPr id="16" name="Chord 15"/>
+            <p:cNvPr id="4" name="Rectangle 3"/>
             <p:cNvSpPr/>
             <p:nvPr/>
           </p:nvSpPr>
           <p:spPr>
-            <a:xfrm rot="5400000">
-              <a:off x="8226724" y="1227385"/>
-              <a:ext cx="3428534" cy="3428534"/>
+            <a:xfrm>
+              <a:off x="4668253" y="861298"/>
+              <a:ext cx="2829827" cy="4987453"/>
             </a:xfrm>
-            <a:prstGeom prst="chord">
-              <a:avLst>
-                <a:gd name="adj1" fmla="val 2476101"/>
-                <a:gd name="adj2" fmla="val 13931417"/>
-              </a:avLst>
+            <a:prstGeom prst="rect">
+              <a:avLst/>
             </a:prstGeom>
             <a:solidFill>
-              <a:srgbClr val="C00000"/>
+              <a:schemeClr val="bg1">
+                <a:alpha val="40000"/>
+              </a:schemeClr>
             </a:solidFill>
             <a:ln>
               <a:noFill/>
@@ -4155,118 +4121,212 @@
             </a:p>
           </p:txBody>
         </p:sp>
+        <p:grpSp>
+          <p:nvGrpSpPr>
+            <p:cNvPr id="24" name="Group 23"/>
+            <p:cNvGrpSpPr/>
+            <p:nvPr/>
+          </p:nvGrpSpPr>
+          <p:grpSpPr>
+            <a:xfrm>
+              <a:off x="5290686" y="1153946"/>
+              <a:ext cx="1629878" cy="1834754"/>
+              <a:chOff x="8120846" y="1227385"/>
+              <a:chExt cx="3534412" cy="3978687"/>
+            </a:xfrm>
+          </p:grpSpPr>
+          <p:sp>
+            <p:nvSpPr>
+              <p:cNvPr id="16" name="Chord 15"/>
+              <p:cNvSpPr/>
+              <p:nvPr/>
+            </p:nvSpPr>
+            <p:spPr>
+              <a:xfrm rot="5400000">
+                <a:off x="8226724" y="1227385"/>
+                <a:ext cx="3428534" cy="3428534"/>
+              </a:xfrm>
+              <a:prstGeom prst="chord">
+                <a:avLst>
+                  <a:gd name="adj1" fmla="val 2476101"/>
+                  <a:gd name="adj2" fmla="val 13931417"/>
+                </a:avLst>
+              </a:prstGeom>
+              <a:solidFill>
+                <a:srgbClr val="C00000"/>
+              </a:solidFill>
+              <a:ln>
+                <a:noFill/>
+              </a:ln>
+            </p:spPr>
+            <p:style>
+              <a:lnRef idx="2">
+                <a:schemeClr val="accent1">
+                  <a:shade val="50000"/>
+                </a:schemeClr>
+              </a:lnRef>
+              <a:fillRef idx="1">
+                <a:schemeClr val="accent1"/>
+              </a:fillRef>
+              <a:effectRef idx="0">
+                <a:schemeClr val="accent1"/>
+              </a:effectRef>
+              <a:fontRef idx="minor">
+                <a:schemeClr val="lt1"/>
+              </a:fontRef>
+            </p:style>
+            <p:txBody>
+              <a:bodyPr rtlCol="1" anchor="ctr"/>
+              <a:lstStyle/>
+              <a:p>
+                <a:pPr algn="ctr"/>
+                <a:endParaRPr lang="he-IL"/>
+              </a:p>
+            </p:txBody>
+          </p:sp>
+          <p:sp>
+            <p:nvSpPr>
+              <p:cNvPr id="26" name="Chord 25"/>
+              <p:cNvSpPr/>
+              <p:nvPr/>
+            </p:nvSpPr>
+            <p:spPr>
+              <a:xfrm rot="16200000">
+                <a:off x="8120846" y="1777538"/>
+                <a:ext cx="3428534" cy="3428534"/>
+              </a:xfrm>
+              <a:prstGeom prst="chord">
+                <a:avLst>
+                  <a:gd name="adj1" fmla="val 2476101"/>
+                  <a:gd name="adj2" fmla="val 13931417"/>
+                </a:avLst>
+              </a:prstGeom>
+              <a:solidFill>
+                <a:srgbClr val="8E0000"/>
+              </a:solidFill>
+              <a:ln>
+                <a:noFill/>
+              </a:ln>
+            </p:spPr>
+            <p:style>
+              <a:lnRef idx="2">
+                <a:schemeClr val="accent1">
+                  <a:shade val="50000"/>
+                </a:schemeClr>
+              </a:lnRef>
+              <a:fillRef idx="1">
+                <a:schemeClr val="accent1"/>
+              </a:fillRef>
+              <a:effectRef idx="0">
+                <a:schemeClr val="accent1"/>
+              </a:effectRef>
+              <a:fontRef idx="minor">
+                <a:schemeClr val="lt1"/>
+              </a:fontRef>
+            </p:style>
+            <p:txBody>
+              <a:bodyPr rtlCol="1" anchor="ctr"/>
+              <a:lstStyle/>
+              <a:p>
+                <a:pPr algn="ctr"/>
+                <a:endParaRPr lang="he-IL"/>
+              </a:p>
+            </p:txBody>
+          </p:sp>
+          <p:pic>
+            <p:nvPicPr>
+              <p:cNvPr id="27" name="Picture 26"/>
+              <p:cNvPicPr>
+                <a:picLocks noChangeAspect="1"/>
+              </p:cNvPicPr>
+              <p:nvPr/>
+            </p:nvPicPr>
+            <p:blipFill>
+              <a:blip r:embed="rId6">
+                <a:extLst>
+                  <a:ext uri="{BEBA8EAE-BF5A-486C-A8C5-ECC9F3942E4B}">
+                    <a14:imgProps xmlns:a14="http://schemas.microsoft.com/office/drawing/2010/main">
+                      <a14:imgLayer r:embed="rId7">
+                        <a14:imgEffect>
+                          <a14:backgroundRemoval t="0" b="100000" l="0" r="100000"/>
+                        </a14:imgEffect>
+                      </a14:imgLayer>
+                    </a14:imgProps>
+                  </a:ext>
+                </a:extLst>
+              </a:blip>
+              <a:stretch>
+                <a:fillRect/>
+              </a:stretch>
+            </p:blipFill>
+            <p:spPr>
+              <a:xfrm rot="19771925">
+                <a:off x="8624053" y="2122638"/>
+                <a:ext cx="2301304" cy="2301304"/>
+              </a:xfrm>
+              <a:prstGeom prst="rect">
+                <a:avLst/>
+              </a:prstGeom>
+              <a:effectLst/>
+            </p:spPr>
+          </p:pic>
+        </p:grpSp>
         <p:sp>
           <p:nvSpPr>
-            <p:cNvPr id="26" name="Chord 25"/>
-            <p:cNvSpPr/>
+            <p:cNvPr id="30" name="TextBox 29"/>
+            <p:cNvSpPr txBox="1"/>
             <p:nvPr/>
           </p:nvSpPr>
           <p:spPr>
-            <a:xfrm rot="16200000">
-              <a:off x="8120846" y="1777538"/>
-              <a:ext cx="3428534" cy="3428534"/>
-            </a:xfrm>
-            <a:prstGeom prst="chord">
-              <a:avLst>
-                <a:gd name="adj1" fmla="val 2476101"/>
-                <a:gd name="adj2" fmla="val 13931417"/>
-              </a:avLst>
-            </a:prstGeom>
-            <a:solidFill>
-              <a:srgbClr val="8E0000"/>
-            </a:solidFill>
-            <a:ln>
-              <a:noFill/>
-            </a:ln>
-          </p:spPr>
-          <p:style>
-            <a:lnRef idx="2">
-              <a:schemeClr val="accent1">
-                <a:shade val="50000"/>
-              </a:schemeClr>
-            </a:lnRef>
-            <a:fillRef idx="1">
-              <a:schemeClr val="accent1"/>
-            </a:fillRef>
-            <a:effectRef idx="0">
-              <a:schemeClr val="accent1"/>
-            </a:effectRef>
-            <a:fontRef idx="minor">
-              <a:schemeClr val="lt1"/>
-            </a:fontRef>
-          </p:style>
-          <p:txBody>
-            <a:bodyPr rtlCol="1" anchor="ctr"/>
-            <a:lstStyle/>
-            <a:p>
-              <a:pPr algn="ctr"/>
-              <a:endParaRPr lang="he-IL"/>
-            </a:p>
-          </p:txBody>
-        </p:sp>
-        <p:pic>
-          <p:nvPicPr>
-            <p:cNvPr id="27" name="Picture 26"/>
-            <p:cNvPicPr>
-              <a:picLocks noChangeAspect="1"/>
-            </p:cNvPicPr>
-            <p:nvPr/>
-          </p:nvPicPr>
-          <p:blipFill>
-            <a:blip r:embed="rId6">
-              <a:extLst>
-                <a:ext uri="{BEBA8EAE-BF5A-486C-A8C5-ECC9F3942E4B}">
-                  <a14:imgProps xmlns:a14="http://schemas.microsoft.com/office/drawing/2010/main">
-                    <a14:imgLayer r:embed="rId7">
-                      <a14:imgEffect>
-                        <a14:backgroundRemoval t="0" b="100000" l="0" r="100000"/>
-                      </a14:imgEffect>
-                    </a14:imgLayer>
-                  </a14:imgProps>
-                </a:ext>
-              </a:extLst>
-            </a:blip>
-            <a:stretch>
-              <a:fillRect/>
-            </a:stretch>
-          </p:blipFill>
-          <p:spPr>
-            <a:xfrm rot="19771925">
-              <a:off x="8624053" y="2122638"/>
-              <a:ext cx="2301304" cy="2301304"/>
+            <a:xfrm>
+              <a:off x="4958148" y="5006105"/>
+              <a:ext cx="2246128" cy="646331"/>
             </a:xfrm>
             <a:prstGeom prst="rect">
               <a:avLst/>
             </a:prstGeom>
-            <a:effectLst/>
+            <a:noFill/>
           </p:spPr>
-        </p:pic>
-      </p:grpSp>
-      <p:sp>
-        <p:nvSpPr>
-          <p:cNvPr id="30" name="TextBox 29"/>
-          <p:cNvSpPr txBox="1"/>
-          <p:nvPr/>
-        </p:nvSpPr>
-        <p:spPr>
-          <a:xfrm>
-            <a:off x="4958148" y="5006105"/>
-            <a:ext cx="2246128" cy="646331"/>
-          </a:xfrm>
-          <a:prstGeom prst="rect">
-            <a:avLst/>
-          </a:prstGeom>
-          <a:noFill/>
-        </p:spPr>
-        <p:txBody>
-          <a:bodyPr wrap="none" rtlCol="1">
-            <a:spAutoFit/>
-          </a:bodyPr>
-          <a:lstStyle/>
-          <a:p>
-            <a:pPr algn="ctr"/>
-            <a:r>
-              <a:rPr lang="en-US" sz="3600" dirty="0" err="1" smtClean="0">
+          <p:txBody>
+            <a:bodyPr wrap="none" rtlCol="1">
+              <a:spAutoFit/>
+            </a:bodyPr>
+            <a:lstStyle/>
+            <a:p>
+              <a:pPr algn="ctr"/>
+              <a:r>
+                <a:rPr lang="en-US" sz="3600" dirty="0" err="1" smtClean="0">
+                  <a:solidFill>
+                    <a:schemeClr val="bg1"/>
+                  </a:solidFill>
+                  <a:effectLst>
+                    <a:outerShdw blurRad="50800" dist="38100" dir="2700000" algn="tl" rotWithShape="0">
+                      <a:prstClr val="black">
+                        <a:alpha val="40000"/>
+                      </a:prstClr>
+                    </a:outerShdw>
+                  </a:effectLst>
+                  <a:latin typeface="Century Gothic" panose="020B0502020202020204" pitchFamily="34" charset="0"/>
+                </a:rPr>
+                <a:t>OnThe</a:t>
+              </a:r>
+              <a:r>
+                <a:rPr lang="en-US" sz="3600" b="1" dirty="0" err="1" smtClean="0">
+                  <a:solidFill>
+                    <a:schemeClr val="bg1"/>
+                  </a:solidFill>
+                  <a:effectLst>
+                    <a:outerShdw blurRad="50800" dist="38100" dir="2700000" algn="tl" rotWithShape="0">
+                      <a:prstClr val="black">
+                        <a:alpha val="40000"/>
+                      </a:prstClr>
+                    </a:outerShdw>
+                  </a:effectLst>
+                  <a:latin typeface="Century Gothic" panose="020B0502020202020204" pitchFamily="34" charset="0"/>
+                </a:rPr>
+                <a:t>Fly</a:t>
+              </a:r>
+              <a:endParaRPr lang="he-IL" sz="4000" b="1" dirty="0">
                 <a:solidFill>
                   <a:schemeClr val="bg1"/>
                 </a:solidFill>
@@ -4278,41 +4338,11 @@
                   </a:outerShdw>
                 </a:effectLst>
                 <a:latin typeface="Century Gothic" panose="020B0502020202020204" pitchFamily="34" charset="0"/>
-              </a:rPr>
-              <a:t>OnThe</a:t>
-            </a:r>
-            <a:r>
-              <a:rPr lang="en-US" sz="3600" b="1" dirty="0" err="1" smtClean="0">
-                <a:solidFill>
-                  <a:schemeClr val="bg1"/>
-                </a:solidFill>
-                <a:effectLst>
-                  <a:outerShdw blurRad="50800" dist="38100" dir="2700000" algn="tl" rotWithShape="0">
-                    <a:prstClr val="black">
-                      <a:alpha val="40000"/>
-                    </a:prstClr>
-                  </a:outerShdw>
-                </a:effectLst>
-                <a:latin typeface="Century Gothic" panose="020B0502020202020204" pitchFamily="34" charset="0"/>
-              </a:rPr>
-              <a:t>Fly</a:t>
-            </a:r>
-            <a:endParaRPr lang="he-IL" sz="4000" b="1" dirty="0">
-              <a:solidFill>
-                <a:schemeClr val="bg1"/>
-              </a:solidFill>
-              <a:effectLst>
-                <a:outerShdw blurRad="50800" dist="38100" dir="2700000" algn="tl" rotWithShape="0">
-                  <a:prstClr val="black">
-                    <a:alpha val="40000"/>
-                  </a:prstClr>
-                </a:outerShdw>
-              </a:effectLst>
-              <a:latin typeface="Century Gothic" panose="020B0502020202020204" pitchFamily="34" charset="0"/>
-            </a:endParaRPr>
-          </a:p>
-        </p:txBody>
-      </p:sp>
+              </a:endParaRPr>
+            </a:p>
+          </p:txBody>
+        </p:sp>
+      </p:grpSp>
     </p:spTree>
     <p:extLst>
       <p:ext uri="{BB962C8B-B14F-4D97-AF65-F5344CB8AC3E}">
@@ -5522,57 +5552,6 @@
           </a:p>
         </p:txBody>
       </p:sp>
-      <p:pic>
-        <p:nvPicPr>
-          <p:cNvPr id="12" name="Picture 4" descr="http://blogs.kqed.org/education/files/2011/06/facebook_blank_face3.jpeg"/>
-          <p:cNvPicPr>
-            <a:picLocks noChangeAspect="1" noChangeArrowheads="1"/>
-          </p:cNvPicPr>
-          <p:nvPr/>
-        </p:nvPicPr>
-        <p:blipFill>
-          <a:blip r:embed="rId5" cstate="print">
-            <a:duotone>
-              <a:schemeClr val="accent4">
-                <a:shade val="45000"/>
-                <a:satMod val="135000"/>
-              </a:schemeClr>
-              <a:prstClr val="white"/>
-            </a:duotone>
-            <a:extLst>
-              <a:ext uri="{28A0092B-C50C-407E-A947-70E740481C1C}">
-                <a14:useLocalDpi xmlns:a14="http://schemas.microsoft.com/office/drawing/2010/main" val="0"/>
-              </a:ext>
-            </a:extLst>
-          </a:blip>
-          <a:srcRect/>
-          <a:stretch>
-            <a:fillRect/>
-          </a:stretch>
-        </p:blipFill>
-        <p:spPr bwMode="auto">
-          <a:xfrm>
-            <a:off x="3255965" y="1673217"/>
-            <a:ext cx="729753" cy="547315"/>
-          </a:xfrm>
-          <a:prstGeom prst="rect">
-            <a:avLst/>
-          </a:prstGeom>
-          <a:ln>
-            <a:noFill/>
-          </a:ln>
-          <a:effectLst/>
-          <a:extLst>
-            <a:ext uri="{909E8E84-426E-40DD-AFC4-6F175D3DCCD1}">
-              <a14:hiddenFill xmlns:a14="http://schemas.microsoft.com/office/drawing/2010/main">
-                <a:solidFill>
-                  <a:srgbClr val="FFFFFF"/>
-                </a:solidFill>
-              </a14:hiddenFill>
-            </a:ext>
-          </a:extLst>
-        </p:spPr>
-      </p:pic>
       <p:sp>
         <p:nvSpPr>
           <p:cNvPr id="5" name="Rectangle 4"/>
@@ -5634,10 +5613,9 @@
             <a:avLst/>
           </a:prstGeom>
           <a:solidFill>
-            <a:schemeClr val="bg2">
-              <a:lumMod val="90000"/>
+            <a:srgbClr val="F20000">
               <a:alpha val="97000"/>
-            </a:schemeClr>
+            </a:srgbClr>
           </a:solidFill>
           <a:ln>
             <a:noFill/>
@@ -5839,11 +5817,11 @@
             <p:nvPr/>
           </p:nvPicPr>
           <p:blipFill>
-            <a:blip r:embed="rId6">
+            <a:blip r:embed="rId5">
               <a:extLst>
                 <a:ext uri="{BEBA8EAE-BF5A-486C-A8C5-ECC9F3942E4B}">
                   <a14:imgProps xmlns:a14="http://schemas.microsoft.com/office/drawing/2010/main">
-                    <a14:imgLayer r:embed="rId7">
+                    <a14:imgLayer r:embed="rId6">
                       <a14:imgEffect>
                         <a14:backgroundRemoval t="0" b="100000" l="0" r="100000"/>
                       </a14:imgEffect>
@@ -5877,11 +5855,11 @@
           <p:nvPr/>
         </p:nvPicPr>
         <p:blipFill>
-          <a:blip r:embed="rId8">
+          <a:blip r:embed="rId7">
             <a:extLst>
               <a:ext uri="{BEBA8EAE-BF5A-486C-A8C5-ECC9F3942E4B}">
                 <a14:imgProps xmlns:a14="http://schemas.microsoft.com/office/drawing/2010/main">
-                  <a14:imgLayer r:embed="rId9">
+                  <a14:imgLayer r:embed="rId8">
                     <a14:imgEffect>
                       <a14:backgroundRemoval t="0" b="100000" l="2344" r="96094">
                         <a14:foregroundMark x1="51758" y1="96094" x2="51758" y2="96094"/>
@@ -5915,11 +5893,11 @@
           <p:nvPr/>
         </p:nvPicPr>
         <p:blipFill>
-          <a:blip r:embed="rId10">
+          <a:blip r:embed="rId9">
             <a:extLst>
               <a:ext uri="{BEBA8EAE-BF5A-486C-A8C5-ECC9F3942E4B}">
                 <a14:imgProps xmlns:a14="http://schemas.microsoft.com/office/drawing/2010/main">
-                  <a14:imgLayer r:embed="rId11">
+                  <a14:imgLayer r:embed="rId10">
                     <a14:imgEffect>
                       <a14:backgroundRemoval t="0" b="100000" l="0" r="100000"/>
                     </a14:imgEffect>
@@ -5936,6 +5914,725 @@
           <a:xfrm>
             <a:off x="7124700" y="990116"/>
             <a:ext cx="270464" cy="270464"/>
+          </a:xfrm>
+          <a:prstGeom prst="rect">
+            <a:avLst/>
+          </a:prstGeom>
+        </p:spPr>
+      </p:pic>
+      <p:graphicFrame>
+        <p:nvGraphicFramePr>
+          <p:cNvPr id="6" name="Table 5"/>
+          <p:cNvGraphicFramePr>
+            <a:graphicFrameLocks noGrp="1"/>
+          </p:cNvGraphicFramePr>
+          <p:nvPr>
+            <p:extLst>
+              <p:ext uri="{D42A27DB-BD31-4B8C-83A1-F6EECF244321}">
+                <p14:modId xmlns:p14="http://schemas.microsoft.com/office/powerpoint/2010/main" val="1153251471"/>
+              </p:ext>
+            </p:extLst>
+          </p:nvPr>
+        </p:nvGraphicFramePr>
+        <p:xfrm>
+          <a:off x="4688974" y="1359602"/>
+          <a:ext cx="2819901" cy="274320"/>
+        </p:xfrm>
+        <a:graphic>
+          <a:graphicData uri="http://schemas.openxmlformats.org/drawingml/2006/table">
+            <a:tbl>
+              <a:tblPr rtl="1" firstRow="1" bandRow="1">
+                <a:tableStyleId>{5C22544A-7EE6-4342-B048-85BDC9FD1C3A}</a:tableStyleId>
+              </a:tblPr>
+              <a:tblGrid>
+                <a:gridCol w="939967"/>
+                <a:gridCol w="939967"/>
+                <a:gridCol w="939967"/>
+              </a:tblGrid>
+              <a:tr h="243773">
+                <a:tc>
+                  <a:txBody>
+                    <a:bodyPr/>
+                    <a:lstStyle/>
+                    <a:p>
+                      <a:pPr algn="ctr" rtl="1"/>
+                      <a:r>
+                        <a:rPr lang="en-US" sz="1200" b="0" kern="1200" dirty="0" smtClean="0">
+                          <a:solidFill>
+                            <a:schemeClr val="tx1"/>
+                          </a:solidFill>
+                          <a:latin typeface="Century Gothic" panose="020B0502020202020204" pitchFamily="34" charset="0"/>
+                          <a:ea typeface="+mn-ea"/>
+                          <a:cs typeface="+mn-cs"/>
+                        </a:rPr>
+                        <a:t>Chat</a:t>
+                      </a:r>
+                      <a:endParaRPr lang="he-IL" sz="1200" b="0" kern="1200" dirty="0">
+                        <a:solidFill>
+                          <a:schemeClr val="tx1"/>
+                        </a:solidFill>
+                        <a:latin typeface="Century Gothic" panose="020B0502020202020204" pitchFamily="34" charset="0"/>
+                        <a:ea typeface="+mn-ea"/>
+                        <a:cs typeface="+mn-cs"/>
+                      </a:endParaRPr>
+                    </a:p>
+                  </a:txBody>
+                  <a:tcPr anchor="ctr">
+                    <a:lnL w="6350" cap="flat" cmpd="sng" algn="ctr">
+                      <a:solidFill>
+                        <a:schemeClr val="bg1">
+                          <a:lumMod val="85000"/>
+                        </a:schemeClr>
+                      </a:solidFill>
+                      <a:prstDash val="solid"/>
+                      <a:round/>
+                      <a:headEnd type="none" w="med" len="med"/>
+                      <a:tailEnd type="none" w="med" len="med"/>
+                    </a:lnL>
+                    <a:lnR w="6350" cap="flat" cmpd="sng" algn="ctr">
+                      <a:solidFill>
+                        <a:schemeClr val="bg1">
+                          <a:lumMod val="85000"/>
+                        </a:schemeClr>
+                      </a:solidFill>
+                      <a:prstDash val="solid"/>
+                      <a:round/>
+                      <a:headEnd type="none" w="med" len="med"/>
+                      <a:tailEnd type="none" w="med" len="med"/>
+                    </a:lnR>
+                    <a:lnT w="6350" cap="flat" cmpd="sng" algn="ctr">
+                      <a:solidFill>
+                        <a:schemeClr val="bg1">
+                          <a:lumMod val="85000"/>
+                        </a:schemeClr>
+                      </a:solidFill>
+                      <a:prstDash val="solid"/>
+                      <a:round/>
+                      <a:headEnd type="none" w="med" len="med"/>
+                      <a:tailEnd type="none" w="med" len="med"/>
+                    </a:lnT>
+                    <a:lnB w="6350" cap="flat" cmpd="sng" algn="ctr">
+                      <a:solidFill>
+                        <a:schemeClr val="bg1">
+                          <a:lumMod val="85000"/>
+                        </a:schemeClr>
+                      </a:solidFill>
+                      <a:prstDash val="solid"/>
+                      <a:round/>
+                      <a:headEnd type="none" w="med" len="med"/>
+                      <a:tailEnd type="none" w="med" len="med"/>
+                    </a:lnB>
+                    <a:lnTlToBr w="12700" cmpd="sng">
+                      <a:noFill/>
+                      <a:prstDash val="solid"/>
+                    </a:lnTlToBr>
+                    <a:lnBlToTr w="12700" cmpd="sng">
+                      <a:noFill/>
+                      <a:prstDash val="solid"/>
+                    </a:lnBlToTr>
+                    <a:solidFill>
+                      <a:schemeClr val="bg1"/>
+                    </a:solidFill>
+                  </a:tcPr>
+                </a:tc>
+                <a:tc>
+                  <a:txBody>
+                    <a:bodyPr/>
+                    <a:lstStyle/>
+                    <a:p>
+                      <a:pPr algn="ctr" rtl="1"/>
+                      <a:r>
+                        <a:rPr lang="en-US" sz="1200" b="0" kern="1200" dirty="0" smtClean="0">
+                          <a:solidFill>
+                            <a:schemeClr val="tx1"/>
+                          </a:solidFill>
+                          <a:latin typeface="Century Gothic" panose="020B0502020202020204" pitchFamily="34" charset="0"/>
+                          <a:ea typeface="+mn-ea"/>
+                          <a:cs typeface="+mn-cs"/>
+                        </a:rPr>
+                        <a:t>People</a:t>
+                      </a:r>
+                      <a:endParaRPr lang="he-IL" sz="1200" b="0" kern="1200" dirty="0">
+                        <a:solidFill>
+                          <a:schemeClr val="tx1"/>
+                        </a:solidFill>
+                        <a:latin typeface="Century Gothic" panose="020B0502020202020204" pitchFamily="34" charset="0"/>
+                        <a:ea typeface="+mn-ea"/>
+                        <a:cs typeface="+mn-cs"/>
+                      </a:endParaRPr>
+                    </a:p>
+                  </a:txBody>
+                  <a:tcPr anchor="ctr">
+                    <a:lnL w="6350" cap="flat" cmpd="sng" algn="ctr">
+                      <a:solidFill>
+                        <a:schemeClr val="bg1">
+                          <a:lumMod val="85000"/>
+                        </a:schemeClr>
+                      </a:solidFill>
+                      <a:prstDash val="solid"/>
+                      <a:round/>
+                      <a:headEnd type="none" w="med" len="med"/>
+                      <a:tailEnd type="none" w="med" len="med"/>
+                    </a:lnL>
+                    <a:lnR w="6350" cap="flat" cmpd="sng" algn="ctr">
+                      <a:solidFill>
+                        <a:schemeClr val="bg1">
+                          <a:lumMod val="85000"/>
+                        </a:schemeClr>
+                      </a:solidFill>
+                      <a:prstDash val="solid"/>
+                      <a:round/>
+                      <a:headEnd type="none" w="med" len="med"/>
+                      <a:tailEnd type="none" w="med" len="med"/>
+                    </a:lnR>
+                    <a:lnT w="6350" cap="flat" cmpd="sng" algn="ctr">
+                      <a:solidFill>
+                        <a:schemeClr val="bg1">
+                          <a:lumMod val="85000"/>
+                        </a:schemeClr>
+                      </a:solidFill>
+                      <a:prstDash val="solid"/>
+                      <a:round/>
+                      <a:headEnd type="none" w="med" len="med"/>
+                      <a:tailEnd type="none" w="med" len="med"/>
+                    </a:lnT>
+                    <a:lnB w="6350" cap="flat" cmpd="sng" algn="ctr">
+                      <a:solidFill>
+                        <a:schemeClr val="bg1">
+                          <a:lumMod val="85000"/>
+                        </a:schemeClr>
+                      </a:solidFill>
+                      <a:prstDash val="solid"/>
+                      <a:round/>
+                      <a:headEnd type="none" w="med" len="med"/>
+                      <a:tailEnd type="none" w="med" len="med"/>
+                    </a:lnB>
+                    <a:lnTlToBr w="12700" cmpd="sng">
+                      <a:noFill/>
+                      <a:prstDash val="solid"/>
+                    </a:lnTlToBr>
+                    <a:lnBlToTr w="12700" cmpd="sng">
+                      <a:noFill/>
+                      <a:prstDash val="solid"/>
+                    </a:lnBlToTr>
+                    <a:solidFill>
+                      <a:schemeClr val="bg1"/>
+                    </a:solidFill>
+                  </a:tcPr>
+                </a:tc>
+                <a:tc>
+                  <a:txBody>
+                    <a:bodyPr/>
+                    <a:lstStyle/>
+                    <a:p>
+                      <a:pPr algn="ctr" rtl="1"/>
+                      <a:r>
+                        <a:rPr lang="en-US" sz="1200" b="0" dirty="0" smtClean="0">
+                          <a:solidFill>
+                            <a:schemeClr val="tx1"/>
+                          </a:solidFill>
+                          <a:latin typeface="Century Gothic" panose="020B0502020202020204" pitchFamily="34" charset="0"/>
+                        </a:rPr>
+                        <a:t>Feed</a:t>
+                      </a:r>
+                      <a:endParaRPr lang="he-IL" sz="1200" b="0" dirty="0">
+                        <a:solidFill>
+                          <a:schemeClr val="tx1"/>
+                        </a:solidFill>
+                        <a:latin typeface="Century Gothic" panose="020B0502020202020204" pitchFamily="34" charset="0"/>
+                      </a:endParaRPr>
+                    </a:p>
+                  </a:txBody>
+                  <a:tcPr anchor="ctr">
+                    <a:lnL w="6350" cap="flat" cmpd="sng" algn="ctr">
+                      <a:solidFill>
+                        <a:schemeClr val="bg1">
+                          <a:lumMod val="85000"/>
+                        </a:schemeClr>
+                      </a:solidFill>
+                      <a:prstDash val="solid"/>
+                      <a:round/>
+                      <a:headEnd type="none" w="med" len="med"/>
+                      <a:tailEnd type="none" w="med" len="med"/>
+                    </a:lnL>
+                    <a:lnR w="6350" cap="flat" cmpd="sng" algn="ctr">
+                      <a:solidFill>
+                        <a:schemeClr val="bg1">
+                          <a:lumMod val="85000"/>
+                        </a:schemeClr>
+                      </a:solidFill>
+                      <a:prstDash val="solid"/>
+                      <a:round/>
+                      <a:headEnd type="none" w="med" len="med"/>
+                      <a:tailEnd type="none" w="med" len="med"/>
+                    </a:lnR>
+                    <a:lnT w="6350" cap="flat" cmpd="sng" algn="ctr">
+                      <a:solidFill>
+                        <a:schemeClr val="bg1">
+                          <a:lumMod val="85000"/>
+                        </a:schemeClr>
+                      </a:solidFill>
+                      <a:prstDash val="solid"/>
+                      <a:round/>
+                      <a:headEnd type="none" w="med" len="med"/>
+                      <a:tailEnd type="none" w="med" len="med"/>
+                    </a:lnT>
+                    <a:lnB w="6350" cap="flat" cmpd="sng" algn="ctr">
+                      <a:solidFill>
+                        <a:schemeClr val="bg1">
+                          <a:lumMod val="85000"/>
+                        </a:schemeClr>
+                      </a:solidFill>
+                      <a:prstDash val="solid"/>
+                      <a:round/>
+                      <a:headEnd type="none" w="med" len="med"/>
+                      <a:tailEnd type="none" w="med" len="med"/>
+                    </a:lnB>
+                    <a:lnTlToBr w="12700" cmpd="sng">
+                      <a:noFill/>
+                      <a:prstDash val="solid"/>
+                    </a:lnTlToBr>
+                    <a:lnBlToTr w="12700" cmpd="sng">
+                      <a:noFill/>
+                      <a:prstDash val="solid"/>
+                    </a:lnBlToTr>
+                    <a:solidFill>
+                      <a:schemeClr val="bg1"/>
+                    </a:solidFill>
+                  </a:tcPr>
+                </a:tc>
+              </a:tr>
+            </a:tbl>
+          </a:graphicData>
+        </a:graphic>
+      </p:graphicFrame>
+      <p:sp>
+        <p:nvSpPr>
+          <p:cNvPr id="20" name="Rectangle 19"/>
+          <p:cNvSpPr/>
+          <p:nvPr/>
+        </p:nvSpPr>
+        <p:spPr>
+          <a:xfrm flipV="1">
+            <a:off x="4687470" y="1589823"/>
+            <a:ext cx="941805" cy="45719"/>
+          </a:xfrm>
+          <a:prstGeom prst="rect">
+            <a:avLst/>
+          </a:prstGeom>
+          <a:solidFill>
+            <a:srgbClr val="C00000">
+              <a:alpha val="97000"/>
+            </a:srgbClr>
+          </a:solidFill>
+          <a:ln>
+            <a:noFill/>
+          </a:ln>
+        </p:spPr>
+        <p:style>
+          <a:lnRef idx="2">
+            <a:schemeClr val="accent1">
+              <a:shade val="50000"/>
+            </a:schemeClr>
+          </a:lnRef>
+          <a:fillRef idx="1">
+            <a:schemeClr val="accent1"/>
+          </a:fillRef>
+          <a:effectRef idx="0">
+            <a:schemeClr val="accent1"/>
+          </a:effectRef>
+          <a:fontRef idx="minor">
+            <a:schemeClr val="lt1"/>
+          </a:fontRef>
+        </p:style>
+        <p:txBody>
+          <a:bodyPr rtlCol="1" anchor="ctr"/>
+          <a:lstStyle/>
+          <a:p>
+            <a:pPr algn="ctr"/>
+            <a:endParaRPr lang="he-IL"/>
+          </a:p>
+        </p:txBody>
+      </p:sp>
+      <p:graphicFrame>
+        <p:nvGraphicFramePr>
+          <p:cNvPr id="22" name="Table 21"/>
+          <p:cNvGraphicFramePr>
+            <a:graphicFrameLocks noGrp="1"/>
+          </p:cNvGraphicFramePr>
+          <p:nvPr>
+            <p:extLst>
+              <p:ext uri="{D42A27DB-BD31-4B8C-83A1-F6EECF244321}">
+                <p14:modId xmlns:p14="http://schemas.microsoft.com/office/powerpoint/2010/main" val="2916361566"/>
+              </p:ext>
+            </p:extLst>
+          </p:nvPr>
+        </p:nvGraphicFramePr>
+        <p:xfrm>
+          <a:off x="4684295" y="1663698"/>
+          <a:ext cx="2829827" cy="4158585"/>
+        </p:xfrm>
+        <a:graphic>
+          <a:graphicData uri="http://schemas.openxmlformats.org/drawingml/2006/table">
+            <a:tbl>
+              <a:tblPr rtl="1" firstRow="1" bandRow="1">
+                <a:tableStyleId>{5C22544A-7EE6-4342-B048-85BDC9FD1C3A}</a:tableStyleId>
+              </a:tblPr>
+              <a:tblGrid>
+                <a:gridCol w="2829827"/>
+              </a:tblGrid>
+              <a:tr h="831717">
+                <a:tc>
+                  <a:txBody>
+                    <a:bodyPr/>
+                    <a:lstStyle/>
+                    <a:p>
+                      <a:pPr algn="ctr" rtl="1"/>
+                      <a:endParaRPr lang="he-IL" sz="1200" b="0" dirty="0">
+                        <a:solidFill>
+                          <a:schemeClr val="tx1"/>
+                        </a:solidFill>
+                        <a:latin typeface="Century Gothic" panose="020B0502020202020204" pitchFamily="34" charset="0"/>
+                      </a:endParaRPr>
+                    </a:p>
+                  </a:txBody>
+                  <a:tcPr anchor="ctr">
+                    <a:lnL w="57150" cap="flat" cmpd="sng" algn="ctr">
+                      <a:noFill/>
+                      <a:prstDash val="solid"/>
+                      <a:round/>
+                      <a:headEnd type="none" w="med" len="med"/>
+                      <a:tailEnd type="none" w="med" len="med"/>
+                    </a:lnL>
+                    <a:lnR w="57150" cap="flat" cmpd="sng" algn="ctr">
+                      <a:noFill/>
+                      <a:prstDash val="solid"/>
+                      <a:round/>
+                      <a:headEnd type="none" w="med" len="med"/>
+                      <a:tailEnd type="none" w="med" len="med"/>
+                    </a:lnR>
+                    <a:lnT w="57150" cap="flat" cmpd="sng" algn="ctr">
+                      <a:solidFill>
+                        <a:schemeClr val="bg1">
+                          <a:lumMod val="85000"/>
+                        </a:schemeClr>
+                      </a:solidFill>
+                      <a:prstDash val="solid"/>
+                      <a:round/>
+                      <a:headEnd type="none" w="med" len="med"/>
+                      <a:tailEnd type="none" w="med" len="med"/>
+                    </a:lnT>
+                    <a:lnB w="57150" cap="flat" cmpd="sng" algn="ctr">
+                      <a:solidFill>
+                        <a:schemeClr val="bg1">
+                          <a:lumMod val="85000"/>
+                        </a:schemeClr>
+                      </a:solidFill>
+                      <a:prstDash val="solid"/>
+                      <a:round/>
+                      <a:headEnd type="none" w="med" len="med"/>
+                      <a:tailEnd type="none" w="med" len="med"/>
+                    </a:lnB>
+                    <a:lnTlToBr w="12700" cmpd="sng">
+                      <a:noFill/>
+                      <a:prstDash val="solid"/>
+                    </a:lnTlToBr>
+                    <a:lnBlToTr w="12700" cmpd="sng">
+                      <a:noFill/>
+                      <a:prstDash val="solid"/>
+                    </a:lnBlToTr>
+                    <a:solidFill>
+                      <a:schemeClr val="bg1"/>
+                    </a:solidFill>
+                  </a:tcPr>
+                </a:tc>
+              </a:tr>
+              <a:tr h="831717">
+                <a:tc>
+                  <a:txBody>
+                    <a:bodyPr/>
+                    <a:lstStyle/>
+                    <a:p>
+                      <a:pPr algn="ctr" rtl="1"/>
+                      <a:endParaRPr lang="he-IL" sz="1200" b="0" dirty="0">
+                        <a:solidFill>
+                          <a:schemeClr val="tx1"/>
+                        </a:solidFill>
+                        <a:latin typeface="Century Gothic" panose="020B0502020202020204" pitchFamily="34" charset="0"/>
+                      </a:endParaRPr>
+                    </a:p>
+                  </a:txBody>
+                  <a:tcPr anchor="ctr">
+                    <a:lnL w="57150" cap="flat" cmpd="sng" algn="ctr">
+                      <a:noFill/>
+                      <a:prstDash val="solid"/>
+                      <a:round/>
+                      <a:headEnd type="none" w="med" len="med"/>
+                      <a:tailEnd type="none" w="med" len="med"/>
+                    </a:lnL>
+                    <a:lnR w="57150" cap="flat" cmpd="sng" algn="ctr">
+                      <a:noFill/>
+                      <a:prstDash val="solid"/>
+                      <a:round/>
+                      <a:headEnd type="none" w="med" len="med"/>
+                      <a:tailEnd type="none" w="med" len="med"/>
+                    </a:lnR>
+                    <a:lnT w="57150" cap="flat" cmpd="sng" algn="ctr">
+                      <a:solidFill>
+                        <a:schemeClr val="bg1">
+                          <a:lumMod val="85000"/>
+                        </a:schemeClr>
+                      </a:solidFill>
+                      <a:prstDash val="solid"/>
+                      <a:round/>
+                      <a:headEnd type="none" w="med" len="med"/>
+                      <a:tailEnd type="none" w="med" len="med"/>
+                    </a:lnT>
+                    <a:lnB w="57150" cap="flat" cmpd="sng" algn="ctr">
+                      <a:solidFill>
+                        <a:schemeClr val="bg1">
+                          <a:lumMod val="85000"/>
+                        </a:schemeClr>
+                      </a:solidFill>
+                      <a:prstDash val="solid"/>
+                      <a:round/>
+                      <a:headEnd type="none" w="med" len="med"/>
+                      <a:tailEnd type="none" w="med" len="med"/>
+                    </a:lnB>
+                    <a:lnTlToBr w="12700" cmpd="sng">
+                      <a:noFill/>
+                      <a:prstDash val="solid"/>
+                    </a:lnTlToBr>
+                    <a:lnBlToTr w="12700" cmpd="sng">
+                      <a:noFill/>
+                      <a:prstDash val="solid"/>
+                    </a:lnBlToTr>
+                    <a:solidFill>
+                      <a:schemeClr val="bg1"/>
+                    </a:solidFill>
+                  </a:tcPr>
+                </a:tc>
+              </a:tr>
+              <a:tr h="831717">
+                <a:tc>
+                  <a:txBody>
+                    <a:bodyPr/>
+                    <a:lstStyle/>
+                    <a:p>
+                      <a:pPr algn="ctr" rtl="1"/>
+                      <a:endParaRPr lang="he-IL" sz="1200" b="0" dirty="0">
+                        <a:solidFill>
+                          <a:schemeClr val="tx1"/>
+                        </a:solidFill>
+                        <a:latin typeface="Century Gothic" panose="020B0502020202020204" pitchFamily="34" charset="0"/>
+                      </a:endParaRPr>
+                    </a:p>
+                  </a:txBody>
+                  <a:tcPr anchor="ctr">
+                    <a:lnL w="57150" cap="flat" cmpd="sng" algn="ctr">
+                      <a:noFill/>
+                      <a:prstDash val="solid"/>
+                      <a:round/>
+                      <a:headEnd type="none" w="med" len="med"/>
+                      <a:tailEnd type="none" w="med" len="med"/>
+                    </a:lnL>
+                    <a:lnR w="57150" cap="flat" cmpd="sng" algn="ctr">
+                      <a:noFill/>
+                      <a:prstDash val="solid"/>
+                      <a:round/>
+                      <a:headEnd type="none" w="med" len="med"/>
+                      <a:tailEnd type="none" w="med" len="med"/>
+                    </a:lnR>
+                    <a:lnT w="57150" cap="flat" cmpd="sng" algn="ctr">
+                      <a:solidFill>
+                        <a:schemeClr val="bg1">
+                          <a:lumMod val="85000"/>
+                        </a:schemeClr>
+                      </a:solidFill>
+                      <a:prstDash val="solid"/>
+                      <a:round/>
+                      <a:headEnd type="none" w="med" len="med"/>
+                      <a:tailEnd type="none" w="med" len="med"/>
+                    </a:lnT>
+                    <a:lnB w="57150" cap="flat" cmpd="sng" algn="ctr">
+                      <a:solidFill>
+                        <a:schemeClr val="bg1">
+                          <a:lumMod val="85000"/>
+                        </a:schemeClr>
+                      </a:solidFill>
+                      <a:prstDash val="solid"/>
+                      <a:round/>
+                      <a:headEnd type="none" w="med" len="med"/>
+                      <a:tailEnd type="none" w="med" len="med"/>
+                    </a:lnB>
+                    <a:lnTlToBr w="12700" cmpd="sng">
+                      <a:noFill/>
+                      <a:prstDash val="solid"/>
+                    </a:lnTlToBr>
+                    <a:lnBlToTr w="12700" cmpd="sng">
+                      <a:noFill/>
+                      <a:prstDash val="solid"/>
+                    </a:lnBlToTr>
+                    <a:solidFill>
+                      <a:schemeClr val="bg1"/>
+                    </a:solidFill>
+                  </a:tcPr>
+                </a:tc>
+              </a:tr>
+              <a:tr h="831717">
+                <a:tc>
+                  <a:txBody>
+                    <a:bodyPr/>
+                    <a:lstStyle/>
+                    <a:p>
+                      <a:pPr algn="ctr" rtl="1"/>
+                      <a:endParaRPr lang="he-IL" sz="1200" b="0" dirty="0">
+                        <a:solidFill>
+                          <a:schemeClr val="tx1"/>
+                        </a:solidFill>
+                        <a:latin typeface="Century Gothic" panose="020B0502020202020204" pitchFamily="34" charset="0"/>
+                      </a:endParaRPr>
+                    </a:p>
+                  </a:txBody>
+                  <a:tcPr anchor="ctr">
+                    <a:lnL w="57150" cap="flat" cmpd="sng" algn="ctr">
+                      <a:noFill/>
+                      <a:prstDash val="solid"/>
+                      <a:round/>
+                      <a:headEnd type="none" w="med" len="med"/>
+                      <a:tailEnd type="none" w="med" len="med"/>
+                    </a:lnL>
+                    <a:lnR w="57150" cap="flat" cmpd="sng" algn="ctr">
+                      <a:noFill/>
+                      <a:prstDash val="solid"/>
+                      <a:round/>
+                      <a:headEnd type="none" w="med" len="med"/>
+                      <a:tailEnd type="none" w="med" len="med"/>
+                    </a:lnR>
+                    <a:lnT w="57150" cap="flat" cmpd="sng" algn="ctr">
+                      <a:solidFill>
+                        <a:schemeClr val="bg1">
+                          <a:lumMod val="85000"/>
+                        </a:schemeClr>
+                      </a:solidFill>
+                      <a:prstDash val="solid"/>
+                      <a:round/>
+                      <a:headEnd type="none" w="med" len="med"/>
+                      <a:tailEnd type="none" w="med" len="med"/>
+                    </a:lnT>
+                    <a:lnB w="57150" cap="flat" cmpd="sng" algn="ctr">
+                      <a:solidFill>
+                        <a:schemeClr val="bg1">
+                          <a:lumMod val="85000"/>
+                        </a:schemeClr>
+                      </a:solidFill>
+                      <a:prstDash val="solid"/>
+                      <a:round/>
+                      <a:headEnd type="none" w="med" len="med"/>
+                      <a:tailEnd type="none" w="med" len="med"/>
+                    </a:lnB>
+                    <a:lnTlToBr w="12700" cmpd="sng">
+                      <a:noFill/>
+                      <a:prstDash val="solid"/>
+                    </a:lnTlToBr>
+                    <a:lnBlToTr w="12700" cmpd="sng">
+                      <a:noFill/>
+                      <a:prstDash val="solid"/>
+                    </a:lnBlToTr>
+                    <a:solidFill>
+                      <a:schemeClr val="bg1"/>
+                    </a:solidFill>
+                  </a:tcPr>
+                </a:tc>
+              </a:tr>
+              <a:tr h="831717">
+                <a:tc>
+                  <a:txBody>
+                    <a:bodyPr/>
+                    <a:lstStyle/>
+                    <a:p>
+                      <a:pPr algn="ctr" rtl="1"/>
+                      <a:endParaRPr lang="he-IL" sz="1200" b="0" dirty="0">
+                        <a:solidFill>
+                          <a:schemeClr val="tx1"/>
+                        </a:solidFill>
+                        <a:latin typeface="Century Gothic" panose="020B0502020202020204" pitchFamily="34" charset="0"/>
+                      </a:endParaRPr>
+                    </a:p>
+                  </a:txBody>
+                  <a:tcPr anchor="ctr">
+                    <a:lnL w="57150" cap="flat" cmpd="sng" algn="ctr">
+                      <a:noFill/>
+                      <a:prstDash val="solid"/>
+                      <a:round/>
+                      <a:headEnd type="none" w="med" len="med"/>
+                      <a:tailEnd type="none" w="med" len="med"/>
+                    </a:lnL>
+                    <a:lnR w="57150" cap="flat" cmpd="sng" algn="ctr">
+                      <a:noFill/>
+                      <a:prstDash val="solid"/>
+                      <a:round/>
+                      <a:headEnd type="none" w="med" len="med"/>
+                      <a:tailEnd type="none" w="med" len="med"/>
+                    </a:lnR>
+                    <a:lnT w="57150" cap="flat" cmpd="sng" algn="ctr">
+                      <a:solidFill>
+                        <a:schemeClr val="bg1">
+                          <a:lumMod val="85000"/>
+                        </a:schemeClr>
+                      </a:solidFill>
+                      <a:prstDash val="solid"/>
+                      <a:round/>
+                      <a:headEnd type="none" w="med" len="med"/>
+                      <a:tailEnd type="none" w="med" len="med"/>
+                    </a:lnT>
+                    <a:lnB w="57150" cap="flat" cmpd="sng" algn="ctr">
+                      <a:solidFill>
+                        <a:schemeClr val="bg1">
+                          <a:lumMod val="85000"/>
+                        </a:schemeClr>
+                      </a:solidFill>
+                      <a:prstDash val="solid"/>
+                      <a:round/>
+                      <a:headEnd type="none" w="med" len="med"/>
+                      <a:tailEnd type="none" w="med" len="med"/>
+                    </a:lnB>
+                    <a:lnTlToBr w="12700" cmpd="sng">
+                      <a:noFill/>
+                      <a:prstDash val="solid"/>
+                    </a:lnTlToBr>
+                    <a:lnBlToTr w="12700" cmpd="sng">
+                      <a:noFill/>
+                      <a:prstDash val="solid"/>
+                    </a:lnBlToTr>
+                    <a:solidFill>
+                      <a:schemeClr val="bg1"/>
+                    </a:solidFill>
+                  </a:tcPr>
+                </a:tc>
+              </a:tr>
+            </a:tbl>
+          </a:graphicData>
+        </a:graphic>
+      </p:graphicFrame>
+      <p:pic>
+        <p:nvPicPr>
+          <p:cNvPr id="23" name="Picture 22"/>
+          <p:cNvPicPr>
+            <a:picLocks noChangeAspect="1"/>
+          </p:cNvPicPr>
+          <p:nvPr/>
+        </p:nvPicPr>
+        <p:blipFill>
+          <a:blip r:embed="rId11"/>
+          <a:stretch>
+            <a:fillRect/>
+          </a:stretch>
+        </p:blipFill>
+        <p:spPr>
+          <a:xfrm flipH="1" flipV="1">
+            <a:off x="6844920" y="5112620"/>
+            <a:ext cx="550244" cy="550244"/>
           </a:xfrm>
           <a:prstGeom prst="rect">
             <a:avLst/>

--- a/Design/Design.pptx
+++ b/Design/Design.pptx
@@ -5,17 +5,21 @@
     <p:sldMasterId id="2147483648" r:id="rId1"/>
   </p:sldMasterIdLst>
   <p:notesMasterIdLst>
-    <p:notesMasterId r:id="rId10"/>
+    <p:notesMasterId r:id="rId14"/>
   </p:notesMasterIdLst>
   <p:sldIdLst>
     <p:sldId id="302" r:id="rId2"/>
     <p:sldId id="303" r:id="rId3"/>
-    <p:sldId id="277" r:id="rId4"/>
-    <p:sldId id="304" r:id="rId5"/>
-    <p:sldId id="307" r:id="rId6"/>
-    <p:sldId id="306" r:id="rId7"/>
-    <p:sldId id="308" r:id="rId8"/>
-    <p:sldId id="309" r:id="rId9"/>
+    <p:sldId id="313" r:id="rId4"/>
+    <p:sldId id="277" r:id="rId5"/>
+    <p:sldId id="304" r:id="rId6"/>
+    <p:sldId id="307" r:id="rId7"/>
+    <p:sldId id="306" r:id="rId8"/>
+    <p:sldId id="308" r:id="rId9"/>
+    <p:sldId id="309" r:id="rId10"/>
+    <p:sldId id="310" r:id="rId11"/>
+    <p:sldId id="311" r:id="rId12"/>
+    <p:sldId id="312" r:id="rId13"/>
   </p:sldIdLst>
   <p:sldSz cx="12192000" cy="6858000"/>
   <p:notesSz cx="6858000" cy="9144000"/>
@@ -128,6 +132,20 @@
           </p15:clr>
         </p15:guide>
       </p15:sldGuideLst>
+    </p:ext>
+    <p:ext uri="{2D200454-40CA-4A62-9FC3-DE9A4176ACB9}">
+      <p15:notesGuideLst xmlns:p15="http://schemas.microsoft.com/office/powerpoint/2012/main">
+        <p15:guide id="1" orient="horz" pos="2880" userDrawn="1">
+          <p15:clr>
+            <a:srgbClr val="A4A3A4"/>
+          </p15:clr>
+        </p15:guide>
+        <p15:guide id="2" pos="2160" userDrawn="1">
+          <p15:clr>
+            <a:srgbClr val="A4A3A4"/>
+          </p15:clr>
+        </p15:guide>
+      </p15:notesGuideLst>
     </p:ext>
   </p:extLst>
 </p:presentation>
@@ -567,6 +585,174 @@
 </p:notes>
 </file>
 
+<file path=ppt/notesSlides/notesSlide10.xml><?xml version="1.0" encoding="utf-8"?>
+<p:notes xmlns:a="http://schemas.openxmlformats.org/drawingml/2006/main" xmlns:r="http://schemas.openxmlformats.org/officeDocument/2006/relationships" xmlns:p="http://schemas.openxmlformats.org/presentationml/2006/main">
+  <p:cSld>
+    <p:spTree>
+      <p:nvGrpSpPr>
+        <p:cNvPr id="1" name=""/>
+        <p:cNvGrpSpPr/>
+        <p:nvPr/>
+      </p:nvGrpSpPr>
+      <p:grpSpPr>
+        <a:xfrm>
+          <a:off x="0" y="0"/>
+          <a:ext cx="0" cy="0"/>
+          <a:chOff x="0" y="0"/>
+          <a:chExt cx="0" cy="0"/>
+        </a:xfrm>
+      </p:grpSpPr>
+      <p:sp>
+        <p:nvSpPr>
+          <p:cNvPr id="2" name="Slide Image Placeholder 1"/>
+          <p:cNvSpPr>
+            <a:spLocks noGrp="1" noRot="1" noChangeAspect="1"/>
+          </p:cNvSpPr>
+          <p:nvPr>
+            <p:ph type="sldImg"/>
+          </p:nvPr>
+        </p:nvSpPr>
+        <p:spPr/>
+      </p:sp>
+      <p:sp>
+        <p:nvSpPr>
+          <p:cNvPr id="3" name="Notes Placeholder 2"/>
+          <p:cNvSpPr>
+            <a:spLocks noGrp="1"/>
+          </p:cNvSpPr>
+          <p:nvPr>
+            <p:ph type="body" idx="1"/>
+          </p:nvPr>
+        </p:nvSpPr>
+        <p:spPr/>
+        <p:txBody>
+          <a:bodyPr/>
+          <a:lstStyle/>
+          <a:p>
+            <a:endParaRPr lang="he-IL" dirty="0"/>
+          </a:p>
+        </p:txBody>
+      </p:sp>
+      <p:sp>
+        <p:nvSpPr>
+          <p:cNvPr id="4" name="Slide Number Placeholder 3"/>
+          <p:cNvSpPr>
+            <a:spLocks noGrp="1"/>
+          </p:cNvSpPr>
+          <p:nvPr>
+            <p:ph type="sldNum" sz="quarter" idx="10"/>
+          </p:nvPr>
+        </p:nvSpPr>
+        <p:spPr/>
+        <p:txBody>
+          <a:bodyPr/>
+          <a:lstStyle/>
+          <a:p>
+            <a:fld id="{F83821B8-9E9A-4E7B-8ED8-A137BF87C344}" type="slidenum">
+              <a:rPr lang="he-IL" smtClean="0"/>
+              <a:t>11</a:t>
+            </a:fld>
+            <a:endParaRPr lang="he-IL" dirty="0"/>
+          </a:p>
+        </p:txBody>
+      </p:sp>
+    </p:spTree>
+    <p:extLst>
+      <p:ext uri="{BB962C8B-B14F-4D97-AF65-F5344CB8AC3E}">
+        <p14:creationId xmlns:p14="http://schemas.microsoft.com/office/powerpoint/2010/main" val="2227026297"/>
+      </p:ext>
+    </p:extLst>
+  </p:cSld>
+  <p:clrMapOvr>
+    <a:masterClrMapping/>
+  </p:clrMapOvr>
+</p:notes>
+</file>
+
+<file path=ppt/notesSlides/notesSlide11.xml><?xml version="1.0" encoding="utf-8"?>
+<p:notes xmlns:a="http://schemas.openxmlformats.org/drawingml/2006/main" xmlns:r="http://schemas.openxmlformats.org/officeDocument/2006/relationships" xmlns:p="http://schemas.openxmlformats.org/presentationml/2006/main">
+  <p:cSld>
+    <p:spTree>
+      <p:nvGrpSpPr>
+        <p:cNvPr id="1" name=""/>
+        <p:cNvGrpSpPr/>
+        <p:nvPr/>
+      </p:nvGrpSpPr>
+      <p:grpSpPr>
+        <a:xfrm>
+          <a:off x="0" y="0"/>
+          <a:ext cx="0" cy="0"/>
+          <a:chOff x="0" y="0"/>
+          <a:chExt cx="0" cy="0"/>
+        </a:xfrm>
+      </p:grpSpPr>
+      <p:sp>
+        <p:nvSpPr>
+          <p:cNvPr id="2" name="Slide Image Placeholder 1"/>
+          <p:cNvSpPr>
+            <a:spLocks noGrp="1" noRot="1" noChangeAspect="1"/>
+          </p:cNvSpPr>
+          <p:nvPr>
+            <p:ph type="sldImg"/>
+          </p:nvPr>
+        </p:nvSpPr>
+        <p:spPr/>
+      </p:sp>
+      <p:sp>
+        <p:nvSpPr>
+          <p:cNvPr id="3" name="Notes Placeholder 2"/>
+          <p:cNvSpPr>
+            <a:spLocks noGrp="1"/>
+          </p:cNvSpPr>
+          <p:nvPr>
+            <p:ph type="body" idx="1"/>
+          </p:nvPr>
+        </p:nvSpPr>
+        <p:spPr/>
+        <p:txBody>
+          <a:bodyPr/>
+          <a:lstStyle/>
+          <a:p>
+            <a:endParaRPr lang="he-IL" dirty="0"/>
+          </a:p>
+        </p:txBody>
+      </p:sp>
+      <p:sp>
+        <p:nvSpPr>
+          <p:cNvPr id="4" name="Slide Number Placeholder 3"/>
+          <p:cNvSpPr>
+            <a:spLocks noGrp="1"/>
+          </p:cNvSpPr>
+          <p:nvPr>
+            <p:ph type="sldNum" sz="quarter" idx="10"/>
+          </p:nvPr>
+        </p:nvSpPr>
+        <p:spPr/>
+        <p:txBody>
+          <a:bodyPr/>
+          <a:lstStyle/>
+          <a:p>
+            <a:fld id="{F83821B8-9E9A-4E7B-8ED8-A137BF87C344}" type="slidenum">
+              <a:rPr lang="he-IL" smtClean="0"/>
+              <a:t>12</a:t>
+            </a:fld>
+            <a:endParaRPr lang="he-IL" dirty="0"/>
+          </a:p>
+        </p:txBody>
+      </p:sp>
+    </p:spTree>
+    <p:extLst>
+      <p:ext uri="{BB962C8B-B14F-4D97-AF65-F5344CB8AC3E}">
+        <p14:creationId xmlns:p14="http://schemas.microsoft.com/office/powerpoint/2010/main" val="3077369894"/>
+      </p:ext>
+    </p:extLst>
+  </p:cSld>
+  <p:clrMapOvr>
+    <a:masterClrMapping/>
+  </p:clrMapOvr>
+</p:notes>
+</file>
+
 <file path=ppt/notesSlides/notesSlide2.xml><?xml version="1.0" encoding="utf-8"?>
 <p:notes xmlns:a="http://schemas.openxmlformats.org/drawingml/2006/main" xmlns:r="http://schemas.openxmlformats.org/officeDocument/2006/relationships" xmlns:p="http://schemas.openxmlformats.org/presentationml/2006/main">
   <p:cSld>
@@ -641,7 +827,7 @@
     </p:spTree>
     <p:extLst>
       <p:ext uri="{BB962C8B-B14F-4D97-AF65-F5344CB8AC3E}">
-        <p14:creationId xmlns:p14="http://schemas.microsoft.com/office/powerpoint/2010/main" val="2509964405"/>
+        <p14:creationId xmlns:p14="http://schemas.microsoft.com/office/powerpoint/2010/main" val="3170528664"/>
       </p:ext>
     </p:extLst>
   </p:cSld>
@@ -725,7 +911,7 @@
     </p:spTree>
     <p:extLst>
       <p:ext uri="{BB962C8B-B14F-4D97-AF65-F5344CB8AC3E}">
-        <p14:creationId xmlns:p14="http://schemas.microsoft.com/office/powerpoint/2010/main" val="35443242"/>
+        <p14:creationId xmlns:p14="http://schemas.microsoft.com/office/powerpoint/2010/main" val="2509964405"/>
       </p:ext>
     </p:extLst>
   </p:cSld>
@@ -809,7 +995,7 @@
     </p:spTree>
     <p:extLst>
       <p:ext uri="{BB962C8B-B14F-4D97-AF65-F5344CB8AC3E}">
-        <p14:creationId xmlns:p14="http://schemas.microsoft.com/office/powerpoint/2010/main" val="2369502196"/>
+        <p14:creationId xmlns:p14="http://schemas.microsoft.com/office/powerpoint/2010/main" val="35443242"/>
       </p:ext>
     </p:extLst>
   </p:cSld>
@@ -893,7 +1079,7 @@
     </p:spTree>
     <p:extLst>
       <p:ext uri="{BB962C8B-B14F-4D97-AF65-F5344CB8AC3E}">
-        <p14:creationId xmlns:p14="http://schemas.microsoft.com/office/powerpoint/2010/main" val="455818947"/>
+        <p14:creationId xmlns:p14="http://schemas.microsoft.com/office/powerpoint/2010/main" val="2369502196"/>
       </p:ext>
     </p:extLst>
   </p:cSld>
@@ -977,7 +1163,7 @@
     </p:spTree>
     <p:extLst>
       <p:ext uri="{BB962C8B-B14F-4D97-AF65-F5344CB8AC3E}">
-        <p14:creationId xmlns:p14="http://schemas.microsoft.com/office/powerpoint/2010/main" val="1856461946"/>
+        <p14:creationId xmlns:p14="http://schemas.microsoft.com/office/powerpoint/2010/main" val="455818947"/>
       </p:ext>
     </p:extLst>
   </p:cSld>
@@ -1061,7 +1247,175 @@
     </p:spTree>
     <p:extLst>
       <p:ext uri="{BB962C8B-B14F-4D97-AF65-F5344CB8AC3E}">
+        <p14:creationId xmlns:p14="http://schemas.microsoft.com/office/powerpoint/2010/main" val="1856461946"/>
+      </p:ext>
+    </p:extLst>
+  </p:cSld>
+  <p:clrMapOvr>
+    <a:masterClrMapping/>
+  </p:clrMapOvr>
+</p:notes>
+</file>
+
+<file path=ppt/notesSlides/notesSlide8.xml><?xml version="1.0" encoding="utf-8"?>
+<p:notes xmlns:a="http://schemas.openxmlformats.org/drawingml/2006/main" xmlns:r="http://schemas.openxmlformats.org/officeDocument/2006/relationships" xmlns:p="http://schemas.openxmlformats.org/presentationml/2006/main">
+  <p:cSld>
+    <p:spTree>
+      <p:nvGrpSpPr>
+        <p:cNvPr id="1" name=""/>
+        <p:cNvGrpSpPr/>
+        <p:nvPr/>
+      </p:nvGrpSpPr>
+      <p:grpSpPr>
+        <a:xfrm>
+          <a:off x="0" y="0"/>
+          <a:ext cx="0" cy="0"/>
+          <a:chOff x="0" y="0"/>
+          <a:chExt cx="0" cy="0"/>
+        </a:xfrm>
+      </p:grpSpPr>
+      <p:sp>
+        <p:nvSpPr>
+          <p:cNvPr id="2" name="Slide Image Placeholder 1"/>
+          <p:cNvSpPr>
+            <a:spLocks noGrp="1" noRot="1" noChangeAspect="1"/>
+          </p:cNvSpPr>
+          <p:nvPr>
+            <p:ph type="sldImg"/>
+          </p:nvPr>
+        </p:nvSpPr>
+        <p:spPr/>
+      </p:sp>
+      <p:sp>
+        <p:nvSpPr>
+          <p:cNvPr id="3" name="Notes Placeholder 2"/>
+          <p:cNvSpPr>
+            <a:spLocks noGrp="1"/>
+          </p:cNvSpPr>
+          <p:nvPr>
+            <p:ph type="body" idx="1"/>
+          </p:nvPr>
+        </p:nvSpPr>
+        <p:spPr/>
+        <p:txBody>
+          <a:bodyPr/>
+          <a:lstStyle/>
+          <a:p>
+            <a:endParaRPr lang="he-IL" dirty="0"/>
+          </a:p>
+        </p:txBody>
+      </p:sp>
+      <p:sp>
+        <p:nvSpPr>
+          <p:cNvPr id="4" name="Slide Number Placeholder 3"/>
+          <p:cNvSpPr>
+            <a:spLocks noGrp="1"/>
+          </p:cNvSpPr>
+          <p:nvPr>
+            <p:ph type="sldNum" sz="quarter" idx="10"/>
+          </p:nvPr>
+        </p:nvSpPr>
+        <p:spPr/>
+        <p:txBody>
+          <a:bodyPr/>
+          <a:lstStyle/>
+          <a:p>
+            <a:fld id="{F83821B8-9E9A-4E7B-8ED8-A137BF87C344}" type="slidenum">
+              <a:rPr lang="he-IL" smtClean="0"/>
+              <a:t>9</a:t>
+            </a:fld>
+            <a:endParaRPr lang="he-IL" dirty="0"/>
+          </a:p>
+        </p:txBody>
+      </p:sp>
+    </p:spTree>
+    <p:extLst>
+      <p:ext uri="{BB962C8B-B14F-4D97-AF65-F5344CB8AC3E}">
         <p14:creationId xmlns:p14="http://schemas.microsoft.com/office/powerpoint/2010/main" val="681798892"/>
+      </p:ext>
+    </p:extLst>
+  </p:cSld>
+  <p:clrMapOvr>
+    <a:masterClrMapping/>
+  </p:clrMapOvr>
+</p:notes>
+</file>
+
+<file path=ppt/notesSlides/notesSlide9.xml><?xml version="1.0" encoding="utf-8"?>
+<p:notes xmlns:a="http://schemas.openxmlformats.org/drawingml/2006/main" xmlns:r="http://schemas.openxmlformats.org/officeDocument/2006/relationships" xmlns:p="http://schemas.openxmlformats.org/presentationml/2006/main">
+  <p:cSld>
+    <p:spTree>
+      <p:nvGrpSpPr>
+        <p:cNvPr id="1" name=""/>
+        <p:cNvGrpSpPr/>
+        <p:nvPr/>
+      </p:nvGrpSpPr>
+      <p:grpSpPr>
+        <a:xfrm>
+          <a:off x="0" y="0"/>
+          <a:ext cx="0" cy="0"/>
+          <a:chOff x="0" y="0"/>
+          <a:chExt cx="0" cy="0"/>
+        </a:xfrm>
+      </p:grpSpPr>
+      <p:sp>
+        <p:nvSpPr>
+          <p:cNvPr id="2" name="Slide Image Placeholder 1"/>
+          <p:cNvSpPr>
+            <a:spLocks noGrp="1" noRot="1" noChangeAspect="1"/>
+          </p:cNvSpPr>
+          <p:nvPr>
+            <p:ph type="sldImg"/>
+          </p:nvPr>
+        </p:nvSpPr>
+        <p:spPr/>
+      </p:sp>
+      <p:sp>
+        <p:nvSpPr>
+          <p:cNvPr id="3" name="Notes Placeholder 2"/>
+          <p:cNvSpPr>
+            <a:spLocks noGrp="1"/>
+          </p:cNvSpPr>
+          <p:nvPr>
+            <p:ph type="body" idx="1"/>
+          </p:nvPr>
+        </p:nvSpPr>
+        <p:spPr/>
+        <p:txBody>
+          <a:bodyPr/>
+          <a:lstStyle/>
+          <a:p>
+            <a:endParaRPr lang="he-IL" dirty="0"/>
+          </a:p>
+        </p:txBody>
+      </p:sp>
+      <p:sp>
+        <p:nvSpPr>
+          <p:cNvPr id="4" name="Slide Number Placeholder 3"/>
+          <p:cNvSpPr>
+            <a:spLocks noGrp="1"/>
+          </p:cNvSpPr>
+          <p:nvPr>
+            <p:ph type="sldNum" sz="quarter" idx="10"/>
+          </p:nvPr>
+        </p:nvSpPr>
+        <p:spPr/>
+        <p:txBody>
+          <a:bodyPr/>
+          <a:lstStyle/>
+          <a:p>
+            <a:fld id="{F83821B8-9E9A-4E7B-8ED8-A137BF87C344}" type="slidenum">
+              <a:rPr lang="he-IL" smtClean="0"/>
+              <a:t>10</a:t>
+            </a:fld>
+            <a:endParaRPr lang="he-IL" dirty="0"/>
+          </a:p>
+        </p:txBody>
+      </p:sp>
+    </p:spTree>
+    <p:extLst>
+      <p:ext uri="{BB962C8B-B14F-4D97-AF65-F5344CB8AC3E}">
+        <p14:creationId xmlns:p14="http://schemas.microsoft.com/office/powerpoint/2010/main" val="4022479126"/>
       </p:ext>
     </p:extLst>
   </p:cSld>
@@ -4272,6 +4626,3502 @@
     </mc:Choice>
     <mc:Fallback xmlns="">
       <p:transition spd="slow">
+        <p:fade/>
+      </p:transition>
+    </mc:Fallback>
+  </mc:AlternateContent>
+  <p:timing>
+    <p:tnLst>
+      <p:par>
+        <p:cTn id="1" dur="indefinite" restart="never" nodeType="tmRoot"/>
+      </p:par>
+    </p:tnLst>
+  </p:timing>
+</p:sld>
+</file>
+
+<file path=ppt/slides/slide10.xml><?xml version="1.0" encoding="utf-8"?>
+<p:sld xmlns:a="http://schemas.openxmlformats.org/drawingml/2006/main" xmlns:r="http://schemas.openxmlformats.org/officeDocument/2006/relationships" xmlns:p="http://schemas.openxmlformats.org/presentationml/2006/main">
+  <p:cSld>
+    <p:spTree>
+      <p:nvGrpSpPr>
+        <p:cNvPr id="1" name=""/>
+        <p:cNvGrpSpPr/>
+        <p:nvPr/>
+      </p:nvGrpSpPr>
+      <p:grpSpPr>
+        <a:xfrm>
+          <a:off x="0" y="0"/>
+          <a:ext cx="0" cy="0"/>
+          <a:chOff x="0" y="0"/>
+          <a:chExt cx="0" cy="0"/>
+        </a:xfrm>
+      </p:grpSpPr>
+      <p:pic>
+        <p:nvPicPr>
+          <p:cNvPr id="27" name="Picture 6" descr="http://www.technobuffalo.com/wp-content/uploads/2013/10/Nexus-5-Press-Image-001-1280x874.jpg"/>
+          <p:cNvPicPr>
+            <a:picLocks noChangeAspect="1" noChangeArrowheads="1"/>
+          </p:cNvPicPr>
+          <p:nvPr/>
+        </p:nvPicPr>
+        <p:blipFill>
+          <a:blip r:embed="rId3">
+            <a:extLst>
+              <a:ext uri="{BEBA8EAE-BF5A-486C-A8C5-ECC9F3942E4B}">
+                <a14:imgProps xmlns:a14="http://schemas.microsoft.com/office/drawing/2010/main">
+                  <a14:imgLayer r:embed="rId4">
+                    <a14:imgEffect>
+                      <a14:backgroundRemoval t="4119" b="95538" l="10000" r="90000"/>
+                    </a14:imgEffect>
+                  </a14:imgLayer>
+                </a14:imgProps>
+              </a:ext>
+              <a:ext uri="{28A0092B-C50C-407E-A947-70E740481C1C}">
+                <a14:useLocalDpi xmlns:a14="http://schemas.microsoft.com/office/drawing/2010/main" val="0"/>
+              </a:ext>
+            </a:extLst>
+          </a:blip>
+          <a:srcRect/>
+          <a:stretch>
+            <a:fillRect/>
+          </a:stretch>
+        </p:blipFill>
+        <p:spPr bwMode="auto">
+          <a:xfrm>
+            <a:off x="1050881" y="-38501"/>
+            <a:ext cx="10109488" cy="6902886"/>
+          </a:xfrm>
+          <a:prstGeom prst="rect">
+            <a:avLst/>
+          </a:prstGeom>
+          <a:noFill/>
+          <a:effectLst>
+            <a:outerShdw blurRad="50800" dist="38100" dir="10800000" algn="r" rotWithShape="0">
+              <a:prstClr val="black">
+                <a:alpha val="40000"/>
+              </a:prstClr>
+            </a:outerShdw>
+          </a:effectLst>
+          <a:extLst>
+            <a:ext uri="{909E8E84-426E-40DD-AFC4-6F175D3DCCD1}">
+              <a14:hiddenFill xmlns:a14="http://schemas.microsoft.com/office/drawing/2010/main">
+                <a:solidFill>
+                  <a:srgbClr val="FFFFFF"/>
+                </a:solidFill>
+              </a14:hiddenFill>
+            </a:ext>
+          </a:extLst>
+        </p:spPr>
+      </p:pic>
+      <p:sp>
+        <p:nvSpPr>
+          <p:cNvPr id="5" name="Rectangle 4"/>
+          <p:cNvSpPr/>
+          <p:nvPr/>
+        </p:nvSpPr>
+        <p:spPr>
+          <a:xfrm>
+            <a:off x="4684295" y="834830"/>
+            <a:ext cx="2829827" cy="4987453"/>
+          </a:xfrm>
+          <a:prstGeom prst="rect">
+            <a:avLst/>
+          </a:prstGeom>
+          <a:solidFill>
+            <a:schemeClr val="bg1"/>
+          </a:solidFill>
+          <a:ln>
+            <a:noFill/>
+          </a:ln>
+        </p:spPr>
+        <p:style>
+          <a:lnRef idx="2">
+            <a:schemeClr val="accent1">
+              <a:shade val="50000"/>
+            </a:schemeClr>
+          </a:lnRef>
+          <a:fillRef idx="1">
+            <a:schemeClr val="accent1"/>
+          </a:fillRef>
+          <a:effectRef idx="0">
+            <a:schemeClr val="accent1"/>
+          </a:effectRef>
+          <a:fontRef idx="minor">
+            <a:schemeClr val="lt1"/>
+          </a:fontRef>
+        </p:style>
+        <p:txBody>
+          <a:bodyPr rtlCol="1" anchor="ctr"/>
+          <a:lstStyle/>
+          <a:p>
+            <a:pPr algn="ctr"/>
+            <a:endParaRPr lang="he-IL"/>
+          </a:p>
+        </p:txBody>
+      </p:sp>
+      <p:sp>
+        <p:nvSpPr>
+          <p:cNvPr id="11" name="Rectangle 10"/>
+          <p:cNvSpPr/>
+          <p:nvPr/>
+        </p:nvSpPr>
+        <p:spPr>
+          <a:xfrm>
+            <a:off x="4684295" y="822492"/>
+            <a:ext cx="2829827" cy="539583"/>
+          </a:xfrm>
+          <a:prstGeom prst="rect">
+            <a:avLst/>
+          </a:prstGeom>
+          <a:solidFill>
+            <a:srgbClr val="F20000">
+              <a:alpha val="97000"/>
+            </a:srgbClr>
+          </a:solidFill>
+          <a:ln>
+            <a:noFill/>
+          </a:ln>
+        </p:spPr>
+        <p:style>
+          <a:lnRef idx="2">
+            <a:schemeClr val="accent1">
+              <a:shade val="50000"/>
+            </a:schemeClr>
+          </a:lnRef>
+          <a:fillRef idx="1">
+            <a:schemeClr val="accent1"/>
+          </a:fillRef>
+          <a:effectRef idx="0">
+            <a:schemeClr val="accent1"/>
+          </a:effectRef>
+          <a:fontRef idx="minor">
+            <a:schemeClr val="lt1"/>
+          </a:fontRef>
+        </p:style>
+        <p:txBody>
+          <a:bodyPr rtlCol="1" anchor="ctr"/>
+          <a:lstStyle/>
+          <a:p>
+            <a:pPr algn="ctr"/>
+            <a:endParaRPr lang="he-IL"/>
+          </a:p>
+        </p:txBody>
+      </p:sp>
+      <p:sp>
+        <p:nvSpPr>
+          <p:cNvPr id="13" name="TextBox 12"/>
+          <p:cNvSpPr txBox="1"/>
+          <p:nvPr/>
+        </p:nvSpPr>
+        <p:spPr>
+          <a:xfrm>
+            <a:off x="5053863" y="907617"/>
+            <a:ext cx="1217000" cy="369332"/>
+          </a:xfrm>
+          <a:prstGeom prst="rect">
+            <a:avLst/>
+          </a:prstGeom>
+          <a:noFill/>
+        </p:spPr>
+        <p:txBody>
+          <a:bodyPr wrap="none" rtlCol="1">
+            <a:spAutoFit/>
+          </a:bodyPr>
+          <a:lstStyle/>
+          <a:p>
+            <a:pPr algn="ctr"/>
+            <a:r>
+              <a:rPr lang="en-US" dirty="0" err="1" smtClean="0">
+                <a:solidFill>
+                  <a:schemeClr val="bg1"/>
+                </a:solidFill>
+                <a:latin typeface="Century Gothic" panose="020B0502020202020204" pitchFamily="34" charset="0"/>
+              </a:rPr>
+              <a:t>OnThe</a:t>
+            </a:r>
+            <a:r>
+              <a:rPr lang="en-US" b="1" dirty="0" err="1" smtClean="0">
+                <a:solidFill>
+                  <a:schemeClr val="bg1"/>
+                </a:solidFill>
+                <a:latin typeface="Century Gothic" panose="020B0502020202020204" pitchFamily="34" charset="0"/>
+              </a:rPr>
+              <a:t>Fly</a:t>
+            </a:r>
+            <a:endParaRPr lang="he-IL" sz="2000" b="1" dirty="0">
+              <a:solidFill>
+                <a:schemeClr val="bg1"/>
+              </a:solidFill>
+              <a:latin typeface="Century Gothic" panose="020B0502020202020204" pitchFamily="34" charset="0"/>
+            </a:endParaRPr>
+          </a:p>
+        </p:txBody>
+      </p:sp>
+      <p:grpSp>
+        <p:nvGrpSpPr>
+          <p:cNvPr id="14" name="Group 13"/>
+          <p:cNvGrpSpPr/>
+          <p:nvPr/>
+        </p:nvGrpSpPr>
+        <p:grpSpPr>
+          <a:xfrm>
+            <a:off x="4715953" y="874451"/>
+            <a:ext cx="376747" cy="424103"/>
+            <a:chOff x="8120846" y="1227385"/>
+            <a:chExt cx="3534412" cy="3978687"/>
+          </a:xfrm>
+        </p:grpSpPr>
+        <p:sp>
+          <p:nvSpPr>
+            <p:cNvPr id="15" name="Chord 14"/>
+            <p:cNvSpPr/>
+            <p:nvPr/>
+          </p:nvSpPr>
+          <p:spPr>
+            <a:xfrm rot="5400000">
+              <a:off x="8226724" y="1227385"/>
+              <a:ext cx="3428534" cy="3428534"/>
+            </a:xfrm>
+            <a:prstGeom prst="chord">
+              <a:avLst>
+                <a:gd name="adj1" fmla="val 2476101"/>
+                <a:gd name="adj2" fmla="val 13931417"/>
+              </a:avLst>
+            </a:prstGeom>
+            <a:solidFill>
+              <a:srgbClr val="C00000"/>
+            </a:solidFill>
+            <a:ln>
+              <a:noFill/>
+            </a:ln>
+          </p:spPr>
+          <p:style>
+            <a:lnRef idx="2">
+              <a:schemeClr val="accent1">
+                <a:shade val="50000"/>
+              </a:schemeClr>
+            </a:lnRef>
+            <a:fillRef idx="1">
+              <a:schemeClr val="accent1"/>
+            </a:fillRef>
+            <a:effectRef idx="0">
+              <a:schemeClr val="accent1"/>
+            </a:effectRef>
+            <a:fontRef idx="minor">
+              <a:schemeClr val="lt1"/>
+            </a:fontRef>
+          </p:style>
+          <p:txBody>
+            <a:bodyPr rtlCol="1" anchor="ctr"/>
+            <a:lstStyle/>
+            <a:p>
+              <a:pPr algn="ctr"/>
+              <a:endParaRPr lang="he-IL"/>
+            </a:p>
+          </p:txBody>
+        </p:sp>
+        <p:sp>
+          <p:nvSpPr>
+            <p:cNvPr id="16" name="Chord 15"/>
+            <p:cNvSpPr/>
+            <p:nvPr/>
+          </p:nvSpPr>
+          <p:spPr>
+            <a:xfrm rot="16200000">
+              <a:off x="8120846" y="1777538"/>
+              <a:ext cx="3428534" cy="3428534"/>
+            </a:xfrm>
+            <a:prstGeom prst="chord">
+              <a:avLst>
+                <a:gd name="adj1" fmla="val 2476101"/>
+                <a:gd name="adj2" fmla="val 13931417"/>
+              </a:avLst>
+            </a:prstGeom>
+            <a:solidFill>
+              <a:srgbClr val="8E0000"/>
+            </a:solidFill>
+            <a:ln>
+              <a:noFill/>
+            </a:ln>
+          </p:spPr>
+          <p:style>
+            <a:lnRef idx="2">
+              <a:schemeClr val="accent1">
+                <a:shade val="50000"/>
+              </a:schemeClr>
+            </a:lnRef>
+            <a:fillRef idx="1">
+              <a:schemeClr val="accent1"/>
+            </a:fillRef>
+            <a:effectRef idx="0">
+              <a:schemeClr val="accent1"/>
+            </a:effectRef>
+            <a:fontRef idx="minor">
+              <a:schemeClr val="lt1"/>
+            </a:fontRef>
+          </p:style>
+          <p:txBody>
+            <a:bodyPr rtlCol="1" anchor="ctr"/>
+            <a:lstStyle/>
+            <a:p>
+              <a:pPr algn="ctr"/>
+              <a:endParaRPr lang="he-IL"/>
+            </a:p>
+          </p:txBody>
+        </p:sp>
+        <p:pic>
+          <p:nvPicPr>
+            <p:cNvPr id="17" name="Picture 16"/>
+            <p:cNvPicPr>
+              <a:picLocks noChangeAspect="1"/>
+            </p:cNvPicPr>
+            <p:nvPr/>
+          </p:nvPicPr>
+          <p:blipFill>
+            <a:blip r:embed="rId5">
+              <a:extLst>
+                <a:ext uri="{BEBA8EAE-BF5A-486C-A8C5-ECC9F3942E4B}">
+                  <a14:imgProps xmlns:a14="http://schemas.microsoft.com/office/drawing/2010/main">
+                    <a14:imgLayer r:embed="rId6">
+                      <a14:imgEffect>
+                        <a14:backgroundRemoval t="0" b="100000" l="0" r="100000"/>
+                      </a14:imgEffect>
+                    </a14:imgLayer>
+                  </a14:imgProps>
+                </a:ext>
+              </a:extLst>
+            </a:blip>
+            <a:stretch>
+              <a:fillRect/>
+            </a:stretch>
+          </p:blipFill>
+          <p:spPr>
+            <a:xfrm rot="19771925">
+              <a:off x="8624053" y="2122638"/>
+              <a:ext cx="2301304" cy="2301304"/>
+            </a:xfrm>
+            <a:prstGeom prst="rect">
+              <a:avLst/>
+            </a:prstGeom>
+            <a:effectLst/>
+          </p:spPr>
+        </p:pic>
+      </p:grpSp>
+      <p:graphicFrame>
+        <p:nvGraphicFramePr>
+          <p:cNvPr id="6" name="Table 5"/>
+          <p:cNvGraphicFramePr>
+            <a:graphicFrameLocks noGrp="1"/>
+          </p:cNvGraphicFramePr>
+          <p:nvPr>
+            <p:extLst>
+              <p:ext uri="{D42A27DB-BD31-4B8C-83A1-F6EECF244321}">
+                <p14:modId xmlns:p14="http://schemas.microsoft.com/office/powerpoint/2010/main" val="1014884193"/>
+              </p:ext>
+            </p:extLst>
+          </p:nvPr>
+        </p:nvGraphicFramePr>
+        <p:xfrm>
+          <a:off x="4688974" y="1359602"/>
+          <a:ext cx="2819901" cy="274320"/>
+        </p:xfrm>
+        <a:graphic>
+          <a:graphicData uri="http://schemas.openxmlformats.org/drawingml/2006/table">
+            <a:tbl>
+              <a:tblPr rtl="1" firstRow="1" bandRow="1">
+                <a:tableStyleId>{5C22544A-7EE6-4342-B048-85BDC9FD1C3A}</a:tableStyleId>
+              </a:tblPr>
+              <a:tblGrid>
+                <a:gridCol w="939967"/>
+                <a:gridCol w="939967"/>
+                <a:gridCol w="939967"/>
+              </a:tblGrid>
+              <a:tr h="243773">
+                <a:tc>
+                  <a:txBody>
+                    <a:bodyPr/>
+                    <a:lstStyle/>
+                    <a:p>
+                      <a:pPr algn="ctr" rtl="1"/>
+                      <a:r>
+                        <a:rPr lang="en-US" sz="1200" b="0" kern="1200" dirty="0" smtClean="0">
+                          <a:solidFill>
+                            <a:schemeClr val="tx1"/>
+                          </a:solidFill>
+                          <a:latin typeface="Century Gothic" panose="020B0502020202020204" pitchFamily="34" charset="0"/>
+                          <a:ea typeface="+mn-ea"/>
+                          <a:cs typeface="+mn-cs"/>
+                        </a:rPr>
+                        <a:t>Chat</a:t>
+                      </a:r>
+                      <a:endParaRPr lang="he-IL" sz="1200" b="0" kern="1200" dirty="0">
+                        <a:solidFill>
+                          <a:schemeClr val="tx1"/>
+                        </a:solidFill>
+                        <a:latin typeface="Century Gothic" panose="020B0502020202020204" pitchFamily="34" charset="0"/>
+                        <a:ea typeface="+mn-ea"/>
+                        <a:cs typeface="+mn-cs"/>
+                      </a:endParaRPr>
+                    </a:p>
+                  </a:txBody>
+                  <a:tcPr anchor="ctr">
+                    <a:lnL w="6350" cap="flat" cmpd="sng" algn="ctr">
+                      <a:solidFill>
+                        <a:schemeClr val="bg1">
+                          <a:lumMod val="85000"/>
+                        </a:schemeClr>
+                      </a:solidFill>
+                      <a:prstDash val="solid"/>
+                      <a:round/>
+                      <a:headEnd type="none" w="med" len="med"/>
+                      <a:tailEnd type="none" w="med" len="med"/>
+                    </a:lnL>
+                    <a:lnR w="6350" cap="flat" cmpd="sng" algn="ctr">
+                      <a:solidFill>
+                        <a:schemeClr val="bg1">
+                          <a:lumMod val="85000"/>
+                        </a:schemeClr>
+                      </a:solidFill>
+                      <a:prstDash val="solid"/>
+                      <a:round/>
+                      <a:headEnd type="none" w="med" len="med"/>
+                      <a:tailEnd type="none" w="med" len="med"/>
+                    </a:lnR>
+                    <a:lnT w="6350" cap="flat" cmpd="sng" algn="ctr">
+                      <a:solidFill>
+                        <a:schemeClr val="bg1">
+                          <a:lumMod val="85000"/>
+                        </a:schemeClr>
+                      </a:solidFill>
+                      <a:prstDash val="solid"/>
+                      <a:round/>
+                      <a:headEnd type="none" w="med" len="med"/>
+                      <a:tailEnd type="none" w="med" len="med"/>
+                    </a:lnT>
+                    <a:lnB w="6350" cap="flat" cmpd="sng" algn="ctr">
+                      <a:solidFill>
+                        <a:schemeClr val="bg1">
+                          <a:lumMod val="85000"/>
+                        </a:schemeClr>
+                      </a:solidFill>
+                      <a:prstDash val="solid"/>
+                      <a:round/>
+                      <a:headEnd type="none" w="med" len="med"/>
+                      <a:tailEnd type="none" w="med" len="med"/>
+                    </a:lnB>
+                    <a:lnTlToBr w="12700" cmpd="sng">
+                      <a:noFill/>
+                      <a:prstDash val="solid"/>
+                    </a:lnTlToBr>
+                    <a:lnBlToTr w="12700" cmpd="sng">
+                      <a:noFill/>
+                      <a:prstDash val="solid"/>
+                    </a:lnBlToTr>
+                    <a:solidFill>
+                      <a:schemeClr val="bg1"/>
+                    </a:solidFill>
+                  </a:tcPr>
+                </a:tc>
+                <a:tc>
+                  <a:txBody>
+                    <a:bodyPr/>
+                    <a:lstStyle/>
+                    <a:p>
+                      <a:pPr algn="ctr" rtl="1"/>
+                      <a:r>
+                        <a:rPr lang="en-US" sz="1200" b="0" kern="1200" dirty="0" smtClean="0">
+                          <a:solidFill>
+                            <a:schemeClr val="tx1"/>
+                          </a:solidFill>
+                          <a:latin typeface="Century Gothic" panose="020B0502020202020204" pitchFamily="34" charset="0"/>
+                          <a:ea typeface="+mn-ea"/>
+                          <a:cs typeface="+mn-cs"/>
+                        </a:rPr>
+                        <a:t>People</a:t>
+                      </a:r>
+                      <a:endParaRPr lang="he-IL" sz="1200" b="0" kern="1200" dirty="0">
+                        <a:solidFill>
+                          <a:schemeClr val="tx1"/>
+                        </a:solidFill>
+                        <a:latin typeface="Century Gothic" panose="020B0502020202020204" pitchFamily="34" charset="0"/>
+                        <a:ea typeface="+mn-ea"/>
+                        <a:cs typeface="+mn-cs"/>
+                      </a:endParaRPr>
+                    </a:p>
+                  </a:txBody>
+                  <a:tcPr anchor="ctr">
+                    <a:lnL w="6350" cap="flat" cmpd="sng" algn="ctr">
+                      <a:solidFill>
+                        <a:schemeClr val="bg1">
+                          <a:lumMod val="85000"/>
+                        </a:schemeClr>
+                      </a:solidFill>
+                      <a:prstDash val="solid"/>
+                      <a:round/>
+                      <a:headEnd type="none" w="med" len="med"/>
+                      <a:tailEnd type="none" w="med" len="med"/>
+                    </a:lnL>
+                    <a:lnR w="6350" cap="flat" cmpd="sng" algn="ctr">
+                      <a:solidFill>
+                        <a:schemeClr val="bg1">
+                          <a:lumMod val="85000"/>
+                        </a:schemeClr>
+                      </a:solidFill>
+                      <a:prstDash val="solid"/>
+                      <a:round/>
+                      <a:headEnd type="none" w="med" len="med"/>
+                      <a:tailEnd type="none" w="med" len="med"/>
+                    </a:lnR>
+                    <a:lnT w="6350" cap="flat" cmpd="sng" algn="ctr">
+                      <a:solidFill>
+                        <a:schemeClr val="bg1">
+                          <a:lumMod val="85000"/>
+                        </a:schemeClr>
+                      </a:solidFill>
+                      <a:prstDash val="solid"/>
+                      <a:round/>
+                      <a:headEnd type="none" w="med" len="med"/>
+                      <a:tailEnd type="none" w="med" len="med"/>
+                    </a:lnT>
+                    <a:lnB w="6350" cap="flat" cmpd="sng" algn="ctr">
+                      <a:solidFill>
+                        <a:schemeClr val="bg1">
+                          <a:lumMod val="85000"/>
+                        </a:schemeClr>
+                      </a:solidFill>
+                      <a:prstDash val="solid"/>
+                      <a:round/>
+                      <a:headEnd type="none" w="med" len="med"/>
+                      <a:tailEnd type="none" w="med" len="med"/>
+                    </a:lnB>
+                    <a:lnTlToBr w="12700" cmpd="sng">
+                      <a:noFill/>
+                      <a:prstDash val="solid"/>
+                    </a:lnTlToBr>
+                    <a:lnBlToTr w="12700" cmpd="sng">
+                      <a:noFill/>
+                      <a:prstDash val="solid"/>
+                    </a:lnBlToTr>
+                    <a:solidFill>
+                      <a:schemeClr val="bg1"/>
+                    </a:solidFill>
+                  </a:tcPr>
+                </a:tc>
+                <a:tc>
+                  <a:txBody>
+                    <a:bodyPr/>
+                    <a:lstStyle/>
+                    <a:p>
+                      <a:pPr algn="ctr" rtl="1"/>
+                      <a:r>
+                        <a:rPr lang="en-US" sz="1200" b="0" dirty="0" smtClean="0">
+                          <a:solidFill>
+                            <a:schemeClr val="tx1"/>
+                          </a:solidFill>
+                          <a:latin typeface="Century Gothic" panose="020B0502020202020204" pitchFamily="34" charset="0"/>
+                        </a:rPr>
+                        <a:t>Feed</a:t>
+                      </a:r>
+                      <a:endParaRPr lang="he-IL" sz="1200" b="0" dirty="0">
+                        <a:solidFill>
+                          <a:schemeClr val="tx1"/>
+                        </a:solidFill>
+                        <a:latin typeface="Century Gothic" panose="020B0502020202020204" pitchFamily="34" charset="0"/>
+                      </a:endParaRPr>
+                    </a:p>
+                  </a:txBody>
+                  <a:tcPr anchor="ctr">
+                    <a:lnL w="6350" cap="flat" cmpd="sng" algn="ctr">
+                      <a:solidFill>
+                        <a:schemeClr val="bg1">
+                          <a:lumMod val="85000"/>
+                        </a:schemeClr>
+                      </a:solidFill>
+                      <a:prstDash val="solid"/>
+                      <a:round/>
+                      <a:headEnd type="none" w="med" len="med"/>
+                      <a:tailEnd type="none" w="med" len="med"/>
+                    </a:lnL>
+                    <a:lnR w="6350" cap="flat" cmpd="sng" algn="ctr">
+                      <a:solidFill>
+                        <a:schemeClr val="bg1">
+                          <a:lumMod val="85000"/>
+                        </a:schemeClr>
+                      </a:solidFill>
+                      <a:prstDash val="solid"/>
+                      <a:round/>
+                      <a:headEnd type="none" w="med" len="med"/>
+                      <a:tailEnd type="none" w="med" len="med"/>
+                    </a:lnR>
+                    <a:lnT w="6350" cap="flat" cmpd="sng" algn="ctr">
+                      <a:solidFill>
+                        <a:schemeClr val="bg1">
+                          <a:lumMod val="85000"/>
+                        </a:schemeClr>
+                      </a:solidFill>
+                      <a:prstDash val="solid"/>
+                      <a:round/>
+                      <a:headEnd type="none" w="med" len="med"/>
+                      <a:tailEnd type="none" w="med" len="med"/>
+                    </a:lnT>
+                    <a:lnB w="6350" cap="flat" cmpd="sng" algn="ctr">
+                      <a:solidFill>
+                        <a:schemeClr val="bg1">
+                          <a:lumMod val="85000"/>
+                        </a:schemeClr>
+                      </a:solidFill>
+                      <a:prstDash val="solid"/>
+                      <a:round/>
+                      <a:headEnd type="none" w="med" len="med"/>
+                      <a:tailEnd type="none" w="med" len="med"/>
+                    </a:lnB>
+                    <a:lnTlToBr w="12700" cmpd="sng">
+                      <a:noFill/>
+                      <a:prstDash val="solid"/>
+                    </a:lnTlToBr>
+                    <a:lnBlToTr w="12700" cmpd="sng">
+                      <a:noFill/>
+                      <a:prstDash val="solid"/>
+                    </a:lnBlToTr>
+                    <a:solidFill>
+                      <a:schemeClr val="bg1"/>
+                    </a:solidFill>
+                  </a:tcPr>
+                </a:tc>
+              </a:tr>
+            </a:tbl>
+          </a:graphicData>
+        </a:graphic>
+      </p:graphicFrame>
+      <p:sp>
+        <p:nvSpPr>
+          <p:cNvPr id="20" name="Rectangle 19"/>
+          <p:cNvSpPr/>
+          <p:nvPr/>
+        </p:nvSpPr>
+        <p:spPr>
+          <a:xfrm flipV="1">
+            <a:off x="6572405" y="1589823"/>
+            <a:ext cx="941805" cy="45719"/>
+          </a:xfrm>
+          <a:prstGeom prst="rect">
+            <a:avLst/>
+          </a:prstGeom>
+          <a:solidFill>
+            <a:srgbClr val="C00000">
+              <a:alpha val="97000"/>
+            </a:srgbClr>
+          </a:solidFill>
+          <a:ln>
+            <a:noFill/>
+          </a:ln>
+        </p:spPr>
+        <p:style>
+          <a:lnRef idx="2">
+            <a:schemeClr val="accent1">
+              <a:shade val="50000"/>
+            </a:schemeClr>
+          </a:lnRef>
+          <a:fillRef idx="1">
+            <a:schemeClr val="accent1"/>
+          </a:fillRef>
+          <a:effectRef idx="0">
+            <a:schemeClr val="accent1"/>
+          </a:effectRef>
+          <a:fontRef idx="minor">
+            <a:schemeClr val="lt1"/>
+          </a:fontRef>
+        </p:style>
+        <p:txBody>
+          <a:bodyPr rtlCol="1" anchor="ctr"/>
+          <a:lstStyle/>
+          <a:p>
+            <a:pPr algn="ctr"/>
+            <a:endParaRPr lang="he-IL"/>
+          </a:p>
+        </p:txBody>
+      </p:sp>
+      <p:graphicFrame>
+        <p:nvGraphicFramePr>
+          <p:cNvPr id="22" name="Table 21"/>
+          <p:cNvGraphicFramePr>
+            <a:graphicFrameLocks noGrp="1"/>
+          </p:cNvGraphicFramePr>
+          <p:nvPr>
+            <p:extLst>
+              <p:ext uri="{D42A27DB-BD31-4B8C-83A1-F6EECF244321}">
+                <p14:modId xmlns:p14="http://schemas.microsoft.com/office/powerpoint/2010/main" val="4089266151"/>
+              </p:ext>
+            </p:extLst>
+          </p:nvPr>
+        </p:nvGraphicFramePr>
+        <p:xfrm>
+          <a:off x="4684295" y="1663698"/>
+          <a:ext cx="2829827" cy="4158585"/>
+        </p:xfrm>
+        <a:graphic>
+          <a:graphicData uri="http://schemas.openxmlformats.org/drawingml/2006/table">
+            <a:tbl>
+              <a:tblPr rtl="1" firstRow="1" bandRow="1">
+                <a:tableStyleId>{5C22544A-7EE6-4342-B048-85BDC9FD1C3A}</a:tableStyleId>
+              </a:tblPr>
+              <a:tblGrid>
+                <a:gridCol w="2829827"/>
+              </a:tblGrid>
+              <a:tr h="831717">
+                <a:tc>
+                  <a:txBody>
+                    <a:bodyPr/>
+                    <a:lstStyle/>
+                    <a:p>
+                      <a:pPr algn="ctr" rtl="1"/>
+                      <a:endParaRPr lang="he-IL" sz="1200" b="0" dirty="0">
+                        <a:solidFill>
+                          <a:schemeClr val="tx1"/>
+                        </a:solidFill>
+                        <a:latin typeface="Century Gothic" panose="020B0502020202020204" pitchFamily="34" charset="0"/>
+                      </a:endParaRPr>
+                    </a:p>
+                  </a:txBody>
+                  <a:tcPr anchor="ctr">
+                    <a:lnL w="57150" cap="flat" cmpd="sng" algn="ctr">
+                      <a:noFill/>
+                      <a:prstDash val="solid"/>
+                      <a:round/>
+                      <a:headEnd type="none" w="med" len="med"/>
+                      <a:tailEnd type="none" w="med" len="med"/>
+                    </a:lnL>
+                    <a:lnR w="57150" cap="flat" cmpd="sng" algn="ctr">
+                      <a:noFill/>
+                      <a:prstDash val="solid"/>
+                      <a:round/>
+                      <a:headEnd type="none" w="med" len="med"/>
+                      <a:tailEnd type="none" w="med" len="med"/>
+                    </a:lnR>
+                    <a:lnT w="57150" cap="flat" cmpd="sng" algn="ctr">
+                      <a:solidFill>
+                        <a:schemeClr val="bg1">
+                          <a:lumMod val="85000"/>
+                        </a:schemeClr>
+                      </a:solidFill>
+                      <a:prstDash val="solid"/>
+                      <a:round/>
+                      <a:headEnd type="none" w="med" len="med"/>
+                      <a:tailEnd type="none" w="med" len="med"/>
+                    </a:lnT>
+                    <a:lnB w="57150" cap="flat" cmpd="sng" algn="ctr">
+                      <a:solidFill>
+                        <a:schemeClr val="bg1">
+                          <a:lumMod val="85000"/>
+                        </a:schemeClr>
+                      </a:solidFill>
+                      <a:prstDash val="solid"/>
+                      <a:round/>
+                      <a:headEnd type="none" w="med" len="med"/>
+                      <a:tailEnd type="none" w="med" len="med"/>
+                    </a:lnB>
+                    <a:lnTlToBr w="12700" cmpd="sng">
+                      <a:noFill/>
+                      <a:prstDash val="solid"/>
+                    </a:lnTlToBr>
+                    <a:lnBlToTr w="12700" cmpd="sng">
+                      <a:noFill/>
+                      <a:prstDash val="solid"/>
+                    </a:lnBlToTr>
+                    <a:solidFill>
+                      <a:schemeClr val="bg1"/>
+                    </a:solidFill>
+                  </a:tcPr>
+                </a:tc>
+              </a:tr>
+              <a:tr h="831717">
+                <a:tc>
+                  <a:txBody>
+                    <a:bodyPr/>
+                    <a:lstStyle/>
+                    <a:p>
+                      <a:pPr algn="ctr" rtl="1"/>
+                      <a:endParaRPr lang="he-IL" sz="1200" b="0" dirty="0">
+                        <a:solidFill>
+                          <a:schemeClr val="tx1"/>
+                        </a:solidFill>
+                        <a:latin typeface="Century Gothic" panose="020B0502020202020204" pitchFamily="34" charset="0"/>
+                      </a:endParaRPr>
+                    </a:p>
+                  </a:txBody>
+                  <a:tcPr anchor="ctr">
+                    <a:lnL w="57150" cap="flat" cmpd="sng" algn="ctr">
+                      <a:noFill/>
+                      <a:prstDash val="solid"/>
+                      <a:round/>
+                      <a:headEnd type="none" w="med" len="med"/>
+                      <a:tailEnd type="none" w="med" len="med"/>
+                    </a:lnL>
+                    <a:lnR w="57150" cap="flat" cmpd="sng" algn="ctr">
+                      <a:noFill/>
+                      <a:prstDash val="solid"/>
+                      <a:round/>
+                      <a:headEnd type="none" w="med" len="med"/>
+                      <a:tailEnd type="none" w="med" len="med"/>
+                    </a:lnR>
+                    <a:lnT w="57150" cap="flat" cmpd="sng" algn="ctr">
+                      <a:solidFill>
+                        <a:schemeClr val="bg1">
+                          <a:lumMod val="85000"/>
+                        </a:schemeClr>
+                      </a:solidFill>
+                      <a:prstDash val="solid"/>
+                      <a:round/>
+                      <a:headEnd type="none" w="med" len="med"/>
+                      <a:tailEnd type="none" w="med" len="med"/>
+                    </a:lnT>
+                    <a:lnB w="57150" cap="flat" cmpd="sng" algn="ctr">
+                      <a:solidFill>
+                        <a:schemeClr val="bg1">
+                          <a:lumMod val="85000"/>
+                        </a:schemeClr>
+                      </a:solidFill>
+                      <a:prstDash val="solid"/>
+                      <a:round/>
+                      <a:headEnd type="none" w="med" len="med"/>
+                      <a:tailEnd type="none" w="med" len="med"/>
+                    </a:lnB>
+                    <a:lnTlToBr w="12700" cmpd="sng">
+                      <a:noFill/>
+                      <a:prstDash val="solid"/>
+                    </a:lnTlToBr>
+                    <a:lnBlToTr w="12700" cmpd="sng">
+                      <a:noFill/>
+                      <a:prstDash val="solid"/>
+                    </a:lnBlToTr>
+                    <a:solidFill>
+                      <a:schemeClr val="bg1"/>
+                    </a:solidFill>
+                  </a:tcPr>
+                </a:tc>
+              </a:tr>
+              <a:tr h="831717">
+                <a:tc>
+                  <a:txBody>
+                    <a:bodyPr/>
+                    <a:lstStyle/>
+                    <a:p>
+                      <a:pPr algn="ctr" rtl="1"/>
+                      <a:endParaRPr lang="he-IL" sz="1200" b="0" dirty="0">
+                        <a:solidFill>
+                          <a:schemeClr val="tx1"/>
+                        </a:solidFill>
+                        <a:latin typeface="Century Gothic" panose="020B0502020202020204" pitchFamily="34" charset="0"/>
+                      </a:endParaRPr>
+                    </a:p>
+                  </a:txBody>
+                  <a:tcPr anchor="ctr">
+                    <a:lnL w="57150" cap="flat" cmpd="sng" algn="ctr">
+                      <a:noFill/>
+                      <a:prstDash val="solid"/>
+                      <a:round/>
+                      <a:headEnd type="none" w="med" len="med"/>
+                      <a:tailEnd type="none" w="med" len="med"/>
+                    </a:lnL>
+                    <a:lnR w="57150" cap="flat" cmpd="sng" algn="ctr">
+                      <a:noFill/>
+                      <a:prstDash val="solid"/>
+                      <a:round/>
+                      <a:headEnd type="none" w="med" len="med"/>
+                      <a:tailEnd type="none" w="med" len="med"/>
+                    </a:lnR>
+                    <a:lnT w="57150" cap="flat" cmpd="sng" algn="ctr">
+                      <a:solidFill>
+                        <a:schemeClr val="bg1">
+                          <a:lumMod val="85000"/>
+                        </a:schemeClr>
+                      </a:solidFill>
+                      <a:prstDash val="solid"/>
+                      <a:round/>
+                      <a:headEnd type="none" w="med" len="med"/>
+                      <a:tailEnd type="none" w="med" len="med"/>
+                    </a:lnT>
+                    <a:lnB w="57150" cap="flat" cmpd="sng" algn="ctr">
+                      <a:solidFill>
+                        <a:schemeClr val="bg1">
+                          <a:lumMod val="85000"/>
+                        </a:schemeClr>
+                      </a:solidFill>
+                      <a:prstDash val="solid"/>
+                      <a:round/>
+                      <a:headEnd type="none" w="med" len="med"/>
+                      <a:tailEnd type="none" w="med" len="med"/>
+                    </a:lnB>
+                    <a:lnTlToBr w="12700" cmpd="sng">
+                      <a:noFill/>
+                      <a:prstDash val="solid"/>
+                    </a:lnTlToBr>
+                    <a:lnBlToTr w="12700" cmpd="sng">
+                      <a:noFill/>
+                      <a:prstDash val="solid"/>
+                    </a:lnBlToTr>
+                    <a:solidFill>
+                      <a:schemeClr val="bg1"/>
+                    </a:solidFill>
+                  </a:tcPr>
+                </a:tc>
+              </a:tr>
+              <a:tr h="831717">
+                <a:tc>
+                  <a:txBody>
+                    <a:bodyPr/>
+                    <a:lstStyle/>
+                    <a:p>
+                      <a:pPr algn="ctr" rtl="1"/>
+                      <a:endParaRPr lang="he-IL" sz="1200" b="0" dirty="0">
+                        <a:solidFill>
+                          <a:schemeClr val="tx1"/>
+                        </a:solidFill>
+                        <a:latin typeface="Century Gothic" panose="020B0502020202020204" pitchFamily="34" charset="0"/>
+                      </a:endParaRPr>
+                    </a:p>
+                  </a:txBody>
+                  <a:tcPr anchor="ctr">
+                    <a:lnL w="57150" cap="flat" cmpd="sng" algn="ctr">
+                      <a:noFill/>
+                      <a:prstDash val="solid"/>
+                      <a:round/>
+                      <a:headEnd type="none" w="med" len="med"/>
+                      <a:tailEnd type="none" w="med" len="med"/>
+                    </a:lnL>
+                    <a:lnR w="57150" cap="flat" cmpd="sng" algn="ctr">
+                      <a:noFill/>
+                      <a:prstDash val="solid"/>
+                      <a:round/>
+                      <a:headEnd type="none" w="med" len="med"/>
+                      <a:tailEnd type="none" w="med" len="med"/>
+                    </a:lnR>
+                    <a:lnT w="57150" cap="flat" cmpd="sng" algn="ctr">
+                      <a:solidFill>
+                        <a:schemeClr val="bg1">
+                          <a:lumMod val="85000"/>
+                        </a:schemeClr>
+                      </a:solidFill>
+                      <a:prstDash val="solid"/>
+                      <a:round/>
+                      <a:headEnd type="none" w="med" len="med"/>
+                      <a:tailEnd type="none" w="med" len="med"/>
+                    </a:lnT>
+                    <a:lnB w="57150" cap="flat" cmpd="sng" algn="ctr">
+                      <a:solidFill>
+                        <a:schemeClr val="bg1">
+                          <a:lumMod val="85000"/>
+                        </a:schemeClr>
+                      </a:solidFill>
+                      <a:prstDash val="solid"/>
+                      <a:round/>
+                      <a:headEnd type="none" w="med" len="med"/>
+                      <a:tailEnd type="none" w="med" len="med"/>
+                    </a:lnB>
+                    <a:lnTlToBr w="12700" cmpd="sng">
+                      <a:noFill/>
+                      <a:prstDash val="solid"/>
+                    </a:lnTlToBr>
+                    <a:lnBlToTr w="12700" cmpd="sng">
+                      <a:noFill/>
+                      <a:prstDash val="solid"/>
+                    </a:lnBlToTr>
+                    <a:solidFill>
+                      <a:schemeClr val="bg1">
+                        <a:lumMod val="85000"/>
+                      </a:schemeClr>
+                    </a:solidFill>
+                  </a:tcPr>
+                </a:tc>
+              </a:tr>
+              <a:tr h="831717">
+                <a:tc>
+                  <a:txBody>
+                    <a:bodyPr/>
+                    <a:lstStyle/>
+                    <a:p>
+                      <a:pPr algn="ctr" rtl="1"/>
+                      <a:endParaRPr lang="he-IL" sz="1200" b="0" dirty="0">
+                        <a:solidFill>
+                          <a:schemeClr val="tx1"/>
+                        </a:solidFill>
+                        <a:latin typeface="Century Gothic" panose="020B0502020202020204" pitchFamily="34" charset="0"/>
+                      </a:endParaRPr>
+                    </a:p>
+                  </a:txBody>
+                  <a:tcPr anchor="ctr">
+                    <a:lnL w="57150" cap="flat" cmpd="sng" algn="ctr">
+                      <a:noFill/>
+                      <a:prstDash val="solid"/>
+                      <a:round/>
+                      <a:headEnd type="none" w="med" len="med"/>
+                      <a:tailEnd type="none" w="med" len="med"/>
+                    </a:lnL>
+                    <a:lnR w="57150" cap="flat" cmpd="sng" algn="ctr">
+                      <a:noFill/>
+                      <a:prstDash val="solid"/>
+                      <a:round/>
+                      <a:headEnd type="none" w="med" len="med"/>
+                      <a:tailEnd type="none" w="med" len="med"/>
+                    </a:lnR>
+                    <a:lnT w="57150" cap="flat" cmpd="sng" algn="ctr">
+                      <a:solidFill>
+                        <a:schemeClr val="bg1">
+                          <a:lumMod val="85000"/>
+                        </a:schemeClr>
+                      </a:solidFill>
+                      <a:prstDash val="solid"/>
+                      <a:round/>
+                      <a:headEnd type="none" w="med" len="med"/>
+                      <a:tailEnd type="none" w="med" len="med"/>
+                    </a:lnT>
+                    <a:lnB w="57150" cap="flat" cmpd="sng" algn="ctr">
+                      <a:solidFill>
+                        <a:schemeClr val="bg1">
+                          <a:lumMod val="85000"/>
+                        </a:schemeClr>
+                      </a:solidFill>
+                      <a:prstDash val="solid"/>
+                      <a:round/>
+                      <a:headEnd type="none" w="med" len="med"/>
+                      <a:tailEnd type="none" w="med" len="med"/>
+                    </a:lnB>
+                    <a:lnTlToBr w="12700" cmpd="sng">
+                      <a:noFill/>
+                      <a:prstDash val="solid"/>
+                    </a:lnTlToBr>
+                    <a:lnBlToTr w="12700" cmpd="sng">
+                      <a:noFill/>
+                      <a:prstDash val="solid"/>
+                    </a:lnBlToTr>
+                    <a:solidFill>
+                      <a:schemeClr val="bg1">
+                        <a:lumMod val="85000"/>
+                      </a:schemeClr>
+                    </a:solidFill>
+                  </a:tcPr>
+                </a:tc>
+              </a:tr>
+            </a:tbl>
+          </a:graphicData>
+        </a:graphic>
+      </p:graphicFrame>
+      <p:sp>
+        <p:nvSpPr>
+          <p:cNvPr id="7" name="Rectangle 6"/>
+          <p:cNvSpPr/>
+          <p:nvPr/>
+        </p:nvSpPr>
+        <p:spPr>
+          <a:xfrm>
+            <a:off x="5398993" y="2526941"/>
+            <a:ext cx="2117102" cy="307777"/>
+          </a:xfrm>
+          <a:prstGeom prst="rect">
+            <a:avLst/>
+          </a:prstGeom>
+        </p:spPr>
+        <p:txBody>
+          <a:bodyPr wrap="square">
+            <a:spAutoFit/>
+          </a:bodyPr>
+          <a:lstStyle/>
+          <a:p>
+            <a:pPr algn="l"/>
+            <a:r>
+              <a:rPr lang="en-US" sz="1400" dirty="0" err="1" smtClean="0">
+                <a:latin typeface="Century Gothic" panose="020B0502020202020204" pitchFamily="34" charset="0"/>
+              </a:rPr>
+              <a:t>Matan</a:t>
+            </a:r>
+            <a:endParaRPr lang="he-IL" sz="1400" dirty="0"/>
+          </a:p>
+        </p:txBody>
+      </p:sp>
+      <p:pic>
+        <p:nvPicPr>
+          <p:cNvPr id="1026" name="Picture 2" descr="https://fbcdn-sphotos-c-a.akamaihd.net/hphotos-ak-prn2/v/t1.0-9/558617_496479173697011_745885139_n.jpg?oh=05f90387fce5a2ab60ff626da8046fb4&amp;oe=55B810BD&amp;__gda__=1441131251_b641de8fc77e4e86dec2fc55f843cd6a"/>
+          <p:cNvPicPr>
+            <a:picLocks noChangeAspect="1" noChangeArrowheads="1"/>
+          </p:cNvPicPr>
+          <p:nvPr/>
+        </p:nvPicPr>
+        <p:blipFill>
+          <a:blip r:embed="rId7" cstate="print">
+            <a:extLst>
+              <a:ext uri="{28A0092B-C50C-407E-A947-70E740481C1C}">
+                <a14:useLocalDpi xmlns:a14="http://schemas.microsoft.com/office/drawing/2010/main" val="0"/>
+              </a:ext>
+            </a:extLst>
+          </a:blip>
+          <a:srcRect/>
+          <a:stretch>
+            <a:fillRect/>
+          </a:stretch>
+        </p:blipFill>
+        <p:spPr bwMode="auto">
+          <a:xfrm>
+            <a:off x="6976077" y="824512"/>
+            <a:ext cx="537562" cy="537562"/>
+          </a:xfrm>
+          <a:prstGeom prst="rect">
+            <a:avLst/>
+          </a:prstGeom>
+          <a:noFill/>
+          <a:extLst>
+            <a:ext uri="{909E8E84-426E-40DD-AFC4-6F175D3DCCD1}">
+              <a14:hiddenFill xmlns:a14="http://schemas.microsoft.com/office/drawing/2010/main">
+                <a:solidFill>
+                  <a:srgbClr val="FFFFFF"/>
+                </a:solidFill>
+              </a14:hiddenFill>
+            </a:ext>
+          </a:extLst>
+        </p:spPr>
+      </p:pic>
+      <p:pic>
+        <p:nvPicPr>
+          <p:cNvPr id="53" name="Picture 52"/>
+          <p:cNvPicPr>
+            <a:picLocks noChangeAspect="1"/>
+          </p:cNvPicPr>
+          <p:nvPr/>
+        </p:nvPicPr>
+        <p:blipFill>
+          <a:blip r:embed="rId8" cstate="print">
+            <a:extLst>
+              <a:ext uri="{28A0092B-C50C-407E-A947-70E740481C1C}">
+                <a14:useLocalDpi xmlns:a14="http://schemas.microsoft.com/office/drawing/2010/main" val="0"/>
+              </a:ext>
+            </a:extLst>
+          </a:blip>
+          <a:stretch>
+            <a:fillRect/>
+          </a:stretch>
+        </p:blipFill>
+        <p:spPr>
+          <a:xfrm>
+            <a:off x="4682322" y="2523248"/>
+            <a:ext cx="777600" cy="777600"/>
+          </a:xfrm>
+          <a:prstGeom prst="rect">
+            <a:avLst/>
+          </a:prstGeom>
+        </p:spPr>
+      </p:pic>
+      <p:sp>
+        <p:nvSpPr>
+          <p:cNvPr id="56" name="Rectangle 55"/>
+          <p:cNvSpPr/>
+          <p:nvPr/>
+        </p:nvSpPr>
+        <p:spPr>
+          <a:xfrm>
+            <a:off x="5406545" y="1689460"/>
+            <a:ext cx="2117102" cy="307777"/>
+          </a:xfrm>
+          <a:prstGeom prst="rect">
+            <a:avLst/>
+          </a:prstGeom>
+        </p:spPr>
+        <p:txBody>
+          <a:bodyPr wrap="square">
+            <a:spAutoFit/>
+          </a:bodyPr>
+          <a:lstStyle/>
+          <a:p>
+            <a:pPr algn="l"/>
+            <a:r>
+              <a:rPr lang="en-US" sz="1400" dirty="0" err="1" smtClean="0">
+                <a:latin typeface="Century Gothic" panose="020B0502020202020204" pitchFamily="34" charset="0"/>
+              </a:rPr>
+              <a:t>Tomer</a:t>
+            </a:r>
+            <a:endParaRPr lang="he-IL" sz="1400" dirty="0"/>
+          </a:p>
+        </p:txBody>
+      </p:sp>
+      <p:pic>
+        <p:nvPicPr>
+          <p:cNvPr id="62" name="Picture 61"/>
+          <p:cNvPicPr>
+            <a:picLocks noChangeAspect="1"/>
+          </p:cNvPicPr>
+          <p:nvPr/>
+        </p:nvPicPr>
+        <p:blipFill>
+          <a:blip r:embed="rId9" cstate="print">
+            <a:extLst>
+              <a:ext uri="{28A0092B-C50C-407E-A947-70E740481C1C}">
+                <a14:useLocalDpi xmlns:a14="http://schemas.microsoft.com/office/drawing/2010/main" val="0"/>
+              </a:ext>
+            </a:extLst>
+          </a:blip>
+          <a:stretch>
+            <a:fillRect/>
+          </a:stretch>
+        </p:blipFill>
+        <p:spPr>
+          <a:xfrm>
+            <a:off x="4682791" y="1689457"/>
+            <a:ext cx="777600" cy="777600"/>
+          </a:xfrm>
+          <a:prstGeom prst="rect">
+            <a:avLst/>
+          </a:prstGeom>
+        </p:spPr>
+      </p:pic>
+      <p:sp>
+        <p:nvSpPr>
+          <p:cNvPr id="63" name="Rectangle 62"/>
+          <p:cNvSpPr/>
+          <p:nvPr/>
+        </p:nvSpPr>
+        <p:spPr>
+          <a:xfrm>
+            <a:off x="5562600" y="2027433"/>
+            <a:ext cx="1943600" cy="215444"/>
+          </a:xfrm>
+          <a:prstGeom prst="rect">
+            <a:avLst/>
+          </a:prstGeom>
+        </p:spPr>
+        <p:txBody>
+          <a:bodyPr wrap="square">
+            <a:spAutoFit/>
+          </a:bodyPr>
+          <a:lstStyle/>
+          <a:p>
+            <a:pPr algn="just" rtl="0"/>
+            <a:r>
+              <a:rPr lang="en-US" sz="800" dirty="0" smtClean="0">
+                <a:latin typeface="Century Gothic" panose="020B0502020202020204" pitchFamily="34" charset="0"/>
+              </a:rPr>
+              <a:t>Great! </a:t>
+            </a:r>
+            <a:r>
+              <a:rPr lang="en-US" sz="800" dirty="0" smtClean="0">
+                <a:latin typeface="Century Gothic" panose="020B0502020202020204" pitchFamily="34" charset="0"/>
+                <a:sym typeface="Wingdings" panose="05000000000000000000" pitchFamily="2" charset="2"/>
+              </a:rPr>
+              <a:t>:) See you there!</a:t>
+            </a:r>
+            <a:endParaRPr lang="he-IL" sz="800" dirty="0"/>
+          </a:p>
+        </p:txBody>
+      </p:sp>
+      <p:sp>
+        <p:nvSpPr>
+          <p:cNvPr id="65" name="Rectangle 64"/>
+          <p:cNvSpPr/>
+          <p:nvPr/>
+        </p:nvSpPr>
+        <p:spPr>
+          <a:xfrm>
+            <a:off x="5028044" y="2267437"/>
+            <a:ext cx="2493616" cy="215444"/>
+          </a:xfrm>
+          <a:prstGeom prst="rect">
+            <a:avLst/>
+          </a:prstGeom>
+        </p:spPr>
+        <p:txBody>
+          <a:bodyPr wrap="square">
+            <a:spAutoFit/>
+          </a:bodyPr>
+          <a:lstStyle/>
+          <a:p>
+            <a:pPr rtl="0"/>
+            <a:r>
+              <a:rPr lang="en-US" sz="800" dirty="0" smtClean="0">
+                <a:solidFill>
+                  <a:srgbClr val="C00000"/>
+                </a:solidFill>
+                <a:latin typeface="Century Gothic" panose="020B0502020202020204" pitchFamily="34" charset="0"/>
+              </a:rPr>
+              <a:t>seen 10 minutes ago</a:t>
+            </a:r>
+            <a:endParaRPr lang="he-IL" sz="800" dirty="0">
+              <a:solidFill>
+                <a:srgbClr val="C00000"/>
+              </a:solidFill>
+            </a:endParaRPr>
+          </a:p>
+        </p:txBody>
+      </p:sp>
+      <p:sp>
+        <p:nvSpPr>
+          <p:cNvPr id="70" name="Rectangle 69"/>
+          <p:cNvSpPr/>
+          <p:nvPr/>
+        </p:nvSpPr>
+        <p:spPr>
+          <a:xfrm>
+            <a:off x="5053863" y="3108278"/>
+            <a:ext cx="2493616" cy="215444"/>
+          </a:xfrm>
+          <a:prstGeom prst="rect">
+            <a:avLst/>
+          </a:prstGeom>
+        </p:spPr>
+        <p:txBody>
+          <a:bodyPr wrap="square">
+            <a:spAutoFit/>
+          </a:bodyPr>
+          <a:lstStyle/>
+          <a:p>
+            <a:pPr rtl="0"/>
+            <a:r>
+              <a:rPr lang="en-US" sz="800" dirty="0" smtClean="0">
+                <a:solidFill>
+                  <a:srgbClr val="C00000"/>
+                </a:solidFill>
+                <a:latin typeface="Century Gothic" panose="020B0502020202020204" pitchFamily="34" charset="0"/>
+              </a:rPr>
+              <a:t>seen 1 hour ago</a:t>
+            </a:r>
+            <a:endParaRPr lang="he-IL" sz="800" dirty="0">
+              <a:solidFill>
+                <a:srgbClr val="C00000"/>
+              </a:solidFill>
+            </a:endParaRPr>
+          </a:p>
+        </p:txBody>
+      </p:sp>
+      <p:sp>
+        <p:nvSpPr>
+          <p:cNvPr id="71" name="Rectangle 70"/>
+          <p:cNvSpPr/>
+          <p:nvPr/>
+        </p:nvSpPr>
+        <p:spPr>
+          <a:xfrm>
+            <a:off x="5398993" y="2869960"/>
+            <a:ext cx="1987645" cy="215444"/>
+          </a:xfrm>
+          <a:prstGeom prst="rect">
+            <a:avLst/>
+          </a:prstGeom>
+        </p:spPr>
+        <p:txBody>
+          <a:bodyPr wrap="square">
+            <a:spAutoFit/>
+          </a:bodyPr>
+          <a:lstStyle/>
+          <a:p>
+            <a:pPr algn="just"/>
+            <a:r>
+              <a:rPr lang="en-US" sz="800" dirty="0" smtClean="0">
+                <a:latin typeface="Century Gothic" panose="020B0502020202020204" pitchFamily="34" charset="0"/>
+              </a:rPr>
+              <a:t>Hey </a:t>
+            </a:r>
+            <a:r>
+              <a:rPr lang="en-US" sz="800" dirty="0" smtClean="0">
+                <a:latin typeface="Century Gothic" panose="020B0502020202020204" pitchFamily="34" charset="0"/>
+              </a:rPr>
+              <a:t>dude!</a:t>
+            </a:r>
+            <a:endParaRPr lang="he-IL" sz="800" dirty="0"/>
+          </a:p>
+        </p:txBody>
+      </p:sp>
+      <p:pic>
+        <p:nvPicPr>
+          <p:cNvPr id="2" name="Picture 1"/>
+          <p:cNvPicPr>
+            <a:picLocks noChangeAspect="1"/>
+          </p:cNvPicPr>
+          <p:nvPr/>
+        </p:nvPicPr>
+        <p:blipFill>
+          <a:blip r:embed="rId10">
+            <a:extLst>
+              <a:ext uri="{BEBA8EAE-BF5A-486C-A8C5-ECC9F3942E4B}">
+                <a14:imgProps xmlns:a14="http://schemas.microsoft.com/office/drawing/2010/main">
+                  <a14:imgLayer r:embed="rId11">
+                    <a14:imgEffect>
+                      <a14:backgroundRemoval t="9961" b="89844" l="0" r="100000"/>
+                    </a14:imgEffect>
+                  </a14:imgLayer>
+                </a14:imgProps>
+              </a:ext>
+            </a:extLst>
+          </a:blip>
+          <a:stretch>
+            <a:fillRect/>
+          </a:stretch>
+        </p:blipFill>
+        <p:spPr>
+          <a:xfrm>
+            <a:off x="5503016" y="2070710"/>
+            <a:ext cx="121737" cy="121737"/>
+          </a:xfrm>
+          <a:prstGeom prst="rect">
+            <a:avLst/>
+          </a:prstGeom>
+        </p:spPr>
+      </p:pic>
+      <p:pic>
+        <p:nvPicPr>
+          <p:cNvPr id="4" name="Picture 3"/>
+          <p:cNvPicPr>
+            <a:picLocks noChangeAspect="1"/>
+          </p:cNvPicPr>
+          <p:nvPr/>
+        </p:nvPicPr>
+        <p:blipFill>
+          <a:blip r:embed="rId12">
+            <a:extLst>
+              <a:ext uri="{BEBA8EAE-BF5A-486C-A8C5-ECC9F3942E4B}">
+                <a14:imgProps xmlns:a14="http://schemas.microsoft.com/office/drawing/2010/main">
+                  <a14:imgLayer r:embed="rId13">
+                    <a14:imgEffect>
+                      <a14:backgroundRemoval t="9961" b="89844" l="586" r="100000"/>
+                    </a14:imgEffect>
+                  </a14:imgLayer>
+                </a14:imgProps>
+              </a:ext>
+            </a:extLst>
+          </a:blip>
+          <a:stretch>
+            <a:fillRect/>
+          </a:stretch>
+        </p:blipFill>
+        <p:spPr>
+          <a:xfrm>
+            <a:off x="7315056" y="2916959"/>
+            <a:ext cx="121737" cy="121737"/>
+          </a:xfrm>
+          <a:prstGeom prst="rect">
+            <a:avLst/>
+          </a:prstGeom>
+        </p:spPr>
+      </p:pic>
+      <p:sp>
+        <p:nvSpPr>
+          <p:cNvPr id="25" name="Rectangle 24"/>
+          <p:cNvSpPr/>
+          <p:nvPr/>
+        </p:nvSpPr>
+        <p:spPr>
+          <a:xfrm>
+            <a:off x="5398993" y="3360732"/>
+            <a:ext cx="2117102" cy="307777"/>
+          </a:xfrm>
+          <a:prstGeom prst="rect">
+            <a:avLst/>
+          </a:prstGeom>
+        </p:spPr>
+        <p:txBody>
+          <a:bodyPr wrap="square">
+            <a:spAutoFit/>
+          </a:bodyPr>
+          <a:lstStyle/>
+          <a:p>
+            <a:pPr algn="l"/>
+            <a:r>
+              <a:rPr lang="en-US" sz="1400" dirty="0" smtClean="0">
+                <a:latin typeface="Century Gothic" panose="020B0502020202020204" pitchFamily="34" charset="0"/>
+              </a:rPr>
+              <a:t>Emily</a:t>
+            </a:r>
+            <a:endParaRPr lang="he-IL" sz="1400" dirty="0"/>
+          </a:p>
+        </p:txBody>
+      </p:sp>
+      <p:sp>
+        <p:nvSpPr>
+          <p:cNvPr id="28" name="Rectangle 27"/>
+          <p:cNvSpPr/>
+          <p:nvPr/>
+        </p:nvSpPr>
+        <p:spPr>
+          <a:xfrm>
+            <a:off x="5053863" y="3942069"/>
+            <a:ext cx="2493616" cy="215444"/>
+          </a:xfrm>
+          <a:prstGeom prst="rect">
+            <a:avLst/>
+          </a:prstGeom>
+        </p:spPr>
+        <p:txBody>
+          <a:bodyPr wrap="square">
+            <a:spAutoFit/>
+          </a:bodyPr>
+          <a:lstStyle/>
+          <a:p>
+            <a:pPr rtl="0"/>
+            <a:r>
+              <a:rPr lang="en-US" sz="800" dirty="0" smtClean="0">
+                <a:solidFill>
+                  <a:srgbClr val="C00000"/>
+                </a:solidFill>
+                <a:latin typeface="Century Gothic" panose="020B0502020202020204" pitchFamily="34" charset="0"/>
+              </a:rPr>
+              <a:t>seen </a:t>
+            </a:r>
+            <a:r>
+              <a:rPr lang="en-US" sz="800" dirty="0">
+                <a:solidFill>
+                  <a:srgbClr val="C00000"/>
+                </a:solidFill>
+                <a:latin typeface="Century Gothic" panose="020B0502020202020204" pitchFamily="34" charset="0"/>
+              </a:rPr>
+              <a:t>1</a:t>
+            </a:r>
+            <a:r>
+              <a:rPr lang="en-US" sz="800" dirty="0" smtClean="0">
+                <a:solidFill>
+                  <a:srgbClr val="C00000"/>
+                </a:solidFill>
+                <a:latin typeface="Century Gothic" panose="020B0502020202020204" pitchFamily="34" charset="0"/>
+              </a:rPr>
+              <a:t> hour and 20 </a:t>
+            </a:r>
+            <a:r>
+              <a:rPr lang="en-US" sz="800" dirty="0" err="1" smtClean="0">
+                <a:solidFill>
+                  <a:srgbClr val="C00000"/>
+                </a:solidFill>
+                <a:latin typeface="Century Gothic" panose="020B0502020202020204" pitchFamily="34" charset="0"/>
+              </a:rPr>
+              <a:t>minuts</a:t>
+            </a:r>
+            <a:r>
+              <a:rPr lang="en-US" sz="800" dirty="0" smtClean="0">
+                <a:solidFill>
+                  <a:srgbClr val="C00000"/>
+                </a:solidFill>
+                <a:latin typeface="Century Gothic" panose="020B0502020202020204" pitchFamily="34" charset="0"/>
+              </a:rPr>
+              <a:t> </a:t>
+            </a:r>
+            <a:r>
+              <a:rPr lang="en-US" sz="800" dirty="0" smtClean="0">
+                <a:solidFill>
+                  <a:srgbClr val="C00000"/>
+                </a:solidFill>
+                <a:latin typeface="Century Gothic" panose="020B0502020202020204" pitchFamily="34" charset="0"/>
+              </a:rPr>
+              <a:t>ago</a:t>
+            </a:r>
+            <a:endParaRPr lang="he-IL" sz="800" dirty="0">
+              <a:solidFill>
+                <a:srgbClr val="C00000"/>
+              </a:solidFill>
+            </a:endParaRPr>
+          </a:p>
+        </p:txBody>
+      </p:sp>
+      <p:sp>
+        <p:nvSpPr>
+          <p:cNvPr id="29" name="Rectangle 28"/>
+          <p:cNvSpPr/>
+          <p:nvPr/>
+        </p:nvSpPr>
+        <p:spPr>
+          <a:xfrm>
+            <a:off x="5398993" y="3703751"/>
+            <a:ext cx="1987645" cy="215444"/>
+          </a:xfrm>
+          <a:prstGeom prst="rect">
+            <a:avLst/>
+          </a:prstGeom>
+        </p:spPr>
+        <p:txBody>
+          <a:bodyPr wrap="square">
+            <a:spAutoFit/>
+          </a:bodyPr>
+          <a:lstStyle/>
+          <a:p>
+            <a:pPr algn="just"/>
+            <a:r>
+              <a:rPr lang="en-US" sz="800" dirty="0" smtClean="0">
+                <a:latin typeface="Century Gothic" panose="020B0502020202020204" pitchFamily="34" charset="0"/>
+              </a:rPr>
+              <a:t>I’ll will be at FCO at 11am.</a:t>
+            </a:r>
+            <a:endParaRPr lang="he-IL" sz="800" dirty="0"/>
+          </a:p>
+        </p:txBody>
+      </p:sp>
+      <p:pic>
+        <p:nvPicPr>
+          <p:cNvPr id="30" name="Picture 29"/>
+          <p:cNvPicPr>
+            <a:picLocks noChangeAspect="1"/>
+          </p:cNvPicPr>
+          <p:nvPr/>
+        </p:nvPicPr>
+        <p:blipFill>
+          <a:blip r:embed="rId12">
+            <a:extLst>
+              <a:ext uri="{BEBA8EAE-BF5A-486C-A8C5-ECC9F3942E4B}">
+                <a14:imgProps xmlns:a14="http://schemas.microsoft.com/office/drawing/2010/main">
+                  <a14:imgLayer r:embed="rId13">
+                    <a14:imgEffect>
+                      <a14:backgroundRemoval t="9961" b="89844" l="586" r="100000"/>
+                    </a14:imgEffect>
+                  </a14:imgLayer>
+                </a14:imgProps>
+              </a:ext>
+            </a:extLst>
+          </a:blip>
+          <a:stretch>
+            <a:fillRect/>
+          </a:stretch>
+        </p:blipFill>
+        <p:spPr>
+          <a:xfrm>
+            <a:off x="7315056" y="3750750"/>
+            <a:ext cx="121737" cy="121737"/>
+          </a:xfrm>
+          <a:prstGeom prst="rect">
+            <a:avLst/>
+          </a:prstGeom>
+        </p:spPr>
+      </p:pic>
+      <p:pic>
+        <p:nvPicPr>
+          <p:cNvPr id="8" name="Picture 7"/>
+          <p:cNvPicPr>
+            <a:picLocks noChangeAspect="1"/>
+          </p:cNvPicPr>
+          <p:nvPr/>
+        </p:nvPicPr>
+        <p:blipFill>
+          <a:blip r:embed="rId14" cstate="print">
+            <a:extLst>
+              <a:ext uri="{28A0092B-C50C-407E-A947-70E740481C1C}">
+                <a14:useLocalDpi xmlns:a14="http://schemas.microsoft.com/office/drawing/2010/main" val="0"/>
+              </a:ext>
+            </a:extLst>
+          </a:blip>
+          <a:stretch>
+            <a:fillRect/>
+          </a:stretch>
+        </p:blipFill>
+        <p:spPr>
+          <a:xfrm flipH="1">
+            <a:off x="4682322" y="3354798"/>
+            <a:ext cx="777600" cy="777600"/>
+          </a:xfrm>
+          <a:prstGeom prst="rect">
+            <a:avLst/>
+          </a:prstGeom>
+        </p:spPr>
+      </p:pic>
+      <p:pic>
+        <p:nvPicPr>
+          <p:cNvPr id="32" name="Picture 31"/>
+          <p:cNvPicPr>
+            <a:picLocks noChangeAspect="1"/>
+          </p:cNvPicPr>
+          <p:nvPr/>
+        </p:nvPicPr>
+        <p:blipFill>
+          <a:blip r:embed="rId15"/>
+          <a:stretch>
+            <a:fillRect/>
+          </a:stretch>
+        </p:blipFill>
+        <p:spPr>
+          <a:xfrm>
+            <a:off x="6662105" y="965126"/>
+            <a:ext cx="249413" cy="249413"/>
+          </a:xfrm>
+          <a:prstGeom prst="rect">
+            <a:avLst/>
+          </a:prstGeom>
+        </p:spPr>
+      </p:pic>
+    </p:spTree>
+    <p:extLst>
+      <p:ext uri="{BB962C8B-B14F-4D97-AF65-F5344CB8AC3E}">
+        <p14:creationId xmlns:p14="http://schemas.microsoft.com/office/powerpoint/2010/main" val="1524550443"/>
+      </p:ext>
+    </p:extLst>
+  </p:cSld>
+  <p:clrMapOvr>
+    <a:masterClrMapping/>
+  </p:clrMapOvr>
+  <mc:AlternateContent xmlns:mc="http://schemas.openxmlformats.org/markup-compatibility/2006" xmlns:p14="http://schemas.microsoft.com/office/powerpoint/2010/main">
+    <mc:Choice Requires="p14">
+      <p:transition spd="med" p14:dur="700">
+        <p:fade/>
+      </p:transition>
+    </mc:Choice>
+    <mc:Fallback xmlns="">
+      <p:transition spd="med">
+        <p:fade/>
+      </p:transition>
+    </mc:Fallback>
+  </mc:AlternateContent>
+  <p:timing>
+    <p:tnLst>
+      <p:par>
+        <p:cTn id="1" dur="indefinite" restart="never" nodeType="tmRoot"/>
+      </p:par>
+    </p:tnLst>
+  </p:timing>
+</p:sld>
+</file>
+
+<file path=ppt/slides/slide11.xml><?xml version="1.0" encoding="utf-8"?>
+<p:sld xmlns:a="http://schemas.openxmlformats.org/drawingml/2006/main" xmlns:r="http://schemas.openxmlformats.org/officeDocument/2006/relationships" xmlns:p="http://schemas.openxmlformats.org/presentationml/2006/main">
+  <p:cSld>
+    <p:spTree>
+      <p:nvGrpSpPr>
+        <p:cNvPr id="1" name=""/>
+        <p:cNvGrpSpPr/>
+        <p:nvPr/>
+      </p:nvGrpSpPr>
+      <p:grpSpPr>
+        <a:xfrm>
+          <a:off x="0" y="0"/>
+          <a:ext cx="0" cy="0"/>
+          <a:chOff x="0" y="0"/>
+          <a:chExt cx="0" cy="0"/>
+        </a:xfrm>
+      </p:grpSpPr>
+      <p:pic>
+        <p:nvPicPr>
+          <p:cNvPr id="27" name="Picture 6" descr="http://www.technobuffalo.com/wp-content/uploads/2013/10/Nexus-5-Press-Image-001-1280x874.jpg"/>
+          <p:cNvPicPr>
+            <a:picLocks noChangeAspect="1" noChangeArrowheads="1"/>
+          </p:cNvPicPr>
+          <p:nvPr/>
+        </p:nvPicPr>
+        <p:blipFill>
+          <a:blip r:embed="rId3">
+            <a:extLst>
+              <a:ext uri="{BEBA8EAE-BF5A-486C-A8C5-ECC9F3942E4B}">
+                <a14:imgProps xmlns:a14="http://schemas.microsoft.com/office/drawing/2010/main">
+                  <a14:imgLayer r:embed="rId4">
+                    <a14:imgEffect>
+                      <a14:backgroundRemoval t="4119" b="95538" l="10000" r="90000"/>
+                    </a14:imgEffect>
+                  </a14:imgLayer>
+                </a14:imgProps>
+              </a:ext>
+              <a:ext uri="{28A0092B-C50C-407E-A947-70E740481C1C}">
+                <a14:useLocalDpi xmlns:a14="http://schemas.microsoft.com/office/drawing/2010/main" val="0"/>
+              </a:ext>
+            </a:extLst>
+          </a:blip>
+          <a:srcRect/>
+          <a:stretch>
+            <a:fillRect/>
+          </a:stretch>
+        </p:blipFill>
+        <p:spPr bwMode="auto">
+          <a:xfrm>
+            <a:off x="1050881" y="-38501"/>
+            <a:ext cx="10109488" cy="6902886"/>
+          </a:xfrm>
+          <a:prstGeom prst="rect">
+            <a:avLst/>
+          </a:prstGeom>
+          <a:noFill/>
+          <a:effectLst>
+            <a:outerShdw blurRad="50800" dist="38100" dir="10800000" algn="r" rotWithShape="0">
+              <a:prstClr val="black">
+                <a:alpha val="40000"/>
+              </a:prstClr>
+            </a:outerShdw>
+          </a:effectLst>
+          <a:extLst>
+            <a:ext uri="{909E8E84-426E-40DD-AFC4-6F175D3DCCD1}">
+              <a14:hiddenFill xmlns:a14="http://schemas.microsoft.com/office/drawing/2010/main">
+                <a:solidFill>
+                  <a:srgbClr val="FFFFFF"/>
+                </a:solidFill>
+              </a14:hiddenFill>
+            </a:ext>
+          </a:extLst>
+        </p:spPr>
+      </p:pic>
+      <p:sp>
+        <p:nvSpPr>
+          <p:cNvPr id="5" name="Rectangle 4"/>
+          <p:cNvSpPr/>
+          <p:nvPr/>
+        </p:nvSpPr>
+        <p:spPr>
+          <a:xfrm>
+            <a:off x="4684295" y="834830"/>
+            <a:ext cx="2829827" cy="4987453"/>
+          </a:xfrm>
+          <a:prstGeom prst="rect">
+            <a:avLst/>
+          </a:prstGeom>
+          <a:solidFill>
+            <a:schemeClr val="bg1"/>
+          </a:solidFill>
+          <a:ln>
+            <a:noFill/>
+          </a:ln>
+        </p:spPr>
+        <p:style>
+          <a:lnRef idx="2">
+            <a:schemeClr val="accent1">
+              <a:shade val="50000"/>
+            </a:schemeClr>
+          </a:lnRef>
+          <a:fillRef idx="1">
+            <a:schemeClr val="accent1"/>
+          </a:fillRef>
+          <a:effectRef idx="0">
+            <a:schemeClr val="accent1"/>
+          </a:effectRef>
+          <a:fontRef idx="minor">
+            <a:schemeClr val="lt1"/>
+          </a:fontRef>
+        </p:style>
+        <p:txBody>
+          <a:bodyPr rtlCol="1" anchor="ctr"/>
+          <a:lstStyle/>
+          <a:p>
+            <a:pPr algn="ctr"/>
+            <a:endParaRPr lang="he-IL"/>
+          </a:p>
+        </p:txBody>
+      </p:sp>
+      <p:sp>
+        <p:nvSpPr>
+          <p:cNvPr id="11" name="Rectangle 10"/>
+          <p:cNvSpPr/>
+          <p:nvPr/>
+        </p:nvSpPr>
+        <p:spPr>
+          <a:xfrm>
+            <a:off x="4684295" y="822492"/>
+            <a:ext cx="2829827" cy="539583"/>
+          </a:xfrm>
+          <a:prstGeom prst="rect">
+            <a:avLst/>
+          </a:prstGeom>
+          <a:solidFill>
+            <a:srgbClr val="F20000">
+              <a:alpha val="97000"/>
+            </a:srgbClr>
+          </a:solidFill>
+          <a:ln>
+            <a:noFill/>
+          </a:ln>
+        </p:spPr>
+        <p:style>
+          <a:lnRef idx="2">
+            <a:schemeClr val="accent1">
+              <a:shade val="50000"/>
+            </a:schemeClr>
+          </a:lnRef>
+          <a:fillRef idx="1">
+            <a:schemeClr val="accent1"/>
+          </a:fillRef>
+          <a:effectRef idx="0">
+            <a:schemeClr val="accent1"/>
+          </a:effectRef>
+          <a:fontRef idx="minor">
+            <a:schemeClr val="lt1"/>
+          </a:fontRef>
+        </p:style>
+        <p:txBody>
+          <a:bodyPr rtlCol="1" anchor="ctr"/>
+          <a:lstStyle/>
+          <a:p>
+            <a:pPr algn="ctr"/>
+            <a:endParaRPr lang="he-IL"/>
+          </a:p>
+        </p:txBody>
+      </p:sp>
+      <p:sp>
+        <p:nvSpPr>
+          <p:cNvPr id="13" name="TextBox 12"/>
+          <p:cNvSpPr txBox="1"/>
+          <p:nvPr/>
+        </p:nvSpPr>
+        <p:spPr>
+          <a:xfrm>
+            <a:off x="5053863" y="907617"/>
+            <a:ext cx="1217000" cy="369332"/>
+          </a:xfrm>
+          <a:prstGeom prst="rect">
+            <a:avLst/>
+          </a:prstGeom>
+          <a:noFill/>
+        </p:spPr>
+        <p:txBody>
+          <a:bodyPr wrap="none" rtlCol="1">
+            <a:spAutoFit/>
+          </a:bodyPr>
+          <a:lstStyle/>
+          <a:p>
+            <a:pPr algn="ctr"/>
+            <a:r>
+              <a:rPr lang="en-US" dirty="0" err="1" smtClean="0">
+                <a:solidFill>
+                  <a:schemeClr val="bg1"/>
+                </a:solidFill>
+                <a:latin typeface="Century Gothic" panose="020B0502020202020204" pitchFamily="34" charset="0"/>
+              </a:rPr>
+              <a:t>OnThe</a:t>
+            </a:r>
+            <a:r>
+              <a:rPr lang="en-US" b="1" dirty="0" err="1" smtClean="0">
+                <a:solidFill>
+                  <a:schemeClr val="bg1"/>
+                </a:solidFill>
+                <a:latin typeface="Century Gothic" panose="020B0502020202020204" pitchFamily="34" charset="0"/>
+              </a:rPr>
+              <a:t>Fly</a:t>
+            </a:r>
+            <a:endParaRPr lang="he-IL" sz="2000" b="1" dirty="0">
+              <a:solidFill>
+                <a:schemeClr val="bg1"/>
+              </a:solidFill>
+              <a:latin typeface="Century Gothic" panose="020B0502020202020204" pitchFamily="34" charset="0"/>
+            </a:endParaRPr>
+          </a:p>
+        </p:txBody>
+      </p:sp>
+      <p:grpSp>
+        <p:nvGrpSpPr>
+          <p:cNvPr id="14" name="Group 13"/>
+          <p:cNvGrpSpPr/>
+          <p:nvPr/>
+        </p:nvGrpSpPr>
+        <p:grpSpPr>
+          <a:xfrm>
+            <a:off x="4715953" y="874451"/>
+            <a:ext cx="376747" cy="424103"/>
+            <a:chOff x="8120846" y="1227385"/>
+            <a:chExt cx="3534412" cy="3978687"/>
+          </a:xfrm>
+        </p:grpSpPr>
+        <p:sp>
+          <p:nvSpPr>
+            <p:cNvPr id="15" name="Chord 14"/>
+            <p:cNvSpPr/>
+            <p:nvPr/>
+          </p:nvSpPr>
+          <p:spPr>
+            <a:xfrm rot="5400000">
+              <a:off x="8226724" y="1227385"/>
+              <a:ext cx="3428534" cy="3428534"/>
+            </a:xfrm>
+            <a:prstGeom prst="chord">
+              <a:avLst>
+                <a:gd name="adj1" fmla="val 2476101"/>
+                <a:gd name="adj2" fmla="val 13931417"/>
+              </a:avLst>
+            </a:prstGeom>
+            <a:solidFill>
+              <a:srgbClr val="C00000"/>
+            </a:solidFill>
+            <a:ln>
+              <a:noFill/>
+            </a:ln>
+          </p:spPr>
+          <p:style>
+            <a:lnRef idx="2">
+              <a:schemeClr val="accent1">
+                <a:shade val="50000"/>
+              </a:schemeClr>
+            </a:lnRef>
+            <a:fillRef idx="1">
+              <a:schemeClr val="accent1"/>
+            </a:fillRef>
+            <a:effectRef idx="0">
+              <a:schemeClr val="accent1"/>
+            </a:effectRef>
+            <a:fontRef idx="minor">
+              <a:schemeClr val="lt1"/>
+            </a:fontRef>
+          </p:style>
+          <p:txBody>
+            <a:bodyPr rtlCol="1" anchor="ctr"/>
+            <a:lstStyle/>
+            <a:p>
+              <a:pPr algn="ctr"/>
+              <a:endParaRPr lang="he-IL"/>
+            </a:p>
+          </p:txBody>
+        </p:sp>
+        <p:sp>
+          <p:nvSpPr>
+            <p:cNvPr id="16" name="Chord 15"/>
+            <p:cNvSpPr/>
+            <p:nvPr/>
+          </p:nvSpPr>
+          <p:spPr>
+            <a:xfrm rot="16200000">
+              <a:off x="8120846" y="1777538"/>
+              <a:ext cx="3428534" cy="3428534"/>
+            </a:xfrm>
+            <a:prstGeom prst="chord">
+              <a:avLst>
+                <a:gd name="adj1" fmla="val 2476101"/>
+                <a:gd name="adj2" fmla="val 13931417"/>
+              </a:avLst>
+            </a:prstGeom>
+            <a:solidFill>
+              <a:srgbClr val="8E0000"/>
+            </a:solidFill>
+            <a:ln>
+              <a:noFill/>
+            </a:ln>
+          </p:spPr>
+          <p:style>
+            <a:lnRef idx="2">
+              <a:schemeClr val="accent1">
+                <a:shade val="50000"/>
+              </a:schemeClr>
+            </a:lnRef>
+            <a:fillRef idx="1">
+              <a:schemeClr val="accent1"/>
+            </a:fillRef>
+            <a:effectRef idx="0">
+              <a:schemeClr val="accent1"/>
+            </a:effectRef>
+            <a:fontRef idx="minor">
+              <a:schemeClr val="lt1"/>
+            </a:fontRef>
+          </p:style>
+          <p:txBody>
+            <a:bodyPr rtlCol="1" anchor="ctr"/>
+            <a:lstStyle/>
+            <a:p>
+              <a:pPr algn="ctr"/>
+              <a:endParaRPr lang="he-IL"/>
+            </a:p>
+          </p:txBody>
+        </p:sp>
+        <p:pic>
+          <p:nvPicPr>
+            <p:cNvPr id="17" name="Picture 16"/>
+            <p:cNvPicPr>
+              <a:picLocks noChangeAspect="1"/>
+            </p:cNvPicPr>
+            <p:nvPr/>
+          </p:nvPicPr>
+          <p:blipFill>
+            <a:blip r:embed="rId5">
+              <a:extLst>
+                <a:ext uri="{BEBA8EAE-BF5A-486C-A8C5-ECC9F3942E4B}">
+                  <a14:imgProps xmlns:a14="http://schemas.microsoft.com/office/drawing/2010/main">
+                    <a14:imgLayer r:embed="rId6">
+                      <a14:imgEffect>
+                        <a14:backgroundRemoval t="0" b="100000" l="0" r="100000"/>
+                      </a14:imgEffect>
+                    </a14:imgLayer>
+                  </a14:imgProps>
+                </a:ext>
+              </a:extLst>
+            </a:blip>
+            <a:stretch>
+              <a:fillRect/>
+            </a:stretch>
+          </p:blipFill>
+          <p:spPr>
+            <a:xfrm rot="19771925">
+              <a:off x="8624053" y="2122638"/>
+              <a:ext cx="2301304" cy="2301304"/>
+            </a:xfrm>
+            <a:prstGeom prst="rect">
+              <a:avLst/>
+            </a:prstGeom>
+            <a:effectLst/>
+          </p:spPr>
+        </p:pic>
+      </p:grpSp>
+      <p:graphicFrame>
+        <p:nvGraphicFramePr>
+          <p:cNvPr id="6" name="Table 5"/>
+          <p:cNvGraphicFramePr>
+            <a:graphicFrameLocks noGrp="1"/>
+          </p:cNvGraphicFramePr>
+          <p:nvPr>
+            <p:extLst>
+              <p:ext uri="{D42A27DB-BD31-4B8C-83A1-F6EECF244321}">
+                <p14:modId xmlns:p14="http://schemas.microsoft.com/office/powerpoint/2010/main" val="1014884193"/>
+              </p:ext>
+            </p:extLst>
+          </p:nvPr>
+        </p:nvGraphicFramePr>
+        <p:xfrm>
+          <a:off x="4688974" y="1359602"/>
+          <a:ext cx="2819901" cy="274320"/>
+        </p:xfrm>
+        <a:graphic>
+          <a:graphicData uri="http://schemas.openxmlformats.org/drawingml/2006/table">
+            <a:tbl>
+              <a:tblPr rtl="1" firstRow="1" bandRow="1">
+                <a:tableStyleId>{5C22544A-7EE6-4342-B048-85BDC9FD1C3A}</a:tableStyleId>
+              </a:tblPr>
+              <a:tblGrid>
+                <a:gridCol w="939967"/>
+                <a:gridCol w="939967"/>
+                <a:gridCol w="939967"/>
+              </a:tblGrid>
+              <a:tr h="243773">
+                <a:tc>
+                  <a:txBody>
+                    <a:bodyPr/>
+                    <a:lstStyle/>
+                    <a:p>
+                      <a:pPr algn="ctr" rtl="1"/>
+                      <a:r>
+                        <a:rPr lang="en-US" sz="1200" b="0" kern="1200" dirty="0" smtClean="0">
+                          <a:solidFill>
+                            <a:schemeClr val="tx1"/>
+                          </a:solidFill>
+                          <a:latin typeface="Century Gothic" panose="020B0502020202020204" pitchFamily="34" charset="0"/>
+                          <a:ea typeface="+mn-ea"/>
+                          <a:cs typeface="+mn-cs"/>
+                        </a:rPr>
+                        <a:t>Chat</a:t>
+                      </a:r>
+                      <a:endParaRPr lang="he-IL" sz="1200" b="0" kern="1200" dirty="0">
+                        <a:solidFill>
+                          <a:schemeClr val="tx1"/>
+                        </a:solidFill>
+                        <a:latin typeface="Century Gothic" panose="020B0502020202020204" pitchFamily="34" charset="0"/>
+                        <a:ea typeface="+mn-ea"/>
+                        <a:cs typeface="+mn-cs"/>
+                      </a:endParaRPr>
+                    </a:p>
+                  </a:txBody>
+                  <a:tcPr anchor="ctr">
+                    <a:lnL w="6350" cap="flat" cmpd="sng" algn="ctr">
+                      <a:solidFill>
+                        <a:schemeClr val="bg1">
+                          <a:lumMod val="85000"/>
+                        </a:schemeClr>
+                      </a:solidFill>
+                      <a:prstDash val="solid"/>
+                      <a:round/>
+                      <a:headEnd type="none" w="med" len="med"/>
+                      <a:tailEnd type="none" w="med" len="med"/>
+                    </a:lnL>
+                    <a:lnR w="6350" cap="flat" cmpd="sng" algn="ctr">
+                      <a:solidFill>
+                        <a:schemeClr val="bg1">
+                          <a:lumMod val="85000"/>
+                        </a:schemeClr>
+                      </a:solidFill>
+                      <a:prstDash val="solid"/>
+                      <a:round/>
+                      <a:headEnd type="none" w="med" len="med"/>
+                      <a:tailEnd type="none" w="med" len="med"/>
+                    </a:lnR>
+                    <a:lnT w="6350" cap="flat" cmpd="sng" algn="ctr">
+                      <a:solidFill>
+                        <a:schemeClr val="bg1">
+                          <a:lumMod val="85000"/>
+                        </a:schemeClr>
+                      </a:solidFill>
+                      <a:prstDash val="solid"/>
+                      <a:round/>
+                      <a:headEnd type="none" w="med" len="med"/>
+                      <a:tailEnd type="none" w="med" len="med"/>
+                    </a:lnT>
+                    <a:lnB w="6350" cap="flat" cmpd="sng" algn="ctr">
+                      <a:solidFill>
+                        <a:schemeClr val="bg1">
+                          <a:lumMod val="85000"/>
+                        </a:schemeClr>
+                      </a:solidFill>
+                      <a:prstDash val="solid"/>
+                      <a:round/>
+                      <a:headEnd type="none" w="med" len="med"/>
+                      <a:tailEnd type="none" w="med" len="med"/>
+                    </a:lnB>
+                    <a:lnTlToBr w="12700" cmpd="sng">
+                      <a:noFill/>
+                      <a:prstDash val="solid"/>
+                    </a:lnTlToBr>
+                    <a:lnBlToTr w="12700" cmpd="sng">
+                      <a:noFill/>
+                      <a:prstDash val="solid"/>
+                    </a:lnBlToTr>
+                    <a:solidFill>
+                      <a:schemeClr val="bg1"/>
+                    </a:solidFill>
+                  </a:tcPr>
+                </a:tc>
+                <a:tc>
+                  <a:txBody>
+                    <a:bodyPr/>
+                    <a:lstStyle/>
+                    <a:p>
+                      <a:pPr algn="ctr" rtl="1"/>
+                      <a:r>
+                        <a:rPr lang="en-US" sz="1200" b="0" kern="1200" dirty="0" smtClean="0">
+                          <a:solidFill>
+                            <a:schemeClr val="tx1"/>
+                          </a:solidFill>
+                          <a:latin typeface="Century Gothic" panose="020B0502020202020204" pitchFamily="34" charset="0"/>
+                          <a:ea typeface="+mn-ea"/>
+                          <a:cs typeface="+mn-cs"/>
+                        </a:rPr>
+                        <a:t>People</a:t>
+                      </a:r>
+                      <a:endParaRPr lang="he-IL" sz="1200" b="0" kern="1200" dirty="0">
+                        <a:solidFill>
+                          <a:schemeClr val="tx1"/>
+                        </a:solidFill>
+                        <a:latin typeface="Century Gothic" panose="020B0502020202020204" pitchFamily="34" charset="0"/>
+                        <a:ea typeface="+mn-ea"/>
+                        <a:cs typeface="+mn-cs"/>
+                      </a:endParaRPr>
+                    </a:p>
+                  </a:txBody>
+                  <a:tcPr anchor="ctr">
+                    <a:lnL w="6350" cap="flat" cmpd="sng" algn="ctr">
+                      <a:solidFill>
+                        <a:schemeClr val="bg1">
+                          <a:lumMod val="85000"/>
+                        </a:schemeClr>
+                      </a:solidFill>
+                      <a:prstDash val="solid"/>
+                      <a:round/>
+                      <a:headEnd type="none" w="med" len="med"/>
+                      <a:tailEnd type="none" w="med" len="med"/>
+                    </a:lnL>
+                    <a:lnR w="6350" cap="flat" cmpd="sng" algn="ctr">
+                      <a:solidFill>
+                        <a:schemeClr val="bg1">
+                          <a:lumMod val="85000"/>
+                        </a:schemeClr>
+                      </a:solidFill>
+                      <a:prstDash val="solid"/>
+                      <a:round/>
+                      <a:headEnd type="none" w="med" len="med"/>
+                      <a:tailEnd type="none" w="med" len="med"/>
+                    </a:lnR>
+                    <a:lnT w="6350" cap="flat" cmpd="sng" algn="ctr">
+                      <a:solidFill>
+                        <a:schemeClr val="bg1">
+                          <a:lumMod val="85000"/>
+                        </a:schemeClr>
+                      </a:solidFill>
+                      <a:prstDash val="solid"/>
+                      <a:round/>
+                      <a:headEnd type="none" w="med" len="med"/>
+                      <a:tailEnd type="none" w="med" len="med"/>
+                    </a:lnT>
+                    <a:lnB w="6350" cap="flat" cmpd="sng" algn="ctr">
+                      <a:solidFill>
+                        <a:schemeClr val="bg1">
+                          <a:lumMod val="85000"/>
+                        </a:schemeClr>
+                      </a:solidFill>
+                      <a:prstDash val="solid"/>
+                      <a:round/>
+                      <a:headEnd type="none" w="med" len="med"/>
+                      <a:tailEnd type="none" w="med" len="med"/>
+                    </a:lnB>
+                    <a:lnTlToBr w="12700" cmpd="sng">
+                      <a:noFill/>
+                      <a:prstDash val="solid"/>
+                    </a:lnTlToBr>
+                    <a:lnBlToTr w="12700" cmpd="sng">
+                      <a:noFill/>
+                      <a:prstDash val="solid"/>
+                    </a:lnBlToTr>
+                    <a:solidFill>
+                      <a:schemeClr val="bg1"/>
+                    </a:solidFill>
+                  </a:tcPr>
+                </a:tc>
+                <a:tc>
+                  <a:txBody>
+                    <a:bodyPr/>
+                    <a:lstStyle/>
+                    <a:p>
+                      <a:pPr algn="ctr" rtl="1"/>
+                      <a:r>
+                        <a:rPr lang="en-US" sz="1200" b="0" dirty="0" smtClean="0">
+                          <a:solidFill>
+                            <a:schemeClr val="tx1"/>
+                          </a:solidFill>
+                          <a:latin typeface="Century Gothic" panose="020B0502020202020204" pitchFamily="34" charset="0"/>
+                        </a:rPr>
+                        <a:t>Feed</a:t>
+                      </a:r>
+                      <a:endParaRPr lang="he-IL" sz="1200" b="0" dirty="0">
+                        <a:solidFill>
+                          <a:schemeClr val="tx1"/>
+                        </a:solidFill>
+                        <a:latin typeface="Century Gothic" panose="020B0502020202020204" pitchFamily="34" charset="0"/>
+                      </a:endParaRPr>
+                    </a:p>
+                  </a:txBody>
+                  <a:tcPr anchor="ctr">
+                    <a:lnL w="6350" cap="flat" cmpd="sng" algn="ctr">
+                      <a:solidFill>
+                        <a:schemeClr val="bg1">
+                          <a:lumMod val="85000"/>
+                        </a:schemeClr>
+                      </a:solidFill>
+                      <a:prstDash val="solid"/>
+                      <a:round/>
+                      <a:headEnd type="none" w="med" len="med"/>
+                      <a:tailEnd type="none" w="med" len="med"/>
+                    </a:lnL>
+                    <a:lnR w="6350" cap="flat" cmpd="sng" algn="ctr">
+                      <a:solidFill>
+                        <a:schemeClr val="bg1">
+                          <a:lumMod val="85000"/>
+                        </a:schemeClr>
+                      </a:solidFill>
+                      <a:prstDash val="solid"/>
+                      <a:round/>
+                      <a:headEnd type="none" w="med" len="med"/>
+                      <a:tailEnd type="none" w="med" len="med"/>
+                    </a:lnR>
+                    <a:lnT w="6350" cap="flat" cmpd="sng" algn="ctr">
+                      <a:solidFill>
+                        <a:schemeClr val="bg1">
+                          <a:lumMod val="85000"/>
+                        </a:schemeClr>
+                      </a:solidFill>
+                      <a:prstDash val="solid"/>
+                      <a:round/>
+                      <a:headEnd type="none" w="med" len="med"/>
+                      <a:tailEnd type="none" w="med" len="med"/>
+                    </a:lnT>
+                    <a:lnB w="6350" cap="flat" cmpd="sng" algn="ctr">
+                      <a:solidFill>
+                        <a:schemeClr val="bg1">
+                          <a:lumMod val="85000"/>
+                        </a:schemeClr>
+                      </a:solidFill>
+                      <a:prstDash val="solid"/>
+                      <a:round/>
+                      <a:headEnd type="none" w="med" len="med"/>
+                      <a:tailEnd type="none" w="med" len="med"/>
+                    </a:lnB>
+                    <a:lnTlToBr w="12700" cmpd="sng">
+                      <a:noFill/>
+                      <a:prstDash val="solid"/>
+                    </a:lnTlToBr>
+                    <a:lnBlToTr w="12700" cmpd="sng">
+                      <a:noFill/>
+                      <a:prstDash val="solid"/>
+                    </a:lnBlToTr>
+                    <a:solidFill>
+                      <a:schemeClr val="bg1"/>
+                    </a:solidFill>
+                  </a:tcPr>
+                </a:tc>
+              </a:tr>
+            </a:tbl>
+          </a:graphicData>
+        </a:graphic>
+      </p:graphicFrame>
+      <p:pic>
+        <p:nvPicPr>
+          <p:cNvPr id="1026" name="Picture 2" descr="https://fbcdn-sphotos-c-a.akamaihd.net/hphotos-ak-prn2/v/t1.0-9/558617_496479173697011_745885139_n.jpg?oh=05f90387fce5a2ab60ff626da8046fb4&amp;oe=55B810BD&amp;__gda__=1441131251_b641de8fc77e4e86dec2fc55f843cd6a"/>
+          <p:cNvPicPr>
+            <a:picLocks noChangeAspect="1" noChangeArrowheads="1"/>
+          </p:cNvPicPr>
+          <p:nvPr/>
+        </p:nvPicPr>
+        <p:blipFill>
+          <a:blip r:embed="rId7" cstate="print">
+            <a:extLst>
+              <a:ext uri="{28A0092B-C50C-407E-A947-70E740481C1C}">
+                <a14:useLocalDpi xmlns:a14="http://schemas.microsoft.com/office/drawing/2010/main" val="0"/>
+              </a:ext>
+            </a:extLst>
+          </a:blip>
+          <a:srcRect/>
+          <a:stretch>
+            <a:fillRect/>
+          </a:stretch>
+        </p:blipFill>
+        <p:spPr bwMode="auto">
+          <a:xfrm>
+            <a:off x="6976077" y="824512"/>
+            <a:ext cx="537562" cy="537562"/>
+          </a:xfrm>
+          <a:prstGeom prst="rect">
+            <a:avLst/>
+          </a:prstGeom>
+          <a:noFill/>
+          <a:extLst>
+            <a:ext uri="{909E8E84-426E-40DD-AFC4-6F175D3DCCD1}">
+              <a14:hiddenFill xmlns:a14="http://schemas.microsoft.com/office/drawing/2010/main">
+                <a:solidFill>
+                  <a:srgbClr val="FFFFFF"/>
+                </a:solidFill>
+              </a14:hiddenFill>
+            </a:ext>
+          </a:extLst>
+        </p:spPr>
+      </p:pic>
+      <p:pic>
+        <p:nvPicPr>
+          <p:cNvPr id="9" name="Picture 8"/>
+          <p:cNvPicPr>
+            <a:picLocks noChangeAspect="1"/>
+          </p:cNvPicPr>
+          <p:nvPr/>
+        </p:nvPicPr>
+        <p:blipFill rotWithShape="1">
+          <a:blip r:embed="rId8"/>
+          <a:srcRect l="23339" r="23277"/>
+          <a:stretch/>
+        </p:blipFill>
+        <p:spPr>
+          <a:xfrm>
+            <a:off x="4684295" y="1631046"/>
+            <a:ext cx="2833035" cy="4222997"/>
+          </a:xfrm>
+          <a:prstGeom prst="rect">
+            <a:avLst/>
+          </a:prstGeom>
+        </p:spPr>
+      </p:pic>
+      <p:pic>
+        <p:nvPicPr>
+          <p:cNvPr id="10" name="Picture 9"/>
+          <p:cNvPicPr>
+            <a:picLocks noChangeAspect="1"/>
+          </p:cNvPicPr>
+          <p:nvPr/>
+        </p:nvPicPr>
+        <p:blipFill>
+          <a:blip r:embed="rId9">
+            <a:extLst>
+              <a:ext uri="{BEBA8EAE-BF5A-486C-A8C5-ECC9F3942E4B}">
+                <a14:imgProps xmlns:a14="http://schemas.microsoft.com/office/drawing/2010/main">
+                  <a14:imgLayer r:embed="rId10">
+                    <a14:imgEffect>
+                      <a14:backgroundRemoval t="195" b="100000" l="1172" r="89844"/>
+                    </a14:imgEffect>
+                  </a14:imgLayer>
+                </a14:imgProps>
+              </a:ext>
+            </a:extLst>
+          </a:blip>
+          <a:stretch>
+            <a:fillRect/>
+          </a:stretch>
+        </p:blipFill>
+        <p:spPr>
+          <a:xfrm>
+            <a:off x="5940387" y="3247704"/>
+            <a:ext cx="330476" cy="330476"/>
+          </a:xfrm>
+          <a:prstGeom prst="rect">
+            <a:avLst/>
+          </a:prstGeom>
+        </p:spPr>
+      </p:pic>
+      <p:pic>
+        <p:nvPicPr>
+          <p:cNvPr id="32" name="Picture 31"/>
+          <p:cNvPicPr>
+            <a:picLocks noChangeAspect="1"/>
+          </p:cNvPicPr>
+          <p:nvPr/>
+        </p:nvPicPr>
+        <p:blipFill>
+          <a:blip r:embed="rId11"/>
+          <a:stretch>
+            <a:fillRect/>
+          </a:stretch>
+        </p:blipFill>
+        <p:spPr>
+          <a:xfrm>
+            <a:off x="6662105" y="965126"/>
+            <a:ext cx="249413" cy="249413"/>
+          </a:xfrm>
+          <a:prstGeom prst="rect">
+            <a:avLst/>
+          </a:prstGeom>
+        </p:spPr>
+      </p:pic>
+    </p:spTree>
+    <p:extLst>
+      <p:ext uri="{BB962C8B-B14F-4D97-AF65-F5344CB8AC3E}">
+        <p14:creationId xmlns:p14="http://schemas.microsoft.com/office/powerpoint/2010/main" val="2963755350"/>
+      </p:ext>
+    </p:extLst>
+  </p:cSld>
+  <p:clrMapOvr>
+    <a:masterClrMapping/>
+  </p:clrMapOvr>
+  <mc:AlternateContent xmlns:mc="http://schemas.openxmlformats.org/markup-compatibility/2006">
+    <mc:Choice xmlns:p14="http://schemas.microsoft.com/office/powerpoint/2010/main" Requires="p14">
+      <p:transition spd="med" p14:dur="700">
+        <p:fade/>
+      </p:transition>
+    </mc:Choice>
+    <mc:Fallback>
+      <p:transition spd="med">
+        <p:fade/>
+      </p:transition>
+    </mc:Fallback>
+  </mc:AlternateContent>
+  <p:timing>
+    <p:tnLst>
+      <p:par>
+        <p:cTn id="1" dur="indefinite" restart="never" nodeType="tmRoot"/>
+      </p:par>
+    </p:tnLst>
+  </p:timing>
+</p:sld>
+</file>
+
+<file path=ppt/slides/slide12.xml><?xml version="1.0" encoding="utf-8"?>
+<p:sld xmlns:a="http://schemas.openxmlformats.org/drawingml/2006/main" xmlns:r="http://schemas.openxmlformats.org/officeDocument/2006/relationships" xmlns:p="http://schemas.openxmlformats.org/presentationml/2006/main">
+  <p:cSld>
+    <p:spTree>
+      <p:nvGrpSpPr>
+        <p:cNvPr id="1" name=""/>
+        <p:cNvGrpSpPr/>
+        <p:nvPr/>
+      </p:nvGrpSpPr>
+      <p:grpSpPr>
+        <a:xfrm>
+          <a:off x="0" y="0"/>
+          <a:ext cx="0" cy="0"/>
+          <a:chOff x="0" y="0"/>
+          <a:chExt cx="0" cy="0"/>
+        </a:xfrm>
+      </p:grpSpPr>
+      <p:pic>
+        <p:nvPicPr>
+          <p:cNvPr id="27" name="Picture 6" descr="http://www.technobuffalo.com/wp-content/uploads/2013/10/Nexus-5-Press-Image-001-1280x874.jpg"/>
+          <p:cNvPicPr>
+            <a:picLocks noChangeAspect="1" noChangeArrowheads="1"/>
+          </p:cNvPicPr>
+          <p:nvPr/>
+        </p:nvPicPr>
+        <p:blipFill>
+          <a:blip r:embed="rId3">
+            <a:extLst>
+              <a:ext uri="{BEBA8EAE-BF5A-486C-A8C5-ECC9F3942E4B}">
+                <a14:imgProps xmlns:a14="http://schemas.microsoft.com/office/drawing/2010/main">
+                  <a14:imgLayer r:embed="rId4">
+                    <a14:imgEffect>
+                      <a14:backgroundRemoval t="4119" b="95538" l="10000" r="90000"/>
+                    </a14:imgEffect>
+                  </a14:imgLayer>
+                </a14:imgProps>
+              </a:ext>
+              <a:ext uri="{28A0092B-C50C-407E-A947-70E740481C1C}">
+                <a14:useLocalDpi xmlns:a14="http://schemas.microsoft.com/office/drawing/2010/main" val="0"/>
+              </a:ext>
+            </a:extLst>
+          </a:blip>
+          <a:srcRect/>
+          <a:stretch>
+            <a:fillRect/>
+          </a:stretch>
+        </p:blipFill>
+        <p:spPr bwMode="auto">
+          <a:xfrm>
+            <a:off x="1050881" y="-38501"/>
+            <a:ext cx="10109488" cy="6902886"/>
+          </a:xfrm>
+          <a:prstGeom prst="rect">
+            <a:avLst/>
+          </a:prstGeom>
+          <a:noFill/>
+          <a:effectLst>
+            <a:outerShdw blurRad="50800" dist="38100" dir="10800000" algn="r" rotWithShape="0">
+              <a:prstClr val="black">
+                <a:alpha val="40000"/>
+              </a:prstClr>
+            </a:outerShdw>
+          </a:effectLst>
+          <a:extLst>
+            <a:ext uri="{909E8E84-426E-40DD-AFC4-6F175D3DCCD1}">
+              <a14:hiddenFill xmlns:a14="http://schemas.microsoft.com/office/drawing/2010/main">
+                <a:solidFill>
+                  <a:srgbClr val="FFFFFF"/>
+                </a:solidFill>
+              </a14:hiddenFill>
+            </a:ext>
+          </a:extLst>
+        </p:spPr>
+      </p:pic>
+      <p:sp>
+        <p:nvSpPr>
+          <p:cNvPr id="5" name="Rectangle 4"/>
+          <p:cNvSpPr/>
+          <p:nvPr/>
+        </p:nvSpPr>
+        <p:spPr>
+          <a:xfrm>
+            <a:off x="4684295" y="834830"/>
+            <a:ext cx="2829827" cy="4987453"/>
+          </a:xfrm>
+          <a:prstGeom prst="rect">
+            <a:avLst/>
+          </a:prstGeom>
+          <a:solidFill>
+            <a:schemeClr val="bg1"/>
+          </a:solidFill>
+          <a:ln>
+            <a:noFill/>
+          </a:ln>
+        </p:spPr>
+        <p:style>
+          <a:lnRef idx="2">
+            <a:schemeClr val="accent1">
+              <a:shade val="50000"/>
+            </a:schemeClr>
+          </a:lnRef>
+          <a:fillRef idx="1">
+            <a:schemeClr val="accent1"/>
+          </a:fillRef>
+          <a:effectRef idx="0">
+            <a:schemeClr val="accent1"/>
+          </a:effectRef>
+          <a:fontRef idx="minor">
+            <a:schemeClr val="lt1"/>
+          </a:fontRef>
+        </p:style>
+        <p:txBody>
+          <a:bodyPr rtlCol="1" anchor="ctr"/>
+          <a:lstStyle/>
+          <a:p>
+            <a:pPr algn="ctr"/>
+            <a:endParaRPr lang="he-IL"/>
+          </a:p>
+        </p:txBody>
+      </p:sp>
+      <p:sp>
+        <p:nvSpPr>
+          <p:cNvPr id="11" name="Rectangle 10"/>
+          <p:cNvSpPr/>
+          <p:nvPr/>
+        </p:nvSpPr>
+        <p:spPr>
+          <a:xfrm>
+            <a:off x="4684295" y="822492"/>
+            <a:ext cx="2829827" cy="539583"/>
+          </a:xfrm>
+          <a:prstGeom prst="rect">
+            <a:avLst/>
+          </a:prstGeom>
+          <a:solidFill>
+            <a:srgbClr val="F20000">
+              <a:alpha val="97000"/>
+            </a:srgbClr>
+          </a:solidFill>
+          <a:ln>
+            <a:noFill/>
+          </a:ln>
+        </p:spPr>
+        <p:style>
+          <a:lnRef idx="2">
+            <a:schemeClr val="accent1">
+              <a:shade val="50000"/>
+            </a:schemeClr>
+          </a:lnRef>
+          <a:fillRef idx="1">
+            <a:schemeClr val="accent1"/>
+          </a:fillRef>
+          <a:effectRef idx="0">
+            <a:schemeClr val="accent1"/>
+          </a:effectRef>
+          <a:fontRef idx="minor">
+            <a:schemeClr val="lt1"/>
+          </a:fontRef>
+        </p:style>
+        <p:txBody>
+          <a:bodyPr rtlCol="1" anchor="ctr"/>
+          <a:lstStyle/>
+          <a:p>
+            <a:pPr algn="ctr"/>
+            <a:endParaRPr lang="he-IL"/>
+          </a:p>
+        </p:txBody>
+      </p:sp>
+      <p:sp>
+        <p:nvSpPr>
+          <p:cNvPr id="13" name="TextBox 12"/>
+          <p:cNvSpPr txBox="1"/>
+          <p:nvPr/>
+        </p:nvSpPr>
+        <p:spPr>
+          <a:xfrm>
+            <a:off x="5053863" y="907617"/>
+            <a:ext cx="1217000" cy="369332"/>
+          </a:xfrm>
+          <a:prstGeom prst="rect">
+            <a:avLst/>
+          </a:prstGeom>
+          <a:noFill/>
+        </p:spPr>
+        <p:txBody>
+          <a:bodyPr wrap="none" rtlCol="1">
+            <a:spAutoFit/>
+          </a:bodyPr>
+          <a:lstStyle/>
+          <a:p>
+            <a:pPr algn="ctr"/>
+            <a:r>
+              <a:rPr lang="en-US" dirty="0" err="1" smtClean="0">
+                <a:solidFill>
+                  <a:schemeClr val="bg1"/>
+                </a:solidFill>
+                <a:latin typeface="Century Gothic" panose="020B0502020202020204" pitchFamily="34" charset="0"/>
+              </a:rPr>
+              <a:t>OnThe</a:t>
+            </a:r>
+            <a:r>
+              <a:rPr lang="en-US" b="1" dirty="0" err="1" smtClean="0">
+                <a:solidFill>
+                  <a:schemeClr val="bg1"/>
+                </a:solidFill>
+                <a:latin typeface="Century Gothic" panose="020B0502020202020204" pitchFamily="34" charset="0"/>
+              </a:rPr>
+              <a:t>Fly</a:t>
+            </a:r>
+            <a:endParaRPr lang="he-IL" sz="2000" b="1" dirty="0">
+              <a:solidFill>
+                <a:schemeClr val="bg1"/>
+              </a:solidFill>
+              <a:latin typeface="Century Gothic" panose="020B0502020202020204" pitchFamily="34" charset="0"/>
+            </a:endParaRPr>
+          </a:p>
+        </p:txBody>
+      </p:sp>
+      <p:grpSp>
+        <p:nvGrpSpPr>
+          <p:cNvPr id="14" name="Group 13"/>
+          <p:cNvGrpSpPr/>
+          <p:nvPr/>
+        </p:nvGrpSpPr>
+        <p:grpSpPr>
+          <a:xfrm>
+            <a:off x="4715953" y="874451"/>
+            <a:ext cx="376747" cy="424103"/>
+            <a:chOff x="8120846" y="1227385"/>
+            <a:chExt cx="3534412" cy="3978687"/>
+          </a:xfrm>
+        </p:grpSpPr>
+        <p:sp>
+          <p:nvSpPr>
+            <p:cNvPr id="15" name="Chord 14"/>
+            <p:cNvSpPr/>
+            <p:nvPr/>
+          </p:nvSpPr>
+          <p:spPr>
+            <a:xfrm rot="5400000">
+              <a:off x="8226724" y="1227385"/>
+              <a:ext cx="3428534" cy="3428534"/>
+            </a:xfrm>
+            <a:prstGeom prst="chord">
+              <a:avLst>
+                <a:gd name="adj1" fmla="val 2476101"/>
+                <a:gd name="adj2" fmla="val 13931417"/>
+              </a:avLst>
+            </a:prstGeom>
+            <a:solidFill>
+              <a:srgbClr val="C00000"/>
+            </a:solidFill>
+            <a:ln>
+              <a:noFill/>
+            </a:ln>
+          </p:spPr>
+          <p:style>
+            <a:lnRef idx="2">
+              <a:schemeClr val="accent1">
+                <a:shade val="50000"/>
+              </a:schemeClr>
+            </a:lnRef>
+            <a:fillRef idx="1">
+              <a:schemeClr val="accent1"/>
+            </a:fillRef>
+            <a:effectRef idx="0">
+              <a:schemeClr val="accent1"/>
+            </a:effectRef>
+            <a:fontRef idx="minor">
+              <a:schemeClr val="lt1"/>
+            </a:fontRef>
+          </p:style>
+          <p:txBody>
+            <a:bodyPr rtlCol="1" anchor="ctr"/>
+            <a:lstStyle/>
+            <a:p>
+              <a:pPr algn="ctr"/>
+              <a:endParaRPr lang="he-IL"/>
+            </a:p>
+          </p:txBody>
+        </p:sp>
+        <p:sp>
+          <p:nvSpPr>
+            <p:cNvPr id="16" name="Chord 15"/>
+            <p:cNvSpPr/>
+            <p:nvPr/>
+          </p:nvSpPr>
+          <p:spPr>
+            <a:xfrm rot="16200000">
+              <a:off x="8120846" y="1777538"/>
+              <a:ext cx="3428534" cy="3428534"/>
+            </a:xfrm>
+            <a:prstGeom prst="chord">
+              <a:avLst>
+                <a:gd name="adj1" fmla="val 2476101"/>
+                <a:gd name="adj2" fmla="val 13931417"/>
+              </a:avLst>
+            </a:prstGeom>
+            <a:solidFill>
+              <a:srgbClr val="8E0000"/>
+            </a:solidFill>
+            <a:ln>
+              <a:noFill/>
+            </a:ln>
+          </p:spPr>
+          <p:style>
+            <a:lnRef idx="2">
+              <a:schemeClr val="accent1">
+                <a:shade val="50000"/>
+              </a:schemeClr>
+            </a:lnRef>
+            <a:fillRef idx="1">
+              <a:schemeClr val="accent1"/>
+            </a:fillRef>
+            <a:effectRef idx="0">
+              <a:schemeClr val="accent1"/>
+            </a:effectRef>
+            <a:fontRef idx="minor">
+              <a:schemeClr val="lt1"/>
+            </a:fontRef>
+          </p:style>
+          <p:txBody>
+            <a:bodyPr rtlCol="1" anchor="ctr"/>
+            <a:lstStyle/>
+            <a:p>
+              <a:pPr algn="ctr"/>
+              <a:endParaRPr lang="he-IL"/>
+            </a:p>
+          </p:txBody>
+        </p:sp>
+        <p:pic>
+          <p:nvPicPr>
+            <p:cNvPr id="17" name="Picture 16"/>
+            <p:cNvPicPr>
+              <a:picLocks noChangeAspect="1"/>
+            </p:cNvPicPr>
+            <p:nvPr/>
+          </p:nvPicPr>
+          <p:blipFill>
+            <a:blip r:embed="rId5">
+              <a:extLst>
+                <a:ext uri="{BEBA8EAE-BF5A-486C-A8C5-ECC9F3942E4B}">
+                  <a14:imgProps xmlns:a14="http://schemas.microsoft.com/office/drawing/2010/main">
+                    <a14:imgLayer r:embed="rId6">
+                      <a14:imgEffect>
+                        <a14:backgroundRemoval t="0" b="100000" l="0" r="100000"/>
+                      </a14:imgEffect>
+                    </a14:imgLayer>
+                  </a14:imgProps>
+                </a:ext>
+              </a:extLst>
+            </a:blip>
+            <a:stretch>
+              <a:fillRect/>
+            </a:stretch>
+          </p:blipFill>
+          <p:spPr>
+            <a:xfrm rot="19771925">
+              <a:off x="8624053" y="2122638"/>
+              <a:ext cx="2301304" cy="2301304"/>
+            </a:xfrm>
+            <a:prstGeom prst="rect">
+              <a:avLst/>
+            </a:prstGeom>
+            <a:effectLst/>
+          </p:spPr>
+        </p:pic>
+      </p:grpSp>
+      <p:graphicFrame>
+        <p:nvGraphicFramePr>
+          <p:cNvPr id="6" name="Table 5"/>
+          <p:cNvGraphicFramePr>
+            <a:graphicFrameLocks noGrp="1"/>
+          </p:cNvGraphicFramePr>
+          <p:nvPr>
+            <p:extLst>
+              <p:ext uri="{D42A27DB-BD31-4B8C-83A1-F6EECF244321}">
+                <p14:modId xmlns:p14="http://schemas.microsoft.com/office/powerpoint/2010/main" val="1014884193"/>
+              </p:ext>
+            </p:extLst>
+          </p:nvPr>
+        </p:nvGraphicFramePr>
+        <p:xfrm>
+          <a:off x="4688974" y="1359602"/>
+          <a:ext cx="2819901" cy="274320"/>
+        </p:xfrm>
+        <a:graphic>
+          <a:graphicData uri="http://schemas.openxmlformats.org/drawingml/2006/table">
+            <a:tbl>
+              <a:tblPr rtl="1" firstRow="1" bandRow="1">
+                <a:tableStyleId>{5C22544A-7EE6-4342-B048-85BDC9FD1C3A}</a:tableStyleId>
+              </a:tblPr>
+              <a:tblGrid>
+                <a:gridCol w="939967"/>
+                <a:gridCol w="939967"/>
+                <a:gridCol w="939967"/>
+              </a:tblGrid>
+              <a:tr h="243773">
+                <a:tc>
+                  <a:txBody>
+                    <a:bodyPr/>
+                    <a:lstStyle/>
+                    <a:p>
+                      <a:pPr algn="ctr" rtl="1"/>
+                      <a:r>
+                        <a:rPr lang="en-US" sz="1200" b="0" kern="1200" dirty="0" smtClean="0">
+                          <a:solidFill>
+                            <a:schemeClr val="tx1"/>
+                          </a:solidFill>
+                          <a:latin typeface="Century Gothic" panose="020B0502020202020204" pitchFamily="34" charset="0"/>
+                          <a:ea typeface="+mn-ea"/>
+                          <a:cs typeface="+mn-cs"/>
+                        </a:rPr>
+                        <a:t>Chat</a:t>
+                      </a:r>
+                      <a:endParaRPr lang="he-IL" sz="1200" b="0" kern="1200" dirty="0">
+                        <a:solidFill>
+                          <a:schemeClr val="tx1"/>
+                        </a:solidFill>
+                        <a:latin typeface="Century Gothic" panose="020B0502020202020204" pitchFamily="34" charset="0"/>
+                        <a:ea typeface="+mn-ea"/>
+                        <a:cs typeface="+mn-cs"/>
+                      </a:endParaRPr>
+                    </a:p>
+                  </a:txBody>
+                  <a:tcPr anchor="ctr">
+                    <a:lnL w="6350" cap="flat" cmpd="sng" algn="ctr">
+                      <a:solidFill>
+                        <a:schemeClr val="bg1">
+                          <a:lumMod val="85000"/>
+                        </a:schemeClr>
+                      </a:solidFill>
+                      <a:prstDash val="solid"/>
+                      <a:round/>
+                      <a:headEnd type="none" w="med" len="med"/>
+                      <a:tailEnd type="none" w="med" len="med"/>
+                    </a:lnL>
+                    <a:lnR w="6350" cap="flat" cmpd="sng" algn="ctr">
+                      <a:solidFill>
+                        <a:schemeClr val="bg1">
+                          <a:lumMod val="85000"/>
+                        </a:schemeClr>
+                      </a:solidFill>
+                      <a:prstDash val="solid"/>
+                      <a:round/>
+                      <a:headEnd type="none" w="med" len="med"/>
+                      <a:tailEnd type="none" w="med" len="med"/>
+                    </a:lnR>
+                    <a:lnT w="6350" cap="flat" cmpd="sng" algn="ctr">
+                      <a:solidFill>
+                        <a:schemeClr val="bg1">
+                          <a:lumMod val="85000"/>
+                        </a:schemeClr>
+                      </a:solidFill>
+                      <a:prstDash val="solid"/>
+                      <a:round/>
+                      <a:headEnd type="none" w="med" len="med"/>
+                      <a:tailEnd type="none" w="med" len="med"/>
+                    </a:lnT>
+                    <a:lnB w="6350" cap="flat" cmpd="sng" algn="ctr">
+                      <a:solidFill>
+                        <a:schemeClr val="bg1">
+                          <a:lumMod val="85000"/>
+                        </a:schemeClr>
+                      </a:solidFill>
+                      <a:prstDash val="solid"/>
+                      <a:round/>
+                      <a:headEnd type="none" w="med" len="med"/>
+                      <a:tailEnd type="none" w="med" len="med"/>
+                    </a:lnB>
+                    <a:lnTlToBr w="12700" cmpd="sng">
+                      <a:noFill/>
+                      <a:prstDash val="solid"/>
+                    </a:lnTlToBr>
+                    <a:lnBlToTr w="12700" cmpd="sng">
+                      <a:noFill/>
+                      <a:prstDash val="solid"/>
+                    </a:lnBlToTr>
+                    <a:solidFill>
+                      <a:schemeClr val="bg1"/>
+                    </a:solidFill>
+                  </a:tcPr>
+                </a:tc>
+                <a:tc>
+                  <a:txBody>
+                    <a:bodyPr/>
+                    <a:lstStyle/>
+                    <a:p>
+                      <a:pPr algn="ctr" rtl="1"/>
+                      <a:r>
+                        <a:rPr lang="en-US" sz="1200" b="0" kern="1200" dirty="0" smtClean="0">
+                          <a:solidFill>
+                            <a:schemeClr val="tx1"/>
+                          </a:solidFill>
+                          <a:latin typeface="Century Gothic" panose="020B0502020202020204" pitchFamily="34" charset="0"/>
+                          <a:ea typeface="+mn-ea"/>
+                          <a:cs typeface="+mn-cs"/>
+                        </a:rPr>
+                        <a:t>People</a:t>
+                      </a:r>
+                      <a:endParaRPr lang="he-IL" sz="1200" b="0" kern="1200" dirty="0">
+                        <a:solidFill>
+                          <a:schemeClr val="tx1"/>
+                        </a:solidFill>
+                        <a:latin typeface="Century Gothic" panose="020B0502020202020204" pitchFamily="34" charset="0"/>
+                        <a:ea typeface="+mn-ea"/>
+                        <a:cs typeface="+mn-cs"/>
+                      </a:endParaRPr>
+                    </a:p>
+                  </a:txBody>
+                  <a:tcPr anchor="ctr">
+                    <a:lnL w="6350" cap="flat" cmpd="sng" algn="ctr">
+                      <a:solidFill>
+                        <a:schemeClr val="bg1">
+                          <a:lumMod val="85000"/>
+                        </a:schemeClr>
+                      </a:solidFill>
+                      <a:prstDash val="solid"/>
+                      <a:round/>
+                      <a:headEnd type="none" w="med" len="med"/>
+                      <a:tailEnd type="none" w="med" len="med"/>
+                    </a:lnL>
+                    <a:lnR w="6350" cap="flat" cmpd="sng" algn="ctr">
+                      <a:solidFill>
+                        <a:schemeClr val="bg1">
+                          <a:lumMod val="85000"/>
+                        </a:schemeClr>
+                      </a:solidFill>
+                      <a:prstDash val="solid"/>
+                      <a:round/>
+                      <a:headEnd type="none" w="med" len="med"/>
+                      <a:tailEnd type="none" w="med" len="med"/>
+                    </a:lnR>
+                    <a:lnT w="6350" cap="flat" cmpd="sng" algn="ctr">
+                      <a:solidFill>
+                        <a:schemeClr val="bg1">
+                          <a:lumMod val="85000"/>
+                        </a:schemeClr>
+                      </a:solidFill>
+                      <a:prstDash val="solid"/>
+                      <a:round/>
+                      <a:headEnd type="none" w="med" len="med"/>
+                      <a:tailEnd type="none" w="med" len="med"/>
+                    </a:lnT>
+                    <a:lnB w="6350" cap="flat" cmpd="sng" algn="ctr">
+                      <a:solidFill>
+                        <a:schemeClr val="bg1">
+                          <a:lumMod val="85000"/>
+                        </a:schemeClr>
+                      </a:solidFill>
+                      <a:prstDash val="solid"/>
+                      <a:round/>
+                      <a:headEnd type="none" w="med" len="med"/>
+                      <a:tailEnd type="none" w="med" len="med"/>
+                    </a:lnB>
+                    <a:lnTlToBr w="12700" cmpd="sng">
+                      <a:noFill/>
+                      <a:prstDash val="solid"/>
+                    </a:lnTlToBr>
+                    <a:lnBlToTr w="12700" cmpd="sng">
+                      <a:noFill/>
+                      <a:prstDash val="solid"/>
+                    </a:lnBlToTr>
+                    <a:solidFill>
+                      <a:schemeClr val="bg1"/>
+                    </a:solidFill>
+                  </a:tcPr>
+                </a:tc>
+                <a:tc>
+                  <a:txBody>
+                    <a:bodyPr/>
+                    <a:lstStyle/>
+                    <a:p>
+                      <a:pPr algn="ctr" rtl="1"/>
+                      <a:r>
+                        <a:rPr lang="en-US" sz="1200" b="0" dirty="0" smtClean="0">
+                          <a:solidFill>
+                            <a:schemeClr val="tx1"/>
+                          </a:solidFill>
+                          <a:latin typeface="Century Gothic" panose="020B0502020202020204" pitchFamily="34" charset="0"/>
+                        </a:rPr>
+                        <a:t>Feed</a:t>
+                      </a:r>
+                      <a:endParaRPr lang="he-IL" sz="1200" b="0" dirty="0">
+                        <a:solidFill>
+                          <a:schemeClr val="tx1"/>
+                        </a:solidFill>
+                        <a:latin typeface="Century Gothic" panose="020B0502020202020204" pitchFamily="34" charset="0"/>
+                      </a:endParaRPr>
+                    </a:p>
+                  </a:txBody>
+                  <a:tcPr anchor="ctr">
+                    <a:lnL w="6350" cap="flat" cmpd="sng" algn="ctr">
+                      <a:solidFill>
+                        <a:schemeClr val="bg1">
+                          <a:lumMod val="85000"/>
+                        </a:schemeClr>
+                      </a:solidFill>
+                      <a:prstDash val="solid"/>
+                      <a:round/>
+                      <a:headEnd type="none" w="med" len="med"/>
+                      <a:tailEnd type="none" w="med" len="med"/>
+                    </a:lnL>
+                    <a:lnR w="6350" cap="flat" cmpd="sng" algn="ctr">
+                      <a:solidFill>
+                        <a:schemeClr val="bg1">
+                          <a:lumMod val="85000"/>
+                        </a:schemeClr>
+                      </a:solidFill>
+                      <a:prstDash val="solid"/>
+                      <a:round/>
+                      <a:headEnd type="none" w="med" len="med"/>
+                      <a:tailEnd type="none" w="med" len="med"/>
+                    </a:lnR>
+                    <a:lnT w="6350" cap="flat" cmpd="sng" algn="ctr">
+                      <a:solidFill>
+                        <a:schemeClr val="bg1">
+                          <a:lumMod val="85000"/>
+                        </a:schemeClr>
+                      </a:solidFill>
+                      <a:prstDash val="solid"/>
+                      <a:round/>
+                      <a:headEnd type="none" w="med" len="med"/>
+                      <a:tailEnd type="none" w="med" len="med"/>
+                    </a:lnT>
+                    <a:lnB w="6350" cap="flat" cmpd="sng" algn="ctr">
+                      <a:solidFill>
+                        <a:schemeClr val="bg1">
+                          <a:lumMod val="85000"/>
+                        </a:schemeClr>
+                      </a:solidFill>
+                      <a:prstDash val="solid"/>
+                      <a:round/>
+                      <a:headEnd type="none" w="med" len="med"/>
+                      <a:tailEnd type="none" w="med" len="med"/>
+                    </a:lnB>
+                    <a:lnTlToBr w="12700" cmpd="sng">
+                      <a:noFill/>
+                      <a:prstDash val="solid"/>
+                    </a:lnTlToBr>
+                    <a:lnBlToTr w="12700" cmpd="sng">
+                      <a:noFill/>
+                      <a:prstDash val="solid"/>
+                    </a:lnBlToTr>
+                    <a:solidFill>
+                      <a:schemeClr val="bg1"/>
+                    </a:solidFill>
+                  </a:tcPr>
+                </a:tc>
+              </a:tr>
+            </a:tbl>
+          </a:graphicData>
+        </a:graphic>
+      </p:graphicFrame>
+      <p:graphicFrame>
+        <p:nvGraphicFramePr>
+          <p:cNvPr id="22" name="Table 21"/>
+          <p:cNvGraphicFramePr>
+            <a:graphicFrameLocks noGrp="1"/>
+          </p:cNvGraphicFramePr>
+          <p:nvPr>
+            <p:extLst>
+              <p:ext uri="{D42A27DB-BD31-4B8C-83A1-F6EECF244321}">
+                <p14:modId xmlns:p14="http://schemas.microsoft.com/office/powerpoint/2010/main" val="1539729983"/>
+              </p:ext>
+            </p:extLst>
+          </p:nvPr>
+        </p:nvGraphicFramePr>
+        <p:xfrm>
+          <a:off x="4684295" y="1663698"/>
+          <a:ext cx="2829827" cy="4158585"/>
+        </p:xfrm>
+        <a:graphic>
+          <a:graphicData uri="http://schemas.openxmlformats.org/drawingml/2006/table">
+            <a:tbl>
+              <a:tblPr rtl="1" firstRow="1" bandRow="1">
+                <a:tableStyleId>{5C22544A-7EE6-4342-B048-85BDC9FD1C3A}</a:tableStyleId>
+              </a:tblPr>
+              <a:tblGrid>
+                <a:gridCol w="2829827"/>
+              </a:tblGrid>
+              <a:tr h="4158585">
+                <a:tc>
+                  <a:txBody>
+                    <a:bodyPr/>
+                    <a:lstStyle/>
+                    <a:p>
+                      <a:pPr algn="ctr" rtl="1"/>
+                      <a:endParaRPr lang="he-IL" sz="1200" b="0" dirty="0">
+                        <a:solidFill>
+                          <a:schemeClr val="tx1"/>
+                        </a:solidFill>
+                        <a:latin typeface="Century Gothic" panose="020B0502020202020204" pitchFamily="34" charset="0"/>
+                      </a:endParaRPr>
+                    </a:p>
+                  </a:txBody>
+                  <a:tcPr anchor="ctr">
+                    <a:lnL w="57150" cap="flat" cmpd="sng" algn="ctr">
+                      <a:noFill/>
+                      <a:prstDash val="solid"/>
+                      <a:round/>
+                      <a:headEnd type="none" w="med" len="med"/>
+                      <a:tailEnd type="none" w="med" len="med"/>
+                    </a:lnL>
+                    <a:lnR w="57150" cap="flat" cmpd="sng" algn="ctr">
+                      <a:noFill/>
+                      <a:prstDash val="solid"/>
+                      <a:round/>
+                      <a:headEnd type="none" w="med" len="med"/>
+                      <a:tailEnd type="none" w="med" len="med"/>
+                    </a:lnR>
+                    <a:lnT w="57150" cap="flat" cmpd="sng" algn="ctr">
+                      <a:solidFill>
+                        <a:schemeClr val="bg1">
+                          <a:lumMod val="85000"/>
+                        </a:schemeClr>
+                      </a:solidFill>
+                      <a:prstDash val="solid"/>
+                      <a:round/>
+                      <a:headEnd type="none" w="med" len="med"/>
+                      <a:tailEnd type="none" w="med" len="med"/>
+                    </a:lnT>
+                    <a:lnB w="57150" cap="flat" cmpd="sng" algn="ctr">
+                      <a:solidFill>
+                        <a:schemeClr val="bg1">
+                          <a:lumMod val="85000"/>
+                        </a:schemeClr>
+                      </a:solidFill>
+                      <a:prstDash val="solid"/>
+                      <a:round/>
+                      <a:headEnd type="none" w="med" len="med"/>
+                      <a:tailEnd type="none" w="med" len="med"/>
+                    </a:lnB>
+                    <a:lnTlToBr w="12700" cmpd="sng">
+                      <a:noFill/>
+                      <a:prstDash val="solid"/>
+                    </a:lnTlToBr>
+                    <a:lnBlToTr w="12700" cmpd="sng">
+                      <a:noFill/>
+                      <a:prstDash val="solid"/>
+                    </a:lnBlToTr>
+                    <a:solidFill>
+                      <a:schemeClr val="bg1">
+                        <a:lumMod val="85000"/>
+                      </a:schemeClr>
+                    </a:solidFill>
+                  </a:tcPr>
+                </a:tc>
+              </a:tr>
+            </a:tbl>
+          </a:graphicData>
+        </a:graphic>
+      </p:graphicFrame>
+      <p:pic>
+        <p:nvPicPr>
+          <p:cNvPr id="1026" name="Picture 2" descr="https://fbcdn-sphotos-c-a.akamaihd.net/hphotos-ak-prn2/v/t1.0-9/558617_496479173697011_745885139_n.jpg?oh=05f90387fce5a2ab60ff626da8046fb4&amp;oe=55B810BD&amp;__gda__=1441131251_b641de8fc77e4e86dec2fc55f843cd6a"/>
+          <p:cNvPicPr>
+            <a:picLocks noChangeAspect="1" noChangeArrowheads="1"/>
+          </p:cNvPicPr>
+          <p:nvPr/>
+        </p:nvPicPr>
+        <p:blipFill>
+          <a:blip r:embed="rId7" cstate="print">
+            <a:extLst>
+              <a:ext uri="{28A0092B-C50C-407E-A947-70E740481C1C}">
+                <a14:useLocalDpi xmlns:a14="http://schemas.microsoft.com/office/drawing/2010/main" val="0"/>
+              </a:ext>
+            </a:extLst>
+          </a:blip>
+          <a:srcRect/>
+          <a:stretch>
+            <a:fillRect/>
+          </a:stretch>
+        </p:blipFill>
+        <p:spPr bwMode="auto">
+          <a:xfrm>
+            <a:off x="6976077" y="824512"/>
+            <a:ext cx="537562" cy="537562"/>
+          </a:xfrm>
+          <a:prstGeom prst="rect">
+            <a:avLst/>
+          </a:prstGeom>
+          <a:noFill/>
+          <a:extLst>
+            <a:ext uri="{909E8E84-426E-40DD-AFC4-6F175D3DCCD1}">
+              <a14:hiddenFill xmlns:a14="http://schemas.microsoft.com/office/drawing/2010/main">
+                <a:solidFill>
+                  <a:srgbClr val="FFFFFF"/>
+                </a:solidFill>
+              </a14:hiddenFill>
+            </a:ext>
+          </a:extLst>
+        </p:spPr>
+      </p:pic>
+      <p:pic>
+        <p:nvPicPr>
+          <p:cNvPr id="32" name="Picture 31"/>
+          <p:cNvPicPr>
+            <a:picLocks noChangeAspect="1"/>
+          </p:cNvPicPr>
+          <p:nvPr/>
+        </p:nvPicPr>
+        <p:blipFill>
+          <a:blip r:embed="rId8"/>
+          <a:stretch>
+            <a:fillRect/>
+          </a:stretch>
+        </p:blipFill>
+        <p:spPr>
+          <a:xfrm>
+            <a:off x="6662105" y="965126"/>
+            <a:ext cx="249413" cy="249413"/>
+          </a:xfrm>
+          <a:prstGeom prst="rect">
+            <a:avLst/>
+          </a:prstGeom>
+        </p:spPr>
+      </p:pic>
+      <p:pic>
+        <p:nvPicPr>
+          <p:cNvPr id="10" name="Picture 9"/>
+          <p:cNvPicPr>
+            <a:picLocks noChangeAspect="1"/>
+          </p:cNvPicPr>
+          <p:nvPr/>
+        </p:nvPicPr>
+        <p:blipFill>
+          <a:blip r:embed="rId9"/>
+          <a:stretch>
+            <a:fillRect/>
+          </a:stretch>
+        </p:blipFill>
+        <p:spPr>
+          <a:xfrm>
+            <a:off x="4962625" y="2164909"/>
+            <a:ext cx="2286000" cy="2286000"/>
+          </a:xfrm>
+          <a:prstGeom prst="rect">
+            <a:avLst/>
+          </a:prstGeom>
+        </p:spPr>
+      </p:pic>
+      <p:sp>
+        <p:nvSpPr>
+          <p:cNvPr id="33" name="TextBox 32"/>
+          <p:cNvSpPr txBox="1"/>
+          <p:nvPr/>
+        </p:nvSpPr>
+        <p:spPr>
+          <a:xfrm>
+            <a:off x="4678360" y="4534000"/>
+            <a:ext cx="2835280" cy="1200329"/>
+          </a:xfrm>
+          <a:prstGeom prst="rect">
+            <a:avLst/>
+          </a:prstGeom>
+          <a:noFill/>
+        </p:spPr>
+        <p:txBody>
+          <a:bodyPr wrap="square" rtlCol="1">
+            <a:spAutoFit/>
+          </a:bodyPr>
+          <a:lstStyle/>
+          <a:p>
+            <a:pPr algn="ctr"/>
+            <a:r>
+              <a:rPr lang="en-US" sz="3200" dirty="0">
+                <a:solidFill>
+                  <a:srgbClr val="C00000"/>
+                </a:solidFill>
+                <a:latin typeface="Century Gothic" panose="020B0502020202020204" pitchFamily="34" charset="0"/>
+              </a:rPr>
+              <a:t>Hurry </a:t>
+            </a:r>
+            <a:r>
+              <a:rPr lang="en-US" sz="3200" dirty="0" smtClean="0">
+                <a:solidFill>
+                  <a:srgbClr val="C00000"/>
+                </a:solidFill>
+                <a:latin typeface="Century Gothic" panose="020B0502020202020204" pitchFamily="34" charset="0"/>
+              </a:rPr>
+              <a:t>up!</a:t>
+            </a:r>
+          </a:p>
+          <a:p>
+            <a:pPr algn="ctr"/>
+            <a:r>
+              <a:rPr lang="en-US" sz="2000" b="1" dirty="0" smtClean="0">
+                <a:solidFill>
+                  <a:schemeClr val="bg1"/>
+                </a:solidFill>
+                <a:latin typeface="Century Gothic" panose="020B0502020202020204" pitchFamily="34" charset="0"/>
+              </a:rPr>
+              <a:t>Yo</a:t>
+            </a:r>
+            <a:r>
+              <a:rPr lang="en-US" sz="2000" b="1" dirty="0" smtClean="0">
+                <a:solidFill>
+                  <a:schemeClr val="bg1"/>
+                </a:solidFill>
+                <a:latin typeface="Century Gothic" panose="020B0502020202020204" pitchFamily="34" charset="0"/>
+              </a:rPr>
+              <a:t>ur flight leaves in</a:t>
+            </a:r>
+          </a:p>
+          <a:p>
+            <a:pPr algn="ctr"/>
+            <a:r>
+              <a:rPr lang="en-US" sz="2000" b="1" dirty="0" smtClean="0">
+                <a:solidFill>
+                  <a:schemeClr val="bg1"/>
+                </a:solidFill>
+                <a:latin typeface="Century Gothic" panose="020B0502020202020204" pitchFamily="34" charset="0"/>
+              </a:rPr>
+              <a:t>1 hour!</a:t>
+            </a:r>
+            <a:endParaRPr lang="he-IL" sz="2000" b="1" dirty="0">
+              <a:solidFill>
+                <a:schemeClr val="bg1"/>
+              </a:solidFill>
+              <a:latin typeface="Century Gothic" panose="020B0502020202020204" pitchFamily="34" charset="0"/>
+            </a:endParaRPr>
+          </a:p>
+        </p:txBody>
+      </p:sp>
+    </p:spTree>
+    <p:extLst>
+      <p:ext uri="{BB962C8B-B14F-4D97-AF65-F5344CB8AC3E}">
+        <p14:creationId xmlns:p14="http://schemas.microsoft.com/office/powerpoint/2010/main" val="3227998473"/>
+      </p:ext>
+    </p:extLst>
+  </p:cSld>
+  <p:clrMapOvr>
+    <a:masterClrMapping/>
+  </p:clrMapOvr>
+  <mc:AlternateContent xmlns:mc="http://schemas.openxmlformats.org/markup-compatibility/2006">
+    <mc:Choice xmlns:p14="http://schemas.microsoft.com/office/powerpoint/2010/main" Requires="p14">
+      <p:transition spd="med" p14:dur="700">
+        <p:fade/>
+      </p:transition>
+    </mc:Choice>
+    <mc:Fallback>
+      <p:transition spd="med">
         <p:fade/>
       </p:transition>
     </mc:Fallback>
@@ -4780,22 +8630,63 @@
           </a:extLst>
         </p:spPr>
       </p:pic>
-      <p:sp>
-        <p:nvSpPr>
-          <p:cNvPr id="14" name="Rectangle 13"/>
+      <p:pic>
+        <p:nvPicPr>
+          <p:cNvPr id="36" name="Picture 2" descr="http://www.rentacar-dalaman.com/upload/Transfer%20Location.jpg"/>
+          <p:cNvPicPr>
+            <a:picLocks noChangeAspect="1" noChangeArrowheads="1"/>
+          </p:cNvPicPr>
+          <p:nvPr/>
+        </p:nvPicPr>
+        <p:blipFill rotWithShape="1">
+          <a:blip r:embed="rId5">
+            <a:extLst>
+              <a:ext uri="{28A0092B-C50C-407E-A947-70E740481C1C}">
+                <a14:useLocalDpi xmlns:a14="http://schemas.microsoft.com/office/drawing/2010/main" val="0"/>
+              </a:ext>
+            </a:extLst>
+          </a:blip>
+          <a:srcRect l="34269" r="27937"/>
+          <a:stretch/>
+        </p:blipFill>
+        <p:spPr bwMode="auto">
+          <a:xfrm>
+            <a:off x="4668253" y="861298"/>
+            <a:ext cx="2829827" cy="4987453"/>
+          </a:xfrm>
+          <a:prstGeom prst="rect">
+            <a:avLst/>
+          </a:prstGeom>
+          <a:noFill/>
+          <a:extLst>
+            <a:ext uri="{909E8E84-426E-40DD-AFC4-6F175D3DCCD1}">
+              <a14:hiddenFill xmlns:a14="http://schemas.microsoft.com/office/drawing/2010/main">
+                <a:solidFill>
+                  <a:srgbClr val="FFFFFF"/>
+                </a:solidFill>
+              </a14:hiddenFill>
+            </a:ext>
+          </a:extLst>
+        </p:spPr>
+      </p:pic>
+      <p:sp>
+        <p:nvSpPr>
+          <p:cNvPr id="37" name="Rectangle 36"/>
           <p:cNvSpPr/>
           <p:nvPr/>
         </p:nvSpPr>
         <p:spPr>
           <a:xfrm>
-            <a:off x="4684295" y="825205"/>
-            <a:ext cx="2829827" cy="5046206"/>
+            <a:off x="4684295" y="861298"/>
+            <a:ext cx="2829827" cy="4987453"/>
           </a:xfrm>
           <a:prstGeom prst="rect">
             <a:avLst/>
           </a:prstGeom>
           <a:solidFill>
-            <a:schemeClr val="bg1"/>
+            <a:schemeClr val="bg1">
+              <a:alpha val="60000"/>
+            </a:schemeClr>
           </a:solidFill>
           <a:ln>
             <a:noFill/>
@@ -4826,795 +8717,16 @@
           </a:p>
         </p:txBody>
       </p:sp>
-      <p:grpSp>
-        <p:nvGrpSpPr>
-          <p:cNvPr id="13" name="Group 12"/>
-          <p:cNvGrpSpPr/>
-          <p:nvPr/>
-        </p:nvGrpSpPr>
-        <p:grpSpPr>
-          <a:xfrm>
-            <a:off x="4875009" y="2031109"/>
-            <a:ext cx="1172318" cy="1165318"/>
-            <a:chOff x="4875009" y="2031109"/>
-            <a:chExt cx="1172318" cy="1165318"/>
-          </a:xfrm>
-        </p:grpSpPr>
-        <p:grpSp>
-          <p:nvGrpSpPr>
-            <p:cNvPr id="5" name="Group 4"/>
-            <p:cNvGrpSpPr/>
-            <p:nvPr/>
-          </p:nvGrpSpPr>
-          <p:grpSpPr>
-            <a:xfrm>
-              <a:off x="4875009" y="2031109"/>
-              <a:ext cx="1172318" cy="1165318"/>
-              <a:chOff x="4783756" y="2478456"/>
-              <a:chExt cx="1367095" cy="1358932"/>
-            </a:xfrm>
-          </p:grpSpPr>
-          <p:sp>
-            <p:nvSpPr>
-              <p:cNvPr id="3" name="Right Triangle 2"/>
-              <p:cNvSpPr/>
-              <p:nvPr/>
-            </p:nvSpPr>
-            <p:spPr>
-              <a:xfrm>
-                <a:off x="4892386" y="2578923"/>
-                <a:ext cx="1258465" cy="1258465"/>
-              </a:xfrm>
-              <a:prstGeom prst="rtTriangle">
-                <a:avLst/>
-              </a:prstGeom>
-              <a:solidFill>
-                <a:schemeClr val="accent1">
-                  <a:lumMod val="50000"/>
-                </a:schemeClr>
-              </a:solidFill>
-              <a:ln>
-                <a:noFill/>
-              </a:ln>
-            </p:spPr>
-            <p:style>
-              <a:lnRef idx="2">
-                <a:schemeClr val="accent1">
-                  <a:shade val="50000"/>
-                </a:schemeClr>
-              </a:lnRef>
-              <a:fillRef idx="1">
-                <a:schemeClr val="accent1"/>
-              </a:fillRef>
-              <a:effectRef idx="0">
-                <a:schemeClr val="accent1"/>
-              </a:effectRef>
-              <a:fontRef idx="minor">
-                <a:schemeClr val="lt1"/>
-              </a:fontRef>
-            </p:style>
-            <p:txBody>
-              <a:bodyPr rtlCol="1" anchor="ctr"/>
-              <a:lstStyle/>
-              <a:p>
-                <a:pPr algn="ctr"/>
-                <a:endParaRPr lang="he-IL"/>
-              </a:p>
-            </p:txBody>
-          </p:sp>
-          <p:sp>
-            <p:nvSpPr>
-              <p:cNvPr id="40" name="Right Triangle 39"/>
-              <p:cNvSpPr/>
-              <p:nvPr/>
-            </p:nvSpPr>
-            <p:spPr>
-              <a:xfrm rot="10800000">
-                <a:off x="4783756" y="2478456"/>
-                <a:ext cx="1258465" cy="1258465"/>
-              </a:xfrm>
-              <a:prstGeom prst="rtTriangle">
-                <a:avLst/>
-              </a:prstGeom>
-              <a:solidFill>
-                <a:srgbClr val="3381C7"/>
-              </a:solidFill>
-              <a:ln>
-                <a:noFill/>
-              </a:ln>
-            </p:spPr>
-            <p:style>
-              <a:lnRef idx="2">
-                <a:schemeClr val="accent1">
-                  <a:shade val="50000"/>
-                </a:schemeClr>
-              </a:lnRef>
-              <a:fillRef idx="1">
-                <a:schemeClr val="accent1"/>
-              </a:fillRef>
-              <a:effectRef idx="0">
-                <a:schemeClr val="accent1"/>
-              </a:effectRef>
-              <a:fontRef idx="minor">
-                <a:schemeClr val="lt1"/>
-              </a:fontRef>
-            </p:style>
-            <p:txBody>
-              <a:bodyPr rtlCol="1" anchor="ctr"/>
-              <a:lstStyle/>
-              <a:p>
-                <a:pPr algn="ctr"/>
-                <a:endParaRPr lang="he-IL"/>
-              </a:p>
-            </p:txBody>
-          </p:sp>
-        </p:grpSp>
-        <p:pic>
-          <p:nvPicPr>
-            <p:cNvPr id="7" name="Picture 6"/>
-            <p:cNvPicPr>
-              <a:picLocks noChangeAspect="1"/>
-            </p:cNvPicPr>
-            <p:nvPr/>
-          </p:nvPicPr>
-          <p:blipFill>
-            <a:blip r:embed="rId5"/>
-            <a:stretch>
-              <a:fillRect/>
-            </a:stretch>
-          </p:blipFill>
-          <p:spPr>
-            <a:xfrm>
-              <a:off x="5063183" y="2271243"/>
-              <a:ext cx="758056" cy="758056"/>
-            </a:xfrm>
-            <a:prstGeom prst="rect">
-              <a:avLst/>
-            </a:prstGeom>
-          </p:spPr>
-        </p:pic>
-      </p:grpSp>
-      <p:grpSp>
-        <p:nvGrpSpPr>
-          <p:cNvPr id="15" name="Group 14"/>
-          <p:cNvGrpSpPr/>
-          <p:nvPr/>
-        </p:nvGrpSpPr>
-        <p:grpSpPr>
-          <a:xfrm>
-            <a:off x="4865991" y="3410838"/>
-            <a:ext cx="1172318" cy="1165318"/>
-            <a:chOff x="4865991" y="3410838"/>
-            <a:chExt cx="1172318" cy="1165318"/>
-          </a:xfrm>
-        </p:grpSpPr>
-        <p:grpSp>
-          <p:nvGrpSpPr>
-            <p:cNvPr id="51" name="Group 50"/>
-            <p:cNvGrpSpPr/>
-            <p:nvPr/>
-          </p:nvGrpSpPr>
-          <p:grpSpPr>
-            <a:xfrm>
-              <a:off x="4865991" y="3410838"/>
-              <a:ext cx="1172318" cy="1165318"/>
-              <a:chOff x="4783756" y="2478456"/>
-              <a:chExt cx="1367095" cy="1358932"/>
-            </a:xfrm>
-          </p:grpSpPr>
-          <p:sp>
-            <p:nvSpPr>
-              <p:cNvPr id="52" name="Right Triangle 51"/>
-              <p:cNvSpPr/>
-              <p:nvPr/>
-            </p:nvSpPr>
-            <p:spPr>
-              <a:xfrm>
-                <a:off x="4892386" y="2578923"/>
-                <a:ext cx="1258465" cy="1258465"/>
-              </a:xfrm>
-              <a:prstGeom prst="rtTriangle">
-                <a:avLst/>
-              </a:prstGeom>
-              <a:solidFill>
-                <a:srgbClr val="A80000"/>
-              </a:solidFill>
-              <a:ln>
-                <a:noFill/>
-              </a:ln>
-            </p:spPr>
-            <p:style>
-              <a:lnRef idx="2">
-                <a:schemeClr val="accent1">
-                  <a:shade val="50000"/>
-                </a:schemeClr>
-              </a:lnRef>
-              <a:fillRef idx="1">
-                <a:schemeClr val="accent1"/>
-              </a:fillRef>
-              <a:effectRef idx="0">
-                <a:schemeClr val="accent1"/>
-              </a:effectRef>
-              <a:fontRef idx="minor">
-                <a:schemeClr val="lt1"/>
-              </a:fontRef>
-            </p:style>
-            <p:txBody>
-              <a:bodyPr rtlCol="1" anchor="ctr"/>
-              <a:lstStyle/>
-              <a:p>
-                <a:pPr algn="ctr"/>
-                <a:endParaRPr lang="he-IL"/>
-              </a:p>
-            </p:txBody>
-          </p:sp>
-          <p:sp>
-            <p:nvSpPr>
-              <p:cNvPr id="53" name="Right Triangle 52"/>
-              <p:cNvSpPr/>
-              <p:nvPr/>
-            </p:nvSpPr>
-            <p:spPr>
-              <a:xfrm rot="10800000">
-                <a:off x="4783756" y="2478456"/>
-                <a:ext cx="1258465" cy="1258465"/>
-              </a:xfrm>
-              <a:prstGeom prst="rtTriangle">
-                <a:avLst/>
-              </a:prstGeom>
-              <a:solidFill>
-                <a:srgbClr val="FF0000"/>
-              </a:solidFill>
-              <a:ln>
-                <a:noFill/>
-              </a:ln>
-            </p:spPr>
-            <p:style>
-              <a:lnRef idx="2">
-                <a:schemeClr val="accent1">
-                  <a:shade val="50000"/>
-                </a:schemeClr>
-              </a:lnRef>
-              <a:fillRef idx="1">
-                <a:schemeClr val="accent1"/>
-              </a:fillRef>
-              <a:effectRef idx="0">
-                <a:schemeClr val="accent1"/>
-              </a:effectRef>
-              <a:fontRef idx="minor">
-                <a:schemeClr val="lt1"/>
-              </a:fontRef>
-            </p:style>
-            <p:txBody>
-              <a:bodyPr rtlCol="1" anchor="ctr"/>
-              <a:lstStyle/>
-              <a:p>
-                <a:pPr algn="ctr"/>
-                <a:endParaRPr lang="he-IL"/>
-              </a:p>
-            </p:txBody>
-          </p:sp>
-        </p:grpSp>
-        <p:pic>
-          <p:nvPicPr>
-            <p:cNvPr id="10" name="Picture 9"/>
-            <p:cNvPicPr>
-              <a:picLocks noChangeAspect="1"/>
-            </p:cNvPicPr>
-            <p:nvPr/>
-          </p:nvPicPr>
-          <p:blipFill>
-            <a:blip r:embed="rId6"/>
-            <a:stretch>
-              <a:fillRect/>
-            </a:stretch>
-          </p:blipFill>
-          <p:spPr>
-            <a:xfrm>
-              <a:off x="5171777" y="3664202"/>
-              <a:ext cx="704352" cy="704351"/>
-            </a:xfrm>
-            <a:prstGeom prst="rect">
-              <a:avLst/>
-            </a:prstGeom>
-          </p:spPr>
-        </p:pic>
-      </p:grpSp>
-      <p:grpSp>
-        <p:nvGrpSpPr>
-          <p:cNvPr id="12" name="Group 11"/>
-          <p:cNvGrpSpPr/>
-          <p:nvPr/>
-        </p:nvGrpSpPr>
-        <p:grpSpPr>
-          <a:xfrm>
-            <a:off x="6153691" y="2027638"/>
-            <a:ext cx="1172318" cy="1165318"/>
-            <a:chOff x="6153691" y="2027638"/>
-            <a:chExt cx="1172318" cy="1165318"/>
-          </a:xfrm>
-        </p:grpSpPr>
-        <p:grpSp>
-          <p:nvGrpSpPr>
-            <p:cNvPr id="48" name="Group 47"/>
-            <p:cNvGrpSpPr/>
-            <p:nvPr/>
-          </p:nvGrpSpPr>
-          <p:grpSpPr>
-            <a:xfrm>
-              <a:off x="6153691" y="2027638"/>
-              <a:ext cx="1172318" cy="1165318"/>
-              <a:chOff x="4783756" y="2478456"/>
-              <a:chExt cx="1367095" cy="1358932"/>
-            </a:xfrm>
-          </p:grpSpPr>
-          <p:sp>
-            <p:nvSpPr>
-              <p:cNvPr id="49" name="Right Triangle 48"/>
-              <p:cNvSpPr/>
-              <p:nvPr/>
-            </p:nvSpPr>
-            <p:spPr>
-              <a:xfrm>
-                <a:off x="4892386" y="2578923"/>
-                <a:ext cx="1258465" cy="1258465"/>
-              </a:xfrm>
-              <a:prstGeom prst="rtTriangle">
-                <a:avLst/>
-              </a:prstGeom>
-              <a:solidFill>
-                <a:srgbClr val="007A37"/>
-              </a:solidFill>
-              <a:ln>
-                <a:noFill/>
-              </a:ln>
-            </p:spPr>
-            <p:style>
-              <a:lnRef idx="2">
-                <a:schemeClr val="accent1">
-                  <a:shade val="50000"/>
-                </a:schemeClr>
-              </a:lnRef>
-              <a:fillRef idx="1">
-                <a:schemeClr val="accent1"/>
-              </a:fillRef>
-              <a:effectRef idx="0">
-                <a:schemeClr val="accent1"/>
-              </a:effectRef>
-              <a:fontRef idx="minor">
-                <a:schemeClr val="lt1"/>
-              </a:fontRef>
-            </p:style>
-            <p:txBody>
-              <a:bodyPr rtlCol="1" anchor="ctr"/>
-              <a:lstStyle/>
-              <a:p>
-                <a:pPr algn="ctr"/>
-                <a:endParaRPr lang="he-IL"/>
-              </a:p>
-            </p:txBody>
-          </p:sp>
-          <p:sp>
-            <p:nvSpPr>
-              <p:cNvPr id="50" name="Right Triangle 49"/>
-              <p:cNvSpPr/>
-              <p:nvPr/>
-            </p:nvSpPr>
-            <p:spPr>
-              <a:xfrm rot="10800000">
-                <a:off x="4783756" y="2478456"/>
-                <a:ext cx="1258465" cy="1258465"/>
-              </a:xfrm>
-              <a:prstGeom prst="rtTriangle">
-                <a:avLst/>
-              </a:prstGeom>
-              <a:solidFill>
-                <a:srgbClr val="00B050"/>
-              </a:solidFill>
-              <a:ln>
-                <a:noFill/>
-              </a:ln>
-            </p:spPr>
-            <p:style>
-              <a:lnRef idx="2">
-                <a:schemeClr val="accent1">
-                  <a:shade val="50000"/>
-                </a:schemeClr>
-              </a:lnRef>
-              <a:fillRef idx="1">
-                <a:schemeClr val="accent1"/>
-              </a:fillRef>
-              <a:effectRef idx="0">
-                <a:schemeClr val="accent1"/>
-              </a:effectRef>
-              <a:fontRef idx="minor">
-                <a:schemeClr val="lt1"/>
-              </a:fontRef>
-            </p:style>
-            <p:txBody>
-              <a:bodyPr rtlCol="1" anchor="ctr"/>
-              <a:lstStyle/>
-              <a:p>
-                <a:pPr algn="ctr"/>
-                <a:endParaRPr lang="he-IL"/>
-              </a:p>
-            </p:txBody>
-          </p:sp>
-        </p:grpSp>
-        <p:pic>
-          <p:nvPicPr>
-            <p:cNvPr id="11" name="Picture 10"/>
-            <p:cNvPicPr>
-              <a:picLocks noChangeAspect="1"/>
-            </p:cNvPicPr>
-            <p:nvPr/>
-          </p:nvPicPr>
-          <p:blipFill>
-            <a:blip r:embed="rId7">
-              <a:extLst>
-                <a:ext uri="{BEBA8EAE-BF5A-486C-A8C5-ECC9F3942E4B}">
-                  <a14:imgProps xmlns:a14="http://schemas.microsoft.com/office/drawing/2010/main">
-                    <a14:imgLayer r:embed="rId8">
-                      <a14:imgEffect>
-                        <a14:backgroundRemoval t="391" b="97070" l="0" r="100000"/>
-                      </a14:imgEffect>
-                    </a14:imgLayer>
-                  </a14:imgProps>
-                </a:ext>
-              </a:extLst>
-            </a:blip>
-            <a:stretch>
-              <a:fillRect/>
-            </a:stretch>
-          </p:blipFill>
-          <p:spPr>
-            <a:xfrm>
-              <a:off x="6393350" y="2261470"/>
-              <a:ext cx="756497" cy="756495"/>
-            </a:xfrm>
-            <a:prstGeom prst="rect">
-              <a:avLst/>
-            </a:prstGeom>
-          </p:spPr>
-        </p:pic>
-      </p:grpSp>
-      <p:grpSp>
-        <p:nvGrpSpPr>
-          <p:cNvPr id="16" name="Group 15"/>
-          <p:cNvGrpSpPr/>
-          <p:nvPr/>
-        </p:nvGrpSpPr>
-        <p:grpSpPr>
-          <a:xfrm>
-            <a:off x="6144672" y="3407367"/>
-            <a:ext cx="1172318" cy="1165318"/>
-            <a:chOff x="6144672" y="3407367"/>
-            <a:chExt cx="1172318" cy="1165318"/>
-          </a:xfrm>
-        </p:grpSpPr>
-        <p:grpSp>
-          <p:nvGrpSpPr>
-            <p:cNvPr id="54" name="Group 53"/>
-            <p:cNvGrpSpPr/>
-            <p:nvPr/>
-          </p:nvGrpSpPr>
-          <p:grpSpPr>
-            <a:xfrm>
-              <a:off x="6144672" y="3407367"/>
-              <a:ext cx="1172318" cy="1165318"/>
-              <a:chOff x="4783756" y="2478456"/>
-              <a:chExt cx="1367095" cy="1358932"/>
-            </a:xfrm>
-          </p:grpSpPr>
-          <p:sp>
-            <p:nvSpPr>
-              <p:cNvPr id="55" name="Right Triangle 54"/>
-              <p:cNvSpPr/>
-              <p:nvPr/>
-            </p:nvSpPr>
-            <p:spPr>
-              <a:xfrm>
-                <a:off x="4892386" y="2578923"/>
-                <a:ext cx="1258465" cy="1258465"/>
-              </a:xfrm>
-              <a:prstGeom prst="rtTriangle">
-                <a:avLst/>
-              </a:prstGeom>
-              <a:solidFill>
-                <a:srgbClr val="3E89CE"/>
-              </a:solidFill>
-              <a:ln>
-                <a:noFill/>
-              </a:ln>
-            </p:spPr>
-            <p:style>
-              <a:lnRef idx="2">
-                <a:schemeClr val="accent1">
-                  <a:shade val="50000"/>
-                </a:schemeClr>
-              </a:lnRef>
-              <a:fillRef idx="1">
-                <a:schemeClr val="accent1"/>
-              </a:fillRef>
-              <a:effectRef idx="0">
-                <a:schemeClr val="accent1"/>
-              </a:effectRef>
-              <a:fontRef idx="minor">
-                <a:schemeClr val="lt1"/>
-              </a:fontRef>
-            </p:style>
-            <p:txBody>
-              <a:bodyPr rtlCol="1" anchor="ctr"/>
-              <a:lstStyle/>
-              <a:p>
-                <a:pPr algn="ctr"/>
-                <a:endParaRPr lang="he-IL"/>
-              </a:p>
-            </p:txBody>
-          </p:sp>
-          <p:sp>
-            <p:nvSpPr>
-              <p:cNvPr id="56" name="Right Triangle 55"/>
-              <p:cNvSpPr/>
-              <p:nvPr/>
-            </p:nvSpPr>
-            <p:spPr>
-              <a:xfrm rot="10800000">
-                <a:off x="4783756" y="2478456"/>
-                <a:ext cx="1258465" cy="1258465"/>
-              </a:xfrm>
-              <a:prstGeom prst="rtTriangle">
-                <a:avLst/>
-              </a:prstGeom>
-              <a:solidFill>
-                <a:schemeClr val="accent1">
-                  <a:lumMod val="60000"/>
-                  <a:lumOff val="40000"/>
-                </a:schemeClr>
-              </a:solidFill>
-              <a:ln>
-                <a:noFill/>
-              </a:ln>
-            </p:spPr>
-            <p:style>
-              <a:lnRef idx="2">
-                <a:schemeClr val="accent1">
-                  <a:shade val="50000"/>
-                </a:schemeClr>
-              </a:lnRef>
-              <a:fillRef idx="1">
-                <a:schemeClr val="accent1"/>
-              </a:fillRef>
-              <a:effectRef idx="0">
-                <a:schemeClr val="accent1"/>
-              </a:effectRef>
-              <a:fontRef idx="minor">
-                <a:schemeClr val="lt1"/>
-              </a:fontRef>
-            </p:style>
-            <p:txBody>
-              <a:bodyPr rtlCol="1" anchor="ctr"/>
-              <a:lstStyle/>
-              <a:p>
-                <a:pPr algn="ctr"/>
-                <a:endParaRPr lang="he-IL"/>
-              </a:p>
-            </p:txBody>
-          </p:sp>
-        </p:grpSp>
-        <p:pic>
-          <p:nvPicPr>
-            <p:cNvPr id="44" name="Picture 43"/>
-            <p:cNvPicPr>
-              <a:picLocks noChangeAspect="1"/>
-            </p:cNvPicPr>
-            <p:nvPr/>
-          </p:nvPicPr>
-          <p:blipFill>
-            <a:blip r:embed="rId9">
-              <a:extLst>
-                <a:ext uri="{BEBA8EAE-BF5A-486C-A8C5-ECC9F3942E4B}">
-                  <a14:imgProps xmlns:a14="http://schemas.microsoft.com/office/drawing/2010/main">
-                    <a14:imgLayer r:embed="rId10">
-                      <a14:imgEffect>
-                        <a14:backgroundRemoval t="391" b="97852" l="0" r="100000">
-                          <a14:foregroundMark x1="14648" y1="20898" x2="14648" y2="20898"/>
-                          <a14:foregroundMark x1="15625" y1="48438" x2="15625" y2="48438"/>
-                        </a14:backgroundRemoval>
-                      </a14:imgEffect>
-                    </a14:imgLayer>
-                  </a14:imgProps>
-                </a:ext>
-              </a:extLst>
-            </a:blip>
-            <a:stretch>
-              <a:fillRect/>
-            </a:stretch>
-          </p:blipFill>
-          <p:spPr>
-            <a:xfrm>
-              <a:off x="6405032" y="3614757"/>
-              <a:ext cx="670328" cy="670327"/>
-            </a:xfrm>
-            <a:prstGeom prst="rect">
-              <a:avLst/>
-            </a:prstGeom>
-          </p:spPr>
-        </p:pic>
-      </p:grpSp>
-      <p:grpSp>
-        <p:nvGrpSpPr>
-          <p:cNvPr id="9" name="Group 8"/>
-          <p:cNvGrpSpPr/>
-          <p:nvPr/>
-        </p:nvGrpSpPr>
-        <p:grpSpPr>
-          <a:xfrm>
-            <a:off x="4886091" y="5165572"/>
-            <a:ext cx="2439067" cy="369332"/>
-            <a:chOff x="4892823" y="5289809"/>
-            <a:chExt cx="2439067" cy="369332"/>
-          </a:xfrm>
-        </p:grpSpPr>
-        <p:grpSp>
-          <p:nvGrpSpPr>
-            <p:cNvPr id="6" name="Group 5"/>
-            <p:cNvGrpSpPr/>
-            <p:nvPr/>
-          </p:nvGrpSpPr>
-          <p:grpSpPr>
-            <a:xfrm>
-              <a:off x="4892823" y="5292741"/>
-              <a:ext cx="2439067" cy="362088"/>
-              <a:chOff x="4902449" y="5281867"/>
-              <a:chExt cx="2439067" cy="362088"/>
-            </a:xfrm>
-          </p:grpSpPr>
-          <p:sp>
-            <p:nvSpPr>
-              <p:cNvPr id="42" name="Right Triangle 41"/>
-              <p:cNvSpPr/>
-              <p:nvPr/>
-            </p:nvSpPr>
-            <p:spPr>
-              <a:xfrm>
-                <a:off x="4911976" y="5281867"/>
-                <a:ext cx="2429540" cy="359549"/>
-              </a:xfrm>
-              <a:prstGeom prst="rtTriangle">
-                <a:avLst/>
-              </a:prstGeom>
-              <a:solidFill>
-                <a:srgbClr val="8E0000"/>
-              </a:solidFill>
-              <a:ln>
-                <a:noFill/>
-              </a:ln>
-            </p:spPr>
-            <p:style>
-              <a:lnRef idx="2">
-                <a:schemeClr val="accent1">
-                  <a:shade val="50000"/>
-                </a:schemeClr>
-              </a:lnRef>
-              <a:fillRef idx="1">
-                <a:schemeClr val="accent1"/>
-              </a:fillRef>
-              <a:effectRef idx="0">
-                <a:schemeClr val="accent1"/>
-              </a:effectRef>
-              <a:fontRef idx="minor">
-                <a:schemeClr val="lt1"/>
-              </a:fontRef>
-            </p:style>
-            <p:txBody>
-              <a:bodyPr rtlCol="1" anchor="ctr"/>
-              <a:lstStyle/>
-              <a:p>
-                <a:pPr algn="ctr"/>
-                <a:endParaRPr lang="he-IL"/>
-              </a:p>
-            </p:txBody>
-          </p:sp>
-          <p:sp>
-            <p:nvSpPr>
-              <p:cNvPr id="43" name="Right Triangle 42"/>
-              <p:cNvSpPr/>
-              <p:nvPr/>
-            </p:nvSpPr>
-            <p:spPr>
-              <a:xfrm rot="10800000">
-                <a:off x="4902449" y="5284406"/>
-                <a:ext cx="2429540" cy="359549"/>
-              </a:xfrm>
-              <a:prstGeom prst="rtTriangle">
-                <a:avLst/>
-              </a:prstGeom>
-              <a:solidFill>
-                <a:srgbClr val="C00000"/>
-              </a:solidFill>
-              <a:ln>
-                <a:noFill/>
-              </a:ln>
-            </p:spPr>
-            <p:style>
-              <a:lnRef idx="2">
-                <a:schemeClr val="accent1">
-                  <a:shade val="50000"/>
-                </a:schemeClr>
-              </a:lnRef>
-              <a:fillRef idx="1">
-                <a:schemeClr val="accent1"/>
-              </a:fillRef>
-              <a:effectRef idx="0">
-                <a:schemeClr val="accent1"/>
-              </a:effectRef>
-              <a:fontRef idx="minor">
-                <a:schemeClr val="lt1"/>
-              </a:fontRef>
-            </p:style>
-            <p:txBody>
-              <a:bodyPr rtlCol="1" anchor="ctr"/>
-              <a:lstStyle/>
-              <a:p>
-                <a:pPr algn="ctr"/>
-                <a:endParaRPr lang="he-IL"/>
-              </a:p>
-            </p:txBody>
-          </p:sp>
-        </p:grpSp>
-        <p:sp>
-          <p:nvSpPr>
-            <p:cNvPr id="45" name="TextBox 44"/>
-            <p:cNvSpPr txBox="1"/>
-            <p:nvPr/>
-          </p:nvSpPr>
-          <p:spPr>
-            <a:xfrm>
-              <a:off x="5341842" y="5289809"/>
-              <a:ext cx="1523174" cy="369332"/>
-            </a:xfrm>
-            <a:prstGeom prst="rect">
-              <a:avLst/>
-            </a:prstGeom>
-            <a:noFill/>
-          </p:spPr>
-          <p:txBody>
-            <a:bodyPr wrap="none" rtlCol="1">
-              <a:spAutoFit/>
-            </a:bodyPr>
-            <a:lstStyle/>
-            <a:p>
-              <a:pPr algn="ctr"/>
-              <a:r>
-                <a:rPr lang="en-US" dirty="0" smtClean="0">
-                  <a:solidFill>
-                    <a:schemeClr val="bg1"/>
-                  </a:solidFill>
-                  <a:latin typeface="Century Gothic" panose="020B0502020202020204" pitchFamily="34" charset="0"/>
-                </a:rPr>
-                <a:t>Skip for now</a:t>
-              </a:r>
-              <a:endParaRPr lang="he-IL" sz="2000" b="1" dirty="0">
-                <a:solidFill>
-                  <a:schemeClr val="bg1"/>
-                </a:solidFill>
-                <a:latin typeface="Century Gothic" panose="020B0502020202020204" pitchFamily="34" charset="0"/>
-              </a:endParaRPr>
-            </a:p>
-          </p:txBody>
-        </p:sp>
-      </p:grpSp>
-      <p:sp>
-        <p:nvSpPr>
-          <p:cNvPr id="46" name="Rectangle 45"/>
+      <p:sp>
+        <p:nvSpPr>
+          <p:cNvPr id="67" name="Rectangle 66"/>
           <p:cNvSpPr/>
           <p:nvPr/>
         </p:nvSpPr>
         <p:spPr>
           <a:xfrm>
-            <a:off x="4683995" y="822492"/>
-            <a:ext cx="2829827" cy="539583"/>
+            <a:off x="4675974" y="822492"/>
+            <a:ext cx="2838148" cy="539583"/>
           </a:xfrm>
           <a:prstGeom prst="rect">
             <a:avLst/>
@@ -5655,7 +8767,7 @@
       </p:sp>
       <p:sp>
         <p:nvSpPr>
-          <p:cNvPr id="47" name="TextBox 46"/>
+          <p:cNvPr id="68" name="TextBox 67"/>
           <p:cNvSpPr txBox="1"/>
           <p:nvPr/>
         </p:nvSpPr>
@@ -5705,7 +8817,7 @@
       </p:sp>
       <p:grpSp>
         <p:nvGrpSpPr>
-          <p:cNvPr id="57" name="Group 56"/>
+          <p:cNvPr id="69" name="Group 68"/>
           <p:cNvGrpSpPr/>
           <p:nvPr/>
         </p:nvGrpSpPr>
@@ -5719,7 +8831,7 @@
         </p:grpSpPr>
         <p:sp>
           <p:nvSpPr>
-            <p:cNvPr id="58" name="Chord 57"/>
+            <p:cNvPr id="70" name="Chord 69"/>
             <p:cNvSpPr/>
             <p:nvPr/>
           </p:nvSpPr>
@@ -5768,7 +8880,7 @@
         </p:sp>
         <p:sp>
           <p:nvSpPr>
-            <p:cNvPr id="59" name="Chord 58"/>
+            <p:cNvPr id="71" name="Chord 70"/>
             <p:cNvSpPr/>
             <p:nvPr/>
           </p:nvSpPr>
@@ -5817,18 +8929,18 @@
         </p:sp>
         <p:pic>
           <p:nvPicPr>
-            <p:cNvPr id="60" name="Picture 59"/>
+            <p:cNvPr id="72" name="Picture 71"/>
             <p:cNvPicPr>
               <a:picLocks noChangeAspect="1"/>
             </p:cNvPicPr>
             <p:nvPr/>
           </p:nvPicPr>
           <p:blipFill>
-            <a:blip r:embed="rId11">
+            <a:blip r:embed="rId6">
               <a:extLst>
                 <a:ext uri="{BEBA8EAE-BF5A-486C-A8C5-ECC9F3942E4B}">
                   <a14:imgProps xmlns:a14="http://schemas.microsoft.com/office/drawing/2010/main">
-                    <a14:imgLayer r:embed="rId12">
+                    <a14:imgLayer r:embed="rId7">
                       <a14:imgEffect>
                         <a14:backgroundRemoval t="0" b="100000" l="0" r="100000"/>
                       </a14:imgEffect>
@@ -5853,6 +8965,1438 @@
           </p:spPr>
         </p:pic>
       </p:grpSp>
+      <p:sp>
+        <p:nvSpPr>
+          <p:cNvPr id="35" name="Rectangle 34"/>
+          <p:cNvSpPr/>
+          <p:nvPr/>
+        </p:nvSpPr>
+        <p:spPr>
+          <a:xfrm>
+            <a:off x="5397257" y="2167723"/>
+            <a:ext cx="2092991" cy="433137"/>
+          </a:xfrm>
+          <a:prstGeom prst="rect">
+            <a:avLst/>
+          </a:prstGeom>
+          <a:solidFill>
+            <a:schemeClr val="bg1"/>
+          </a:solidFill>
+          <a:ln>
+            <a:noFill/>
+          </a:ln>
+          <a:effectLst>
+            <a:innerShdw blurRad="63500" dist="50800" dir="13500000">
+              <a:prstClr val="black">
+                <a:alpha val="50000"/>
+              </a:prstClr>
+            </a:innerShdw>
+          </a:effectLst>
+        </p:spPr>
+        <p:style>
+          <a:lnRef idx="2">
+            <a:schemeClr val="accent1">
+              <a:shade val="50000"/>
+            </a:schemeClr>
+          </a:lnRef>
+          <a:fillRef idx="1">
+            <a:schemeClr val="accent1"/>
+          </a:fillRef>
+          <a:effectRef idx="0">
+            <a:schemeClr val="accent1"/>
+          </a:effectRef>
+          <a:fontRef idx="minor">
+            <a:schemeClr val="lt1"/>
+          </a:fontRef>
+        </p:style>
+        <p:txBody>
+          <a:bodyPr rtlCol="1" anchor="ctr"/>
+          <a:lstStyle/>
+          <a:p>
+            <a:pPr algn="ctr"/>
+            <a:r>
+              <a:rPr lang="en-US" dirty="0" smtClean="0"/>
+              <a:t>`</a:t>
+            </a:r>
+            <a:endParaRPr lang="he-IL" dirty="0"/>
+          </a:p>
+        </p:txBody>
+      </p:sp>
+      <p:sp>
+        <p:nvSpPr>
+          <p:cNvPr id="38" name="Rectangle 37"/>
+          <p:cNvSpPr/>
+          <p:nvPr/>
+        </p:nvSpPr>
+        <p:spPr>
+          <a:xfrm>
+            <a:off x="4688979" y="2888403"/>
+            <a:ext cx="2845869" cy="461665"/>
+          </a:xfrm>
+          <a:prstGeom prst="rect">
+            <a:avLst/>
+          </a:prstGeom>
+        </p:spPr>
+        <p:txBody>
+          <a:bodyPr wrap="square">
+            <a:spAutoFit/>
+          </a:bodyPr>
+          <a:lstStyle/>
+          <a:p>
+            <a:pPr algn="ctr"/>
+            <a:endParaRPr lang="he-IL" sz="2400" dirty="0">
+              <a:solidFill>
+                <a:srgbClr val="C00000"/>
+              </a:solidFill>
+              <a:latin typeface="Century Gothic" panose="020B0502020202020204" pitchFamily="34" charset="0"/>
+            </a:endParaRPr>
+          </a:p>
+        </p:txBody>
+      </p:sp>
+      <p:sp>
+        <p:nvSpPr>
+          <p:cNvPr id="39" name="Rectangle 38"/>
+          <p:cNvSpPr/>
+          <p:nvPr/>
+        </p:nvSpPr>
+        <p:spPr>
+          <a:xfrm>
+            <a:off x="5416807" y="3424317"/>
+            <a:ext cx="2086295" cy="433137"/>
+          </a:xfrm>
+          <a:prstGeom prst="rect">
+            <a:avLst/>
+          </a:prstGeom>
+          <a:solidFill>
+            <a:schemeClr val="bg1"/>
+          </a:solidFill>
+          <a:ln>
+            <a:noFill/>
+          </a:ln>
+          <a:effectLst>
+            <a:innerShdw blurRad="63500" dist="50800" dir="13500000">
+              <a:prstClr val="black">
+                <a:alpha val="50000"/>
+              </a:prstClr>
+            </a:innerShdw>
+          </a:effectLst>
+        </p:spPr>
+        <p:style>
+          <a:lnRef idx="2">
+            <a:schemeClr val="accent1">
+              <a:shade val="50000"/>
+            </a:schemeClr>
+          </a:lnRef>
+          <a:fillRef idx="1">
+            <a:schemeClr val="accent1"/>
+          </a:fillRef>
+          <a:effectRef idx="0">
+            <a:schemeClr val="accent1"/>
+          </a:effectRef>
+          <a:fontRef idx="minor">
+            <a:schemeClr val="lt1"/>
+          </a:fontRef>
+        </p:style>
+        <p:txBody>
+          <a:bodyPr rtlCol="1" anchor="ctr"/>
+          <a:lstStyle/>
+          <a:p>
+            <a:pPr algn="ctr"/>
+            <a:endParaRPr lang="he-IL"/>
+          </a:p>
+        </p:txBody>
+      </p:sp>
+      <p:sp>
+        <p:nvSpPr>
+          <p:cNvPr id="42" name="Rectangle 41"/>
+          <p:cNvSpPr/>
+          <p:nvPr/>
+        </p:nvSpPr>
+        <p:spPr>
+          <a:xfrm>
+            <a:off x="5397257" y="4654299"/>
+            <a:ext cx="2103922" cy="433137"/>
+          </a:xfrm>
+          <a:prstGeom prst="rect">
+            <a:avLst/>
+          </a:prstGeom>
+          <a:solidFill>
+            <a:schemeClr val="bg1"/>
+          </a:solidFill>
+          <a:ln>
+            <a:noFill/>
+          </a:ln>
+          <a:effectLst>
+            <a:innerShdw blurRad="63500" dist="50800" dir="13500000">
+              <a:prstClr val="black">
+                <a:alpha val="50000"/>
+              </a:prstClr>
+            </a:innerShdw>
+          </a:effectLst>
+        </p:spPr>
+        <p:style>
+          <a:lnRef idx="2">
+            <a:schemeClr val="accent1">
+              <a:shade val="50000"/>
+            </a:schemeClr>
+          </a:lnRef>
+          <a:fillRef idx="1">
+            <a:schemeClr val="accent1"/>
+          </a:fillRef>
+          <a:effectRef idx="0">
+            <a:schemeClr val="accent1"/>
+          </a:effectRef>
+          <a:fontRef idx="minor">
+            <a:schemeClr val="lt1"/>
+          </a:fontRef>
+        </p:style>
+        <p:txBody>
+          <a:bodyPr rtlCol="1" anchor="ctr"/>
+          <a:lstStyle/>
+          <a:p>
+            <a:pPr algn="ctr"/>
+            <a:endParaRPr lang="he-IL"/>
+          </a:p>
+        </p:txBody>
+      </p:sp>
+      <p:sp>
+        <p:nvSpPr>
+          <p:cNvPr id="57" name="Chord 56"/>
+          <p:cNvSpPr/>
+          <p:nvPr/>
+        </p:nvSpPr>
+        <p:spPr>
+          <a:xfrm rot="7983879">
+            <a:off x="5467164" y="5171363"/>
+            <a:ext cx="1244848" cy="1250216"/>
+          </a:xfrm>
+          <a:prstGeom prst="chord">
+            <a:avLst>
+              <a:gd name="adj1" fmla="val 2476101"/>
+              <a:gd name="adj2" fmla="val 13931417"/>
+            </a:avLst>
+          </a:prstGeom>
+          <a:solidFill>
+            <a:srgbClr val="8E0000"/>
+          </a:solidFill>
+          <a:ln>
+            <a:noFill/>
+          </a:ln>
+        </p:spPr>
+        <p:style>
+          <a:lnRef idx="2">
+            <a:schemeClr val="accent1">
+              <a:shade val="50000"/>
+            </a:schemeClr>
+          </a:lnRef>
+          <a:fillRef idx="1">
+            <a:schemeClr val="accent1"/>
+          </a:fillRef>
+          <a:effectRef idx="0">
+            <a:schemeClr val="accent1"/>
+          </a:effectRef>
+          <a:fontRef idx="minor">
+            <a:schemeClr val="lt1"/>
+          </a:fontRef>
+        </p:style>
+        <p:txBody>
+          <a:bodyPr rtlCol="1" anchor="ctr"/>
+          <a:lstStyle/>
+          <a:p>
+            <a:pPr algn="ctr"/>
+            <a:endParaRPr lang="he-IL"/>
+          </a:p>
+        </p:txBody>
+      </p:sp>
+      <p:sp>
+        <p:nvSpPr>
+          <p:cNvPr id="58" name="Rectangle 57"/>
+          <p:cNvSpPr/>
+          <p:nvPr/>
+        </p:nvSpPr>
+        <p:spPr>
+          <a:xfrm>
+            <a:off x="5737871" y="5316379"/>
+            <a:ext cx="732894" cy="523220"/>
+          </a:xfrm>
+          <a:prstGeom prst="rect">
+            <a:avLst/>
+          </a:prstGeom>
+        </p:spPr>
+        <p:txBody>
+          <a:bodyPr wrap="none">
+            <a:spAutoFit/>
+          </a:bodyPr>
+          <a:lstStyle/>
+          <a:p>
+            <a:pPr algn="ctr"/>
+            <a:r>
+              <a:rPr lang="en-US" sz="2800" dirty="0" smtClean="0">
+                <a:solidFill>
+                  <a:schemeClr val="bg1"/>
+                </a:solidFill>
+                <a:latin typeface="Century Gothic" panose="020B0502020202020204" pitchFamily="34" charset="0"/>
+              </a:rPr>
+              <a:t>Go</a:t>
+            </a:r>
+            <a:endParaRPr lang="he-IL" sz="3600" dirty="0">
+              <a:solidFill>
+                <a:schemeClr val="bg1"/>
+              </a:solidFill>
+              <a:latin typeface="Century Gothic" panose="020B0502020202020204" pitchFamily="34" charset="0"/>
+            </a:endParaRPr>
+          </a:p>
+        </p:txBody>
+      </p:sp>
+      <p:sp>
+        <p:nvSpPr>
+          <p:cNvPr id="66" name="Rectangle 65"/>
+          <p:cNvSpPr/>
+          <p:nvPr/>
+        </p:nvSpPr>
+        <p:spPr>
+          <a:xfrm>
+            <a:off x="4663030" y="1626919"/>
+            <a:ext cx="2153452" cy="540804"/>
+          </a:xfrm>
+          <a:prstGeom prst="rect">
+            <a:avLst/>
+          </a:prstGeom>
+          <a:solidFill>
+            <a:srgbClr val="C00000"/>
+          </a:solidFill>
+          <a:ln>
+            <a:noFill/>
+          </a:ln>
+        </p:spPr>
+        <p:style>
+          <a:lnRef idx="2">
+            <a:schemeClr val="accent1">
+              <a:shade val="50000"/>
+            </a:schemeClr>
+          </a:lnRef>
+          <a:fillRef idx="1">
+            <a:schemeClr val="accent1"/>
+          </a:fillRef>
+          <a:effectRef idx="0">
+            <a:schemeClr val="accent1"/>
+          </a:effectRef>
+          <a:fontRef idx="minor">
+            <a:schemeClr val="lt1"/>
+          </a:fontRef>
+        </p:style>
+        <p:txBody>
+          <a:bodyPr rtlCol="1" anchor="ctr"/>
+          <a:lstStyle/>
+          <a:p>
+            <a:r>
+              <a:rPr lang="en-US" sz="1200" dirty="0">
+                <a:solidFill>
+                  <a:schemeClr val="bg1"/>
+                </a:solidFill>
+                <a:latin typeface="Century Gothic" panose="020B0502020202020204" pitchFamily="34" charset="0"/>
+              </a:rPr>
+              <a:t>Where are you?</a:t>
+            </a:r>
+            <a:endParaRPr lang="he-IL" sz="1600" dirty="0">
+              <a:solidFill>
+                <a:schemeClr val="bg1"/>
+              </a:solidFill>
+              <a:latin typeface="Century Gothic" panose="020B0502020202020204" pitchFamily="34" charset="0"/>
+            </a:endParaRPr>
+          </a:p>
+        </p:txBody>
+      </p:sp>
+      <p:sp>
+        <p:nvSpPr>
+          <p:cNvPr id="73" name="Rectangle 72"/>
+          <p:cNvSpPr/>
+          <p:nvPr/>
+        </p:nvSpPr>
+        <p:spPr>
+          <a:xfrm>
+            <a:off x="4637683" y="1712458"/>
+            <a:ext cx="2845869" cy="461665"/>
+          </a:xfrm>
+          <a:prstGeom prst="rect">
+            <a:avLst/>
+          </a:prstGeom>
+        </p:spPr>
+        <p:txBody>
+          <a:bodyPr wrap="square">
+            <a:spAutoFit/>
+          </a:bodyPr>
+          <a:lstStyle/>
+          <a:p>
+            <a:pPr algn="ctr"/>
+            <a:endParaRPr lang="he-IL" sz="2400" dirty="0">
+              <a:solidFill>
+                <a:schemeClr val="bg1"/>
+              </a:solidFill>
+              <a:latin typeface="Century Gothic" panose="020B0502020202020204" pitchFamily="34" charset="0"/>
+            </a:endParaRPr>
+          </a:p>
+        </p:txBody>
+      </p:sp>
+      <p:sp>
+        <p:nvSpPr>
+          <p:cNvPr id="77" name="Rectangle 76"/>
+          <p:cNvSpPr/>
+          <p:nvPr/>
+        </p:nvSpPr>
+        <p:spPr>
+          <a:xfrm>
+            <a:off x="4666777" y="2900805"/>
+            <a:ext cx="2152800" cy="540000"/>
+          </a:xfrm>
+          <a:prstGeom prst="rect">
+            <a:avLst/>
+          </a:prstGeom>
+          <a:solidFill>
+            <a:srgbClr val="C00000"/>
+          </a:solidFill>
+          <a:ln>
+            <a:noFill/>
+          </a:ln>
+        </p:spPr>
+        <p:style>
+          <a:lnRef idx="2">
+            <a:schemeClr val="accent1">
+              <a:shade val="50000"/>
+            </a:schemeClr>
+          </a:lnRef>
+          <a:fillRef idx="1">
+            <a:schemeClr val="accent1"/>
+          </a:fillRef>
+          <a:effectRef idx="0">
+            <a:schemeClr val="accent1"/>
+          </a:effectRef>
+          <a:fontRef idx="minor">
+            <a:schemeClr val="lt1"/>
+          </a:fontRef>
+        </p:style>
+        <p:txBody>
+          <a:bodyPr rtlCol="1" anchor="ctr"/>
+          <a:lstStyle/>
+          <a:p>
+            <a:r>
+              <a:rPr lang="en-US" sz="1200" dirty="0">
+                <a:solidFill>
+                  <a:schemeClr val="bg1"/>
+                </a:solidFill>
+                <a:latin typeface="Century Gothic" panose="020B0502020202020204" pitchFamily="34" charset="0"/>
+              </a:rPr>
+              <a:t>Where are you heading?</a:t>
+            </a:r>
+            <a:endParaRPr lang="he-IL" sz="1600" dirty="0">
+              <a:solidFill>
+                <a:schemeClr val="bg1"/>
+              </a:solidFill>
+              <a:latin typeface="Century Gothic" panose="020B0502020202020204" pitchFamily="34" charset="0"/>
+            </a:endParaRPr>
+          </a:p>
+        </p:txBody>
+      </p:sp>
+      <p:sp>
+        <p:nvSpPr>
+          <p:cNvPr id="78" name="Rectangle 77"/>
+          <p:cNvSpPr/>
+          <p:nvPr/>
+        </p:nvSpPr>
+        <p:spPr>
+          <a:xfrm>
+            <a:off x="4637683" y="2934722"/>
+            <a:ext cx="2845869" cy="461665"/>
+          </a:xfrm>
+          <a:prstGeom prst="rect">
+            <a:avLst/>
+          </a:prstGeom>
+        </p:spPr>
+        <p:txBody>
+          <a:bodyPr wrap="square">
+            <a:spAutoFit/>
+          </a:bodyPr>
+          <a:lstStyle/>
+          <a:p>
+            <a:pPr algn="ctr"/>
+            <a:endParaRPr lang="he-IL" sz="2400" dirty="0">
+              <a:solidFill>
+                <a:srgbClr val="C00000"/>
+              </a:solidFill>
+              <a:latin typeface="Century Gothic" panose="020B0502020202020204" pitchFamily="34" charset="0"/>
+            </a:endParaRPr>
+          </a:p>
+        </p:txBody>
+      </p:sp>
+      <p:sp>
+        <p:nvSpPr>
+          <p:cNvPr id="81" name="Rectangle 80"/>
+          <p:cNvSpPr/>
+          <p:nvPr/>
+        </p:nvSpPr>
+        <p:spPr>
+          <a:xfrm>
+            <a:off x="4666348" y="4123069"/>
+            <a:ext cx="2152800" cy="540804"/>
+          </a:xfrm>
+          <a:prstGeom prst="rect">
+            <a:avLst/>
+          </a:prstGeom>
+          <a:solidFill>
+            <a:srgbClr val="C00000"/>
+          </a:solidFill>
+          <a:ln>
+            <a:noFill/>
+          </a:ln>
+        </p:spPr>
+        <p:style>
+          <a:lnRef idx="2">
+            <a:schemeClr val="accent1">
+              <a:shade val="50000"/>
+            </a:schemeClr>
+          </a:lnRef>
+          <a:fillRef idx="1">
+            <a:schemeClr val="accent1"/>
+          </a:fillRef>
+          <a:effectRef idx="0">
+            <a:schemeClr val="accent1"/>
+          </a:effectRef>
+          <a:fontRef idx="minor">
+            <a:schemeClr val="lt1"/>
+          </a:fontRef>
+        </p:style>
+        <p:txBody>
+          <a:bodyPr rtlCol="1" anchor="ctr"/>
+          <a:lstStyle/>
+          <a:p>
+            <a:r>
+              <a:rPr lang="en-US" sz="1200" dirty="0" smtClean="0">
+                <a:solidFill>
+                  <a:schemeClr val="bg1"/>
+                </a:solidFill>
+                <a:latin typeface="Century Gothic" panose="020B0502020202020204" pitchFamily="34" charset="0"/>
+              </a:rPr>
+              <a:t>When?</a:t>
+            </a:r>
+            <a:endParaRPr lang="he-IL" sz="1600" dirty="0">
+              <a:solidFill>
+                <a:schemeClr val="bg1"/>
+              </a:solidFill>
+              <a:latin typeface="Century Gothic" panose="020B0502020202020204" pitchFamily="34" charset="0"/>
+            </a:endParaRPr>
+          </a:p>
+        </p:txBody>
+      </p:sp>
+    </p:spTree>
+    <p:extLst>
+      <p:ext uri="{BB962C8B-B14F-4D97-AF65-F5344CB8AC3E}">
+        <p14:creationId xmlns:p14="http://schemas.microsoft.com/office/powerpoint/2010/main" val="1485466603"/>
+      </p:ext>
+    </p:extLst>
+  </p:cSld>
+  <p:clrMapOvr>
+    <a:masterClrMapping/>
+  </p:clrMapOvr>
+  <mc:AlternateContent xmlns:mc="http://schemas.openxmlformats.org/markup-compatibility/2006">
+    <mc:Choice xmlns:p14="http://schemas.microsoft.com/office/powerpoint/2010/main" Requires="p14">
+      <p:transition spd="med" p14:dur="700">
+        <p:fade/>
+      </p:transition>
+    </mc:Choice>
+    <mc:Fallback>
+      <p:transition spd="med">
+        <p:fade/>
+      </p:transition>
+    </mc:Fallback>
+  </mc:AlternateContent>
+  <p:timing>
+    <p:tnLst>
+      <p:par>
+        <p:cTn id="1" dur="indefinite" restart="never" nodeType="tmRoot"/>
+      </p:par>
+    </p:tnLst>
+  </p:timing>
+</p:sld>
+</file>
+
+<file path=ppt/slides/slide4.xml><?xml version="1.0" encoding="utf-8"?>
+<p:sld xmlns:a="http://schemas.openxmlformats.org/drawingml/2006/main" xmlns:r="http://schemas.openxmlformats.org/officeDocument/2006/relationships" xmlns:p="http://schemas.openxmlformats.org/presentationml/2006/main">
+  <p:cSld>
+    <p:spTree>
+      <p:nvGrpSpPr>
+        <p:cNvPr id="1" name=""/>
+        <p:cNvGrpSpPr/>
+        <p:nvPr/>
+      </p:nvGrpSpPr>
+      <p:grpSpPr>
+        <a:xfrm>
+          <a:off x="0" y="0"/>
+          <a:ext cx="0" cy="0"/>
+          <a:chOff x="0" y="0"/>
+          <a:chExt cx="0" cy="0"/>
+        </a:xfrm>
+      </p:grpSpPr>
+      <p:pic>
+        <p:nvPicPr>
+          <p:cNvPr id="63" name="Picture 6" descr="http://www.technobuffalo.com/wp-content/uploads/2013/10/Nexus-5-Press-Image-001-1280x874.jpg"/>
+          <p:cNvPicPr>
+            <a:picLocks noChangeAspect="1" noChangeArrowheads="1"/>
+          </p:cNvPicPr>
+          <p:nvPr/>
+        </p:nvPicPr>
+        <p:blipFill>
+          <a:blip r:embed="rId3">
+            <a:extLst>
+              <a:ext uri="{BEBA8EAE-BF5A-486C-A8C5-ECC9F3942E4B}">
+                <a14:imgProps xmlns:a14="http://schemas.microsoft.com/office/drawing/2010/main">
+                  <a14:imgLayer r:embed="rId4">
+                    <a14:imgEffect>
+                      <a14:backgroundRemoval t="4119" b="95538" l="10000" r="90000"/>
+                    </a14:imgEffect>
+                  </a14:imgLayer>
+                </a14:imgProps>
+              </a:ext>
+              <a:ext uri="{28A0092B-C50C-407E-A947-70E740481C1C}">
+                <a14:useLocalDpi xmlns:a14="http://schemas.microsoft.com/office/drawing/2010/main" val="0"/>
+              </a:ext>
+            </a:extLst>
+          </a:blip>
+          <a:srcRect/>
+          <a:stretch>
+            <a:fillRect/>
+          </a:stretch>
+        </p:blipFill>
+        <p:spPr bwMode="auto">
+          <a:xfrm>
+            <a:off x="1041256" y="-50374"/>
+            <a:ext cx="10109488" cy="6902886"/>
+          </a:xfrm>
+          <a:prstGeom prst="rect">
+            <a:avLst/>
+          </a:prstGeom>
+          <a:noFill/>
+          <a:effectLst>
+            <a:outerShdw blurRad="50800" dist="38100" dir="10800000" algn="r" rotWithShape="0">
+              <a:prstClr val="black">
+                <a:alpha val="40000"/>
+              </a:prstClr>
+            </a:outerShdw>
+          </a:effectLst>
+          <a:extLst>
+            <a:ext uri="{909E8E84-426E-40DD-AFC4-6F175D3DCCD1}">
+              <a14:hiddenFill xmlns:a14="http://schemas.microsoft.com/office/drawing/2010/main">
+                <a:solidFill>
+                  <a:srgbClr val="FFFFFF"/>
+                </a:solidFill>
+              </a14:hiddenFill>
+            </a:ext>
+          </a:extLst>
+        </p:spPr>
+      </p:pic>
+      <p:pic>
+        <p:nvPicPr>
+          <p:cNvPr id="36" name="Picture 2" descr="http://www.rentacar-dalaman.com/upload/Transfer%20Location.jpg"/>
+          <p:cNvPicPr>
+            <a:picLocks noChangeAspect="1" noChangeArrowheads="1"/>
+          </p:cNvPicPr>
+          <p:nvPr/>
+        </p:nvPicPr>
+        <p:blipFill rotWithShape="1">
+          <a:blip r:embed="rId5">
+            <a:extLst>
+              <a:ext uri="{28A0092B-C50C-407E-A947-70E740481C1C}">
+                <a14:useLocalDpi xmlns:a14="http://schemas.microsoft.com/office/drawing/2010/main" val="0"/>
+              </a:ext>
+            </a:extLst>
+          </a:blip>
+          <a:srcRect l="34269" r="27937"/>
+          <a:stretch/>
+        </p:blipFill>
+        <p:spPr bwMode="auto">
+          <a:xfrm>
+            <a:off x="4668253" y="861298"/>
+            <a:ext cx="2829827" cy="4987453"/>
+          </a:xfrm>
+          <a:prstGeom prst="rect">
+            <a:avLst/>
+          </a:prstGeom>
+          <a:noFill/>
+          <a:extLst>
+            <a:ext uri="{909E8E84-426E-40DD-AFC4-6F175D3DCCD1}">
+              <a14:hiddenFill xmlns:a14="http://schemas.microsoft.com/office/drawing/2010/main">
+                <a:solidFill>
+                  <a:srgbClr val="FFFFFF"/>
+                </a:solidFill>
+              </a14:hiddenFill>
+            </a:ext>
+          </a:extLst>
+        </p:spPr>
+      </p:pic>
+      <p:sp>
+        <p:nvSpPr>
+          <p:cNvPr id="37" name="Rectangle 36"/>
+          <p:cNvSpPr/>
+          <p:nvPr/>
+        </p:nvSpPr>
+        <p:spPr>
+          <a:xfrm>
+            <a:off x="4684295" y="861298"/>
+            <a:ext cx="2829827" cy="4987453"/>
+          </a:xfrm>
+          <a:prstGeom prst="rect">
+            <a:avLst/>
+          </a:prstGeom>
+          <a:solidFill>
+            <a:schemeClr val="bg1">
+              <a:alpha val="60000"/>
+            </a:schemeClr>
+          </a:solidFill>
+          <a:ln>
+            <a:noFill/>
+          </a:ln>
+        </p:spPr>
+        <p:style>
+          <a:lnRef idx="2">
+            <a:schemeClr val="accent1">
+              <a:shade val="50000"/>
+            </a:schemeClr>
+          </a:lnRef>
+          <a:fillRef idx="1">
+            <a:schemeClr val="accent1"/>
+          </a:fillRef>
+          <a:effectRef idx="0">
+            <a:schemeClr val="accent1"/>
+          </a:effectRef>
+          <a:fontRef idx="minor">
+            <a:schemeClr val="lt1"/>
+          </a:fontRef>
+        </p:style>
+        <p:txBody>
+          <a:bodyPr rtlCol="1" anchor="ctr"/>
+          <a:lstStyle/>
+          <a:p>
+            <a:pPr algn="ctr"/>
+            <a:endParaRPr lang="he-IL"/>
+          </a:p>
+        </p:txBody>
+      </p:sp>
+      <p:sp>
+        <p:nvSpPr>
+          <p:cNvPr id="67" name="Rectangle 66"/>
+          <p:cNvSpPr/>
+          <p:nvPr/>
+        </p:nvSpPr>
+        <p:spPr>
+          <a:xfrm>
+            <a:off x="4675974" y="822492"/>
+            <a:ext cx="2838148" cy="539583"/>
+          </a:xfrm>
+          <a:prstGeom prst="rect">
+            <a:avLst/>
+          </a:prstGeom>
+          <a:solidFill>
+            <a:srgbClr val="F20000">
+              <a:alpha val="97000"/>
+            </a:srgbClr>
+          </a:solidFill>
+          <a:ln>
+            <a:noFill/>
+          </a:ln>
+        </p:spPr>
+        <p:style>
+          <a:lnRef idx="2">
+            <a:schemeClr val="accent1">
+              <a:shade val="50000"/>
+            </a:schemeClr>
+          </a:lnRef>
+          <a:fillRef idx="1">
+            <a:schemeClr val="accent1"/>
+          </a:fillRef>
+          <a:effectRef idx="0">
+            <a:schemeClr val="accent1"/>
+          </a:effectRef>
+          <a:fontRef idx="minor">
+            <a:schemeClr val="lt1"/>
+          </a:fontRef>
+        </p:style>
+        <p:txBody>
+          <a:bodyPr rtlCol="1" anchor="ctr"/>
+          <a:lstStyle/>
+          <a:p>
+            <a:pPr algn="ctr"/>
+            <a:endParaRPr lang="he-IL"/>
+          </a:p>
+        </p:txBody>
+      </p:sp>
+      <p:sp>
+        <p:nvSpPr>
+          <p:cNvPr id="68" name="TextBox 67"/>
+          <p:cNvSpPr txBox="1"/>
+          <p:nvPr/>
+        </p:nvSpPr>
+        <p:spPr>
+          <a:xfrm>
+            <a:off x="5053563" y="907617"/>
+            <a:ext cx="1217000" cy="369332"/>
+          </a:xfrm>
+          <a:prstGeom prst="rect">
+            <a:avLst/>
+          </a:prstGeom>
+          <a:noFill/>
+        </p:spPr>
+        <p:txBody>
+          <a:bodyPr wrap="none" rtlCol="1">
+            <a:spAutoFit/>
+          </a:bodyPr>
+          <a:lstStyle/>
+          <a:p>
+            <a:pPr algn="ctr"/>
+            <a:r>
+              <a:rPr lang="en-US" dirty="0" err="1" smtClean="0">
+                <a:solidFill>
+                  <a:schemeClr val="bg1"/>
+                </a:solidFill>
+                <a:latin typeface="Century Gothic" panose="020B0502020202020204" pitchFamily="34" charset="0"/>
+              </a:rPr>
+              <a:t>OnThe</a:t>
+            </a:r>
+            <a:r>
+              <a:rPr lang="en-US" b="1" dirty="0" err="1" smtClean="0">
+                <a:solidFill>
+                  <a:schemeClr val="bg1"/>
+                </a:solidFill>
+                <a:latin typeface="Century Gothic" panose="020B0502020202020204" pitchFamily="34" charset="0"/>
+              </a:rPr>
+              <a:t>Fly</a:t>
+            </a:r>
+            <a:endParaRPr lang="he-IL" sz="2000" b="1" dirty="0">
+              <a:solidFill>
+                <a:schemeClr val="bg1"/>
+              </a:solidFill>
+              <a:latin typeface="Century Gothic" panose="020B0502020202020204" pitchFamily="34" charset="0"/>
+            </a:endParaRPr>
+          </a:p>
+        </p:txBody>
+      </p:sp>
+      <p:grpSp>
+        <p:nvGrpSpPr>
+          <p:cNvPr id="69" name="Group 68"/>
+          <p:cNvGrpSpPr/>
+          <p:nvPr/>
+        </p:nvGrpSpPr>
+        <p:grpSpPr>
+          <a:xfrm>
+            <a:off x="4715653" y="874451"/>
+            <a:ext cx="376747" cy="424103"/>
+            <a:chOff x="8120846" y="1227385"/>
+            <a:chExt cx="3534412" cy="3978687"/>
+          </a:xfrm>
+        </p:grpSpPr>
+        <p:sp>
+          <p:nvSpPr>
+            <p:cNvPr id="70" name="Chord 69"/>
+            <p:cNvSpPr/>
+            <p:nvPr/>
+          </p:nvSpPr>
+          <p:spPr>
+            <a:xfrm rot="5400000">
+              <a:off x="8226724" y="1227385"/>
+              <a:ext cx="3428534" cy="3428534"/>
+            </a:xfrm>
+            <a:prstGeom prst="chord">
+              <a:avLst>
+                <a:gd name="adj1" fmla="val 2476101"/>
+                <a:gd name="adj2" fmla="val 13931417"/>
+              </a:avLst>
+            </a:prstGeom>
+            <a:solidFill>
+              <a:srgbClr val="C00000"/>
+            </a:solidFill>
+            <a:ln>
+              <a:noFill/>
+            </a:ln>
+          </p:spPr>
+          <p:style>
+            <a:lnRef idx="2">
+              <a:schemeClr val="accent1">
+                <a:shade val="50000"/>
+              </a:schemeClr>
+            </a:lnRef>
+            <a:fillRef idx="1">
+              <a:schemeClr val="accent1"/>
+            </a:fillRef>
+            <a:effectRef idx="0">
+              <a:schemeClr val="accent1"/>
+            </a:effectRef>
+            <a:fontRef idx="minor">
+              <a:schemeClr val="lt1"/>
+            </a:fontRef>
+          </p:style>
+          <p:txBody>
+            <a:bodyPr rtlCol="1" anchor="ctr"/>
+            <a:lstStyle/>
+            <a:p>
+              <a:pPr algn="ctr"/>
+              <a:endParaRPr lang="he-IL"/>
+            </a:p>
+          </p:txBody>
+        </p:sp>
+        <p:sp>
+          <p:nvSpPr>
+            <p:cNvPr id="71" name="Chord 70"/>
+            <p:cNvSpPr/>
+            <p:nvPr/>
+          </p:nvSpPr>
+          <p:spPr>
+            <a:xfrm rot="16200000">
+              <a:off x="8120846" y="1777538"/>
+              <a:ext cx="3428534" cy="3428534"/>
+            </a:xfrm>
+            <a:prstGeom prst="chord">
+              <a:avLst>
+                <a:gd name="adj1" fmla="val 2476101"/>
+                <a:gd name="adj2" fmla="val 13931417"/>
+              </a:avLst>
+            </a:prstGeom>
+            <a:solidFill>
+              <a:srgbClr val="8E0000"/>
+            </a:solidFill>
+            <a:ln>
+              <a:noFill/>
+            </a:ln>
+          </p:spPr>
+          <p:style>
+            <a:lnRef idx="2">
+              <a:schemeClr val="accent1">
+                <a:shade val="50000"/>
+              </a:schemeClr>
+            </a:lnRef>
+            <a:fillRef idx="1">
+              <a:schemeClr val="accent1"/>
+            </a:fillRef>
+            <a:effectRef idx="0">
+              <a:schemeClr val="accent1"/>
+            </a:effectRef>
+            <a:fontRef idx="minor">
+              <a:schemeClr val="lt1"/>
+            </a:fontRef>
+          </p:style>
+          <p:txBody>
+            <a:bodyPr rtlCol="1" anchor="ctr"/>
+            <a:lstStyle/>
+            <a:p>
+              <a:pPr algn="ctr"/>
+              <a:endParaRPr lang="he-IL"/>
+            </a:p>
+          </p:txBody>
+        </p:sp>
+        <p:pic>
+          <p:nvPicPr>
+            <p:cNvPr id="72" name="Picture 71"/>
+            <p:cNvPicPr>
+              <a:picLocks noChangeAspect="1"/>
+            </p:cNvPicPr>
+            <p:nvPr/>
+          </p:nvPicPr>
+          <p:blipFill>
+            <a:blip r:embed="rId6">
+              <a:extLst>
+                <a:ext uri="{BEBA8EAE-BF5A-486C-A8C5-ECC9F3942E4B}">
+                  <a14:imgProps xmlns:a14="http://schemas.microsoft.com/office/drawing/2010/main">
+                    <a14:imgLayer r:embed="rId7">
+                      <a14:imgEffect>
+                        <a14:backgroundRemoval t="0" b="100000" l="0" r="100000"/>
+                      </a14:imgEffect>
+                    </a14:imgLayer>
+                  </a14:imgProps>
+                </a:ext>
+              </a:extLst>
+            </a:blip>
+            <a:stretch>
+              <a:fillRect/>
+            </a:stretch>
+          </p:blipFill>
+          <p:spPr>
+            <a:xfrm rot="19771925">
+              <a:off x="8624053" y="2122638"/>
+              <a:ext cx="2301304" cy="2301304"/>
+            </a:xfrm>
+            <a:prstGeom prst="rect">
+              <a:avLst/>
+            </a:prstGeom>
+            <a:effectLst/>
+          </p:spPr>
+        </p:pic>
+      </p:grpSp>
+      <p:sp>
+        <p:nvSpPr>
+          <p:cNvPr id="74" name="Rectangle 73"/>
+          <p:cNvSpPr/>
+          <p:nvPr/>
+        </p:nvSpPr>
+        <p:spPr>
+          <a:xfrm>
+            <a:off x="6867696" y="822492"/>
+            <a:ext cx="646425" cy="539583"/>
+          </a:xfrm>
+          <a:prstGeom prst="rect">
+            <a:avLst/>
+          </a:prstGeom>
+          <a:solidFill>
+            <a:srgbClr val="C00000"/>
+          </a:solidFill>
+          <a:ln>
+            <a:noFill/>
+          </a:ln>
+        </p:spPr>
+        <p:style>
+          <a:lnRef idx="2">
+            <a:schemeClr val="accent1">
+              <a:shade val="50000"/>
+            </a:schemeClr>
+          </a:lnRef>
+          <a:fillRef idx="1">
+            <a:schemeClr val="accent1"/>
+          </a:fillRef>
+          <a:effectRef idx="0">
+            <a:schemeClr val="accent1"/>
+          </a:effectRef>
+          <a:fontRef idx="minor">
+            <a:schemeClr val="lt1"/>
+          </a:fontRef>
+        </p:style>
+        <p:txBody>
+          <a:bodyPr rtlCol="1" anchor="ctr"/>
+          <a:lstStyle/>
+          <a:p>
+            <a:pPr algn="ctr"/>
+            <a:endParaRPr lang="he-IL"/>
+          </a:p>
+        </p:txBody>
+      </p:sp>
+      <p:sp>
+        <p:nvSpPr>
+          <p:cNvPr id="75" name="Rectangle 74"/>
+          <p:cNvSpPr/>
+          <p:nvPr/>
+        </p:nvSpPr>
+        <p:spPr>
+          <a:xfrm>
+            <a:off x="6927109" y="915170"/>
+            <a:ext cx="570989" cy="338554"/>
+          </a:xfrm>
+          <a:prstGeom prst="rect">
+            <a:avLst/>
+          </a:prstGeom>
+        </p:spPr>
+        <p:txBody>
+          <a:bodyPr wrap="none">
+            <a:spAutoFit/>
+          </a:bodyPr>
+          <a:lstStyle/>
+          <a:p>
+            <a:pPr algn="ctr"/>
+            <a:r>
+              <a:rPr lang="en-US" sz="1600" dirty="0" smtClean="0">
+                <a:solidFill>
+                  <a:schemeClr val="bg1"/>
+                </a:solidFill>
+                <a:latin typeface="Century Gothic" panose="020B0502020202020204" pitchFamily="34" charset="0"/>
+              </a:rPr>
+              <a:t>Skip</a:t>
+            </a:r>
+            <a:endParaRPr lang="he-IL" sz="2000" dirty="0">
+              <a:solidFill>
+                <a:schemeClr val="bg1"/>
+              </a:solidFill>
+              <a:latin typeface="Century Gothic" panose="020B0502020202020204" pitchFamily="34" charset="0"/>
+            </a:endParaRPr>
+          </a:p>
+        </p:txBody>
+      </p:sp>
+      <p:grpSp>
+        <p:nvGrpSpPr>
+          <p:cNvPr id="19" name="Group 18"/>
+          <p:cNvGrpSpPr/>
+          <p:nvPr/>
+        </p:nvGrpSpPr>
+        <p:grpSpPr>
+          <a:xfrm>
+            <a:off x="4661736" y="2179180"/>
+            <a:ext cx="2265592" cy="3328715"/>
+            <a:chOff x="4661736" y="1875212"/>
+            <a:chExt cx="2265592" cy="3328715"/>
+          </a:xfrm>
+        </p:grpSpPr>
+        <p:sp>
+          <p:nvSpPr>
+            <p:cNvPr id="18" name="Rectangle 17"/>
+            <p:cNvSpPr/>
+            <p:nvPr/>
+          </p:nvSpPr>
+          <p:spPr>
+            <a:xfrm>
+              <a:off x="4668253" y="1875212"/>
+              <a:ext cx="2258856" cy="627490"/>
+            </a:xfrm>
+            <a:prstGeom prst="rect">
+              <a:avLst/>
+            </a:prstGeom>
+            <a:solidFill>
+              <a:srgbClr val="0070C0"/>
+            </a:solidFill>
+            <a:ln>
+              <a:noFill/>
+            </a:ln>
+          </p:spPr>
+          <p:style>
+            <a:lnRef idx="2">
+              <a:schemeClr val="accent1">
+                <a:shade val="50000"/>
+              </a:schemeClr>
+            </a:lnRef>
+            <a:fillRef idx="1">
+              <a:schemeClr val="accent1"/>
+            </a:fillRef>
+            <a:effectRef idx="0">
+              <a:schemeClr val="accent1"/>
+            </a:effectRef>
+            <a:fontRef idx="minor">
+              <a:schemeClr val="lt1"/>
+            </a:fontRef>
+          </p:style>
+          <p:txBody>
+            <a:bodyPr rtlCol="1" anchor="ctr"/>
+            <a:lstStyle/>
+            <a:p>
+              <a:pPr algn="ctr"/>
+              <a:endParaRPr lang="he-IL"/>
+            </a:p>
+          </p:txBody>
+        </p:sp>
+        <p:pic>
+          <p:nvPicPr>
+            <p:cNvPr id="101" name="Picture 100"/>
+            <p:cNvPicPr>
+              <a:picLocks noChangeAspect="1"/>
+            </p:cNvPicPr>
+            <p:nvPr/>
+          </p:nvPicPr>
+          <p:blipFill>
+            <a:blip r:embed="rId8"/>
+            <a:stretch>
+              <a:fillRect/>
+            </a:stretch>
+          </p:blipFill>
+          <p:spPr>
+            <a:xfrm>
+              <a:off x="6396300" y="1970746"/>
+              <a:ext cx="471396" cy="471396"/>
+            </a:xfrm>
+            <a:prstGeom prst="rect">
+              <a:avLst/>
+            </a:prstGeom>
+          </p:spPr>
+        </p:pic>
+        <p:sp>
+          <p:nvSpPr>
+            <p:cNvPr id="124" name="Rectangle 123"/>
+            <p:cNvSpPr/>
+            <p:nvPr/>
+          </p:nvSpPr>
+          <p:spPr>
+            <a:xfrm>
+              <a:off x="4668253" y="2773579"/>
+              <a:ext cx="2258856" cy="627490"/>
+            </a:xfrm>
+            <a:prstGeom prst="rect">
+              <a:avLst/>
+            </a:prstGeom>
+            <a:solidFill>
+              <a:srgbClr val="C00000"/>
+            </a:solidFill>
+            <a:ln>
+              <a:noFill/>
+            </a:ln>
+          </p:spPr>
+          <p:style>
+            <a:lnRef idx="2">
+              <a:schemeClr val="accent1">
+                <a:shade val="50000"/>
+              </a:schemeClr>
+            </a:lnRef>
+            <a:fillRef idx="1">
+              <a:schemeClr val="accent1"/>
+            </a:fillRef>
+            <a:effectRef idx="0">
+              <a:schemeClr val="accent1"/>
+            </a:effectRef>
+            <a:fontRef idx="minor">
+              <a:schemeClr val="lt1"/>
+            </a:fontRef>
+          </p:style>
+          <p:txBody>
+            <a:bodyPr rtlCol="1" anchor="ctr"/>
+            <a:lstStyle/>
+            <a:p>
+              <a:pPr algn="ctr"/>
+              <a:endParaRPr lang="he-IL"/>
+            </a:p>
+          </p:txBody>
+        </p:sp>
+        <p:pic>
+          <p:nvPicPr>
+            <p:cNvPr id="125" name="Picture 124"/>
+            <p:cNvPicPr>
+              <a:picLocks noChangeAspect="1"/>
+            </p:cNvPicPr>
+            <p:nvPr/>
+          </p:nvPicPr>
+          <p:blipFill>
+            <a:blip r:embed="rId9"/>
+            <a:stretch>
+              <a:fillRect/>
+            </a:stretch>
+          </p:blipFill>
+          <p:spPr>
+            <a:xfrm>
+              <a:off x="6453450" y="2890404"/>
+              <a:ext cx="433821" cy="433821"/>
+            </a:xfrm>
+            <a:prstGeom prst="rect">
+              <a:avLst/>
+            </a:prstGeom>
+          </p:spPr>
+        </p:pic>
+        <p:sp>
+          <p:nvSpPr>
+            <p:cNvPr id="126" name="Rectangle 125"/>
+            <p:cNvSpPr/>
+            <p:nvPr/>
+          </p:nvSpPr>
+          <p:spPr>
+            <a:xfrm>
+              <a:off x="4661736" y="3673378"/>
+              <a:ext cx="2258856" cy="627490"/>
+            </a:xfrm>
+            <a:prstGeom prst="rect">
+              <a:avLst/>
+            </a:prstGeom>
+            <a:solidFill>
+              <a:schemeClr val="accent1"/>
+            </a:solidFill>
+            <a:ln>
+              <a:noFill/>
+            </a:ln>
+          </p:spPr>
+          <p:style>
+            <a:lnRef idx="2">
+              <a:schemeClr val="accent1">
+                <a:shade val="50000"/>
+              </a:schemeClr>
+            </a:lnRef>
+            <a:fillRef idx="1">
+              <a:schemeClr val="accent1"/>
+            </a:fillRef>
+            <a:effectRef idx="0">
+              <a:schemeClr val="accent1"/>
+            </a:effectRef>
+            <a:fontRef idx="minor">
+              <a:schemeClr val="lt1"/>
+            </a:fontRef>
+          </p:style>
+          <p:txBody>
+            <a:bodyPr rtlCol="1" anchor="ctr"/>
+            <a:lstStyle/>
+            <a:p>
+              <a:pPr algn="ctr"/>
+              <a:endParaRPr lang="he-IL"/>
+            </a:p>
+          </p:txBody>
+        </p:sp>
+        <p:pic>
+          <p:nvPicPr>
+            <p:cNvPr id="127" name="Picture 126"/>
+            <p:cNvPicPr>
+              <a:picLocks noChangeAspect="1"/>
+            </p:cNvPicPr>
+            <p:nvPr/>
+          </p:nvPicPr>
+          <p:blipFill>
+            <a:blip r:embed="rId10">
+              <a:extLst>
+                <a:ext uri="{BEBA8EAE-BF5A-486C-A8C5-ECC9F3942E4B}">
+                  <a14:imgProps xmlns:a14="http://schemas.microsoft.com/office/drawing/2010/main">
+                    <a14:imgLayer r:embed="rId11">
+                      <a14:imgEffect>
+                        <a14:backgroundRemoval t="391" b="97070" l="0" r="100000"/>
+                      </a14:imgEffect>
+                    </a14:imgLayer>
+                  </a14:imgProps>
+                </a:ext>
+              </a:extLst>
+            </a:blip>
+            <a:stretch>
+              <a:fillRect/>
+            </a:stretch>
+          </p:blipFill>
+          <p:spPr>
+            <a:xfrm>
+              <a:off x="6354229" y="3747454"/>
+              <a:ext cx="479338" cy="479338"/>
+            </a:xfrm>
+            <a:prstGeom prst="rect">
+              <a:avLst/>
+            </a:prstGeom>
+          </p:spPr>
+        </p:pic>
+        <p:sp>
+          <p:nvSpPr>
+            <p:cNvPr id="129" name="Rectangle 128"/>
+            <p:cNvSpPr/>
+            <p:nvPr/>
+          </p:nvSpPr>
+          <p:spPr>
+            <a:xfrm>
+              <a:off x="4668472" y="4576437"/>
+              <a:ext cx="2258856" cy="627490"/>
+            </a:xfrm>
+            <a:prstGeom prst="rect">
+              <a:avLst/>
+            </a:prstGeom>
+            <a:solidFill>
+              <a:schemeClr val="accent1">
+                <a:lumMod val="50000"/>
+              </a:schemeClr>
+            </a:solidFill>
+            <a:ln>
+              <a:noFill/>
+            </a:ln>
+          </p:spPr>
+          <p:style>
+            <a:lnRef idx="2">
+              <a:schemeClr val="accent1">
+                <a:shade val="50000"/>
+              </a:schemeClr>
+            </a:lnRef>
+            <a:fillRef idx="1">
+              <a:schemeClr val="accent1"/>
+            </a:fillRef>
+            <a:effectRef idx="0">
+              <a:schemeClr val="accent1"/>
+            </a:effectRef>
+            <a:fontRef idx="minor">
+              <a:schemeClr val="lt1"/>
+            </a:fontRef>
+          </p:style>
+          <p:txBody>
+            <a:bodyPr rtlCol="1" anchor="ctr"/>
+            <a:lstStyle/>
+            <a:p>
+              <a:pPr algn="ctr"/>
+              <a:endParaRPr lang="he-IL"/>
+            </a:p>
+          </p:txBody>
+        </p:sp>
+        <p:pic>
+          <p:nvPicPr>
+            <p:cNvPr id="130" name="Picture 129"/>
+            <p:cNvPicPr>
+              <a:picLocks noChangeAspect="1"/>
+            </p:cNvPicPr>
+            <p:nvPr/>
+          </p:nvPicPr>
+          <p:blipFill>
+            <a:blip r:embed="rId12">
+              <a:extLst>
+                <a:ext uri="{BEBA8EAE-BF5A-486C-A8C5-ECC9F3942E4B}">
+                  <a14:imgProps xmlns:a14="http://schemas.microsoft.com/office/drawing/2010/main">
+                    <a14:imgLayer r:embed="rId13">
+                      <a14:imgEffect>
+                        <a14:backgroundRemoval t="391" b="97852" l="0" r="100000">
+                          <a14:foregroundMark x1="14648" y1="20898" x2="14648" y2="20898"/>
+                          <a14:foregroundMark x1="15625" y1="48438" x2="15625" y2="48438"/>
+                        </a14:backgroundRemoval>
+                      </a14:imgEffect>
+                    </a14:imgLayer>
+                  </a14:imgProps>
+                </a:ext>
+              </a:extLst>
+            </a:blip>
+            <a:stretch>
+              <a:fillRect/>
+            </a:stretch>
+          </p:blipFill>
+          <p:spPr>
+            <a:xfrm>
+              <a:off x="6357228" y="4650979"/>
+              <a:ext cx="457905" cy="457905"/>
+            </a:xfrm>
+            <a:prstGeom prst="rect">
+              <a:avLst/>
+            </a:prstGeom>
+          </p:spPr>
+        </p:pic>
+      </p:grpSp>
+      <p:sp>
+        <p:nvSpPr>
+          <p:cNvPr id="131" name="Rectangle 130"/>
+          <p:cNvSpPr/>
+          <p:nvPr/>
+        </p:nvSpPr>
+        <p:spPr>
+          <a:xfrm>
+            <a:off x="4666449" y="1657567"/>
+            <a:ext cx="934251" cy="276007"/>
+          </a:xfrm>
+          <a:prstGeom prst="rect">
+            <a:avLst/>
+          </a:prstGeom>
+          <a:solidFill>
+            <a:srgbClr val="C00000"/>
+          </a:solidFill>
+          <a:ln>
+            <a:noFill/>
+          </a:ln>
+        </p:spPr>
+        <p:style>
+          <a:lnRef idx="2">
+            <a:schemeClr val="accent1">
+              <a:shade val="50000"/>
+            </a:schemeClr>
+          </a:lnRef>
+          <a:fillRef idx="1">
+            <a:schemeClr val="accent1"/>
+          </a:fillRef>
+          <a:effectRef idx="0">
+            <a:schemeClr val="accent1"/>
+          </a:effectRef>
+          <a:fontRef idx="minor">
+            <a:schemeClr val="lt1"/>
+          </a:fontRef>
+        </p:style>
+        <p:txBody>
+          <a:bodyPr rtlCol="1" anchor="ctr"/>
+          <a:lstStyle/>
+          <a:p>
+            <a:r>
+              <a:rPr lang="en-US" sz="1200" dirty="0" smtClean="0">
+                <a:solidFill>
+                  <a:schemeClr val="bg1"/>
+                </a:solidFill>
+                <a:latin typeface="Century Gothic" panose="020B0502020202020204" pitchFamily="34" charset="0"/>
+              </a:rPr>
+              <a:t>Connect</a:t>
+            </a:r>
+            <a:endParaRPr lang="he-IL" sz="1600" dirty="0">
+              <a:solidFill>
+                <a:schemeClr val="bg1"/>
+              </a:solidFill>
+              <a:latin typeface="Century Gothic" panose="020B0502020202020204" pitchFamily="34" charset="0"/>
+            </a:endParaRPr>
+          </a:p>
+        </p:txBody>
+      </p:sp>
     </p:spTree>
     <p:extLst>
       <p:ext uri="{BB962C8B-B14F-4D97-AF65-F5344CB8AC3E}">
@@ -5885,7 +10429,7 @@
 </p:sld>
 </file>
 
-<file path=ppt/slides/slide4.xml><?xml version="1.0" encoding="utf-8"?>
+<file path=ppt/slides/slide5.xml><?xml version="1.0" encoding="utf-8"?>
 <p:sld xmlns:a="http://schemas.openxmlformats.org/drawingml/2006/main" xmlns:r="http://schemas.openxmlformats.org/officeDocument/2006/relationships" xmlns:p="http://schemas.openxmlformats.org/presentationml/2006/main">
   <p:cSld>
     <p:spTree>
@@ -6253,44 +10797,6 @@
           </p:spPr>
         </p:pic>
       </p:grpSp>
-      <p:pic>
-        <p:nvPicPr>
-          <p:cNvPr id="3" name="Picture 2"/>
-          <p:cNvPicPr>
-            <a:picLocks noChangeAspect="1"/>
-          </p:cNvPicPr>
-          <p:nvPr/>
-        </p:nvPicPr>
-        <p:blipFill>
-          <a:blip r:embed="rId7">
-            <a:extLst>
-              <a:ext uri="{BEBA8EAE-BF5A-486C-A8C5-ECC9F3942E4B}">
-                <a14:imgProps xmlns:a14="http://schemas.microsoft.com/office/drawing/2010/main">
-                  <a14:imgLayer r:embed="rId8">
-                    <a14:imgEffect>
-                      <a14:backgroundRemoval t="0" b="100000" l="2344" r="96094">
-                        <a14:foregroundMark x1="51758" y1="96094" x2="51758" y2="96094"/>
-                      </a14:backgroundRemoval>
-                    </a14:imgEffect>
-                  </a14:imgLayer>
-                </a14:imgProps>
-              </a:ext>
-            </a:extLst>
-          </a:blip>
-          <a:stretch>
-            <a:fillRect/>
-          </a:stretch>
-        </p:blipFill>
-        <p:spPr>
-          <a:xfrm>
-            <a:off x="6673470" y="982309"/>
-            <a:ext cx="224356" cy="224356"/>
-          </a:xfrm>
-          <a:prstGeom prst="rect">
-            <a:avLst/>
-          </a:prstGeom>
-        </p:spPr>
-      </p:pic>
       <p:graphicFrame>
         <p:nvGraphicFramePr>
           <p:cNvPr id="6" name="Table 5"/>
@@ -6995,6 +11501,65 @@
           <p:nvPr/>
         </p:nvPicPr>
         <p:blipFill>
+          <a:blip r:embed="rId7" cstate="print">
+            <a:extLst>
+              <a:ext uri="{28A0092B-C50C-407E-A947-70E740481C1C}">
+                <a14:useLocalDpi xmlns:a14="http://schemas.microsoft.com/office/drawing/2010/main" val="0"/>
+              </a:ext>
+            </a:extLst>
+          </a:blip>
+          <a:stretch>
+            <a:fillRect/>
+          </a:stretch>
+        </p:blipFill>
+        <p:spPr>
+          <a:xfrm>
+            <a:off x="7131535" y="1689460"/>
+            <a:ext cx="392293" cy="392293"/>
+          </a:xfrm>
+          <a:prstGeom prst="rect">
+            <a:avLst/>
+          </a:prstGeom>
+        </p:spPr>
+      </p:pic>
+      <p:pic>
+        <p:nvPicPr>
+          <p:cNvPr id="10" name="Picture 9"/>
+          <p:cNvPicPr>
+            <a:picLocks noChangeAspect="1"/>
+          </p:cNvPicPr>
+          <p:nvPr/>
+        </p:nvPicPr>
+        <p:blipFill rotWithShape="1">
+          <a:blip r:embed="rId8" cstate="print">
+            <a:extLst>
+              <a:ext uri="{28A0092B-C50C-407E-A947-70E740481C1C}">
+                <a14:useLocalDpi xmlns:a14="http://schemas.microsoft.com/office/drawing/2010/main" val="0"/>
+              </a:ext>
+            </a:extLst>
+          </a:blip>
+          <a:srcRect r="7419"/>
+          <a:stretch/>
+        </p:blipFill>
+        <p:spPr>
+          <a:xfrm>
+            <a:off x="7126904" y="4182362"/>
+            <a:ext cx="391452" cy="392293"/>
+          </a:xfrm>
+          <a:prstGeom prst="rect">
+            <a:avLst/>
+          </a:prstGeom>
+        </p:spPr>
+      </p:pic>
+      <p:pic>
+        <p:nvPicPr>
+          <p:cNvPr id="24" name="Picture 23"/>
+          <p:cNvPicPr>
+            <a:picLocks noChangeAspect="1"/>
+          </p:cNvPicPr>
+          <p:nvPr/>
+        </p:nvPicPr>
+        <p:blipFill>
           <a:blip r:embed="rId9" cstate="print">
             <a:extLst>
               <a:ext uri="{28A0092B-C50C-407E-A947-70E740481C1C}">
@@ -7008,7 +11573,7 @@
         </p:blipFill>
         <p:spPr>
           <a:xfrm>
-            <a:off x="7131535" y="1689460"/>
+            <a:off x="7129237" y="2523249"/>
             <a:ext cx="392293" cy="392293"/>
           </a:xfrm>
           <a:prstGeom prst="rect">
@@ -7018,13 +11583,13 @@
       </p:pic>
       <p:pic>
         <p:nvPicPr>
-          <p:cNvPr id="10" name="Picture 9"/>
+          <p:cNvPr id="25" name="Picture 24"/>
           <p:cNvPicPr>
             <a:picLocks noChangeAspect="1"/>
           </p:cNvPicPr>
           <p:nvPr/>
         </p:nvPicPr>
-        <p:blipFill rotWithShape="1">
+        <p:blipFill>
           <a:blip r:embed="rId10" cstate="print">
             <a:extLst>
               <a:ext uri="{28A0092B-C50C-407E-A947-70E740481C1C}">
@@ -7032,13 +11597,14 @@
               </a:ext>
             </a:extLst>
           </a:blip>
-          <a:srcRect r="7419"/>
-          <a:stretch/>
+          <a:stretch>
+            <a:fillRect/>
+          </a:stretch>
         </p:blipFill>
         <p:spPr>
           <a:xfrm>
-            <a:off x="7126904" y="4182362"/>
-            <a:ext cx="391452" cy="392293"/>
+            <a:off x="7129237" y="3355591"/>
+            <a:ext cx="392293" cy="392293"/>
           </a:xfrm>
           <a:prstGeom prst="rect">
             <a:avLst/>
@@ -7047,7 +11613,7 @@
       </p:pic>
       <p:pic>
         <p:nvPicPr>
-          <p:cNvPr id="24" name="Picture 23"/>
+          <p:cNvPr id="26" name="Picture 25"/>
           <p:cNvPicPr>
             <a:picLocks noChangeAspect="1"/>
           </p:cNvPicPr>
@@ -7067,66 +11633,6 @@
         </p:blipFill>
         <p:spPr>
           <a:xfrm>
-            <a:off x="7129237" y="2523249"/>
-            <a:ext cx="392293" cy="392293"/>
-          </a:xfrm>
-          <a:prstGeom prst="rect">
-            <a:avLst/>
-          </a:prstGeom>
-        </p:spPr>
-      </p:pic>
-      <p:pic>
-        <p:nvPicPr>
-          <p:cNvPr id="25" name="Picture 24"/>
-          <p:cNvPicPr>
-            <a:picLocks noChangeAspect="1"/>
-          </p:cNvPicPr>
-          <p:nvPr/>
-        </p:nvPicPr>
-        <p:blipFill>
-          <a:blip r:embed="rId12" cstate="print">
-            <a:extLst>
-              <a:ext uri="{28A0092B-C50C-407E-A947-70E740481C1C}">
-                <a14:useLocalDpi xmlns:a14="http://schemas.microsoft.com/office/drawing/2010/main" val="0"/>
-              </a:ext>
-            </a:extLst>
-          </a:blip>
-          <a:stretch>
-            <a:fillRect/>
-          </a:stretch>
-        </p:blipFill>
-        <p:spPr>
-          <a:xfrm>
-            <a:off x="7129237" y="3355591"/>
-            <a:ext cx="392293" cy="392293"/>
-          </a:xfrm>
-          <a:prstGeom prst="rect">
-            <a:avLst/>
-          </a:prstGeom>
-        </p:spPr>
-      </p:pic>
-      <p:pic>
-        <p:nvPicPr>
-          <p:cNvPr id="26" name="Picture 25"/>
-          <p:cNvPicPr>
-            <a:picLocks noChangeAspect="1"/>
-          </p:cNvPicPr>
-          <p:nvPr/>
-        </p:nvPicPr>
-        <p:blipFill>
-          <a:blip r:embed="rId13" cstate="print">
-            <a:extLst>
-              <a:ext uri="{28A0092B-C50C-407E-A947-70E740481C1C}">
-                <a14:useLocalDpi xmlns:a14="http://schemas.microsoft.com/office/drawing/2010/main" val="0"/>
-              </a:ext>
-            </a:extLst>
-          </a:blip>
-          <a:stretch>
-            <a:fillRect/>
-          </a:stretch>
-        </p:blipFill>
-        <p:spPr>
-          <a:xfrm>
             <a:off x="7125003" y="5016876"/>
             <a:ext cx="392293" cy="392293"/>
           </a:xfrm>
@@ -7337,18 +11843,7 @@
                 </a:solidFill>
                 <a:latin typeface="Century Gothic" panose="020B0502020202020204" pitchFamily="34" charset="0"/>
               </a:rPr>
-              <a:t>s looking </a:t>
-            </a:r>
-            <a:r>
-              <a:rPr lang="en-US" sz="1000" dirty="0" smtClean="0">
-                <a:solidFill>
-                  <a:schemeClr val="accent1">
-                    <a:lumMod val="75000"/>
-                  </a:schemeClr>
-                </a:solidFill>
-                <a:latin typeface="Century Gothic" panose="020B0502020202020204" pitchFamily="34" charset="0"/>
-              </a:rPr>
-              <a:t>to pass time</a:t>
+              <a:t>s looking to pass time</a:t>
             </a:r>
             <a:endParaRPr lang="he-IL" sz="1000" dirty="0">
               <a:solidFill>
@@ -7386,25 +11881,13 @@
               <a:rPr lang="en-US" sz="800" dirty="0" smtClean="0">
                 <a:latin typeface="Century Gothic" panose="020B0502020202020204" pitchFamily="34" charset="0"/>
               </a:rPr>
-              <a:t>Hey! How wants to hang out?? I’m</a:t>
-            </a:r>
-            <a:r>
-              <a:rPr lang="en-US" sz="800" dirty="0" smtClean="0">
-                <a:latin typeface="Century Gothic" panose="020B0502020202020204" pitchFamily="34" charset="0"/>
-              </a:rPr>
-              <a:t> in terminal 5 right next to </a:t>
+              <a:t>Hey! How wants to hang out?? I’m in terminal 5 right next to </a:t>
             </a:r>
             <a:r>
               <a:rPr lang="en-US" sz="800" dirty="0" err="1" smtClean="0">
                 <a:latin typeface="Century Gothic" panose="020B0502020202020204" pitchFamily="34" charset="0"/>
               </a:rPr>
-              <a:t>starbuck</a:t>
-            </a:r>
-            <a:r>
-              <a:rPr lang="en-US" sz="800" dirty="0" err="1" smtClean="0">
-                <a:latin typeface="Century Gothic" panose="020B0502020202020204" pitchFamily="34" charset="0"/>
-              </a:rPr>
-              <a:t>s</a:t>
+              <a:t>starbucks</a:t>
             </a:r>
             <a:r>
               <a:rPr lang="en-US" sz="800" dirty="0" smtClean="0">
@@ -7425,7 +11908,7 @@
           <p:nvPr/>
         </p:nvPicPr>
         <p:blipFill>
-          <a:blip r:embed="rId14" cstate="print">
+          <a:blip r:embed="rId12" cstate="print">
             <a:extLst>
               <a:ext uri="{28A0092B-C50C-407E-A947-70E740481C1C}">
                 <a14:useLocalDpi xmlns:a14="http://schemas.microsoft.com/office/drawing/2010/main" val="0"/>
@@ -7466,11 +11949,11 @@
           <p:nvPr/>
         </p:nvPicPr>
         <p:blipFill>
-          <a:blip r:embed="rId15">
+          <a:blip r:embed="rId13">
             <a:extLst>
               <a:ext uri="{BEBA8EAE-BF5A-486C-A8C5-ECC9F3942E4B}">
                 <a14:imgProps xmlns:a14="http://schemas.microsoft.com/office/drawing/2010/main">
-                  <a14:imgLayer r:embed="rId16">
+                  <a14:imgLayer r:embed="rId14">
                     <a14:imgEffect>
                       <a14:backgroundRemoval t="586" b="98438" l="0" r="100000">
                         <a14:foregroundMark x1="49219" y1="40820" x2="49609" y2="46289"/>
@@ -7575,7 +12058,7 @@
           <p:nvPr/>
         </p:nvPicPr>
         <p:blipFill>
-          <a:blip r:embed="rId17"/>
+          <a:blip r:embed="rId15"/>
           <a:stretch>
             <a:fillRect/>
           </a:stretch>
@@ -7670,7 +12153,7 @@
           <p:nvPr/>
         </p:nvPicPr>
         <p:blipFill>
-          <a:blip r:embed="rId18"/>
+          <a:blip r:embed="rId16"/>
           <a:stretch>
             <a:fillRect/>
           </a:stretch>
@@ -7694,11 +12177,11 @@
           <p:nvPr/>
         </p:nvPicPr>
         <p:blipFill>
-          <a:blip r:embed="rId19">
+          <a:blip r:embed="rId17">
             <a:extLst>
               <a:ext uri="{BEBA8EAE-BF5A-486C-A8C5-ECC9F3942E4B}">
                 <a14:imgProps xmlns:a14="http://schemas.microsoft.com/office/drawing/2010/main">
-                  <a14:imgLayer r:embed="rId20">
+                  <a14:imgLayer r:embed="rId18">
                     <a14:imgEffect>
                       <a14:backgroundRemoval t="0" b="100000" l="9375" r="89844">
                         <a14:foregroundMark x1="21680" y1="29883" x2="21680" y2="29883"/>
@@ -7849,18 +12332,7 @@
                 </a:solidFill>
                 <a:latin typeface="Century Gothic" panose="020B0502020202020204" pitchFamily="34" charset="0"/>
               </a:rPr>
-              <a:t>ooking </a:t>
-            </a:r>
-            <a:r>
-              <a:rPr lang="en-US" sz="1000" dirty="0" smtClean="0">
-                <a:solidFill>
-                  <a:schemeClr val="accent1">
-                    <a:lumMod val="75000"/>
-                  </a:schemeClr>
-                </a:solidFill>
-                <a:latin typeface="Century Gothic" panose="020B0502020202020204" pitchFamily="34" charset="0"/>
-              </a:rPr>
-              <a:t>to pass time</a:t>
+              <a:t>ooking to pass time</a:t>
             </a:r>
             <a:endParaRPr lang="he-IL" sz="1000" dirty="0">
               <a:solidFill>
@@ -8134,11 +12606,11 @@
             <p:nvPr/>
           </p:nvPicPr>
           <p:blipFill>
-            <a:blip r:embed="rId15">
+            <a:blip r:embed="rId13">
               <a:extLst>
                 <a:ext uri="{BEBA8EAE-BF5A-486C-A8C5-ECC9F3942E4B}">
                   <a14:imgProps xmlns:a14="http://schemas.microsoft.com/office/drawing/2010/main">
-                    <a14:imgLayer r:embed="rId16">
+                    <a14:imgLayer r:embed="rId14">
                       <a14:imgEffect>
                         <a14:backgroundRemoval t="586" b="98438" l="0" r="100000">
                           <a14:foregroundMark x1="49219" y1="40820" x2="49609" y2="46289"/>
@@ -8218,7 +12690,7 @@
             <p:nvPr/>
           </p:nvPicPr>
           <p:blipFill>
-            <a:blip r:embed="rId21"/>
+            <a:blip r:embed="rId19"/>
             <a:stretch>
               <a:fillRect/>
             </a:stretch>
@@ -8338,6 +12810,30 @@
           </a:p>
         </p:txBody>
       </p:sp>
+      <p:pic>
+        <p:nvPicPr>
+          <p:cNvPr id="50" name="Picture 49"/>
+          <p:cNvPicPr>
+            <a:picLocks noChangeAspect="1"/>
+          </p:cNvPicPr>
+          <p:nvPr/>
+        </p:nvPicPr>
+        <p:blipFill>
+          <a:blip r:embed="rId20"/>
+          <a:stretch>
+            <a:fillRect/>
+          </a:stretch>
+        </p:blipFill>
+        <p:spPr>
+          <a:xfrm>
+            <a:off x="6662105" y="965126"/>
+            <a:ext cx="249413" cy="249413"/>
+          </a:xfrm>
+          <a:prstGeom prst="rect">
+            <a:avLst/>
+          </a:prstGeom>
+        </p:spPr>
+      </p:pic>
     </p:spTree>
     <p:extLst>
       <p:ext uri="{BB962C8B-B14F-4D97-AF65-F5344CB8AC3E}">
@@ -8348,13 +12844,13 @@
   <p:clrMapOvr>
     <a:masterClrMapping/>
   </p:clrMapOvr>
-  <mc:AlternateContent xmlns:mc="http://schemas.openxmlformats.org/markup-compatibility/2006">
-    <mc:Choice xmlns:p14="http://schemas.microsoft.com/office/powerpoint/2010/main" Requires="p14">
+  <mc:AlternateContent xmlns:mc="http://schemas.openxmlformats.org/markup-compatibility/2006" xmlns:p14="http://schemas.microsoft.com/office/powerpoint/2010/main">
+    <mc:Choice Requires="p14">
       <p:transition spd="med" p14:dur="700">
         <p:fade/>
       </p:transition>
     </mc:Choice>
-    <mc:Fallback>
+    <mc:Fallback xmlns="">
       <p:transition spd="med">
         <p:fade/>
       </p:transition>
@@ -8370,7 +12866,7 @@
 </p:sld>
 </file>
 
-<file path=ppt/slides/slide5.xml><?xml version="1.0" encoding="utf-8"?>
+<file path=ppt/slides/slide6.xml><?xml version="1.0" encoding="utf-8"?>
 <p:sld xmlns:a="http://schemas.openxmlformats.org/drawingml/2006/main" xmlns:r="http://schemas.openxmlformats.org/officeDocument/2006/relationships" xmlns:p="http://schemas.openxmlformats.org/presentationml/2006/main">
   <p:cSld>
     <p:spTree>
@@ -8738,44 +13234,6 @@
           </p:spPr>
         </p:pic>
       </p:grpSp>
-      <p:pic>
-        <p:nvPicPr>
-          <p:cNvPr id="3" name="Picture 2"/>
-          <p:cNvPicPr>
-            <a:picLocks noChangeAspect="1"/>
-          </p:cNvPicPr>
-          <p:nvPr/>
-        </p:nvPicPr>
-        <p:blipFill>
-          <a:blip r:embed="rId7">
-            <a:extLst>
-              <a:ext uri="{BEBA8EAE-BF5A-486C-A8C5-ECC9F3942E4B}">
-                <a14:imgProps xmlns:a14="http://schemas.microsoft.com/office/drawing/2010/main">
-                  <a14:imgLayer r:embed="rId8">
-                    <a14:imgEffect>
-                      <a14:backgroundRemoval t="0" b="100000" l="2344" r="96094">
-                        <a14:foregroundMark x1="51758" y1="96094" x2="51758" y2="96094"/>
-                      </a14:backgroundRemoval>
-                    </a14:imgEffect>
-                  </a14:imgLayer>
-                </a14:imgProps>
-              </a:ext>
-            </a:extLst>
-          </a:blip>
-          <a:stretch>
-            <a:fillRect/>
-          </a:stretch>
-        </p:blipFill>
-        <p:spPr>
-          <a:xfrm>
-            <a:off x="6673470" y="982309"/>
-            <a:ext cx="224356" cy="224356"/>
-          </a:xfrm>
-          <a:prstGeom prst="rect">
-            <a:avLst/>
-          </a:prstGeom>
-        </p:spPr>
-      </p:pic>
       <p:graphicFrame>
         <p:nvGraphicFramePr>
           <p:cNvPr id="6" name="Table 5"/>
@@ -9480,6 +13938,65 @@
           <p:nvPr/>
         </p:nvPicPr>
         <p:blipFill>
+          <a:blip r:embed="rId7" cstate="print">
+            <a:extLst>
+              <a:ext uri="{28A0092B-C50C-407E-A947-70E740481C1C}">
+                <a14:useLocalDpi xmlns:a14="http://schemas.microsoft.com/office/drawing/2010/main" val="0"/>
+              </a:ext>
+            </a:extLst>
+          </a:blip>
+          <a:stretch>
+            <a:fillRect/>
+          </a:stretch>
+        </p:blipFill>
+        <p:spPr>
+          <a:xfrm>
+            <a:off x="7131535" y="1689460"/>
+            <a:ext cx="392293" cy="392293"/>
+          </a:xfrm>
+          <a:prstGeom prst="rect">
+            <a:avLst/>
+          </a:prstGeom>
+        </p:spPr>
+      </p:pic>
+      <p:pic>
+        <p:nvPicPr>
+          <p:cNvPr id="10" name="Picture 9"/>
+          <p:cNvPicPr>
+            <a:picLocks noChangeAspect="1"/>
+          </p:cNvPicPr>
+          <p:nvPr/>
+        </p:nvPicPr>
+        <p:blipFill rotWithShape="1">
+          <a:blip r:embed="rId8" cstate="print">
+            <a:extLst>
+              <a:ext uri="{28A0092B-C50C-407E-A947-70E740481C1C}">
+                <a14:useLocalDpi xmlns:a14="http://schemas.microsoft.com/office/drawing/2010/main" val="0"/>
+              </a:ext>
+            </a:extLst>
+          </a:blip>
+          <a:srcRect r="7419"/>
+          <a:stretch/>
+        </p:blipFill>
+        <p:spPr>
+          <a:xfrm>
+            <a:off x="7126904" y="4182362"/>
+            <a:ext cx="391452" cy="392293"/>
+          </a:xfrm>
+          <a:prstGeom prst="rect">
+            <a:avLst/>
+          </a:prstGeom>
+        </p:spPr>
+      </p:pic>
+      <p:pic>
+        <p:nvPicPr>
+          <p:cNvPr id="24" name="Picture 23"/>
+          <p:cNvPicPr>
+            <a:picLocks noChangeAspect="1"/>
+          </p:cNvPicPr>
+          <p:nvPr/>
+        </p:nvPicPr>
+        <p:blipFill>
           <a:blip r:embed="rId9" cstate="print">
             <a:extLst>
               <a:ext uri="{28A0092B-C50C-407E-A947-70E740481C1C}">
@@ -9493,7 +14010,7 @@
         </p:blipFill>
         <p:spPr>
           <a:xfrm>
-            <a:off x="7131535" y="1689460"/>
+            <a:off x="7129237" y="2523249"/>
             <a:ext cx="392293" cy="392293"/>
           </a:xfrm>
           <a:prstGeom prst="rect">
@@ -9503,13 +14020,13 @@
       </p:pic>
       <p:pic>
         <p:nvPicPr>
-          <p:cNvPr id="10" name="Picture 9"/>
+          <p:cNvPr id="25" name="Picture 24"/>
           <p:cNvPicPr>
             <a:picLocks noChangeAspect="1"/>
           </p:cNvPicPr>
           <p:nvPr/>
         </p:nvPicPr>
-        <p:blipFill rotWithShape="1">
+        <p:blipFill>
           <a:blip r:embed="rId10" cstate="print">
             <a:extLst>
               <a:ext uri="{28A0092B-C50C-407E-A947-70E740481C1C}">
@@ -9517,13 +14034,14 @@
               </a:ext>
             </a:extLst>
           </a:blip>
-          <a:srcRect r="7419"/>
-          <a:stretch/>
+          <a:stretch>
+            <a:fillRect/>
+          </a:stretch>
         </p:blipFill>
         <p:spPr>
           <a:xfrm>
-            <a:off x="7126904" y="4182362"/>
-            <a:ext cx="391452" cy="392293"/>
+            <a:off x="7129237" y="3355591"/>
+            <a:ext cx="392293" cy="392293"/>
           </a:xfrm>
           <a:prstGeom prst="rect">
             <a:avLst/>
@@ -9532,7 +14050,7 @@
       </p:pic>
       <p:pic>
         <p:nvPicPr>
-          <p:cNvPr id="24" name="Picture 23"/>
+          <p:cNvPr id="26" name="Picture 25"/>
           <p:cNvPicPr>
             <a:picLocks noChangeAspect="1"/>
           </p:cNvPicPr>
@@ -9552,66 +14070,6 @@
         </p:blipFill>
         <p:spPr>
           <a:xfrm>
-            <a:off x="7129237" y="2523249"/>
-            <a:ext cx="392293" cy="392293"/>
-          </a:xfrm>
-          <a:prstGeom prst="rect">
-            <a:avLst/>
-          </a:prstGeom>
-        </p:spPr>
-      </p:pic>
-      <p:pic>
-        <p:nvPicPr>
-          <p:cNvPr id="25" name="Picture 24"/>
-          <p:cNvPicPr>
-            <a:picLocks noChangeAspect="1"/>
-          </p:cNvPicPr>
-          <p:nvPr/>
-        </p:nvPicPr>
-        <p:blipFill>
-          <a:blip r:embed="rId12" cstate="print">
-            <a:extLst>
-              <a:ext uri="{28A0092B-C50C-407E-A947-70E740481C1C}">
-                <a14:useLocalDpi xmlns:a14="http://schemas.microsoft.com/office/drawing/2010/main" val="0"/>
-              </a:ext>
-            </a:extLst>
-          </a:blip>
-          <a:stretch>
-            <a:fillRect/>
-          </a:stretch>
-        </p:blipFill>
-        <p:spPr>
-          <a:xfrm>
-            <a:off x="7129237" y="3355591"/>
-            <a:ext cx="392293" cy="392293"/>
-          </a:xfrm>
-          <a:prstGeom prst="rect">
-            <a:avLst/>
-          </a:prstGeom>
-        </p:spPr>
-      </p:pic>
-      <p:pic>
-        <p:nvPicPr>
-          <p:cNvPr id="26" name="Picture 25"/>
-          <p:cNvPicPr>
-            <a:picLocks noChangeAspect="1"/>
-          </p:cNvPicPr>
-          <p:nvPr/>
-        </p:nvPicPr>
-        <p:blipFill>
-          <a:blip r:embed="rId13" cstate="print">
-            <a:extLst>
-              <a:ext uri="{28A0092B-C50C-407E-A947-70E740481C1C}">
-                <a14:useLocalDpi xmlns:a14="http://schemas.microsoft.com/office/drawing/2010/main" val="0"/>
-              </a:ext>
-            </a:extLst>
-          </a:blip>
-          <a:stretch>
-            <a:fillRect/>
-          </a:stretch>
-        </p:blipFill>
-        <p:spPr>
-          <a:xfrm>
             <a:off x="7125003" y="5016876"/>
             <a:ext cx="392293" cy="392293"/>
           </a:xfrm>
@@ -9822,18 +14280,7 @@
                 </a:solidFill>
                 <a:latin typeface="Century Gothic" panose="020B0502020202020204" pitchFamily="34" charset="0"/>
               </a:rPr>
-              <a:t>s looking </a:t>
-            </a:r>
-            <a:r>
-              <a:rPr lang="en-US" sz="1000" dirty="0" smtClean="0">
-                <a:solidFill>
-                  <a:schemeClr val="accent1">
-                    <a:lumMod val="75000"/>
-                  </a:schemeClr>
-                </a:solidFill>
-                <a:latin typeface="Century Gothic" panose="020B0502020202020204" pitchFamily="34" charset="0"/>
-              </a:rPr>
-              <a:t>to pass time</a:t>
+              <a:t>s looking to pass time</a:t>
             </a:r>
             <a:endParaRPr lang="he-IL" sz="1000" dirty="0">
               <a:solidFill>
@@ -9871,25 +14318,13 @@
               <a:rPr lang="en-US" sz="800" dirty="0" smtClean="0">
                 <a:latin typeface="Century Gothic" panose="020B0502020202020204" pitchFamily="34" charset="0"/>
               </a:rPr>
-              <a:t>Hey! How wants to hang out?? I’m</a:t>
-            </a:r>
-            <a:r>
-              <a:rPr lang="en-US" sz="800" dirty="0" smtClean="0">
-                <a:latin typeface="Century Gothic" panose="020B0502020202020204" pitchFamily="34" charset="0"/>
-              </a:rPr>
-              <a:t> in terminal 5 right next to </a:t>
+              <a:t>Hey! How wants to hang out?? I’m in terminal 5 right next to </a:t>
             </a:r>
             <a:r>
               <a:rPr lang="en-US" sz="800" dirty="0" err="1" smtClean="0">
                 <a:latin typeface="Century Gothic" panose="020B0502020202020204" pitchFamily="34" charset="0"/>
               </a:rPr>
-              <a:t>starbuck</a:t>
-            </a:r>
-            <a:r>
-              <a:rPr lang="en-US" sz="800" dirty="0" err="1" smtClean="0">
-                <a:latin typeface="Century Gothic" panose="020B0502020202020204" pitchFamily="34" charset="0"/>
-              </a:rPr>
-              <a:t>s</a:t>
+              <a:t>starbucks</a:t>
             </a:r>
             <a:r>
               <a:rPr lang="en-US" sz="800" dirty="0" smtClean="0">
@@ -9910,7 +14345,7 @@
           <p:nvPr/>
         </p:nvPicPr>
         <p:blipFill>
-          <a:blip r:embed="rId14" cstate="print">
+          <a:blip r:embed="rId12" cstate="print">
             <a:extLst>
               <a:ext uri="{28A0092B-C50C-407E-A947-70E740481C1C}">
                 <a14:useLocalDpi xmlns:a14="http://schemas.microsoft.com/office/drawing/2010/main" val="0"/>
@@ -9951,11 +14386,11 @@
           <p:nvPr/>
         </p:nvPicPr>
         <p:blipFill>
-          <a:blip r:embed="rId15">
+          <a:blip r:embed="rId13">
             <a:extLst>
               <a:ext uri="{BEBA8EAE-BF5A-486C-A8C5-ECC9F3942E4B}">
                 <a14:imgProps xmlns:a14="http://schemas.microsoft.com/office/drawing/2010/main">
-                  <a14:imgLayer r:embed="rId16">
+                  <a14:imgLayer r:embed="rId14">
                     <a14:imgEffect>
                       <a14:backgroundRemoval t="586" b="98438" l="0" r="100000">
                         <a14:foregroundMark x1="49219" y1="40820" x2="49609" y2="46289"/>
@@ -10060,7 +14495,7 @@
           <p:nvPr/>
         </p:nvPicPr>
         <p:blipFill>
-          <a:blip r:embed="rId17"/>
+          <a:blip r:embed="rId15"/>
           <a:stretch>
             <a:fillRect/>
           </a:stretch>
@@ -10155,7 +14590,7 @@
           <p:nvPr/>
         </p:nvPicPr>
         <p:blipFill>
-          <a:blip r:embed="rId18"/>
+          <a:blip r:embed="rId16"/>
           <a:stretch>
             <a:fillRect/>
           </a:stretch>
@@ -10179,11 +14614,11 @@
           <p:nvPr/>
         </p:nvPicPr>
         <p:blipFill>
-          <a:blip r:embed="rId19">
+          <a:blip r:embed="rId17">
             <a:extLst>
               <a:ext uri="{BEBA8EAE-BF5A-486C-A8C5-ECC9F3942E4B}">
                 <a14:imgProps xmlns:a14="http://schemas.microsoft.com/office/drawing/2010/main">
-                  <a14:imgLayer r:embed="rId20">
+                  <a14:imgLayer r:embed="rId18">
                     <a14:imgEffect>
                       <a14:backgroundRemoval t="0" b="100000" l="9375" r="89844">
                         <a14:foregroundMark x1="21680" y1="29883" x2="21680" y2="29883"/>
@@ -10334,18 +14769,7 @@
                 </a:solidFill>
                 <a:latin typeface="Century Gothic" panose="020B0502020202020204" pitchFamily="34" charset="0"/>
               </a:rPr>
-              <a:t>ooking </a:t>
-            </a:r>
-            <a:r>
-              <a:rPr lang="en-US" sz="1000" dirty="0" smtClean="0">
-                <a:solidFill>
-                  <a:schemeClr val="accent1">
-                    <a:lumMod val="75000"/>
-                  </a:schemeClr>
-                </a:solidFill>
-                <a:latin typeface="Century Gothic" panose="020B0502020202020204" pitchFamily="34" charset="0"/>
-              </a:rPr>
-              <a:t>to pass time</a:t>
+              <a:t>ooking to pass time</a:t>
             </a:r>
             <a:endParaRPr lang="he-IL" sz="1000" dirty="0">
               <a:solidFill>
@@ -10619,11 +15043,11 @@
             <p:nvPr/>
           </p:nvPicPr>
           <p:blipFill>
-            <a:blip r:embed="rId15">
+            <a:blip r:embed="rId13">
               <a:extLst>
                 <a:ext uri="{BEBA8EAE-BF5A-486C-A8C5-ECC9F3942E4B}">
                   <a14:imgProps xmlns:a14="http://schemas.microsoft.com/office/drawing/2010/main">
-                    <a14:imgLayer r:embed="rId16">
+                    <a14:imgLayer r:embed="rId14">
                       <a14:imgEffect>
                         <a14:backgroundRemoval t="586" b="98438" l="0" r="100000">
                           <a14:foregroundMark x1="49219" y1="40820" x2="49609" y2="46289"/>
@@ -10703,7 +15127,7 @@
             <p:nvPr/>
           </p:nvPicPr>
           <p:blipFill>
-            <a:blip r:embed="rId21"/>
+            <a:blip r:embed="rId19"/>
             <a:stretch>
               <a:fillRect/>
             </a:stretch>
@@ -10880,11 +15304,11 @@
           <p:nvPr/>
         </p:nvPicPr>
         <p:blipFill>
-          <a:blip r:embed="rId22">
+          <a:blip r:embed="rId20">
             <a:extLst>
               <a:ext uri="{BEBA8EAE-BF5A-486C-A8C5-ECC9F3942E4B}">
                 <a14:imgProps xmlns:a14="http://schemas.microsoft.com/office/drawing/2010/main">
-                  <a14:imgLayer r:embed="rId23">
+                  <a14:imgLayer r:embed="rId21">
                     <a14:imgEffect>
                       <a14:backgroundRemoval t="0" b="100000" l="0" r="100000"/>
                     </a14:imgEffect>
@@ -10907,6 +15331,30 @@
           </a:prstGeom>
         </p:spPr>
       </p:pic>
+      <p:pic>
+        <p:nvPicPr>
+          <p:cNvPr id="52" name="Picture 51"/>
+          <p:cNvPicPr>
+            <a:picLocks noChangeAspect="1"/>
+          </p:cNvPicPr>
+          <p:nvPr/>
+        </p:nvPicPr>
+        <p:blipFill>
+          <a:blip r:embed="rId22"/>
+          <a:stretch>
+            <a:fillRect/>
+          </a:stretch>
+        </p:blipFill>
+        <p:spPr>
+          <a:xfrm>
+            <a:off x="6662105" y="965126"/>
+            <a:ext cx="249413" cy="249413"/>
+          </a:xfrm>
+          <a:prstGeom prst="rect">
+            <a:avLst/>
+          </a:prstGeom>
+        </p:spPr>
+      </p:pic>
     </p:spTree>
     <p:extLst>
       <p:ext uri="{BB962C8B-B14F-4D97-AF65-F5344CB8AC3E}">
@@ -10917,13 +15365,13 @@
   <p:clrMapOvr>
     <a:masterClrMapping/>
   </p:clrMapOvr>
-  <mc:AlternateContent xmlns:mc="http://schemas.openxmlformats.org/markup-compatibility/2006">
-    <mc:Choice xmlns:p14="http://schemas.microsoft.com/office/powerpoint/2010/main" Requires="p14">
+  <mc:AlternateContent xmlns:mc="http://schemas.openxmlformats.org/markup-compatibility/2006" xmlns:p14="http://schemas.microsoft.com/office/powerpoint/2010/main">
+    <mc:Choice Requires="p14">
       <p:transition spd="med" p14:dur="700">
         <p:fade/>
       </p:transition>
     </mc:Choice>
-    <mc:Fallback>
+    <mc:Fallback xmlns="">
       <p:transition spd="med">
         <p:fade/>
       </p:transition>
@@ -10939,7 +15387,7 @@
 </p:sld>
 </file>
 
-<file path=ppt/slides/slide6.xml><?xml version="1.0" encoding="utf-8"?>
+<file path=ppt/slides/slide7.xml><?xml version="1.0" encoding="utf-8"?>
 <p:sld xmlns:a="http://schemas.openxmlformats.org/drawingml/2006/main" xmlns:r="http://schemas.openxmlformats.org/officeDocument/2006/relationships" xmlns:p="http://schemas.openxmlformats.org/presentationml/2006/main">
   <p:cSld>
     <p:spTree>
@@ -11307,44 +15755,6 @@
           </p:spPr>
         </p:pic>
       </p:grpSp>
-      <p:pic>
-        <p:nvPicPr>
-          <p:cNvPr id="3" name="Picture 2"/>
-          <p:cNvPicPr>
-            <a:picLocks noChangeAspect="1"/>
-          </p:cNvPicPr>
-          <p:nvPr/>
-        </p:nvPicPr>
-        <p:blipFill>
-          <a:blip r:embed="rId7">
-            <a:extLst>
-              <a:ext uri="{BEBA8EAE-BF5A-486C-A8C5-ECC9F3942E4B}">
-                <a14:imgProps xmlns:a14="http://schemas.microsoft.com/office/drawing/2010/main">
-                  <a14:imgLayer r:embed="rId8">
-                    <a14:imgEffect>
-                      <a14:backgroundRemoval t="0" b="100000" l="2344" r="96094">
-                        <a14:foregroundMark x1="51758" y1="96094" x2="51758" y2="96094"/>
-                      </a14:backgroundRemoval>
-                    </a14:imgEffect>
-                  </a14:imgLayer>
-                </a14:imgProps>
-              </a:ext>
-            </a:extLst>
-          </a:blip>
-          <a:stretch>
-            <a:fillRect/>
-          </a:stretch>
-        </p:blipFill>
-        <p:spPr>
-          <a:xfrm>
-            <a:off x="6673470" y="982309"/>
-            <a:ext cx="224356" cy="224356"/>
-          </a:xfrm>
-          <a:prstGeom prst="rect">
-            <a:avLst/>
-          </a:prstGeom>
-        </p:spPr>
-      </p:pic>
       <p:graphicFrame>
         <p:nvGraphicFramePr>
           <p:cNvPr id="6" name="Table 5"/>
@@ -12063,7 +16473,7 @@
             <p:nvPr/>
           </p:nvPicPr>
           <p:blipFill>
-            <a:blip r:embed="rId9" cstate="print">
+            <a:blip r:embed="rId7" cstate="print">
               <a:extLst>
                 <a:ext uri="{28A0092B-C50C-407E-A947-70E740481C1C}">
                   <a14:useLocalDpi xmlns:a14="http://schemas.microsoft.com/office/drawing/2010/main" val="0"/>
@@ -12140,7 +16550,7 @@
             <p:nvPr/>
           </p:nvPicPr>
           <p:blipFill>
-            <a:blip r:embed="rId10" cstate="print">
+            <a:blip r:embed="rId8" cstate="print">
               <a:extLst>
                 <a:ext uri="{28A0092B-C50C-407E-A947-70E740481C1C}">
                   <a14:useLocalDpi xmlns:a14="http://schemas.microsoft.com/office/drawing/2010/main" val="0"/>
@@ -12246,7 +16656,7 @@
           <p:nvPr/>
         </p:nvPicPr>
         <p:blipFill>
-          <a:blip r:embed="rId11" cstate="print">
+          <a:blip r:embed="rId9" cstate="print">
             <a:extLst>
               <a:ext uri="{28A0092B-C50C-407E-A947-70E740481C1C}">
                 <a14:useLocalDpi xmlns:a14="http://schemas.microsoft.com/office/drawing/2010/main" val="0"/>
@@ -12447,7 +16857,7 @@
           <p:nvPr/>
         </p:nvPicPr>
         <p:blipFill>
-          <a:blip r:embed="rId12"/>
+          <a:blip r:embed="rId10"/>
           <a:stretch>
             <a:fillRect/>
           </a:stretch>
@@ -12471,7 +16881,7 @@
           <p:nvPr/>
         </p:nvPicPr>
         <p:blipFill>
-          <a:blip r:embed="rId13" cstate="print">
+          <a:blip r:embed="rId11" cstate="print">
             <a:extLst>
               <a:ext uri="{28A0092B-C50C-407E-A947-70E740481C1C}">
                 <a14:useLocalDpi xmlns:a14="http://schemas.microsoft.com/office/drawing/2010/main" val="0"/>
@@ -12501,7 +16911,7 @@
           <p:nvPr/>
         </p:nvPicPr>
         <p:blipFill>
-          <a:blip r:embed="rId14" cstate="print">
+          <a:blip r:embed="rId12" cstate="print">
             <a:extLst>
               <a:ext uri="{28A0092B-C50C-407E-A947-70E740481C1C}">
                 <a14:useLocalDpi xmlns:a14="http://schemas.microsoft.com/office/drawing/2010/main" val="0"/>
@@ -12653,7 +17063,7 @@
             <p:nvPr/>
           </p:nvPicPr>
           <p:blipFill rotWithShape="1">
-            <a:blip r:embed="rId15" cstate="print">
+            <a:blip r:embed="rId13" cstate="print">
               <a:extLst>
                 <a:ext uri="{28A0092B-C50C-407E-A947-70E740481C1C}">
                   <a14:useLocalDpi xmlns:a14="http://schemas.microsoft.com/office/drawing/2010/main" val="0"/>
@@ -12683,7 +17093,7 @@
           <p:nvPr/>
         </p:nvPicPr>
         <p:blipFill>
-          <a:blip r:embed="rId16"/>
+          <a:blip r:embed="rId14"/>
           <a:stretch>
             <a:fillRect/>
           </a:stretch>
@@ -12750,7 +17160,7 @@
           <p:nvPr/>
         </p:nvPicPr>
         <p:blipFill>
-          <a:blip r:embed="rId12"/>
+          <a:blip r:embed="rId10"/>
           <a:stretch>
             <a:fillRect/>
           </a:stretch>
@@ -12852,7 +17262,7 @@
           <p:nvPr/>
         </p:nvPicPr>
         <p:blipFill>
-          <a:blip r:embed="rId17"/>
+          <a:blip r:embed="rId15"/>
           <a:stretch>
             <a:fillRect/>
           </a:stretch>
@@ -12954,7 +17364,7 @@
           <p:nvPr/>
         </p:nvPicPr>
         <p:blipFill>
-          <a:blip r:embed="rId17"/>
+          <a:blip r:embed="rId15"/>
           <a:stretch>
             <a:fillRect/>
           </a:stretch>
@@ -13078,11 +17488,11 @@
           <p:nvPr/>
         </p:nvPicPr>
         <p:blipFill>
-          <a:blip r:embed="rId18">
+          <a:blip r:embed="rId16">
             <a:extLst>
               <a:ext uri="{BEBA8EAE-BF5A-486C-A8C5-ECC9F3942E4B}">
                 <a14:imgProps xmlns:a14="http://schemas.microsoft.com/office/drawing/2010/main">
-                  <a14:imgLayer r:embed="rId19">
+                  <a14:imgLayer r:embed="rId17">
                     <a14:imgEffect>
                       <a14:backgroundRemoval t="9961" b="89844" l="0" r="100000">
                         <a14:foregroundMark x1="1953" y1="55469" x2="1953" y2="55469"/>
@@ -13117,7 +17527,7 @@
           <p:nvPr/>
         </p:nvPicPr>
         <p:blipFill>
-          <a:blip r:embed="rId17"/>
+          <a:blip r:embed="rId15"/>
           <a:stretch>
             <a:fillRect/>
           </a:stretch>
@@ -13141,7 +17551,7 @@
           <p:nvPr/>
         </p:nvPicPr>
         <p:blipFill>
-          <a:blip r:embed="rId16"/>
+          <a:blip r:embed="rId14"/>
           <a:stretch>
             <a:fillRect/>
           </a:stretch>
@@ -13165,11 +17575,11 @@
           <p:nvPr/>
         </p:nvPicPr>
         <p:blipFill>
-          <a:blip r:embed="rId20">
+          <a:blip r:embed="rId18">
             <a:extLst>
               <a:ext uri="{BEBA8EAE-BF5A-486C-A8C5-ECC9F3942E4B}">
                 <a14:imgProps xmlns:a14="http://schemas.microsoft.com/office/drawing/2010/main">
-                  <a14:imgLayer r:embed="rId21">
+                  <a14:imgLayer r:embed="rId19">
                     <a14:imgEffect>
                       <a14:backgroundRemoval t="1758" b="97852" l="0" r="100000"/>
                     </a14:imgEffect>
@@ -13201,11 +17611,11 @@
           <p:nvPr/>
         </p:nvPicPr>
         <p:blipFill>
-          <a:blip r:embed="rId22">
+          <a:blip r:embed="rId20">
             <a:extLst>
               <a:ext uri="{BEBA8EAE-BF5A-486C-A8C5-ECC9F3942E4B}">
                 <a14:imgProps xmlns:a14="http://schemas.microsoft.com/office/drawing/2010/main">
-                  <a14:imgLayer r:embed="rId23">
+                  <a14:imgLayer r:embed="rId21">
                     <a14:imgEffect>
                       <a14:backgroundRemoval t="0" b="100000" l="2344" r="96289">
                         <a14:foregroundMark x1="49805" y1="29492" x2="49805" y2="29492"/>
@@ -13240,11 +17650,11 @@
           <p:nvPr/>
         </p:nvPicPr>
         <p:blipFill>
-          <a:blip r:embed="rId24">
+          <a:blip r:embed="rId22">
             <a:extLst>
               <a:ext uri="{BEBA8EAE-BF5A-486C-A8C5-ECC9F3942E4B}">
                 <a14:imgProps xmlns:a14="http://schemas.microsoft.com/office/drawing/2010/main">
-                  <a14:imgLayer r:embed="rId25">
+                  <a14:imgLayer r:embed="rId23">
                     <a14:imgEffect>
                       <a14:backgroundRemoval t="9961" b="89844" l="0" r="100000">
                         <a14:foregroundMark x1="27148" y1="73242" x2="27148" y2="73242"/>
@@ -13318,7 +17728,7 @@
           <p:nvPr/>
         </p:nvPicPr>
         <p:blipFill>
-          <a:blip r:embed="rId17"/>
+          <a:blip r:embed="rId15"/>
           <a:stretch>
             <a:fillRect/>
           </a:stretch>
@@ -13342,11 +17752,11 @@
           <p:nvPr/>
         </p:nvPicPr>
         <p:blipFill>
-          <a:blip r:embed="rId26">
+          <a:blip r:embed="rId24">
             <a:extLst>
               <a:ext uri="{BEBA8EAE-BF5A-486C-A8C5-ECC9F3942E4B}">
                 <a14:imgProps xmlns:a14="http://schemas.microsoft.com/office/drawing/2010/main">
-                  <a14:imgLayer r:embed="rId27">
+                  <a14:imgLayer r:embed="rId25">
                     <a14:imgEffect>
                       <a14:backgroundRemoval t="1172" b="100000" l="0" r="100000"/>
                     </a14:imgEffect>
@@ -13398,7 +17808,7 @@
                 </a:solidFill>
                 <a:latin typeface="Century Gothic" panose="020B0502020202020204" pitchFamily="34" charset="0"/>
               </a:rPr>
-              <a:t>8 hours until flight!</a:t>
+              <a:t>8 hours wait!</a:t>
             </a:r>
             <a:endParaRPr lang="he-IL" sz="800" dirty="0">
               <a:solidFill>
@@ -13446,7 +17856,16 @@
                 </a:solidFill>
                 <a:latin typeface="Century Gothic" panose="020B0502020202020204" pitchFamily="34" charset="0"/>
               </a:rPr>
-              <a:t>hours until flight!</a:t>
+              <a:t>hours wait</a:t>
+            </a:r>
+            <a:r>
+              <a:rPr lang="en-US" sz="800" dirty="0" smtClean="0">
+                <a:solidFill>
+                  <a:srgbClr val="C00000"/>
+                </a:solidFill>
+                <a:latin typeface="Century Gothic" panose="020B0502020202020204" pitchFamily="34" charset="0"/>
+              </a:rPr>
+              <a:t>!</a:t>
             </a:r>
             <a:endParaRPr lang="he-IL" sz="800" dirty="0">
               <a:solidFill>
@@ -13494,7 +17913,16 @@
                 </a:solidFill>
                 <a:latin typeface="Century Gothic" panose="020B0502020202020204" pitchFamily="34" charset="0"/>
               </a:rPr>
-              <a:t>hours until flight!</a:t>
+              <a:t>hours wait</a:t>
+            </a:r>
+            <a:r>
+              <a:rPr lang="en-US" sz="800" dirty="0" smtClean="0">
+                <a:solidFill>
+                  <a:srgbClr val="C00000"/>
+                </a:solidFill>
+                <a:latin typeface="Century Gothic" panose="020B0502020202020204" pitchFamily="34" charset="0"/>
+              </a:rPr>
+              <a:t>!</a:t>
             </a:r>
             <a:endParaRPr lang="he-IL" sz="800" dirty="0">
               <a:solidFill>
@@ -13542,7 +17970,16 @@
                 </a:solidFill>
                 <a:latin typeface="Century Gothic" panose="020B0502020202020204" pitchFamily="34" charset="0"/>
               </a:rPr>
-              <a:t>hours until flight!</a:t>
+              <a:t>hours wait</a:t>
+            </a:r>
+            <a:r>
+              <a:rPr lang="en-US" sz="800" dirty="0" smtClean="0">
+                <a:solidFill>
+                  <a:srgbClr val="C00000"/>
+                </a:solidFill>
+                <a:latin typeface="Century Gothic" panose="020B0502020202020204" pitchFamily="34" charset="0"/>
+              </a:rPr>
+              <a:t>!</a:t>
             </a:r>
             <a:endParaRPr lang="he-IL" sz="800" dirty="0">
               <a:solidFill>
@@ -13590,7 +18027,7 @@
                 </a:solidFill>
                 <a:latin typeface="Century Gothic" panose="020B0502020202020204" pitchFamily="34" charset="0"/>
               </a:rPr>
-              <a:t>hours until flight!</a:t>
+              <a:t>hours wait!</a:t>
             </a:r>
             <a:endParaRPr lang="he-IL" sz="800" dirty="0">
               <a:solidFill>
@@ -13600,6 +18037,30 @@
           </a:p>
         </p:txBody>
       </p:sp>
+      <p:pic>
+        <p:nvPicPr>
+          <p:cNvPr id="62" name="Picture 61"/>
+          <p:cNvPicPr>
+            <a:picLocks noChangeAspect="1"/>
+          </p:cNvPicPr>
+          <p:nvPr/>
+        </p:nvPicPr>
+        <p:blipFill>
+          <a:blip r:embed="rId26"/>
+          <a:stretch>
+            <a:fillRect/>
+          </a:stretch>
+        </p:blipFill>
+        <p:spPr>
+          <a:xfrm>
+            <a:off x="6662105" y="965126"/>
+            <a:ext cx="249413" cy="249413"/>
+          </a:xfrm>
+          <a:prstGeom prst="rect">
+            <a:avLst/>
+          </a:prstGeom>
+        </p:spPr>
+      </p:pic>
     </p:spTree>
     <p:extLst>
       <p:ext uri="{BB962C8B-B14F-4D97-AF65-F5344CB8AC3E}">
@@ -13610,13 +18071,13 @@
   <p:clrMapOvr>
     <a:masterClrMapping/>
   </p:clrMapOvr>
-  <mc:AlternateContent xmlns:mc="http://schemas.openxmlformats.org/markup-compatibility/2006">
-    <mc:Choice xmlns:p14="http://schemas.microsoft.com/office/powerpoint/2010/main" Requires="p14">
+  <mc:AlternateContent xmlns:mc="http://schemas.openxmlformats.org/markup-compatibility/2006" xmlns:p14="http://schemas.microsoft.com/office/powerpoint/2010/main">
+    <mc:Choice Requires="p14">
       <p:transition spd="med" p14:dur="700">
         <p:fade/>
       </p:transition>
     </mc:Choice>
-    <mc:Fallback>
+    <mc:Fallback xmlns="">
       <p:transition spd="med">
         <p:fade/>
       </p:transition>
@@ -13632,7 +18093,7 @@
 </p:sld>
 </file>
 
-<file path=ppt/slides/slide7.xml><?xml version="1.0" encoding="utf-8"?>
+<file path=ppt/slides/slide8.xml><?xml version="1.0" encoding="utf-8"?>
 <p:sld xmlns:a="http://schemas.openxmlformats.org/drawingml/2006/main" xmlns:r="http://schemas.openxmlformats.org/officeDocument/2006/relationships" xmlns:p="http://schemas.openxmlformats.org/presentationml/2006/main">
   <p:cSld>
     <p:spTree>
@@ -14000,44 +18461,6 @@
           </p:spPr>
         </p:pic>
       </p:grpSp>
-      <p:pic>
-        <p:nvPicPr>
-          <p:cNvPr id="3" name="Picture 2"/>
-          <p:cNvPicPr>
-            <a:picLocks noChangeAspect="1"/>
-          </p:cNvPicPr>
-          <p:nvPr/>
-        </p:nvPicPr>
-        <p:blipFill>
-          <a:blip r:embed="rId7">
-            <a:extLst>
-              <a:ext uri="{BEBA8EAE-BF5A-486C-A8C5-ECC9F3942E4B}">
-                <a14:imgProps xmlns:a14="http://schemas.microsoft.com/office/drawing/2010/main">
-                  <a14:imgLayer r:embed="rId8">
-                    <a14:imgEffect>
-                      <a14:backgroundRemoval t="0" b="100000" l="2344" r="96094">
-                        <a14:foregroundMark x1="51758" y1="96094" x2="51758" y2="96094"/>
-                      </a14:backgroundRemoval>
-                    </a14:imgEffect>
-                  </a14:imgLayer>
-                </a14:imgProps>
-              </a:ext>
-            </a:extLst>
-          </a:blip>
-          <a:stretch>
-            <a:fillRect/>
-          </a:stretch>
-        </p:blipFill>
-        <p:spPr>
-          <a:xfrm>
-            <a:off x="6673470" y="982309"/>
-            <a:ext cx="224356" cy="224356"/>
-          </a:xfrm>
-          <a:prstGeom prst="rect">
-            <a:avLst/>
-          </a:prstGeom>
-        </p:spPr>
-      </p:pic>
       <p:graphicFrame>
         <p:nvGraphicFramePr>
           <p:cNvPr id="6" name="Table 5"/>
@@ -14756,7 +19179,7 @@
             <p:nvPr/>
           </p:nvPicPr>
           <p:blipFill>
-            <a:blip r:embed="rId9" cstate="print">
+            <a:blip r:embed="rId7" cstate="print">
               <a:extLst>
                 <a:ext uri="{28A0092B-C50C-407E-A947-70E740481C1C}">
                   <a14:useLocalDpi xmlns:a14="http://schemas.microsoft.com/office/drawing/2010/main" val="0"/>
@@ -14833,7 +19256,7 @@
             <p:nvPr/>
           </p:nvPicPr>
           <p:blipFill>
-            <a:blip r:embed="rId10" cstate="print">
+            <a:blip r:embed="rId8" cstate="print">
               <a:extLst>
                 <a:ext uri="{28A0092B-C50C-407E-A947-70E740481C1C}">
                   <a14:useLocalDpi xmlns:a14="http://schemas.microsoft.com/office/drawing/2010/main" val="0"/>
@@ -14939,7 +19362,7 @@
           <p:nvPr/>
         </p:nvPicPr>
         <p:blipFill>
-          <a:blip r:embed="rId11" cstate="print">
+          <a:blip r:embed="rId9" cstate="print">
             <a:extLst>
               <a:ext uri="{28A0092B-C50C-407E-A947-70E740481C1C}">
                 <a14:useLocalDpi xmlns:a14="http://schemas.microsoft.com/office/drawing/2010/main" val="0"/>
@@ -15140,7 +19563,7 @@
           <p:nvPr/>
         </p:nvPicPr>
         <p:blipFill>
-          <a:blip r:embed="rId12"/>
+          <a:blip r:embed="rId10"/>
           <a:stretch>
             <a:fillRect/>
           </a:stretch>
@@ -15164,7 +19587,7 @@
           <p:nvPr/>
         </p:nvPicPr>
         <p:blipFill>
-          <a:blip r:embed="rId13" cstate="print">
+          <a:blip r:embed="rId11" cstate="print">
             <a:extLst>
               <a:ext uri="{28A0092B-C50C-407E-A947-70E740481C1C}">
                 <a14:useLocalDpi xmlns:a14="http://schemas.microsoft.com/office/drawing/2010/main" val="0"/>
@@ -15194,7 +19617,7 @@
           <p:nvPr/>
         </p:nvPicPr>
         <p:blipFill>
-          <a:blip r:embed="rId14" cstate="print">
+          <a:blip r:embed="rId12" cstate="print">
             <a:extLst>
               <a:ext uri="{28A0092B-C50C-407E-A947-70E740481C1C}">
                 <a14:useLocalDpi xmlns:a14="http://schemas.microsoft.com/office/drawing/2010/main" val="0"/>
@@ -15346,7 +19769,7 @@
             <p:nvPr/>
           </p:nvPicPr>
           <p:blipFill rotWithShape="1">
-            <a:blip r:embed="rId15" cstate="print">
+            <a:blip r:embed="rId13" cstate="print">
               <a:extLst>
                 <a:ext uri="{28A0092B-C50C-407E-A947-70E740481C1C}">
                   <a14:useLocalDpi xmlns:a14="http://schemas.microsoft.com/office/drawing/2010/main" val="0"/>
@@ -15376,7 +19799,7 @@
           <p:nvPr/>
         </p:nvPicPr>
         <p:blipFill>
-          <a:blip r:embed="rId16"/>
+          <a:blip r:embed="rId14"/>
           <a:stretch>
             <a:fillRect/>
           </a:stretch>
@@ -15443,7 +19866,7 @@
           <p:nvPr/>
         </p:nvPicPr>
         <p:blipFill>
-          <a:blip r:embed="rId12"/>
+          <a:blip r:embed="rId10"/>
           <a:stretch>
             <a:fillRect/>
           </a:stretch>
@@ -15545,7 +19968,7 @@
           <p:nvPr/>
         </p:nvPicPr>
         <p:blipFill>
-          <a:blip r:embed="rId17"/>
+          <a:blip r:embed="rId15"/>
           <a:stretch>
             <a:fillRect/>
           </a:stretch>
@@ -15647,7 +20070,7 @@
           <p:nvPr/>
         </p:nvPicPr>
         <p:blipFill>
-          <a:blip r:embed="rId17"/>
+          <a:blip r:embed="rId15"/>
           <a:stretch>
             <a:fillRect/>
           </a:stretch>
@@ -15771,11 +20194,11 @@
           <p:nvPr/>
         </p:nvPicPr>
         <p:blipFill>
-          <a:blip r:embed="rId18">
+          <a:blip r:embed="rId16">
             <a:extLst>
               <a:ext uri="{BEBA8EAE-BF5A-486C-A8C5-ECC9F3942E4B}">
                 <a14:imgProps xmlns:a14="http://schemas.microsoft.com/office/drawing/2010/main">
-                  <a14:imgLayer r:embed="rId19">
+                  <a14:imgLayer r:embed="rId17">
                     <a14:imgEffect>
                       <a14:backgroundRemoval t="9961" b="89844" l="0" r="100000">
                         <a14:foregroundMark x1="1953" y1="55469" x2="1953" y2="55469"/>
@@ -15810,7 +20233,7 @@
           <p:nvPr/>
         </p:nvPicPr>
         <p:blipFill>
-          <a:blip r:embed="rId17"/>
+          <a:blip r:embed="rId15"/>
           <a:stretch>
             <a:fillRect/>
           </a:stretch>
@@ -15834,7 +20257,7 @@
           <p:nvPr/>
         </p:nvPicPr>
         <p:blipFill>
-          <a:blip r:embed="rId16"/>
+          <a:blip r:embed="rId14"/>
           <a:stretch>
             <a:fillRect/>
           </a:stretch>
@@ -15858,11 +20281,11 @@
           <p:nvPr/>
         </p:nvPicPr>
         <p:blipFill>
-          <a:blip r:embed="rId20">
+          <a:blip r:embed="rId18">
             <a:extLst>
               <a:ext uri="{BEBA8EAE-BF5A-486C-A8C5-ECC9F3942E4B}">
                 <a14:imgProps xmlns:a14="http://schemas.microsoft.com/office/drawing/2010/main">
-                  <a14:imgLayer r:embed="rId21">
+                  <a14:imgLayer r:embed="rId19">
                     <a14:imgEffect>
                       <a14:backgroundRemoval t="1758" b="97852" l="0" r="100000"/>
                     </a14:imgEffect>
@@ -15894,11 +20317,11 @@
           <p:nvPr/>
         </p:nvPicPr>
         <p:blipFill>
-          <a:blip r:embed="rId22">
+          <a:blip r:embed="rId20">
             <a:extLst>
               <a:ext uri="{BEBA8EAE-BF5A-486C-A8C5-ECC9F3942E4B}">
                 <a14:imgProps xmlns:a14="http://schemas.microsoft.com/office/drawing/2010/main">
-                  <a14:imgLayer r:embed="rId23">
+                  <a14:imgLayer r:embed="rId21">
                     <a14:imgEffect>
                       <a14:backgroundRemoval t="0" b="100000" l="2344" r="96289">
                         <a14:foregroundMark x1="49805" y1="29492" x2="49805" y2="29492"/>
@@ -15933,11 +20356,11 @@
           <p:nvPr/>
         </p:nvPicPr>
         <p:blipFill>
-          <a:blip r:embed="rId24">
+          <a:blip r:embed="rId22">
             <a:extLst>
               <a:ext uri="{BEBA8EAE-BF5A-486C-A8C5-ECC9F3942E4B}">
                 <a14:imgProps xmlns:a14="http://schemas.microsoft.com/office/drawing/2010/main">
-                  <a14:imgLayer r:embed="rId25">
+                  <a14:imgLayer r:embed="rId23">
                     <a14:imgEffect>
                       <a14:backgroundRemoval t="9961" b="89844" l="0" r="100000">
                         <a14:foregroundMark x1="27148" y1="73242" x2="27148" y2="73242"/>
@@ -16011,7 +20434,7 @@
           <p:nvPr/>
         </p:nvPicPr>
         <p:blipFill>
-          <a:blip r:embed="rId17"/>
+          <a:blip r:embed="rId15"/>
           <a:stretch>
             <a:fillRect/>
           </a:stretch>
@@ -16035,11 +20458,11 @@
           <p:nvPr/>
         </p:nvPicPr>
         <p:blipFill>
-          <a:blip r:embed="rId26">
+          <a:blip r:embed="rId24">
             <a:extLst>
               <a:ext uri="{BEBA8EAE-BF5A-486C-A8C5-ECC9F3942E4B}">
                 <a14:imgProps xmlns:a14="http://schemas.microsoft.com/office/drawing/2010/main">
-                  <a14:imgLayer r:embed="rId27">
+                  <a14:imgLayer r:embed="rId25">
                     <a14:imgEffect>
                       <a14:backgroundRemoval t="1172" b="100000" l="0" r="100000"/>
                     </a14:imgEffect>
@@ -16091,7 +20514,16 @@
                 </a:solidFill>
                 <a:latin typeface="Century Gothic" panose="020B0502020202020204" pitchFamily="34" charset="0"/>
               </a:rPr>
-              <a:t>8 hours until flight!</a:t>
+              <a:t>8 hours </a:t>
+            </a:r>
+            <a:r>
+              <a:rPr lang="en-US" sz="800" dirty="0">
+                <a:solidFill>
+                  <a:srgbClr val="C00000"/>
+                </a:solidFill>
+                <a:latin typeface="Century Gothic" panose="020B0502020202020204" pitchFamily="34" charset="0"/>
+              </a:rPr>
+              <a:t>wait!</a:t>
             </a:r>
             <a:endParaRPr lang="he-IL" sz="800" dirty="0">
               <a:solidFill>
@@ -16187,7 +20619,7 @@
                 </a:solidFill>
                 <a:latin typeface="Century Gothic" panose="020B0502020202020204" pitchFamily="34" charset="0"/>
               </a:rPr>
-              <a:t>hours until flight!</a:t>
+              <a:t>hours wait!</a:t>
             </a:r>
             <a:endParaRPr lang="he-IL" sz="800" dirty="0">
               <a:solidFill>
@@ -16235,7 +20667,7 @@
                 </a:solidFill>
                 <a:latin typeface="Century Gothic" panose="020B0502020202020204" pitchFamily="34" charset="0"/>
               </a:rPr>
-              <a:t>hours until flight!</a:t>
+              <a:t>hours wait!</a:t>
             </a:r>
             <a:endParaRPr lang="he-IL" sz="800" dirty="0">
               <a:solidFill>
@@ -16283,7 +20715,7 @@
                 </a:solidFill>
                 <a:latin typeface="Century Gothic" panose="020B0502020202020204" pitchFamily="34" charset="0"/>
               </a:rPr>
-              <a:t>hours until flight!</a:t>
+              <a:t>hours wait!</a:t>
             </a:r>
             <a:endParaRPr lang="he-IL" sz="800" dirty="0">
               <a:solidFill>
@@ -16350,11 +20782,11 @@
           <p:nvPr/>
         </p:nvPicPr>
         <p:blipFill>
-          <a:blip r:embed="rId28">
+          <a:blip r:embed="rId26">
             <a:extLst>
               <a:ext uri="{BEBA8EAE-BF5A-486C-A8C5-ECC9F3942E4B}">
                 <a14:imgProps xmlns:a14="http://schemas.microsoft.com/office/drawing/2010/main">
-                  <a14:imgLayer r:embed="rId29">
+                  <a14:imgLayer r:embed="rId27">
                     <a14:imgEffect>
                       <a14:backgroundRemoval t="0" b="100000" l="0" r="98828"/>
                     </a14:imgEffect>
@@ -16377,6 +20809,30 @@
           </a:prstGeom>
         </p:spPr>
       </p:pic>
+      <p:pic>
+        <p:nvPicPr>
+          <p:cNvPr id="62" name="Picture 61"/>
+          <p:cNvPicPr>
+            <a:picLocks noChangeAspect="1"/>
+          </p:cNvPicPr>
+          <p:nvPr/>
+        </p:nvPicPr>
+        <p:blipFill>
+          <a:blip r:embed="rId28"/>
+          <a:stretch>
+            <a:fillRect/>
+          </a:stretch>
+        </p:blipFill>
+        <p:spPr>
+          <a:xfrm>
+            <a:off x="6662105" y="965126"/>
+            <a:ext cx="249413" cy="249413"/>
+          </a:xfrm>
+          <a:prstGeom prst="rect">
+            <a:avLst/>
+          </a:prstGeom>
+        </p:spPr>
+      </p:pic>
     </p:spTree>
     <p:extLst>
       <p:ext uri="{BB962C8B-B14F-4D97-AF65-F5344CB8AC3E}">
@@ -16387,13 +20843,13 @@
   <p:clrMapOvr>
     <a:masterClrMapping/>
   </p:clrMapOvr>
-  <mc:AlternateContent xmlns:mc="http://schemas.openxmlformats.org/markup-compatibility/2006">
-    <mc:Choice xmlns:p14="http://schemas.microsoft.com/office/powerpoint/2010/main" Requires="p14">
+  <mc:AlternateContent xmlns:mc="http://schemas.openxmlformats.org/markup-compatibility/2006" xmlns:p14="http://schemas.microsoft.com/office/powerpoint/2010/main">
+    <mc:Choice Requires="p14">
       <p:transition spd="med" p14:dur="700">
         <p:fade/>
       </p:transition>
     </mc:Choice>
-    <mc:Fallback>
+    <mc:Fallback xmlns="">
       <p:transition spd="med">
         <p:fade/>
       </p:transition>
@@ -16409,7 +20865,7 @@
 </p:sld>
 </file>
 
-<file path=ppt/slides/slide8.xml><?xml version="1.0" encoding="utf-8"?>
+<file path=ppt/slides/slide9.xml><?xml version="1.0" encoding="utf-8"?>
 <p:sld xmlns:a="http://schemas.openxmlformats.org/drawingml/2006/main" xmlns:r="http://schemas.openxmlformats.org/officeDocument/2006/relationships" xmlns:p="http://schemas.openxmlformats.org/presentationml/2006/main">
   <p:cSld>
     <p:spTree>
@@ -16777,44 +21233,6 @@
           </p:spPr>
         </p:pic>
       </p:grpSp>
-      <p:pic>
-        <p:nvPicPr>
-          <p:cNvPr id="3" name="Picture 2"/>
-          <p:cNvPicPr>
-            <a:picLocks noChangeAspect="1"/>
-          </p:cNvPicPr>
-          <p:nvPr/>
-        </p:nvPicPr>
-        <p:blipFill>
-          <a:blip r:embed="rId7">
-            <a:extLst>
-              <a:ext uri="{BEBA8EAE-BF5A-486C-A8C5-ECC9F3942E4B}">
-                <a14:imgProps xmlns:a14="http://schemas.microsoft.com/office/drawing/2010/main">
-                  <a14:imgLayer r:embed="rId8">
-                    <a14:imgEffect>
-                      <a14:backgroundRemoval t="0" b="100000" l="2344" r="96094">
-                        <a14:foregroundMark x1="51758" y1="96094" x2="51758" y2="96094"/>
-                      </a14:backgroundRemoval>
-                    </a14:imgEffect>
-                  </a14:imgLayer>
-                </a14:imgProps>
-              </a:ext>
-            </a:extLst>
-          </a:blip>
-          <a:stretch>
-            <a:fillRect/>
-          </a:stretch>
-        </p:blipFill>
-        <p:spPr>
-          <a:xfrm>
-            <a:off x="6673470" y="982309"/>
-            <a:ext cx="224356" cy="224356"/>
-          </a:xfrm>
-          <a:prstGeom prst="rect">
-            <a:avLst/>
-          </a:prstGeom>
-        </p:spPr>
-      </p:pic>
       <p:graphicFrame>
         <p:nvGraphicFramePr>
           <p:cNvPr id="6" name="Table 5"/>
@@ -17533,7 +21951,7 @@
             <p:nvPr/>
           </p:nvPicPr>
           <p:blipFill>
-            <a:blip r:embed="rId9" cstate="print">
+            <a:blip r:embed="rId7" cstate="print">
               <a:extLst>
                 <a:ext uri="{28A0092B-C50C-407E-A947-70E740481C1C}">
                   <a14:useLocalDpi xmlns:a14="http://schemas.microsoft.com/office/drawing/2010/main" val="0"/>
@@ -17610,7 +22028,7 @@
             <p:nvPr/>
           </p:nvPicPr>
           <p:blipFill>
-            <a:blip r:embed="rId10" cstate="print">
+            <a:blip r:embed="rId8" cstate="print">
               <a:extLst>
                 <a:ext uri="{28A0092B-C50C-407E-A947-70E740481C1C}">
                   <a14:useLocalDpi xmlns:a14="http://schemas.microsoft.com/office/drawing/2010/main" val="0"/>
@@ -17716,7 +22134,7 @@
           <p:nvPr/>
         </p:nvPicPr>
         <p:blipFill>
-          <a:blip r:embed="rId11" cstate="print">
+          <a:blip r:embed="rId9" cstate="print">
             <a:extLst>
               <a:ext uri="{28A0092B-C50C-407E-A947-70E740481C1C}">
                 <a14:useLocalDpi xmlns:a14="http://schemas.microsoft.com/office/drawing/2010/main" val="0"/>
@@ -17917,7 +22335,7 @@
           <p:nvPr/>
         </p:nvPicPr>
         <p:blipFill>
-          <a:blip r:embed="rId12"/>
+          <a:blip r:embed="rId10"/>
           <a:stretch>
             <a:fillRect/>
           </a:stretch>
@@ -17941,7 +22359,7 @@
           <p:nvPr/>
         </p:nvPicPr>
         <p:blipFill>
-          <a:blip r:embed="rId13" cstate="print">
+          <a:blip r:embed="rId11" cstate="print">
             <a:extLst>
               <a:ext uri="{28A0092B-C50C-407E-A947-70E740481C1C}">
                 <a14:useLocalDpi xmlns:a14="http://schemas.microsoft.com/office/drawing/2010/main" val="0"/>
@@ -17971,7 +22389,7 @@
           <p:nvPr/>
         </p:nvPicPr>
         <p:blipFill>
-          <a:blip r:embed="rId14" cstate="print">
+          <a:blip r:embed="rId12" cstate="print">
             <a:extLst>
               <a:ext uri="{28A0092B-C50C-407E-A947-70E740481C1C}">
                 <a14:useLocalDpi xmlns:a14="http://schemas.microsoft.com/office/drawing/2010/main" val="0"/>
@@ -18123,7 +22541,7 @@
             <p:nvPr/>
           </p:nvPicPr>
           <p:blipFill rotWithShape="1">
-            <a:blip r:embed="rId15" cstate="print">
+            <a:blip r:embed="rId13" cstate="print">
               <a:extLst>
                 <a:ext uri="{28A0092B-C50C-407E-A947-70E740481C1C}">
                   <a14:useLocalDpi xmlns:a14="http://schemas.microsoft.com/office/drawing/2010/main" val="0"/>
@@ -18153,7 +22571,7 @@
           <p:nvPr/>
         </p:nvPicPr>
         <p:blipFill>
-          <a:blip r:embed="rId16"/>
+          <a:blip r:embed="rId14"/>
           <a:stretch>
             <a:fillRect/>
           </a:stretch>
@@ -18220,7 +22638,7 @@
           <p:nvPr/>
         </p:nvPicPr>
         <p:blipFill>
-          <a:blip r:embed="rId12"/>
+          <a:blip r:embed="rId10"/>
           <a:stretch>
             <a:fillRect/>
           </a:stretch>
@@ -18322,7 +22740,7 @@
           <p:nvPr/>
         </p:nvPicPr>
         <p:blipFill>
-          <a:blip r:embed="rId17"/>
+          <a:blip r:embed="rId15"/>
           <a:stretch>
             <a:fillRect/>
           </a:stretch>
@@ -18424,7 +22842,7 @@
           <p:nvPr/>
         </p:nvPicPr>
         <p:blipFill>
-          <a:blip r:embed="rId17"/>
+          <a:blip r:embed="rId15"/>
           <a:stretch>
             <a:fillRect/>
           </a:stretch>
@@ -18548,11 +22966,11 @@
           <p:nvPr/>
         </p:nvPicPr>
         <p:blipFill>
-          <a:blip r:embed="rId18">
+          <a:blip r:embed="rId16">
             <a:extLst>
               <a:ext uri="{BEBA8EAE-BF5A-486C-A8C5-ECC9F3942E4B}">
                 <a14:imgProps xmlns:a14="http://schemas.microsoft.com/office/drawing/2010/main">
-                  <a14:imgLayer r:embed="rId19">
+                  <a14:imgLayer r:embed="rId17">
                     <a14:imgEffect>
                       <a14:backgroundRemoval t="9961" b="89844" l="0" r="100000">
                         <a14:foregroundMark x1="1953" y1="55469" x2="1953" y2="55469"/>
@@ -18587,7 +23005,7 @@
           <p:nvPr/>
         </p:nvPicPr>
         <p:blipFill>
-          <a:blip r:embed="rId17"/>
+          <a:blip r:embed="rId15"/>
           <a:stretch>
             <a:fillRect/>
           </a:stretch>
@@ -18611,7 +23029,7 @@
           <p:nvPr/>
         </p:nvPicPr>
         <p:blipFill>
-          <a:blip r:embed="rId16"/>
+          <a:blip r:embed="rId14"/>
           <a:stretch>
             <a:fillRect/>
           </a:stretch>
@@ -18635,11 +23053,11 @@
           <p:nvPr/>
         </p:nvPicPr>
         <p:blipFill>
-          <a:blip r:embed="rId20">
+          <a:blip r:embed="rId18">
             <a:extLst>
               <a:ext uri="{BEBA8EAE-BF5A-486C-A8C5-ECC9F3942E4B}">
                 <a14:imgProps xmlns:a14="http://schemas.microsoft.com/office/drawing/2010/main">
-                  <a14:imgLayer r:embed="rId21">
+                  <a14:imgLayer r:embed="rId19">
                     <a14:imgEffect>
                       <a14:backgroundRemoval t="1758" b="97852" l="0" r="100000"/>
                     </a14:imgEffect>
@@ -18671,11 +23089,11 @@
           <p:nvPr/>
         </p:nvPicPr>
         <p:blipFill>
-          <a:blip r:embed="rId22">
+          <a:blip r:embed="rId20">
             <a:extLst>
               <a:ext uri="{BEBA8EAE-BF5A-486C-A8C5-ECC9F3942E4B}">
                 <a14:imgProps xmlns:a14="http://schemas.microsoft.com/office/drawing/2010/main">
-                  <a14:imgLayer r:embed="rId23">
+                  <a14:imgLayer r:embed="rId21">
                     <a14:imgEffect>
                       <a14:backgroundRemoval t="0" b="100000" l="2344" r="96289">
                         <a14:foregroundMark x1="49805" y1="29492" x2="49805" y2="29492"/>
@@ -18710,11 +23128,11 @@
           <p:nvPr/>
         </p:nvPicPr>
         <p:blipFill>
-          <a:blip r:embed="rId24">
+          <a:blip r:embed="rId22">
             <a:extLst>
               <a:ext uri="{BEBA8EAE-BF5A-486C-A8C5-ECC9F3942E4B}">
                 <a14:imgProps xmlns:a14="http://schemas.microsoft.com/office/drawing/2010/main">
-                  <a14:imgLayer r:embed="rId25">
+                  <a14:imgLayer r:embed="rId23">
                     <a14:imgEffect>
                       <a14:backgroundRemoval t="9961" b="89844" l="0" r="100000">
                         <a14:foregroundMark x1="27148" y1="73242" x2="27148" y2="73242"/>
@@ -18788,7 +23206,7 @@
           <p:nvPr/>
         </p:nvPicPr>
         <p:blipFill>
-          <a:blip r:embed="rId17"/>
+          <a:blip r:embed="rId15"/>
           <a:stretch>
             <a:fillRect/>
           </a:stretch>
@@ -18812,11 +23230,11 @@
           <p:nvPr/>
         </p:nvPicPr>
         <p:blipFill>
-          <a:blip r:embed="rId26">
+          <a:blip r:embed="rId24">
             <a:extLst>
               <a:ext uri="{BEBA8EAE-BF5A-486C-A8C5-ECC9F3942E4B}">
                 <a14:imgProps xmlns:a14="http://schemas.microsoft.com/office/drawing/2010/main">
-                  <a14:imgLayer r:embed="rId27">
+                  <a14:imgLayer r:embed="rId25">
                     <a14:imgEffect>
                       <a14:backgroundRemoval t="1172" b="100000" l="0" r="100000"/>
                     </a14:imgEffect>
@@ -18868,7 +23286,16 @@
                 </a:solidFill>
                 <a:latin typeface="Century Gothic" panose="020B0502020202020204" pitchFamily="34" charset="0"/>
               </a:rPr>
-              <a:t>8 hours until flight!</a:t>
+              <a:t>8 hours </a:t>
+            </a:r>
+            <a:r>
+              <a:rPr lang="en-US" sz="800" dirty="0">
+                <a:solidFill>
+                  <a:srgbClr val="C00000"/>
+                </a:solidFill>
+                <a:latin typeface="Century Gothic" panose="020B0502020202020204" pitchFamily="34" charset="0"/>
+              </a:rPr>
+              <a:t>wait!</a:t>
             </a:r>
             <a:endParaRPr lang="he-IL" sz="800" dirty="0">
               <a:solidFill>
@@ -18916,7 +23343,7 @@
                 </a:solidFill>
                 <a:latin typeface="Century Gothic" panose="020B0502020202020204" pitchFamily="34" charset="0"/>
               </a:rPr>
-              <a:t>hours until flight!</a:t>
+              <a:t>hours wait!</a:t>
             </a:r>
             <a:endParaRPr lang="he-IL" sz="800" dirty="0">
               <a:solidFill>
@@ -18964,7 +23391,7 @@
                 </a:solidFill>
                 <a:latin typeface="Century Gothic" panose="020B0502020202020204" pitchFamily="34" charset="0"/>
               </a:rPr>
-              <a:t>hours until flight!</a:t>
+              <a:t>hours wait!</a:t>
             </a:r>
             <a:endParaRPr lang="he-IL" sz="800" dirty="0">
               <a:solidFill>
@@ -19012,7 +23439,7 @@
                 </a:solidFill>
                 <a:latin typeface="Century Gothic" panose="020B0502020202020204" pitchFamily="34" charset="0"/>
               </a:rPr>
-              <a:t>hours until flight!</a:t>
+              <a:t>hours wait!</a:t>
             </a:r>
             <a:endParaRPr lang="he-IL" sz="800" dirty="0">
               <a:solidFill>
@@ -19060,7 +23487,7 @@
                 </a:solidFill>
                 <a:latin typeface="Century Gothic" panose="020B0502020202020204" pitchFamily="34" charset="0"/>
               </a:rPr>
-              <a:t>hours until flight!</a:t>
+              <a:t>hours wait!</a:t>
             </a:r>
             <a:endParaRPr lang="he-IL" sz="800" dirty="0">
               <a:solidFill>
@@ -19127,11 +23554,11 @@
           <p:nvPr/>
         </p:nvPicPr>
         <p:blipFill>
-          <a:blip r:embed="rId28">
+          <a:blip r:embed="rId26">
             <a:extLst>
               <a:ext uri="{BEBA8EAE-BF5A-486C-A8C5-ECC9F3942E4B}">
                 <a14:imgProps xmlns:a14="http://schemas.microsoft.com/office/drawing/2010/main">
-                  <a14:imgLayer r:embed="rId29">
+                  <a14:imgLayer r:embed="rId27">
                     <a14:imgEffect>
                       <a14:backgroundRemoval t="0" b="100000" l="0" r="100000"/>
                     </a14:imgEffect>
@@ -19154,6 +23581,30 @@
           </a:prstGeom>
         </p:spPr>
       </p:pic>
+      <p:pic>
+        <p:nvPicPr>
+          <p:cNvPr id="64" name="Picture 63"/>
+          <p:cNvPicPr>
+            <a:picLocks noChangeAspect="1"/>
+          </p:cNvPicPr>
+          <p:nvPr/>
+        </p:nvPicPr>
+        <p:blipFill>
+          <a:blip r:embed="rId28"/>
+          <a:stretch>
+            <a:fillRect/>
+          </a:stretch>
+        </p:blipFill>
+        <p:spPr>
+          <a:xfrm>
+            <a:off x="6662105" y="965126"/>
+            <a:ext cx="249413" cy="249413"/>
+          </a:xfrm>
+          <a:prstGeom prst="rect">
+            <a:avLst/>
+          </a:prstGeom>
+        </p:spPr>
+      </p:pic>
     </p:spTree>
     <p:extLst>
       <p:ext uri="{BB962C8B-B14F-4D97-AF65-F5344CB8AC3E}">
@@ -19164,13 +23615,13 @@
   <p:clrMapOvr>
     <a:masterClrMapping/>
   </p:clrMapOvr>
-  <mc:AlternateContent xmlns:mc="http://schemas.openxmlformats.org/markup-compatibility/2006">
-    <mc:Choice xmlns:p14="http://schemas.microsoft.com/office/powerpoint/2010/main" Requires="p14">
+  <mc:AlternateContent xmlns:mc="http://schemas.openxmlformats.org/markup-compatibility/2006" xmlns:p14="http://schemas.microsoft.com/office/powerpoint/2010/main">
+    <mc:Choice Requires="p14">
       <p:transition spd="med" p14:dur="700">
         <p:fade/>
       </p:transition>
     </mc:Choice>
-    <mc:Fallback>
+    <mc:Fallback xmlns="">
       <p:transition spd="med">
         <p:fade/>
       </p:transition>

--- a/Design/Design.pptx
+++ b/Design/Design.pptx
@@ -5,7 +5,7 @@
     <p:sldMasterId id="2147483648" r:id="rId1"/>
   </p:sldMasterIdLst>
   <p:notesMasterIdLst>
-    <p:notesMasterId r:id="rId14"/>
+    <p:notesMasterId r:id="rId15"/>
   </p:notesMasterIdLst>
   <p:sldIdLst>
     <p:sldId id="302" r:id="rId2"/>
@@ -13,13 +13,14 @@
     <p:sldId id="313" r:id="rId4"/>
     <p:sldId id="277" r:id="rId5"/>
     <p:sldId id="304" r:id="rId6"/>
-    <p:sldId id="307" r:id="rId7"/>
-    <p:sldId id="306" r:id="rId8"/>
-    <p:sldId id="308" r:id="rId9"/>
-    <p:sldId id="309" r:id="rId10"/>
-    <p:sldId id="310" r:id="rId11"/>
-    <p:sldId id="311" r:id="rId12"/>
-    <p:sldId id="312" r:id="rId13"/>
+    <p:sldId id="314" r:id="rId7"/>
+    <p:sldId id="307" r:id="rId8"/>
+    <p:sldId id="306" r:id="rId9"/>
+    <p:sldId id="308" r:id="rId10"/>
+    <p:sldId id="309" r:id="rId11"/>
+    <p:sldId id="310" r:id="rId12"/>
+    <p:sldId id="311" r:id="rId13"/>
+    <p:sldId id="312" r:id="rId14"/>
   </p:sldIdLst>
   <p:sldSz cx="12192000" cy="6858000"/>
   <p:notesSz cx="6858000" cy="9144000"/>
@@ -659,7 +660,7 @@
     </p:spTree>
     <p:extLst>
       <p:ext uri="{BB962C8B-B14F-4D97-AF65-F5344CB8AC3E}">
-        <p14:creationId xmlns:p14="http://schemas.microsoft.com/office/powerpoint/2010/main" val="2227026297"/>
+        <p14:creationId xmlns:p14="http://schemas.microsoft.com/office/powerpoint/2010/main" val="4022479126"/>
       </p:ext>
     </p:extLst>
   </p:cSld>
@@ -735,6 +736,90 @@
             <a:fld id="{F83821B8-9E9A-4E7B-8ED8-A137BF87C344}" type="slidenum">
               <a:rPr lang="he-IL" smtClean="0"/>
               <a:t>12</a:t>
+            </a:fld>
+            <a:endParaRPr lang="he-IL" dirty="0"/>
+          </a:p>
+        </p:txBody>
+      </p:sp>
+    </p:spTree>
+    <p:extLst>
+      <p:ext uri="{BB962C8B-B14F-4D97-AF65-F5344CB8AC3E}">
+        <p14:creationId xmlns:p14="http://schemas.microsoft.com/office/powerpoint/2010/main" val="2227026297"/>
+      </p:ext>
+    </p:extLst>
+  </p:cSld>
+  <p:clrMapOvr>
+    <a:masterClrMapping/>
+  </p:clrMapOvr>
+</p:notes>
+</file>
+
+<file path=ppt/notesSlides/notesSlide12.xml><?xml version="1.0" encoding="utf-8"?>
+<p:notes xmlns:a="http://schemas.openxmlformats.org/drawingml/2006/main" xmlns:r="http://schemas.openxmlformats.org/officeDocument/2006/relationships" xmlns:p="http://schemas.openxmlformats.org/presentationml/2006/main">
+  <p:cSld>
+    <p:spTree>
+      <p:nvGrpSpPr>
+        <p:cNvPr id="1" name=""/>
+        <p:cNvGrpSpPr/>
+        <p:nvPr/>
+      </p:nvGrpSpPr>
+      <p:grpSpPr>
+        <a:xfrm>
+          <a:off x="0" y="0"/>
+          <a:ext cx="0" cy="0"/>
+          <a:chOff x="0" y="0"/>
+          <a:chExt cx="0" cy="0"/>
+        </a:xfrm>
+      </p:grpSpPr>
+      <p:sp>
+        <p:nvSpPr>
+          <p:cNvPr id="2" name="Slide Image Placeholder 1"/>
+          <p:cNvSpPr>
+            <a:spLocks noGrp="1" noRot="1" noChangeAspect="1"/>
+          </p:cNvSpPr>
+          <p:nvPr>
+            <p:ph type="sldImg"/>
+          </p:nvPr>
+        </p:nvSpPr>
+        <p:spPr/>
+      </p:sp>
+      <p:sp>
+        <p:nvSpPr>
+          <p:cNvPr id="3" name="Notes Placeholder 2"/>
+          <p:cNvSpPr>
+            <a:spLocks noGrp="1"/>
+          </p:cNvSpPr>
+          <p:nvPr>
+            <p:ph type="body" idx="1"/>
+          </p:nvPr>
+        </p:nvSpPr>
+        <p:spPr/>
+        <p:txBody>
+          <a:bodyPr/>
+          <a:lstStyle/>
+          <a:p>
+            <a:endParaRPr lang="he-IL" dirty="0"/>
+          </a:p>
+        </p:txBody>
+      </p:sp>
+      <p:sp>
+        <p:nvSpPr>
+          <p:cNvPr id="4" name="Slide Number Placeholder 3"/>
+          <p:cNvSpPr>
+            <a:spLocks noGrp="1"/>
+          </p:cNvSpPr>
+          <p:nvPr>
+            <p:ph type="sldNum" sz="quarter" idx="10"/>
+          </p:nvPr>
+        </p:nvSpPr>
+        <p:spPr/>
+        <p:txBody>
+          <a:bodyPr/>
+          <a:lstStyle/>
+          <a:p>
+            <a:fld id="{F83821B8-9E9A-4E7B-8ED8-A137BF87C344}" type="slidenum">
+              <a:rPr lang="he-IL" smtClean="0"/>
+              <a:t>13</a:t>
             </a:fld>
             <a:endParaRPr lang="he-IL" dirty="0"/>
           </a:p>
@@ -1079,7 +1164,7 @@
     </p:spTree>
     <p:extLst>
       <p:ext uri="{BB962C8B-B14F-4D97-AF65-F5344CB8AC3E}">
-        <p14:creationId xmlns:p14="http://schemas.microsoft.com/office/powerpoint/2010/main" val="2369502196"/>
+        <p14:creationId xmlns:p14="http://schemas.microsoft.com/office/powerpoint/2010/main" val="2276280626"/>
       </p:ext>
     </p:extLst>
   </p:cSld>
@@ -1163,7 +1248,7 @@
     </p:spTree>
     <p:extLst>
       <p:ext uri="{BB962C8B-B14F-4D97-AF65-F5344CB8AC3E}">
-        <p14:creationId xmlns:p14="http://schemas.microsoft.com/office/powerpoint/2010/main" val="455818947"/>
+        <p14:creationId xmlns:p14="http://schemas.microsoft.com/office/powerpoint/2010/main" val="2369502196"/>
       </p:ext>
     </p:extLst>
   </p:cSld>
@@ -1247,7 +1332,7 @@
     </p:spTree>
     <p:extLst>
       <p:ext uri="{BB962C8B-B14F-4D97-AF65-F5344CB8AC3E}">
-        <p14:creationId xmlns:p14="http://schemas.microsoft.com/office/powerpoint/2010/main" val="1856461946"/>
+        <p14:creationId xmlns:p14="http://schemas.microsoft.com/office/powerpoint/2010/main" val="455818947"/>
       </p:ext>
     </p:extLst>
   </p:cSld>
@@ -1331,7 +1416,7 @@
     </p:spTree>
     <p:extLst>
       <p:ext uri="{BB962C8B-B14F-4D97-AF65-F5344CB8AC3E}">
-        <p14:creationId xmlns:p14="http://schemas.microsoft.com/office/powerpoint/2010/main" val="681798892"/>
+        <p14:creationId xmlns:p14="http://schemas.microsoft.com/office/powerpoint/2010/main" val="1856461946"/>
       </p:ext>
     </p:extLst>
   </p:cSld>
@@ -1415,7 +1500,7 @@
     </p:spTree>
     <p:extLst>
       <p:ext uri="{BB962C8B-B14F-4D97-AF65-F5344CB8AC3E}">
-        <p14:creationId xmlns:p14="http://schemas.microsoft.com/office/powerpoint/2010/main" val="4022479126"/>
+        <p14:creationId xmlns:p14="http://schemas.microsoft.com/office/powerpoint/2010/main" val="681798892"/>
       </p:ext>
     </p:extLst>
   </p:cSld>
@@ -5302,7 +5387,7 @@
         </p:nvSpPr>
         <p:spPr>
           <a:xfrm flipV="1">
-            <a:off x="6572405" y="1589823"/>
+            <a:off x="5633948" y="1589823"/>
             <a:ext cx="941805" cy="45719"/>
           </a:xfrm>
           <a:prstGeom prst="rect">
@@ -5351,7 +5436,7 @@
           <p:nvPr>
             <p:extLst>
               <p:ext uri="{D42A27DB-BD31-4B8C-83A1-F6EECF244321}">
-                <p14:modId xmlns:p14="http://schemas.microsoft.com/office/powerpoint/2010/main" val="4089266151"/>
+                <p14:modId xmlns:p14="http://schemas.microsoft.com/office/powerpoint/2010/main" val="2916361566"/>
               </p:ext>
             </p:extLst>
           </p:nvPr>
@@ -5628,9 +5713,7 @@
                       <a:prstDash val="solid"/>
                     </a:lnBlToTr>
                     <a:solidFill>
-                      <a:schemeClr val="bg1">
-                        <a:lumMod val="85000"/>
-                      </a:schemeClr>
+                      <a:schemeClr val="bg1"/>
                     </a:solidFill>
                   </a:tcPr>
                 </a:tc>
@@ -5696,9 +5779,7 @@
                       <a:prstDash val="solid"/>
                     </a:lnBlToTr>
                     <a:solidFill>
-                      <a:schemeClr val="bg1">
-                        <a:lumMod val="85000"/>
-                      </a:schemeClr>
+                      <a:schemeClr val="bg1"/>
                     </a:solidFill>
                   </a:tcPr>
                 </a:tc>
@@ -5707,16 +5788,170 @@
           </a:graphicData>
         </a:graphic>
       </p:graphicFrame>
-      <p:sp>
-        <p:nvSpPr>
-          <p:cNvPr id="7" name="Rectangle 6"/>
+      <p:grpSp>
+        <p:nvGrpSpPr>
+          <p:cNvPr id="4" name="Group 3"/>
+          <p:cNvGrpSpPr/>
+          <p:nvPr/>
+        </p:nvGrpSpPr>
+        <p:grpSpPr>
+          <a:xfrm>
+            <a:off x="4679918" y="2526037"/>
+            <a:ext cx="2836177" cy="777600"/>
+            <a:chOff x="4687470" y="1688556"/>
+            <a:chExt cx="2836177" cy="777600"/>
+          </a:xfrm>
+        </p:grpSpPr>
+        <p:pic>
+          <p:nvPicPr>
+            <p:cNvPr id="9" name="Picture 8"/>
+            <p:cNvPicPr>
+              <a:picLocks noChangeAspect="1"/>
+            </p:cNvPicPr>
+            <p:nvPr/>
+          </p:nvPicPr>
+          <p:blipFill>
+            <a:blip r:embed="rId7" cstate="print">
+              <a:extLst>
+                <a:ext uri="{28A0092B-C50C-407E-A947-70E740481C1C}">
+                  <a14:useLocalDpi xmlns:a14="http://schemas.microsoft.com/office/drawing/2010/main" val="0"/>
+                </a:ext>
+              </a:extLst>
+            </a:blip>
+            <a:stretch>
+              <a:fillRect/>
+            </a:stretch>
+          </p:blipFill>
+          <p:spPr>
+            <a:xfrm>
+              <a:off x="4687470" y="1688556"/>
+              <a:ext cx="777600" cy="777600"/>
+            </a:xfrm>
+            <a:prstGeom prst="rect">
+              <a:avLst/>
+            </a:prstGeom>
+          </p:spPr>
+        </p:pic>
+        <p:sp>
+          <p:nvSpPr>
+            <p:cNvPr id="7" name="Rectangle 6"/>
+            <p:cNvSpPr/>
+            <p:nvPr/>
+          </p:nvSpPr>
+          <p:spPr>
+            <a:xfrm>
+              <a:off x="5406545" y="1689460"/>
+              <a:ext cx="2117102" cy="307777"/>
+            </a:xfrm>
+            <a:prstGeom prst="rect">
+              <a:avLst/>
+            </a:prstGeom>
+          </p:spPr>
+          <p:txBody>
+            <a:bodyPr wrap="square">
+              <a:spAutoFit/>
+            </a:bodyPr>
+            <a:lstStyle/>
+            <a:p>
+              <a:pPr algn="l"/>
+              <a:r>
+                <a:rPr lang="en-US" sz="1400" dirty="0" smtClean="0">
+                  <a:latin typeface="Century Gothic" panose="020B0502020202020204" pitchFamily="34" charset="0"/>
+                </a:rPr>
+                <a:t>Kevin, 28</a:t>
+              </a:r>
+              <a:endParaRPr lang="he-IL" sz="1400" dirty="0"/>
+            </a:p>
+          </p:txBody>
+        </p:sp>
+      </p:grpSp>
+      <p:grpSp>
+        <p:nvGrpSpPr>
+          <p:cNvPr id="21" name="Group 20"/>
+          <p:cNvGrpSpPr/>
+          <p:nvPr/>
+        </p:nvGrpSpPr>
+        <p:grpSpPr>
+          <a:xfrm>
+            <a:off x="4683630" y="4191657"/>
+            <a:ext cx="2839534" cy="777600"/>
+            <a:chOff x="4684113" y="5019147"/>
+            <a:chExt cx="2839534" cy="777600"/>
+          </a:xfrm>
+        </p:grpSpPr>
+        <p:pic>
+          <p:nvPicPr>
+            <p:cNvPr id="26" name="Picture 25"/>
+            <p:cNvPicPr>
+              <a:picLocks noChangeAspect="1"/>
+            </p:cNvPicPr>
+            <p:nvPr/>
+          </p:nvPicPr>
+          <p:blipFill>
+            <a:blip r:embed="rId8" cstate="print">
+              <a:extLst>
+                <a:ext uri="{28A0092B-C50C-407E-A947-70E740481C1C}">
+                  <a14:useLocalDpi xmlns:a14="http://schemas.microsoft.com/office/drawing/2010/main" val="0"/>
+                </a:ext>
+              </a:extLst>
+            </a:blip>
+            <a:stretch>
+              <a:fillRect/>
+            </a:stretch>
+          </p:blipFill>
+          <p:spPr>
+            <a:xfrm>
+              <a:off x="4684113" y="5019147"/>
+              <a:ext cx="777600" cy="777600"/>
+            </a:xfrm>
+            <a:prstGeom prst="rect">
+              <a:avLst/>
+            </a:prstGeom>
+          </p:spPr>
+        </p:pic>
+        <p:sp>
+          <p:nvSpPr>
+            <p:cNvPr id="32" name="Rectangle 31"/>
+            <p:cNvSpPr/>
+            <p:nvPr/>
+          </p:nvSpPr>
+          <p:spPr>
+            <a:xfrm>
+              <a:off x="5406545" y="5031711"/>
+              <a:ext cx="2117102" cy="307777"/>
+            </a:xfrm>
+            <a:prstGeom prst="rect">
+              <a:avLst/>
+            </a:prstGeom>
+          </p:spPr>
+          <p:txBody>
+            <a:bodyPr wrap="square">
+              <a:spAutoFit/>
+            </a:bodyPr>
+            <a:lstStyle/>
+            <a:p>
+              <a:pPr algn="l"/>
+              <a:r>
+                <a:rPr lang="en-US" sz="1400" dirty="0" smtClean="0">
+                  <a:latin typeface="Century Gothic" panose="020B0502020202020204" pitchFamily="34" charset="0"/>
+                </a:rPr>
+                <a:t>Gal, 25</a:t>
+              </a:r>
+              <a:endParaRPr lang="he-IL" sz="1400" dirty="0"/>
+            </a:p>
+          </p:txBody>
+        </p:sp>
+      </p:grpSp>
+      <p:sp>
+        <p:nvSpPr>
+          <p:cNvPr id="30" name="Rectangle 29"/>
           <p:cNvSpPr/>
           <p:nvPr/>
         </p:nvSpPr>
         <p:spPr>
           <a:xfrm>
-            <a:off x="5398993" y="2526941"/>
-            <a:ext cx="2117102" cy="307777"/>
+            <a:off x="5594539" y="1934732"/>
+            <a:ext cx="1862622" cy="246221"/>
           </a:xfrm>
           <a:prstGeom prst="rect">
             <a:avLst/>
@@ -5730,12 +5965,23 @@
           <a:p>
             <a:pPr algn="l"/>
             <a:r>
-              <a:rPr lang="en-US" sz="1400" dirty="0" err="1" smtClean="0">
+              <a:rPr lang="en-US" sz="1000" dirty="0" smtClean="0">
+                <a:solidFill>
+                  <a:schemeClr val="accent1">
+                    <a:lumMod val="75000"/>
+                  </a:schemeClr>
+                </a:solidFill>
                 <a:latin typeface="Century Gothic" panose="020B0502020202020204" pitchFamily="34" charset="0"/>
               </a:rPr>
-              <a:t>Matan</a:t>
-            </a:r>
-            <a:endParaRPr lang="he-IL" sz="1400" dirty="0"/>
+              <a:t>Flying your way!</a:t>
+            </a:r>
+            <a:endParaRPr lang="he-IL" sz="1000" dirty="0">
+              <a:solidFill>
+                <a:schemeClr val="accent1">
+                  <a:lumMod val="75000"/>
+                </a:schemeClr>
+              </a:solidFill>
+            </a:endParaRPr>
           </a:p>
         </p:txBody>
       </p:sp>
@@ -5748,7 +5994,7 @@
           <p:nvPr/>
         </p:nvPicPr>
         <p:blipFill>
-          <a:blip r:embed="rId7" cstate="print">
+          <a:blip r:embed="rId9" cstate="print">
             <a:extLst>
               <a:ext uri="{28A0092B-C50C-407E-A947-70E740481C1C}">
                 <a14:useLocalDpi xmlns:a14="http://schemas.microsoft.com/office/drawing/2010/main" val="0"/>
@@ -5780,16 +6026,200 @@
           </a:extLst>
         </p:spPr>
       </p:pic>
+      <p:sp>
+        <p:nvSpPr>
+          <p:cNvPr id="34" name="Rectangle 33"/>
+          <p:cNvSpPr/>
+          <p:nvPr/>
+        </p:nvSpPr>
+        <p:spPr>
+          <a:xfrm>
+            <a:off x="5595507" y="2110318"/>
+            <a:ext cx="1862622" cy="246221"/>
+          </a:xfrm>
+          <a:prstGeom prst="rect">
+            <a:avLst/>
+          </a:prstGeom>
+        </p:spPr>
+        <p:txBody>
+          <a:bodyPr wrap="square">
+            <a:spAutoFit/>
+          </a:bodyPr>
+          <a:lstStyle/>
+          <a:p>
+            <a:pPr algn="l"/>
+            <a:r>
+              <a:rPr lang="en-US" sz="1000" dirty="0" smtClean="0">
+                <a:solidFill>
+                  <a:srgbClr val="97C777"/>
+                </a:solidFill>
+                <a:latin typeface="Century Gothic" panose="020B0502020202020204" pitchFamily="34" charset="0"/>
+              </a:rPr>
+              <a:t>Same age as you!</a:t>
+            </a:r>
+            <a:endParaRPr lang="he-IL" sz="1000" dirty="0">
+              <a:solidFill>
+                <a:srgbClr val="97C777"/>
+              </a:solidFill>
+            </a:endParaRPr>
+          </a:p>
+        </p:txBody>
+      </p:sp>
+      <p:sp>
+        <p:nvSpPr>
+          <p:cNvPr id="38" name="Rectangle 37"/>
+          <p:cNvSpPr/>
+          <p:nvPr/>
+        </p:nvSpPr>
+        <p:spPr>
+          <a:xfrm>
+            <a:off x="5596265" y="3614750"/>
+            <a:ext cx="1862622" cy="246221"/>
+          </a:xfrm>
+          <a:prstGeom prst="rect">
+            <a:avLst/>
+          </a:prstGeom>
+        </p:spPr>
+        <p:txBody>
+          <a:bodyPr wrap="square">
+            <a:spAutoFit/>
+          </a:bodyPr>
+          <a:lstStyle/>
+          <a:p>
+            <a:pPr algn="l"/>
+            <a:r>
+              <a:rPr lang="en-US" sz="1000" dirty="0" smtClean="0">
+                <a:solidFill>
+                  <a:srgbClr val="FFC000"/>
+                </a:solidFill>
+                <a:latin typeface="Century Gothic" panose="020B0502020202020204" pitchFamily="34" charset="0"/>
+              </a:rPr>
+              <a:t>From your home, Israel!</a:t>
+            </a:r>
+            <a:endParaRPr lang="he-IL" sz="1000" dirty="0">
+              <a:solidFill>
+                <a:srgbClr val="FFC000"/>
+              </a:solidFill>
+            </a:endParaRPr>
+          </a:p>
+        </p:txBody>
+      </p:sp>
+      <p:sp>
+        <p:nvSpPr>
+          <p:cNvPr id="42" name="Rectangle 41"/>
+          <p:cNvSpPr/>
+          <p:nvPr/>
+        </p:nvSpPr>
+        <p:spPr>
+          <a:xfrm>
+            <a:off x="5584137" y="2947279"/>
+            <a:ext cx="1862622" cy="400110"/>
+          </a:xfrm>
+          <a:prstGeom prst="rect">
+            <a:avLst/>
+          </a:prstGeom>
+        </p:spPr>
+        <p:txBody>
+          <a:bodyPr wrap="square">
+            <a:spAutoFit/>
+          </a:bodyPr>
+          <a:lstStyle/>
+          <a:p>
+            <a:pPr algn="l"/>
+            <a:r>
+              <a:rPr lang="en-US" sz="1000" dirty="0" smtClean="0">
+                <a:solidFill>
+                  <a:srgbClr val="9E5ECE"/>
+                </a:solidFill>
+                <a:latin typeface="Century Gothic" panose="020B0502020202020204" pitchFamily="34" charset="0"/>
+              </a:rPr>
+              <a:t>Also studies Computer Science!</a:t>
+            </a:r>
+            <a:endParaRPr lang="he-IL" sz="1000" dirty="0">
+              <a:solidFill>
+                <a:srgbClr val="9E5ECE"/>
+              </a:solidFill>
+            </a:endParaRPr>
+          </a:p>
+        </p:txBody>
+      </p:sp>
+      <p:sp>
+        <p:nvSpPr>
+          <p:cNvPr id="45" name="Rectangle 44"/>
+          <p:cNvSpPr/>
+          <p:nvPr/>
+        </p:nvSpPr>
+        <p:spPr>
+          <a:xfrm>
+            <a:off x="5596265" y="5276329"/>
+            <a:ext cx="1862622" cy="246221"/>
+          </a:xfrm>
+          <a:prstGeom prst="rect">
+            <a:avLst/>
+          </a:prstGeom>
+        </p:spPr>
+        <p:txBody>
+          <a:bodyPr wrap="square">
+            <a:spAutoFit/>
+          </a:bodyPr>
+          <a:lstStyle/>
+          <a:p>
+            <a:pPr algn="l"/>
+            <a:r>
+              <a:rPr lang="en-US" sz="1000" dirty="0" smtClean="0">
+                <a:solidFill>
+                  <a:schemeClr val="accent1">
+                    <a:lumMod val="75000"/>
+                  </a:schemeClr>
+                </a:solidFill>
+                <a:latin typeface="Century Gothic" panose="020B0502020202020204" pitchFamily="34" charset="0"/>
+              </a:rPr>
+              <a:t>Here for business.</a:t>
+            </a:r>
+            <a:endParaRPr lang="he-IL" sz="1000" dirty="0">
+              <a:solidFill>
+                <a:schemeClr val="accent1">
+                  <a:lumMod val="75000"/>
+                </a:schemeClr>
+              </a:solidFill>
+            </a:endParaRPr>
+          </a:p>
+        </p:txBody>
+      </p:sp>
       <p:pic>
         <p:nvPicPr>
-          <p:cNvPr id="53" name="Picture 52"/>
+          <p:cNvPr id="52" name="Picture 51"/>
           <p:cNvPicPr>
             <a:picLocks noChangeAspect="1"/>
           </p:cNvPicPr>
           <p:nvPr/>
         </p:nvPicPr>
         <p:blipFill>
-          <a:blip r:embed="rId8" cstate="print">
+          <a:blip r:embed="rId10"/>
+          <a:stretch>
+            <a:fillRect/>
+          </a:stretch>
+        </p:blipFill>
+        <p:spPr>
+          <a:xfrm>
+            <a:off x="5502759" y="1986156"/>
+            <a:ext cx="164510" cy="164510"/>
+          </a:xfrm>
+          <a:prstGeom prst="rect">
+            <a:avLst/>
+          </a:prstGeom>
+        </p:spPr>
+      </p:pic>
+      <p:pic>
+        <p:nvPicPr>
+          <p:cNvPr id="36" name="Picture 35"/>
+          <p:cNvPicPr>
+            <a:picLocks noChangeAspect="1"/>
+          </p:cNvPicPr>
+          <p:nvPr/>
+        </p:nvPicPr>
+        <p:blipFill>
+          <a:blip r:embed="rId11" cstate="print">
             <a:extLst>
               <a:ext uri="{28A0092B-C50C-407E-A947-70E740481C1C}">
                 <a14:useLocalDpi xmlns:a14="http://schemas.microsoft.com/office/drawing/2010/main" val="0"/>
@@ -5802,7 +6232,7 @@
         </p:blipFill>
         <p:spPr>
           <a:xfrm>
-            <a:off x="4682322" y="2523248"/>
+            <a:off x="4684113" y="3357896"/>
             <a:ext cx="777600" cy="777600"/>
           </a:xfrm>
           <a:prstGeom prst="rect">
@@ -5810,48 +6240,16 @@
           </a:prstGeom>
         </p:spPr>
       </p:pic>
-      <p:sp>
-        <p:nvSpPr>
-          <p:cNvPr id="56" name="Rectangle 55"/>
-          <p:cNvSpPr/>
-          <p:nvPr/>
-        </p:nvSpPr>
-        <p:spPr>
-          <a:xfrm>
-            <a:off x="5406545" y="1689460"/>
-            <a:ext cx="2117102" cy="307777"/>
-          </a:xfrm>
-          <a:prstGeom prst="rect">
-            <a:avLst/>
-          </a:prstGeom>
-        </p:spPr>
-        <p:txBody>
-          <a:bodyPr wrap="square">
-            <a:spAutoFit/>
-          </a:bodyPr>
-          <a:lstStyle/>
-          <a:p>
-            <a:pPr algn="l"/>
-            <a:r>
-              <a:rPr lang="en-US" sz="1400" dirty="0" err="1" smtClean="0">
-                <a:latin typeface="Century Gothic" panose="020B0502020202020204" pitchFamily="34" charset="0"/>
-              </a:rPr>
-              <a:t>Tomer</a:t>
-            </a:r>
-            <a:endParaRPr lang="he-IL" sz="1400" dirty="0"/>
-          </a:p>
-        </p:txBody>
-      </p:sp>
       <p:pic>
         <p:nvPicPr>
-          <p:cNvPr id="62" name="Picture 61"/>
+          <p:cNvPr id="53" name="Picture 52"/>
           <p:cNvPicPr>
             <a:picLocks noChangeAspect="1"/>
           </p:cNvPicPr>
           <p:nvPr/>
         </p:nvPicPr>
         <p:blipFill>
-          <a:blip r:embed="rId9" cstate="print">
+          <a:blip r:embed="rId12" cstate="print">
             <a:extLst>
               <a:ext uri="{28A0092B-C50C-407E-A947-70E740481C1C}">
                 <a14:useLocalDpi xmlns:a14="http://schemas.microsoft.com/office/drawing/2010/main" val="0"/>
@@ -5864,7 +6262,7 @@
         </p:blipFill>
         <p:spPr>
           <a:xfrm>
-            <a:off x="4682791" y="1689457"/>
+            <a:off x="4688347" y="1691102"/>
             <a:ext cx="777600" cy="777600"/>
           </a:xfrm>
           <a:prstGeom prst="rect">
@@ -5874,14 +6272,14 @@
       </p:pic>
       <p:sp>
         <p:nvSpPr>
-          <p:cNvPr id="63" name="Rectangle 62"/>
+          <p:cNvPr id="56" name="Rectangle 55"/>
           <p:cNvSpPr/>
           <p:nvPr/>
         </p:nvSpPr>
         <p:spPr>
           <a:xfrm>
-            <a:off x="5562600" y="2027433"/>
-            <a:ext cx="1943600" cy="215444"/>
+            <a:off x="5406545" y="1689460"/>
+            <a:ext cx="2117102" cy="307777"/>
           </a:xfrm>
           <a:prstGeom prst="rect">
             <a:avLst/>
@@ -5893,34 +6291,33 @@
           </a:bodyPr>
           <a:lstStyle/>
           <a:p>
-            <a:pPr algn="just" rtl="0"/>
-            <a:r>
-              <a:rPr lang="en-US" sz="800" dirty="0" smtClean="0">
+            <a:pPr algn="l"/>
+            <a:r>
+              <a:rPr lang="en-US" sz="1400" dirty="0" err="1" smtClean="0">
                 <a:latin typeface="Century Gothic" panose="020B0502020202020204" pitchFamily="34" charset="0"/>
               </a:rPr>
-              <a:t>Great! </a:t>
-            </a:r>
-            <a:r>
-              <a:rPr lang="en-US" sz="800" dirty="0" smtClean="0">
+              <a:t>Matan</a:t>
+            </a:r>
+            <a:r>
+              <a:rPr lang="en-US" sz="1400" dirty="0" smtClean="0">
                 <a:latin typeface="Century Gothic" panose="020B0502020202020204" pitchFamily="34" charset="0"/>
-                <a:sym typeface="Wingdings" panose="05000000000000000000" pitchFamily="2" charset="2"/>
               </a:rPr>
-              <a:t>:) See you there!</a:t>
-            </a:r>
-            <a:endParaRPr lang="he-IL" sz="800" dirty="0"/>
-          </a:p>
-        </p:txBody>
-      </p:sp>
-      <p:sp>
-        <p:nvSpPr>
-          <p:cNvPr id="65" name="Rectangle 64"/>
+              <a:t>, 26</a:t>
+            </a:r>
+            <a:endParaRPr lang="he-IL" sz="1400" dirty="0"/>
+          </a:p>
+        </p:txBody>
+      </p:sp>
+      <p:sp>
+        <p:nvSpPr>
+          <p:cNvPr id="57" name="Rectangle 56"/>
           <p:cNvSpPr/>
           <p:nvPr/>
         </p:nvSpPr>
         <p:spPr>
           <a:xfrm>
-            <a:off x="5028044" y="2267437"/>
-            <a:ext cx="2493616" cy="215444"/>
+            <a:off x="5406545" y="3363726"/>
+            <a:ext cx="2117102" cy="307777"/>
           </a:xfrm>
           <a:prstGeom prst="rect">
             <a:avLst/>
@@ -5932,34 +6329,133 @@
           </a:bodyPr>
           <a:lstStyle/>
           <a:p>
-            <a:pPr rtl="0"/>
-            <a:r>
-              <a:rPr lang="en-US" sz="800" dirty="0" smtClean="0">
-                <a:solidFill>
-                  <a:srgbClr val="C00000"/>
-                </a:solidFill>
+            <a:pPr algn="l"/>
+            <a:r>
+              <a:rPr lang="en-US" sz="1400" dirty="0" err="1" smtClean="0">
                 <a:latin typeface="Century Gothic" panose="020B0502020202020204" pitchFamily="34" charset="0"/>
               </a:rPr>
-              <a:t>seen 10 minutes ago</a:t>
-            </a:r>
-            <a:endParaRPr lang="he-IL" sz="800" dirty="0">
-              <a:solidFill>
-                <a:srgbClr val="C00000"/>
-              </a:solidFill>
-            </a:endParaRPr>
-          </a:p>
-        </p:txBody>
-      </p:sp>
-      <p:sp>
-        <p:nvSpPr>
-          <p:cNvPr id="70" name="Rectangle 69"/>
+              <a:t>Aviya</a:t>
+            </a:r>
+            <a:r>
+              <a:rPr lang="en-US" sz="1400" dirty="0" smtClean="0">
+                <a:latin typeface="Century Gothic" panose="020B0502020202020204" pitchFamily="34" charset="0"/>
+              </a:rPr>
+              <a:t>, 26</a:t>
+            </a:r>
+            <a:endParaRPr lang="he-IL" sz="1400" dirty="0"/>
+          </a:p>
+        </p:txBody>
+      </p:sp>
+      <p:grpSp>
+        <p:nvGrpSpPr>
+          <p:cNvPr id="59" name="Group 58"/>
+          <p:cNvGrpSpPr/>
+          <p:nvPr/>
+        </p:nvGrpSpPr>
+        <p:grpSpPr>
+          <a:xfrm>
+            <a:off x="4684113" y="5010639"/>
+            <a:ext cx="2848877" cy="777600"/>
+            <a:chOff x="4674770" y="4173088"/>
+            <a:chExt cx="2848877" cy="777600"/>
+          </a:xfrm>
+        </p:grpSpPr>
+        <p:sp>
+          <p:nvSpPr>
+            <p:cNvPr id="60" name="Rectangle 59"/>
+            <p:cNvSpPr/>
+            <p:nvPr/>
+          </p:nvSpPr>
+          <p:spPr>
+            <a:xfrm>
+              <a:off x="5406545" y="4183087"/>
+              <a:ext cx="2117102" cy="307777"/>
+            </a:xfrm>
+            <a:prstGeom prst="rect">
+              <a:avLst/>
+            </a:prstGeom>
+          </p:spPr>
+          <p:txBody>
+            <a:bodyPr wrap="square">
+              <a:spAutoFit/>
+            </a:bodyPr>
+            <a:lstStyle/>
+            <a:p>
+              <a:pPr algn="l"/>
+              <a:r>
+                <a:rPr lang="en-US" sz="1400" dirty="0" smtClean="0">
+                  <a:latin typeface="Century Gothic" panose="020B0502020202020204" pitchFamily="34" charset="0"/>
+                </a:rPr>
+                <a:t>Donnie, 56</a:t>
+              </a:r>
+              <a:endParaRPr lang="he-IL" sz="1400" dirty="0"/>
+            </a:p>
+          </p:txBody>
+        </p:sp>
+        <p:pic>
+          <p:nvPicPr>
+            <p:cNvPr id="61" name="Picture 60"/>
+            <p:cNvPicPr>
+              <a:picLocks noChangeAspect="1"/>
+            </p:cNvPicPr>
+            <p:nvPr/>
+          </p:nvPicPr>
+          <p:blipFill rotWithShape="1">
+            <a:blip r:embed="rId13" cstate="print">
+              <a:extLst>
+                <a:ext uri="{28A0092B-C50C-407E-A947-70E740481C1C}">
+                  <a14:useLocalDpi xmlns:a14="http://schemas.microsoft.com/office/drawing/2010/main" val="0"/>
+                </a:ext>
+              </a:extLst>
+            </a:blip>
+            <a:srcRect l="14312" t="-504" r="10658" b="504"/>
+            <a:stretch/>
+          </p:blipFill>
+          <p:spPr>
+            <a:xfrm>
+              <a:off x="4674770" y="4173088"/>
+              <a:ext cx="777894" cy="777600"/>
+            </a:xfrm>
+            <a:prstGeom prst="rect">
+              <a:avLst/>
+            </a:prstGeom>
+          </p:spPr>
+        </p:pic>
+      </p:grpSp>
+      <p:pic>
+        <p:nvPicPr>
+          <p:cNvPr id="1024" name="Picture 1023"/>
+          <p:cNvPicPr>
+            <a:picLocks noChangeAspect="1"/>
+          </p:cNvPicPr>
+          <p:nvPr/>
+        </p:nvPicPr>
+        <p:blipFill>
+          <a:blip r:embed="rId14"/>
+          <a:stretch>
+            <a:fillRect/>
+          </a:stretch>
+        </p:blipFill>
+        <p:spPr>
+          <a:xfrm>
+            <a:off x="5497393" y="2145574"/>
+            <a:ext cx="158310" cy="158310"/>
+          </a:xfrm>
+          <a:prstGeom prst="rect">
+            <a:avLst/>
+          </a:prstGeom>
+        </p:spPr>
+      </p:pic>
+      <p:sp>
+        <p:nvSpPr>
+          <p:cNvPr id="66" name="Rectangle 65"/>
           <p:cNvSpPr/>
           <p:nvPr/>
         </p:nvSpPr>
         <p:spPr>
           <a:xfrm>
-            <a:off x="5053863" y="3108278"/>
-            <a:ext cx="2493616" cy="215444"/>
+            <a:off x="5594539" y="2772788"/>
+            <a:ext cx="1862622" cy="246221"/>
           </a:xfrm>
           <a:prstGeom prst="rect">
             <a:avLst/>
@@ -5971,34 +6467,62 @@
           </a:bodyPr>
           <a:lstStyle/>
           <a:p>
-            <a:pPr rtl="0"/>
-            <a:r>
-              <a:rPr lang="en-US" sz="800" dirty="0" smtClean="0">
+            <a:pPr algn="l"/>
+            <a:r>
+              <a:rPr lang="en-US" sz="1000" dirty="0" smtClean="0">
                 <a:solidFill>
-                  <a:srgbClr val="C00000"/>
+                  <a:schemeClr val="accent1">
+                    <a:lumMod val="75000"/>
+                  </a:schemeClr>
                 </a:solidFill>
                 <a:latin typeface="Century Gothic" panose="020B0502020202020204" pitchFamily="34" charset="0"/>
               </a:rPr>
-              <a:t>seen 1 hour ago</a:t>
-            </a:r>
-            <a:endParaRPr lang="he-IL" sz="800" dirty="0">
+              <a:t>Flying your way!</a:t>
+            </a:r>
+            <a:endParaRPr lang="he-IL" sz="1000" dirty="0">
               <a:solidFill>
-                <a:srgbClr val="C00000"/>
+                <a:schemeClr val="accent1">
+                  <a:lumMod val="75000"/>
+                </a:schemeClr>
               </a:solidFill>
             </a:endParaRPr>
           </a:p>
         </p:txBody>
       </p:sp>
-      <p:sp>
-        <p:nvSpPr>
-          <p:cNvPr id="71" name="Rectangle 70"/>
+      <p:pic>
+        <p:nvPicPr>
+          <p:cNvPr id="67" name="Picture 66"/>
+          <p:cNvPicPr>
+            <a:picLocks noChangeAspect="1"/>
+          </p:cNvPicPr>
+          <p:nvPr/>
+        </p:nvPicPr>
+        <p:blipFill>
+          <a:blip r:embed="rId10"/>
+          <a:stretch>
+            <a:fillRect/>
+          </a:stretch>
+        </p:blipFill>
+        <p:spPr>
+          <a:xfrm>
+            <a:off x="5502759" y="2824212"/>
+            <a:ext cx="164510" cy="164510"/>
+          </a:xfrm>
+          <a:prstGeom prst="rect">
+            <a:avLst/>
+          </a:prstGeom>
+        </p:spPr>
+      </p:pic>
+      <p:sp>
+        <p:nvSpPr>
+          <p:cNvPr id="68" name="Rectangle 67"/>
           <p:cNvSpPr/>
           <p:nvPr/>
         </p:nvSpPr>
         <p:spPr>
           <a:xfrm>
-            <a:off x="5398993" y="2869960"/>
-            <a:ext cx="1987645" cy="215444"/>
+            <a:off x="5608617" y="3764616"/>
+            <a:ext cx="1862622" cy="246221"/>
           </a:xfrm>
           <a:prstGeom prst="rect">
             <a:avLst/>
@@ -6010,39 +6534,308 @@
           </a:bodyPr>
           <a:lstStyle/>
           <a:p>
-            <a:pPr algn="just"/>
-            <a:r>
-              <a:rPr lang="en-US" sz="800" dirty="0" smtClean="0">
+            <a:pPr algn="l"/>
+            <a:r>
+              <a:rPr lang="en-US" sz="1000" dirty="0" smtClean="0">
+                <a:solidFill>
+                  <a:srgbClr val="97C777"/>
+                </a:solidFill>
                 <a:latin typeface="Century Gothic" panose="020B0502020202020204" pitchFamily="34" charset="0"/>
               </a:rPr>
-              <a:t>Hey </a:t>
-            </a:r>
-            <a:r>
-              <a:rPr lang="en-US" sz="800" dirty="0" smtClean="0">
+              <a:t>Same age as you!</a:t>
+            </a:r>
+            <a:endParaRPr lang="he-IL" sz="1000" dirty="0">
+              <a:solidFill>
+                <a:srgbClr val="97C777"/>
+              </a:solidFill>
+            </a:endParaRPr>
+          </a:p>
+        </p:txBody>
+      </p:sp>
+      <p:sp>
+        <p:nvSpPr>
+          <p:cNvPr id="69" name="Rectangle 68"/>
+          <p:cNvSpPr/>
+          <p:nvPr/>
+        </p:nvSpPr>
+        <p:spPr>
+          <a:xfrm>
+            <a:off x="5591274" y="2261448"/>
+            <a:ext cx="1862622" cy="246221"/>
+          </a:xfrm>
+          <a:prstGeom prst="rect">
+            <a:avLst/>
+          </a:prstGeom>
+        </p:spPr>
+        <p:txBody>
+          <a:bodyPr wrap="square">
+            <a:spAutoFit/>
+          </a:bodyPr>
+          <a:lstStyle/>
+          <a:p>
+            <a:pPr algn="l"/>
+            <a:r>
+              <a:rPr lang="en-US" sz="1000" dirty="0" smtClean="0">
+                <a:solidFill>
+                  <a:srgbClr val="FFC000"/>
+                </a:solidFill>
                 <a:latin typeface="Century Gothic" panose="020B0502020202020204" pitchFamily="34" charset="0"/>
               </a:rPr>
-              <a:t>dude!</a:t>
-            </a:r>
-            <a:endParaRPr lang="he-IL" sz="800" dirty="0"/>
+              <a:t>From your home, Israel!</a:t>
+            </a:r>
+            <a:endParaRPr lang="he-IL" sz="1000" dirty="0">
+              <a:solidFill>
+                <a:srgbClr val="FFC000"/>
+              </a:solidFill>
+            </a:endParaRPr>
           </a:p>
         </p:txBody>
       </p:sp>
       <p:pic>
         <p:nvPicPr>
-          <p:cNvPr id="2" name="Picture 1"/>
+          <p:cNvPr id="72" name="Picture 71"/>
           <p:cNvPicPr>
             <a:picLocks noChangeAspect="1"/>
           </p:cNvPicPr>
           <p:nvPr/>
         </p:nvPicPr>
         <p:blipFill>
-          <a:blip r:embed="rId10">
+          <a:blip r:embed="rId15"/>
+          <a:stretch>
+            <a:fillRect/>
+          </a:stretch>
+        </p:blipFill>
+        <p:spPr>
+          <a:xfrm>
+            <a:off x="5494621" y="2309712"/>
+            <a:ext cx="128260" cy="128258"/>
+          </a:xfrm>
+          <a:prstGeom prst="rect">
+            <a:avLst/>
+          </a:prstGeom>
+        </p:spPr>
+      </p:pic>
+      <p:sp>
+        <p:nvSpPr>
+          <p:cNvPr id="73" name="Rectangle 72"/>
+          <p:cNvSpPr/>
+          <p:nvPr/>
+        </p:nvSpPr>
+        <p:spPr>
+          <a:xfrm>
+            <a:off x="5591274" y="3918721"/>
+            <a:ext cx="1862622" cy="246221"/>
+          </a:xfrm>
+          <a:prstGeom prst="rect">
+            <a:avLst/>
+          </a:prstGeom>
+        </p:spPr>
+        <p:txBody>
+          <a:bodyPr wrap="square">
+            <a:spAutoFit/>
+          </a:bodyPr>
+          <a:lstStyle/>
+          <a:p>
+            <a:pPr algn="l"/>
+            <a:r>
+              <a:rPr lang="en-US" sz="1000" dirty="0" smtClean="0">
+                <a:solidFill>
+                  <a:srgbClr val="9E5ECE"/>
+                </a:solidFill>
+                <a:latin typeface="Century Gothic" panose="020B0502020202020204" pitchFamily="34" charset="0"/>
+              </a:rPr>
+              <a:t>Also loves dogs!</a:t>
+            </a:r>
+            <a:endParaRPr lang="he-IL" sz="1000" dirty="0">
+              <a:solidFill>
+                <a:srgbClr val="9E5ECE"/>
+              </a:solidFill>
+            </a:endParaRPr>
+          </a:p>
+        </p:txBody>
+      </p:sp>
+      <p:sp>
+        <p:nvSpPr>
+          <p:cNvPr id="76" name="Rectangle 75"/>
+          <p:cNvSpPr/>
+          <p:nvPr/>
+        </p:nvSpPr>
+        <p:spPr>
+          <a:xfrm>
+            <a:off x="5622881" y="4623117"/>
+            <a:ext cx="1862622" cy="246221"/>
+          </a:xfrm>
+          <a:prstGeom prst="rect">
+            <a:avLst/>
+          </a:prstGeom>
+        </p:spPr>
+        <p:txBody>
+          <a:bodyPr wrap="square">
+            <a:spAutoFit/>
+          </a:bodyPr>
+          <a:lstStyle/>
+          <a:p>
+            <a:pPr algn="l"/>
+            <a:r>
+              <a:rPr lang="en-US" sz="1000" dirty="0" smtClean="0">
+                <a:solidFill>
+                  <a:srgbClr val="FFC000"/>
+                </a:solidFill>
+                <a:latin typeface="Century Gothic" panose="020B0502020202020204" pitchFamily="34" charset="0"/>
+              </a:rPr>
+              <a:t>From your home, Israel!</a:t>
+            </a:r>
+            <a:endParaRPr lang="he-IL" sz="1000" dirty="0">
+              <a:solidFill>
+                <a:srgbClr val="FFC000"/>
+              </a:solidFill>
+            </a:endParaRPr>
+          </a:p>
+        </p:txBody>
+      </p:sp>
+      <p:pic>
+        <p:nvPicPr>
+          <p:cNvPr id="77" name="Picture 76"/>
+          <p:cNvPicPr>
+            <a:picLocks noChangeAspect="1"/>
+          </p:cNvPicPr>
+          <p:nvPr/>
+        </p:nvPicPr>
+        <p:blipFill>
+          <a:blip r:embed="rId15"/>
+          <a:stretch>
+            <a:fillRect/>
+          </a:stretch>
+        </p:blipFill>
+        <p:spPr>
+          <a:xfrm>
+            <a:off x="5526228" y="4671381"/>
+            <a:ext cx="128260" cy="128258"/>
+          </a:xfrm>
+          <a:prstGeom prst="rect">
+            <a:avLst/>
+          </a:prstGeom>
+        </p:spPr>
+      </p:pic>
+      <p:sp>
+        <p:nvSpPr>
+          <p:cNvPr id="78" name="Rectangle 77"/>
+          <p:cNvSpPr/>
+          <p:nvPr/>
+        </p:nvSpPr>
+        <p:spPr>
+          <a:xfrm>
+            <a:off x="5622881" y="4458862"/>
+            <a:ext cx="1862622" cy="246221"/>
+          </a:xfrm>
+          <a:prstGeom prst="rect">
+            <a:avLst/>
+          </a:prstGeom>
+        </p:spPr>
+        <p:txBody>
+          <a:bodyPr wrap="square">
+            <a:spAutoFit/>
+          </a:bodyPr>
+          <a:lstStyle/>
+          <a:p>
+            <a:pPr algn="l"/>
+            <a:r>
+              <a:rPr lang="en-US" sz="1000" dirty="0" smtClean="0">
+                <a:solidFill>
+                  <a:schemeClr val="accent1">
+                    <a:lumMod val="75000"/>
+                  </a:schemeClr>
+                </a:solidFill>
+                <a:latin typeface="Century Gothic" panose="020B0502020202020204" pitchFamily="34" charset="0"/>
+              </a:rPr>
+              <a:t>Here for a long time.</a:t>
+            </a:r>
+            <a:endParaRPr lang="he-IL" sz="1000" dirty="0">
+              <a:solidFill>
+                <a:schemeClr val="accent1">
+                  <a:lumMod val="75000"/>
+                </a:schemeClr>
+              </a:solidFill>
+            </a:endParaRPr>
+          </a:p>
+        </p:txBody>
+      </p:sp>
+      <p:sp>
+        <p:nvSpPr>
+          <p:cNvPr id="79" name="Rectangle 78"/>
+          <p:cNvSpPr/>
+          <p:nvPr/>
+        </p:nvSpPr>
+        <p:spPr>
+          <a:xfrm>
+            <a:off x="5584137" y="5434135"/>
+            <a:ext cx="1862622" cy="246221"/>
+          </a:xfrm>
+          <a:prstGeom prst="rect">
+            <a:avLst/>
+          </a:prstGeom>
+        </p:spPr>
+        <p:txBody>
+          <a:bodyPr wrap="square">
+            <a:spAutoFit/>
+          </a:bodyPr>
+          <a:lstStyle/>
+          <a:p>
+            <a:pPr algn="l"/>
+            <a:r>
+              <a:rPr lang="en-US" sz="1000" dirty="0" smtClean="0">
+                <a:solidFill>
+                  <a:srgbClr val="9E5ECE"/>
+                </a:solidFill>
+                <a:latin typeface="Century Gothic" panose="020B0502020202020204" pitchFamily="34" charset="0"/>
+              </a:rPr>
+              <a:t>Works in </a:t>
+            </a:r>
+            <a:r>
+              <a:rPr lang="en-US" sz="1000" dirty="0" err="1" smtClean="0">
+                <a:solidFill>
+                  <a:srgbClr val="9E5ECE"/>
+                </a:solidFill>
+                <a:latin typeface="Century Gothic" panose="020B0502020202020204" pitchFamily="34" charset="0"/>
+              </a:rPr>
+              <a:t>RedHat</a:t>
+            </a:r>
+            <a:r>
+              <a:rPr lang="en-US" sz="1000" dirty="0" smtClean="0">
+                <a:solidFill>
+                  <a:srgbClr val="9E5ECE"/>
+                </a:solidFill>
+                <a:latin typeface="Century Gothic" panose="020B0502020202020204" pitchFamily="34" charset="0"/>
+              </a:rPr>
+              <a:t>.</a:t>
+            </a:r>
+            <a:endParaRPr lang="he-IL" sz="1000" dirty="0">
+              <a:solidFill>
+                <a:srgbClr val="9E5ECE"/>
+              </a:solidFill>
+            </a:endParaRPr>
+          </a:p>
+        </p:txBody>
+      </p:sp>
+      <p:pic>
+        <p:nvPicPr>
+          <p:cNvPr id="1028" name="Picture 1027"/>
+          <p:cNvPicPr>
+            <a:picLocks noChangeAspect="1"/>
+          </p:cNvPicPr>
+          <p:nvPr/>
+        </p:nvPicPr>
+        <p:blipFill>
+          <a:blip r:embed="rId16">
             <a:extLst>
               <a:ext uri="{BEBA8EAE-BF5A-486C-A8C5-ECC9F3942E4B}">
                 <a14:imgProps xmlns:a14="http://schemas.microsoft.com/office/drawing/2010/main">
-                  <a14:imgLayer r:embed="rId11">
+                  <a14:imgLayer r:embed="rId17">
                     <a14:imgEffect>
-                      <a14:backgroundRemoval t="9961" b="89844" l="0" r="100000"/>
+                      <a14:backgroundRemoval t="9961" b="89844" l="0" r="100000">
+                        <a14:foregroundMark x1="1953" y1="55469" x2="1953" y2="55469"/>
+                        <a14:foregroundMark x1="41016" y1="59961" x2="41016" y2="59961"/>
+                      </a14:backgroundRemoval>
                     </a14:imgEffect>
                   </a14:imgLayer>
                 </a14:imgProps>
@@ -6055,8 +6848,8 @@
         </p:blipFill>
         <p:spPr>
           <a:xfrm>
-            <a:off x="5503016" y="2070710"/>
-            <a:ext cx="121737" cy="121737"/>
+            <a:off x="5505844" y="3071048"/>
+            <a:ext cx="145078" cy="145078"/>
           </a:xfrm>
           <a:prstGeom prst="rect">
             <a:avLst/>
@@ -6065,20 +6858,68 @@
       </p:pic>
       <p:pic>
         <p:nvPicPr>
-          <p:cNvPr id="4" name="Picture 3"/>
+          <p:cNvPr id="81" name="Picture 80"/>
           <p:cNvPicPr>
             <a:picLocks noChangeAspect="1"/>
           </p:cNvPicPr>
           <p:nvPr/>
         </p:nvPicPr>
         <p:blipFill>
-          <a:blip r:embed="rId12">
+          <a:blip r:embed="rId15"/>
+          <a:stretch>
+            <a:fillRect/>
+          </a:stretch>
+        </p:blipFill>
+        <p:spPr>
+          <a:xfrm>
+            <a:off x="5502759" y="3683991"/>
+            <a:ext cx="128260" cy="128258"/>
+          </a:xfrm>
+          <a:prstGeom prst="rect">
+            <a:avLst/>
+          </a:prstGeom>
+        </p:spPr>
+      </p:pic>
+      <p:pic>
+        <p:nvPicPr>
+          <p:cNvPr id="84" name="Picture 83"/>
+          <p:cNvPicPr>
+            <a:picLocks noChangeAspect="1"/>
+          </p:cNvPicPr>
+          <p:nvPr/>
+        </p:nvPicPr>
+        <p:blipFill>
+          <a:blip r:embed="rId14"/>
+          <a:stretch>
+            <a:fillRect/>
+          </a:stretch>
+        </p:blipFill>
+        <p:spPr>
+          <a:xfrm>
+            <a:off x="5493251" y="3804459"/>
+            <a:ext cx="158310" cy="158310"/>
+          </a:xfrm>
+          <a:prstGeom prst="rect">
+            <a:avLst/>
+          </a:prstGeom>
+        </p:spPr>
+      </p:pic>
+      <p:pic>
+        <p:nvPicPr>
+          <p:cNvPr id="1029" name="Picture 1028"/>
+          <p:cNvPicPr>
+            <a:picLocks noChangeAspect="1"/>
+          </p:cNvPicPr>
+          <p:nvPr/>
+        </p:nvPicPr>
+        <p:blipFill>
+          <a:blip r:embed="rId18">
             <a:extLst>
               <a:ext uri="{BEBA8EAE-BF5A-486C-A8C5-ECC9F3942E4B}">
                 <a14:imgProps xmlns:a14="http://schemas.microsoft.com/office/drawing/2010/main">
-                  <a14:imgLayer r:embed="rId13">
+                  <a14:imgLayer r:embed="rId19">
                     <a14:imgEffect>
-                      <a14:backgroundRemoval t="9961" b="89844" l="586" r="100000"/>
+                      <a14:backgroundRemoval t="1758" b="97852" l="0" r="100000"/>
                     </a14:imgEffect>
                   </a14:imgLayer>
                 </a14:imgProps>
@@ -6091,178 +6932,33 @@
         </p:blipFill>
         <p:spPr>
           <a:xfrm>
-            <a:off x="7315056" y="2916959"/>
-            <a:ext cx="121737" cy="121737"/>
+            <a:off x="5515309" y="4001573"/>
+            <a:ext cx="100850" cy="100850"/>
           </a:xfrm>
           <a:prstGeom prst="rect">
             <a:avLst/>
           </a:prstGeom>
         </p:spPr>
       </p:pic>
-      <p:sp>
-        <p:nvSpPr>
-          <p:cNvPr id="25" name="Rectangle 24"/>
-          <p:cNvSpPr/>
-          <p:nvPr/>
-        </p:nvSpPr>
-        <p:spPr>
-          <a:xfrm>
-            <a:off x="5398993" y="3360732"/>
-            <a:ext cx="2117102" cy="307777"/>
-          </a:xfrm>
-          <a:prstGeom prst="rect">
-            <a:avLst/>
-          </a:prstGeom>
-        </p:spPr>
-        <p:txBody>
-          <a:bodyPr wrap="square">
-            <a:spAutoFit/>
-          </a:bodyPr>
-          <a:lstStyle/>
-          <a:p>
-            <a:pPr algn="l"/>
-            <a:r>
-              <a:rPr lang="en-US" sz="1400" dirty="0" smtClean="0">
-                <a:latin typeface="Century Gothic" panose="020B0502020202020204" pitchFamily="34" charset="0"/>
-              </a:rPr>
-              <a:t>Emily</a:t>
-            </a:r>
-            <a:endParaRPr lang="he-IL" sz="1400" dirty="0"/>
-          </a:p>
-        </p:txBody>
-      </p:sp>
-      <p:sp>
-        <p:nvSpPr>
-          <p:cNvPr id="28" name="Rectangle 27"/>
-          <p:cNvSpPr/>
-          <p:nvPr/>
-        </p:nvSpPr>
-        <p:spPr>
-          <a:xfrm>
-            <a:off x="5053863" y="3942069"/>
-            <a:ext cx="2493616" cy="215444"/>
-          </a:xfrm>
-          <a:prstGeom prst="rect">
-            <a:avLst/>
-          </a:prstGeom>
-        </p:spPr>
-        <p:txBody>
-          <a:bodyPr wrap="square">
-            <a:spAutoFit/>
-          </a:bodyPr>
-          <a:lstStyle/>
-          <a:p>
-            <a:pPr rtl="0"/>
-            <a:r>
-              <a:rPr lang="en-US" sz="800" dirty="0" smtClean="0">
-                <a:solidFill>
-                  <a:srgbClr val="C00000"/>
-                </a:solidFill>
-                <a:latin typeface="Century Gothic" panose="020B0502020202020204" pitchFamily="34" charset="0"/>
-              </a:rPr>
-              <a:t>seen </a:t>
-            </a:r>
-            <a:r>
-              <a:rPr lang="en-US" sz="800" dirty="0">
-                <a:solidFill>
-                  <a:srgbClr val="C00000"/>
-                </a:solidFill>
-                <a:latin typeface="Century Gothic" panose="020B0502020202020204" pitchFamily="34" charset="0"/>
-              </a:rPr>
-              <a:t>1</a:t>
-            </a:r>
-            <a:r>
-              <a:rPr lang="en-US" sz="800" dirty="0" smtClean="0">
-                <a:solidFill>
-                  <a:srgbClr val="C00000"/>
-                </a:solidFill>
-                <a:latin typeface="Century Gothic" panose="020B0502020202020204" pitchFamily="34" charset="0"/>
-              </a:rPr>
-              <a:t> hour and 20 </a:t>
-            </a:r>
-            <a:r>
-              <a:rPr lang="en-US" sz="800" dirty="0" err="1" smtClean="0">
-                <a:solidFill>
-                  <a:srgbClr val="C00000"/>
-                </a:solidFill>
-                <a:latin typeface="Century Gothic" panose="020B0502020202020204" pitchFamily="34" charset="0"/>
-              </a:rPr>
-              <a:t>minuts</a:t>
-            </a:r>
-            <a:r>
-              <a:rPr lang="en-US" sz="800" dirty="0" smtClean="0">
-                <a:solidFill>
-                  <a:srgbClr val="C00000"/>
-                </a:solidFill>
-                <a:latin typeface="Century Gothic" panose="020B0502020202020204" pitchFamily="34" charset="0"/>
-              </a:rPr>
-              <a:t> </a:t>
-            </a:r>
-            <a:r>
-              <a:rPr lang="en-US" sz="800" dirty="0" smtClean="0">
-                <a:solidFill>
-                  <a:srgbClr val="C00000"/>
-                </a:solidFill>
-                <a:latin typeface="Century Gothic" panose="020B0502020202020204" pitchFamily="34" charset="0"/>
-              </a:rPr>
-              <a:t>ago</a:t>
-            </a:r>
-            <a:endParaRPr lang="he-IL" sz="800" dirty="0">
-              <a:solidFill>
-                <a:srgbClr val="C00000"/>
-              </a:solidFill>
-            </a:endParaRPr>
-          </a:p>
-        </p:txBody>
-      </p:sp>
-      <p:sp>
-        <p:nvSpPr>
-          <p:cNvPr id="29" name="Rectangle 28"/>
-          <p:cNvSpPr/>
-          <p:nvPr/>
-        </p:nvSpPr>
-        <p:spPr>
-          <a:xfrm>
-            <a:off x="5398993" y="3703751"/>
-            <a:ext cx="1987645" cy="215444"/>
-          </a:xfrm>
-          <a:prstGeom prst="rect">
-            <a:avLst/>
-          </a:prstGeom>
-        </p:spPr>
-        <p:txBody>
-          <a:bodyPr wrap="square">
-            <a:spAutoFit/>
-          </a:bodyPr>
-          <a:lstStyle/>
-          <a:p>
-            <a:pPr algn="just"/>
-            <a:r>
-              <a:rPr lang="en-US" sz="800" dirty="0" smtClean="0">
-                <a:latin typeface="Century Gothic" panose="020B0502020202020204" pitchFamily="34" charset="0"/>
-              </a:rPr>
-              <a:t>I’ll will be at FCO at 11am.</a:t>
-            </a:r>
-            <a:endParaRPr lang="he-IL" sz="800" dirty="0"/>
-          </a:p>
-        </p:txBody>
-      </p:sp>
       <p:pic>
         <p:nvPicPr>
-          <p:cNvPr id="30" name="Picture 29"/>
+          <p:cNvPr id="1030" name="Picture 1029"/>
           <p:cNvPicPr>
             <a:picLocks noChangeAspect="1"/>
           </p:cNvPicPr>
           <p:nvPr/>
         </p:nvPicPr>
         <p:blipFill>
-          <a:blip r:embed="rId12">
+          <a:blip r:embed="rId20">
             <a:extLst>
               <a:ext uri="{BEBA8EAE-BF5A-486C-A8C5-ECC9F3942E4B}">
                 <a14:imgProps xmlns:a14="http://schemas.microsoft.com/office/drawing/2010/main">
-                  <a14:imgLayer r:embed="rId13">
+                  <a14:imgLayer r:embed="rId21">
                     <a14:imgEffect>
-                      <a14:backgroundRemoval t="9961" b="89844" l="586" r="100000"/>
+                      <a14:backgroundRemoval t="0" b="100000" l="2344" r="96289">
+                        <a14:foregroundMark x1="49805" y1="29492" x2="49805" y2="29492"/>
+                        <a14:foregroundMark x1="49219" y1="78320" x2="49219" y2="78320"/>
+                      </a14:backgroundRemoval>
                     </a14:imgEffect>
                   </a14:imgLayer>
                 </a14:imgProps>
@@ -6275,8 +6971,8 @@
         </p:blipFill>
         <p:spPr>
           <a:xfrm>
-            <a:off x="7315056" y="3750750"/>
-            <a:ext cx="121737" cy="121737"/>
+            <a:off x="5532420" y="4530665"/>
+            <a:ext cx="111143" cy="111143"/>
           </a:xfrm>
           <a:prstGeom prst="rect">
             <a:avLst/>
@@ -6285,17 +6981,26 @@
       </p:pic>
       <p:pic>
         <p:nvPicPr>
-          <p:cNvPr id="8" name="Picture 7"/>
+          <p:cNvPr id="1032" name="Picture 1031"/>
           <p:cNvPicPr>
             <a:picLocks noChangeAspect="1"/>
           </p:cNvPicPr>
           <p:nvPr/>
         </p:nvPicPr>
         <p:blipFill>
-          <a:blip r:embed="rId14" cstate="print">
+          <a:blip r:embed="rId22">
             <a:extLst>
-              <a:ext uri="{28A0092B-C50C-407E-A947-70E740481C1C}">
-                <a14:useLocalDpi xmlns:a14="http://schemas.microsoft.com/office/drawing/2010/main" val="0"/>
+              <a:ext uri="{BEBA8EAE-BF5A-486C-A8C5-ECC9F3942E4B}">
+                <a14:imgProps xmlns:a14="http://schemas.microsoft.com/office/drawing/2010/main">
+                  <a14:imgLayer r:embed="rId23">
+                    <a14:imgEffect>
+                      <a14:backgroundRemoval t="9961" b="89844" l="0" r="100000">
+                        <a14:foregroundMark x1="27148" y1="73242" x2="27148" y2="73242"/>
+                        <a14:foregroundMark x1="78320" y1="26563" x2="78320" y2="26563"/>
+                      </a14:backgroundRemoval>
+                    </a14:imgEffect>
+                  </a14:imgLayer>
+                </a14:imgProps>
               </a:ext>
             </a:extLst>
           </a:blip>
@@ -6304,18 +7009,57 @@
           </a:stretch>
         </p:blipFill>
         <p:spPr>
-          <a:xfrm flipH="1">
-            <a:off x="4682322" y="3354798"/>
-            <a:ext cx="777600" cy="777600"/>
+          <a:xfrm>
+            <a:off x="5515309" y="5349815"/>
+            <a:ext cx="125290" cy="125290"/>
           </a:xfrm>
           <a:prstGeom prst="rect">
             <a:avLst/>
           </a:prstGeom>
         </p:spPr>
       </p:pic>
+      <p:sp>
+        <p:nvSpPr>
+          <p:cNvPr id="89" name="Rectangle 88"/>
+          <p:cNvSpPr/>
+          <p:nvPr/>
+        </p:nvSpPr>
+        <p:spPr>
+          <a:xfrm>
+            <a:off x="5589904" y="5575462"/>
+            <a:ext cx="1862622" cy="246221"/>
+          </a:xfrm>
+          <a:prstGeom prst="rect">
+            <a:avLst/>
+          </a:prstGeom>
+        </p:spPr>
+        <p:txBody>
+          <a:bodyPr wrap="square">
+            <a:spAutoFit/>
+          </a:bodyPr>
+          <a:lstStyle/>
+          <a:p>
+            <a:pPr algn="l"/>
+            <a:r>
+              <a:rPr lang="en-US" sz="1000" dirty="0" smtClean="0">
+                <a:solidFill>
+                  <a:srgbClr val="FFC000"/>
+                </a:solidFill>
+                <a:latin typeface="Century Gothic" panose="020B0502020202020204" pitchFamily="34" charset="0"/>
+              </a:rPr>
+              <a:t>Visited Israel once.</a:t>
+            </a:r>
+            <a:endParaRPr lang="he-IL" sz="1000" dirty="0">
+              <a:solidFill>
+                <a:srgbClr val="FFC000"/>
+              </a:solidFill>
+            </a:endParaRPr>
+          </a:p>
+        </p:txBody>
+      </p:sp>
       <p:pic>
         <p:nvPicPr>
-          <p:cNvPr id="32" name="Picture 31"/>
+          <p:cNvPr id="90" name="Picture 89"/>
           <p:cNvPicPr>
             <a:picLocks noChangeAspect="1"/>
           </p:cNvPicPr>
@@ -6329,6 +7073,390 @@
         </p:blipFill>
         <p:spPr>
           <a:xfrm>
+            <a:off x="5501139" y="5634830"/>
+            <a:ext cx="128260" cy="128258"/>
+          </a:xfrm>
+          <a:prstGeom prst="rect">
+            <a:avLst/>
+          </a:prstGeom>
+        </p:spPr>
+      </p:pic>
+      <p:pic>
+        <p:nvPicPr>
+          <p:cNvPr id="1033" name="Picture 1032"/>
+          <p:cNvPicPr>
+            <a:picLocks noChangeAspect="1"/>
+          </p:cNvPicPr>
+          <p:nvPr/>
+        </p:nvPicPr>
+        <p:blipFill>
+          <a:blip r:embed="rId24">
+            <a:extLst>
+              <a:ext uri="{BEBA8EAE-BF5A-486C-A8C5-ECC9F3942E4B}">
+                <a14:imgProps xmlns:a14="http://schemas.microsoft.com/office/drawing/2010/main">
+                  <a14:imgLayer r:embed="rId25">
+                    <a14:imgEffect>
+                      <a14:backgroundRemoval t="1172" b="100000" l="0" r="100000"/>
+                    </a14:imgEffect>
+                  </a14:imgLayer>
+                </a14:imgProps>
+              </a:ext>
+            </a:extLst>
+          </a:blip>
+          <a:stretch>
+            <a:fillRect/>
+          </a:stretch>
+        </p:blipFill>
+        <p:spPr>
+          <a:xfrm>
+            <a:off x="5514379" y="5502878"/>
+            <a:ext cx="101780" cy="101780"/>
+          </a:xfrm>
+          <a:prstGeom prst="rect">
+            <a:avLst/>
+          </a:prstGeom>
+        </p:spPr>
+      </p:pic>
+      <p:sp>
+        <p:nvSpPr>
+          <p:cNvPr id="92" name="Rectangle 91"/>
+          <p:cNvSpPr/>
+          <p:nvPr/>
+        </p:nvSpPr>
+        <p:spPr>
+          <a:xfrm>
+            <a:off x="5050356" y="1688678"/>
+            <a:ext cx="2493616" cy="215444"/>
+          </a:xfrm>
+          <a:prstGeom prst="rect">
+            <a:avLst/>
+          </a:prstGeom>
+        </p:spPr>
+        <p:txBody>
+          <a:bodyPr wrap="square">
+            <a:spAutoFit/>
+          </a:bodyPr>
+          <a:lstStyle/>
+          <a:p>
+            <a:pPr rtl="0"/>
+            <a:r>
+              <a:rPr lang="en-US" sz="800" dirty="0" smtClean="0">
+                <a:solidFill>
+                  <a:srgbClr val="C00000"/>
+                </a:solidFill>
+                <a:latin typeface="Century Gothic" panose="020B0502020202020204" pitchFamily="34" charset="0"/>
+              </a:rPr>
+              <a:t>8 hours </a:t>
+            </a:r>
+            <a:r>
+              <a:rPr lang="en-US" sz="800" dirty="0">
+                <a:solidFill>
+                  <a:srgbClr val="C00000"/>
+                </a:solidFill>
+                <a:latin typeface="Century Gothic" panose="020B0502020202020204" pitchFamily="34" charset="0"/>
+              </a:rPr>
+              <a:t>wait!</a:t>
+            </a:r>
+            <a:endParaRPr lang="he-IL" sz="800" dirty="0">
+              <a:solidFill>
+                <a:srgbClr val="C00000"/>
+              </a:solidFill>
+            </a:endParaRPr>
+          </a:p>
+        </p:txBody>
+      </p:sp>
+      <p:sp>
+        <p:nvSpPr>
+          <p:cNvPr id="93" name="Rectangle 92"/>
+          <p:cNvSpPr/>
+          <p:nvPr/>
+        </p:nvSpPr>
+        <p:spPr>
+          <a:xfrm>
+            <a:off x="5068718" y="2522982"/>
+            <a:ext cx="2493616" cy="215444"/>
+          </a:xfrm>
+          <a:prstGeom prst="rect">
+            <a:avLst/>
+          </a:prstGeom>
+        </p:spPr>
+        <p:txBody>
+          <a:bodyPr wrap="square">
+            <a:spAutoFit/>
+          </a:bodyPr>
+          <a:lstStyle/>
+          <a:p>
+            <a:pPr rtl="0"/>
+            <a:r>
+              <a:rPr lang="en-US" sz="800" dirty="0" smtClean="0">
+                <a:solidFill>
+                  <a:srgbClr val="C00000"/>
+                </a:solidFill>
+                <a:latin typeface="Century Gothic" panose="020B0502020202020204" pitchFamily="34" charset="0"/>
+              </a:rPr>
+              <a:t>6 </a:t>
+            </a:r>
+            <a:r>
+              <a:rPr lang="en-US" sz="800" dirty="0">
+                <a:solidFill>
+                  <a:srgbClr val="C00000"/>
+                </a:solidFill>
+                <a:latin typeface="Century Gothic" panose="020B0502020202020204" pitchFamily="34" charset="0"/>
+              </a:rPr>
+              <a:t>hours wait!</a:t>
+            </a:r>
+            <a:endParaRPr lang="he-IL" sz="800" dirty="0">
+              <a:solidFill>
+                <a:srgbClr val="C00000"/>
+              </a:solidFill>
+            </a:endParaRPr>
+          </a:p>
+        </p:txBody>
+      </p:sp>
+      <p:sp>
+        <p:nvSpPr>
+          <p:cNvPr id="95" name="Rectangle 94"/>
+          <p:cNvSpPr/>
+          <p:nvPr/>
+        </p:nvSpPr>
+        <p:spPr>
+          <a:xfrm>
+            <a:off x="5050845" y="3348812"/>
+            <a:ext cx="2493616" cy="215444"/>
+          </a:xfrm>
+          <a:prstGeom prst="rect">
+            <a:avLst/>
+          </a:prstGeom>
+        </p:spPr>
+        <p:txBody>
+          <a:bodyPr wrap="square">
+            <a:spAutoFit/>
+          </a:bodyPr>
+          <a:lstStyle/>
+          <a:p>
+            <a:pPr rtl="0"/>
+            <a:r>
+              <a:rPr lang="en-US" sz="800" dirty="0" smtClean="0">
+                <a:solidFill>
+                  <a:srgbClr val="C00000"/>
+                </a:solidFill>
+                <a:latin typeface="Century Gothic" panose="020B0502020202020204" pitchFamily="34" charset="0"/>
+              </a:rPr>
+              <a:t>5 </a:t>
+            </a:r>
+            <a:r>
+              <a:rPr lang="en-US" sz="800" dirty="0">
+                <a:solidFill>
+                  <a:srgbClr val="C00000"/>
+                </a:solidFill>
+                <a:latin typeface="Century Gothic" panose="020B0502020202020204" pitchFamily="34" charset="0"/>
+              </a:rPr>
+              <a:t>hours wait!</a:t>
+            </a:r>
+            <a:endParaRPr lang="he-IL" sz="800" dirty="0">
+              <a:solidFill>
+                <a:srgbClr val="C00000"/>
+              </a:solidFill>
+            </a:endParaRPr>
+          </a:p>
+        </p:txBody>
+      </p:sp>
+      <p:sp>
+        <p:nvSpPr>
+          <p:cNvPr id="96" name="Rectangle 95"/>
+          <p:cNvSpPr/>
+          <p:nvPr/>
+        </p:nvSpPr>
+        <p:spPr>
+          <a:xfrm>
+            <a:off x="5029548" y="4197434"/>
+            <a:ext cx="2493616" cy="215444"/>
+          </a:xfrm>
+          <a:prstGeom prst="rect">
+            <a:avLst/>
+          </a:prstGeom>
+        </p:spPr>
+        <p:txBody>
+          <a:bodyPr wrap="square">
+            <a:spAutoFit/>
+          </a:bodyPr>
+          <a:lstStyle/>
+          <a:p>
+            <a:pPr rtl="0"/>
+            <a:r>
+              <a:rPr lang="en-US" sz="800" dirty="0" smtClean="0">
+                <a:solidFill>
+                  <a:srgbClr val="C00000"/>
+                </a:solidFill>
+                <a:latin typeface="Century Gothic" panose="020B0502020202020204" pitchFamily="34" charset="0"/>
+              </a:rPr>
+              <a:t>3 </a:t>
+            </a:r>
+            <a:r>
+              <a:rPr lang="en-US" sz="800" dirty="0">
+                <a:solidFill>
+                  <a:srgbClr val="C00000"/>
+                </a:solidFill>
+                <a:latin typeface="Century Gothic" panose="020B0502020202020204" pitchFamily="34" charset="0"/>
+              </a:rPr>
+              <a:t>hours wait!</a:t>
+            </a:r>
+            <a:endParaRPr lang="he-IL" sz="800" dirty="0">
+              <a:solidFill>
+                <a:srgbClr val="C00000"/>
+              </a:solidFill>
+            </a:endParaRPr>
+          </a:p>
+        </p:txBody>
+      </p:sp>
+      <p:sp>
+        <p:nvSpPr>
+          <p:cNvPr id="97" name="Rectangle 96"/>
+          <p:cNvSpPr/>
+          <p:nvPr/>
+        </p:nvSpPr>
+        <p:spPr>
+          <a:xfrm>
+            <a:off x="5029548" y="5033112"/>
+            <a:ext cx="2493616" cy="215444"/>
+          </a:xfrm>
+          <a:prstGeom prst="rect">
+            <a:avLst/>
+          </a:prstGeom>
+        </p:spPr>
+        <p:txBody>
+          <a:bodyPr wrap="square">
+            <a:spAutoFit/>
+          </a:bodyPr>
+          <a:lstStyle/>
+          <a:p>
+            <a:pPr rtl="0"/>
+            <a:r>
+              <a:rPr lang="en-US" sz="800" dirty="0" smtClean="0">
+                <a:solidFill>
+                  <a:srgbClr val="C00000"/>
+                </a:solidFill>
+                <a:latin typeface="Century Gothic" panose="020B0502020202020204" pitchFamily="34" charset="0"/>
+              </a:rPr>
+              <a:t>3 </a:t>
+            </a:r>
+            <a:r>
+              <a:rPr lang="en-US" sz="800" dirty="0">
+                <a:solidFill>
+                  <a:srgbClr val="C00000"/>
+                </a:solidFill>
+                <a:latin typeface="Century Gothic" panose="020B0502020202020204" pitchFamily="34" charset="0"/>
+              </a:rPr>
+              <a:t>hours wait!</a:t>
+            </a:r>
+            <a:endParaRPr lang="he-IL" sz="800" dirty="0">
+              <a:solidFill>
+                <a:srgbClr val="C00000"/>
+              </a:solidFill>
+            </a:endParaRPr>
+          </a:p>
+        </p:txBody>
+      </p:sp>
+      <p:sp>
+        <p:nvSpPr>
+          <p:cNvPr id="62" name="Rectangle 61"/>
+          <p:cNvSpPr/>
+          <p:nvPr/>
+        </p:nvSpPr>
+        <p:spPr>
+          <a:xfrm>
+            <a:off x="4680617" y="1684915"/>
+            <a:ext cx="1346564" cy="788629"/>
+          </a:xfrm>
+          <a:prstGeom prst="rect">
+            <a:avLst/>
+          </a:prstGeom>
+          <a:solidFill>
+            <a:srgbClr val="C00000">
+              <a:alpha val="97000"/>
+            </a:srgbClr>
+          </a:solidFill>
+          <a:ln>
+            <a:noFill/>
+          </a:ln>
+        </p:spPr>
+        <p:style>
+          <a:lnRef idx="2">
+            <a:schemeClr val="accent1">
+              <a:shade val="50000"/>
+            </a:schemeClr>
+          </a:lnRef>
+          <a:fillRef idx="1">
+            <a:schemeClr val="accent1"/>
+          </a:fillRef>
+          <a:effectRef idx="0">
+            <a:schemeClr val="accent1"/>
+          </a:effectRef>
+          <a:fontRef idx="minor">
+            <a:schemeClr val="lt1"/>
+          </a:fontRef>
+        </p:style>
+        <p:txBody>
+          <a:bodyPr rtlCol="1" anchor="ctr"/>
+          <a:lstStyle/>
+          <a:p>
+            <a:pPr algn="ctr"/>
+            <a:endParaRPr lang="he-IL" dirty="0"/>
+          </a:p>
+        </p:txBody>
+      </p:sp>
+      <p:pic>
+        <p:nvPicPr>
+          <p:cNvPr id="63" name="Picture 62"/>
+          <p:cNvPicPr>
+            <a:picLocks noChangeAspect="1"/>
+          </p:cNvPicPr>
+          <p:nvPr/>
+        </p:nvPicPr>
+        <p:blipFill>
+          <a:blip r:embed="rId26">
+            <a:extLst>
+              <a:ext uri="{BEBA8EAE-BF5A-486C-A8C5-ECC9F3942E4B}">
+                <a14:imgProps xmlns:a14="http://schemas.microsoft.com/office/drawing/2010/main">
+                  <a14:imgLayer r:embed="rId27">
+                    <a14:imgEffect>
+                      <a14:backgroundRemoval t="0" b="100000" l="0" r="100000"/>
+                    </a14:imgEffect>
+                  </a14:imgLayer>
+                </a14:imgProps>
+              </a:ext>
+            </a:extLst>
+          </a:blip>
+          <a:stretch>
+            <a:fillRect/>
+          </a:stretch>
+        </p:blipFill>
+        <p:spPr>
+          <a:xfrm>
+            <a:off x="4794373" y="1970946"/>
+            <a:ext cx="242885" cy="242885"/>
+          </a:xfrm>
+          <a:prstGeom prst="rect">
+            <a:avLst/>
+          </a:prstGeom>
+        </p:spPr>
+      </p:pic>
+      <p:pic>
+        <p:nvPicPr>
+          <p:cNvPr id="64" name="Picture 63"/>
+          <p:cNvPicPr>
+            <a:picLocks noChangeAspect="1"/>
+          </p:cNvPicPr>
+          <p:nvPr/>
+        </p:nvPicPr>
+        <p:blipFill>
+          <a:blip r:embed="rId28"/>
+          <a:stretch>
+            <a:fillRect/>
+          </a:stretch>
+        </p:blipFill>
+        <p:spPr>
+          <a:xfrm>
             <a:off x="6662105" y="965126"/>
             <a:ext cx="249413" cy="249413"/>
           </a:xfrm>
@@ -6340,7 +7468,7 @@
     </p:spTree>
     <p:extLst>
       <p:ext uri="{BB962C8B-B14F-4D97-AF65-F5344CB8AC3E}">
-        <p14:creationId xmlns:p14="http://schemas.microsoft.com/office/powerpoint/2010/main" val="1524550443"/>
+        <p14:creationId xmlns:p14="http://schemas.microsoft.com/office/powerpoint/2010/main" val="666095404"/>
       </p:ext>
     </p:extLst>
   </p:cSld>
@@ -7023,6 +8151,451 @@
           </a:graphicData>
         </a:graphic>
       </p:graphicFrame>
+      <p:sp>
+        <p:nvSpPr>
+          <p:cNvPr id="20" name="Rectangle 19"/>
+          <p:cNvSpPr/>
+          <p:nvPr/>
+        </p:nvSpPr>
+        <p:spPr>
+          <a:xfrm flipV="1">
+            <a:off x="6572405" y="1589823"/>
+            <a:ext cx="941805" cy="45719"/>
+          </a:xfrm>
+          <a:prstGeom prst="rect">
+            <a:avLst/>
+          </a:prstGeom>
+          <a:solidFill>
+            <a:srgbClr val="C00000">
+              <a:alpha val="97000"/>
+            </a:srgbClr>
+          </a:solidFill>
+          <a:ln>
+            <a:noFill/>
+          </a:ln>
+        </p:spPr>
+        <p:style>
+          <a:lnRef idx="2">
+            <a:schemeClr val="accent1">
+              <a:shade val="50000"/>
+            </a:schemeClr>
+          </a:lnRef>
+          <a:fillRef idx="1">
+            <a:schemeClr val="accent1"/>
+          </a:fillRef>
+          <a:effectRef idx="0">
+            <a:schemeClr val="accent1"/>
+          </a:effectRef>
+          <a:fontRef idx="minor">
+            <a:schemeClr val="lt1"/>
+          </a:fontRef>
+        </p:style>
+        <p:txBody>
+          <a:bodyPr rtlCol="1" anchor="ctr"/>
+          <a:lstStyle/>
+          <a:p>
+            <a:pPr algn="ctr"/>
+            <a:endParaRPr lang="he-IL"/>
+          </a:p>
+        </p:txBody>
+      </p:sp>
+      <p:graphicFrame>
+        <p:nvGraphicFramePr>
+          <p:cNvPr id="22" name="Table 21"/>
+          <p:cNvGraphicFramePr>
+            <a:graphicFrameLocks noGrp="1"/>
+          </p:cNvGraphicFramePr>
+          <p:nvPr>
+            <p:extLst>
+              <p:ext uri="{D42A27DB-BD31-4B8C-83A1-F6EECF244321}">
+                <p14:modId xmlns:p14="http://schemas.microsoft.com/office/powerpoint/2010/main" val="4089266151"/>
+              </p:ext>
+            </p:extLst>
+          </p:nvPr>
+        </p:nvGraphicFramePr>
+        <p:xfrm>
+          <a:off x="4684295" y="1663698"/>
+          <a:ext cx="2829827" cy="4158585"/>
+        </p:xfrm>
+        <a:graphic>
+          <a:graphicData uri="http://schemas.openxmlformats.org/drawingml/2006/table">
+            <a:tbl>
+              <a:tblPr rtl="1" firstRow="1" bandRow="1">
+                <a:tableStyleId>{5C22544A-7EE6-4342-B048-85BDC9FD1C3A}</a:tableStyleId>
+              </a:tblPr>
+              <a:tblGrid>
+                <a:gridCol w="2829827"/>
+              </a:tblGrid>
+              <a:tr h="831717">
+                <a:tc>
+                  <a:txBody>
+                    <a:bodyPr/>
+                    <a:lstStyle/>
+                    <a:p>
+                      <a:pPr algn="ctr" rtl="1"/>
+                      <a:endParaRPr lang="he-IL" sz="1200" b="0" dirty="0">
+                        <a:solidFill>
+                          <a:schemeClr val="tx1"/>
+                        </a:solidFill>
+                        <a:latin typeface="Century Gothic" panose="020B0502020202020204" pitchFamily="34" charset="0"/>
+                      </a:endParaRPr>
+                    </a:p>
+                  </a:txBody>
+                  <a:tcPr anchor="ctr">
+                    <a:lnL w="57150" cap="flat" cmpd="sng" algn="ctr">
+                      <a:noFill/>
+                      <a:prstDash val="solid"/>
+                      <a:round/>
+                      <a:headEnd type="none" w="med" len="med"/>
+                      <a:tailEnd type="none" w="med" len="med"/>
+                    </a:lnL>
+                    <a:lnR w="57150" cap="flat" cmpd="sng" algn="ctr">
+                      <a:noFill/>
+                      <a:prstDash val="solid"/>
+                      <a:round/>
+                      <a:headEnd type="none" w="med" len="med"/>
+                      <a:tailEnd type="none" w="med" len="med"/>
+                    </a:lnR>
+                    <a:lnT w="57150" cap="flat" cmpd="sng" algn="ctr">
+                      <a:solidFill>
+                        <a:schemeClr val="bg1">
+                          <a:lumMod val="85000"/>
+                        </a:schemeClr>
+                      </a:solidFill>
+                      <a:prstDash val="solid"/>
+                      <a:round/>
+                      <a:headEnd type="none" w="med" len="med"/>
+                      <a:tailEnd type="none" w="med" len="med"/>
+                    </a:lnT>
+                    <a:lnB w="57150" cap="flat" cmpd="sng" algn="ctr">
+                      <a:solidFill>
+                        <a:schemeClr val="bg1">
+                          <a:lumMod val="85000"/>
+                        </a:schemeClr>
+                      </a:solidFill>
+                      <a:prstDash val="solid"/>
+                      <a:round/>
+                      <a:headEnd type="none" w="med" len="med"/>
+                      <a:tailEnd type="none" w="med" len="med"/>
+                    </a:lnB>
+                    <a:lnTlToBr w="12700" cmpd="sng">
+                      <a:noFill/>
+                      <a:prstDash val="solid"/>
+                    </a:lnTlToBr>
+                    <a:lnBlToTr w="12700" cmpd="sng">
+                      <a:noFill/>
+                      <a:prstDash val="solid"/>
+                    </a:lnBlToTr>
+                    <a:solidFill>
+                      <a:schemeClr val="bg1"/>
+                    </a:solidFill>
+                  </a:tcPr>
+                </a:tc>
+              </a:tr>
+              <a:tr h="831717">
+                <a:tc>
+                  <a:txBody>
+                    <a:bodyPr/>
+                    <a:lstStyle/>
+                    <a:p>
+                      <a:pPr algn="ctr" rtl="1"/>
+                      <a:endParaRPr lang="he-IL" sz="1200" b="0" dirty="0">
+                        <a:solidFill>
+                          <a:schemeClr val="tx1"/>
+                        </a:solidFill>
+                        <a:latin typeface="Century Gothic" panose="020B0502020202020204" pitchFamily="34" charset="0"/>
+                      </a:endParaRPr>
+                    </a:p>
+                  </a:txBody>
+                  <a:tcPr anchor="ctr">
+                    <a:lnL w="57150" cap="flat" cmpd="sng" algn="ctr">
+                      <a:noFill/>
+                      <a:prstDash val="solid"/>
+                      <a:round/>
+                      <a:headEnd type="none" w="med" len="med"/>
+                      <a:tailEnd type="none" w="med" len="med"/>
+                    </a:lnL>
+                    <a:lnR w="57150" cap="flat" cmpd="sng" algn="ctr">
+                      <a:noFill/>
+                      <a:prstDash val="solid"/>
+                      <a:round/>
+                      <a:headEnd type="none" w="med" len="med"/>
+                      <a:tailEnd type="none" w="med" len="med"/>
+                    </a:lnR>
+                    <a:lnT w="57150" cap="flat" cmpd="sng" algn="ctr">
+                      <a:solidFill>
+                        <a:schemeClr val="bg1">
+                          <a:lumMod val="85000"/>
+                        </a:schemeClr>
+                      </a:solidFill>
+                      <a:prstDash val="solid"/>
+                      <a:round/>
+                      <a:headEnd type="none" w="med" len="med"/>
+                      <a:tailEnd type="none" w="med" len="med"/>
+                    </a:lnT>
+                    <a:lnB w="57150" cap="flat" cmpd="sng" algn="ctr">
+                      <a:solidFill>
+                        <a:schemeClr val="bg1">
+                          <a:lumMod val="85000"/>
+                        </a:schemeClr>
+                      </a:solidFill>
+                      <a:prstDash val="solid"/>
+                      <a:round/>
+                      <a:headEnd type="none" w="med" len="med"/>
+                      <a:tailEnd type="none" w="med" len="med"/>
+                    </a:lnB>
+                    <a:lnTlToBr w="12700" cmpd="sng">
+                      <a:noFill/>
+                      <a:prstDash val="solid"/>
+                    </a:lnTlToBr>
+                    <a:lnBlToTr w="12700" cmpd="sng">
+                      <a:noFill/>
+                      <a:prstDash val="solid"/>
+                    </a:lnBlToTr>
+                    <a:solidFill>
+                      <a:schemeClr val="bg1"/>
+                    </a:solidFill>
+                  </a:tcPr>
+                </a:tc>
+              </a:tr>
+              <a:tr h="831717">
+                <a:tc>
+                  <a:txBody>
+                    <a:bodyPr/>
+                    <a:lstStyle/>
+                    <a:p>
+                      <a:pPr algn="ctr" rtl="1"/>
+                      <a:endParaRPr lang="he-IL" sz="1200" b="0" dirty="0">
+                        <a:solidFill>
+                          <a:schemeClr val="tx1"/>
+                        </a:solidFill>
+                        <a:latin typeface="Century Gothic" panose="020B0502020202020204" pitchFamily="34" charset="0"/>
+                      </a:endParaRPr>
+                    </a:p>
+                  </a:txBody>
+                  <a:tcPr anchor="ctr">
+                    <a:lnL w="57150" cap="flat" cmpd="sng" algn="ctr">
+                      <a:noFill/>
+                      <a:prstDash val="solid"/>
+                      <a:round/>
+                      <a:headEnd type="none" w="med" len="med"/>
+                      <a:tailEnd type="none" w="med" len="med"/>
+                    </a:lnL>
+                    <a:lnR w="57150" cap="flat" cmpd="sng" algn="ctr">
+                      <a:noFill/>
+                      <a:prstDash val="solid"/>
+                      <a:round/>
+                      <a:headEnd type="none" w="med" len="med"/>
+                      <a:tailEnd type="none" w="med" len="med"/>
+                    </a:lnR>
+                    <a:lnT w="57150" cap="flat" cmpd="sng" algn="ctr">
+                      <a:solidFill>
+                        <a:schemeClr val="bg1">
+                          <a:lumMod val="85000"/>
+                        </a:schemeClr>
+                      </a:solidFill>
+                      <a:prstDash val="solid"/>
+                      <a:round/>
+                      <a:headEnd type="none" w="med" len="med"/>
+                      <a:tailEnd type="none" w="med" len="med"/>
+                    </a:lnT>
+                    <a:lnB w="57150" cap="flat" cmpd="sng" algn="ctr">
+                      <a:solidFill>
+                        <a:schemeClr val="bg1">
+                          <a:lumMod val="85000"/>
+                        </a:schemeClr>
+                      </a:solidFill>
+                      <a:prstDash val="solid"/>
+                      <a:round/>
+                      <a:headEnd type="none" w="med" len="med"/>
+                      <a:tailEnd type="none" w="med" len="med"/>
+                    </a:lnB>
+                    <a:lnTlToBr w="12700" cmpd="sng">
+                      <a:noFill/>
+                      <a:prstDash val="solid"/>
+                    </a:lnTlToBr>
+                    <a:lnBlToTr w="12700" cmpd="sng">
+                      <a:noFill/>
+                      <a:prstDash val="solid"/>
+                    </a:lnBlToTr>
+                    <a:solidFill>
+                      <a:schemeClr val="bg1"/>
+                    </a:solidFill>
+                  </a:tcPr>
+                </a:tc>
+              </a:tr>
+              <a:tr h="831717">
+                <a:tc>
+                  <a:txBody>
+                    <a:bodyPr/>
+                    <a:lstStyle/>
+                    <a:p>
+                      <a:pPr algn="ctr" rtl="1"/>
+                      <a:endParaRPr lang="he-IL" sz="1200" b="0" dirty="0">
+                        <a:solidFill>
+                          <a:schemeClr val="tx1"/>
+                        </a:solidFill>
+                        <a:latin typeface="Century Gothic" panose="020B0502020202020204" pitchFamily="34" charset="0"/>
+                      </a:endParaRPr>
+                    </a:p>
+                  </a:txBody>
+                  <a:tcPr anchor="ctr">
+                    <a:lnL w="57150" cap="flat" cmpd="sng" algn="ctr">
+                      <a:noFill/>
+                      <a:prstDash val="solid"/>
+                      <a:round/>
+                      <a:headEnd type="none" w="med" len="med"/>
+                      <a:tailEnd type="none" w="med" len="med"/>
+                    </a:lnL>
+                    <a:lnR w="57150" cap="flat" cmpd="sng" algn="ctr">
+                      <a:noFill/>
+                      <a:prstDash val="solid"/>
+                      <a:round/>
+                      <a:headEnd type="none" w="med" len="med"/>
+                      <a:tailEnd type="none" w="med" len="med"/>
+                    </a:lnR>
+                    <a:lnT w="57150" cap="flat" cmpd="sng" algn="ctr">
+                      <a:solidFill>
+                        <a:schemeClr val="bg1">
+                          <a:lumMod val="85000"/>
+                        </a:schemeClr>
+                      </a:solidFill>
+                      <a:prstDash val="solid"/>
+                      <a:round/>
+                      <a:headEnd type="none" w="med" len="med"/>
+                      <a:tailEnd type="none" w="med" len="med"/>
+                    </a:lnT>
+                    <a:lnB w="57150" cap="flat" cmpd="sng" algn="ctr">
+                      <a:solidFill>
+                        <a:schemeClr val="bg1">
+                          <a:lumMod val="85000"/>
+                        </a:schemeClr>
+                      </a:solidFill>
+                      <a:prstDash val="solid"/>
+                      <a:round/>
+                      <a:headEnd type="none" w="med" len="med"/>
+                      <a:tailEnd type="none" w="med" len="med"/>
+                    </a:lnB>
+                    <a:lnTlToBr w="12700" cmpd="sng">
+                      <a:noFill/>
+                      <a:prstDash val="solid"/>
+                    </a:lnTlToBr>
+                    <a:lnBlToTr w="12700" cmpd="sng">
+                      <a:noFill/>
+                      <a:prstDash val="solid"/>
+                    </a:lnBlToTr>
+                    <a:solidFill>
+                      <a:schemeClr val="bg1">
+                        <a:lumMod val="85000"/>
+                      </a:schemeClr>
+                    </a:solidFill>
+                  </a:tcPr>
+                </a:tc>
+              </a:tr>
+              <a:tr h="831717">
+                <a:tc>
+                  <a:txBody>
+                    <a:bodyPr/>
+                    <a:lstStyle/>
+                    <a:p>
+                      <a:pPr algn="ctr" rtl="1"/>
+                      <a:endParaRPr lang="he-IL" sz="1200" b="0" dirty="0">
+                        <a:solidFill>
+                          <a:schemeClr val="tx1"/>
+                        </a:solidFill>
+                        <a:latin typeface="Century Gothic" panose="020B0502020202020204" pitchFamily="34" charset="0"/>
+                      </a:endParaRPr>
+                    </a:p>
+                  </a:txBody>
+                  <a:tcPr anchor="ctr">
+                    <a:lnL w="57150" cap="flat" cmpd="sng" algn="ctr">
+                      <a:noFill/>
+                      <a:prstDash val="solid"/>
+                      <a:round/>
+                      <a:headEnd type="none" w="med" len="med"/>
+                      <a:tailEnd type="none" w="med" len="med"/>
+                    </a:lnL>
+                    <a:lnR w="57150" cap="flat" cmpd="sng" algn="ctr">
+                      <a:noFill/>
+                      <a:prstDash val="solid"/>
+                      <a:round/>
+                      <a:headEnd type="none" w="med" len="med"/>
+                      <a:tailEnd type="none" w="med" len="med"/>
+                    </a:lnR>
+                    <a:lnT w="57150" cap="flat" cmpd="sng" algn="ctr">
+                      <a:solidFill>
+                        <a:schemeClr val="bg1">
+                          <a:lumMod val="85000"/>
+                        </a:schemeClr>
+                      </a:solidFill>
+                      <a:prstDash val="solid"/>
+                      <a:round/>
+                      <a:headEnd type="none" w="med" len="med"/>
+                      <a:tailEnd type="none" w="med" len="med"/>
+                    </a:lnT>
+                    <a:lnB w="57150" cap="flat" cmpd="sng" algn="ctr">
+                      <a:solidFill>
+                        <a:schemeClr val="bg1">
+                          <a:lumMod val="85000"/>
+                        </a:schemeClr>
+                      </a:solidFill>
+                      <a:prstDash val="solid"/>
+                      <a:round/>
+                      <a:headEnd type="none" w="med" len="med"/>
+                      <a:tailEnd type="none" w="med" len="med"/>
+                    </a:lnB>
+                    <a:lnTlToBr w="12700" cmpd="sng">
+                      <a:noFill/>
+                      <a:prstDash val="solid"/>
+                    </a:lnTlToBr>
+                    <a:lnBlToTr w="12700" cmpd="sng">
+                      <a:noFill/>
+                      <a:prstDash val="solid"/>
+                    </a:lnBlToTr>
+                    <a:solidFill>
+                      <a:schemeClr val="bg1">
+                        <a:lumMod val="85000"/>
+                      </a:schemeClr>
+                    </a:solidFill>
+                  </a:tcPr>
+                </a:tc>
+              </a:tr>
+            </a:tbl>
+          </a:graphicData>
+        </a:graphic>
+      </p:graphicFrame>
+      <p:sp>
+        <p:nvSpPr>
+          <p:cNvPr id="7" name="Rectangle 6"/>
+          <p:cNvSpPr/>
+          <p:nvPr/>
+        </p:nvSpPr>
+        <p:spPr>
+          <a:xfrm>
+            <a:off x="5398993" y="2526941"/>
+            <a:ext cx="2117102" cy="307777"/>
+          </a:xfrm>
+          <a:prstGeom prst="rect">
+            <a:avLst/>
+          </a:prstGeom>
+        </p:spPr>
+        <p:txBody>
+          <a:bodyPr wrap="square">
+            <a:spAutoFit/>
+          </a:bodyPr>
+          <a:lstStyle/>
+          <a:p>
+            <a:pPr algn="l"/>
+            <a:r>
+              <a:rPr lang="en-US" sz="1400" dirty="0" err="1" smtClean="0">
+                <a:latin typeface="Century Gothic" panose="020B0502020202020204" pitchFamily="34" charset="0"/>
+              </a:rPr>
+              <a:t>Matan</a:t>
+            </a:r>
+            <a:endParaRPr lang="he-IL" sz="1400" dirty="0"/>
+          </a:p>
+        </p:txBody>
+      </p:sp>
       <p:pic>
         <p:nvPicPr>
           <p:cNvPr id="1026" name="Picture 2" descr="https://fbcdn-sphotos-c-a.akamaihd.net/hphotos-ak-prn2/v/t1.0-9/558617_496479173697011_745885139_n.jpg?oh=05f90387fce5a2ab60ff626da8046fb4&amp;oe=55B810BD&amp;__gda__=1441131251_b641de8fc77e4e86dec2fc55f843cd6a"/>
@@ -7066,43 +8639,261 @@
       </p:pic>
       <p:pic>
         <p:nvPicPr>
-          <p:cNvPr id="9" name="Picture 8"/>
+          <p:cNvPr id="53" name="Picture 52"/>
           <p:cNvPicPr>
             <a:picLocks noChangeAspect="1"/>
           </p:cNvPicPr>
           <p:nvPr/>
         </p:nvPicPr>
-        <p:blipFill rotWithShape="1">
-          <a:blip r:embed="rId8"/>
-          <a:srcRect l="23339" r="23277"/>
-          <a:stretch/>
+        <p:blipFill>
+          <a:blip r:embed="rId8" cstate="print">
+            <a:extLst>
+              <a:ext uri="{28A0092B-C50C-407E-A947-70E740481C1C}">
+                <a14:useLocalDpi xmlns:a14="http://schemas.microsoft.com/office/drawing/2010/main" val="0"/>
+              </a:ext>
+            </a:extLst>
+          </a:blip>
+          <a:stretch>
+            <a:fillRect/>
+          </a:stretch>
         </p:blipFill>
         <p:spPr>
           <a:xfrm>
-            <a:off x="4684295" y="1631046"/>
-            <a:ext cx="2833035" cy="4222997"/>
+            <a:off x="4682322" y="2523248"/>
+            <a:ext cx="777600" cy="777600"/>
           </a:xfrm>
           <a:prstGeom prst="rect">
             <a:avLst/>
           </a:prstGeom>
         </p:spPr>
       </p:pic>
+      <p:sp>
+        <p:nvSpPr>
+          <p:cNvPr id="56" name="Rectangle 55"/>
+          <p:cNvSpPr/>
+          <p:nvPr/>
+        </p:nvSpPr>
+        <p:spPr>
+          <a:xfrm>
+            <a:off x="5406545" y="1689460"/>
+            <a:ext cx="2117102" cy="307777"/>
+          </a:xfrm>
+          <a:prstGeom prst="rect">
+            <a:avLst/>
+          </a:prstGeom>
+        </p:spPr>
+        <p:txBody>
+          <a:bodyPr wrap="square">
+            <a:spAutoFit/>
+          </a:bodyPr>
+          <a:lstStyle/>
+          <a:p>
+            <a:pPr algn="l"/>
+            <a:r>
+              <a:rPr lang="en-US" sz="1400" dirty="0" err="1" smtClean="0">
+                <a:latin typeface="Century Gothic" panose="020B0502020202020204" pitchFamily="34" charset="0"/>
+              </a:rPr>
+              <a:t>Tomer</a:t>
+            </a:r>
+            <a:endParaRPr lang="he-IL" sz="1400" dirty="0"/>
+          </a:p>
+        </p:txBody>
+      </p:sp>
       <p:pic>
         <p:nvPicPr>
-          <p:cNvPr id="10" name="Picture 9"/>
+          <p:cNvPr id="62" name="Picture 61"/>
           <p:cNvPicPr>
             <a:picLocks noChangeAspect="1"/>
           </p:cNvPicPr>
           <p:nvPr/>
         </p:nvPicPr>
         <p:blipFill>
-          <a:blip r:embed="rId9">
+          <a:blip r:embed="rId9" cstate="print">
+            <a:extLst>
+              <a:ext uri="{28A0092B-C50C-407E-A947-70E740481C1C}">
+                <a14:useLocalDpi xmlns:a14="http://schemas.microsoft.com/office/drawing/2010/main" val="0"/>
+              </a:ext>
+            </a:extLst>
+          </a:blip>
+          <a:stretch>
+            <a:fillRect/>
+          </a:stretch>
+        </p:blipFill>
+        <p:spPr>
+          <a:xfrm>
+            <a:off x="4682791" y="1689457"/>
+            <a:ext cx="777600" cy="777600"/>
+          </a:xfrm>
+          <a:prstGeom prst="rect">
+            <a:avLst/>
+          </a:prstGeom>
+        </p:spPr>
+      </p:pic>
+      <p:sp>
+        <p:nvSpPr>
+          <p:cNvPr id="63" name="Rectangle 62"/>
+          <p:cNvSpPr/>
+          <p:nvPr/>
+        </p:nvSpPr>
+        <p:spPr>
+          <a:xfrm>
+            <a:off x="5562600" y="2027433"/>
+            <a:ext cx="1943600" cy="215444"/>
+          </a:xfrm>
+          <a:prstGeom prst="rect">
+            <a:avLst/>
+          </a:prstGeom>
+        </p:spPr>
+        <p:txBody>
+          <a:bodyPr wrap="square">
+            <a:spAutoFit/>
+          </a:bodyPr>
+          <a:lstStyle/>
+          <a:p>
+            <a:pPr algn="just" rtl="0"/>
+            <a:r>
+              <a:rPr lang="en-US" sz="800" dirty="0" smtClean="0">
+                <a:latin typeface="Century Gothic" panose="020B0502020202020204" pitchFamily="34" charset="0"/>
+              </a:rPr>
+              <a:t>Great! </a:t>
+            </a:r>
+            <a:r>
+              <a:rPr lang="en-US" sz="800" dirty="0" smtClean="0">
+                <a:latin typeface="Century Gothic" panose="020B0502020202020204" pitchFamily="34" charset="0"/>
+                <a:sym typeface="Wingdings" panose="05000000000000000000" pitchFamily="2" charset="2"/>
+              </a:rPr>
+              <a:t>:) See you there!</a:t>
+            </a:r>
+            <a:endParaRPr lang="he-IL" sz="800" dirty="0"/>
+          </a:p>
+        </p:txBody>
+      </p:sp>
+      <p:sp>
+        <p:nvSpPr>
+          <p:cNvPr id="65" name="Rectangle 64"/>
+          <p:cNvSpPr/>
+          <p:nvPr/>
+        </p:nvSpPr>
+        <p:spPr>
+          <a:xfrm>
+            <a:off x="5028044" y="2267437"/>
+            <a:ext cx="2493616" cy="215444"/>
+          </a:xfrm>
+          <a:prstGeom prst="rect">
+            <a:avLst/>
+          </a:prstGeom>
+        </p:spPr>
+        <p:txBody>
+          <a:bodyPr wrap="square">
+            <a:spAutoFit/>
+          </a:bodyPr>
+          <a:lstStyle/>
+          <a:p>
+            <a:pPr rtl="0"/>
+            <a:r>
+              <a:rPr lang="en-US" sz="800" dirty="0" smtClean="0">
+                <a:solidFill>
+                  <a:srgbClr val="C00000"/>
+                </a:solidFill>
+                <a:latin typeface="Century Gothic" panose="020B0502020202020204" pitchFamily="34" charset="0"/>
+              </a:rPr>
+              <a:t>seen 10 minutes ago</a:t>
+            </a:r>
+            <a:endParaRPr lang="he-IL" sz="800" dirty="0">
+              <a:solidFill>
+                <a:srgbClr val="C00000"/>
+              </a:solidFill>
+            </a:endParaRPr>
+          </a:p>
+        </p:txBody>
+      </p:sp>
+      <p:sp>
+        <p:nvSpPr>
+          <p:cNvPr id="70" name="Rectangle 69"/>
+          <p:cNvSpPr/>
+          <p:nvPr/>
+        </p:nvSpPr>
+        <p:spPr>
+          <a:xfrm>
+            <a:off x="5053863" y="3108278"/>
+            <a:ext cx="2493616" cy="215444"/>
+          </a:xfrm>
+          <a:prstGeom prst="rect">
+            <a:avLst/>
+          </a:prstGeom>
+        </p:spPr>
+        <p:txBody>
+          <a:bodyPr wrap="square">
+            <a:spAutoFit/>
+          </a:bodyPr>
+          <a:lstStyle/>
+          <a:p>
+            <a:pPr rtl="0"/>
+            <a:r>
+              <a:rPr lang="en-US" sz="800" dirty="0" smtClean="0">
+                <a:solidFill>
+                  <a:srgbClr val="C00000"/>
+                </a:solidFill>
+                <a:latin typeface="Century Gothic" panose="020B0502020202020204" pitchFamily="34" charset="0"/>
+              </a:rPr>
+              <a:t>seen 1 hour ago</a:t>
+            </a:r>
+            <a:endParaRPr lang="he-IL" sz="800" dirty="0">
+              <a:solidFill>
+                <a:srgbClr val="C00000"/>
+              </a:solidFill>
+            </a:endParaRPr>
+          </a:p>
+        </p:txBody>
+      </p:sp>
+      <p:sp>
+        <p:nvSpPr>
+          <p:cNvPr id="71" name="Rectangle 70"/>
+          <p:cNvSpPr/>
+          <p:nvPr/>
+        </p:nvSpPr>
+        <p:spPr>
+          <a:xfrm>
+            <a:off x="5398993" y="2869960"/>
+            <a:ext cx="1987645" cy="215444"/>
+          </a:xfrm>
+          <a:prstGeom prst="rect">
+            <a:avLst/>
+          </a:prstGeom>
+        </p:spPr>
+        <p:txBody>
+          <a:bodyPr wrap="square">
+            <a:spAutoFit/>
+          </a:bodyPr>
+          <a:lstStyle/>
+          <a:p>
+            <a:pPr algn="just"/>
+            <a:r>
+              <a:rPr lang="en-US" sz="800" dirty="0" smtClean="0">
+                <a:latin typeface="Century Gothic" panose="020B0502020202020204" pitchFamily="34" charset="0"/>
+              </a:rPr>
+              <a:t>Hey dude!</a:t>
+            </a:r>
+            <a:endParaRPr lang="he-IL" sz="800" dirty="0"/>
+          </a:p>
+        </p:txBody>
+      </p:sp>
+      <p:pic>
+        <p:nvPicPr>
+          <p:cNvPr id="2" name="Picture 1"/>
+          <p:cNvPicPr>
+            <a:picLocks noChangeAspect="1"/>
+          </p:cNvPicPr>
+          <p:nvPr/>
+        </p:nvPicPr>
+        <p:blipFill>
+          <a:blip r:embed="rId10">
             <a:extLst>
               <a:ext uri="{BEBA8EAE-BF5A-486C-A8C5-ECC9F3942E4B}">
                 <a14:imgProps xmlns:a14="http://schemas.microsoft.com/office/drawing/2010/main">
-                  <a14:imgLayer r:embed="rId10">
+                  <a14:imgLayer r:embed="rId11">
                     <a14:imgEffect>
-                      <a14:backgroundRemoval t="195" b="100000" l="1172" r="89844"/>
+                      <a14:backgroundRemoval t="9961" b="89844" l="0" r="100000"/>
                     </a14:imgEffect>
                   </a14:imgLayer>
                 </a14:imgProps>
@@ -7115,8 +8906,249 @@
         </p:blipFill>
         <p:spPr>
           <a:xfrm>
-            <a:off x="5940387" y="3247704"/>
-            <a:ext cx="330476" cy="330476"/>
+            <a:off x="5503016" y="2070710"/>
+            <a:ext cx="121737" cy="121737"/>
+          </a:xfrm>
+          <a:prstGeom prst="rect">
+            <a:avLst/>
+          </a:prstGeom>
+        </p:spPr>
+      </p:pic>
+      <p:pic>
+        <p:nvPicPr>
+          <p:cNvPr id="4" name="Picture 3"/>
+          <p:cNvPicPr>
+            <a:picLocks noChangeAspect="1"/>
+          </p:cNvPicPr>
+          <p:nvPr/>
+        </p:nvPicPr>
+        <p:blipFill>
+          <a:blip r:embed="rId12">
+            <a:extLst>
+              <a:ext uri="{BEBA8EAE-BF5A-486C-A8C5-ECC9F3942E4B}">
+                <a14:imgProps xmlns:a14="http://schemas.microsoft.com/office/drawing/2010/main">
+                  <a14:imgLayer r:embed="rId13">
+                    <a14:imgEffect>
+                      <a14:backgroundRemoval t="9961" b="89844" l="586" r="100000"/>
+                    </a14:imgEffect>
+                  </a14:imgLayer>
+                </a14:imgProps>
+              </a:ext>
+            </a:extLst>
+          </a:blip>
+          <a:stretch>
+            <a:fillRect/>
+          </a:stretch>
+        </p:blipFill>
+        <p:spPr>
+          <a:xfrm>
+            <a:off x="7315056" y="2916959"/>
+            <a:ext cx="121737" cy="121737"/>
+          </a:xfrm>
+          <a:prstGeom prst="rect">
+            <a:avLst/>
+          </a:prstGeom>
+        </p:spPr>
+      </p:pic>
+      <p:sp>
+        <p:nvSpPr>
+          <p:cNvPr id="25" name="Rectangle 24"/>
+          <p:cNvSpPr/>
+          <p:nvPr/>
+        </p:nvSpPr>
+        <p:spPr>
+          <a:xfrm>
+            <a:off x="5398993" y="3360732"/>
+            <a:ext cx="2117102" cy="307777"/>
+          </a:xfrm>
+          <a:prstGeom prst="rect">
+            <a:avLst/>
+          </a:prstGeom>
+        </p:spPr>
+        <p:txBody>
+          <a:bodyPr wrap="square">
+            <a:spAutoFit/>
+          </a:bodyPr>
+          <a:lstStyle/>
+          <a:p>
+            <a:pPr algn="l"/>
+            <a:r>
+              <a:rPr lang="en-US" sz="1400" dirty="0" smtClean="0">
+                <a:latin typeface="Century Gothic" panose="020B0502020202020204" pitchFamily="34" charset="0"/>
+              </a:rPr>
+              <a:t>Emily</a:t>
+            </a:r>
+            <a:endParaRPr lang="he-IL" sz="1400" dirty="0"/>
+          </a:p>
+        </p:txBody>
+      </p:sp>
+      <p:sp>
+        <p:nvSpPr>
+          <p:cNvPr id="28" name="Rectangle 27"/>
+          <p:cNvSpPr/>
+          <p:nvPr/>
+        </p:nvSpPr>
+        <p:spPr>
+          <a:xfrm>
+            <a:off x="5053863" y="3942069"/>
+            <a:ext cx="2493616" cy="215444"/>
+          </a:xfrm>
+          <a:prstGeom prst="rect">
+            <a:avLst/>
+          </a:prstGeom>
+        </p:spPr>
+        <p:txBody>
+          <a:bodyPr wrap="square">
+            <a:spAutoFit/>
+          </a:bodyPr>
+          <a:lstStyle/>
+          <a:p>
+            <a:pPr rtl="0"/>
+            <a:r>
+              <a:rPr lang="en-US" sz="800" dirty="0" smtClean="0">
+                <a:solidFill>
+                  <a:srgbClr val="C00000"/>
+                </a:solidFill>
+                <a:latin typeface="Century Gothic" panose="020B0502020202020204" pitchFamily="34" charset="0"/>
+              </a:rPr>
+              <a:t>seen </a:t>
+            </a:r>
+            <a:r>
+              <a:rPr lang="en-US" sz="800" dirty="0">
+                <a:solidFill>
+                  <a:srgbClr val="C00000"/>
+                </a:solidFill>
+                <a:latin typeface="Century Gothic" panose="020B0502020202020204" pitchFamily="34" charset="0"/>
+              </a:rPr>
+              <a:t>1</a:t>
+            </a:r>
+            <a:r>
+              <a:rPr lang="en-US" sz="800" dirty="0" smtClean="0">
+                <a:solidFill>
+                  <a:srgbClr val="C00000"/>
+                </a:solidFill>
+                <a:latin typeface="Century Gothic" panose="020B0502020202020204" pitchFamily="34" charset="0"/>
+              </a:rPr>
+              <a:t> hour and 20 </a:t>
+            </a:r>
+            <a:r>
+              <a:rPr lang="en-US" sz="800" dirty="0" err="1" smtClean="0">
+                <a:solidFill>
+                  <a:srgbClr val="C00000"/>
+                </a:solidFill>
+                <a:latin typeface="Century Gothic" panose="020B0502020202020204" pitchFamily="34" charset="0"/>
+              </a:rPr>
+              <a:t>minuts</a:t>
+            </a:r>
+            <a:r>
+              <a:rPr lang="en-US" sz="800" dirty="0" smtClean="0">
+                <a:solidFill>
+                  <a:srgbClr val="C00000"/>
+                </a:solidFill>
+                <a:latin typeface="Century Gothic" panose="020B0502020202020204" pitchFamily="34" charset="0"/>
+              </a:rPr>
+              <a:t> ago</a:t>
+            </a:r>
+            <a:endParaRPr lang="he-IL" sz="800" dirty="0">
+              <a:solidFill>
+                <a:srgbClr val="C00000"/>
+              </a:solidFill>
+            </a:endParaRPr>
+          </a:p>
+        </p:txBody>
+      </p:sp>
+      <p:sp>
+        <p:nvSpPr>
+          <p:cNvPr id="29" name="Rectangle 28"/>
+          <p:cNvSpPr/>
+          <p:nvPr/>
+        </p:nvSpPr>
+        <p:spPr>
+          <a:xfrm>
+            <a:off x="5398993" y="3703751"/>
+            <a:ext cx="1987645" cy="215444"/>
+          </a:xfrm>
+          <a:prstGeom prst="rect">
+            <a:avLst/>
+          </a:prstGeom>
+        </p:spPr>
+        <p:txBody>
+          <a:bodyPr wrap="square">
+            <a:spAutoFit/>
+          </a:bodyPr>
+          <a:lstStyle/>
+          <a:p>
+            <a:pPr algn="just"/>
+            <a:r>
+              <a:rPr lang="en-US" sz="800" dirty="0" smtClean="0">
+                <a:latin typeface="Century Gothic" panose="020B0502020202020204" pitchFamily="34" charset="0"/>
+              </a:rPr>
+              <a:t>I’ll will be at FCO at 11am.</a:t>
+            </a:r>
+            <a:endParaRPr lang="he-IL" sz="800" dirty="0"/>
+          </a:p>
+        </p:txBody>
+      </p:sp>
+      <p:pic>
+        <p:nvPicPr>
+          <p:cNvPr id="30" name="Picture 29"/>
+          <p:cNvPicPr>
+            <a:picLocks noChangeAspect="1"/>
+          </p:cNvPicPr>
+          <p:nvPr/>
+        </p:nvPicPr>
+        <p:blipFill>
+          <a:blip r:embed="rId12">
+            <a:extLst>
+              <a:ext uri="{BEBA8EAE-BF5A-486C-A8C5-ECC9F3942E4B}">
+                <a14:imgProps xmlns:a14="http://schemas.microsoft.com/office/drawing/2010/main">
+                  <a14:imgLayer r:embed="rId13">
+                    <a14:imgEffect>
+                      <a14:backgroundRemoval t="9961" b="89844" l="586" r="100000"/>
+                    </a14:imgEffect>
+                  </a14:imgLayer>
+                </a14:imgProps>
+              </a:ext>
+            </a:extLst>
+          </a:blip>
+          <a:stretch>
+            <a:fillRect/>
+          </a:stretch>
+        </p:blipFill>
+        <p:spPr>
+          <a:xfrm>
+            <a:off x="7315056" y="3750750"/>
+            <a:ext cx="121737" cy="121737"/>
+          </a:xfrm>
+          <a:prstGeom prst="rect">
+            <a:avLst/>
+          </a:prstGeom>
+        </p:spPr>
+      </p:pic>
+      <p:pic>
+        <p:nvPicPr>
+          <p:cNvPr id="8" name="Picture 7"/>
+          <p:cNvPicPr>
+            <a:picLocks noChangeAspect="1"/>
+          </p:cNvPicPr>
+          <p:nvPr/>
+        </p:nvPicPr>
+        <p:blipFill>
+          <a:blip r:embed="rId14" cstate="print">
+            <a:extLst>
+              <a:ext uri="{28A0092B-C50C-407E-A947-70E740481C1C}">
+                <a14:useLocalDpi xmlns:a14="http://schemas.microsoft.com/office/drawing/2010/main" val="0"/>
+              </a:ext>
+            </a:extLst>
+          </a:blip>
+          <a:stretch>
+            <a:fillRect/>
+          </a:stretch>
+        </p:blipFill>
+        <p:spPr>
+          <a:xfrm flipH="1">
+            <a:off x="4682322" y="3354798"/>
+            <a:ext cx="777600" cy="777600"/>
           </a:xfrm>
           <a:prstGeom prst="rect">
             <a:avLst/>
@@ -7132,7 +9164,7 @@
           <p:nvPr/>
         </p:nvPicPr>
         <p:blipFill>
-          <a:blip r:embed="rId11"/>
+          <a:blip r:embed="rId15"/>
           <a:stretch>
             <a:fillRect/>
           </a:stretch>
@@ -7150,20 +9182,20 @@
     </p:spTree>
     <p:extLst>
       <p:ext uri="{BB962C8B-B14F-4D97-AF65-F5344CB8AC3E}">
-        <p14:creationId xmlns:p14="http://schemas.microsoft.com/office/powerpoint/2010/main" val="2963755350"/>
+        <p14:creationId xmlns:p14="http://schemas.microsoft.com/office/powerpoint/2010/main" val="1524550443"/>
       </p:ext>
     </p:extLst>
   </p:cSld>
   <p:clrMapOvr>
     <a:masterClrMapping/>
   </p:clrMapOvr>
-  <mc:AlternateContent xmlns:mc="http://schemas.openxmlformats.org/markup-compatibility/2006">
-    <mc:Choice xmlns:p14="http://schemas.microsoft.com/office/powerpoint/2010/main" Requires="p14">
+  <mc:AlternateContent xmlns:mc="http://schemas.openxmlformats.org/markup-compatibility/2006" xmlns:p14="http://schemas.microsoft.com/office/powerpoint/2010/main">
+    <mc:Choice Requires="p14">
       <p:transition spd="med" p14:dur="700">
         <p:fade/>
       </p:transition>
     </mc:Choice>
-    <mc:Fallback>
+    <mc:Fallback xmlns="">
       <p:transition spd="med">
         <p:fade/>
       </p:transition>
@@ -7833,6 +9865,816 @@
           </a:graphicData>
         </a:graphic>
       </p:graphicFrame>
+      <p:pic>
+        <p:nvPicPr>
+          <p:cNvPr id="1026" name="Picture 2" descr="https://fbcdn-sphotos-c-a.akamaihd.net/hphotos-ak-prn2/v/t1.0-9/558617_496479173697011_745885139_n.jpg?oh=05f90387fce5a2ab60ff626da8046fb4&amp;oe=55B810BD&amp;__gda__=1441131251_b641de8fc77e4e86dec2fc55f843cd6a"/>
+          <p:cNvPicPr>
+            <a:picLocks noChangeAspect="1" noChangeArrowheads="1"/>
+          </p:cNvPicPr>
+          <p:nvPr/>
+        </p:nvPicPr>
+        <p:blipFill>
+          <a:blip r:embed="rId7" cstate="print">
+            <a:extLst>
+              <a:ext uri="{28A0092B-C50C-407E-A947-70E740481C1C}">
+                <a14:useLocalDpi xmlns:a14="http://schemas.microsoft.com/office/drawing/2010/main" val="0"/>
+              </a:ext>
+            </a:extLst>
+          </a:blip>
+          <a:srcRect/>
+          <a:stretch>
+            <a:fillRect/>
+          </a:stretch>
+        </p:blipFill>
+        <p:spPr bwMode="auto">
+          <a:xfrm>
+            <a:off x="6976077" y="824512"/>
+            <a:ext cx="537562" cy="537562"/>
+          </a:xfrm>
+          <a:prstGeom prst="rect">
+            <a:avLst/>
+          </a:prstGeom>
+          <a:noFill/>
+          <a:extLst>
+            <a:ext uri="{909E8E84-426E-40DD-AFC4-6F175D3DCCD1}">
+              <a14:hiddenFill xmlns:a14="http://schemas.microsoft.com/office/drawing/2010/main">
+                <a:solidFill>
+                  <a:srgbClr val="FFFFFF"/>
+                </a:solidFill>
+              </a14:hiddenFill>
+            </a:ext>
+          </a:extLst>
+        </p:spPr>
+      </p:pic>
+      <p:pic>
+        <p:nvPicPr>
+          <p:cNvPr id="9" name="Picture 8"/>
+          <p:cNvPicPr>
+            <a:picLocks noChangeAspect="1"/>
+          </p:cNvPicPr>
+          <p:nvPr/>
+        </p:nvPicPr>
+        <p:blipFill rotWithShape="1">
+          <a:blip r:embed="rId8"/>
+          <a:srcRect l="23339" r="23277"/>
+          <a:stretch/>
+        </p:blipFill>
+        <p:spPr>
+          <a:xfrm>
+            <a:off x="4684295" y="1631046"/>
+            <a:ext cx="2833035" cy="4222997"/>
+          </a:xfrm>
+          <a:prstGeom prst="rect">
+            <a:avLst/>
+          </a:prstGeom>
+        </p:spPr>
+      </p:pic>
+      <p:pic>
+        <p:nvPicPr>
+          <p:cNvPr id="10" name="Picture 9"/>
+          <p:cNvPicPr>
+            <a:picLocks noChangeAspect="1"/>
+          </p:cNvPicPr>
+          <p:nvPr/>
+        </p:nvPicPr>
+        <p:blipFill>
+          <a:blip r:embed="rId9">
+            <a:extLst>
+              <a:ext uri="{BEBA8EAE-BF5A-486C-A8C5-ECC9F3942E4B}">
+                <a14:imgProps xmlns:a14="http://schemas.microsoft.com/office/drawing/2010/main">
+                  <a14:imgLayer r:embed="rId10">
+                    <a14:imgEffect>
+                      <a14:backgroundRemoval t="195" b="100000" l="1172" r="89844"/>
+                    </a14:imgEffect>
+                  </a14:imgLayer>
+                </a14:imgProps>
+              </a:ext>
+            </a:extLst>
+          </a:blip>
+          <a:stretch>
+            <a:fillRect/>
+          </a:stretch>
+        </p:blipFill>
+        <p:spPr>
+          <a:xfrm>
+            <a:off x="5940387" y="3247704"/>
+            <a:ext cx="330476" cy="330476"/>
+          </a:xfrm>
+          <a:prstGeom prst="rect">
+            <a:avLst/>
+          </a:prstGeom>
+        </p:spPr>
+      </p:pic>
+      <p:pic>
+        <p:nvPicPr>
+          <p:cNvPr id="32" name="Picture 31"/>
+          <p:cNvPicPr>
+            <a:picLocks noChangeAspect="1"/>
+          </p:cNvPicPr>
+          <p:nvPr/>
+        </p:nvPicPr>
+        <p:blipFill>
+          <a:blip r:embed="rId11"/>
+          <a:stretch>
+            <a:fillRect/>
+          </a:stretch>
+        </p:blipFill>
+        <p:spPr>
+          <a:xfrm>
+            <a:off x="6662105" y="965126"/>
+            <a:ext cx="249413" cy="249413"/>
+          </a:xfrm>
+          <a:prstGeom prst="rect">
+            <a:avLst/>
+          </a:prstGeom>
+        </p:spPr>
+      </p:pic>
+    </p:spTree>
+    <p:extLst>
+      <p:ext uri="{BB962C8B-B14F-4D97-AF65-F5344CB8AC3E}">
+        <p14:creationId xmlns:p14="http://schemas.microsoft.com/office/powerpoint/2010/main" val="2963755350"/>
+      </p:ext>
+    </p:extLst>
+  </p:cSld>
+  <p:clrMapOvr>
+    <a:masterClrMapping/>
+  </p:clrMapOvr>
+  <mc:AlternateContent xmlns:mc="http://schemas.openxmlformats.org/markup-compatibility/2006" xmlns:p14="http://schemas.microsoft.com/office/powerpoint/2010/main">
+    <mc:Choice Requires="p14">
+      <p:transition spd="med" p14:dur="700">
+        <p:fade/>
+      </p:transition>
+    </mc:Choice>
+    <mc:Fallback xmlns="">
+      <p:transition spd="med">
+        <p:fade/>
+      </p:transition>
+    </mc:Fallback>
+  </mc:AlternateContent>
+  <p:timing>
+    <p:tnLst>
+      <p:par>
+        <p:cTn id="1" dur="indefinite" restart="never" nodeType="tmRoot"/>
+      </p:par>
+    </p:tnLst>
+  </p:timing>
+</p:sld>
+</file>
+
+<file path=ppt/slides/slide13.xml><?xml version="1.0" encoding="utf-8"?>
+<p:sld xmlns:a="http://schemas.openxmlformats.org/drawingml/2006/main" xmlns:r="http://schemas.openxmlformats.org/officeDocument/2006/relationships" xmlns:p="http://schemas.openxmlformats.org/presentationml/2006/main">
+  <p:cSld>
+    <p:spTree>
+      <p:nvGrpSpPr>
+        <p:cNvPr id="1" name=""/>
+        <p:cNvGrpSpPr/>
+        <p:nvPr/>
+      </p:nvGrpSpPr>
+      <p:grpSpPr>
+        <a:xfrm>
+          <a:off x="0" y="0"/>
+          <a:ext cx="0" cy="0"/>
+          <a:chOff x="0" y="0"/>
+          <a:chExt cx="0" cy="0"/>
+        </a:xfrm>
+      </p:grpSpPr>
+      <p:pic>
+        <p:nvPicPr>
+          <p:cNvPr id="27" name="Picture 6" descr="http://www.technobuffalo.com/wp-content/uploads/2013/10/Nexus-5-Press-Image-001-1280x874.jpg"/>
+          <p:cNvPicPr>
+            <a:picLocks noChangeAspect="1" noChangeArrowheads="1"/>
+          </p:cNvPicPr>
+          <p:nvPr/>
+        </p:nvPicPr>
+        <p:blipFill>
+          <a:blip r:embed="rId3">
+            <a:extLst>
+              <a:ext uri="{BEBA8EAE-BF5A-486C-A8C5-ECC9F3942E4B}">
+                <a14:imgProps xmlns:a14="http://schemas.microsoft.com/office/drawing/2010/main">
+                  <a14:imgLayer r:embed="rId4">
+                    <a14:imgEffect>
+                      <a14:backgroundRemoval t="4119" b="95538" l="10000" r="90000"/>
+                    </a14:imgEffect>
+                  </a14:imgLayer>
+                </a14:imgProps>
+              </a:ext>
+              <a:ext uri="{28A0092B-C50C-407E-A947-70E740481C1C}">
+                <a14:useLocalDpi xmlns:a14="http://schemas.microsoft.com/office/drawing/2010/main" val="0"/>
+              </a:ext>
+            </a:extLst>
+          </a:blip>
+          <a:srcRect/>
+          <a:stretch>
+            <a:fillRect/>
+          </a:stretch>
+        </p:blipFill>
+        <p:spPr bwMode="auto">
+          <a:xfrm>
+            <a:off x="1050881" y="-38501"/>
+            <a:ext cx="10109488" cy="6902886"/>
+          </a:xfrm>
+          <a:prstGeom prst="rect">
+            <a:avLst/>
+          </a:prstGeom>
+          <a:noFill/>
+          <a:effectLst>
+            <a:outerShdw blurRad="50800" dist="38100" dir="10800000" algn="r" rotWithShape="0">
+              <a:prstClr val="black">
+                <a:alpha val="40000"/>
+              </a:prstClr>
+            </a:outerShdw>
+          </a:effectLst>
+          <a:extLst>
+            <a:ext uri="{909E8E84-426E-40DD-AFC4-6F175D3DCCD1}">
+              <a14:hiddenFill xmlns:a14="http://schemas.microsoft.com/office/drawing/2010/main">
+                <a:solidFill>
+                  <a:srgbClr val="FFFFFF"/>
+                </a:solidFill>
+              </a14:hiddenFill>
+            </a:ext>
+          </a:extLst>
+        </p:spPr>
+      </p:pic>
+      <p:sp>
+        <p:nvSpPr>
+          <p:cNvPr id="5" name="Rectangle 4"/>
+          <p:cNvSpPr/>
+          <p:nvPr/>
+        </p:nvSpPr>
+        <p:spPr>
+          <a:xfrm>
+            <a:off x="4684295" y="834830"/>
+            <a:ext cx="2829827" cy="4987453"/>
+          </a:xfrm>
+          <a:prstGeom prst="rect">
+            <a:avLst/>
+          </a:prstGeom>
+          <a:solidFill>
+            <a:schemeClr val="bg1"/>
+          </a:solidFill>
+          <a:ln>
+            <a:noFill/>
+          </a:ln>
+        </p:spPr>
+        <p:style>
+          <a:lnRef idx="2">
+            <a:schemeClr val="accent1">
+              <a:shade val="50000"/>
+            </a:schemeClr>
+          </a:lnRef>
+          <a:fillRef idx="1">
+            <a:schemeClr val="accent1"/>
+          </a:fillRef>
+          <a:effectRef idx="0">
+            <a:schemeClr val="accent1"/>
+          </a:effectRef>
+          <a:fontRef idx="minor">
+            <a:schemeClr val="lt1"/>
+          </a:fontRef>
+        </p:style>
+        <p:txBody>
+          <a:bodyPr rtlCol="1" anchor="ctr"/>
+          <a:lstStyle/>
+          <a:p>
+            <a:pPr algn="ctr"/>
+            <a:endParaRPr lang="he-IL"/>
+          </a:p>
+        </p:txBody>
+      </p:sp>
+      <p:sp>
+        <p:nvSpPr>
+          <p:cNvPr id="11" name="Rectangle 10"/>
+          <p:cNvSpPr/>
+          <p:nvPr/>
+        </p:nvSpPr>
+        <p:spPr>
+          <a:xfrm>
+            <a:off x="4684295" y="822492"/>
+            <a:ext cx="2829827" cy="539583"/>
+          </a:xfrm>
+          <a:prstGeom prst="rect">
+            <a:avLst/>
+          </a:prstGeom>
+          <a:solidFill>
+            <a:srgbClr val="F20000">
+              <a:alpha val="97000"/>
+            </a:srgbClr>
+          </a:solidFill>
+          <a:ln>
+            <a:noFill/>
+          </a:ln>
+        </p:spPr>
+        <p:style>
+          <a:lnRef idx="2">
+            <a:schemeClr val="accent1">
+              <a:shade val="50000"/>
+            </a:schemeClr>
+          </a:lnRef>
+          <a:fillRef idx="1">
+            <a:schemeClr val="accent1"/>
+          </a:fillRef>
+          <a:effectRef idx="0">
+            <a:schemeClr val="accent1"/>
+          </a:effectRef>
+          <a:fontRef idx="minor">
+            <a:schemeClr val="lt1"/>
+          </a:fontRef>
+        </p:style>
+        <p:txBody>
+          <a:bodyPr rtlCol="1" anchor="ctr"/>
+          <a:lstStyle/>
+          <a:p>
+            <a:pPr algn="ctr"/>
+            <a:endParaRPr lang="he-IL"/>
+          </a:p>
+        </p:txBody>
+      </p:sp>
+      <p:sp>
+        <p:nvSpPr>
+          <p:cNvPr id="13" name="TextBox 12"/>
+          <p:cNvSpPr txBox="1"/>
+          <p:nvPr/>
+        </p:nvSpPr>
+        <p:spPr>
+          <a:xfrm>
+            <a:off x="5053863" y="907617"/>
+            <a:ext cx="1217000" cy="369332"/>
+          </a:xfrm>
+          <a:prstGeom prst="rect">
+            <a:avLst/>
+          </a:prstGeom>
+          <a:noFill/>
+        </p:spPr>
+        <p:txBody>
+          <a:bodyPr wrap="none" rtlCol="1">
+            <a:spAutoFit/>
+          </a:bodyPr>
+          <a:lstStyle/>
+          <a:p>
+            <a:pPr algn="ctr"/>
+            <a:r>
+              <a:rPr lang="en-US" dirty="0" err="1" smtClean="0">
+                <a:solidFill>
+                  <a:schemeClr val="bg1"/>
+                </a:solidFill>
+                <a:latin typeface="Century Gothic" panose="020B0502020202020204" pitchFamily="34" charset="0"/>
+              </a:rPr>
+              <a:t>OnThe</a:t>
+            </a:r>
+            <a:r>
+              <a:rPr lang="en-US" b="1" dirty="0" err="1" smtClean="0">
+                <a:solidFill>
+                  <a:schemeClr val="bg1"/>
+                </a:solidFill>
+                <a:latin typeface="Century Gothic" panose="020B0502020202020204" pitchFamily="34" charset="0"/>
+              </a:rPr>
+              <a:t>Fly</a:t>
+            </a:r>
+            <a:endParaRPr lang="he-IL" sz="2000" b="1" dirty="0">
+              <a:solidFill>
+                <a:schemeClr val="bg1"/>
+              </a:solidFill>
+              <a:latin typeface="Century Gothic" panose="020B0502020202020204" pitchFamily="34" charset="0"/>
+            </a:endParaRPr>
+          </a:p>
+        </p:txBody>
+      </p:sp>
+      <p:grpSp>
+        <p:nvGrpSpPr>
+          <p:cNvPr id="14" name="Group 13"/>
+          <p:cNvGrpSpPr/>
+          <p:nvPr/>
+        </p:nvGrpSpPr>
+        <p:grpSpPr>
+          <a:xfrm>
+            <a:off x="4715953" y="874451"/>
+            <a:ext cx="376747" cy="424103"/>
+            <a:chOff x="8120846" y="1227385"/>
+            <a:chExt cx="3534412" cy="3978687"/>
+          </a:xfrm>
+        </p:grpSpPr>
+        <p:sp>
+          <p:nvSpPr>
+            <p:cNvPr id="15" name="Chord 14"/>
+            <p:cNvSpPr/>
+            <p:nvPr/>
+          </p:nvSpPr>
+          <p:spPr>
+            <a:xfrm rot="5400000">
+              <a:off x="8226724" y="1227385"/>
+              <a:ext cx="3428534" cy="3428534"/>
+            </a:xfrm>
+            <a:prstGeom prst="chord">
+              <a:avLst>
+                <a:gd name="adj1" fmla="val 2476101"/>
+                <a:gd name="adj2" fmla="val 13931417"/>
+              </a:avLst>
+            </a:prstGeom>
+            <a:solidFill>
+              <a:srgbClr val="C00000"/>
+            </a:solidFill>
+            <a:ln>
+              <a:noFill/>
+            </a:ln>
+          </p:spPr>
+          <p:style>
+            <a:lnRef idx="2">
+              <a:schemeClr val="accent1">
+                <a:shade val="50000"/>
+              </a:schemeClr>
+            </a:lnRef>
+            <a:fillRef idx="1">
+              <a:schemeClr val="accent1"/>
+            </a:fillRef>
+            <a:effectRef idx="0">
+              <a:schemeClr val="accent1"/>
+            </a:effectRef>
+            <a:fontRef idx="minor">
+              <a:schemeClr val="lt1"/>
+            </a:fontRef>
+          </p:style>
+          <p:txBody>
+            <a:bodyPr rtlCol="1" anchor="ctr"/>
+            <a:lstStyle/>
+            <a:p>
+              <a:pPr algn="ctr"/>
+              <a:endParaRPr lang="he-IL"/>
+            </a:p>
+          </p:txBody>
+        </p:sp>
+        <p:sp>
+          <p:nvSpPr>
+            <p:cNvPr id="16" name="Chord 15"/>
+            <p:cNvSpPr/>
+            <p:nvPr/>
+          </p:nvSpPr>
+          <p:spPr>
+            <a:xfrm rot="16200000">
+              <a:off x="8120846" y="1777538"/>
+              <a:ext cx="3428534" cy="3428534"/>
+            </a:xfrm>
+            <a:prstGeom prst="chord">
+              <a:avLst>
+                <a:gd name="adj1" fmla="val 2476101"/>
+                <a:gd name="adj2" fmla="val 13931417"/>
+              </a:avLst>
+            </a:prstGeom>
+            <a:solidFill>
+              <a:srgbClr val="8E0000"/>
+            </a:solidFill>
+            <a:ln>
+              <a:noFill/>
+            </a:ln>
+          </p:spPr>
+          <p:style>
+            <a:lnRef idx="2">
+              <a:schemeClr val="accent1">
+                <a:shade val="50000"/>
+              </a:schemeClr>
+            </a:lnRef>
+            <a:fillRef idx="1">
+              <a:schemeClr val="accent1"/>
+            </a:fillRef>
+            <a:effectRef idx="0">
+              <a:schemeClr val="accent1"/>
+            </a:effectRef>
+            <a:fontRef idx="minor">
+              <a:schemeClr val="lt1"/>
+            </a:fontRef>
+          </p:style>
+          <p:txBody>
+            <a:bodyPr rtlCol="1" anchor="ctr"/>
+            <a:lstStyle/>
+            <a:p>
+              <a:pPr algn="ctr"/>
+              <a:endParaRPr lang="he-IL"/>
+            </a:p>
+          </p:txBody>
+        </p:sp>
+        <p:pic>
+          <p:nvPicPr>
+            <p:cNvPr id="17" name="Picture 16"/>
+            <p:cNvPicPr>
+              <a:picLocks noChangeAspect="1"/>
+            </p:cNvPicPr>
+            <p:nvPr/>
+          </p:nvPicPr>
+          <p:blipFill>
+            <a:blip r:embed="rId5">
+              <a:extLst>
+                <a:ext uri="{BEBA8EAE-BF5A-486C-A8C5-ECC9F3942E4B}">
+                  <a14:imgProps xmlns:a14="http://schemas.microsoft.com/office/drawing/2010/main">
+                    <a14:imgLayer r:embed="rId6">
+                      <a14:imgEffect>
+                        <a14:backgroundRemoval t="0" b="100000" l="0" r="100000"/>
+                      </a14:imgEffect>
+                    </a14:imgLayer>
+                  </a14:imgProps>
+                </a:ext>
+              </a:extLst>
+            </a:blip>
+            <a:stretch>
+              <a:fillRect/>
+            </a:stretch>
+          </p:blipFill>
+          <p:spPr>
+            <a:xfrm rot="19771925">
+              <a:off x="8624053" y="2122638"/>
+              <a:ext cx="2301304" cy="2301304"/>
+            </a:xfrm>
+            <a:prstGeom prst="rect">
+              <a:avLst/>
+            </a:prstGeom>
+            <a:effectLst/>
+          </p:spPr>
+        </p:pic>
+      </p:grpSp>
+      <p:graphicFrame>
+        <p:nvGraphicFramePr>
+          <p:cNvPr id="6" name="Table 5"/>
+          <p:cNvGraphicFramePr>
+            <a:graphicFrameLocks noGrp="1"/>
+          </p:cNvGraphicFramePr>
+          <p:nvPr>
+            <p:extLst>
+              <p:ext uri="{D42A27DB-BD31-4B8C-83A1-F6EECF244321}">
+                <p14:modId xmlns:p14="http://schemas.microsoft.com/office/powerpoint/2010/main" val="1014884193"/>
+              </p:ext>
+            </p:extLst>
+          </p:nvPr>
+        </p:nvGraphicFramePr>
+        <p:xfrm>
+          <a:off x="4688974" y="1359602"/>
+          <a:ext cx="2819901" cy="274320"/>
+        </p:xfrm>
+        <a:graphic>
+          <a:graphicData uri="http://schemas.openxmlformats.org/drawingml/2006/table">
+            <a:tbl>
+              <a:tblPr rtl="1" firstRow="1" bandRow="1">
+                <a:tableStyleId>{5C22544A-7EE6-4342-B048-85BDC9FD1C3A}</a:tableStyleId>
+              </a:tblPr>
+              <a:tblGrid>
+                <a:gridCol w="939967"/>
+                <a:gridCol w="939967"/>
+                <a:gridCol w="939967"/>
+              </a:tblGrid>
+              <a:tr h="243773">
+                <a:tc>
+                  <a:txBody>
+                    <a:bodyPr/>
+                    <a:lstStyle/>
+                    <a:p>
+                      <a:pPr algn="ctr" rtl="1"/>
+                      <a:r>
+                        <a:rPr lang="en-US" sz="1200" b="0" kern="1200" dirty="0" smtClean="0">
+                          <a:solidFill>
+                            <a:schemeClr val="tx1"/>
+                          </a:solidFill>
+                          <a:latin typeface="Century Gothic" panose="020B0502020202020204" pitchFamily="34" charset="0"/>
+                          <a:ea typeface="+mn-ea"/>
+                          <a:cs typeface="+mn-cs"/>
+                        </a:rPr>
+                        <a:t>Chat</a:t>
+                      </a:r>
+                      <a:endParaRPr lang="he-IL" sz="1200" b="0" kern="1200" dirty="0">
+                        <a:solidFill>
+                          <a:schemeClr val="tx1"/>
+                        </a:solidFill>
+                        <a:latin typeface="Century Gothic" panose="020B0502020202020204" pitchFamily="34" charset="0"/>
+                        <a:ea typeface="+mn-ea"/>
+                        <a:cs typeface="+mn-cs"/>
+                      </a:endParaRPr>
+                    </a:p>
+                  </a:txBody>
+                  <a:tcPr anchor="ctr">
+                    <a:lnL w="6350" cap="flat" cmpd="sng" algn="ctr">
+                      <a:solidFill>
+                        <a:schemeClr val="bg1">
+                          <a:lumMod val="85000"/>
+                        </a:schemeClr>
+                      </a:solidFill>
+                      <a:prstDash val="solid"/>
+                      <a:round/>
+                      <a:headEnd type="none" w="med" len="med"/>
+                      <a:tailEnd type="none" w="med" len="med"/>
+                    </a:lnL>
+                    <a:lnR w="6350" cap="flat" cmpd="sng" algn="ctr">
+                      <a:solidFill>
+                        <a:schemeClr val="bg1">
+                          <a:lumMod val="85000"/>
+                        </a:schemeClr>
+                      </a:solidFill>
+                      <a:prstDash val="solid"/>
+                      <a:round/>
+                      <a:headEnd type="none" w="med" len="med"/>
+                      <a:tailEnd type="none" w="med" len="med"/>
+                    </a:lnR>
+                    <a:lnT w="6350" cap="flat" cmpd="sng" algn="ctr">
+                      <a:solidFill>
+                        <a:schemeClr val="bg1">
+                          <a:lumMod val="85000"/>
+                        </a:schemeClr>
+                      </a:solidFill>
+                      <a:prstDash val="solid"/>
+                      <a:round/>
+                      <a:headEnd type="none" w="med" len="med"/>
+                      <a:tailEnd type="none" w="med" len="med"/>
+                    </a:lnT>
+                    <a:lnB w="6350" cap="flat" cmpd="sng" algn="ctr">
+                      <a:solidFill>
+                        <a:schemeClr val="bg1">
+                          <a:lumMod val="85000"/>
+                        </a:schemeClr>
+                      </a:solidFill>
+                      <a:prstDash val="solid"/>
+                      <a:round/>
+                      <a:headEnd type="none" w="med" len="med"/>
+                      <a:tailEnd type="none" w="med" len="med"/>
+                    </a:lnB>
+                    <a:lnTlToBr w="12700" cmpd="sng">
+                      <a:noFill/>
+                      <a:prstDash val="solid"/>
+                    </a:lnTlToBr>
+                    <a:lnBlToTr w="12700" cmpd="sng">
+                      <a:noFill/>
+                      <a:prstDash val="solid"/>
+                    </a:lnBlToTr>
+                    <a:solidFill>
+                      <a:schemeClr val="bg1"/>
+                    </a:solidFill>
+                  </a:tcPr>
+                </a:tc>
+                <a:tc>
+                  <a:txBody>
+                    <a:bodyPr/>
+                    <a:lstStyle/>
+                    <a:p>
+                      <a:pPr algn="ctr" rtl="1"/>
+                      <a:r>
+                        <a:rPr lang="en-US" sz="1200" b="0" kern="1200" dirty="0" smtClean="0">
+                          <a:solidFill>
+                            <a:schemeClr val="tx1"/>
+                          </a:solidFill>
+                          <a:latin typeface="Century Gothic" panose="020B0502020202020204" pitchFamily="34" charset="0"/>
+                          <a:ea typeface="+mn-ea"/>
+                          <a:cs typeface="+mn-cs"/>
+                        </a:rPr>
+                        <a:t>People</a:t>
+                      </a:r>
+                      <a:endParaRPr lang="he-IL" sz="1200" b="0" kern="1200" dirty="0">
+                        <a:solidFill>
+                          <a:schemeClr val="tx1"/>
+                        </a:solidFill>
+                        <a:latin typeface="Century Gothic" panose="020B0502020202020204" pitchFamily="34" charset="0"/>
+                        <a:ea typeface="+mn-ea"/>
+                        <a:cs typeface="+mn-cs"/>
+                      </a:endParaRPr>
+                    </a:p>
+                  </a:txBody>
+                  <a:tcPr anchor="ctr">
+                    <a:lnL w="6350" cap="flat" cmpd="sng" algn="ctr">
+                      <a:solidFill>
+                        <a:schemeClr val="bg1">
+                          <a:lumMod val="85000"/>
+                        </a:schemeClr>
+                      </a:solidFill>
+                      <a:prstDash val="solid"/>
+                      <a:round/>
+                      <a:headEnd type="none" w="med" len="med"/>
+                      <a:tailEnd type="none" w="med" len="med"/>
+                    </a:lnL>
+                    <a:lnR w="6350" cap="flat" cmpd="sng" algn="ctr">
+                      <a:solidFill>
+                        <a:schemeClr val="bg1">
+                          <a:lumMod val="85000"/>
+                        </a:schemeClr>
+                      </a:solidFill>
+                      <a:prstDash val="solid"/>
+                      <a:round/>
+                      <a:headEnd type="none" w="med" len="med"/>
+                      <a:tailEnd type="none" w="med" len="med"/>
+                    </a:lnR>
+                    <a:lnT w="6350" cap="flat" cmpd="sng" algn="ctr">
+                      <a:solidFill>
+                        <a:schemeClr val="bg1">
+                          <a:lumMod val="85000"/>
+                        </a:schemeClr>
+                      </a:solidFill>
+                      <a:prstDash val="solid"/>
+                      <a:round/>
+                      <a:headEnd type="none" w="med" len="med"/>
+                      <a:tailEnd type="none" w="med" len="med"/>
+                    </a:lnT>
+                    <a:lnB w="6350" cap="flat" cmpd="sng" algn="ctr">
+                      <a:solidFill>
+                        <a:schemeClr val="bg1">
+                          <a:lumMod val="85000"/>
+                        </a:schemeClr>
+                      </a:solidFill>
+                      <a:prstDash val="solid"/>
+                      <a:round/>
+                      <a:headEnd type="none" w="med" len="med"/>
+                      <a:tailEnd type="none" w="med" len="med"/>
+                    </a:lnB>
+                    <a:lnTlToBr w="12700" cmpd="sng">
+                      <a:noFill/>
+                      <a:prstDash val="solid"/>
+                    </a:lnTlToBr>
+                    <a:lnBlToTr w="12700" cmpd="sng">
+                      <a:noFill/>
+                      <a:prstDash val="solid"/>
+                    </a:lnBlToTr>
+                    <a:solidFill>
+                      <a:schemeClr val="bg1"/>
+                    </a:solidFill>
+                  </a:tcPr>
+                </a:tc>
+                <a:tc>
+                  <a:txBody>
+                    <a:bodyPr/>
+                    <a:lstStyle/>
+                    <a:p>
+                      <a:pPr algn="ctr" rtl="1"/>
+                      <a:r>
+                        <a:rPr lang="en-US" sz="1200" b="0" dirty="0" smtClean="0">
+                          <a:solidFill>
+                            <a:schemeClr val="tx1"/>
+                          </a:solidFill>
+                          <a:latin typeface="Century Gothic" panose="020B0502020202020204" pitchFamily="34" charset="0"/>
+                        </a:rPr>
+                        <a:t>Feed</a:t>
+                      </a:r>
+                      <a:endParaRPr lang="he-IL" sz="1200" b="0" dirty="0">
+                        <a:solidFill>
+                          <a:schemeClr val="tx1"/>
+                        </a:solidFill>
+                        <a:latin typeface="Century Gothic" panose="020B0502020202020204" pitchFamily="34" charset="0"/>
+                      </a:endParaRPr>
+                    </a:p>
+                  </a:txBody>
+                  <a:tcPr anchor="ctr">
+                    <a:lnL w="6350" cap="flat" cmpd="sng" algn="ctr">
+                      <a:solidFill>
+                        <a:schemeClr val="bg1">
+                          <a:lumMod val="85000"/>
+                        </a:schemeClr>
+                      </a:solidFill>
+                      <a:prstDash val="solid"/>
+                      <a:round/>
+                      <a:headEnd type="none" w="med" len="med"/>
+                      <a:tailEnd type="none" w="med" len="med"/>
+                    </a:lnL>
+                    <a:lnR w="6350" cap="flat" cmpd="sng" algn="ctr">
+                      <a:solidFill>
+                        <a:schemeClr val="bg1">
+                          <a:lumMod val="85000"/>
+                        </a:schemeClr>
+                      </a:solidFill>
+                      <a:prstDash val="solid"/>
+                      <a:round/>
+                      <a:headEnd type="none" w="med" len="med"/>
+                      <a:tailEnd type="none" w="med" len="med"/>
+                    </a:lnR>
+                    <a:lnT w="6350" cap="flat" cmpd="sng" algn="ctr">
+                      <a:solidFill>
+                        <a:schemeClr val="bg1">
+                          <a:lumMod val="85000"/>
+                        </a:schemeClr>
+                      </a:solidFill>
+                      <a:prstDash val="solid"/>
+                      <a:round/>
+                      <a:headEnd type="none" w="med" len="med"/>
+                      <a:tailEnd type="none" w="med" len="med"/>
+                    </a:lnT>
+                    <a:lnB w="6350" cap="flat" cmpd="sng" algn="ctr">
+                      <a:solidFill>
+                        <a:schemeClr val="bg1">
+                          <a:lumMod val="85000"/>
+                        </a:schemeClr>
+                      </a:solidFill>
+                      <a:prstDash val="solid"/>
+                      <a:round/>
+                      <a:headEnd type="none" w="med" len="med"/>
+                      <a:tailEnd type="none" w="med" len="med"/>
+                    </a:lnB>
+                    <a:lnTlToBr w="12700" cmpd="sng">
+                      <a:noFill/>
+                      <a:prstDash val="solid"/>
+                    </a:lnTlToBr>
+                    <a:lnBlToTr w="12700" cmpd="sng">
+                      <a:noFill/>
+                      <a:prstDash val="solid"/>
+                    </a:lnBlToTr>
+                    <a:solidFill>
+                      <a:schemeClr val="bg1"/>
+                    </a:solidFill>
+                  </a:tcPr>
+                </a:tc>
+              </a:tr>
+            </a:tbl>
+          </a:graphicData>
+        </a:graphic>
+      </p:graphicFrame>
       <p:graphicFrame>
         <p:nvGraphicFramePr>
           <p:cNvPr id="22" name="Table 21"/>
@@ -8072,16 +10914,7 @@
                 </a:solidFill>
                 <a:latin typeface="Century Gothic" panose="020B0502020202020204" pitchFamily="34" charset="0"/>
               </a:rPr>
-              <a:t>Yo</a:t>
-            </a:r>
-            <a:r>
-              <a:rPr lang="en-US" sz="2000" b="1" dirty="0" smtClean="0">
-                <a:solidFill>
-                  <a:schemeClr val="bg1"/>
-                </a:solidFill>
-                <a:latin typeface="Century Gothic" panose="020B0502020202020204" pitchFamily="34" charset="0"/>
-              </a:rPr>
-              <a:t>ur flight leaves in</a:t>
+              <a:t>Your flight leaves in</a:t>
             </a:r>
           </a:p>
           <a:p>
@@ -8114,13 +10947,13 @@
   <p:clrMapOvr>
     <a:masterClrMapping/>
   </p:clrMapOvr>
-  <mc:AlternateContent xmlns:mc="http://schemas.openxmlformats.org/markup-compatibility/2006">
-    <mc:Choice xmlns:p14="http://schemas.microsoft.com/office/powerpoint/2010/main" Requires="p14">
+  <mc:AlternateContent xmlns:mc="http://schemas.openxmlformats.org/markup-compatibility/2006" xmlns:p14="http://schemas.microsoft.com/office/powerpoint/2010/main">
+    <mc:Choice Requires="p14">
       <p:transition spd="med" p14:dur="700">
         <p:fade/>
       </p:transition>
     </mc:Choice>
-    <mc:Fallback>
+    <mc:Fallback xmlns="">
       <p:transition spd="med">
         <p:fade/>
       </p:transition>
@@ -9497,13 +12330,13 @@
   <p:clrMapOvr>
     <a:masterClrMapping/>
   </p:clrMapOvr>
-  <mc:AlternateContent xmlns:mc="http://schemas.openxmlformats.org/markup-compatibility/2006">
-    <mc:Choice xmlns:p14="http://schemas.microsoft.com/office/powerpoint/2010/main" Requires="p14">
+  <mc:AlternateContent xmlns:mc="http://schemas.openxmlformats.org/markup-compatibility/2006" xmlns:p14="http://schemas.microsoft.com/office/powerpoint/2010/main">
+    <mc:Choice Requires="p14">
       <p:transition spd="med" p14:dur="700">
         <p:fade/>
       </p:transition>
     </mc:Choice>
-    <mc:Fallback>
+    <mc:Fallback xmlns="">
       <p:transition spd="med">
         <p:fade/>
       </p:transition>
@@ -11524,35 +14357,6 @@
       </p:pic>
       <p:pic>
         <p:nvPicPr>
-          <p:cNvPr id="10" name="Picture 9"/>
-          <p:cNvPicPr>
-            <a:picLocks noChangeAspect="1"/>
-          </p:cNvPicPr>
-          <p:nvPr/>
-        </p:nvPicPr>
-        <p:blipFill rotWithShape="1">
-          <a:blip r:embed="rId8" cstate="print">
-            <a:extLst>
-              <a:ext uri="{28A0092B-C50C-407E-A947-70E740481C1C}">
-                <a14:useLocalDpi xmlns:a14="http://schemas.microsoft.com/office/drawing/2010/main" val="0"/>
-              </a:ext>
-            </a:extLst>
-          </a:blip>
-          <a:srcRect r="7419"/>
-          <a:stretch/>
-        </p:blipFill>
-        <p:spPr>
-          <a:xfrm>
-            <a:off x="7126904" y="4182362"/>
-            <a:ext cx="391452" cy="392293"/>
-          </a:xfrm>
-          <a:prstGeom prst="rect">
-            <a:avLst/>
-          </a:prstGeom>
-        </p:spPr>
-      </p:pic>
-      <p:pic>
-        <p:nvPicPr>
           <p:cNvPr id="24" name="Picture 23"/>
           <p:cNvPicPr>
             <a:picLocks noChangeAspect="1"/>
@@ -11560,7 +14364,7 @@
           <p:nvPr/>
         </p:nvPicPr>
         <p:blipFill>
-          <a:blip r:embed="rId9" cstate="print">
+          <a:blip r:embed="rId8" cstate="print">
             <a:extLst>
               <a:ext uri="{28A0092B-C50C-407E-A947-70E740481C1C}">
                 <a14:useLocalDpi xmlns:a14="http://schemas.microsoft.com/office/drawing/2010/main" val="0"/>
@@ -11581,66 +14385,6 @@
           </a:prstGeom>
         </p:spPr>
       </p:pic>
-      <p:pic>
-        <p:nvPicPr>
-          <p:cNvPr id="25" name="Picture 24"/>
-          <p:cNvPicPr>
-            <a:picLocks noChangeAspect="1"/>
-          </p:cNvPicPr>
-          <p:nvPr/>
-        </p:nvPicPr>
-        <p:blipFill>
-          <a:blip r:embed="rId10" cstate="print">
-            <a:extLst>
-              <a:ext uri="{28A0092B-C50C-407E-A947-70E740481C1C}">
-                <a14:useLocalDpi xmlns:a14="http://schemas.microsoft.com/office/drawing/2010/main" val="0"/>
-              </a:ext>
-            </a:extLst>
-          </a:blip>
-          <a:stretch>
-            <a:fillRect/>
-          </a:stretch>
-        </p:blipFill>
-        <p:spPr>
-          <a:xfrm>
-            <a:off x="7129237" y="3355591"/>
-            <a:ext cx="392293" cy="392293"/>
-          </a:xfrm>
-          <a:prstGeom prst="rect">
-            <a:avLst/>
-          </a:prstGeom>
-        </p:spPr>
-      </p:pic>
-      <p:pic>
-        <p:nvPicPr>
-          <p:cNvPr id="26" name="Picture 25"/>
-          <p:cNvPicPr>
-            <a:picLocks noChangeAspect="1"/>
-          </p:cNvPicPr>
-          <p:nvPr/>
-        </p:nvPicPr>
-        <p:blipFill>
-          <a:blip r:embed="rId11" cstate="print">
-            <a:extLst>
-              <a:ext uri="{28A0092B-C50C-407E-A947-70E740481C1C}">
-                <a14:useLocalDpi xmlns:a14="http://schemas.microsoft.com/office/drawing/2010/main" val="0"/>
-              </a:ext>
-            </a:extLst>
-          </a:blip>
-          <a:stretch>
-            <a:fillRect/>
-          </a:stretch>
-        </p:blipFill>
-        <p:spPr>
-          <a:xfrm>
-            <a:off x="7125003" y="5016876"/>
-            <a:ext cx="392293" cy="392293"/>
-          </a:xfrm>
-          <a:prstGeom prst="rect">
-            <a:avLst/>
-          </a:prstGeom>
-        </p:spPr>
-      </p:pic>
       <p:sp>
         <p:nvSpPr>
           <p:cNvPr id="7" name="Rectangle 6"/>
@@ -11700,102 +14444,6 @@
                 <a:latin typeface="Century Gothic" panose="020B0502020202020204" pitchFamily="34" charset="0"/>
               </a:rPr>
               <a:t>Tomer</a:t>
-            </a:r>
-            <a:endParaRPr lang="he-IL" sz="1400" dirty="0"/>
-          </a:p>
-        </p:txBody>
-      </p:sp>
-      <p:sp>
-        <p:nvSpPr>
-          <p:cNvPr id="29" name="Rectangle 28"/>
-          <p:cNvSpPr/>
-          <p:nvPr/>
-        </p:nvSpPr>
-        <p:spPr>
-          <a:xfrm>
-            <a:off x="4630852" y="3362313"/>
-            <a:ext cx="2117102" cy="307777"/>
-          </a:xfrm>
-          <a:prstGeom prst="rect">
-            <a:avLst/>
-          </a:prstGeom>
-        </p:spPr>
-        <p:txBody>
-          <a:bodyPr wrap="square">
-            <a:spAutoFit/>
-          </a:bodyPr>
-          <a:lstStyle/>
-          <a:p>
-            <a:pPr algn="l"/>
-            <a:r>
-              <a:rPr lang="en-US" sz="1400" dirty="0" smtClean="0">
-                <a:latin typeface="Century Gothic" panose="020B0502020202020204" pitchFamily="34" charset="0"/>
-              </a:rPr>
-              <a:t>Catherine</a:t>
-            </a:r>
-            <a:endParaRPr lang="he-IL" sz="1400" dirty="0"/>
-          </a:p>
-        </p:txBody>
-      </p:sp>
-      <p:sp>
-        <p:nvSpPr>
-          <p:cNvPr id="31" name="Rectangle 30"/>
-          <p:cNvSpPr/>
-          <p:nvPr/>
-        </p:nvSpPr>
-        <p:spPr>
-          <a:xfrm>
-            <a:off x="4630852" y="4181674"/>
-            <a:ext cx="2117102" cy="307777"/>
-          </a:xfrm>
-          <a:prstGeom prst="rect">
-            <a:avLst/>
-          </a:prstGeom>
-        </p:spPr>
-        <p:txBody>
-          <a:bodyPr wrap="square">
-            <a:spAutoFit/>
-          </a:bodyPr>
-          <a:lstStyle/>
-          <a:p>
-            <a:pPr algn="l"/>
-            <a:r>
-              <a:rPr lang="en-US" sz="1400" dirty="0" err="1" smtClean="0">
-                <a:latin typeface="Century Gothic" panose="020B0502020202020204" pitchFamily="34" charset="0"/>
-              </a:rPr>
-              <a:t>Ofer</a:t>
-            </a:r>
-            <a:endParaRPr lang="he-IL" sz="1400" dirty="0"/>
-          </a:p>
-        </p:txBody>
-      </p:sp>
-      <p:sp>
-        <p:nvSpPr>
-          <p:cNvPr id="32" name="Rectangle 31"/>
-          <p:cNvSpPr/>
-          <p:nvPr/>
-        </p:nvSpPr>
-        <p:spPr>
-          <a:xfrm>
-            <a:off x="4630852" y="5030298"/>
-            <a:ext cx="2117102" cy="307777"/>
-          </a:xfrm>
-          <a:prstGeom prst="rect">
-            <a:avLst/>
-          </a:prstGeom>
-        </p:spPr>
-        <p:txBody>
-          <a:bodyPr wrap="square">
-            <a:spAutoFit/>
-          </a:bodyPr>
-          <a:lstStyle/>
-          <a:p>
-            <a:pPr algn="l"/>
-            <a:r>
-              <a:rPr lang="en-US" sz="1400" dirty="0" smtClean="0">
-                <a:latin typeface="Century Gothic" panose="020B0502020202020204" pitchFamily="34" charset="0"/>
-              </a:rPr>
-              <a:t>Gal</a:t>
             </a:r>
             <a:endParaRPr lang="he-IL" sz="1400" dirty="0"/>
           </a:p>
@@ -11908,7 +14556,7 @@
           <p:nvPr/>
         </p:nvPicPr>
         <p:blipFill>
-          <a:blip r:embed="rId12" cstate="print">
+          <a:blip r:embed="rId9" cstate="print">
             <a:extLst>
               <a:ext uri="{28A0092B-C50C-407E-A947-70E740481C1C}">
                 <a14:useLocalDpi xmlns:a14="http://schemas.microsoft.com/office/drawing/2010/main" val="0"/>
@@ -11949,11 +14597,11 @@
           <p:nvPr/>
         </p:nvPicPr>
         <p:blipFill>
-          <a:blip r:embed="rId13">
+          <a:blip r:embed="rId10">
             <a:extLst>
               <a:ext uri="{BEBA8EAE-BF5A-486C-A8C5-ECC9F3942E4B}">
                 <a14:imgProps xmlns:a14="http://schemas.microsoft.com/office/drawing/2010/main">
-                  <a14:imgLayer r:embed="rId14">
+                  <a14:imgLayer r:embed="rId11">
                     <a14:imgEffect>
                       <a14:backgroundRemoval t="586" b="98438" l="0" r="100000">
                         <a14:foregroundMark x1="49219" y1="40820" x2="49609" y2="46289"/>
@@ -12058,7 +14706,7 @@
           <p:nvPr/>
         </p:nvPicPr>
         <p:blipFill>
-          <a:blip r:embed="rId15"/>
+          <a:blip r:embed="rId12"/>
           <a:stretch>
             <a:fillRect/>
           </a:stretch>
@@ -12073,321 +14721,6 @@
           </a:prstGeom>
         </p:spPr>
       </p:pic>
-      <p:sp>
-        <p:nvSpPr>
-          <p:cNvPr id="38" name="Rectangle 37"/>
-          <p:cNvSpPr/>
-          <p:nvPr/>
-        </p:nvSpPr>
-        <p:spPr>
-          <a:xfrm>
-            <a:off x="5524957" y="3409465"/>
-            <a:ext cx="1862622" cy="246221"/>
-          </a:xfrm>
-          <a:prstGeom prst="rect">
-            <a:avLst/>
-          </a:prstGeom>
-        </p:spPr>
-        <p:txBody>
-          <a:bodyPr wrap="square">
-            <a:spAutoFit/>
-          </a:bodyPr>
-          <a:lstStyle/>
-          <a:p>
-            <a:pPr algn="l"/>
-            <a:r>
-              <a:rPr lang="en-US" sz="1000" dirty="0" smtClean="0">
-                <a:solidFill>
-                  <a:srgbClr val="FFC000"/>
-                </a:solidFill>
-                <a:latin typeface="Century Gothic" panose="020B0502020202020204" pitchFamily="34" charset="0"/>
-              </a:rPr>
-              <a:t>wants to share a cab</a:t>
-            </a:r>
-            <a:endParaRPr lang="he-IL" sz="1000" dirty="0">
-              <a:solidFill>
-                <a:srgbClr val="FFC000"/>
-              </a:solidFill>
-            </a:endParaRPr>
-          </a:p>
-        </p:txBody>
-      </p:sp>
-      <p:sp>
-        <p:nvSpPr>
-          <p:cNvPr id="39" name="Rectangle 38"/>
-          <p:cNvSpPr/>
-          <p:nvPr/>
-        </p:nvSpPr>
-        <p:spPr>
-          <a:xfrm>
-            <a:off x="4652525" y="3618605"/>
-            <a:ext cx="2486237" cy="338554"/>
-          </a:xfrm>
-          <a:prstGeom prst="rect">
-            <a:avLst/>
-          </a:prstGeom>
-        </p:spPr>
-        <p:txBody>
-          <a:bodyPr wrap="square">
-            <a:spAutoFit/>
-          </a:bodyPr>
-          <a:lstStyle/>
-          <a:p>
-            <a:pPr algn="just" rtl="0"/>
-            <a:r>
-              <a:rPr lang="en-US" sz="800" dirty="0" smtClean="0">
-                <a:latin typeface="Century Gothic" panose="020B0502020202020204" pitchFamily="34" charset="0"/>
-              </a:rPr>
-              <a:t>Going to the town’s central area, anyone up for sharing a taxi?</a:t>
-            </a:r>
-            <a:endParaRPr lang="he-IL" sz="800" dirty="0"/>
-          </a:p>
-        </p:txBody>
-      </p:sp>
-      <p:pic>
-        <p:nvPicPr>
-          <p:cNvPr id="41" name="Picture 40"/>
-          <p:cNvPicPr>
-            <a:picLocks noChangeAspect="1"/>
-          </p:cNvPicPr>
-          <p:nvPr/>
-        </p:nvPicPr>
-        <p:blipFill>
-          <a:blip r:embed="rId16"/>
-          <a:stretch>
-            <a:fillRect/>
-          </a:stretch>
-        </p:blipFill>
-        <p:spPr>
-          <a:xfrm>
-            <a:off x="6936868" y="3425341"/>
-            <a:ext cx="176494" cy="176494"/>
-          </a:xfrm>
-          <a:prstGeom prst="rect">
-            <a:avLst/>
-          </a:prstGeom>
-        </p:spPr>
-      </p:pic>
-      <p:pic>
-        <p:nvPicPr>
-          <p:cNvPr id="19" name="Picture 18"/>
-          <p:cNvPicPr>
-            <a:picLocks noChangeAspect="1"/>
-          </p:cNvPicPr>
-          <p:nvPr/>
-        </p:nvPicPr>
-        <p:blipFill>
-          <a:blip r:embed="rId17">
-            <a:extLst>
-              <a:ext uri="{BEBA8EAE-BF5A-486C-A8C5-ECC9F3942E4B}">
-                <a14:imgProps xmlns:a14="http://schemas.microsoft.com/office/drawing/2010/main">
-                  <a14:imgLayer r:embed="rId18">
-                    <a14:imgEffect>
-                      <a14:backgroundRemoval t="0" b="100000" l="9375" r="89844">
-                        <a14:foregroundMark x1="21680" y1="29883" x2="21680" y2="29883"/>
-                        <a14:foregroundMark x1="47461" y1="9766" x2="47461" y2="9766"/>
-                        <a14:foregroundMark x1="79688" y1="38477" x2="79688" y2="38477"/>
-                      </a14:backgroundRemoval>
-                    </a14:imgEffect>
-                  </a14:imgLayer>
-                </a14:imgProps>
-              </a:ext>
-            </a:extLst>
-          </a:blip>
-          <a:stretch>
-            <a:fillRect/>
-          </a:stretch>
-        </p:blipFill>
-        <p:spPr>
-          <a:xfrm>
-            <a:off x="6861129" y="4260137"/>
-            <a:ext cx="170318" cy="170318"/>
-          </a:xfrm>
-          <a:prstGeom prst="rect">
-            <a:avLst/>
-          </a:prstGeom>
-        </p:spPr>
-      </p:pic>
-      <p:sp>
-        <p:nvSpPr>
-          <p:cNvPr id="42" name="Rectangle 41"/>
-          <p:cNvSpPr/>
-          <p:nvPr/>
-        </p:nvSpPr>
-        <p:spPr>
-          <a:xfrm>
-            <a:off x="5053863" y="4229150"/>
-            <a:ext cx="1907062" cy="246221"/>
-          </a:xfrm>
-          <a:prstGeom prst="rect">
-            <a:avLst/>
-          </a:prstGeom>
-        </p:spPr>
-        <p:txBody>
-          <a:bodyPr wrap="square">
-            <a:spAutoFit/>
-          </a:bodyPr>
-          <a:lstStyle/>
-          <a:p>
-            <a:pPr algn="l"/>
-            <a:r>
-              <a:rPr lang="en-US" sz="1000" dirty="0" smtClean="0">
-                <a:solidFill>
-                  <a:srgbClr val="9E5ECE"/>
-                </a:solidFill>
-                <a:latin typeface="Century Gothic" panose="020B0502020202020204" pitchFamily="34" charset="0"/>
-              </a:rPr>
-              <a:t>is looking to explore the city</a:t>
-            </a:r>
-            <a:endParaRPr lang="he-IL" sz="1000" dirty="0">
-              <a:solidFill>
-                <a:srgbClr val="9E5ECE"/>
-              </a:solidFill>
-            </a:endParaRPr>
-          </a:p>
-        </p:txBody>
-      </p:sp>
-      <p:sp>
-        <p:nvSpPr>
-          <p:cNvPr id="43" name="Rectangle 42"/>
-          <p:cNvSpPr/>
-          <p:nvPr/>
-        </p:nvSpPr>
-        <p:spPr>
-          <a:xfrm>
-            <a:off x="4651171" y="4428360"/>
-            <a:ext cx="2487591" cy="338554"/>
-          </a:xfrm>
-          <a:prstGeom prst="rect">
-            <a:avLst/>
-          </a:prstGeom>
-        </p:spPr>
-        <p:txBody>
-          <a:bodyPr wrap="square">
-            <a:spAutoFit/>
-          </a:bodyPr>
-          <a:lstStyle/>
-          <a:p>
-            <a:pPr algn="just" rtl="0"/>
-            <a:r>
-              <a:rPr lang="en-US" sz="800" dirty="0" smtClean="0">
-                <a:latin typeface="Century Gothic" panose="020B0502020202020204" pitchFamily="34" charset="0"/>
-              </a:rPr>
-              <a:t>Long wait and thought of exploring the city. Who wants to come?</a:t>
-            </a:r>
-            <a:endParaRPr lang="he-IL" sz="800" dirty="0"/>
-          </a:p>
-        </p:txBody>
-      </p:sp>
-      <p:sp>
-        <p:nvSpPr>
-          <p:cNvPr id="45" name="Rectangle 44"/>
-          <p:cNvSpPr/>
-          <p:nvPr/>
-        </p:nvSpPr>
-        <p:spPr>
-          <a:xfrm>
-            <a:off x="4975948" y="5084439"/>
-            <a:ext cx="1862622" cy="246221"/>
-          </a:xfrm>
-          <a:prstGeom prst="rect">
-            <a:avLst/>
-          </a:prstGeom>
-        </p:spPr>
-        <p:txBody>
-          <a:bodyPr wrap="square">
-            <a:spAutoFit/>
-          </a:bodyPr>
-          <a:lstStyle/>
-          <a:p>
-            <a:pPr algn="l"/>
-            <a:r>
-              <a:rPr lang="en-US" sz="1000" dirty="0" smtClean="0">
-                <a:solidFill>
-                  <a:schemeClr val="accent1">
-                    <a:lumMod val="75000"/>
-                  </a:schemeClr>
-                </a:solidFill>
-                <a:latin typeface="Century Gothic" panose="020B0502020202020204" pitchFamily="34" charset="0"/>
-              </a:rPr>
-              <a:t>is </a:t>
-            </a:r>
-            <a:r>
-              <a:rPr lang="en-US" sz="1000" dirty="0">
-                <a:solidFill>
-                  <a:schemeClr val="accent1">
-                    <a:lumMod val="75000"/>
-                  </a:schemeClr>
-                </a:solidFill>
-                <a:latin typeface="Century Gothic" panose="020B0502020202020204" pitchFamily="34" charset="0"/>
-              </a:rPr>
-              <a:t>l</a:t>
-            </a:r>
-            <a:r>
-              <a:rPr lang="en-US" sz="1000" dirty="0" smtClean="0">
-                <a:solidFill>
-                  <a:schemeClr val="accent1">
-                    <a:lumMod val="75000"/>
-                  </a:schemeClr>
-                </a:solidFill>
-                <a:latin typeface="Century Gothic" panose="020B0502020202020204" pitchFamily="34" charset="0"/>
-              </a:rPr>
-              <a:t>ooking to pass time</a:t>
-            </a:r>
-            <a:endParaRPr lang="he-IL" sz="1000" dirty="0">
-              <a:solidFill>
-                <a:schemeClr val="accent1">
-                  <a:lumMod val="75000"/>
-                </a:schemeClr>
-              </a:solidFill>
-            </a:endParaRPr>
-          </a:p>
-        </p:txBody>
-      </p:sp>
-      <p:sp>
-        <p:nvSpPr>
-          <p:cNvPr id="46" name="Rectangle 45"/>
-          <p:cNvSpPr/>
-          <p:nvPr/>
-        </p:nvSpPr>
-        <p:spPr>
-          <a:xfrm>
-            <a:off x="4641189" y="5287940"/>
-            <a:ext cx="2497573" cy="338554"/>
-          </a:xfrm>
-          <a:prstGeom prst="rect">
-            <a:avLst/>
-          </a:prstGeom>
-        </p:spPr>
-        <p:txBody>
-          <a:bodyPr wrap="square">
-            <a:spAutoFit/>
-          </a:bodyPr>
-          <a:lstStyle/>
-          <a:p>
-            <a:pPr algn="just" rtl="0"/>
-            <a:r>
-              <a:rPr lang="en-US" sz="800" dirty="0" smtClean="0">
-                <a:latin typeface="Century Gothic" panose="020B0502020202020204" pitchFamily="34" charset="0"/>
-              </a:rPr>
-              <a:t>10 hours to burn. Though of watching a long movie. </a:t>
-            </a:r>
-            <a:r>
-              <a:rPr lang="en-US" sz="800" dirty="0">
-                <a:latin typeface="Century Gothic" panose="020B0502020202020204" pitchFamily="34" charset="0"/>
-              </a:rPr>
-              <a:t>Any </a:t>
-            </a:r>
-            <a:r>
-              <a:rPr lang="en-US" sz="800" dirty="0" smtClean="0">
-                <a:latin typeface="Century Gothic" panose="020B0502020202020204" pitchFamily="34" charset="0"/>
-              </a:rPr>
-              <a:t>LOTR fans?</a:t>
-            </a:r>
-            <a:endParaRPr lang="he-IL" sz="800" dirty="0"/>
-          </a:p>
-        </p:txBody>
-      </p:sp>
       <p:sp>
         <p:nvSpPr>
           <p:cNvPr id="54" name="Rectangle 53"/>
@@ -12466,151 +14799,809 @@
           </a:p>
         </p:txBody>
       </p:sp>
-      <p:sp>
-        <p:nvSpPr>
-          <p:cNvPr id="56" name="Rectangle 55"/>
-          <p:cNvSpPr/>
-          <p:nvPr/>
-        </p:nvSpPr>
-        <p:spPr>
-          <a:xfrm>
-            <a:off x="5011755" y="3935090"/>
-            <a:ext cx="2493616" cy="215444"/>
-          </a:xfrm>
-          <a:prstGeom prst="rect">
-            <a:avLst/>
-          </a:prstGeom>
-        </p:spPr>
-        <p:txBody>
-          <a:bodyPr wrap="square">
-            <a:spAutoFit/>
-          </a:bodyPr>
-          <a:lstStyle/>
-          <a:p>
-            <a:pPr rtl="0"/>
-            <a:r>
-              <a:rPr lang="en-US" sz="800" dirty="0" smtClean="0">
-                <a:solidFill>
-                  <a:srgbClr val="C00000"/>
-                </a:solidFill>
-                <a:latin typeface="Century Gothic" panose="020B0502020202020204" pitchFamily="34" charset="0"/>
-              </a:rPr>
-              <a:t>2 comments</a:t>
-            </a:r>
-            <a:endParaRPr lang="he-IL" sz="800" dirty="0">
-              <a:solidFill>
-                <a:srgbClr val="C00000"/>
-              </a:solidFill>
-            </a:endParaRPr>
-          </a:p>
-        </p:txBody>
-      </p:sp>
-      <p:sp>
-        <p:nvSpPr>
-          <p:cNvPr id="58" name="Rectangle 57"/>
-          <p:cNvSpPr/>
-          <p:nvPr/>
-        </p:nvSpPr>
-        <p:spPr>
-          <a:xfrm>
-            <a:off x="5003734" y="4744759"/>
-            <a:ext cx="2493616" cy="215444"/>
-          </a:xfrm>
-          <a:prstGeom prst="rect">
-            <a:avLst/>
-          </a:prstGeom>
-        </p:spPr>
-        <p:txBody>
-          <a:bodyPr wrap="square">
-            <a:spAutoFit/>
-          </a:bodyPr>
-          <a:lstStyle/>
-          <a:p>
-            <a:pPr rtl="0"/>
-            <a:r>
-              <a:rPr lang="en-US" sz="800" dirty="0" smtClean="0">
-                <a:solidFill>
-                  <a:srgbClr val="C00000"/>
-                </a:solidFill>
-                <a:latin typeface="Century Gothic" panose="020B0502020202020204" pitchFamily="34" charset="0"/>
-              </a:rPr>
-              <a:t>4 comments</a:t>
-            </a:r>
-            <a:endParaRPr lang="he-IL" sz="800" dirty="0">
-              <a:solidFill>
-                <a:srgbClr val="C00000"/>
-              </a:solidFill>
-            </a:endParaRPr>
-          </a:p>
-        </p:txBody>
-      </p:sp>
-      <p:sp>
-        <p:nvSpPr>
-          <p:cNvPr id="59" name="Rectangle 58"/>
-          <p:cNvSpPr/>
-          <p:nvPr/>
-        </p:nvSpPr>
-        <p:spPr>
-          <a:xfrm>
-            <a:off x="5028044" y="5573327"/>
-            <a:ext cx="2493616" cy="215444"/>
-          </a:xfrm>
-          <a:prstGeom prst="rect">
-            <a:avLst/>
-          </a:prstGeom>
-        </p:spPr>
-        <p:txBody>
-          <a:bodyPr wrap="square">
-            <a:spAutoFit/>
-          </a:bodyPr>
-          <a:lstStyle/>
-          <a:p>
-            <a:pPr rtl="0"/>
-            <a:r>
-              <a:rPr lang="en-US" sz="800" dirty="0" smtClean="0">
-                <a:solidFill>
-                  <a:srgbClr val="C00000"/>
-                </a:solidFill>
-                <a:latin typeface="Century Gothic" panose="020B0502020202020204" pitchFamily="34" charset="0"/>
-              </a:rPr>
-              <a:t>1 comments</a:t>
-            </a:r>
-            <a:endParaRPr lang="he-IL" sz="800" dirty="0">
-              <a:solidFill>
-                <a:srgbClr val="C00000"/>
-              </a:solidFill>
-            </a:endParaRPr>
-          </a:p>
-        </p:txBody>
-      </p:sp>
       <p:grpSp>
         <p:nvGrpSpPr>
-          <p:cNvPr id="8" name="Group 7"/>
+          <p:cNvPr id="18" name="Group 17"/>
           <p:cNvGrpSpPr/>
           <p:nvPr/>
         </p:nvGrpSpPr>
         <p:grpSpPr>
           <a:xfrm>
-            <a:off x="6423133" y="5112620"/>
-            <a:ext cx="972031" cy="550244"/>
-            <a:chOff x="6423133" y="5112620"/>
-            <a:chExt cx="972031" cy="550244"/>
+            <a:off x="4622961" y="4190023"/>
+            <a:ext cx="2890678" cy="794943"/>
+            <a:chOff x="4630852" y="3355591"/>
+            <a:chExt cx="2890678" cy="794943"/>
           </a:xfrm>
         </p:grpSpPr>
         <p:pic>
           <p:nvPicPr>
-            <p:cNvPr id="47" name="Picture 46"/>
+            <p:cNvPr id="25" name="Picture 24"/>
             <p:cNvPicPr>
               <a:picLocks noChangeAspect="1"/>
             </p:cNvPicPr>
             <p:nvPr/>
           </p:nvPicPr>
           <p:blipFill>
-            <a:blip r:embed="rId13">
+            <a:blip r:embed="rId13" cstate="print">
+              <a:extLst>
+                <a:ext uri="{28A0092B-C50C-407E-A947-70E740481C1C}">
+                  <a14:useLocalDpi xmlns:a14="http://schemas.microsoft.com/office/drawing/2010/main" val="0"/>
+                </a:ext>
+              </a:extLst>
+            </a:blip>
+            <a:stretch>
+              <a:fillRect/>
+            </a:stretch>
+          </p:blipFill>
+          <p:spPr>
+            <a:xfrm>
+              <a:off x="7129237" y="3355591"/>
+              <a:ext cx="392293" cy="392293"/>
+            </a:xfrm>
+            <a:prstGeom prst="rect">
+              <a:avLst/>
+            </a:prstGeom>
+          </p:spPr>
+        </p:pic>
+        <p:sp>
+          <p:nvSpPr>
+            <p:cNvPr id="29" name="Rectangle 28"/>
+            <p:cNvSpPr/>
+            <p:nvPr/>
+          </p:nvSpPr>
+          <p:spPr>
+            <a:xfrm>
+              <a:off x="4630852" y="3362313"/>
+              <a:ext cx="2117102" cy="307777"/>
+            </a:xfrm>
+            <a:prstGeom prst="rect">
+              <a:avLst/>
+            </a:prstGeom>
+          </p:spPr>
+          <p:txBody>
+            <a:bodyPr wrap="square">
+              <a:spAutoFit/>
+            </a:bodyPr>
+            <a:lstStyle/>
+            <a:p>
+              <a:pPr algn="l"/>
+              <a:r>
+                <a:rPr lang="en-US" sz="1400" dirty="0" smtClean="0">
+                  <a:latin typeface="Century Gothic" panose="020B0502020202020204" pitchFamily="34" charset="0"/>
+                </a:rPr>
+                <a:t>Catherine</a:t>
+              </a:r>
+              <a:endParaRPr lang="he-IL" sz="1400" dirty="0"/>
+            </a:p>
+          </p:txBody>
+        </p:sp>
+        <p:sp>
+          <p:nvSpPr>
+            <p:cNvPr id="38" name="Rectangle 37"/>
+            <p:cNvSpPr/>
+            <p:nvPr/>
+          </p:nvSpPr>
+          <p:spPr>
+            <a:xfrm>
+              <a:off x="5524957" y="3409465"/>
+              <a:ext cx="1862622" cy="246221"/>
+            </a:xfrm>
+            <a:prstGeom prst="rect">
+              <a:avLst/>
+            </a:prstGeom>
+          </p:spPr>
+          <p:txBody>
+            <a:bodyPr wrap="square">
+              <a:spAutoFit/>
+            </a:bodyPr>
+            <a:lstStyle/>
+            <a:p>
+              <a:pPr algn="l"/>
+              <a:r>
+                <a:rPr lang="en-US" sz="1000" dirty="0" smtClean="0">
+                  <a:solidFill>
+                    <a:srgbClr val="FFC000"/>
+                  </a:solidFill>
+                  <a:latin typeface="Century Gothic" panose="020B0502020202020204" pitchFamily="34" charset="0"/>
+                </a:rPr>
+                <a:t>wants to share a cab</a:t>
+              </a:r>
+              <a:endParaRPr lang="he-IL" sz="1000" dirty="0">
+                <a:solidFill>
+                  <a:srgbClr val="FFC000"/>
+                </a:solidFill>
+              </a:endParaRPr>
+            </a:p>
+          </p:txBody>
+        </p:sp>
+        <p:sp>
+          <p:nvSpPr>
+            <p:cNvPr id="39" name="Rectangle 38"/>
+            <p:cNvSpPr/>
+            <p:nvPr/>
+          </p:nvSpPr>
+          <p:spPr>
+            <a:xfrm>
+              <a:off x="4652525" y="3618605"/>
+              <a:ext cx="2486237" cy="338554"/>
+            </a:xfrm>
+            <a:prstGeom prst="rect">
+              <a:avLst/>
+            </a:prstGeom>
+          </p:spPr>
+          <p:txBody>
+            <a:bodyPr wrap="square">
+              <a:spAutoFit/>
+            </a:bodyPr>
+            <a:lstStyle/>
+            <a:p>
+              <a:pPr algn="just" rtl="0"/>
+              <a:r>
+                <a:rPr lang="en-US" sz="800" dirty="0" smtClean="0">
+                  <a:latin typeface="Century Gothic" panose="020B0502020202020204" pitchFamily="34" charset="0"/>
+                </a:rPr>
+                <a:t>Going to the town’s central area, anyone up for sharing a taxi?</a:t>
+              </a:r>
+              <a:endParaRPr lang="he-IL" sz="800" dirty="0"/>
+            </a:p>
+          </p:txBody>
+        </p:sp>
+        <p:pic>
+          <p:nvPicPr>
+            <p:cNvPr id="41" name="Picture 40"/>
+            <p:cNvPicPr>
+              <a:picLocks noChangeAspect="1"/>
+            </p:cNvPicPr>
+            <p:nvPr/>
+          </p:nvPicPr>
+          <p:blipFill>
+            <a:blip r:embed="rId14"/>
+            <a:stretch>
+              <a:fillRect/>
+            </a:stretch>
+          </p:blipFill>
+          <p:spPr>
+            <a:xfrm>
+              <a:off x="6936868" y="3425341"/>
+              <a:ext cx="176494" cy="176494"/>
+            </a:xfrm>
+            <a:prstGeom prst="rect">
+              <a:avLst/>
+            </a:prstGeom>
+          </p:spPr>
+        </p:pic>
+        <p:sp>
+          <p:nvSpPr>
+            <p:cNvPr id="56" name="Rectangle 55"/>
+            <p:cNvSpPr/>
+            <p:nvPr/>
+          </p:nvSpPr>
+          <p:spPr>
+            <a:xfrm>
+              <a:off x="5011755" y="3935090"/>
+              <a:ext cx="2493616" cy="215444"/>
+            </a:xfrm>
+            <a:prstGeom prst="rect">
+              <a:avLst/>
+            </a:prstGeom>
+          </p:spPr>
+          <p:txBody>
+            <a:bodyPr wrap="square">
+              <a:spAutoFit/>
+            </a:bodyPr>
+            <a:lstStyle/>
+            <a:p>
+              <a:pPr rtl="0"/>
+              <a:r>
+                <a:rPr lang="en-US" sz="800" dirty="0" smtClean="0">
+                  <a:solidFill>
+                    <a:srgbClr val="C00000"/>
+                  </a:solidFill>
+                  <a:latin typeface="Century Gothic" panose="020B0502020202020204" pitchFamily="34" charset="0"/>
+                </a:rPr>
+                <a:t>2 comments</a:t>
+              </a:r>
+              <a:endParaRPr lang="he-IL" sz="800" dirty="0">
+                <a:solidFill>
+                  <a:srgbClr val="C00000"/>
+                </a:solidFill>
+              </a:endParaRPr>
+            </a:p>
+          </p:txBody>
+        </p:sp>
+      </p:grpSp>
+      <p:sp>
+        <p:nvSpPr>
+          <p:cNvPr id="65" name="Rectangle 64"/>
+          <p:cNvSpPr/>
+          <p:nvPr/>
+        </p:nvSpPr>
+        <p:spPr>
+          <a:xfrm>
+            <a:off x="4682609" y="3129253"/>
+            <a:ext cx="1036401" cy="170695"/>
+          </a:xfrm>
+          <a:prstGeom prst="rect">
+            <a:avLst/>
+          </a:prstGeom>
+          <a:solidFill>
+            <a:srgbClr val="C00000">
+              <a:alpha val="97000"/>
+            </a:srgbClr>
+          </a:solidFill>
+          <a:ln>
+            <a:noFill/>
+          </a:ln>
+        </p:spPr>
+        <p:style>
+          <a:lnRef idx="2">
+            <a:schemeClr val="accent1">
+              <a:shade val="50000"/>
+            </a:schemeClr>
+          </a:lnRef>
+          <a:fillRef idx="1">
+            <a:schemeClr val="accent1"/>
+          </a:fillRef>
+          <a:effectRef idx="0">
+            <a:schemeClr val="accent1"/>
+          </a:effectRef>
+          <a:fontRef idx="minor">
+            <a:schemeClr val="lt1"/>
+          </a:fontRef>
+        </p:style>
+        <p:txBody>
+          <a:bodyPr rtlCol="1" anchor="ctr"/>
+          <a:lstStyle/>
+          <a:p>
+            <a:pPr algn="l"/>
+            <a:r>
+              <a:rPr lang="en-US" sz="900" dirty="0" smtClean="0"/>
+              <a:t>You should meet!</a:t>
+            </a:r>
+            <a:endParaRPr lang="he-IL" sz="700" dirty="0"/>
+          </a:p>
+        </p:txBody>
+      </p:sp>
+      <p:grpSp>
+        <p:nvGrpSpPr>
+          <p:cNvPr id="12" name="Group 11"/>
+          <p:cNvGrpSpPr/>
+          <p:nvPr/>
+        </p:nvGrpSpPr>
+        <p:grpSpPr>
+          <a:xfrm>
+            <a:off x="4631794" y="5017633"/>
+            <a:ext cx="2887504" cy="786278"/>
+            <a:chOff x="4630852" y="4181674"/>
+            <a:chExt cx="2887504" cy="786278"/>
+          </a:xfrm>
+        </p:grpSpPr>
+        <p:pic>
+          <p:nvPicPr>
+            <p:cNvPr id="10" name="Picture 9"/>
+            <p:cNvPicPr>
+              <a:picLocks noChangeAspect="1"/>
+            </p:cNvPicPr>
+            <p:nvPr/>
+          </p:nvPicPr>
+          <p:blipFill rotWithShape="1">
+            <a:blip r:embed="rId15" cstate="print">
+              <a:extLst>
+                <a:ext uri="{28A0092B-C50C-407E-A947-70E740481C1C}">
+                  <a14:useLocalDpi xmlns:a14="http://schemas.microsoft.com/office/drawing/2010/main" val="0"/>
+                </a:ext>
+              </a:extLst>
+            </a:blip>
+            <a:srcRect r="7419"/>
+            <a:stretch/>
+          </p:blipFill>
+          <p:spPr>
+            <a:xfrm>
+              <a:off x="7126904" y="4182362"/>
+              <a:ext cx="391452" cy="392293"/>
+            </a:xfrm>
+            <a:prstGeom prst="rect">
+              <a:avLst/>
+            </a:prstGeom>
+          </p:spPr>
+        </p:pic>
+        <p:sp>
+          <p:nvSpPr>
+            <p:cNvPr id="31" name="Rectangle 30"/>
+            <p:cNvSpPr/>
+            <p:nvPr/>
+          </p:nvSpPr>
+          <p:spPr>
+            <a:xfrm>
+              <a:off x="4630852" y="4181674"/>
+              <a:ext cx="2117102" cy="307777"/>
+            </a:xfrm>
+            <a:prstGeom prst="rect">
+              <a:avLst/>
+            </a:prstGeom>
+          </p:spPr>
+          <p:txBody>
+            <a:bodyPr wrap="square">
+              <a:spAutoFit/>
+            </a:bodyPr>
+            <a:lstStyle/>
+            <a:p>
+              <a:pPr algn="l"/>
+              <a:r>
+                <a:rPr lang="en-US" sz="1400" dirty="0" err="1" smtClean="0">
+                  <a:latin typeface="Century Gothic" panose="020B0502020202020204" pitchFamily="34" charset="0"/>
+                </a:rPr>
+                <a:t>Ofer</a:t>
+              </a:r>
+              <a:endParaRPr lang="he-IL" sz="1400" dirty="0"/>
+            </a:p>
+          </p:txBody>
+        </p:sp>
+        <p:pic>
+          <p:nvPicPr>
+            <p:cNvPr id="19" name="Picture 18"/>
+            <p:cNvPicPr>
+              <a:picLocks noChangeAspect="1"/>
+            </p:cNvPicPr>
+            <p:nvPr/>
+          </p:nvPicPr>
+          <p:blipFill>
+            <a:blip r:embed="rId16">
               <a:extLst>
                 <a:ext uri="{BEBA8EAE-BF5A-486C-A8C5-ECC9F3942E4B}">
                   <a14:imgProps xmlns:a14="http://schemas.microsoft.com/office/drawing/2010/main">
-                    <a14:imgLayer r:embed="rId14">
+                    <a14:imgLayer r:embed="rId17">
+                      <a14:imgEffect>
+                        <a14:backgroundRemoval t="0" b="100000" l="9375" r="89844">
+                          <a14:foregroundMark x1="21680" y1="29883" x2="21680" y2="29883"/>
+                          <a14:foregroundMark x1="47461" y1="9766" x2="47461" y2="9766"/>
+                          <a14:foregroundMark x1="79688" y1="38477" x2="79688" y2="38477"/>
+                        </a14:backgroundRemoval>
+                      </a14:imgEffect>
+                    </a14:imgLayer>
+                  </a14:imgProps>
+                </a:ext>
+              </a:extLst>
+            </a:blip>
+            <a:stretch>
+              <a:fillRect/>
+            </a:stretch>
+          </p:blipFill>
+          <p:spPr>
+            <a:xfrm>
+              <a:off x="6861129" y="4260137"/>
+              <a:ext cx="170318" cy="170318"/>
+            </a:xfrm>
+            <a:prstGeom prst="rect">
+              <a:avLst/>
+            </a:prstGeom>
+          </p:spPr>
+        </p:pic>
+        <p:sp>
+          <p:nvSpPr>
+            <p:cNvPr id="42" name="Rectangle 41"/>
+            <p:cNvSpPr/>
+            <p:nvPr/>
+          </p:nvSpPr>
+          <p:spPr>
+            <a:xfrm>
+              <a:off x="5053863" y="4229150"/>
+              <a:ext cx="1907062" cy="246221"/>
+            </a:xfrm>
+            <a:prstGeom prst="rect">
+              <a:avLst/>
+            </a:prstGeom>
+          </p:spPr>
+          <p:txBody>
+            <a:bodyPr wrap="square">
+              <a:spAutoFit/>
+            </a:bodyPr>
+            <a:lstStyle/>
+            <a:p>
+              <a:pPr algn="l"/>
+              <a:r>
+                <a:rPr lang="en-US" sz="1000" dirty="0" smtClean="0">
+                  <a:solidFill>
+                    <a:srgbClr val="9E5ECE"/>
+                  </a:solidFill>
+                  <a:latin typeface="Century Gothic" panose="020B0502020202020204" pitchFamily="34" charset="0"/>
+                </a:rPr>
+                <a:t>is looking to explore the city</a:t>
+              </a:r>
+              <a:endParaRPr lang="he-IL" sz="1000" dirty="0">
+                <a:solidFill>
+                  <a:srgbClr val="9E5ECE"/>
+                </a:solidFill>
+              </a:endParaRPr>
+            </a:p>
+          </p:txBody>
+        </p:sp>
+        <p:sp>
+          <p:nvSpPr>
+            <p:cNvPr id="43" name="Rectangle 42"/>
+            <p:cNvSpPr/>
+            <p:nvPr/>
+          </p:nvSpPr>
+          <p:spPr>
+            <a:xfrm>
+              <a:off x="4651171" y="4428360"/>
+              <a:ext cx="2487591" cy="338554"/>
+            </a:xfrm>
+            <a:prstGeom prst="rect">
+              <a:avLst/>
+            </a:prstGeom>
+          </p:spPr>
+          <p:txBody>
+            <a:bodyPr wrap="square">
+              <a:spAutoFit/>
+            </a:bodyPr>
+            <a:lstStyle/>
+            <a:p>
+              <a:pPr algn="just" rtl="0"/>
+              <a:r>
+                <a:rPr lang="en-US" sz="800" dirty="0" smtClean="0">
+                  <a:latin typeface="Century Gothic" panose="020B0502020202020204" pitchFamily="34" charset="0"/>
+                </a:rPr>
+                <a:t>Long wait and thought of exploring the city. Who wants to come?</a:t>
+              </a:r>
+              <a:endParaRPr lang="he-IL" sz="800" dirty="0"/>
+            </a:p>
+          </p:txBody>
+        </p:sp>
+        <p:sp>
+          <p:nvSpPr>
+            <p:cNvPr id="58" name="Rectangle 57"/>
+            <p:cNvSpPr/>
+            <p:nvPr/>
+          </p:nvSpPr>
+          <p:spPr>
+            <a:xfrm>
+              <a:off x="5003734" y="4744759"/>
+              <a:ext cx="2493616" cy="215444"/>
+            </a:xfrm>
+            <a:prstGeom prst="rect">
+              <a:avLst/>
+            </a:prstGeom>
+          </p:spPr>
+          <p:txBody>
+            <a:bodyPr wrap="square">
+              <a:spAutoFit/>
+            </a:bodyPr>
+            <a:lstStyle/>
+            <a:p>
+              <a:pPr rtl="0"/>
+              <a:r>
+                <a:rPr lang="en-US" sz="800" dirty="0" smtClean="0">
+                  <a:solidFill>
+                    <a:srgbClr val="C00000"/>
+                  </a:solidFill>
+                  <a:latin typeface="Century Gothic" panose="020B0502020202020204" pitchFamily="34" charset="0"/>
+                </a:rPr>
+                <a:t>4 comments</a:t>
+              </a:r>
+              <a:endParaRPr lang="he-IL" sz="800" dirty="0">
+                <a:solidFill>
+                  <a:srgbClr val="C00000"/>
+                </a:solidFill>
+              </a:endParaRPr>
+            </a:p>
+          </p:txBody>
+        </p:sp>
+        <p:sp>
+          <p:nvSpPr>
+            <p:cNvPr id="73" name="Rectangle 72"/>
+            <p:cNvSpPr/>
+            <p:nvPr/>
+          </p:nvSpPr>
+          <p:spPr>
+            <a:xfrm>
+              <a:off x="4682610" y="4797257"/>
+              <a:ext cx="954686" cy="170695"/>
+            </a:xfrm>
+            <a:prstGeom prst="rect">
+              <a:avLst/>
+            </a:prstGeom>
+            <a:solidFill>
+              <a:srgbClr val="C00000">
+                <a:alpha val="97000"/>
+              </a:srgbClr>
+            </a:solidFill>
+            <a:ln>
+              <a:noFill/>
+            </a:ln>
+          </p:spPr>
+          <p:style>
+            <a:lnRef idx="2">
+              <a:schemeClr val="accent1">
+                <a:shade val="50000"/>
+              </a:schemeClr>
+            </a:lnRef>
+            <a:fillRef idx="1">
+              <a:schemeClr val="accent1"/>
+            </a:fillRef>
+            <a:effectRef idx="0">
+              <a:schemeClr val="accent1"/>
+            </a:effectRef>
+            <a:fontRef idx="minor">
+              <a:schemeClr val="lt1"/>
+            </a:fontRef>
+          </p:style>
+          <p:txBody>
+            <a:bodyPr rtlCol="1" anchor="ctr"/>
+            <a:lstStyle/>
+            <a:p>
+              <a:pPr algn="l"/>
+              <a:r>
+                <a:rPr lang="en-US" sz="900" dirty="0" smtClean="0"/>
+                <a:t>This sounds fun!</a:t>
+              </a:r>
+              <a:endParaRPr lang="he-IL" sz="700" dirty="0"/>
+            </a:p>
+          </p:txBody>
+        </p:sp>
+      </p:grpSp>
+      <p:pic>
+        <p:nvPicPr>
+          <p:cNvPr id="50" name="Picture 49"/>
+          <p:cNvPicPr>
+            <a:picLocks noChangeAspect="1"/>
+          </p:cNvPicPr>
+          <p:nvPr/>
+        </p:nvPicPr>
+        <p:blipFill>
+          <a:blip r:embed="rId18"/>
+          <a:stretch>
+            <a:fillRect/>
+          </a:stretch>
+        </p:blipFill>
+        <p:spPr>
+          <a:xfrm>
+            <a:off x="6662105" y="965126"/>
+            <a:ext cx="249413" cy="249413"/>
+          </a:xfrm>
+          <a:prstGeom prst="rect">
+            <a:avLst/>
+          </a:prstGeom>
+        </p:spPr>
+      </p:pic>
+      <p:grpSp>
+        <p:nvGrpSpPr>
+          <p:cNvPr id="4" name="Group 3"/>
+          <p:cNvGrpSpPr/>
+          <p:nvPr/>
+        </p:nvGrpSpPr>
+        <p:grpSpPr>
+          <a:xfrm>
+            <a:off x="242585" y="1784157"/>
+            <a:ext cx="2890808" cy="771895"/>
+            <a:chOff x="4630852" y="5016876"/>
+            <a:chExt cx="2890808" cy="771895"/>
+          </a:xfrm>
+        </p:grpSpPr>
+        <p:pic>
+          <p:nvPicPr>
+            <p:cNvPr id="51" name="Picture 50"/>
+            <p:cNvPicPr>
+              <a:picLocks noChangeAspect="1"/>
+            </p:cNvPicPr>
+            <p:nvPr/>
+          </p:nvPicPr>
+          <p:blipFill>
+            <a:blip r:embed="rId19" cstate="print">
+              <a:extLst>
+                <a:ext uri="{28A0092B-C50C-407E-A947-70E740481C1C}">
+                  <a14:useLocalDpi xmlns:a14="http://schemas.microsoft.com/office/drawing/2010/main" val="0"/>
+                </a:ext>
+              </a:extLst>
+            </a:blip>
+            <a:stretch>
+              <a:fillRect/>
+            </a:stretch>
+          </p:blipFill>
+          <p:spPr>
+            <a:xfrm>
+              <a:off x="7125003" y="5016876"/>
+              <a:ext cx="392293" cy="392293"/>
+            </a:xfrm>
+            <a:prstGeom prst="rect">
+              <a:avLst/>
+            </a:prstGeom>
+          </p:spPr>
+        </p:pic>
+        <p:sp>
+          <p:nvSpPr>
+            <p:cNvPr id="52" name="Rectangle 51"/>
+            <p:cNvSpPr/>
+            <p:nvPr/>
+          </p:nvSpPr>
+          <p:spPr>
+            <a:xfrm>
+              <a:off x="4630852" y="5030298"/>
+              <a:ext cx="2117102" cy="307777"/>
+            </a:xfrm>
+            <a:prstGeom prst="rect">
+              <a:avLst/>
+            </a:prstGeom>
+          </p:spPr>
+          <p:txBody>
+            <a:bodyPr wrap="square">
+              <a:spAutoFit/>
+            </a:bodyPr>
+            <a:lstStyle/>
+            <a:p>
+              <a:pPr algn="l"/>
+              <a:r>
+                <a:rPr lang="en-US" sz="1400" dirty="0" smtClean="0">
+                  <a:latin typeface="Century Gothic" panose="020B0502020202020204" pitchFamily="34" charset="0"/>
+                </a:rPr>
+                <a:t>Gal</a:t>
+              </a:r>
+              <a:endParaRPr lang="he-IL" sz="1400" dirty="0"/>
+            </a:p>
+          </p:txBody>
+        </p:sp>
+        <p:sp>
+          <p:nvSpPr>
+            <p:cNvPr id="53" name="Rectangle 52"/>
+            <p:cNvSpPr/>
+            <p:nvPr/>
+          </p:nvSpPr>
+          <p:spPr>
+            <a:xfrm>
+              <a:off x="4975948" y="5084439"/>
+              <a:ext cx="1862622" cy="246221"/>
+            </a:xfrm>
+            <a:prstGeom prst="rect">
+              <a:avLst/>
+            </a:prstGeom>
+          </p:spPr>
+          <p:txBody>
+            <a:bodyPr wrap="square">
+              <a:spAutoFit/>
+            </a:bodyPr>
+            <a:lstStyle/>
+            <a:p>
+              <a:pPr algn="l"/>
+              <a:r>
+                <a:rPr lang="en-US" sz="1000" dirty="0" smtClean="0">
+                  <a:solidFill>
+                    <a:schemeClr val="accent1">
+                      <a:lumMod val="75000"/>
+                    </a:schemeClr>
+                  </a:solidFill>
+                  <a:latin typeface="Century Gothic" panose="020B0502020202020204" pitchFamily="34" charset="0"/>
+                </a:rPr>
+                <a:t>is </a:t>
+              </a:r>
+              <a:r>
+                <a:rPr lang="en-US" sz="1000" dirty="0">
+                  <a:solidFill>
+                    <a:schemeClr val="accent1">
+                      <a:lumMod val="75000"/>
+                    </a:schemeClr>
+                  </a:solidFill>
+                  <a:latin typeface="Century Gothic" panose="020B0502020202020204" pitchFamily="34" charset="0"/>
+                </a:rPr>
+                <a:t>l</a:t>
+              </a:r>
+              <a:r>
+                <a:rPr lang="en-US" sz="1000" dirty="0" smtClean="0">
+                  <a:solidFill>
+                    <a:schemeClr val="accent1">
+                      <a:lumMod val="75000"/>
+                    </a:schemeClr>
+                  </a:solidFill>
+                  <a:latin typeface="Century Gothic" panose="020B0502020202020204" pitchFamily="34" charset="0"/>
+                </a:rPr>
+                <a:t>ooking to pass time</a:t>
+              </a:r>
+              <a:endParaRPr lang="he-IL" sz="1000" dirty="0">
+                <a:solidFill>
+                  <a:schemeClr val="accent1">
+                    <a:lumMod val="75000"/>
+                  </a:schemeClr>
+                </a:solidFill>
+              </a:endParaRPr>
+            </a:p>
+          </p:txBody>
+        </p:sp>
+        <p:sp>
+          <p:nvSpPr>
+            <p:cNvPr id="57" name="Rectangle 56"/>
+            <p:cNvSpPr/>
+            <p:nvPr/>
+          </p:nvSpPr>
+          <p:spPr>
+            <a:xfrm>
+              <a:off x="4641189" y="5287940"/>
+              <a:ext cx="2497573" cy="338554"/>
+            </a:xfrm>
+            <a:prstGeom prst="rect">
+              <a:avLst/>
+            </a:prstGeom>
+          </p:spPr>
+          <p:txBody>
+            <a:bodyPr wrap="square">
+              <a:spAutoFit/>
+            </a:bodyPr>
+            <a:lstStyle/>
+            <a:p>
+              <a:pPr algn="just" rtl="0"/>
+              <a:r>
+                <a:rPr lang="en-US" sz="800" dirty="0" smtClean="0">
+                  <a:latin typeface="Century Gothic" panose="020B0502020202020204" pitchFamily="34" charset="0"/>
+                </a:rPr>
+                <a:t>10 hours to burn. Though of watching a long movie. </a:t>
+              </a:r>
+              <a:r>
+                <a:rPr lang="en-US" sz="800" dirty="0">
+                  <a:latin typeface="Century Gothic" panose="020B0502020202020204" pitchFamily="34" charset="0"/>
+                </a:rPr>
+                <a:t>Any </a:t>
+              </a:r>
+              <a:r>
+                <a:rPr lang="en-US" sz="800" dirty="0" smtClean="0">
+                  <a:latin typeface="Century Gothic" panose="020B0502020202020204" pitchFamily="34" charset="0"/>
+                </a:rPr>
+                <a:t>LOTR fans?</a:t>
+              </a:r>
+              <a:endParaRPr lang="he-IL" sz="800" dirty="0"/>
+            </a:p>
+          </p:txBody>
+        </p:sp>
+        <p:sp>
+          <p:nvSpPr>
+            <p:cNvPr id="60" name="Rectangle 59"/>
+            <p:cNvSpPr/>
+            <p:nvPr/>
+          </p:nvSpPr>
+          <p:spPr>
+            <a:xfrm>
+              <a:off x="5028044" y="5573327"/>
+              <a:ext cx="2493616" cy="215444"/>
+            </a:xfrm>
+            <a:prstGeom prst="rect">
+              <a:avLst/>
+            </a:prstGeom>
+          </p:spPr>
+          <p:txBody>
+            <a:bodyPr wrap="square">
+              <a:spAutoFit/>
+            </a:bodyPr>
+            <a:lstStyle/>
+            <a:p>
+              <a:pPr rtl="0"/>
+              <a:r>
+                <a:rPr lang="en-US" sz="800" dirty="0" smtClean="0">
+                  <a:solidFill>
+                    <a:srgbClr val="C00000"/>
+                  </a:solidFill>
+                  <a:latin typeface="Century Gothic" panose="020B0502020202020204" pitchFamily="34" charset="0"/>
+                </a:rPr>
+                <a:t>1 comments</a:t>
+              </a:r>
+              <a:endParaRPr lang="he-IL" sz="800" dirty="0">
+                <a:solidFill>
+                  <a:srgbClr val="C00000"/>
+                </a:solidFill>
+              </a:endParaRPr>
+            </a:p>
+          </p:txBody>
+        </p:sp>
+        <p:pic>
+          <p:nvPicPr>
+            <p:cNvPr id="62" name="Picture 61"/>
+            <p:cNvPicPr>
+              <a:picLocks noChangeAspect="1"/>
+            </p:cNvPicPr>
+            <p:nvPr/>
+          </p:nvPicPr>
+          <p:blipFill>
+            <a:blip r:embed="rId10">
+              <a:extLst>
+                <a:ext uri="{BEBA8EAE-BF5A-486C-A8C5-ECC9F3942E4B}">
+                  <a14:imgProps xmlns:a14="http://schemas.microsoft.com/office/drawing/2010/main">
+                    <a14:imgLayer r:embed="rId11">
                       <a14:imgEffect>
                         <a14:backgroundRemoval t="586" b="98438" l="0" r="100000">
                           <a14:foregroundMark x1="49219" y1="40820" x2="49609" y2="46289"/>
@@ -12635,9 +15626,24 @@
             </a:prstGeom>
           </p:spPr>
         </p:pic>
+      </p:grpSp>
+      <p:grpSp>
+        <p:nvGrpSpPr>
+          <p:cNvPr id="64" name="Group 63"/>
+          <p:cNvGrpSpPr/>
+          <p:nvPr/>
+        </p:nvGrpSpPr>
+        <p:grpSpPr>
+          <a:xfrm>
+            <a:off x="6844920" y="5112620"/>
+            <a:ext cx="550244" cy="550244"/>
+            <a:chOff x="6844920" y="5112620"/>
+            <a:chExt cx="550244" cy="550244"/>
+          </a:xfrm>
+        </p:grpSpPr>
         <p:sp>
           <p:nvSpPr>
-            <p:cNvPr id="61" name="Oval 60"/>
+            <p:cNvPr id="66" name="Oval 65"/>
             <p:cNvSpPr/>
             <p:nvPr/>
           </p:nvSpPr>
@@ -12683,14 +15689,14 @@
         </p:sp>
         <p:pic>
           <p:nvPicPr>
-            <p:cNvPr id="63" name="Picture 62"/>
+            <p:cNvPr id="67" name="Picture 66"/>
             <p:cNvPicPr>
               <a:picLocks noChangeAspect="1"/>
             </p:cNvPicPr>
             <p:nvPr/>
           </p:nvPicPr>
           <p:blipFill>
-            <a:blip r:embed="rId19"/>
+            <a:blip r:embed="rId20"/>
             <a:stretch>
               <a:fillRect/>
             </a:stretch>
@@ -12706,134 +15712,6 @@
           </p:spPr>
         </p:pic>
       </p:grpSp>
-      <p:sp>
-        <p:nvSpPr>
-          <p:cNvPr id="65" name="Rectangle 64"/>
-          <p:cNvSpPr/>
-          <p:nvPr/>
-        </p:nvSpPr>
-        <p:spPr>
-          <a:xfrm>
-            <a:off x="4682609" y="3129253"/>
-            <a:ext cx="1036401" cy="170695"/>
-          </a:xfrm>
-          <a:prstGeom prst="rect">
-            <a:avLst/>
-          </a:prstGeom>
-          <a:solidFill>
-            <a:srgbClr val="C00000">
-              <a:alpha val="97000"/>
-            </a:srgbClr>
-          </a:solidFill>
-          <a:ln>
-            <a:noFill/>
-          </a:ln>
-        </p:spPr>
-        <p:style>
-          <a:lnRef idx="2">
-            <a:schemeClr val="accent1">
-              <a:shade val="50000"/>
-            </a:schemeClr>
-          </a:lnRef>
-          <a:fillRef idx="1">
-            <a:schemeClr val="accent1"/>
-          </a:fillRef>
-          <a:effectRef idx="0">
-            <a:schemeClr val="accent1"/>
-          </a:effectRef>
-          <a:fontRef idx="minor">
-            <a:schemeClr val="lt1"/>
-          </a:fontRef>
-        </p:style>
-        <p:txBody>
-          <a:bodyPr rtlCol="1" anchor="ctr"/>
-          <a:lstStyle/>
-          <a:p>
-            <a:pPr algn="l"/>
-            <a:r>
-              <a:rPr lang="en-US" sz="900" dirty="0" smtClean="0"/>
-              <a:t>You should meet!</a:t>
-            </a:r>
-            <a:endParaRPr lang="he-IL" sz="700" dirty="0"/>
-          </a:p>
-        </p:txBody>
-      </p:sp>
-      <p:sp>
-        <p:nvSpPr>
-          <p:cNvPr id="73" name="Rectangle 72"/>
-          <p:cNvSpPr/>
-          <p:nvPr/>
-        </p:nvSpPr>
-        <p:spPr>
-          <a:xfrm>
-            <a:off x="4682610" y="4797257"/>
-            <a:ext cx="954686" cy="170695"/>
-          </a:xfrm>
-          <a:prstGeom prst="rect">
-            <a:avLst/>
-          </a:prstGeom>
-          <a:solidFill>
-            <a:srgbClr val="C00000">
-              <a:alpha val="97000"/>
-            </a:srgbClr>
-          </a:solidFill>
-          <a:ln>
-            <a:noFill/>
-          </a:ln>
-        </p:spPr>
-        <p:style>
-          <a:lnRef idx="2">
-            <a:schemeClr val="accent1">
-              <a:shade val="50000"/>
-            </a:schemeClr>
-          </a:lnRef>
-          <a:fillRef idx="1">
-            <a:schemeClr val="accent1"/>
-          </a:fillRef>
-          <a:effectRef idx="0">
-            <a:schemeClr val="accent1"/>
-          </a:effectRef>
-          <a:fontRef idx="minor">
-            <a:schemeClr val="lt1"/>
-          </a:fontRef>
-        </p:style>
-        <p:txBody>
-          <a:bodyPr rtlCol="1" anchor="ctr"/>
-          <a:lstStyle/>
-          <a:p>
-            <a:pPr algn="l"/>
-            <a:r>
-              <a:rPr lang="en-US" sz="900" dirty="0" smtClean="0"/>
-              <a:t>This sounds fun!</a:t>
-            </a:r>
-            <a:endParaRPr lang="he-IL" sz="700" dirty="0"/>
-          </a:p>
-        </p:txBody>
-      </p:sp>
-      <p:pic>
-        <p:nvPicPr>
-          <p:cNvPr id="50" name="Picture 49"/>
-          <p:cNvPicPr>
-            <a:picLocks noChangeAspect="1"/>
-          </p:cNvPicPr>
-          <p:nvPr/>
-        </p:nvPicPr>
-        <p:blipFill>
-          <a:blip r:embed="rId20"/>
-          <a:stretch>
-            <a:fillRect/>
-          </a:stretch>
-        </p:blipFill>
-        <p:spPr>
-          <a:xfrm>
-            <a:off x="6662105" y="965126"/>
-            <a:ext cx="249413" cy="249413"/>
-          </a:xfrm>
-          <a:prstGeom prst="rect">
-            <a:avLst/>
-          </a:prstGeom>
-        </p:spPr>
-      </p:pic>
     </p:spTree>
     <p:extLst>
       <p:ext uri="{BB962C8B-B14F-4D97-AF65-F5344CB8AC3E}">
@@ -15247,106 +18125,22 @@
           </a:p>
         </p:txBody>
       </p:sp>
-      <p:sp>
-        <p:nvSpPr>
-          <p:cNvPr id="50" name="Rectangle 49"/>
-          <p:cNvSpPr/>
-          <p:nvPr/>
-        </p:nvSpPr>
-        <p:spPr>
-          <a:xfrm>
-            <a:off x="4674770" y="3352800"/>
-            <a:ext cx="1346564" cy="788629"/>
-          </a:xfrm>
-          <a:prstGeom prst="rect">
-            <a:avLst/>
-          </a:prstGeom>
-          <a:solidFill>
-            <a:srgbClr val="C00000">
-              <a:alpha val="97000"/>
-            </a:srgbClr>
-          </a:solidFill>
-          <a:ln>
-            <a:noFill/>
-          </a:ln>
-        </p:spPr>
-        <p:style>
-          <a:lnRef idx="2">
-            <a:schemeClr val="accent1">
-              <a:shade val="50000"/>
-            </a:schemeClr>
-          </a:lnRef>
-          <a:fillRef idx="1">
-            <a:schemeClr val="accent1"/>
-          </a:fillRef>
-          <a:effectRef idx="0">
-            <a:schemeClr val="accent1"/>
-          </a:effectRef>
-          <a:fontRef idx="minor">
-            <a:schemeClr val="lt1"/>
-          </a:fontRef>
-        </p:style>
-        <p:txBody>
-          <a:bodyPr rtlCol="1" anchor="ctr"/>
-          <a:lstStyle/>
-          <a:p>
-            <a:pPr algn="ctr"/>
-            <a:endParaRPr lang="he-IL" dirty="0"/>
-          </a:p>
-        </p:txBody>
-      </p:sp>
       <p:pic>
         <p:nvPicPr>
-          <p:cNvPr id="51" name="Picture 50"/>
+          <p:cNvPr id="50" name="Picture 49"/>
           <p:cNvPicPr>
             <a:picLocks noChangeAspect="1"/>
           </p:cNvPicPr>
           <p:nvPr/>
         </p:nvPicPr>
         <p:blipFill>
-          <a:blip r:embed="rId20">
-            <a:extLst>
-              <a:ext uri="{BEBA8EAE-BF5A-486C-A8C5-ECC9F3942E4B}">
-                <a14:imgProps xmlns:a14="http://schemas.microsoft.com/office/drawing/2010/main">
-                  <a14:imgLayer r:embed="rId21">
-                    <a14:imgEffect>
-                      <a14:backgroundRemoval t="0" b="100000" l="0" r="100000"/>
-                    </a14:imgEffect>
-                  </a14:imgLayer>
-                </a14:imgProps>
-              </a:ext>
-            </a:extLst>
-          </a:blip>
+          <a:blip r:embed="rId20"/>
           <a:stretch>
             <a:fillRect/>
           </a:stretch>
         </p:blipFill>
         <p:spPr>
           <a:xfrm>
-            <a:off x="4788526" y="3630810"/>
-            <a:ext cx="242885" cy="242885"/>
-          </a:xfrm>
-          <a:prstGeom prst="rect">
-            <a:avLst/>
-          </a:prstGeom>
-        </p:spPr>
-      </p:pic>
-      <p:pic>
-        <p:nvPicPr>
-          <p:cNvPr id="52" name="Picture 51"/>
-          <p:cNvPicPr>
-            <a:picLocks noChangeAspect="1"/>
-          </p:cNvPicPr>
-          <p:nvPr/>
-        </p:nvPicPr>
-        <p:blipFill>
-          <a:blip r:embed="rId22"/>
-          <a:stretch>
-            <a:fillRect/>
-          </a:stretch>
-        </p:blipFill>
-        <p:spPr>
-          <a:xfrm>
             <a:off x="6662105" y="965126"/>
             <a:ext cx="249413" cy="249413"/>
           </a:xfrm>
@@ -15358,20 +18152,20 @@
     </p:spTree>
     <p:extLst>
       <p:ext uri="{BB962C8B-B14F-4D97-AF65-F5344CB8AC3E}">
-        <p14:creationId xmlns:p14="http://schemas.microsoft.com/office/powerpoint/2010/main" val="2286584407"/>
+        <p14:creationId xmlns:p14="http://schemas.microsoft.com/office/powerpoint/2010/main" val="2040444988"/>
       </p:ext>
     </p:extLst>
   </p:cSld>
   <p:clrMapOvr>
     <a:masterClrMapping/>
   </p:clrMapOvr>
-  <mc:AlternateContent xmlns:mc="http://schemas.openxmlformats.org/markup-compatibility/2006" xmlns:p14="http://schemas.microsoft.com/office/powerpoint/2010/main">
-    <mc:Choice Requires="p14">
+  <mc:AlternateContent xmlns:mc="http://schemas.openxmlformats.org/markup-compatibility/2006">
+    <mc:Choice xmlns:p14="http://schemas.microsoft.com/office/powerpoint/2010/main" Requires="p14">
       <p:transition spd="med" p14:dur="700">
         <p:fade/>
       </p:transition>
     </mc:Choice>
-    <mc:Fallback xmlns="">
+    <mc:Fallback>
       <p:transition spd="med">
         <p:fade/>
       </p:transition>
@@ -16049,7 +18843,7 @@
         </p:nvSpPr>
         <p:spPr>
           <a:xfrm flipV="1">
-            <a:off x="5633948" y="1589823"/>
+            <a:off x="4687470" y="1589823"/>
             <a:ext cx="941805" cy="45719"/>
           </a:xfrm>
           <a:prstGeom prst="rect">
@@ -16098,7 +18892,7 @@
           <p:nvPr>
             <p:extLst>
               <p:ext uri="{D42A27DB-BD31-4B8C-83A1-F6EECF244321}">
-                <p14:modId xmlns:p14="http://schemas.microsoft.com/office/powerpoint/2010/main" val="2916361566"/>
+                <p14:modId xmlns:p14="http://schemas.microsoft.com/office/powerpoint/2010/main" val="1371602171"/>
               </p:ext>
             </p:extLst>
           </p:nvPr>
@@ -16450,208 +19244,70 @@
           </a:graphicData>
         </a:graphic>
       </p:graphicFrame>
-      <p:grpSp>
-        <p:nvGrpSpPr>
-          <p:cNvPr id="4" name="Group 3"/>
-          <p:cNvGrpSpPr/>
-          <p:nvPr/>
-        </p:nvGrpSpPr>
-        <p:grpSpPr>
-          <a:xfrm>
-            <a:off x="4679918" y="2526037"/>
-            <a:ext cx="2836177" cy="777600"/>
-            <a:chOff x="4687470" y="1688556"/>
-            <a:chExt cx="2836177" cy="777600"/>
-          </a:xfrm>
-        </p:grpSpPr>
-        <p:pic>
-          <p:nvPicPr>
-            <p:cNvPr id="9" name="Picture 8"/>
-            <p:cNvPicPr>
-              <a:picLocks noChangeAspect="1"/>
-            </p:cNvPicPr>
-            <p:nvPr/>
-          </p:nvPicPr>
-          <p:blipFill>
-            <a:blip r:embed="rId7" cstate="print">
-              <a:extLst>
-                <a:ext uri="{28A0092B-C50C-407E-A947-70E740481C1C}">
-                  <a14:useLocalDpi xmlns:a14="http://schemas.microsoft.com/office/drawing/2010/main" val="0"/>
-                </a:ext>
-              </a:extLst>
-            </a:blip>
-            <a:stretch>
-              <a:fillRect/>
-            </a:stretch>
-          </p:blipFill>
-          <p:spPr>
-            <a:xfrm>
-              <a:off x="4687470" y="1688556"/>
-              <a:ext cx="777600" cy="777600"/>
-            </a:xfrm>
-            <a:prstGeom prst="rect">
-              <a:avLst/>
-            </a:prstGeom>
-          </p:spPr>
-        </p:pic>
-        <p:sp>
-          <p:nvSpPr>
-            <p:cNvPr id="7" name="Rectangle 6"/>
-            <p:cNvSpPr/>
-            <p:nvPr/>
-          </p:nvSpPr>
-          <p:spPr>
-            <a:xfrm>
-              <a:off x="5406545" y="1689460"/>
-              <a:ext cx="2117102" cy="307777"/>
-            </a:xfrm>
-            <a:prstGeom prst="rect">
-              <a:avLst/>
-            </a:prstGeom>
-          </p:spPr>
-          <p:txBody>
-            <a:bodyPr wrap="square">
-              <a:spAutoFit/>
-            </a:bodyPr>
-            <a:lstStyle/>
-            <a:p>
-              <a:pPr algn="l"/>
-              <a:r>
-                <a:rPr lang="en-US" sz="1400" dirty="0" smtClean="0">
-                  <a:latin typeface="Century Gothic" panose="020B0502020202020204" pitchFamily="34" charset="0"/>
-                </a:rPr>
-                <a:t>Kevin, 28</a:t>
-              </a:r>
-              <a:endParaRPr lang="he-IL" sz="1400" dirty="0"/>
-            </a:p>
-          </p:txBody>
-        </p:sp>
-      </p:grpSp>
-      <p:grpSp>
-        <p:nvGrpSpPr>
-          <p:cNvPr id="21" name="Group 20"/>
-          <p:cNvGrpSpPr/>
-          <p:nvPr/>
-        </p:nvGrpSpPr>
-        <p:grpSpPr>
-          <a:xfrm>
-            <a:off x="4683630" y="4191657"/>
-            <a:ext cx="2839534" cy="777600"/>
-            <a:chOff x="4684113" y="5019147"/>
-            <a:chExt cx="2839534" cy="777600"/>
-          </a:xfrm>
-        </p:grpSpPr>
-        <p:pic>
-          <p:nvPicPr>
-            <p:cNvPr id="26" name="Picture 25"/>
-            <p:cNvPicPr>
-              <a:picLocks noChangeAspect="1"/>
-            </p:cNvPicPr>
-            <p:nvPr/>
-          </p:nvPicPr>
-          <p:blipFill>
-            <a:blip r:embed="rId8" cstate="print">
-              <a:extLst>
-                <a:ext uri="{28A0092B-C50C-407E-A947-70E740481C1C}">
-                  <a14:useLocalDpi xmlns:a14="http://schemas.microsoft.com/office/drawing/2010/main" val="0"/>
-                </a:ext>
-              </a:extLst>
-            </a:blip>
-            <a:stretch>
-              <a:fillRect/>
-            </a:stretch>
-          </p:blipFill>
-          <p:spPr>
-            <a:xfrm>
-              <a:off x="4684113" y="5019147"/>
-              <a:ext cx="777600" cy="777600"/>
-            </a:xfrm>
-            <a:prstGeom prst="rect">
-              <a:avLst/>
-            </a:prstGeom>
-          </p:spPr>
-        </p:pic>
-        <p:sp>
-          <p:nvSpPr>
-            <p:cNvPr id="32" name="Rectangle 31"/>
-            <p:cNvSpPr/>
-            <p:nvPr/>
-          </p:nvSpPr>
-          <p:spPr>
-            <a:xfrm>
-              <a:off x="5406545" y="5031711"/>
-              <a:ext cx="2117102" cy="307777"/>
-            </a:xfrm>
-            <a:prstGeom prst="rect">
-              <a:avLst/>
-            </a:prstGeom>
-          </p:spPr>
-          <p:txBody>
-            <a:bodyPr wrap="square">
-              <a:spAutoFit/>
-            </a:bodyPr>
-            <a:lstStyle/>
-            <a:p>
-              <a:pPr algn="l"/>
-              <a:r>
-                <a:rPr lang="en-US" sz="1400" dirty="0" smtClean="0">
-                  <a:latin typeface="Century Gothic" panose="020B0502020202020204" pitchFamily="34" charset="0"/>
-                </a:rPr>
-                <a:t>Gal, 25</a:t>
-              </a:r>
-              <a:endParaRPr lang="he-IL" sz="1400" dirty="0"/>
-            </a:p>
-          </p:txBody>
-        </p:sp>
-      </p:grpSp>
-      <p:sp>
-        <p:nvSpPr>
-          <p:cNvPr id="30" name="Rectangle 29"/>
-          <p:cNvSpPr/>
-          <p:nvPr/>
-        </p:nvSpPr>
-        <p:spPr>
-          <a:xfrm>
-            <a:off x="5594539" y="1934732"/>
-            <a:ext cx="1862622" cy="246221"/>
-          </a:xfrm>
-          <a:prstGeom prst="rect">
-            <a:avLst/>
-          </a:prstGeom>
-        </p:spPr>
-        <p:txBody>
-          <a:bodyPr wrap="square">
-            <a:spAutoFit/>
-          </a:bodyPr>
-          <a:lstStyle/>
-          <a:p>
-            <a:pPr algn="l"/>
-            <a:r>
-              <a:rPr lang="en-US" sz="1000" dirty="0" smtClean="0">
-                <a:solidFill>
-                  <a:schemeClr val="accent1">
-                    <a:lumMod val="75000"/>
-                  </a:schemeClr>
-                </a:solidFill>
-                <a:latin typeface="Century Gothic" panose="020B0502020202020204" pitchFamily="34" charset="0"/>
-              </a:rPr>
-              <a:t>Flying your way!</a:t>
-            </a:r>
-            <a:endParaRPr lang="he-IL" sz="1000" dirty="0">
-              <a:solidFill>
-                <a:schemeClr val="accent1">
-                  <a:lumMod val="75000"/>
-                </a:schemeClr>
-              </a:solidFill>
-            </a:endParaRPr>
-          </a:p>
-        </p:txBody>
-      </p:sp>
       <p:pic>
         <p:nvPicPr>
-          <p:cNvPr id="1026" name="Picture 2" descr="https://fbcdn-sphotos-c-a.akamaihd.net/hphotos-ak-prn2/v/t1.0-9/558617_496479173697011_745885139_n.jpg?oh=05f90387fce5a2ab60ff626da8046fb4&amp;oe=55B810BD&amp;__gda__=1441131251_b641de8fc77e4e86dec2fc55f843cd6a"/>
+          <p:cNvPr id="9" name="Picture 8"/>
           <p:cNvPicPr>
-            <a:picLocks noChangeAspect="1" noChangeArrowheads="1"/>
+            <a:picLocks noChangeAspect="1"/>
+          </p:cNvPicPr>
+          <p:nvPr/>
+        </p:nvPicPr>
+        <p:blipFill>
+          <a:blip r:embed="rId7" cstate="print">
+            <a:extLst>
+              <a:ext uri="{28A0092B-C50C-407E-A947-70E740481C1C}">
+                <a14:useLocalDpi xmlns:a14="http://schemas.microsoft.com/office/drawing/2010/main" val="0"/>
+              </a:ext>
+            </a:extLst>
+          </a:blip>
+          <a:stretch>
+            <a:fillRect/>
+          </a:stretch>
+        </p:blipFill>
+        <p:spPr>
+          <a:xfrm>
+            <a:off x="7131535" y="1689460"/>
+            <a:ext cx="392293" cy="392293"/>
+          </a:xfrm>
+          <a:prstGeom prst="rect">
+            <a:avLst/>
+          </a:prstGeom>
+        </p:spPr>
+      </p:pic>
+      <p:pic>
+        <p:nvPicPr>
+          <p:cNvPr id="10" name="Picture 9"/>
+          <p:cNvPicPr>
+            <a:picLocks noChangeAspect="1"/>
+          </p:cNvPicPr>
+          <p:nvPr/>
+        </p:nvPicPr>
+        <p:blipFill rotWithShape="1">
+          <a:blip r:embed="rId8" cstate="print">
+            <a:extLst>
+              <a:ext uri="{28A0092B-C50C-407E-A947-70E740481C1C}">
+                <a14:useLocalDpi xmlns:a14="http://schemas.microsoft.com/office/drawing/2010/main" val="0"/>
+              </a:ext>
+            </a:extLst>
+          </a:blip>
+          <a:srcRect r="7419"/>
+          <a:stretch/>
+        </p:blipFill>
+        <p:spPr>
+          <a:xfrm>
+            <a:off x="7126904" y="4182362"/>
+            <a:ext cx="391452" cy="392293"/>
+          </a:xfrm>
+          <a:prstGeom prst="rect">
+            <a:avLst/>
+          </a:prstGeom>
+        </p:spPr>
+      </p:pic>
+      <p:pic>
+        <p:nvPicPr>
+          <p:cNvPr id="24" name="Picture 23"/>
+          <p:cNvPicPr>
+            <a:picLocks noChangeAspect="1"/>
           </p:cNvPicPr>
           <p:nvPr/>
         </p:nvPicPr>
@@ -16663,209 +19319,44 @@
               </a:ext>
             </a:extLst>
           </a:blip>
-          <a:srcRect/>
           <a:stretch>
             <a:fillRect/>
           </a:stretch>
         </p:blipFill>
-        <p:spPr bwMode="auto">
-          <a:xfrm>
-            <a:off x="6976077" y="824512"/>
-            <a:ext cx="537562" cy="537562"/>
-          </a:xfrm>
-          <a:prstGeom prst="rect">
-            <a:avLst/>
-          </a:prstGeom>
-          <a:noFill/>
-          <a:extLst>
-            <a:ext uri="{909E8E84-426E-40DD-AFC4-6F175D3DCCD1}">
-              <a14:hiddenFill xmlns:a14="http://schemas.microsoft.com/office/drawing/2010/main">
-                <a:solidFill>
-                  <a:srgbClr val="FFFFFF"/>
-                </a:solidFill>
-              </a14:hiddenFill>
-            </a:ext>
-          </a:extLst>
+        <p:spPr>
+          <a:xfrm>
+            <a:off x="7129237" y="2523249"/>
+            <a:ext cx="392293" cy="392293"/>
+          </a:xfrm>
+          <a:prstGeom prst="rect">
+            <a:avLst/>
+          </a:prstGeom>
         </p:spPr>
       </p:pic>
-      <p:sp>
-        <p:nvSpPr>
-          <p:cNvPr id="34" name="Rectangle 33"/>
-          <p:cNvSpPr/>
-          <p:nvPr/>
-        </p:nvSpPr>
-        <p:spPr>
-          <a:xfrm>
-            <a:off x="5595507" y="2110318"/>
-            <a:ext cx="1862622" cy="246221"/>
-          </a:xfrm>
-          <a:prstGeom prst="rect">
-            <a:avLst/>
-          </a:prstGeom>
-        </p:spPr>
-        <p:txBody>
-          <a:bodyPr wrap="square">
-            <a:spAutoFit/>
-          </a:bodyPr>
-          <a:lstStyle/>
-          <a:p>
-            <a:pPr algn="l"/>
-            <a:r>
-              <a:rPr lang="en-US" sz="1000" dirty="0" smtClean="0">
-                <a:solidFill>
-                  <a:srgbClr val="97C777"/>
-                </a:solidFill>
-                <a:latin typeface="Century Gothic" panose="020B0502020202020204" pitchFamily="34" charset="0"/>
-              </a:rPr>
-              <a:t>Same age as you!</a:t>
-            </a:r>
-            <a:endParaRPr lang="he-IL" sz="1000" dirty="0">
-              <a:solidFill>
-                <a:srgbClr val="97C777"/>
-              </a:solidFill>
-            </a:endParaRPr>
-          </a:p>
-        </p:txBody>
-      </p:sp>
-      <p:sp>
-        <p:nvSpPr>
-          <p:cNvPr id="38" name="Rectangle 37"/>
-          <p:cNvSpPr/>
-          <p:nvPr/>
-        </p:nvSpPr>
-        <p:spPr>
-          <a:xfrm>
-            <a:off x="5596265" y="3614750"/>
-            <a:ext cx="1862622" cy="246221"/>
-          </a:xfrm>
-          <a:prstGeom prst="rect">
-            <a:avLst/>
-          </a:prstGeom>
-        </p:spPr>
-        <p:txBody>
-          <a:bodyPr wrap="square">
-            <a:spAutoFit/>
-          </a:bodyPr>
-          <a:lstStyle/>
-          <a:p>
-            <a:pPr algn="l"/>
-            <a:r>
-              <a:rPr lang="en-US" sz="1000" dirty="0" smtClean="0">
-                <a:solidFill>
-                  <a:srgbClr val="FFC000"/>
-                </a:solidFill>
-                <a:latin typeface="Century Gothic" panose="020B0502020202020204" pitchFamily="34" charset="0"/>
-              </a:rPr>
-              <a:t>From your home, Israel!</a:t>
-            </a:r>
-            <a:endParaRPr lang="he-IL" sz="1000" dirty="0">
-              <a:solidFill>
-                <a:srgbClr val="FFC000"/>
-              </a:solidFill>
-            </a:endParaRPr>
-          </a:p>
-        </p:txBody>
-      </p:sp>
-      <p:sp>
-        <p:nvSpPr>
-          <p:cNvPr id="42" name="Rectangle 41"/>
-          <p:cNvSpPr/>
-          <p:nvPr/>
-        </p:nvSpPr>
-        <p:spPr>
-          <a:xfrm>
-            <a:off x="5584137" y="2947279"/>
-            <a:ext cx="1862622" cy="400110"/>
-          </a:xfrm>
-          <a:prstGeom prst="rect">
-            <a:avLst/>
-          </a:prstGeom>
-        </p:spPr>
-        <p:txBody>
-          <a:bodyPr wrap="square">
-            <a:spAutoFit/>
-          </a:bodyPr>
-          <a:lstStyle/>
-          <a:p>
-            <a:pPr algn="l"/>
-            <a:r>
-              <a:rPr lang="en-US" sz="1000" dirty="0" smtClean="0">
-                <a:solidFill>
-                  <a:srgbClr val="9E5ECE"/>
-                </a:solidFill>
-                <a:latin typeface="Century Gothic" panose="020B0502020202020204" pitchFamily="34" charset="0"/>
-              </a:rPr>
-              <a:t>Also studies Computer Science!</a:t>
-            </a:r>
-            <a:endParaRPr lang="he-IL" sz="1000" dirty="0">
-              <a:solidFill>
-                <a:srgbClr val="9E5ECE"/>
-              </a:solidFill>
-            </a:endParaRPr>
-          </a:p>
-        </p:txBody>
-      </p:sp>
-      <p:sp>
-        <p:nvSpPr>
-          <p:cNvPr id="45" name="Rectangle 44"/>
-          <p:cNvSpPr/>
-          <p:nvPr/>
-        </p:nvSpPr>
-        <p:spPr>
-          <a:xfrm>
-            <a:off x="5596265" y="5276329"/>
-            <a:ext cx="1862622" cy="246221"/>
-          </a:xfrm>
-          <a:prstGeom prst="rect">
-            <a:avLst/>
-          </a:prstGeom>
-        </p:spPr>
-        <p:txBody>
-          <a:bodyPr wrap="square">
-            <a:spAutoFit/>
-          </a:bodyPr>
-          <a:lstStyle/>
-          <a:p>
-            <a:pPr algn="l"/>
-            <a:r>
-              <a:rPr lang="en-US" sz="1000" dirty="0" smtClean="0">
-                <a:solidFill>
-                  <a:schemeClr val="accent1">
-                    <a:lumMod val="75000"/>
-                  </a:schemeClr>
-                </a:solidFill>
-                <a:latin typeface="Century Gothic" panose="020B0502020202020204" pitchFamily="34" charset="0"/>
-              </a:rPr>
-              <a:t>Here for business.</a:t>
-            </a:r>
-            <a:endParaRPr lang="he-IL" sz="1000" dirty="0">
-              <a:solidFill>
-                <a:schemeClr val="accent1">
-                  <a:lumMod val="75000"/>
-                </a:schemeClr>
-              </a:solidFill>
-            </a:endParaRPr>
-          </a:p>
-        </p:txBody>
-      </p:sp>
       <p:pic>
         <p:nvPicPr>
-          <p:cNvPr id="52" name="Picture 51"/>
+          <p:cNvPr id="25" name="Picture 24"/>
           <p:cNvPicPr>
             <a:picLocks noChangeAspect="1"/>
           </p:cNvPicPr>
           <p:nvPr/>
         </p:nvPicPr>
         <p:blipFill>
-          <a:blip r:embed="rId10"/>
+          <a:blip r:embed="rId10" cstate="print">
+            <a:extLst>
+              <a:ext uri="{28A0092B-C50C-407E-A947-70E740481C1C}">
+                <a14:useLocalDpi xmlns:a14="http://schemas.microsoft.com/office/drawing/2010/main" val="0"/>
+              </a:ext>
+            </a:extLst>
+          </a:blip>
           <a:stretch>
             <a:fillRect/>
           </a:stretch>
         </p:blipFill>
         <p:spPr>
           <a:xfrm>
-            <a:off x="5502759" y="1986156"/>
-            <a:ext cx="164510" cy="164510"/>
+            <a:off x="7129237" y="3355591"/>
+            <a:ext cx="392293" cy="392293"/>
           </a:xfrm>
           <a:prstGeom prst="rect">
             <a:avLst/>
@@ -16874,7 +19365,7 @@
       </p:pic>
       <p:pic>
         <p:nvPicPr>
-          <p:cNvPr id="36" name="Picture 35"/>
+          <p:cNvPr id="26" name="Picture 25"/>
           <p:cNvPicPr>
             <a:picLocks noChangeAspect="1"/>
           </p:cNvPicPr>
@@ -16894,19 +19385,277 @@
         </p:blipFill>
         <p:spPr>
           <a:xfrm>
-            <a:off x="4684113" y="3357896"/>
-            <a:ext cx="777600" cy="777600"/>
+            <a:off x="7125003" y="5016876"/>
+            <a:ext cx="392293" cy="392293"/>
           </a:xfrm>
           <a:prstGeom prst="rect">
             <a:avLst/>
           </a:prstGeom>
         </p:spPr>
       </p:pic>
+      <p:sp>
+        <p:nvSpPr>
+          <p:cNvPr id="7" name="Rectangle 6"/>
+          <p:cNvSpPr/>
+          <p:nvPr/>
+        </p:nvSpPr>
+        <p:spPr>
+          <a:xfrm>
+            <a:off x="4630852" y="1688047"/>
+            <a:ext cx="2117102" cy="307777"/>
+          </a:xfrm>
+          <a:prstGeom prst="rect">
+            <a:avLst/>
+          </a:prstGeom>
+        </p:spPr>
+        <p:txBody>
+          <a:bodyPr wrap="square">
+            <a:spAutoFit/>
+          </a:bodyPr>
+          <a:lstStyle/>
+          <a:p>
+            <a:pPr algn="l"/>
+            <a:r>
+              <a:rPr lang="en-US" sz="1400" dirty="0" smtClean="0">
+                <a:latin typeface="Century Gothic" panose="020B0502020202020204" pitchFamily="34" charset="0"/>
+              </a:rPr>
+              <a:t>Kevin</a:t>
+            </a:r>
+            <a:endParaRPr lang="he-IL" sz="1400" dirty="0"/>
+          </a:p>
+        </p:txBody>
+      </p:sp>
+      <p:sp>
+        <p:nvSpPr>
+          <p:cNvPr id="28" name="Rectangle 27"/>
+          <p:cNvSpPr/>
+          <p:nvPr/>
+        </p:nvSpPr>
+        <p:spPr>
+          <a:xfrm>
+            <a:off x="4630852" y="2536671"/>
+            <a:ext cx="2117102" cy="307777"/>
+          </a:xfrm>
+          <a:prstGeom prst="rect">
+            <a:avLst/>
+          </a:prstGeom>
+        </p:spPr>
+        <p:txBody>
+          <a:bodyPr wrap="square">
+            <a:spAutoFit/>
+          </a:bodyPr>
+          <a:lstStyle/>
+          <a:p>
+            <a:pPr algn="l"/>
+            <a:r>
+              <a:rPr lang="en-US" sz="1400" dirty="0" err="1" smtClean="0">
+                <a:latin typeface="Century Gothic" panose="020B0502020202020204" pitchFamily="34" charset="0"/>
+              </a:rPr>
+              <a:t>Tomer</a:t>
+            </a:r>
+            <a:endParaRPr lang="he-IL" sz="1400" dirty="0"/>
+          </a:p>
+        </p:txBody>
+      </p:sp>
+      <p:sp>
+        <p:nvSpPr>
+          <p:cNvPr id="29" name="Rectangle 28"/>
+          <p:cNvSpPr/>
+          <p:nvPr/>
+        </p:nvSpPr>
+        <p:spPr>
+          <a:xfrm>
+            <a:off x="4630852" y="3362313"/>
+            <a:ext cx="2117102" cy="307777"/>
+          </a:xfrm>
+          <a:prstGeom prst="rect">
+            <a:avLst/>
+          </a:prstGeom>
+        </p:spPr>
+        <p:txBody>
+          <a:bodyPr wrap="square">
+            <a:spAutoFit/>
+          </a:bodyPr>
+          <a:lstStyle/>
+          <a:p>
+            <a:pPr algn="l"/>
+            <a:r>
+              <a:rPr lang="en-US" sz="1400" dirty="0" smtClean="0">
+                <a:latin typeface="Century Gothic" panose="020B0502020202020204" pitchFamily="34" charset="0"/>
+              </a:rPr>
+              <a:t>Catherine</a:t>
+            </a:r>
+            <a:endParaRPr lang="he-IL" sz="1400" dirty="0"/>
+          </a:p>
+        </p:txBody>
+      </p:sp>
+      <p:sp>
+        <p:nvSpPr>
+          <p:cNvPr id="31" name="Rectangle 30"/>
+          <p:cNvSpPr/>
+          <p:nvPr/>
+        </p:nvSpPr>
+        <p:spPr>
+          <a:xfrm>
+            <a:off x="4630852" y="4181674"/>
+            <a:ext cx="2117102" cy="307777"/>
+          </a:xfrm>
+          <a:prstGeom prst="rect">
+            <a:avLst/>
+          </a:prstGeom>
+        </p:spPr>
+        <p:txBody>
+          <a:bodyPr wrap="square">
+            <a:spAutoFit/>
+          </a:bodyPr>
+          <a:lstStyle/>
+          <a:p>
+            <a:pPr algn="l"/>
+            <a:r>
+              <a:rPr lang="en-US" sz="1400" dirty="0" err="1" smtClean="0">
+                <a:latin typeface="Century Gothic" panose="020B0502020202020204" pitchFamily="34" charset="0"/>
+              </a:rPr>
+              <a:t>Ofer</a:t>
+            </a:r>
+            <a:endParaRPr lang="he-IL" sz="1400" dirty="0"/>
+          </a:p>
+        </p:txBody>
+      </p:sp>
+      <p:sp>
+        <p:nvSpPr>
+          <p:cNvPr id="32" name="Rectangle 31"/>
+          <p:cNvSpPr/>
+          <p:nvPr/>
+        </p:nvSpPr>
+        <p:spPr>
+          <a:xfrm>
+            <a:off x="4630852" y="5030298"/>
+            <a:ext cx="2117102" cy="307777"/>
+          </a:xfrm>
+          <a:prstGeom prst="rect">
+            <a:avLst/>
+          </a:prstGeom>
+        </p:spPr>
+        <p:txBody>
+          <a:bodyPr wrap="square">
+            <a:spAutoFit/>
+          </a:bodyPr>
+          <a:lstStyle/>
+          <a:p>
+            <a:pPr algn="l"/>
+            <a:r>
+              <a:rPr lang="en-US" sz="1400" dirty="0" smtClean="0">
+                <a:latin typeface="Century Gothic" panose="020B0502020202020204" pitchFamily="34" charset="0"/>
+              </a:rPr>
+              <a:t>Gal</a:t>
+            </a:r>
+            <a:endParaRPr lang="he-IL" sz="1400" dirty="0"/>
+          </a:p>
+        </p:txBody>
+      </p:sp>
+      <p:sp>
+        <p:nvSpPr>
+          <p:cNvPr id="30" name="Rectangle 29"/>
+          <p:cNvSpPr/>
+          <p:nvPr/>
+        </p:nvSpPr>
+        <p:spPr>
+          <a:xfrm>
+            <a:off x="5136214" y="1734454"/>
+            <a:ext cx="1862622" cy="246221"/>
+          </a:xfrm>
+          <a:prstGeom prst="rect">
+            <a:avLst/>
+          </a:prstGeom>
+        </p:spPr>
+        <p:txBody>
+          <a:bodyPr wrap="square">
+            <a:spAutoFit/>
+          </a:bodyPr>
+          <a:lstStyle/>
+          <a:p>
+            <a:pPr algn="l"/>
+            <a:r>
+              <a:rPr lang="en-US" sz="1000" dirty="0">
+                <a:solidFill>
+                  <a:schemeClr val="accent1">
+                    <a:lumMod val="75000"/>
+                  </a:schemeClr>
+                </a:solidFill>
+                <a:latin typeface="Century Gothic" panose="020B0502020202020204" pitchFamily="34" charset="0"/>
+              </a:rPr>
+              <a:t>i</a:t>
+            </a:r>
+            <a:r>
+              <a:rPr lang="en-US" sz="1000" dirty="0" smtClean="0">
+                <a:solidFill>
+                  <a:schemeClr val="accent1">
+                    <a:lumMod val="75000"/>
+                  </a:schemeClr>
+                </a:solidFill>
+                <a:latin typeface="Century Gothic" panose="020B0502020202020204" pitchFamily="34" charset="0"/>
+              </a:rPr>
+              <a:t>s looking to pass time</a:t>
+            </a:r>
+            <a:endParaRPr lang="he-IL" sz="1000" dirty="0">
+              <a:solidFill>
+                <a:schemeClr val="accent1">
+                  <a:lumMod val="75000"/>
+                </a:schemeClr>
+              </a:solidFill>
+            </a:endParaRPr>
+          </a:p>
+        </p:txBody>
+      </p:sp>
+      <p:sp>
+        <p:nvSpPr>
+          <p:cNvPr id="33" name="Rectangle 32"/>
+          <p:cNvSpPr/>
+          <p:nvPr/>
+        </p:nvSpPr>
+        <p:spPr>
+          <a:xfrm>
+            <a:off x="4645146" y="1949092"/>
+            <a:ext cx="2493616" cy="338554"/>
+          </a:xfrm>
+          <a:prstGeom prst="rect">
+            <a:avLst/>
+          </a:prstGeom>
+        </p:spPr>
+        <p:txBody>
+          <a:bodyPr wrap="square">
+            <a:spAutoFit/>
+          </a:bodyPr>
+          <a:lstStyle/>
+          <a:p>
+            <a:pPr algn="just" rtl="0"/>
+            <a:r>
+              <a:rPr lang="en-US" sz="800" dirty="0" smtClean="0">
+                <a:latin typeface="Century Gothic" panose="020B0502020202020204" pitchFamily="34" charset="0"/>
+              </a:rPr>
+              <a:t>Hey! How wants to hang out?? I’m in terminal 5 right next to </a:t>
+            </a:r>
+            <a:r>
+              <a:rPr lang="en-US" sz="800" dirty="0" err="1" smtClean="0">
+                <a:latin typeface="Century Gothic" panose="020B0502020202020204" pitchFamily="34" charset="0"/>
+              </a:rPr>
+              <a:t>starbucks</a:t>
+            </a:r>
+            <a:r>
+              <a:rPr lang="en-US" sz="800" dirty="0" smtClean="0">
+                <a:latin typeface="Century Gothic" panose="020B0502020202020204" pitchFamily="34" charset="0"/>
+              </a:rPr>
+              <a:t>…</a:t>
+            </a:r>
+            <a:endParaRPr lang="he-IL" sz="800" dirty="0"/>
+          </a:p>
+        </p:txBody>
+      </p:sp>
       <p:pic>
         <p:nvPicPr>
-          <p:cNvPr id="53" name="Picture 52"/>
+          <p:cNvPr id="1026" name="Picture 2" descr="https://fbcdn-sphotos-c-a.akamaihd.net/hphotos-ak-prn2/v/t1.0-9/558617_496479173697011_745885139_n.jpg?oh=05f90387fce5a2ab60ff626da8046fb4&amp;oe=55B810BD&amp;__gda__=1441131251_b641de8fc77e4e86dec2fc55f843cd6a"/>
           <p:cNvPicPr>
-            <a:picLocks noChangeAspect="1"/>
+            <a:picLocks noChangeAspect="1" noChangeArrowheads="1"/>
           </p:cNvPicPr>
           <p:nvPr/>
         </p:nvPicPr>
@@ -16918,585 +19667,48 @@
               </a:ext>
             </a:extLst>
           </a:blip>
+          <a:srcRect/>
           <a:stretch>
             <a:fillRect/>
           </a:stretch>
         </p:blipFill>
-        <p:spPr>
-          <a:xfrm>
-            <a:off x="4688347" y="1691102"/>
-            <a:ext cx="777600" cy="777600"/>
-          </a:xfrm>
-          <a:prstGeom prst="rect">
-            <a:avLst/>
-          </a:prstGeom>
+        <p:spPr bwMode="auto">
+          <a:xfrm>
+            <a:off x="6976077" y="824512"/>
+            <a:ext cx="537562" cy="537562"/>
+          </a:xfrm>
+          <a:prstGeom prst="rect">
+            <a:avLst/>
+          </a:prstGeom>
+          <a:noFill/>
+          <a:extLst>
+            <a:ext uri="{909E8E84-426E-40DD-AFC4-6F175D3DCCD1}">
+              <a14:hiddenFill xmlns:a14="http://schemas.microsoft.com/office/drawing/2010/main">
+                <a:solidFill>
+                  <a:srgbClr val="FFFFFF"/>
+                </a:solidFill>
+              </a14:hiddenFill>
+            </a:ext>
+          </a:extLst>
         </p:spPr>
       </p:pic>
-      <p:sp>
-        <p:nvSpPr>
-          <p:cNvPr id="56" name="Rectangle 55"/>
-          <p:cNvSpPr/>
-          <p:nvPr/>
-        </p:nvSpPr>
-        <p:spPr>
-          <a:xfrm>
-            <a:off x="5406545" y="1689460"/>
-            <a:ext cx="2117102" cy="307777"/>
-          </a:xfrm>
-          <a:prstGeom prst="rect">
-            <a:avLst/>
-          </a:prstGeom>
-        </p:spPr>
-        <p:txBody>
-          <a:bodyPr wrap="square">
-            <a:spAutoFit/>
-          </a:bodyPr>
-          <a:lstStyle/>
-          <a:p>
-            <a:pPr algn="l"/>
-            <a:r>
-              <a:rPr lang="en-US" sz="1400" dirty="0" err="1" smtClean="0">
-                <a:latin typeface="Century Gothic" panose="020B0502020202020204" pitchFamily="34" charset="0"/>
-              </a:rPr>
-              <a:t>Matan</a:t>
-            </a:r>
-            <a:r>
-              <a:rPr lang="en-US" sz="1400" dirty="0" smtClean="0">
-                <a:latin typeface="Century Gothic" panose="020B0502020202020204" pitchFamily="34" charset="0"/>
-              </a:rPr>
-              <a:t>, 26</a:t>
-            </a:r>
-            <a:endParaRPr lang="he-IL" sz="1400" dirty="0"/>
-          </a:p>
-        </p:txBody>
-      </p:sp>
-      <p:sp>
-        <p:nvSpPr>
-          <p:cNvPr id="57" name="Rectangle 56"/>
-          <p:cNvSpPr/>
-          <p:nvPr/>
-        </p:nvSpPr>
-        <p:spPr>
-          <a:xfrm>
-            <a:off x="5406545" y="3363726"/>
-            <a:ext cx="2117102" cy="307777"/>
-          </a:xfrm>
-          <a:prstGeom prst="rect">
-            <a:avLst/>
-          </a:prstGeom>
-        </p:spPr>
-        <p:txBody>
-          <a:bodyPr wrap="square">
-            <a:spAutoFit/>
-          </a:bodyPr>
-          <a:lstStyle/>
-          <a:p>
-            <a:pPr algn="l"/>
-            <a:r>
-              <a:rPr lang="en-US" sz="1400" dirty="0" err="1" smtClean="0">
-                <a:latin typeface="Century Gothic" panose="020B0502020202020204" pitchFamily="34" charset="0"/>
-              </a:rPr>
-              <a:t>Aviya</a:t>
-            </a:r>
-            <a:r>
-              <a:rPr lang="en-US" sz="1400" dirty="0" smtClean="0">
-                <a:latin typeface="Century Gothic" panose="020B0502020202020204" pitchFamily="34" charset="0"/>
-              </a:rPr>
-              <a:t>, 26</a:t>
-            </a:r>
-            <a:endParaRPr lang="he-IL" sz="1400" dirty="0"/>
-          </a:p>
-        </p:txBody>
-      </p:sp>
-      <p:grpSp>
-        <p:nvGrpSpPr>
-          <p:cNvPr id="59" name="Group 58"/>
-          <p:cNvGrpSpPr/>
-          <p:nvPr/>
-        </p:nvGrpSpPr>
-        <p:grpSpPr>
-          <a:xfrm>
-            <a:off x="4684113" y="5010639"/>
-            <a:ext cx="2848877" cy="777600"/>
-            <a:chOff x="4674770" y="4173088"/>
-            <a:chExt cx="2848877" cy="777600"/>
-          </a:xfrm>
-        </p:grpSpPr>
-        <p:sp>
-          <p:nvSpPr>
-            <p:cNvPr id="60" name="Rectangle 59"/>
-            <p:cNvSpPr/>
-            <p:nvPr/>
-          </p:nvSpPr>
-          <p:spPr>
-            <a:xfrm>
-              <a:off x="5406545" y="4183087"/>
-              <a:ext cx="2117102" cy="307777"/>
-            </a:xfrm>
-            <a:prstGeom prst="rect">
-              <a:avLst/>
-            </a:prstGeom>
-          </p:spPr>
-          <p:txBody>
-            <a:bodyPr wrap="square">
-              <a:spAutoFit/>
-            </a:bodyPr>
-            <a:lstStyle/>
-            <a:p>
-              <a:pPr algn="l"/>
-              <a:r>
-                <a:rPr lang="en-US" sz="1400" dirty="0" smtClean="0">
-                  <a:latin typeface="Century Gothic" panose="020B0502020202020204" pitchFamily="34" charset="0"/>
-                </a:rPr>
-                <a:t>Donnie, 56</a:t>
-              </a:r>
-              <a:endParaRPr lang="he-IL" sz="1400" dirty="0"/>
-            </a:p>
-          </p:txBody>
-        </p:sp>
-        <p:pic>
-          <p:nvPicPr>
-            <p:cNvPr id="61" name="Picture 60"/>
-            <p:cNvPicPr>
-              <a:picLocks noChangeAspect="1"/>
-            </p:cNvPicPr>
-            <p:nvPr/>
-          </p:nvPicPr>
-          <p:blipFill rotWithShape="1">
-            <a:blip r:embed="rId13" cstate="print">
-              <a:extLst>
-                <a:ext uri="{28A0092B-C50C-407E-A947-70E740481C1C}">
-                  <a14:useLocalDpi xmlns:a14="http://schemas.microsoft.com/office/drawing/2010/main" val="0"/>
-                </a:ext>
-              </a:extLst>
-            </a:blip>
-            <a:srcRect l="14312" t="-504" r="10658" b="504"/>
-            <a:stretch/>
-          </p:blipFill>
-          <p:spPr>
-            <a:xfrm>
-              <a:off x="4674770" y="4173088"/>
-              <a:ext cx="777894" cy="777600"/>
-            </a:xfrm>
-            <a:prstGeom prst="rect">
-              <a:avLst/>
-            </a:prstGeom>
-          </p:spPr>
-        </p:pic>
-      </p:grpSp>
       <p:pic>
         <p:nvPicPr>
-          <p:cNvPr id="1024" name="Picture 1023"/>
+          <p:cNvPr id="2" name="Picture 1"/>
           <p:cNvPicPr>
             <a:picLocks noChangeAspect="1"/>
           </p:cNvPicPr>
           <p:nvPr/>
         </p:nvPicPr>
         <p:blipFill>
-          <a:blip r:embed="rId14"/>
-          <a:stretch>
-            <a:fillRect/>
-          </a:stretch>
-        </p:blipFill>
-        <p:spPr>
-          <a:xfrm>
-            <a:off x="5497393" y="2145574"/>
-            <a:ext cx="158310" cy="158310"/>
-          </a:xfrm>
-          <a:prstGeom prst="rect">
-            <a:avLst/>
-          </a:prstGeom>
-        </p:spPr>
-      </p:pic>
-      <p:sp>
-        <p:nvSpPr>
-          <p:cNvPr id="66" name="Rectangle 65"/>
-          <p:cNvSpPr/>
-          <p:nvPr/>
-        </p:nvSpPr>
-        <p:spPr>
-          <a:xfrm>
-            <a:off x="5594539" y="2772788"/>
-            <a:ext cx="1862622" cy="246221"/>
-          </a:xfrm>
-          <a:prstGeom prst="rect">
-            <a:avLst/>
-          </a:prstGeom>
-        </p:spPr>
-        <p:txBody>
-          <a:bodyPr wrap="square">
-            <a:spAutoFit/>
-          </a:bodyPr>
-          <a:lstStyle/>
-          <a:p>
-            <a:pPr algn="l"/>
-            <a:r>
-              <a:rPr lang="en-US" sz="1000" dirty="0" smtClean="0">
-                <a:solidFill>
-                  <a:schemeClr val="accent1">
-                    <a:lumMod val="75000"/>
-                  </a:schemeClr>
-                </a:solidFill>
-                <a:latin typeface="Century Gothic" panose="020B0502020202020204" pitchFamily="34" charset="0"/>
-              </a:rPr>
-              <a:t>Flying your way!</a:t>
-            </a:r>
-            <a:endParaRPr lang="he-IL" sz="1000" dirty="0">
-              <a:solidFill>
-                <a:schemeClr val="accent1">
-                  <a:lumMod val="75000"/>
-                </a:schemeClr>
-              </a:solidFill>
-            </a:endParaRPr>
-          </a:p>
-        </p:txBody>
-      </p:sp>
-      <p:pic>
-        <p:nvPicPr>
-          <p:cNvPr id="67" name="Picture 66"/>
-          <p:cNvPicPr>
-            <a:picLocks noChangeAspect="1"/>
-          </p:cNvPicPr>
-          <p:nvPr/>
-        </p:nvPicPr>
-        <p:blipFill>
-          <a:blip r:embed="rId10"/>
-          <a:stretch>
-            <a:fillRect/>
-          </a:stretch>
-        </p:blipFill>
-        <p:spPr>
-          <a:xfrm>
-            <a:off x="5502759" y="2824212"/>
-            <a:ext cx="164510" cy="164510"/>
-          </a:xfrm>
-          <a:prstGeom prst="rect">
-            <a:avLst/>
-          </a:prstGeom>
-        </p:spPr>
-      </p:pic>
-      <p:sp>
-        <p:nvSpPr>
-          <p:cNvPr id="68" name="Rectangle 67"/>
-          <p:cNvSpPr/>
-          <p:nvPr/>
-        </p:nvSpPr>
-        <p:spPr>
-          <a:xfrm>
-            <a:off x="5608617" y="3764616"/>
-            <a:ext cx="1862622" cy="246221"/>
-          </a:xfrm>
-          <a:prstGeom prst="rect">
-            <a:avLst/>
-          </a:prstGeom>
-        </p:spPr>
-        <p:txBody>
-          <a:bodyPr wrap="square">
-            <a:spAutoFit/>
-          </a:bodyPr>
-          <a:lstStyle/>
-          <a:p>
-            <a:pPr algn="l"/>
-            <a:r>
-              <a:rPr lang="en-US" sz="1000" dirty="0" smtClean="0">
-                <a:solidFill>
-                  <a:srgbClr val="97C777"/>
-                </a:solidFill>
-                <a:latin typeface="Century Gothic" panose="020B0502020202020204" pitchFamily="34" charset="0"/>
-              </a:rPr>
-              <a:t>Same age as you!</a:t>
-            </a:r>
-            <a:endParaRPr lang="he-IL" sz="1000" dirty="0">
-              <a:solidFill>
-                <a:srgbClr val="97C777"/>
-              </a:solidFill>
-            </a:endParaRPr>
-          </a:p>
-        </p:txBody>
-      </p:sp>
-      <p:sp>
-        <p:nvSpPr>
-          <p:cNvPr id="69" name="Rectangle 68"/>
-          <p:cNvSpPr/>
-          <p:nvPr/>
-        </p:nvSpPr>
-        <p:spPr>
-          <a:xfrm>
-            <a:off x="5591274" y="2261448"/>
-            <a:ext cx="1862622" cy="246221"/>
-          </a:xfrm>
-          <a:prstGeom prst="rect">
-            <a:avLst/>
-          </a:prstGeom>
-        </p:spPr>
-        <p:txBody>
-          <a:bodyPr wrap="square">
-            <a:spAutoFit/>
-          </a:bodyPr>
-          <a:lstStyle/>
-          <a:p>
-            <a:pPr algn="l"/>
-            <a:r>
-              <a:rPr lang="en-US" sz="1000" dirty="0" smtClean="0">
-                <a:solidFill>
-                  <a:srgbClr val="FFC000"/>
-                </a:solidFill>
-                <a:latin typeface="Century Gothic" panose="020B0502020202020204" pitchFamily="34" charset="0"/>
-              </a:rPr>
-              <a:t>From your home, Israel!</a:t>
-            </a:r>
-            <a:endParaRPr lang="he-IL" sz="1000" dirty="0">
-              <a:solidFill>
-                <a:srgbClr val="FFC000"/>
-              </a:solidFill>
-            </a:endParaRPr>
-          </a:p>
-        </p:txBody>
-      </p:sp>
-      <p:pic>
-        <p:nvPicPr>
-          <p:cNvPr id="72" name="Picture 71"/>
-          <p:cNvPicPr>
-            <a:picLocks noChangeAspect="1"/>
-          </p:cNvPicPr>
-          <p:nvPr/>
-        </p:nvPicPr>
-        <p:blipFill>
-          <a:blip r:embed="rId15"/>
-          <a:stretch>
-            <a:fillRect/>
-          </a:stretch>
-        </p:blipFill>
-        <p:spPr>
-          <a:xfrm>
-            <a:off x="5494621" y="2309712"/>
-            <a:ext cx="128260" cy="128258"/>
-          </a:xfrm>
-          <a:prstGeom prst="rect">
-            <a:avLst/>
-          </a:prstGeom>
-        </p:spPr>
-      </p:pic>
-      <p:sp>
-        <p:nvSpPr>
-          <p:cNvPr id="73" name="Rectangle 72"/>
-          <p:cNvSpPr/>
-          <p:nvPr/>
-        </p:nvSpPr>
-        <p:spPr>
-          <a:xfrm>
-            <a:off x="5591274" y="3918721"/>
-            <a:ext cx="1862622" cy="246221"/>
-          </a:xfrm>
-          <a:prstGeom prst="rect">
-            <a:avLst/>
-          </a:prstGeom>
-        </p:spPr>
-        <p:txBody>
-          <a:bodyPr wrap="square">
-            <a:spAutoFit/>
-          </a:bodyPr>
-          <a:lstStyle/>
-          <a:p>
-            <a:pPr algn="l"/>
-            <a:r>
-              <a:rPr lang="en-US" sz="1000" dirty="0" smtClean="0">
-                <a:solidFill>
-                  <a:srgbClr val="9E5ECE"/>
-                </a:solidFill>
-                <a:latin typeface="Century Gothic" panose="020B0502020202020204" pitchFamily="34" charset="0"/>
-              </a:rPr>
-              <a:t>Also loves dogs!</a:t>
-            </a:r>
-            <a:endParaRPr lang="he-IL" sz="1000" dirty="0">
-              <a:solidFill>
-                <a:srgbClr val="9E5ECE"/>
-              </a:solidFill>
-            </a:endParaRPr>
-          </a:p>
-        </p:txBody>
-      </p:sp>
-      <p:sp>
-        <p:nvSpPr>
-          <p:cNvPr id="76" name="Rectangle 75"/>
-          <p:cNvSpPr/>
-          <p:nvPr/>
-        </p:nvSpPr>
-        <p:spPr>
-          <a:xfrm>
-            <a:off x="5622881" y="4623117"/>
-            <a:ext cx="1862622" cy="246221"/>
-          </a:xfrm>
-          <a:prstGeom prst="rect">
-            <a:avLst/>
-          </a:prstGeom>
-        </p:spPr>
-        <p:txBody>
-          <a:bodyPr wrap="square">
-            <a:spAutoFit/>
-          </a:bodyPr>
-          <a:lstStyle/>
-          <a:p>
-            <a:pPr algn="l"/>
-            <a:r>
-              <a:rPr lang="en-US" sz="1000" dirty="0" smtClean="0">
-                <a:solidFill>
-                  <a:srgbClr val="FFC000"/>
-                </a:solidFill>
-                <a:latin typeface="Century Gothic" panose="020B0502020202020204" pitchFamily="34" charset="0"/>
-              </a:rPr>
-              <a:t>From your home, Israel!</a:t>
-            </a:r>
-            <a:endParaRPr lang="he-IL" sz="1000" dirty="0">
-              <a:solidFill>
-                <a:srgbClr val="FFC000"/>
-              </a:solidFill>
-            </a:endParaRPr>
-          </a:p>
-        </p:txBody>
-      </p:sp>
-      <p:pic>
-        <p:nvPicPr>
-          <p:cNvPr id="77" name="Picture 76"/>
-          <p:cNvPicPr>
-            <a:picLocks noChangeAspect="1"/>
-          </p:cNvPicPr>
-          <p:nvPr/>
-        </p:nvPicPr>
-        <p:blipFill>
-          <a:blip r:embed="rId15"/>
-          <a:stretch>
-            <a:fillRect/>
-          </a:stretch>
-        </p:blipFill>
-        <p:spPr>
-          <a:xfrm>
-            <a:off x="5526228" y="4671381"/>
-            <a:ext cx="128260" cy="128258"/>
-          </a:xfrm>
-          <a:prstGeom prst="rect">
-            <a:avLst/>
-          </a:prstGeom>
-        </p:spPr>
-      </p:pic>
-      <p:sp>
-        <p:nvSpPr>
-          <p:cNvPr id="78" name="Rectangle 77"/>
-          <p:cNvSpPr/>
-          <p:nvPr/>
-        </p:nvSpPr>
-        <p:spPr>
-          <a:xfrm>
-            <a:off x="5622881" y="4458862"/>
-            <a:ext cx="1862622" cy="246221"/>
-          </a:xfrm>
-          <a:prstGeom prst="rect">
-            <a:avLst/>
-          </a:prstGeom>
-        </p:spPr>
-        <p:txBody>
-          <a:bodyPr wrap="square">
-            <a:spAutoFit/>
-          </a:bodyPr>
-          <a:lstStyle/>
-          <a:p>
-            <a:pPr algn="l"/>
-            <a:r>
-              <a:rPr lang="en-US" sz="1000" dirty="0" smtClean="0">
-                <a:solidFill>
-                  <a:schemeClr val="accent1">
-                    <a:lumMod val="75000"/>
-                  </a:schemeClr>
-                </a:solidFill>
-                <a:latin typeface="Century Gothic" panose="020B0502020202020204" pitchFamily="34" charset="0"/>
-              </a:rPr>
-              <a:t>Here for a long time.</a:t>
-            </a:r>
-            <a:endParaRPr lang="he-IL" sz="1000" dirty="0">
-              <a:solidFill>
-                <a:schemeClr val="accent1">
-                  <a:lumMod val="75000"/>
-                </a:schemeClr>
-              </a:solidFill>
-            </a:endParaRPr>
-          </a:p>
-        </p:txBody>
-      </p:sp>
-      <p:sp>
-        <p:nvSpPr>
-          <p:cNvPr id="79" name="Rectangle 78"/>
-          <p:cNvSpPr/>
-          <p:nvPr/>
-        </p:nvSpPr>
-        <p:spPr>
-          <a:xfrm>
-            <a:off x="5584137" y="5434135"/>
-            <a:ext cx="1862622" cy="246221"/>
-          </a:xfrm>
-          <a:prstGeom prst="rect">
-            <a:avLst/>
-          </a:prstGeom>
-        </p:spPr>
-        <p:txBody>
-          <a:bodyPr wrap="square">
-            <a:spAutoFit/>
-          </a:bodyPr>
-          <a:lstStyle/>
-          <a:p>
-            <a:pPr algn="l"/>
-            <a:r>
-              <a:rPr lang="en-US" sz="1000" dirty="0" smtClean="0">
-                <a:solidFill>
-                  <a:srgbClr val="9E5ECE"/>
-                </a:solidFill>
-                <a:latin typeface="Century Gothic" panose="020B0502020202020204" pitchFamily="34" charset="0"/>
-              </a:rPr>
-              <a:t>Works in </a:t>
-            </a:r>
-            <a:r>
-              <a:rPr lang="en-US" sz="1000" dirty="0" err="1" smtClean="0">
-                <a:solidFill>
-                  <a:srgbClr val="9E5ECE"/>
-                </a:solidFill>
-                <a:latin typeface="Century Gothic" panose="020B0502020202020204" pitchFamily="34" charset="0"/>
-              </a:rPr>
-              <a:t>RedHat</a:t>
-            </a:r>
-            <a:r>
-              <a:rPr lang="en-US" sz="1000" dirty="0" smtClean="0">
-                <a:solidFill>
-                  <a:srgbClr val="9E5ECE"/>
-                </a:solidFill>
-                <a:latin typeface="Century Gothic" panose="020B0502020202020204" pitchFamily="34" charset="0"/>
-              </a:rPr>
-              <a:t>.</a:t>
-            </a:r>
-            <a:endParaRPr lang="he-IL" sz="1000" dirty="0">
-              <a:solidFill>
-                <a:srgbClr val="9E5ECE"/>
-              </a:solidFill>
-            </a:endParaRPr>
-          </a:p>
-        </p:txBody>
-      </p:sp>
-      <p:pic>
-        <p:nvPicPr>
-          <p:cNvPr id="1028" name="Picture 1027"/>
-          <p:cNvPicPr>
-            <a:picLocks noChangeAspect="1"/>
-          </p:cNvPicPr>
-          <p:nvPr/>
-        </p:nvPicPr>
-        <p:blipFill>
-          <a:blip r:embed="rId16">
+          <a:blip r:embed="rId13">
             <a:extLst>
               <a:ext uri="{BEBA8EAE-BF5A-486C-A8C5-ECC9F3942E4B}">
                 <a14:imgProps xmlns:a14="http://schemas.microsoft.com/office/drawing/2010/main">
-                  <a14:imgLayer r:embed="rId17">
+                  <a14:imgLayer r:embed="rId14">
                     <a14:imgEffect>
-                      <a14:backgroundRemoval t="9961" b="89844" l="0" r="100000">
-                        <a14:foregroundMark x1="1953" y1="55469" x2="1953" y2="55469"/>
-                        <a14:foregroundMark x1="41016" y1="59961" x2="41016" y2="59961"/>
+                      <a14:backgroundRemoval t="586" b="98438" l="0" r="100000">
+                        <a14:foregroundMark x1="49219" y1="40820" x2="49609" y2="46289"/>
                       </a14:backgroundRemoval>
                     </a14:imgEffect>
                   </a14:imgLayer>
@@ -17510,17 +19722,88 @@
         </p:blipFill>
         <p:spPr>
           <a:xfrm>
-            <a:off x="5505844" y="3071048"/>
-            <a:ext cx="145078" cy="145078"/>
+            <a:off x="6604087" y="1784157"/>
+            <a:ext cx="134342" cy="134342"/>
           </a:xfrm>
           <a:prstGeom prst="rect">
             <a:avLst/>
           </a:prstGeom>
         </p:spPr>
       </p:pic>
+      <p:sp>
+        <p:nvSpPr>
+          <p:cNvPr id="34" name="Rectangle 33"/>
+          <p:cNvSpPr/>
+          <p:nvPr/>
+        </p:nvSpPr>
+        <p:spPr>
+          <a:xfrm>
+            <a:off x="5204607" y="2585933"/>
+            <a:ext cx="1862622" cy="246221"/>
+          </a:xfrm>
+          <a:prstGeom prst="rect">
+            <a:avLst/>
+          </a:prstGeom>
+        </p:spPr>
+        <p:txBody>
+          <a:bodyPr wrap="square">
+            <a:spAutoFit/>
+          </a:bodyPr>
+          <a:lstStyle/>
+          <a:p>
+            <a:pPr algn="l"/>
+            <a:r>
+              <a:rPr lang="en-US" sz="1000" dirty="0" smtClean="0">
+                <a:solidFill>
+                  <a:srgbClr val="97C777"/>
+                </a:solidFill>
+                <a:latin typeface="Century Gothic" panose="020B0502020202020204" pitchFamily="34" charset="0"/>
+              </a:rPr>
+              <a:t>wants to eat something</a:t>
+            </a:r>
+            <a:endParaRPr lang="he-IL" sz="1000" dirty="0">
+              <a:solidFill>
+                <a:srgbClr val="97C777"/>
+              </a:solidFill>
+            </a:endParaRPr>
+          </a:p>
+        </p:txBody>
+      </p:sp>
+      <p:sp>
+        <p:nvSpPr>
+          <p:cNvPr id="35" name="Rectangle 34"/>
+          <p:cNvSpPr/>
+          <p:nvPr/>
+        </p:nvSpPr>
+        <p:spPr>
+          <a:xfrm>
+            <a:off x="4641189" y="2789573"/>
+            <a:ext cx="2488048" cy="215444"/>
+          </a:xfrm>
+          <a:prstGeom prst="rect">
+            <a:avLst/>
+          </a:prstGeom>
+        </p:spPr>
+        <p:txBody>
+          <a:bodyPr wrap="square">
+            <a:spAutoFit/>
+          </a:bodyPr>
+          <a:lstStyle/>
+          <a:p>
+            <a:pPr algn="just" rtl="0"/>
+            <a:r>
+              <a:rPr lang="en-US" sz="800" dirty="0" smtClean="0">
+                <a:latin typeface="Century Gothic" panose="020B0502020202020204" pitchFamily="34" charset="0"/>
+              </a:rPr>
+              <a:t>Who’s hungry…? In the mood for Chinese!</a:t>
+            </a:r>
+            <a:endParaRPr lang="he-IL" sz="800" dirty="0"/>
+          </a:p>
+        </p:txBody>
+      </p:sp>
       <p:pic>
         <p:nvPicPr>
-          <p:cNvPr id="81" name="Picture 80"/>
+          <p:cNvPr id="37" name="Picture 36"/>
           <p:cNvPicPr>
             <a:picLocks noChangeAspect="1"/>
           </p:cNvPicPr>
@@ -17534,32 +19817,103 @@
         </p:blipFill>
         <p:spPr>
           <a:xfrm>
-            <a:off x="5502759" y="3683991"/>
-            <a:ext cx="128260" cy="128258"/>
+            <a:off x="6786876" y="2622578"/>
+            <a:ext cx="180933" cy="180933"/>
           </a:xfrm>
           <a:prstGeom prst="rect">
             <a:avLst/>
           </a:prstGeom>
         </p:spPr>
       </p:pic>
+      <p:sp>
+        <p:nvSpPr>
+          <p:cNvPr id="38" name="Rectangle 37"/>
+          <p:cNvSpPr/>
+          <p:nvPr/>
+        </p:nvSpPr>
+        <p:spPr>
+          <a:xfrm>
+            <a:off x="5524957" y="3409465"/>
+            <a:ext cx="1862622" cy="246221"/>
+          </a:xfrm>
+          <a:prstGeom prst="rect">
+            <a:avLst/>
+          </a:prstGeom>
+        </p:spPr>
+        <p:txBody>
+          <a:bodyPr wrap="square">
+            <a:spAutoFit/>
+          </a:bodyPr>
+          <a:lstStyle/>
+          <a:p>
+            <a:pPr algn="l"/>
+            <a:r>
+              <a:rPr lang="en-US" sz="1000" dirty="0" smtClean="0">
+                <a:solidFill>
+                  <a:srgbClr val="FFC000"/>
+                </a:solidFill>
+                <a:latin typeface="Century Gothic" panose="020B0502020202020204" pitchFamily="34" charset="0"/>
+              </a:rPr>
+              <a:t>wants to share a cab</a:t>
+            </a:r>
+            <a:endParaRPr lang="he-IL" sz="1000" dirty="0">
+              <a:solidFill>
+                <a:srgbClr val="FFC000"/>
+              </a:solidFill>
+            </a:endParaRPr>
+          </a:p>
+        </p:txBody>
+      </p:sp>
+      <p:sp>
+        <p:nvSpPr>
+          <p:cNvPr id="39" name="Rectangle 38"/>
+          <p:cNvSpPr/>
+          <p:nvPr/>
+        </p:nvSpPr>
+        <p:spPr>
+          <a:xfrm>
+            <a:off x="4652525" y="3618605"/>
+            <a:ext cx="2486237" cy="338554"/>
+          </a:xfrm>
+          <a:prstGeom prst="rect">
+            <a:avLst/>
+          </a:prstGeom>
+        </p:spPr>
+        <p:txBody>
+          <a:bodyPr wrap="square">
+            <a:spAutoFit/>
+          </a:bodyPr>
+          <a:lstStyle/>
+          <a:p>
+            <a:pPr algn="just" rtl="0"/>
+            <a:r>
+              <a:rPr lang="en-US" sz="800" dirty="0" smtClean="0">
+                <a:latin typeface="Century Gothic" panose="020B0502020202020204" pitchFamily="34" charset="0"/>
+              </a:rPr>
+              <a:t>Going to the town’s central area, anyone up for sharing a taxi?</a:t>
+            </a:r>
+            <a:endParaRPr lang="he-IL" sz="800" dirty="0"/>
+          </a:p>
+        </p:txBody>
+      </p:sp>
       <p:pic>
         <p:nvPicPr>
-          <p:cNvPr id="84" name="Picture 83"/>
+          <p:cNvPr id="41" name="Picture 40"/>
           <p:cNvPicPr>
             <a:picLocks noChangeAspect="1"/>
           </p:cNvPicPr>
           <p:nvPr/>
         </p:nvPicPr>
         <p:blipFill>
-          <a:blip r:embed="rId14"/>
+          <a:blip r:embed="rId16"/>
           <a:stretch>
             <a:fillRect/>
           </a:stretch>
         </p:blipFill>
         <p:spPr>
           <a:xfrm>
-            <a:off x="5493251" y="3804459"/>
-            <a:ext cx="158310" cy="158310"/>
+            <a:off x="6936868" y="3425341"/>
+            <a:ext cx="176494" cy="176494"/>
           </a:xfrm>
           <a:prstGeom prst="rect">
             <a:avLst/>
@@ -17568,58 +19922,23 @@
       </p:pic>
       <p:pic>
         <p:nvPicPr>
-          <p:cNvPr id="1029" name="Picture 1028"/>
+          <p:cNvPr id="19" name="Picture 18"/>
           <p:cNvPicPr>
             <a:picLocks noChangeAspect="1"/>
           </p:cNvPicPr>
           <p:nvPr/>
         </p:nvPicPr>
         <p:blipFill>
-          <a:blip r:embed="rId18">
+          <a:blip r:embed="rId17">
             <a:extLst>
               <a:ext uri="{BEBA8EAE-BF5A-486C-A8C5-ECC9F3942E4B}">
                 <a14:imgProps xmlns:a14="http://schemas.microsoft.com/office/drawing/2010/main">
-                  <a14:imgLayer r:embed="rId19">
+                  <a14:imgLayer r:embed="rId18">
                     <a14:imgEffect>
-                      <a14:backgroundRemoval t="1758" b="97852" l="0" r="100000"/>
-                    </a14:imgEffect>
-                  </a14:imgLayer>
-                </a14:imgProps>
-              </a:ext>
-            </a:extLst>
-          </a:blip>
-          <a:stretch>
-            <a:fillRect/>
-          </a:stretch>
-        </p:blipFill>
-        <p:spPr>
-          <a:xfrm>
-            <a:off x="5515309" y="4001573"/>
-            <a:ext cx="100850" cy="100850"/>
-          </a:xfrm>
-          <a:prstGeom prst="rect">
-            <a:avLst/>
-          </a:prstGeom>
-        </p:spPr>
-      </p:pic>
-      <p:pic>
-        <p:nvPicPr>
-          <p:cNvPr id="1030" name="Picture 1029"/>
-          <p:cNvPicPr>
-            <a:picLocks noChangeAspect="1"/>
-          </p:cNvPicPr>
-          <p:nvPr/>
-        </p:nvPicPr>
-        <p:blipFill>
-          <a:blip r:embed="rId20">
-            <a:extLst>
-              <a:ext uri="{BEBA8EAE-BF5A-486C-A8C5-ECC9F3942E4B}">
-                <a14:imgProps xmlns:a14="http://schemas.microsoft.com/office/drawing/2010/main">
-                  <a14:imgLayer r:embed="rId21">
-                    <a14:imgEffect>
-                      <a14:backgroundRemoval t="0" b="100000" l="2344" r="96289">
-                        <a14:foregroundMark x1="49805" y1="29492" x2="49805" y2="29492"/>
-                        <a14:foregroundMark x1="49219" y1="78320" x2="49219" y2="78320"/>
+                      <a14:backgroundRemoval t="0" b="100000" l="9375" r="89844">
+                        <a14:foregroundMark x1="21680" y1="29883" x2="21680" y2="29883"/>
+                        <a14:foregroundMark x1="47461" y1="9766" x2="47461" y2="9766"/>
+                        <a14:foregroundMark x1="79688" y1="38477" x2="79688" y2="38477"/>
                       </a14:backgroundRemoval>
                     </a14:imgEffect>
                   </a14:imgLayer>
@@ -17633,33 +19952,680 @@
         </p:blipFill>
         <p:spPr>
           <a:xfrm>
-            <a:off x="5532420" y="4530665"/>
-            <a:ext cx="111143" cy="111143"/>
+            <a:off x="6861129" y="4260137"/>
+            <a:ext cx="170318" cy="170318"/>
           </a:xfrm>
           <a:prstGeom prst="rect">
             <a:avLst/>
           </a:prstGeom>
         </p:spPr>
       </p:pic>
+      <p:sp>
+        <p:nvSpPr>
+          <p:cNvPr id="42" name="Rectangle 41"/>
+          <p:cNvSpPr/>
+          <p:nvPr/>
+        </p:nvSpPr>
+        <p:spPr>
+          <a:xfrm>
+            <a:off x="5053863" y="4229150"/>
+            <a:ext cx="1907062" cy="246221"/>
+          </a:xfrm>
+          <a:prstGeom prst="rect">
+            <a:avLst/>
+          </a:prstGeom>
+        </p:spPr>
+        <p:txBody>
+          <a:bodyPr wrap="square">
+            <a:spAutoFit/>
+          </a:bodyPr>
+          <a:lstStyle/>
+          <a:p>
+            <a:pPr algn="l"/>
+            <a:r>
+              <a:rPr lang="en-US" sz="1000" dirty="0" smtClean="0">
+                <a:solidFill>
+                  <a:srgbClr val="9E5ECE"/>
+                </a:solidFill>
+                <a:latin typeface="Century Gothic" panose="020B0502020202020204" pitchFamily="34" charset="0"/>
+              </a:rPr>
+              <a:t>is looking to explore the city</a:t>
+            </a:r>
+            <a:endParaRPr lang="he-IL" sz="1000" dirty="0">
+              <a:solidFill>
+                <a:srgbClr val="9E5ECE"/>
+              </a:solidFill>
+            </a:endParaRPr>
+          </a:p>
+        </p:txBody>
+      </p:sp>
+      <p:sp>
+        <p:nvSpPr>
+          <p:cNvPr id="43" name="Rectangle 42"/>
+          <p:cNvSpPr/>
+          <p:nvPr/>
+        </p:nvSpPr>
+        <p:spPr>
+          <a:xfrm>
+            <a:off x="4651171" y="4428360"/>
+            <a:ext cx="2487591" cy="338554"/>
+          </a:xfrm>
+          <a:prstGeom prst="rect">
+            <a:avLst/>
+          </a:prstGeom>
+        </p:spPr>
+        <p:txBody>
+          <a:bodyPr wrap="square">
+            <a:spAutoFit/>
+          </a:bodyPr>
+          <a:lstStyle/>
+          <a:p>
+            <a:pPr algn="just" rtl="0"/>
+            <a:r>
+              <a:rPr lang="en-US" sz="800" dirty="0" smtClean="0">
+                <a:latin typeface="Century Gothic" panose="020B0502020202020204" pitchFamily="34" charset="0"/>
+              </a:rPr>
+              <a:t>Long wait and thought of exploring the city. Who wants to come?</a:t>
+            </a:r>
+            <a:endParaRPr lang="he-IL" sz="800" dirty="0"/>
+          </a:p>
+        </p:txBody>
+      </p:sp>
+      <p:sp>
+        <p:nvSpPr>
+          <p:cNvPr id="45" name="Rectangle 44"/>
+          <p:cNvSpPr/>
+          <p:nvPr/>
+        </p:nvSpPr>
+        <p:spPr>
+          <a:xfrm>
+            <a:off x="4975948" y="5084439"/>
+            <a:ext cx="1862622" cy="246221"/>
+          </a:xfrm>
+          <a:prstGeom prst="rect">
+            <a:avLst/>
+          </a:prstGeom>
+        </p:spPr>
+        <p:txBody>
+          <a:bodyPr wrap="square">
+            <a:spAutoFit/>
+          </a:bodyPr>
+          <a:lstStyle/>
+          <a:p>
+            <a:pPr algn="l"/>
+            <a:r>
+              <a:rPr lang="en-US" sz="1000" dirty="0" smtClean="0">
+                <a:solidFill>
+                  <a:schemeClr val="accent1">
+                    <a:lumMod val="75000"/>
+                  </a:schemeClr>
+                </a:solidFill>
+                <a:latin typeface="Century Gothic" panose="020B0502020202020204" pitchFamily="34" charset="0"/>
+              </a:rPr>
+              <a:t>is </a:t>
+            </a:r>
+            <a:r>
+              <a:rPr lang="en-US" sz="1000" dirty="0">
+                <a:solidFill>
+                  <a:schemeClr val="accent1">
+                    <a:lumMod val="75000"/>
+                  </a:schemeClr>
+                </a:solidFill>
+                <a:latin typeface="Century Gothic" panose="020B0502020202020204" pitchFamily="34" charset="0"/>
+              </a:rPr>
+              <a:t>l</a:t>
+            </a:r>
+            <a:r>
+              <a:rPr lang="en-US" sz="1000" dirty="0" smtClean="0">
+                <a:solidFill>
+                  <a:schemeClr val="accent1">
+                    <a:lumMod val="75000"/>
+                  </a:schemeClr>
+                </a:solidFill>
+                <a:latin typeface="Century Gothic" panose="020B0502020202020204" pitchFamily="34" charset="0"/>
+              </a:rPr>
+              <a:t>ooking to pass time</a:t>
+            </a:r>
+            <a:endParaRPr lang="he-IL" sz="1000" dirty="0">
+              <a:solidFill>
+                <a:schemeClr val="accent1">
+                  <a:lumMod val="75000"/>
+                </a:schemeClr>
+              </a:solidFill>
+            </a:endParaRPr>
+          </a:p>
+        </p:txBody>
+      </p:sp>
+      <p:sp>
+        <p:nvSpPr>
+          <p:cNvPr id="46" name="Rectangle 45"/>
+          <p:cNvSpPr/>
+          <p:nvPr/>
+        </p:nvSpPr>
+        <p:spPr>
+          <a:xfrm>
+            <a:off x="4641189" y="5287940"/>
+            <a:ext cx="2497573" cy="338554"/>
+          </a:xfrm>
+          <a:prstGeom prst="rect">
+            <a:avLst/>
+          </a:prstGeom>
+        </p:spPr>
+        <p:txBody>
+          <a:bodyPr wrap="square">
+            <a:spAutoFit/>
+          </a:bodyPr>
+          <a:lstStyle/>
+          <a:p>
+            <a:pPr algn="just" rtl="0"/>
+            <a:r>
+              <a:rPr lang="en-US" sz="800" dirty="0" smtClean="0">
+                <a:latin typeface="Century Gothic" panose="020B0502020202020204" pitchFamily="34" charset="0"/>
+              </a:rPr>
+              <a:t>10 hours to burn. Though of watching a long movie. </a:t>
+            </a:r>
+            <a:r>
+              <a:rPr lang="en-US" sz="800" dirty="0">
+                <a:latin typeface="Century Gothic" panose="020B0502020202020204" pitchFamily="34" charset="0"/>
+              </a:rPr>
+              <a:t>Any </a:t>
+            </a:r>
+            <a:r>
+              <a:rPr lang="en-US" sz="800" dirty="0" smtClean="0">
+                <a:latin typeface="Century Gothic" panose="020B0502020202020204" pitchFamily="34" charset="0"/>
+              </a:rPr>
+              <a:t>LOTR fans?</a:t>
+            </a:r>
+            <a:endParaRPr lang="he-IL" sz="800" dirty="0"/>
+          </a:p>
+        </p:txBody>
+      </p:sp>
+      <p:sp>
+        <p:nvSpPr>
+          <p:cNvPr id="54" name="Rectangle 53"/>
+          <p:cNvSpPr/>
+          <p:nvPr/>
+        </p:nvSpPr>
+        <p:spPr>
+          <a:xfrm>
+            <a:off x="5028044" y="2267437"/>
+            <a:ext cx="2493616" cy="215444"/>
+          </a:xfrm>
+          <a:prstGeom prst="rect">
+            <a:avLst/>
+          </a:prstGeom>
+        </p:spPr>
+        <p:txBody>
+          <a:bodyPr wrap="square">
+            <a:spAutoFit/>
+          </a:bodyPr>
+          <a:lstStyle/>
+          <a:p>
+            <a:pPr rtl="0"/>
+            <a:r>
+              <a:rPr lang="en-US" sz="800" dirty="0" smtClean="0">
+                <a:solidFill>
+                  <a:srgbClr val="C00000"/>
+                </a:solidFill>
+                <a:latin typeface="Century Gothic" panose="020B0502020202020204" pitchFamily="34" charset="0"/>
+              </a:rPr>
+              <a:t>3 comments</a:t>
+            </a:r>
+            <a:endParaRPr lang="he-IL" sz="800" dirty="0">
+              <a:solidFill>
+                <a:srgbClr val="C00000"/>
+              </a:solidFill>
+            </a:endParaRPr>
+          </a:p>
+        </p:txBody>
+      </p:sp>
+      <p:sp>
+        <p:nvSpPr>
+          <p:cNvPr id="55" name="Rectangle 54"/>
+          <p:cNvSpPr/>
+          <p:nvPr/>
+        </p:nvSpPr>
+        <p:spPr>
+          <a:xfrm>
+            <a:off x="5011755" y="3084504"/>
+            <a:ext cx="2493616" cy="215444"/>
+          </a:xfrm>
+          <a:prstGeom prst="rect">
+            <a:avLst/>
+          </a:prstGeom>
+        </p:spPr>
+        <p:txBody>
+          <a:bodyPr wrap="square">
+            <a:spAutoFit/>
+          </a:bodyPr>
+          <a:lstStyle/>
+          <a:p>
+            <a:pPr rtl="0"/>
+            <a:r>
+              <a:rPr lang="en-US" sz="800" dirty="0" smtClean="0">
+                <a:solidFill>
+                  <a:srgbClr val="C00000"/>
+                </a:solidFill>
+                <a:latin typeface="Century Gothic" panose="020B0502020202020204" pitchFamily="34" charset="0"/>
+              </a:rPr>
+              <a:t>1 comments</a:t>
+            </a:r>
+            <a:endParaRPr lang="he-IL" sz="800" dirty="0">
+              <a:solidFill>
+                <a:srgbClr val="C00000"/>
+              </a:solidFill>
+            </a:endParaRPr>
+          </a:p>
+        </p:txBody>
+      </p:sp>
+      <p:sp>
+        <p:nvSpPr>
+          <p:cNvPr id="56" name="Rectangle 55"/>
+          <p:cNvSpPr/>
+          <p:nvPr/>
+        </p:nvSpPr>
+        <p:spPr>
+          <a:xfrm>
+            <a:off x="5011755" y="3935090"/>
+            <a:ext cx="2493616" cy="215444"/>
+          </a:xfrm>
+          <a:prstGeom prst="rect">
+            <a:avLst/>
+          </a:prstGeom>
+        </p:spPr>
+        <p:txBody>
+          <a:bodyPr wrap="square">
+            <a:spAutoFit/>
+          </a:bodyPr>
+          <a:lstStyle/>
+          <a:p>
+            <a:pPr rtl="0"/>
+            <a:r>
+              <a:rPr lang="en-US" sz="800" dirty="0" smtClean="0">
+                <a:solidFill>
+                  <a:srgbClr val="C00000"/>
+                </a:solidFill>
+                <a:latin typeface="Century Gothic" panose="020B0502020202020204" pitchFamily="34" charset="0"/>
+              </a:rPr>
+              <a:t>2 comments</a:t>
+            </a:r>
+            <a:endParaRPr lang="he-IL" sz="800" dirty="0">
+              <a:solidFill>
+                <a:srgbClr val="C00000"/>
+              </a:solidFill>
+            </a:endParaRPr>
+          </a:p>
+        </p:txBody>
+      </p:sp>
+      <p:sp>
+        <p:nvSpPr>
+          <p:cNvPr id="58" name="Rectangle 57"/>
+          <p:cNvSpPr/>
+          <p:nvPr/>
+        </p:nvSpPr>
+        <p:spPr>
+          <a:xfrm>
+            <a:off x="5003734" y="4744759"/>
+            <a:ext cx="2493616" cy="215444"/>
+          </a:xfrm>
+          <a:prstGeom prst="rect">
+            <a:avLst/>
+          </a:prstGeom>
+        </p:spPr>
+        <p:txBody>
+          <a:bodyPr wrap="square">
+            <a:spAutoFit/>
+          </a:bodyPr>
+          <a:lstStyle/>
+          <a:p>
+            <a:pPr rtl="0"/>
+            <a:r>
+              <a:rPr lang="en-US" sz="800" dirty="0" smtClean="0">
+                <a:solidFill>
+                  <a:srgbClr val="C00000"/>
+                </a:solidFill>
+                <a:latin typeface="Century Gothic" panose="020B0502020202020204" pitchFamily="34" charset="0"/>
+              </a:rPr>
+              <a:t>4 comments</a:t>
+            </a:r>
+            <a:endParaRPr lang="he-IL" sz="800" dirty="0">
+              <a:solidFill>
+                <a:srgbClr val="C00000"/>
+              </a:solidFill>
+            </a:endParaRPr>
+          </a:p>
+        </p:txBody>
+      </p:sp>
+      <p:sp>
+        <p:nvSpPr>
+          <p:cNvPr id="59" name="Rectangle 58"/>
+          <p:cNvSpPr/>
+          <p:nvPr/>
+        </p:nvSpPr>
+        <p:spPr>
+          <a:xfrm>
+            <a:off x="5028044" y="5573327"/>
+            <a:ext cx="2493616" cy="215444"/>
+          </a:xfrm>
+          <a:prstGeom prst="rect">
+            <a:avLst/>
+          </a:prstGeom>
+        </p:spPr>
+        <p:txBody>
+          <a:bodyPr wrap="square">
+            <a:spAutoFit/>
+          </a:bodyPr>
+          <a:lstStyle/>
+          <a:p>
+            <a:pPr rtl="0"/>
+            <a:r>
+              <a:rPr lang="en-US" sz="800" dirty="0" smtClean="0">
+                <a:solidFill>
+                  <a:srgbClr val="C00000"/>
+                </a:solidFill>
+                <a:latin typeface="Century Gothic" panose="020B0502020202020204" pitchFamily="34" charset="0"/>
+              </a:rPr>
+              <a:t>1 comments</a:t>
+            </a:r>
+            <a:endParaRPr lang="he-IL" sz="800" dirty="0">
+              <a:solidFill>
+                <a:srgbClr val="C00000"/>
+              </a:solidFill>
+            </a:endParaRPr>
+          </a:p>
+        </p:txBody>
+      </p:sp>
+      <p:grpSp>
+        <p:nvGrpSpPr>
+          <p:cNvPr id="8" name="Group 7"/>
+          <p:cNvGrpSpPr/>
+          <p:nvPr/>
+        </p:nvGrpSpPr>
+        <p:grpSpPr>
+          <a:xfrm>
+            <a:off x="6423133" y="5112620"/>
+            <a:ext cx="972031" cy="550244"/>
+            <a:chOff x="6423133" y="5112620"/>
+            <a:chExt cx="972031" cy="550244"/>
+          </a:xfrm>
+        </p:grpSpPr>
+        <p:pic>
+          <p:nvPicPr>
+            <p:cNvPr id="47" name="Picture 46"/>
+            <p:cNvPicPr>
+              <a:picLocks noChangeAspect="1"/>
+            </p:cNvPicPr>
+            <p:nvPr/>
+          </p:nvPicPr>
+          <p:blipFill>
+            <a:blip r:embed="rId13">
+              <a:extLst>
+                <a:ext uri="{BEBA8EAE-BF5A-486C-A8C5-ECC9F3942E4B}">
+                  <a14:imgProps xmlns:a14="http://schemas.microsoft.com/office/drawing/2010/main">
+                    <a14:imgLayer r:embed="rId14">
+                      <a14:imgEffect>
+                        <a14:backgroundRemoval t="586" b="98438" l="0" r="100000">
+                          <a14:foregroundMark x1="49219" y1="40820" x2="49609" y2="46289"/>
+                        </a14:backgroundRemoval>
+                      </a14:imgEffect>
+                    </a14:imgLayer>
+                  </a14:imgProps>
+                </a:ext>
+              </a:extLst>
+            </a:blip>
+            <a:stretch>
+              <a:fillRect/>
+            </a:stretch>
+          </p:blipFill>
+          <p:spPr>
+            <a:xfrm>
+              <a:off x="6423133" y="5130853"/>
+              <a:ext cx="134342" cy="134342"/>
+            </a:xfrm>
+            <a:prstGeom prst="rect">
+              <a:avLst/>
+            </a:prstGeom>
+          </p:spPr>
+        </p:pic>
+        <p:sp>
+          <p:nvSpPr>
+            <p:cNvPr id="61" name="Oval 60"/>
+            <p:cNvSpPr/>
+            <p:nvPr/>
+          </p:nvSpPr>
+          <p:spPr>
+            <a:xfrm>
+              <a:off x="6869708" y="5137196"/>
+              <a:ext cx="500668" cy="500668"/>
+            </a:xfrm>
+            <a:prstGeom prst="ellipse">
+              <a:avLst/>
+            </a:prstGeom>
+            <a:solidFill>
+              <a:schemeClr val="bg1"/>
+            </a:solidFill>
+            <a:ln>
+              <a:noFill/>
+            </a:ln>
+          </p:spPr>
+          <p:style>
+            <a:lnRef idx="2">
+              <a:schemeClr val="accent1">
+                <a:shade val="50000"/>
+              </a:schemeClr>
+            </a:lnRef>
+            <a:fillRef idx="1">
+              <a:schemeClr val="accent1"/>
+            </a:fillRef>
+            <a:effectRef idx="0">
+              <a:schemeClr val="accent1"/>
+            </a:effectRef>
+            <a:fontRef idx="minor">
+              <a:schemeClr val="lt1"/>
+            </a:fontRef>
+          </p:style>
+          <p:txBody>
+            <a:bodyPr rtlCol="1" anchor="ctr"/>
+            <a:lstStyle/>
+            <a:p>
+              <a:pPr algn="ctr"/>
+              <a:endParaRPr lang="he-IL"/>
+            </a:p>
+          </p:txBody>
+        </p:sp>
+        <p:pic>
+          <p:nvPicPr>
+            <p:cNvPr id="63" name="Picture 62"/>
+            <p:cNvPicPr>
+              <a:picLocks noChangeAspect="1"/>
+            </p:cNvPicPr>
+            <p:nvPr/>
+          </p:nvPicPr>
+          <p:blipFill>
+            <a:blip r:embed="rId19"/>
+            <a:stretch>
+              <a:fillRect/>
+            </a:stretch>
+          </p:blipFill>
+          <p:spPr>
+            <a:xfrm flipH="1" flipV="1">
+              <a:off x="6844920" y="5112620"/>
+              <a:ext cx="550244" cy="550244"/>
+            </a:xfrm>
+            <a:prstGeom prst="rect">
+              <a:avLst/>
+            </a:prstGeom>
+          </p:spPr>
+        </p:pic>
+      </p:grpSp>
+      <p:sp>
+        <p:nvSpPr>
+          <p:cNvPr id="65" name="Rectangle 64"/>
+          <p:cNvSpPr/>
+          <p:nvPr/>
+        </p:nvSpPr>
+        <p:spPr>
+          <a:xfrm>
+            <a:off x="4682609" y="3129253"/>
+            <a:ext cx="1036401" cy="170695"/>
+          </a:xfrm>
+          <a:prstGeom prst="rect">
+            <a:avLst/>
+          </a:prstGeom>
+          <a:solidFill>
+            <a:srgbClr val="C00000">
+              <a:alpha val="97000"/>
+            </a:srgbClr>
+          </a:solidFill>
+          <a:ln>
+            <a:noFill/>
+          </a:ln>
+        </p:spPr>
+        <p:style>
+          <a:lnRef idx="2">
+            <a:schemeClr val="accent1">
+              <a:shade val="50000"/>
+            </a:schemeClr>
+          </a:lnRef>
+          <a:fillRef idx="1">
+            <a:schemeClr val="accent1"/>
+          </a:fillRef>
+          <a:effectRef idx="0">
+            <a:schemeClr val="accent1"/>
+          </a:effectRef>
+          <a:fontRef idx="minor">
+            <a:schemeClr val="lt1"/>
+          </a:fontRef>
+        </p:style>
+        <p:txBody>
+          <a:bodyPr rtlCol="1" anchor="ctr"/>
+          <a:lstStyle/>
+          <a:p>
+            <a:pPr algn="l"/>
+            <a:r>
+              <a:rPr lang="en-US" sz="900" dirty="0" smtClean="0"/>
+              <a:t>You should meet!</a:t>
+            </a:r>
+            <a:endParaRPr lang="he-IL" sz="700" dirty="0"/>
+          </a:p>
+        </p:txBody>
+      </p:sp>
+      <p:sp>
+        <p:nvSpPr>
+          <p:cNvPr id="73" name="Rectangle 72"/>
+          <p:cNvSpPr/>
+          <p:nvPr/>
+        </p:nvSpPr>
+        <p:spPr>
+          <a:xfrm>
+            <a:off x="4682610" y="4797257"/>
+            <a:ext cx="954686" cy="170695"/>
+          </a:xfrm>
+          <a:prstGeom prst="rect">
+            <a:avLst/>
+          </a:prstGeom>
+          <a:solidFill>
+            <a:srgbClr val="C00000">
+              <a:alpha val="97000"/>
+            </a:srgbClr>
+          </a:solidFill>
+          <a:ln>
+            <a:noFill/>
+          </a:ln>
+        </p:spPr>
+        <p:style>
+          <a:lnRef idx="2">
+            <a:schemeClr val="accent1">
+              <a:shade val="50000"/>
+            </a:schemeClr>
+          </a:lnRef>
+          <a:fillRef idx="1">
+            <a:schemeClr val="accent1"/>
+          </a:fillRef>
+          <a:effectRef idx="0">
+            <a:schemeClr val="accent1"/>
+          </a:effectRef>
+          <a:fontRef idx="minor">
+            <a:schemeClr val="lt1"/>
+          </a:fontRef>
+        </p:style>
+        <p:txBody>
+          <a:bodyPr rtlCol="1" anchor="ctr"/>
+          <a:lstStyle/>
+          <a:p>
+            <a:pPr algn="l"/>
+            <a:r>
+              <a:rPr lang="en-US" sz="900" dirty="0" smtClean="0"/>
+              <a:t>This sounds fun!</a:t>
+            </a:r>
+            <a:endParaRPr lang="he-IL" sz="700" dirty="0"/>
+          </a:p>
+        </p:txBody>
+      </p:sp>
+      <p:sp>
+        <p:nvSpPr>
+          <p:cNvPr id="50" name="Rectangle 49"/>
+          <p:cNvSpPr/>
+          <p:nvPr/>
+        </p:nvSpPr>
+        <p:spPr>
+          <a:xfrm>
+            <a:off x="4674770" y="3352800"/>
+            <a:ext cx="1346564" cy="788629"/>
+          </a:xfrm>
+          <a:prstGeom prst="rect">
+            <a:avLst/>
+          </a:prstGeom>
+          <a:solidFill>
+            <a:srgbClr val="C00000">
+              <a:alpha val="97000"/>
+            </a:srgbClr>
+          </a:solidFill>
+          <a:ln>
+            <a:noFill/>
+          </a:ln>
+        </p:spPr>
+        <p:style>
+          <a:lnRef idx="2">
+            <a:schemeClr val="accent1">
+              <a:shade val="50000"/>
+            </a:schemeClr>
+          </a:lnRef>
+          <a:fillRef idx="1">
+            <a:schemeClr val="accent1"/>
+          </a:fillRef>
+          <a:effectRef idx="0">
+            <a:schemeClr val="accent1"/>
+          </a:effectRef>
+          <a:fontRef idx="minor">
+            <a:schemeClr val="lt1"/>
+          </a:fontRef>
+        </p:style>
+        <p:txBody>
+          <a:bodyPr rtlCol="1" anchor="ctr"/>
+          <a:lstStyle/>
+          <a:p>
+            <a:pPr algn="ctr"/>
+            <a:endParaRPr lang="he-IL" dirty="0"/>
+          </a:p>
+        </p:txBody>
+      </p:sp>
       <p:pic>
         <p:nvPicPr>
-          <p:cNvPr id="1032" name="Picture 1031"/>
+          <p:cNvPr id="51" name="Picture 50"/>
           <p:cNvPicPr>
             <a:picLocks noChangeAspect="1"/>
           </p:cNvPicPr>
           <p:nvPr/>
         </p:nvPicPr>
         <p:blipFill>
-          <a:blip r:embed="rId22">
+          <a:blip r:embed="rId20">
             <a:extLst>
               <a:ext uri="{BEBA8EAE-BF5A-486C-A8C5-ECC9F3942E4B}">
                 <a14:imgProps xmlns:a14="http://schemas.microsoft.com/office/drawing/2010/main">
-                  <a14:imgLayer r:embed="rId23">
+                  <a14:imgLayer r:embed="rId21">
                     <a14:imgEffect>
-                      <a14:backgroundRemoval t="9961" b="89844" l="0" r="100000">
-                        <a14:foregroundMark x1="27148" y1="73242" x2="27148" y2="73242"/>
-                        <a14:foregroundMark x1="78320" y1="26563" x2="78320" y2="26563"/>
-                      </a14:backgroundRemoval>
+                      <a14:backgroundRemoval t="0" b="100000" l="0" r="100000"/>
                     </a14:imgEffect>
                   </a14:imgLayer>
                 </a14:imgProps>
@@ -17672,387 +20638,30 @@
         </p:blipFill>
         <p:spPr>
           <a:xfrm>
-            <a:off x="5515309" y="5349815"/>
-            <a:ext cx="125290" cy="125290"/>
+            <a:off x="4788526" y="3630810"/>
+            <a:ext cx="242885" cy="242885"/>
           </a:xfrm>
           <a:prstGeom prst="rect">
             <a:avLst/>
           </a:prstGeom>
         </p:spPr>
       </p:pic>
-      <p:sp>
-        <p:nvSpPr>
-          <p:cNvPr id="89" name="Rectangle 88"/>
-          <p:cNvSpPr/>
-          <p:nvPr/>
-        </p:nvSpPr>
-        <p:spPr>
-          <a:xfrm>
-            <a:off x="5589904" y="5575462"/>
-            <a:ext cx="1862622" cy="246221"/>
-          </a:xfrm>
-          <a:prstGeom prst="rect">
-            <a:avLst/>
-          </a:prstGeom>
-        </p:spPr>
-        <p:txBody>
-          <a:bodyPr wrap="square">
-            <a:spAutoFit/>
-          </a:bodyPr>
-          <a:lstStyle/>
-          <a:p>
-            <a:pPr algn="l"/>
-            <a:r>
-              <a:rPr lang="en-US" sz="1000" dirty="0" smtClean="0">
-                <a:solidFill>
-                  <a:srgbClr val="FFC000"/>
-                </a:solidFill>
-                <a:latin typeface="Century Gothic" panose="020B0502020202020204" pitchFamily="34" charset="0"/>
-              </a:rPr>
-              <a:t>Visited Israel once.</a:t>
-            </a:r>
-            <a:endParaRPr lang="he-IL" sz="1000" dirty="0">
-              <a:solidFill>
-                <a:srgbClr val="FFC000"/>
-              </a:solidFill>
-            </a:endParaRPr>
-          </a:p>
-        </p:txBody>
-      </p:sp>
       <p:pic>
         <p:nvPicPr>
-          <p:cNvPr id="90" name="Picture 89"/>
+          <p:cNvPr id="52" name="Picture 51"/>
           <p:cNvPicPr>
             <a:picLocks noChangeAspect="1"/>
           </p:cNvPicPr>
           <p:nvPr/>
         </p:nvPicPr>
         <p:blipFill>
-          <a:blip r:embed="rId15"/>
+          <a:blip r:embed="rId22"/>
           <a:stretch>
             <a:fillRect/>
           </a:stretch>
         </p:blipFill>
         <p:spPr>
           <a:xfrm>
-            <a:off x="5501139" y="5634830"/>
-            <a:ext cx="128260" cy="128258"/>
-          </a:xfrm>
-          <a:prstGeom prst="rect">
-            <a:avLst/>
-          </a:prstGeom>
-        </p:spPr>
-      </p:pic>
-      <p:pic>
-        <p:nvPicPr>
-          <p:cNvPr id="1033" name="Picture 1032"/>
-          <p:cNvPicPr>
-            <a:picLocks noChangeAspect="1"/>
-          </p:cNvPicPr>
-          <p:nvPr/>
-        </p:nvPicPr>
-        <p:blipFill>
-          <a:blip r:embed="rId24">
-            <a:extLst>
-              <a:ext uri="{BEBA8EAE-BF5A-486C-A8C5-ECC9F3942E4B}">
-                <a14:imgProps xmlns:a14="http://schemas.microsoft.com/office/drawing/2010/main">
-                  <a14:imgLayer r:embed="rId25">
-                    <a14:imgEffect>
-                      <a14:backgroundRemoval t="1172" b="100000" l="0" r="100000"/>
-                    </a14:imgEffect>
-                  </a14:imgLayer>
-                </a14:imgProps>
-              </a:ext>
-            </a:extLst>
-          </a:blip>
-          <a:stretch>
-            <a:fillRect/>
-          </a:stretch>
-        </p:blipFill>
-        <p:spPr>
-          <a:xfrm>
-            <a:off x="5514379" y="5502878"/>
-            <a:ext cx="101780" cy="101780"/>
-          </a:xfrm>
-          <a:prstGeom prst="rect">
-            <a:avLst/>
-          </a:prstGeom>
-        </p:spPr>
-      </p:pic>
-      <p:sp>
-        <p:nvSpPr>
-          <p:cNvPr id="92" name="Rectangle 91"/>
-          <p:cNvSpPr/>
-          <p:nvPr/>
-        </p:nvSpPr>
-        <p:spPr>
-          <a:xfrm>
-            <a:off x="5050356" y="1688678"/>
-            <a:ext cx="2493616" cy="215444"/>
-          </a:xfrm>
-          <a:prstGeom prst="rect">
-            <a:avLst/>
-          </a:prstGeom>
-        </p:spPr>
-        <p:txBody>
-          <a:bodyPr wrap="square">
-            <a:spAutoFit/>
-          </a:bodyPr>
-          <a:lstStyle/>
-          <a:p>
-            <a:pPr rtl="0"/>
-            <a:r>
-              <a:rPr lang="en-US" sz="800" dirty="0" smtClean="0">
-                <a:solidFill>
-                  <a:srgbClr val="C00000"/>
-                </a:solidFill>
-                <a:latin typeface="Century Gothic" panose="020B0502020202020204" pitchFamily="34" charset="0"/>
-              </a:rPr>
-              <a:t>8 hours wait!</a:t>
-            </a:r>
-            <a:endParaRPr lang="he-IL" sz="800" dirty="0">
-              <a:solidFill>
-                <a:srgbClr val="C00000"/>
-              </a:solidFill>
-            </a:endParaRPr>
-          </a:p>
-        </p:txBody>
-      </p:sp>
-      <p:sp>
-        <p:nvSpPr>
-          <p:cNvPr id="93" name="Rectangle 92"/>
-          <p:cNvSpPr/>
-          <p:nvPr/>
-        </p:nvSpPr>
-        <p:spPr>
-          <a:xfrm>
-            <a:off x="5068718" y="2522982"/>
-            <a:ext cx="2493616" cy="215444"/>
-          </a:xfrm>
-          <a:prstGeom prst="rect">
-            <a:avLst/>
-          </a:prstGeom>
-        </p:spPr>
-        <p:txBody>
-          <a:bodyPr wrap="square">
-            <a:spAutoFit/>
-          </a:bodyPr>
-          <a:lstStyle/>
-          <a:p>
-            <a:pPr rtl="0"/>
-            <a:r>
-              <a:rPr lang="en-US" sz="800" dirty="0" smtClean="0">
-                <a:solidFill>
-                  <a:srgbClr val="C00000"/>
-                </a:solidFill>
-                <a:latin typeface="Century Gothic" panose="020B0502020202020204" pitchFamily="34" charset="0"/>
-              </a:rPr>
-              <a:t>6 </a:t>
-            </a:r>
-            <a:r>
-              <a:rPr lang="en-US" sz="800" dirty="0">
-                <a:solidFill>
-                  <a:srgbClr val="C00000"/>
-                </a:solidFill>
-                <a:latin typeface="Century Gothic" panose="020B0502020202020204" pitchFamily="34" charset="0"/>
-              </a:rPr>
-              <a:t>hours wait</a:t>
-            </a:r>
-            <a:r>
-              <a:rPr lang="en-US" sz="800" dirty="0" smtClean="0">
-                <a:solidFill>
-                  <a:srgbClr val="C00000"/>
-                </a:solidFill>
-                <a:latin typeface="Century Gothic" panose="020B0502020202020204" pitchFamily="34" charset="0"/>
-              </a:rPr>
-              <a:t>!</a:t>
-            </a:r>
-            <a:endParaRPr lang="he-IL" sz="800" dirty="0">
-              <a:solidFill>
-                <a:srgbClr val="C00000"/>
-              </a:solidFill>
-            </a:endParaRPr>
-          </a:p>
-        </p:txBody>
-      </p:sp>
-      <p:sp>
-        <p:nvSpPr>
-          <p:cNvPr id="95" name="Rectangle 94"/>
-          <p:cNvSpPr/>
-          <p:nvPr/>
-        </p:nvSpPr>
-        <p:spPr>
-          <a:xfrm>
-            <a:off x="5050845" y="3348812"/>
-            <a:ext cx="2493616" cy="215444"/>
-          </a:xfrm>
-          <a:prstGeom prst="rect">
-            <a:avLst/>
-          </a:prstGeom>
-        </p:spPr>
-        <p:txBody>
-          <a:bodyPr wrap="square">
-            <a:spAutoFit/>
-          </a:bodyPr>
-          <a:lstStyle/>
-          <a:p>
-            <a:pPr rtl="0"/>
-            <a:r>
-              <a:rPr lang="en-US" sz="800" dirty="0" smtClean="0">
-                <a:solidFill>
-                  <a:srgbClr val="C00000"/>
-                </a:solidFill>
-                <a:latin typeface="Century Gothic" panose="020B0502020202020204" pitchFamily="34" charset="0"/>
-              </a:rPr>
-              <a:t>5 </a:t>
-            </a:r>
-            <a:r>
-              <a:rPr lang="en-US" sz="800" dirty="0">
-                <a:solidFill>
-                  <a:srgbClr val="C00000"/>
-                </a:solidFill>
-                <a:latin typeface="Century Gothic" panose="020B0502020202020204" pitchFamily="34" charset="0"/>
-              </a:rPr>
-              <a:t>hours wait</a:t>
-            </a:r>
-            <a:r>
-              <a:rPr lang="en-US" sz="800" dirty="0" smtClean="0">
-                <a:solidFill>
-                  <a:srgbClr val="C00000"/>
-                </a:solidFill>
-                <a:latin typeface="Century Gothic" panose="020B0502020202020204" pitchFamily="34" charset="0"/>
-              </a:rPr>
-              <a:t>!</a:t>
-            </a:r>
-            <a:endParaRPr lang="he-IL" sz="800" dirty="0">
-              <a:solidFill>
-                <a:srgbClr val="C00000"/>
-              </a:solidFill>
-            </a:endParaRPr>
-          </a:p>
-        </p:txBody>
-      </p:sp>
-      <p:sp>
-        <p:nvSpPr>
-          <p:cNvPr id="96" name="Rectangle 95"/>
-          <p:cNvSpPr/>
-          <p:nvPr/>
-        </p:nvSpPr>
-        <p:spPr>
-          <a:xfrm>
-            <a:off x="5029548" y="4197434"/>
-            <a:ext cx="2493616" cy="215444"/>
-          </a:xfrm>
-          <a:prstGeom prst="rect">
-            <a:avLst/>
-          </a:prstGeom>
-        </p:spPr>
-        <p:txBody>
-          <a:bodyPr wrap="square">
-            <a:spAutoFit/>
-          </a:bodyPr>
-          <a:lstStyle/>
-          <a:p>
-            <a:pPr rtl="0"/>
-            <a:r>
-              <a:rPr lang="en-US" sz="800" dirty="0" smtClean="0">
-                <a:solidFill>
-                  <a:srgbClr val="C00000"/>
-                </a:solidFill>
-                <a:latin typeface="Century Gothic" panose="020B0502020202020204" pitchFamily="34" charset="0"/>
-              </a:rPr>
-              <a:t>3 </a:t>
-            </a:r>
-            <a:r>
-              <a:rPr lang="en-US" sz="800" dirty="0">
-                <a:solidFill>
-                  <a:srgbClr val="C00000"/>
-                </a:solidFill>
-                <a:latin typeface="Century Gothic" panose="020B0502020202020204" pitchFamily="34" charset="0"/>
-              </a:rPr>
-              <a:t>hours wait</a:t>
-            </a:r>
-            <a:r>
-              <a:rPr lang="en-US" sz="800" dirty="0" smtClean="0">
-                <a:solidFill>
-                  <a:srgbClr val="C00000"/>
-                </a:solidFill>
-                <a:latin typeface="Century Gothic" panose="020B0502020202020204" pitchFamily="34" charset="0"/>
-              </a:rPr>
-              <a:t>!</a:t>
-            </a:r>
-            <a:endParaRPr lang="he-IL" sz="800" dirty="0">
-              <a:solidFill>
-                <a:srgbClr val="C00000"/>
-              </a:solidFill>
-            </a:endParaRPr>
-          </a:p>
-        </p:txBody>
-      </p:sp>
-      <p:sp>
-        <p:nvSpPr>
-          <p:cNvPr id="97" name="Rectangle 96"/>
-          <p:cNvSpPr/>
-          <p:nvPr/>
-        </p:nvSpPr>
-        <p:spPr>
-          <a:xfrm>
-            <a:off x="5029548" y="5033112"/>
-            <a:ext cx="2493616" cy="215444"/>
-          </a:xfrm>
-          <a:prstGeom prst="rect">
-            <a:avLst/>
-          </a:prstGeom>
-        </p:spPr>
-        <p:txBody>
-          <a:bodyPr wrap="square">
-            <a:spAutoFit/>
-          </a:bodyPr>
-          <a:lstStyle/>
-          <a:p>
-            <a:pPr rtl="0"/>
-            <a:r>
-              <a:rPr lang="en-US" sz="800" dirty="0" smtClean="0">
-                <a:solidFill>
-                  <a:srgbClr val="C00000"/>
-                </a:solidFill>
-                <a:latin typeface="Century Gothic" panose="020B0502020202020204" pitchFamily="34" charset="0"/>
-              </a:rPr>
-              <a:t>3 </a:t>
-            </a:r>
-            <a:r>
-              <a:rPr lang="en-US" sz="800" dirty="0">
-                <a:solidFill>
-                  <a:srgbClr val="C00000"/>
-                </a:solidFill>
-                <a:latin typeface="Century Gothic" panose="020B0502020202020204" pitchFamily="34" charset="0"/>
-              </a:rPr>
-              <a:t>hours wait!</a:t>
-            </a:r>
-            <a:endParaRPr lang="he-IL" sz="800" dirty="0">
-              <a:solidFill>
-                <a:srgbClr val="C00000"/>
-              </a:solidFill>
-            </a:endParaRPr>
-          </a:p>
-        </p:txBody>
-      </p:sp>
-      <p:pic>
-        <p:nvPicPr>
-          <p:cNvPr id="62" name="Picture 61"/>
-          <p:cNvPicPr>
-            <a:picLocks noChangeAspect="1"/>
-          </p:cNvPicPr>
-          <p:nvPr/>
-        </p:nvPicPr>
-        <p:blipFill>
-          <a:blip r:embed="rId26"/>
-          <a:stretch>
-            <a:fillRect/>
-          </a:stretch>
-        </p:blipFill>
-        <p:spPr>
-          <a:xfrm>
             <a:off x="6662105" y="965126"/>
             <a:ext cx="249413" cy="249413"/>
           </a:xfrm>
@@ -18064,7 +20673,7 @@
     </p:spTree>
     <p:extLst>
       <p:ext uri="{BB962C8B-B14F-4D97-AF65-F5344CB8AC3E}">
-        <p14:creationId xmlns:p14="http://schemas.microsoft.com/office/powerpoint/2010/main" val="3431188606"/>
+        <p14:creationId xmlns:p14="http://schemas.microsoft.com/office/powerpoint/2010/main" val="2286584407"/>
       </p:ext>
     </p:extLst>
   </p:cSld>
@@ -20514,16 +23123,7 @@
                 </a:solidFill>
                 <a:latin typeface="Century Gothic" panose="020B0502020202020204" pitchFamily="34" charset="0"/>
               </a:rPr>
-              <a:t>8 hours </a:t>
-            </a:r>
-            <a:r>
-              <a:rPr lang="en-US" sz="800" dirty="0">
-                <a:solidFill>
-                  <a:srgbClr val="C00000"/>
-                </a:solidFill>
-                <a:latin typeface="Century Gothic" panose="020B0502020202020204" pitchFamily="34" charset="0"/>
-              </a:rPr>
-              <a:t>wait!</a:t>
+              <a:t>8 hours wait!</a:t>
             </a:r>
             <a:endParaRPr lang="he-IL" sz="800" dirty="0">
               <a:solidFill>
@@ -20571,7 +23171,16 @@
                 </a:solidFill>
                 <a:latin typeface="Century Gothic" panose="020B0502020202020204" pitchFamily="34" charset="0"/>
               </a:rPr>
-              <a:t>hours until flight!</a:t>
+              <a:t>hours wait</a:t>
+            </a:r>
+            <a:r>
+              <a:rPr lang="en-US" sz="800" dirty="0" smtClean="0">
+                <a:solidFill>
+                  <a:srgbClr val="C00000"/>
+                </a:solidFill>
+                <a:latin typeface="Century Gothic" panose="020B0502020202020204" pitchFamily="34" charset="0"/>
+              </a:rPr>
+              <a:t>!</a:t>
             </a:r>
             <a:endParaRPr lang="he-IL" sz="800" dirty="0">
               <a:solidFill>
@@ -20619,7 +23228,16 @@
                 </a:solidFill>
                 <a:latin typeface="Century Gothic" panose="020B0502020202020204" pitchFamily="34" charset="0"/>
               </a:rPr>
-              <a:t>hours wait!</a:t>
+              <a:t>hours wait</a:t>
+            </a:r>
+            <a:r>
+              <a:rPr lang="en-US" sz="800" dirty="0" smtClean="0">
+                <a:solidFill>
+                  <a:srgbClr val="C00000"/>
+                </a:solidFill>
+                <a:latin typeface="Century Gothic" panose="020B0502020202020204" pitchFamily="34" charset="0"/>
+              </a:rPr>
+              <a:t>!</a:t>
             </a:r>
             <a:endParaRPr lang="he-IL" sz="800" dirty="0">
               <a:solidFill>
@@ -20667,7 +23285,16 @@
                 </a:solidFill>
                 <a:latin typeface="Century Gothic" panose="020B0502020202020204" pitchFamily="34" charset="0"/>
               </a:rPr>
-              <a:t>hours wait!</a:t>
+              <a:t>hours wait</a:t>
+            </a:r>
+            <a:r>
+              <a:rPr lang="en-US" sz="800" dirty="0" smtClean="0">
+                <a:solidFill>
+                  <a:srgbClr val="C00000"/>
+                </a:solidFill>
+                <a:latin typeface="Century Gothic" panose="020B0502020202020204" pitchFamily="34" charset="0"/>
+              </a:rPr>
+              <a:t>!</a:t>
             </a:r>
             <a:endParaRPr lang="he-IL" sz="800" dirty="0">
               <a:solidFill>
@@ -20725,90 +23352,6 @@
           </a:p>
         </p:txBody>
       </p:sp>
-      <p:sp>
-        <p:nvSpPr>
-          <p:cNvPr id="64" name="Rectangle 63"/>
-          <p:cNvSpPr/>
-          <p:nvPr/>
-        </p:nvSpPr>
-        <p:spPr>
-          <a:xfrm>
-            <a:off x="6182931" y="2521810"/>
-            <a:ext cx="1346564" cy="784597"/>
-          </a:xfrm>
-          <a:prstGeom prst="rect">
-            <a:avLst/>
-          </a:prstGeom>
-          <a:solidFill>
-            <a:srgbClr val="C00000">
-              <a:alpha val="97000"/>
-            </a:srgbClr>
-          </a:solidFill>
-          <a:ln>
-            <a:noFill/>
-          </a:ln>
-        </p:spPr>
-        <p:style>
-          <a:lnRef idx="2">
-            <a:schemeClr val="accent1">
-              <a:shade val="50000"/>
-            </a:schemeClr>
-          </a:lnRef>
-          <a:fillRef idx="1">
-            <a:schemeClr val="accent1"/>
-          </a:fillRef>
-          <a:effectRef idx="0">
-            <a:schemeClr val="accent1"/>
-          </a:effectRef>
-          <a:fontRef idx="minor">
-            <a:schemeClr val="lt1"/>
-          </a:fontRef>
-        </p:style>
-        <p:txBody>
-          <a:bodyPr rtlCol="1" anchor="ctr"/>
-          <a:lstStyle/>
-          <a:p>
-            <a:pPr algn="ctr"/>
-            <a:endParaRPr lang="he-IL" dirty="0"/>
-          </a:p>
-        </p:txBody>
-      </p:sp>
-      <p:pic>
-        <p:nvPicPr>
-          <p:cNvPr id="65" name="Picture 64"/>
-          <p:cNvPicPr>
-            <a:picLocks noChangeAspect="1"/>
-          </p:cNvPicPr>
-          <p:nvPr/>
-        </p:nvPicPr>
-        <p:blipFill>
-          <a:blip r:embed="rId26">
-            <a:extLst>
-              <a:ext uri="{BEBA8EAE-BF5A-486C-A8C5-ECC9F3942E4B}">
-                <a14:imgProps xmlns:a14="http://schemas.microsoft.com/office/drawing/2010/main">
-                  <a14:imgLayer r:embed="rId27">
-                    <a14:imgEffect>
-                      <a14:backgroundRemoval t="0" b="100000" l="0" r="98828"/>
-                    </a14:imgEffect>
-                  </a14:imgLayer>
-                </a14:imgProps>
-              </a:ext>
-            </a:extLst>
-          </a:blip>
-          <a:stretch>
-            <a:fillRect/>
-          </a:stretch>
-        </p:blipFill>
-        <p:spPr>
-          <a:xfrm>
-            <a:off x="7180060" y="2767971"/>
-            <a:ext cx="249642" cy="249642"/>
-          </a:xfrm>
-          <a:prstGeom prst="rect">
-            <a:avLst/>
-          </a:prstGeom>
-        </p:spPr>
-      </p:pic>
       <p:pic>
         <p:nvPicPr>
           <p:cNvPr id="62" name="Picture 61"/>
@@ -20818,7 +23361,7 @@
           <p:nvPr/>
         </p:nvPicPr>
         <p:blipFill>
-          <a:blip r:embed="rId28"/>
+          <a:blip r:embed="rId26"/>
           <a:stretch>
             <a:fillRect/>
           </a:stretch>
@@ -20836,7 +23379,7 @@
     </p:spTree>
     <p:extLst>
       <p:ext uri="{BB962C8B-B14F-4D97-AF65-F5344CB8AC3E}">
-        <p14:creationId xmlns:p14="http://schemas.microsoft.com/office/powerpoint/2010/main" val="3279893750"/>
+        <p14:creationId xmlns:p14="http://schemas.microsoft.com/office/powerpoint/2010/main" val="3431188606"/>
       </p:ext>
     </p:extLst>
   </p:cSld>
@@ -23343,7 +25886,7 @@
                 </a:solidFill>
                 <a:latin typeface="Century Gothic" panose="020B0502020202020204" pitchFamily="34" charset="0"/>
               </a:rPr>
-              <a:t>hours wait!</a:t>
+              <a:t>hours until flight!</a:t>
             </a:r>
             <a:endParaRPr lang="he-IL" sz="800" dirty="0">
               <a:solidFill>
@@ -23499,14 +26042,14 @@
       </p:sp>
       <p:sp>
         <p:nvSpPr>
-          <p:cNvPr id="62" name="Rectangle 61"/>
+          <p:cNvPr id="64" name="Rectangle 63"/>
           <p:cNvSpPr/>
           <p:nvPr/>
         </p:nvSpPr>
         <p:spPr>
           <a:xfrm>
-            <a:off x="4680617" y="1684915"/>
-            <a:ext cx="1346564" cy="788629"/>
+            <a:off x="6182931" y="2521810"/>
+            <a:ext cx="1346564" cy="784597"/>
           </a:xfrm>
           <a:prstGeom prst="rect">
             <a:avLst/>
@@ -23547,7 +26090,7 @@
       </p:sp>
       <p:pic>
         <p:nvPicPr>
-          <p:cNvPr id="63" name="Picture 62"/>
+          <p:cNvPr id="65" name="Picture 64"/>
           <p:cNvPicPr>
             <a:picLocks noChangeAspect="1"/>
           </p:cNvPicPr>
@@ -23560,7 +26103,7 @@
                 <a14:imgProps xmlns:a14="http://schemas.microsoft.com/office/drawing/2010/main">
                   <a14:imgLayer r:embed="rId27">
                     <a14:imgEffect>
-                      <a14:backgroundRemoval t="0" b="100000" l="0" r="100000"/>
+                      <a14:backgroundRemoval t="0" b="100000" l="0" r="98828"/>
                     </a14:imgEffect>
                   </a14:imgLayer>
                 </a14:imgProps>
@@ -23573,8 +26116,8 @@
         </p:blipFill>
         <p:spPr>
           <a:xfrm>
-            <a:off x="4794373" y="1970946"/>
-            <a:ext cx="242885" cy="242885"/>
+            <a:off x="7180060" y="2767971"/>
+            <a:ext cx="249642" cy="249642"/>
           </a:xfrm>
           <a:prstGeom prst="rect">
             <a:avLst/>
@@ -23583,7 +26126,7 @@
       </p:pic>
       <p:pic>
         <p:nvPicPr>
-          <p:cNvPr id="64" name="Picture 63"/>
+          <p:cNvPr id="62" name="Picture 61"/>
           <p:cNvPicPr>
             <a:picLocks noChangeAspect="1"/>
           </p:cNvPicPr>
@@ -23608,7 +26151,7 @@
     </p:spTree>
     <p:extLst>
       <p:ext uri="{BB962C8B-B14F-4D97-AF65-F5344CB8AC3E}">
-        <p14:creationId xmlns:p14="http://schemas.microsoft.com/office/powerpoint/2010/main" val="666095404"/>
+        <p14:creationId xmlns:p14="http://schemas.microsoft.com/office/powerpoint/2010/main" val="3279893750"/>
       </p:ext>
     </p:extLst>
   </p:cSld>

--- a/Design/Design.pptx
+++ b/Design/Design.pptx
@@ -10,7 +10,7 @@
   <p:sldIdLst>
     <p:sldId id="302" r:id="rId2"/>
     <p:sldId id="303" r:id="rId3"/>
-    <p:sldId id="313" r:id="rId4"/>
+    <p:sldId id="317" r:id="rId4"/>
     <p:sldId id="277" r:id="rId5"/>
     <p:sldId id="304" r:id="rId6"/>
     <p:sldId id="315" r:id="rId7"/>
@@ -997,7 +997,7 @@
     </p:spTree>
     <p:extLst>
       <p:ext uri="{BB962C8B-B14F-4D97-AF65-F5344CB8AC3E}">
-        <p14:creationId xmlns:p14="http://schemas.microsoft.com/office/powerpoint/2010/main" val="3170528664"/>
+        <p14:creationId xmlns:p14="http://schemas.microsoft.com/office/powerpoint/2010/main" val="142837646"/>
       </p:ext>
     </p:extLst>
   </p:cSld>
@@ -6070,47 +6070,6 @@
           </a:p>
         </p:txBody>
       </p:sp>
-      <p:pic>
-        <p:nvPicPr>
-          <p:cNvPr id="1026" name="Picture 2" descr="https://fbcdn-sphotos-c-a.akamaihd.net/hphotos-ak-prn2/v/t1.0-9/558617_496479173697011_745885139_n.jpg?oh=05f90387fce5a2ab60ff626da8046fb4&amp;oe=55B810BD&amp;__gda__=1441131251_b641de8fc77e4e86dec2fc55f843cd6a"/>
-          <p:cNvPicPr>
-            <a:picLocks noChangeAspect="1" noChangeArrowheads="1"/>
-          </p:cNvPicPr>
-          <p:nvPr/>
-        </p:nvPicPr>
-        <p:blipFill>
-          <a:blip r:embed="rId9" cstate="print">
-            <a:extLst>
-              <a:ext uri="{28A0092B-C50C-407E-A947-70E740481C1C}">
-                <a14:useLocalDpi xmlns:a14="http://schemas.microsoft.com/office/drawing/2010/main" val="0"/>
-              </a:ext>
-            </a:extLst>
-          </a:blip>
-          <a:srcRect/>
-          <a:stretch>
-            <a:fillRect/>
-          </a:stretch>
-        </p:blipFill>
-        <p:spPr bwMode="auto">
-          <a:xfrm>
-            <a:off x="6976077" y="824512"/>
-            <a:ext cx="537562" cy="537562"/>
-          </a:xfrm>
-          <a:prstGeom prst="rect">
-            <a:avLst/>
-          </a:prstGeom>
-          <a:noFill/>
-          <a:extLst>
-            <a:ext uri="{909E8E84-426E-40DD-AFC4-6F175D3DCCD1}">
-              <a14:hiddenFill xmlns:a14="http://schemas.microsoft.com/office/drawing/2010/main">
-                <a:solidFill>
-                  <a:srgbClr val="FFFFFF"/>
-                </a:solidFill>
-              </a14:hiddenFill>
-            </a:ext>
-          </a:extLst>
-        </p:spPr>
-      </p:pic>
       <p:sp>
         <p:nvSpPr>
           <p:cNvPr id="34" name="Rectangle 33"/>
@@ -6280,7 +6239,7 @@
           <p:nvPr/>
         </p:nvPicPr>
         <p:blipFill>
-          <a:blip r:embed="rId10"/>
+          <a:blip r:embed="rId9"/>
           <a:stretch>
             <a:fillRect/>
           </a:stretch>
@@ -6304,7 +6263,7 @@
           <p:nvPr/>
         </p:nvPicPr>
         <p:blipFill>
-          <a:blip r:embed="rId11" cstate="print">
+          <a:blip r:embed="rId10" cstate="print">
             <a:extLst>
               <a:ext uri="{28A0092B-C50C-407E-A947-70E740481C1C}">
                 <a14:useLocalDpi xmlns:a14="http://schemas.microsoft.com/office/drawing/2010/main" val="0"/>
@@ -6334,7 +6293,7 @@
           <p:nvPr/>
         </p:nvPicPr>
         <p:blipFill>
-          <a:blip r:embed="rId12" cstate="print">
+          <a:blip r:embed="rId11" cstate="print">
             <a:extLst>
               <a:ext uri="{28A0092B-C50C-407E-A947-70E740481C1C}">
                 <a14:useLocalDpi xmlns:a14="http://schemas.microsoft.com/office/drawing/2010/main" val="0"/>
@@ -6486,7 +6445,7 @@
             <p:nvPr/>
           </p:nvPicPr>
           <p:blipFill rotWithShape="1">
-            <a:blip r:embed="rId13" cstate="print">
+            <a:blip r:embed="rId12" cstate="print">
               <a:extLst>
                 <a:ext uri="{28A0092B-C50C-407E-A947-70E740481C1C}">
                   <a14:useLocalDpi xmlns:a14="http://schemas.microsoft.com/office/drawing/2010/main" val="0"/>
@@ -6516,7 +6475,7 @@
           <p:nvPr/>
         </p:nvPicPr>
         <p:blipFill>
-          <a:blip r:embed="rId14"/>
+          <a:blip r:embed="rId13"/>
           <a:stretch>
             <a:fillRect/>
           </a:stretch>
@@ -6583,7 +6542,7 @@
           <p:nvPr/>
         </p:nvPicPr>
         <p:blipFill>
-          <a:blip r:embed="rId10"/>
+          <a:blip r:embed="rId9"/>
           <a:stretch>
             <a:fillRect/>
           </a:stretch>
@@ -6685,7 +6644,7 @@
           <p:nvPr/>
         </p:nvPicPr>
         <p:blipFill>
-          <a:blip r:embed="rId15"/>
+          <a:blip r:embed="rId14"/>
           <a:stretch>
             <a:fillRect/>
           </a:stretch>
@@ -6787,7 +6746,7 @@
           <p:nvPr/>
         </p:nvPicPr>
         <p:blipFill>
-          <a:blip r:embed="rId15"/>
+          <a:blip r:embed="rId14"/>
           <a:stretch>
             <a:fillRect/>
           </a:stretch>
@@ -6911,11 +6870,11 @@
           <p:nvPr/>
         </p:nvPicPr>
         <p:blipFill>
-          <a:blip r:embed="rId16">
+          <a:blip r:embed="rId15">
             <a:extLst>
               <a:ext uri="{BEBA8EAE-BF5A-486C-A8C5-ECC9F3942E4B}">
                 <a14:imgProps xmlns:a14="http://schemas.microsoft.com/office/drawing/2010/main">
-                  <a14:imgLayer r:embed="rId17">
+                  <a14:imgLayer r:embed="rId16">
                     <a14:imgEffect>
                       <a14:backgroundRemoval t="9961" b="89844" l="0" r="100000">
                         <a14:foregroundMark x1="1953" y1="55469" x2="1953" y2="55469"/>
@@ -6950,7 +6909,7 @@
           <p:nvPr/>
         </p:nvPicPr>
         <p:blipFill>
-          <a:blip r:embed="rId15"/>
+          <a:blip r:embed="rId14"/>
           <a:stretch>
             <a:fillRect/>
           </a:stretch>
@@ -6974,7 +6933,7 @@
           <p:nvPr/>
         </p:nvPicPr>
         <p:blipFill>
-          <a:blip r:embed="rId14"/>
+          <a:blip r:embed="rId13"/>
           <a:stretch>
             <a:fillRect/>
           </a:stretch>
@@ -6998,11 +6957,11 @@
           <p:nvPr/>
         </p:nvPicPr>
         <p:blipFill>
-          <a:blip r:embed="rId18">
+          <a:blip r:embed="rId17">
             <a:extLst>
               <a:ext uri="{BEBA8EAE-BF5A-486C-A8C5-ECC9F3942E4B}">
                 <a14:imgProps xmlns:a14="http://schemas.microsoft.com/office/drawing/2010/main">
-                  <a14:imgLayer r:embed="rId19">
+                  <a14:imgLayer r:embed="rId18">
                     <a14:imgEffect>
                       <a14:backgroundRemoval t="1758" b="97852" l="0" r="100000"/>
                     </a14:imgEffect>
@@ -7034,11 +6993,11 @@
           <p:nvPr/>
         </p:nvPicPr>
         <p:blipFill>
-          <a:blip r:embed="rId20">
+          <a:blip r:embed="rId19">
             <a:extLst>
               <a:ext uri="{BEBA8EAE-BF5A-486C-A8C5-ECC9F3942E4B}">
                 <a14:imgProps xmlns:a14="http://schemas.microsoft.com/office/drawing/2010/main">
-                  <a14:imgLayer r:embed="rId21">
+                  <a14:imgLayer r:embed="rId20">
                     <a14:imgEffect>
                       <a14:backgroundRemoval t="0" b="100000" l="2344" r="96289">
                         <a14:foregroundMark x1="49805" y1="29492" x2="49805" y2="29492"/>
@@ -7073,11 +7032,11 @@
           <p:nvPr/>
         </p:nvPicPr>
         <p:blipFill>
-          <a:blip r:embed="rId22">
+          <a:blip r:embed="rId21">
             <a:extLst>
               <a:ext uri="{BEBA8EAE-BF5A-486C-A8C5-ECC9F3942E4B}">
                 <a14:imgProps xmlns:a14="http://schemas.microsoft.com/office/drawing/2010/main">
-                  <a14:imgLayer r:embed="rId23">
+                  <a14:imgLayer r:embed="rId22">
                     <a14:imgEffect>
                       <a14:backgroundRemoval t="9961" b="89844" l="0" r="100000">
                         <a14:foregroundMark x1="27148" y1="73242" x2="27148" y2="73242"/>
@@ -7151,7 +7110,7 @@
           <p:nvPr/>
         </p:nvPicPr>
         <p:blipFill>
-          <a:blip r:embed="rId15"/>
+          <a:blip r:embed="rId14"/>
           <a:stretch>
             <a:fillRect/>
           </a:stretch>
@@ -7175,11 +7134,11 @@
           <p:nvPr/>
         </p:nvPicPr>
         <p:blipFill>
-          <a:blip r:embed="rId24">
+          <a:blip r:embed="rId23">
             <a:extLst>
               <a:ext uri="{BEBA8EAE-BF5A-486C-A8C5-ECC9F3942E4B}">
                 <a14:imgProps xmlns:a14="http://schemas.microsoft.com/office/drawing/2010/main">
-                  <a14:imgLayer r:embed="rId25">
+                  <a14:imgLayer r:embed="rId24">
                     <a14:imgEffect>
                       <a14:backgroundRemoval t="1172" b="100000" l="0" r="100000"/>
                     </a14:imgEffect>
@@ -7499,11 +7458,11 @@
           <p:nvPr/>
         </p:nvPicPr>
         <p:blipFill>
-          <a:blip r:embed="rId26">
+          <a:blip r:embed="rId25">
             <a:extLst>
               <a:ext uri="{BEBA8EAE-BF5A-486C-A8C5-ECC9F3942E4B}">
                 <a14:imgProps xmlns:a14="http://schemas.microsoft.com/office/drawing/2010/main">
-                  <a14:imgLayer r:embed="rId27">
+                  <a14:imgLayer r:embed="rId26">
                     <a14:imgEffect>
                       <a14:backgroundRemoval t="0" b="100000" l="0" r="98828"/>
                     </a14:imgEffect>
@@ -7528,22 +7487,61 @@
       </p:pic>
       <p:pic>
         <p:nvPicPr>
-          <p:cNvPr id="62" name="Picture 61"/>
+          <p:cNvPr id="63" name="Picture 62"/>
           <p:cNvPicPr>
             <a:picLocks noChangeAspect="1"/>
           </p:cNvPicPr>
           <p:nvPr/>
         </p:nvPicPr>
         <p:blipFill>
-          <a:blip r:embed="rId28"/>
+          <a:blip r:embed="rId27"/>
           <a:stretch>
             <a:fillRect/>
           </a:stretch>
         </p:blipFill>
         <p:spPr>
           <a:xfrm>
-            <a:off x="6662105" y="965126"/>
+            <a:off x="6746229" y="964780"/>
             <a:ext cx="249413" cy="249413"/>
+          </a:xfrm>
+          <a:prstGeom prst="rect">
+            <a:avLst/>
+          </a:prstGeom>
+        </p:spPr>
+      </p:pic>
+      <p:pic>
+        <p:nvPicPr>
+          <p:cNvPr id="70" name="Picture 69"/>
+          <p:cNvPicPr>
+            <a:picLocks noChangeAspect="1"/>
+          </p:cNvPicPr>
+          <p:nvPr/>
+        </p:nvPicPr>
+        <p:blipFill>
+          <a:blip r:embed="rId28">
+            <a:extLst>
+              <a:ext uri="{BEBA8EAE-BF5A-486C-A8C5-ECC9F3942E4B}">
+                <a14:imgProps xmlns:a14="http://schemas.microsoft.com/office/drawing/2010/main">
+                  <a14:imgLayer r:embed="rId29">
+                    <a14:imgEffect>
+                      <a14:backgroundRemoval t="9961" b="89844" l="0" r="100000">
+                        <a14:foregroundMark x1="49414" y1="14063" x2="49414" y2="14063"/>
+                        <a14:foregroundMark x1="63672" y1="52344" x2="63672" y2="52344"/>
+                      </a14:backgroundRemoval>
+                    </a14:imgEffect>
+                  </a14:imgLayer>
+                </a14:imgProps>
+              </a:ext>
+            </a:extLst>
+          </a:blip>
+          <a:stretch>
+            <a:fillRect/>
+          </a:stretch>
+        </p:blipFill>
+        <p:spPr>
+          <a:xfrm>
+            <a:off x="7120348" y="947669"/>
+            <a:ext cx="274816" cy="274816"/>
           </a:xfrm>
           <a:prstGeom prst="rect">
             <a:avLst/>
@@ -8833,47 +8831,6 @@
           </a:p>
         </p:txBody>
       </p:sp>
-      <p:pic>
-        <p:nvPicPr>
-          <p:cNvPr id="1026" name="Picture 2" descr="https://fbcdn-sphotos-c-a.akamaihd.net/hphotos-ak-prn2/v/t1.0-9/558617_496479173697011_745885139_n.jpg?oh=05f90387fce5a2ab60ff626da8046fb4&amp;oe=55B810BD&amp;__gda__=1441131251_b641de8fc77e4e86dec2fc55f843cd6a"/>
-          <p:cNvPicPr>
-            <a:picLocks noChangeAspect="1" noChangeArrowheads="1"/>
-          </p:cNvPicPr>
-          <p:nvPr/>
-        </p:nvPicPr>
-        <p:blipFill>
-          <a:blip r:embed="rId9" cstate="print">
-            <a:extLst>
-              <a:ext uri="{28A0092B-C50C-407E-A947-70E740481C1C}">
-                <a14:useLocalDpi xmlns:a14="http://schemas.microsoft.com/office/drawing/2010/main" val="0"/>
-              </a:ext>
-            </a:extLst>
-          </a:blip>
-          <a:srcRect/>
-          <a:stretch>
-            <a:fillRect/>
-          </a:stretch>
-        </p:blipFill>
-        <p:spPr bwMode="auto">
-          <a:xfrm>
-            <a:off x="6976077" y="824512"/>
-            <a:ext cx="537562" cy="537562"/>
-          </a:xfrm>
-          <a:prstGeom prst="rect">
-            <a:avLst/>
-          </a:prstGeom>
-          <a:noFill/>
-          <a:extLst>
-            <a:ext uri="{909E8E84-426E-40DD-AFC4-6F175D3DCCD1}">
-              <a14:hiddenFill xmlns:a14="http://schemas.microsoft.com/office/drawing/2010/main">
-                <a:solidFill>
-                  <a:srgbClr val="FFFFFF"/>
-                </a:solidFill>
-              </a14:hiddenFill>
-            </a:ext>
-          </a:extLst>
-        </p:spPr>
-      </p:pic>
       <p:sp>
         <p:nvSpPr>
           <p:cNvPr id="34" name="Rectangle 33"/>
@@ -9043,7 +9000,7 @@
           <p:nvPr/>
         </p:nvPicPr>
         <p:blipFill>
-          <a:blip r:embed="rId10"/>
+          <a:blip r:embed="rId9"/>
           <a:stretch>
             <a:fillRect/>
           </a:stretch>
@@ -9067,7 +9024,7 @@
           <p:nvPr/>
         </p:nvPicPr>
         <p:blipFill>
-          <a:blip r:embed="rId11" cstate="print">
+          <a:blip r:embed="rId10" cstate="print">
             <a:extLst>
               <a:ext uri="{28A0092B-C50C-407E-A947-70E740481C1C}">
                 <a14:useLocalDpi xmlns:a14="http://schemas.microsoft.com/office/drawing/2010/main" val="0"/>
@@ -9097,7 +9054,7 @@
           <p:nvPr/>
         </p:nvPicPr>
         <p:blipFill>
-          <a:blip r:embed="rId12" cstate="print">
+          <a:blip r:embed="rId11" cstate="print">
             <a:extLst>
               <a:ext uri="{28A0092B-C50C-407E-A947-70E740481C1C}">
                 <a14:useLocalDpi xmlns:a14="http://schemas.microsoft.com/office/drawing/2010/main" val="0"/>
@@ -9249,7 +9206,7 @@
             <p:nvPr/>
           </p:nvPicPr>
           <p:blipFill rotWithShape="1">
-            <a:blip r:embed="rId13" cstate="print">
+            <a:blip r:embed="rId12" cstate="print">
               <a:extLst>
                 <a:ext uri="{28A0092B-C50C-407E-A947-70E740481C1C}">
                   <a14:useLocalDpi xmlns:a14="http://schemas.microsoft.com/office/drawing/2010/main" val="0"/>
@@ -9279,7 +9236,7 @@
           <p:nvPr/>
         </p:nvPicPr>
         <p:blipFill>
-          <a:blip r:embed="rId14"/>
+          <a:blip r:embed="rId13"/>
           <a:stretch>
             <a:fillRect/>
           </a:stretch>
@@ -9346,7 +9303,7 @@
           <p:nvPr/>
         </p:nvPicPr>
         <p:blipFill>
-          <a:blip r:embed="rId10"/>
+          <a:blip r:embed="rId9"/>
           <a:stretch>
             <a:fillRect/>
           </a:stretch>
@@ -9448,7 +9405,7 @@
           <p:nvPr/>
         </p:nvPicPr>
         <p:blipFill>
-          <a:blip r:embed="rId15"/>
+          <a:blip r:embed="rId14"/>
           <a:stretch>
             <a:fillRect/>
           </a:stretch>
@@ -9550,7 +9507,7 @@
           <p:nvPr/>
         </p:nvPicPr>
         <p:blipFill>
-          <a:blip r:embed="rId15"/>
+          <a:blip r:embed="rId14"/>
           <a:stretch>
             <a:fillRect/>
           </a:stretch>
@@ -9674,11 +9631,11 @@
           <p:nvPr/>
         </p:nvPicPr>
         <p:blipFill>
-          <a:blip r:embed="rId16">
+          <a:blip r:embed="rId15">
             <a:extLst>
               <a:ext uri="{BEBA8EAE-BF5A-486C-A8C5-ECC9F3942E4B}">
                 <a14:imgProps xmlns:a14="http://schemas.microsoft.com/office/drawing/2010/main">
-                  <a14:imgLayer r:embed="rId17">
+                  <a14:imgLayer r:embed="rId16">
                     <a14:imgEffect>
                       <a14:backgroundRemoval t="9961" b="89844" l="0" r="100000">
                         <a14:foregroundMark x1="1953" y1="55469" x2="1953" y2="55469"/>
@@ -9713,7 +9670,7 @@
           <p:nvPr/>
         </p:nvPicPr>
         <p:blipFill>
-          <a:blip r:embed="rId15"/>
+          <a:blip r:embed="rId14"/>
           <a:stretch>
             <a:fillRect/>
           </a:stretch>
@@ -9737,7 +9694,7 @@
           <p:nvPr/>
         </p:nvPicPr>
         <p:blipFill>
-          <a:blip r:embed="rId14"/>
+          <a:blip r:embed="rId13"/>
           <a:stretch>
             <a:fillRect/>
           </a:stretch>
@@ -9761,11 +9718,11 @@
           <p:nvPr/>
         </p:nvPicPr>
         <p:blipFill>
-          <a:blip r:embed="rId18">
+          <a:blip r:embed="rId17">
             <a:extLst>
               <a:ext uri="{BEBA8EAE-BF5A-486C-A8C5-ECC9F3942E4B}">
                 <a14:imgProps xmlns:a14="http://schemas.microsoft.com/office/drawing/2010/main">
-                  <a14:imgLayer r:embed="rId19">
+                  <a14:imgLayer r:embed="rId18">
                     <a14:imgEffect>
                       <a14:backgroundRemoval t="1758" b="97852" l="0" r="100000"/>
                     </a14:imgEffect>
@@ -9797,11 +9754,11 @@
           <p:nvPr/>
         </p:nvPicPr>
         <p:blipFill>
-          <a:blip r:embed="rId20">
+          <a:blip r:embed="rId19">
             <a:extLst>
               <a:ext uri="{BEBA8EAE-BF5A-486C-A8C5-ECC9F3942E4B}">
                 <a14:imgProps xmlns:a14="http://schemas.microsoft.com/office/drawing/2010/main">
-                  <a14:imgLayer r:embed="rId21">
+                  <a14:imgLayer r:embed="rId20">
                     <a14:imgEffect>
                       <a14:backgroundRemoval t="0" b="100000" l="2344" r="96289">
                         <a14:foregroundMark x1="49805" y1="29492" x2="49805" y2="29492"/>
@@ -9836,11 +9793,11 @@
           <p:nvPr/>
         </p:nvPicPr>
         <p:blipFill>
-          <a:blip r:embed="rId22">
+          <a:blip r:embed="rId21">
             <a:extLst>
               <a:ext uri="{BEBA8EAE-BF5A-486C-A8C5-ECC9F3942E4B}">
                 <a14:imgProps xmlns:a14="http://schemas.microsoft.com/office/drawing/2010/main">
-                  <a14:imgLayer r:embed="rId23">
+                  <a14:imgLayer r:embed="rId22">
                     <a14:imgEffect>
                       <a14:backgroundRemoval t="9961" b="89844" l="0" r="100000">
                         <a14:foregroundMark x1="27148" y1="73242" x2="27148" y2="73242"/>
@@ -9914,7 +9871,7 @@
           <p:nvPr/>
         </p:nvPicPr>
         <p:blipFill>
-          <a:blip r:embed="rId15"/>
+          <a:blip r:embed="rId14"/>
           <a:stretch>
             <a:fillRect/>
           </a:stretch>
@@ -9938,11 +9895,11 @@
           <p:nvPr/>
         </p:nvPicPr>
         <p:blipFill>
-          <a:blip r:embed="rId24">
+          <a:blip r:embed="rId23">
             <a:extLst>
               <a:ext uri="{BEBA8EAE-BF5A-486C-A8C5-ECC9F3942E4B}">
                 <a14:imgProps xmlns:a14="http://schemas.microsoft.com/office/drawing/2010/main">
-                  <a14:imgLayer r:embed="rId25">
+                  <a14:imgLayer r:embed="rId24">
                     <a14:imgEffect>
                       <a14:backgroundRemoval t="1172" b="100000" l="0" r="100000"/>
                     </a14:imgEffect>
@@ -10262,11 +10219,11 @@
           <p:nvPr/>
         </p:nvPicPr>
         <p:blipFill>
-          <a:blip r:embed="rId26">
+          <a:blip r:embed="rId25">
             <a:extLst>
               <a:ext uri="{BEBA8EAE-BF5A-486C-A8C5-ECC9F3942E4B}">
                 <a14:imgProps xmlns:a14="http://schemas.microsoft.com/office/drawing/2010/main">
-                  <a14:imgLayer r:embed="rId27">
+                  <a14:imgLayer r:embed="rId26">
                     <a14:imgEffect>
                       <a14:backgroundRemoval t="0" b="100000" l="0" r="100000"/>
                     </a14:imgEffect>
@@ -10291,22 +10248,61 @@
       </p:pic>
       <p:pic>
         <p:nvPicPr>
-          <p:cNvPr id="64" name="Picture 63"/>
+          <p:cNvPr id="65" name="Picture 64"/>
           <p:cNvPicPr>
             <a:picLocks noChangeAspect="1"/>
           </p:cNvPicPr>
           <p:nvPr/>
         </p:nvPicPr>
         <p:blipFill>
-          <a:blip r:embed="rId28"/>
+          <a:blip r:embed="rId27"/>
           <a:stretch>
             <a:fillRect/>
           </a:stretch>
         </p:blipFill>
         <p:spPr>
           <a:xfrm>
-            <a:off x="6662105" y="965126"/>
+            <a:off x="6746229" y="964780"/>
             <a:ext cx="249413" cy="249413"/>
+          </a:xfrm>
+          <a:prstGeom prst="rect">
+            <a:avLst/>
+          </a:prstGeom>
+        </p:spPr>
+      </p:pic>
+      <p:pic>
+        <p:nvPicPr>
+          <p:cNvPr id="70" name="Picture 69"/>
+          <p:cNvPicPr>
+            <a:picLocks noChangeAspect="1"/>
+          </p:cNvPicPr>
+          <p:nvPr/>
+        </p:nvPicPr>
+        <p:blipFill>
+          <a:blip r:embed="rId28">
+            <a:extLst>
+              <a:ext uri="{BEBA8EAE-BF5A-486C-A8C5-ECC9F3942E4B}">
+                <a14:imgProps xmlns:a14="http://schemas.microsoft.com/office/drawing/2010/main">
+                  <a14:imgLayer r:embed="rId29">
+                    <a14:imgEffect>
+                      <a14:backgroundRemoval t="9961" b="89844" l="0" r="100000">
+                        <a14:foregroundMark x1="49414" y1="14063" x2="49414" y2="14063"/>
+                        <a14:foregroundMark x1="63672" y1="52344" x2="63672" y2="52344"/>
+                      </a14:backgroundRemoval>
+                    </a14:imgEffect>
+                  </a14:imgLayer>
+                </a14:imgProps>
+              </a:ext>
+            </a:extLst>
+          </a:blip>
+          <a:stretch>
+            <a:fillRect/>
+          </a:stretch>
+        </p:blipFill>
+        <p:spPr>
+          <a:xfrm>
+            <a:off x="7120348" y="947669"/>
+            <a:ext cx="274816" cy="274816"/>
           </a:xfrm>
           <a:prstGeom prst="rect">
             <a:avLst/>
@@ -11437,47 +11433,6 @@
       </p:sp>
       <p:pic>
         <p:nvPicPr>
-          <p:cNvPr id="1026" name="Picture 2" descr="https://fbcdn-sphotos-c-a.akamaihd.net/hphotos-ak-prn2/v/t1.0-9/558617_496479173697011_745885139_n.jpg?oh=05f90387fce5a2ab60ff626da8046fb4&amp;oe=55B810BD&amp;__gda__=1441131251_b641de8fc77e4e86dec2fc55f843cd6a"/>
-          <p:cNvPicPr>
-            <a:picLocks noChangeAspect="1" noChangeArrowheads="1"/>
-          </p:cNvPicPr>
-          <p:nvPr/>
-        </p:nvPicPr>
-        <p:blipFill>
-          <a:blip r:embed="rId7" cstate="print">
-            <a:extLst>
-              <a:ext uri="{28A0092B-C50C-407E-A947-70E740481C1C}">
-                <a14:useLocalDpi xmlns:a14="http://schemas.microsoft.com/office/drawing/2010/main" val="0"/>
-              </a:ext>
-            </a:extLst>
-          </a:blip>
-          <a:srcRect/>
-          <a:stretch>
-            <a:fillRect/>
-          </a:stretch>
-        </p:blipFill>
-        <p:spPr bwMode="auto">
-          <a:xfrm>
-            <a:off x="6976077" y="824512"/>
-            <a:ext cx="537562" cy="537562"/>
-          </a:xfrm>
-          <a:prstGeom prst="rect">
-            <a:avLst/>
-          </a:prstGeom>
-          <a:noFill/>
-          <a:extLst>
-            <a:ext uri="{909E8E84-426E-40DD-AFC4-6F175D3DCCD1}">
-              <a14:hiddenFill xmlns:a14="http://schemas.microsoft.com/office/drawing/2010/main">
-                <a:solidFill>
-                  <a:srgbClr val="FFFFFF"/>
-                </a:solidFill>
-              </a14:hiddenFill>
-            </a:ext>
-          </a:extLst>
-        </p:spPr>
-      </p:pic>
-      <p:pic>
-        <p:nvPicPr>
           <p:cNvPr id="53" name="Picture 52"/>
           <p:cNvPicPr>
             <a:picLocks noChangeAspect="1"/>
@@ -11485,7 +11440,7 @@
           <p:nvPr/>
         </p:nvPicPr>
         <p:blipFill>
-          <a:blip r:embed="rId8" cstate="print">
+          <a:blip r:embed="rId7" cstate="print">
             <a:extLst>
               <a:ext uri="{28A0092B-C50C-407E-A947-70E740481C1C}">
                 <a14:useLocalDpi xmlns:a14="http://schemas.microsoft.com/office/drawing/2010/main" val="0"/>
@@ -11547,7 +11502,7 @@
           <p:nvPr/>
         </p:nvPicPr>
         <p:blipFill>
-          <a:blip r:embed="rId9" cstate="print">
+          <a:blip r:embed="rId8" cstate="print">
             <a:extLst>
               <a:ext uri="{28A0092B-C50C-407E-A947-70E740481C1C}">
                 <a14:useLocalDpi xmlns:a14="http://schemas.microsoft.com/office/drawing/2010/main" val="0"/>
@@ -11726,11 +11681,11 @@
           <p:nvPr/>
         </p:nvPicPr>
         <p:blipFill>
-          <a:blip r:embed="rId10">
+          <a:blip r:embed="rId9">
             <a:extLst>
               <a:ext uri="{BEBA8EAE-BF5A-486C-A8C5-ECC9F3942E4B}">
                 <a14:imgProps xmlns:a14="http://schemas.microsoft.com/office/drawing/2010/main">
-                  <a14:imgLayer r:embed="rId11">
+                  <a14:imgLayer r:embed="rId10">
                     <a14:imgEffect>
                       <a14:backgroundRemoval t="9961" b="89844" l="0" r="100000"/>
                     </a14:imgEffect>
@@ -11762,11 +11717,11 @@
           <p:nvPr/>
         </p:nvPicPr>
         <p:blipFill>
-          <a:blip r:embed="rId12">
+          <a:blip r:embed="rId11">
             <a:extLst>
               <a:ext uri="{BEBA8EAE-BF5A-486C-A8C5-ECC9F3942E4B}">
                 <a14:imgProps xmlns:a14="http://schemas.microsoft.com/office/drawing/2010/main">
-                  <a14:imgLayer r:embed="rId13">
+                  <a14:imgLayer r:embed="rId12">
                     <a14:imgEffect>
                       <a14:backgroundRemoval t="9961" b="89844" l="586" r="100000"/>
                     </a14:imgEffect>
@@ -11937,11 +11892,11 @@
           <p:nvPr/>
         </p:nvPicPr>
         <p:blipFill>
-          <a:blip r:embed="rId12">
+          <a:blip r:embed="rId11">
             <a:extLst>
               <a:ext uri="{BEBA8EAE-BF5A-486C-A8C5-ECC9F3942E4B}">
                 <a14:imgProps xmlns:a14="http://schemas.microsoft.com/office/drawing/2010/main">
-                  <a14:imgLayer r:embed="rId13">
+                  <a14:imgLayer r:embed="rId12">
                     <a14:imgEffect>
                       <a14:backgroundRemoval t="9961" b="89844" l="586" r="100000"/>
                     </a14:imgEffect>
@@ -11973,7 +11928,7 @@
           <p:nvPr/>
         </p:nvPicPr>
         <p:blipFill>
-          <a:blip r:embed="rId14" cstate="print">
+          <a:blip r:embed="rId13" cstate="print">
             <a:extLst>
               <a:ext uri="{28A0092B-C50C-407E-A947-70E740481C1C}">
                 <a14:useLocalDpi xmlns:a14="http://schemas.microsoft.com/office/drawing/2010/main" val="0"/>
@@ -11996,22 +11951,61 @@
       </p:pic>
       <p:pic>
         <p:nvPicPr>
-          <p:cNvPr id="32" name="Picture 31"/>
+          <p:cNvPr id="31" name="Picture 30"/>
           <p:cNvPicPr>
             <a:picLocks noChangeAspect="1"/>
           </p:cNvPicPr>
           <p:nvPr/>
         </p:nvPicPr>
         <p:blipFill>
-          <a:blip r:embed="rId15"/>
+          <a:blip r:embed="rId14"/>
           <a:stretch>
             <a:fillRect/>
           </a:stretch>
         </p:blipFill>
         <p:spPr>
           <a:xfrm>
-            <a:off x="6662105" y="965126"/>
+            <a:off x="6746229" y="964780"/>
             <a:ext cx="249413" cy="249413"/>
+          </a:xfrm>
+          <a:prstGeom prst="rect">
+            <a:avLst/>
+          </a:prstGeom>
+        </p:spPr>
+      </p:pic>
+      <p:pic>
+        <p:nvPicPr>
+          <p:cNvPr id="33" name="Picture 32"/>
+          <p:cNvPicPr>
+            <a:picLocks noChangeAspect="1"/>
+          </p:cNvPicPr>
+          <p:nvPr/>
+        </p:nvPicPr>
+        <p:blipFill>
+          <a:blip r:embed="rId15">
+            <a:extLst>
+              <a:ext uri="{BEBA8EAE-BF5A-486C-A8C5-ECC9F3942E4B}">
+                <a14:imgProps xmlns:a14="http://schemas.microsoft.com/office/drawing/2010/main">
+                  <a14:imgLayer r:embed="rId16">
+                    <a14:imgEffect>
+                      <a14:backgroundRemoval t="9961" b="89844" l="0" r="100000">
+                        <a14:foregroundMark x1="49414" y1="14063" x2="49414" y2="14063"/>
+                        <a14:foregroundMark x1="63672" y1="52344" x2="63672" y2="52344"/>
+                      </a14:backgroundRemoval>
+                    </a14:imgEffect>
+                  </a14:imgLayer>
+                </a14:imgProps>
+              </a:ext>
+            </a:extLst>
+          </a:blip>
+          <a:stretch>
+            <a:fillRect/>
+          </a:stretch>
+        </p:blipFill>
+        <p:spPr>
+          <a:xfrm>
+            <a:off x="7120348" y="947669"/>
+            <a:ext cx="274816" cy="274816"/>
           </a:xfrm>
           <a:prstGeom prst="rect">
             <a:avLst/>
@@ -12706,47 +12700,6 @@
       </p:graphicFrame>
       <p:pic>
         <p:nvPicPr>
-          <p:cNvPr id="1026" name="Picture 2" descr="https://fbcdn-sphotos-c-a.akamaihd.net/hphotos-ak-prn2/v/t1.0-9/558617_496479173697011_745885139_n.jpg?oh=05f90387fce5a2ab60ff626da8046fb4&amp;oe=55B810BD&amp;__gda__=1441131251_b641de8fc77e4e86dec2fc55f843cd6a"/>
-          <p:cNvPicPr>
-            <a:picLocks noChangeAspect="1" noChangeArrowheads="1"/>
-          </p:cNvPicPr>
-          <p:nvPr/>
-        </p:nvPicPr>
-        <p:blipFill>
-          <a:blip r:embed="rId7" cstate="print">
-            <a:extLst>
-              <a:ext uri="{28A0092B-C50C-407E-A947-70E740481C1C}">
-                <a14:useLocalDpi xmlns:a14="http://schemas.microsoft.com/office/drawing/2010/main" val="0"/>
-              </a:ext>
-            </a:extLst>
-          </a:blip>
-          <a:srcRect/>
-          <a:stretch>
-            <a:fillRect/>
-          </a:stretch>
-        </p:blipFill>
-        <p:spPr bwMode="auto">
-          <a:xfrm>
-            <a:off x="6976077" y="824512"/>
-            <a:ext cx="537562" cy="537562"/>
-          </a:xfrm>
-          <a:prstGeom prst="rect">
-            <a:avLst/>
-          </a:prstGeom>
-          <a:noFill/>
-          <a:extLst>
-            <a:ext uri="{909E8E84-426E-40DD-AFC4-6F175D3DCCD1}">
-              <a14:hiddenFill xmlns:a14="http://schemas.microsoft.com/office/drawing/2010/main">
-                <a:solidFill>
-                  <a:srgbClr val="FFFFFF"/>
-                </a:solidFill>
-              </a14:hiddenFill>
-            </a:ext>
-          </a:extLst>
-        </p:spPr>
-      </p:pic>
-      <p:pic>
-        <p:nvPicPr>
           <p:cNvPr id="9" name="Picture 8"/>
           <p:cNvPicPr>
             <a:picLocks noChangeAspect="1"/>
@@ -12754,7 +12707,7 @@
           <p:nvPr/>
         </p:nvPicPr>
         <p:blipFill rotWithShape="1">
-          <a:blip r:embed="rId8"/>
+          <a:blip r:embed="rId7"/>
           <a:srcRect l="23339" r="23277"/>
           <a:stretch/>
         </p:blipFill>
@@ -12777,11 +12730,11 @@
           <p:nvPr/>
         </p:nvPicPr>
         <p:blipFill>
-          <a:blip r:embed="rId9">
+          <a:blip r:embed="rId8">
             <a:extLst>
               <a:ext uri="{BEBA8EAE-BF5A-486C-A8C5-ECC9F3942E4B}">
                 <a14:imgProps xmlns:a14="http://schemas.microsoft.com/office/drawing/2010/main">
-                  <a14:imgLayer r:embed="rId10">
+                  <a14:imgLayer r:embed="rId9">
                     <a14:imgEffect>
                       <a14:backgroundRemoval t="195" b="100000" l="1172" r="89844"/>
                     </a14:imgEffect>
@@ -12806,22 +12759,61 @@
       </p:pic>
       <p:pic>
         <p:nvPicPr>
-          <p:cNvPr id="32" name="Picture 31"/>
+          <p:cNvPr id="18" name="Picture 17"/>
           <p:cNvPicPr>
             <a:picLocks noChangeAspect="1"/>
           </p:cNvPicPr>
           <p:nvPr/>
         </p:nvPicPr>
         <p:blipFill>
-          <a:blip r:embed="rId11"/>
+          <a:blip r:embed="rId10"/>
           <a:stretch>
             <a:fillRect/>
           </a:stretch>
         </p:blipFill>
         <p:spPr>
           <a:xfrm>
-            <a:off x="6662105" y="965126"/>
+            <a:off x="6746229" y="964780"/>
             <a:ext cx="249413" cy="249413"/>
+          </a:xfrm>
+          <a:prstGeom prst="rect">
+            <a:avLst/>
+          </a:prstGeom>
+        </p:spPr>
+      </p:pic>
+      <p:pic>
+        <p:nvPicPr>
+          <p:cNvPr id="19" name="Picture 18"/>
+          <p:cNvPicPr>
+            <a:picLocks noChangeAspect="1"/>
+          </p:cNvPicPr>
+          <p:nvPr/>
+        </p:nvPicPr>
+        <p:blipFill>
+          <a:blip r:embed="rId11">
+            <a:extLst>
+              <a:ext uri="{BEBA8EAE-BF5A-486C-A8C5-ECC9F3942E4B}">
+                <a14:imgProps xmlns:a14="http://schemas.microsoft.com/office/drawing/2010/main">
+                  <a14:imgLayer r:embed="rId12">
+                    <a14:imgEffect>
+                      <a14:backgroundRemoval t="9961" b="89844" l="0" r="100000">
+                        <a14:foregroundMark x1="49414" y1="14063" x2="49414" y2="14063"/>
+                        <a14:foregroundMark x1="63672" y1="52344" x2="63672" y2="52344"/>
+                      </a14:backgroundRemoval>
+                    </a14:imgEffect>
+                  </a14:imgLayer>
+                </a14:imgProps>
+              </a:ext>
+            </a:extLst>
+          </a:blip>
+          <a:stretch>
+            <a:fillRect/>
+          </a:stretch>
+        </p:blipFill>
+        <p:spPr>
+          <a:xfrm>
+            <a:off x="7120348" y="947669"/>
+            <a:ext cx="274816" cy="274816"/>
           </a:xfrm>
           <a:prstGeom prst="rect">
             <a:avLst/>
@@ -13523,7 +13515,7 @@
           <p:nvPr>
             <p:extLst>
               <p:ext uri="{D42A27DB-BD31-4B8C-83A1-F6EECF244321}">
-                <p14:modId xmlns:p14="http://schemas.microsoft.com/office/powerpoint/2010/main" val="1539729983"/>
+                <p14:modId xmlns:p14="http://schemas.microsoft.com/office/powerpoint/2010/main" val="1999997336"/>
               </p:ext>
             </p:extLst>
           </p:nvPr>
@@ -13602,9 +13594,7 @@
                       <a:prstDash val="solid"/>
                     </a:lnBlToTr>
                     <a:solidFill>
-                      <a:schemeClr val="bg1">
-                        <a:lumMod val="85000"/>
-                      </a:schemeClr>
+                      <a:schemeClr val="bg1"/>
                     </a:solidFill>
                   </a:tcPr>
                 </a:tc>
@@ -13615,71 +13605,6 @@
       </p:graphicFrame>
       <p:pic>
         <p:nvPicPr>
-          <p:cNvPr id="1026" name="Picture 2" descr="https://fbcdn-sphotos-c-a.akamaihd.net/hphotos-ak-prn2/v/t1.0-9/558617_496479173697011_745885139_n.jpg?oh=05f90387fce5a2ab60ff626da8046fb4&amp;oe=55B810BD&amp;__gda__=1441131251_b641de8fc77e4e86dec2fc55f843cd6a"/>
-          <p:cNvPicPr>
-            <a:picLocks noChangeAspect="1" noChangeArrowheads="1"/>
-          </p:cNvPicPr>
-          <p:nvPr/>
-        </p:nvPicPr>
-        <p:blipFill>
-          <a:blip r:embed="rId7" cstate="print">
-            <a:extLst>
-              <a:ext uri="{28A0092B-C50C-407E-A947-70E740481C1C}">
-                <a14:useLocalDpi xmlns:a14="http://schemas.microsoft.com/office/drawing/2010/main" val="0"/>
-              </a:ext>
-            </a:extLst>
-          </a:blip>
-          <a:srcRect/>
-          <a:stretch>
-            <a:fillRect/>
-          </a:stretch>
-        </p:blipFill>
-        <p:spPr bwMode="auto">
-          <a:xfrm>
-            <a:off x="6976077" y="824512"/>
-            <a:ext cx="537562" cy="537562"/>
-          </a:xfrm>
-          <a:prstGeom prst="rect">
-            <a:avLst/>
-          </a:prstGeom>
-          <a:noFill/>
-          <a:extLst>
-            <a:ext uri="{909E8E84-426E-40DD-AFC4-6F175D3DCCD1}">
-              <a14:hiddenFill xmlns:a14="http://schemas.microsoft.com/office/drawing/2010/main">
-                <a:solidFill>
-                  <a:srgbClr val="FFFFFF"/>
-                </a:solidFill>
-              </a14:hiddenFill>
-            </a:ext>
-          </a:extLst>
-        </p:spPr>
-      </p:pic>
-      <p:pic>
-        <p:nvPicPr>
-          <p:cNvPr id="32" name="Picture 31"/>
-          <p:cNvPicPr>
-            <a:picLocks noChangeAspect="1"/>
-          </p:cNvPicPr>
-          <p:nvPr/>
-        </p:nvPicPr>
-        <p:blipFill>
-          <a:blip r:embed="rId8"/>
-          <a:stretch>
-            <a:fillRect/>
-          </a:stretch>
-        </p:blipFill>
-        <p:spPr>
-          <a:xfrm>
-            <a:off x="6662105" y="965126"/>
-            <a:ext cx="249413" cy="249413"/>
-          </a:xfrm>
-          <a:prstGeom prst="rect">
-            <a:avLst/>
-          </a:prstGeom>
-        </p:spPr>
-      </p:pic>
-      <p:pic>
-        <p:nvPicPr>
           <p:cNvPr id="10" name="Picture 9"/>
           <p:cNvPicPr>
             <a:picLocks noChangeAspect="1"/>
@@ -13687,7 +13612,7 @@
           <p:nvPr/>
         </p:nvPicPr>
         <p:blipFill>
-          <a:blip r:embed="rId9"/>
+          <a:blip r:embed="rId7"/>
           <a:stretch>
             <a:fillRect/>
           </a:stretch>
@@ -13726,7 +13651,7 @@
           <a:p>
             <a:pPr algn="ctr"/>
             <a:r>
-              <a:rPr lang="en-US" sz="3200" dirty="0">
+              <a:rPr lang="en-US" sz="3200" b="1" dirty="0">
                 <a:solidFill>
                   <a:srgbClr val="C00000"/>
                 </a:solidFill>
@@ -13735,7 +13660,7 @@
               <a:t>Hurry </a:t>
             </a:r>
             <a:r>
-              <a:rPr lang="en-US" sz="3200" dirty="0" smtClean="0">
+              <a:rPr lang="en-US" sz="3200" b="1" dirty="0" smtClean="0">
                 <a:solidFill>
                   <a:srgbClr val="C00000"/>
                 </a:solidFill>
@@ -13747,9 +13672,9 @@
           <a:p>
             <a:pPr algn="ctr"/>
             <a:r>
-              <a:rPr lang="en-US" sz="2000" b="1" dirty="0" smtClean="0">
+              <a:rPr lang="en-US" sz="2000" dirty="0" smtClean="0">
                 <a:solidFill>
-                  <a:schemeClr val="bg1"/>
+                  <a:srgbClr val="C00000"/>
                 </a:solidFill>
                 <a:latin typeface="Century Gothic" panose="020B0502020202020204" pitchFamily="34" charset="0"/>
               </a:rPr>
@@ -13759,23 +13684,86 @@
           <a:p>
             <a:pPr algn="ctr"/>
             <a:r>
-              <a:rPr lang="en-US" sz="2000" b="1" dirty="0" smtClean="0">
+              <a:rPr lang="en-US" sz="2000" dirty="0" smtClean="0">
                 <a:solidFill>
-                  <a:schemeClr val="bg1"/>
+                  <a:srgbClr val="C00000"/>
                 </a:solidFill>
                 <a:latin typeface="Century Gothic" panose="020B0502020202020204" pitchFamily="34" charset="0"/>
               </a:rPr>
               <a:t>1 hour!</a:t>
             </a:r>
-            <a:endParaRPr lang="he-IL" sz="2000" b="1" dirty="0">
+            <a:endParaRPr lang="he-IL" sz="2000" dirty="0">
               <a:solidFill>
-                <a:schemeClr val="bg1"/>
+                <a:srgbClr val="C00000"/>
               </a:solidFill>
               <a:latin typeface="Century Gothic" panose="020B0502020202020204" pitchFamily="34" charset="0"/>
             </a:endParaRPr>
           </a:p>
         </p:txBody>
       </p:sp>
+      <p:pic>
+        <p:nvPicPr>
+          <p:cNvPr id="18" name="Picture 17"/>
+          <p:cNvPicPr>
+            <a:picLocks noChangeAspect="1"/>
+          </p:cNvPicPr>
+          <p:nvPr/>
+        </p:nvPicPr>
+        <p:blipFill>
+          <a:blip r:embed="rId8"/>
+          <a:stretch>
+            <a:fillRect/>
+          </a:stretch>
+        </p:blipFill>
+        <p:spPr>
+          <a:xfrm>
+            <a:off x="6746229" y="964780"/>
+            <a:ext cx="249413" cy="249413"/>
+          </a:xfrm>
+          <a:prstGeom prst="rect">
+            <a:avLst/>
+          </a:prstGeom>
+        </p:spPr>
+      </p:pic>
+      <p:pic>
+        <p:nvPicPr>
+          <p:cNvPr id="19" name="Picture 18"/>
+          <p:cNvPicPr>
+            <a:picLocks noChangeAspect="1"/>
+          </p:cNvPicPr>
+          <p:nvPr/>
+        </p:nvPicPr>
+        <p:blipFill>
+          <a:blip r:embed="rId9">
+            <a:extLst>
+              <a:ext uri="{BEBA8EAE-BF5A-486C-A8C5-ECC9F3942E4B}">
+                <a14:imgProps xmlns:a14="http://schemas.microsoft.com/office/drawing/2010/main">
+                  <a14:imgLayer r:embed="rId10">
+                    <a14:imgEffect>
+                      <a14:backgroundRemoval t="9961" b="89844" l="0" r="100000">
+                        <a14:foregroundMark x1="49414" y1="14063" x2="49414" y2="14063"/>
+                        <a14:foregroundMark x1="63672" y1="52344" x2="63672" y2="52344"/>
+                      </a14:backgroundRemoval>
+                    </a14:imgEffect>
+                  </a14:imgLayer>
+                </a14:imgProps>
+              </a:ext>
+            </a:extLst>
+          </a:blip>
+          <a:stretch>
+            <a:fillRect/>
+          </a:stretch>
+        </p:blipFill>
+        <p:spPr>
+          <a:xfrm>
+            <a:off x="7120348" y="947669"/>
+            <a:ext cx="274816" cy="274816"/>
+          </a:xfrm>
+          <a:prstGeom prst="rect">
+            <a:avLst/>
+          </a:prstGeom>
+        </p:spPr>
+      </p:pic>
     </p:spTree>
     <p:extLst>
       <p:ext uri="{BB962C8B-B14F-4D97-AF65-F5344CB8AC3E}">
@@ -14229,7 +14217,7 @@
 </file>
 
 <file path=ppt/slides/slide3.xml><?xml version="1.0" encoding="utf-8"?>
-<p:sld xmlns:a="http://schemas.openxmlformats.org/drawingml/2006/main" xmlns:r="http://schemas.openxmlformats.org/officeDocument/2006/relationships" xmlns:p="http://schemas.openxmlformats.org/presentationml/2006/main">
+<p:sld xmlns:a="http://schemas.openxmlformats.org/drawingml/2006/main" xmlns:r="http://schemas.openxmlformats.org/officeDocument/2006/relationships" xmlns:p="http://schemas.openxmlformats.org/presentationml/2006/main" show="0">
   <p:cSld>
     <p:spTree>
       <p:nvGrpSpPr>
@@ -14277,7 +14265,7 @@
         </p:blipFill>
         <p:spPr bwMode="auto">
           <a:xfrm>
-            <a:off x="1050881" y="-38501"/>
+            <a:off x="1041256" y="-50374"/>
             <a:ext cx="10109488" cy="6902886"/>
           </a:xfrm>
           <a:prstGeom prst="rect">
@@ -14639,31 +14627,27 @@
       </p:grpSp>
       <p:sp>
         <p:nvSpPr>
-          <p:cNvPr id="35" name="Rectangle 34"/>
+          <p:cNvPr id="34" name="Chord 33"/>
           <p:cNvSpPr/>
           <p:nvPr/>
         </p:nvSpPr>
         <p:spPr>
-          <a:xfrm>
-            <a:off x="5397257" y="2167723"/>
-            <a:ext cx="2092991" cy="433137"/>
-          </a:xfrm>
-          <a:prstGeom prst="rect">
-            <a:avLst/>
+          <a:xfrm rot="7983879">
+            <a:off x="5467164" y="5171363"/>
+            <a:ext cx="1244848" cy="1250216"/>
+          </a:xfrm>
+          <a:prstGeom prst="chord">
+            <a:avLst>
+              <a:gd name="adj1" fmla="val 2476101"/>
+              <a:gd name="adj2" fmla="val 13931417"/>
+            </a:avLst>
           </a:prstGeom>
           <a:solidFill>
-            <a:schemeClr val="bg1"/>
+            <a:srgbClr val="8E0000"/>
           </a:solidFill>
           <a:ln>
             <a:noFill/>
           </a:ln>
-          <a:effectLst>
-            <a:innerShdw blurRad="63500" dist="50800" dir="13500000">
-              <a:prstClr val="black">
-                <a:alpha val="50000"/>
-              </a:prstClr>
-            </a:innerShdw>
-          </a:effectLst>
         </p:spPr>
         <p:style>
           <a:lnRef idx="2">
@@ -14686,11 +14670,47 @@
           <a:lstStyle/>
           <a:p>
             <a:pPr algn="ctr"/>
+            <a:endParaRPr lang="he-IL"/>
+          </a:p>
+        </p:txBody>
+      </p:sp>
+      <p:sp>
+        <p:nvSpPr>
+          <p:cNvPr id="35" name="Rectangle 34"/>
+          <p:cNvSpPr/>
+          <p:nvPr/>
+        </p:nvSpPr>
+        <p:spPr>
+          <a:xfrm>
+            <a:off x="5737871" y="5316379"/>
+            <a:ext cx="732894" cy="523220"/>
+          </a:xfrm>
+          <a:prstGeom prst="rect">
+            <a:avLst/>
+          </a:prstGeom>
+        </p:spPr>
+        <p:txBody>
+          <a:bodyPr wrap="none">
+            <a:spAutoFit/>
+          </a:bodyPr>
+          <a:lstStyle/>
+          <a:p>
+            <a:pPr algn="ctr"/>
             <a:r>
-              <a:rPr lang="en-US" dirty="0" smtClean="0"/>
-              <a:t>`</a:t>
+              <a:rPr lang="en-US" sz="2800" dirty="0" smtClean="0">
+                <a:solidFill>
+                  <a:schemeClr val="bg1"/>
+                </a:solidFill>
+                <a:latin typeface="Century Gothic" panose="020B0502020202020204" pitchFamily="34" charset="0"/>
+              </a:rPr>
+              <a:t>Go</a:t>
             </a:r>
-            <a:endParaRPr lang="he-IL" dirty="0"/>
+            <a:endParaRPr lang="he-IL" sz="3600" dirty="0">
+              <a:solidFill>
+                <a:schemeClr val="bg1"/>
+              </a:solidFill>
+              <a:latin typeface="Century Gothic" panose="020B0502020202020204" pitchFamily="34" charset="0"/>
+            </a:endParaRPr>
           </a:p>
         </p:txBody>
       </p:sp>
@@ -14702,7 +14722,7 @@
         </p:nvSpPr>
         <p:spPr>
           <a:xfrm>
-            <a:off x="4688979" y="2888403"/>
+            <a:off x="4637683" y="1712458"/>
             <a:ext cx="2845869" cy="461665"/>
           </a:xfrm>
           <a:prstGeom prst="rect">
@@ -14718,7 +14738,7 @@
             <a:pPr algn="ctr"/>
             <a:endParaRPr lang="he-IL" sz="2400" dirty="0">
               <a:solidFill>
-                <a:srgbClr val="C00000"/>
+                <a:schemeClr val="bg1"/>
               </a:solidFill>
               <a:latin typeface="Century Gothic" panose="020B0502020202020204" pitchFamily="34" charset="0"/>
             </a:endParaRPr>
@@ -14733,25 +14753,16 @@
         </p:nvSpPr>
         <p:spPr>
           <a:xfrm>
-            <a:off x="5416807" y="3424317"/>
-            <a:ext cx="2086295" cy="433137"/>
-          </a:xfrm>
-          <a:prstGeom prst="rect">
-            <a:avLst/>
-          </a:prstGeom>
-          <a:solidFill>
-            <a:schemeClr val="bg1"/>
-          </a:solidFill>
+            <a:off x="4715652" y="1973570"/>
+            <a:ext cx="1214479" cy="449178"/>
+          </a:xfrm>
+          <a:prstGeom prst="rect">
+            <a:avLst/>
+          </a:prstGeom>
+          <a:noFill/>
           <a:ln>
             <a:noFill/>
           </a:ln>
-          <a:effectLst>
-            <a:innerShdw blurRad="63500" dist="50800" dir="13500000">
-              <a:prstClr val="black">
-                <a:alpha val="50000"/>
-              </a:prstClr>
-            </a:innerShdw>
-          </a:effectLst>
         </p:spPr>
         <p:style>
           <a:lnRef idx="2">
@@ -14773,38 +14784,47 @@
           <a:bodyPr rtlCol="1" anchor="ctr"/>
           <a:lstStyle/>
           <a:p>
-            <a:pPr algn="ctr"/>
-            <a:endParaRPr lang="he-IL"/>
+            <a:pPr algn="l"/>
+            <a:r>
+              <a:rPr lang="en-US" dirty="0" smtClean="0">
+                <a:solidFill>
+                  <a:srgbClr val="C00000"/>
+                </a:solidFill>
+                <a:latin typeface="Century Gothic" panose="020B0502020202020204" pitchFamily="34" charset="0"/>
+              </a:rPr>
+              <a:t>FROM</a:t>
+            </a:r>
+            <a:endParaRPr lang="he-IL" sz="2400" dirty="0">
+              <a:solidFill>
+                <a:srgbClr val="C00000"/>
+              </a:solidFill>
+              <a:latin typeface="Century Gothic" panose="020B0502020202020204" pitchFamily="34" charset="0"/>
+            </a:endParaRPr>
           </a:p>
         </p:txBody>
       </p:sp>
       <p:sp>
         <p:nvSpPr>
-          <p:cNvPr id="42" name="Rectangle 41"/>
+          <p:cNvPr id="40" name="Rounded Rectangle 39"/>
           <p:cNvSpPr/>
           <p:nvPr/>
         </p:nvSpPr>
         <p:spPr>
           <a:xfrm>
-            <a:off x="5397257" y="4654299"/>
-            <a:ext cx="2103922" cy="433137"/>
-          </a:xfrm>
-          <a:prstGeom prst="rect">
+            <a:off x="4775644" y="2433731"/>
+            <a:ext cx="2606933" cy="324693"/>
+          </a:xfrm>
+          <a:prstGeom prst="roundRect">
             <a:avLst/>
           </a:prstGeom>
           <a:solidFill>
             <a:schemeClr val="bg1"/>
           </a:solidFill>
           <a:ln>
-            <a:noFill/>
+            <a:solidFill>
+              <a:srgbClr val="FF0000"/>
+            </a:solidFill>
           </a:ln>
-          <a:effectLst>
-            <a:innerShdw blurRad="63500" dist="50800" dir="13500000">
-              <a:prstClr val="black">
-                <a:alpha val="50000"/>
-              </a:prstClr>
-            </a:innerShdw>
-          </a:effectLst>
         </p:spPr>
         <p:style>
           <a:lnRef idx="2">
@@ -14833,24 +14853,19 @@
       </p:sp>
       <p:sp>
         <p:nvSpPr>
-          <p:cNvPr id="57" name="Chord 56"/>
+          <p:cNvPr id="41" name="Rectangle 40"/>
           <p:cNvSpPr/>
           <p:nvPr/>
         </p:nvSpPr>
         <p:spPr>
-          <a:xfrm rot="7983879">
-            <a:off x="5467164" y="5171363"/>
-            <a:ext cx="1244848" cy="1250216"/>
-          </a:xfrm>
-          <a:prstGeom prst="chord">
-            <a:avLst>
-              <a:gd name="adj1" fmla="val 2476101"/>
-              <a:gd name="adj2" fmla="val 13931417"/>
-            </a:avLst>
-          </a:prstGeom>
-          <a:solidFill>
-            <a:srgbClr val="8E0000"/>
-          </a:solidFill>
+          <a:xfrm>
+            <a:off x="4726509" y="2917797"/>
+            <a:ext cx="1214479" cy="449178"/>
+          </a:xfrm>
+          <a:prstGeom prst="rect">
+            <a:avLst/>
+          </a:prstGeom>
+          <a:noFill/>
           <a:ln>
             <a:noFill/>
           </a:ln>
@@ -14875,70 +14890,46 @@
           <a:bodyPr rtlCol="1" anchor="ctr"/>
           <a:lstStyle/>
           <a:p>
-            <a:pPr algn="ctr"/>
-            <a:endParaRPr lang="he-IL"/>
+            <a:pPr algn="l"/>
+            <a:r>
+              <a:rPr lang="en-US" dirty="0" smtClean="0">
+                <a:solidFill>
+                  <a:srgbClr val="C00000"/>
+                </a:solidFill>
+                <a:latin typeface="Century Gothic" panose="020B0502020202020204" pitchFamily="34" charset="0"/>
+              </a:rPr>
+              <a:t>TO</a:t>
+            </a:r>
+            <a:endParaRPr lang="he-IL" sz="2400" dirty="0">
+              <a:solidFill>
+                <a:srgbClr val="C00000"/>
+              </a:solidFill>
+              <a:latin typeface="Century Gothic" panose="020B0502020202020204" pitchFamily="34" charset="0"/>
+            </a:endParaRPr>
           </a:p>
         </p:txBody>
       </p:sp>
       <p:sp>
         <p:nvSpPr>
-          <p:cNvPr id="58" name="Rectangle 57"/>
+          <p:cNvPr id="42" name="Rounded Rectangle 41"/>
           <p:cNvSpPr/>
           <p:nvPr/>
         </p:nvSpPr>
         <p:spPr>
           <a:xfrm>
-            <a:off x="5737871" y="5316379"/>
-            <a:ext cx="732894" cy="523220"/>
-          </a:xfrm>
-          <a:prstGeom prst="rect">
-            <a:avLst/>
-          </a:prstGeom>
-        </p:spPr>
-        <p:txBody>
-          <a:bodyPr wrap="none">
-            <a:spAutoFit/>
-          </a:bodyPr>
-          <a:lstStyle/>
-          <a:p>
-            <a:pPr algn="ctr"/>
-            <a:r>
-              <a:rPr lang="en-US" sz="2800" dirty="0" smtClean="0">
-                <a:solidFill>
-                  <a:schemeClr val="bg1"/>
-                </a:solidFill>
-                <a:latin typeface="Century Gothic" panose="020B0502020202020204" pitchFamily="34" charset="0"/>
-              </a:rPr>
-              <a:t>Go</a:t>
-            </a:r>
-            <a:endParaRPr lang="he-IL" sz="3600" dirty="0">
-              <a:solidFill>
-                <a:schemeClr val="bg1"/>
-              </a:solidFill>
-              <a:latin typeface="Century Gothic" panose="020B0502020202020204" pitchFamily="34" charset="0"/>
-            </a:endParaRPr>
-          </a:p>
-        </p:txBody>
-      </p:sp>
-      <p:sp>
-        <p:nvSpPr>
-          <p:cNvPr id="66" name="Rectangle 65"/>
-          <p:cNvSpPr/>
-          <p:nvPr/>
-        </p:nvSpPr>
-        <p:spPr>
-          <a:xfrm>
-            <a:off x="4663030" y="1626919"/>
-            <a:ext cx="2153452" cy="540804"/>
-          </a:xfrm>
-          <a:prstGeom prst="rect">
+            <a:off x="4786501" y="3377958"/>
+            <a:ext cx="2606933" cy="324693"/>
+          </a:xfrm>
+          <a:prstGeom prst="roundRect">
             <a:avLst/>
           </a:prstGeom>
           <a:solidFill>
-            <a:srgbClr val="C00000"/>
+            <a:schemeClr val="bg1"/>
           </a:solidFill>
           <a:ln>
-            <a:noFill/>
+            <a:solidFill>
+              <a:srgbClr val="FF0000"/>
+            </a:solidFill>
           </a:ln>
         </p:spPr>
         <p:style>
@@ -14961,72 +14952,26 @@
           <a:bodyPr rtlCol="1" anchor="ctr"/>
           <a:lstStyle/>
           <a:p>
-            <a:r>
-              <a:rPr lang="en-US" sz="1200" dirty="0">
-                <a:solidFill>
-                  <a:schemeClr val="bg1"/>
-                </a:solidFill>
-                <a:latin typeface="Century Gothic" panose="020B0502020202020204" pitchFamily="34" charset="0"/>
-              </a:rPr>
-              <a:t>Where are you?</a:t>
-            </a:r>
-            <a:endParaRPr lang="he-IL" sz="1600" dirty="0">
-              <a:solidFill>
-                <a:schemeClr val="bg1"/>
-              </a:solidFill>
-              <a:latin typeface="Century Gothic" panose="020B0502020202020204" pitchFamily="34" charset="0"/>
-            </a:endParaRPr>
+            <a:pPr algn="ctr"/>
+            <a:endParaRPr lang="he-IL"/>
           </a:p>
         </p:txBody>
       </p:sp>
       <p:sp>
         <p:nvSpPr>
-          <p:cNvPr id="73" name="Rectangle 72"/>
+          <p:cNvPr id="43" name="Rectangle 42"/>
           <p:cNvSpPr/>
           <p:nvPr/>
         </p:nvSpPr>
         <p:spPr>
           <a:xfrm>
-            <a:off x="4637683" y="1712458"/>
-            <a:ext cx="2845869" cy="461665"/>
-          </a:xfrm>
-          <a:prstGeom prst="rect">
-            <a:avLst/>
-          </a:prstGeom>
-        </p:spPr>
-        <p:txBody>
-          <a:bodyPr wrap="square">
-            <a:spAutoFit/>
-          </a:bodyPr>
-          <a:lstStyle/>
-          <a:p>
-            <a:pPr algn="ctr"/>
-            <a:endParaRPr lang="he-IL" sz="2400" dirty="0">
-              <a:solidFill>
-                <a:schemeClr val="bg1"/>
-              </a:solidFill>
-              <a:latin typeface="Century Gothic" panose="020B0502020202020204" pitchFamily="34" charset="0"/>
-            </a:endParaRPr>
-          </a:p>
-        </p:txBody>
-      </p:sp>
-      <p:sp>
-        <p:nvSpPr>
-          <p:cNvPr id="77" name="Rectangle 76"/>
-          <p:cNvSpPr/>
-          <p:nvPr/>
-        </p:nvSpPr>
-        <p:spPr>
-          <a:xfrm>
-            <a:off x="4666777" y="2900805"/>
-            <a:ext cx="2152800" cy="540000"/>
-          </a:xfrm>
-          <a:prstGeom prst="rect">
-            <a:avLst/>
-          </a:prstGeom>
-          <a:solidFill>
-            <a:srgbClr val="C00000"/>
-          </a:solidFill>
+            <a:off x="4730330" y="3939924"/>
+            <a:ext cx="1214479" cy="449178"/>
+          </a:xfrm>
+          <a:prstGeom prst="rect">
+            <a:avLst/>
+          </a:prstGeom>
+          <a:noFill/>
           <a:ln>
             <a:noFill/>
           </a:ln>
@@ -15051,46 +14996,16 @@
           <a:bodyPr rtlCol="1" anchor="ctr"/>
           <a:lstStyle/>
           <a:p>
+            <a:pPr algn="l"/>
             <a:r>
-              <a:rPr lang="en-US" sz="1200" dirty="0">
+              <a:rPr lang="en-US" dirty="0" smtClean="0">
                 <a:solidFill>
-                  <a:schemeClr val="bg1"/>
+                  <a:srgbClr val="C00000"/>
                 </a:solidFill>
                 <a:latin typeface="Century Gothic" panose="020B0502020202020204" pitchFamily="34" charset="0"/>
               </a:rPr>
-              <a:t>Where are you heading?</a:t>
+              <a:t>WHEN</a:t>
             </a:r>
-            <a:endParaRPr lang="he-IL" sz="1600" dirty="0">
-              <a:solidFill>
-                <a:schemeClr val="bg1"/>
-              </a:solidFill>
-              <a:latin typeface="Century Gothic" panose="020B0502020202020204" pitchFamily="34" charset="0"/>
-            </a:endParaRPr>
-          </a:p>
-        </p:txBody>
-      </p:sp>
-      <p:sp>
-        <p:nvSpPr>
-          <p:cNvPr id="78" name="Rectangle 77"/>
-          <p:cNvSpPr/>
-          <p:nvPr/>
-        </p:nvSpPr>
-        <p:spPr>
-          <a:xfrm>
-            <a:off x="4637683" y="2934722"/>
-            <a:ext cx="2845869" cy="461665"/>
-          </a:xfrm>
-          <a:prstGeom prst="rect">
-            <a:avLst/>
-          </a:prstGeom>
-        </p:spPr>
-        <p:txBody>
-          <a:bodyPr wrap="square">
-            <a:spAutoFit/>
-          </a:bodyPr>
-          <a:lstStyle/>
-          <a:p>
-            <a:pPr algn="ctr"/>
             <a:endParaRPr lang="he-IL" sz="2400" dirty="0">
               <a:solidFill>
                 <a:srgbClr val="C00000"/>
@@ -15102,23 +15017,25 @@
       </p:sp>
       <p:sp>
         <p:nvSpPr>
-          <p:cNvPr id="81" name="Rectangle 80"/>
+          <p:cNvPr id="44" name="Rounded Rectangle 43"/>
           <p:cNvSpPr/>
           <p:nvPr/>
         </p:nvSpPr>
         <p:spPr>
           <a:xfrm>
-            <a:off x="4666348" y="4123069"/>
-            <a:ext cx="2152800" cy="540804"/>
-          </a:xfrm>
-          <a:prstGeom prst="rect">
+            <a:off x="4808446" y="4398518"/>
+            <a:ext cx="2606933" cy="324693"/>
+          </a:xfrm>
+          <a:prstGeom prst="roundRect">
             <a:avLst/>
           </a:prstGeom>
           <a:solidFill>
-            <a:srgbClr val="C00000"/>
+            <a:schemeClr val="bg1"/>
           </a:solidFill>
           <a:ln>
-            <a:noFill/>
+            <a:solidFill>
+              <a:srgbClr val="FF0000"/>
+            </a:solidFill>
           </a:ln>
         </p:spPr>
         <p:style>
@@ -15141,41 +15058,149 @@
           <a:bodyPr rtlCol="1" anchor="ctr"/>
           <a:lstStyle/>
           <a:p>
-            <a:r>
-              <a:rPr lang="en-US" sz="1200" dirty="0" smtClean="0">
-                <a:solidFill>
-                  <a:schemeClr val="bg1"/>
-                </a:solidFill>
-                <a:latin typeface="Century Gothic" panose="020B0502020202020204" pitchFamily="34" charset="0"/>
-              </a:rPr>
-              <a:t>When?</a:t>
-            </a:r>
-            <a:endParaRPr lang="he-IL" sz="1600" dirty="0">
-              <a:solidFill>
-                <a:schemeClr val="bg1"/>
-              </a:solidFill>
-              <a:latin typeface="Century Gothic" panose="020B0502020202020204" pitchFamily="34" charset="0"/>
-            </a:endParaRPr>
+            <a:pPr algn="ctr"/>
+            <a:endParaRPr lang="he-IL"/>
           </a:p>
         </p:txBody>
       </p:sp>
+      <p:pic>
+        <p:nvPicPr>
+          <p:cNvPr id="45" name="Picture 44"/>
+          <p:cNvPicPr>
+            <a:picLocks noChangeAspect="1"/>
+          </p:cNvPicPr>
+          <p:nvPr/>
+        </p:nvPicPr>
+        <p:blipFill>
+          <a:blip r:embed="rId8">
+            <a:extLst>
+              <a:ext uri="{BEBA8EAE-BF5A-486C-A8C5-ECC9F3942E4B}">
+                <a14:imgProps xmlns:a14="http://schemas.microsoft.com/office/drawing/2010/main">
+                  <a14:imgLayer r:embed="rId9">
+                    <a14:imgEffect>
+                      <a14:backgroundRemoval t="195" b="100000" l="1172" r="89844"/>
+                    </a14:imgEffect>
+                  </a14:imgLayer>
+                </a14:imgProps>
+              </a:ext>
+            </a:extLst>
+          </a:blip>
+          <a:stretch>
+            <a:fillRect/>
+          </a:stretch>
+        </p:blipFill>
+        <p:spPr>
+          <a:xfrm>
+            <a:off x="7119136" y="2490307"/>
+            <a:ext cx="206224" cy="206224"/>
+          </a:xfrm>
+          <a:prstGeom prst="rect">
+            <a:avLst/>
+          </a:prstGeom>
+        </p:spPr>
+      </p:pic>
+      <p:pic>
+        <p:nvPicPr>
+          <p:cNvPr id="46" name="Picture 45"/>
+          <p:cNvPicPr>
+            <a:picLocks noChangeAspect="1"/>
+          </p:cNvPicPr>
+          <p:nvPr/>
+        </p:nvPicPr>
+        <p:blipFill>
+          <a:blip r:embed="rId8">
+            <a:extLst>
+              <a:ext uri="{BEBA8EAE-BF5A-486C-A8C5-ECC9F3942E4B}">
+                <a14:imgProps xmlns:a14="http://schemas.microsoft.com/office/drawing/2010/main">
+                  <a14:imgLayer r:embed="rId9">
+                    <a14:imgEffect>
+                      <a14:backgroundRemoval t="195" b="100000" l="1172" r="89844"/>
+                    </a14:imgEffect>
+                  </a14:imgLayer>
+                </a14:imgProps>
+              </a:ext>
+            </a:extLst>
+          </a:blip>
+          <a:stretch>
+            <a:fillRect/>
+          </a:stretch>
+        </p:blipFill>
+        <p:spPr>
+          <a:xfrm>
+            <a:off x="7119136" y="3454292"/>
+            <a:ext cx="206224" cy="206224"/>
+          </a:xfrm>
+          <a:prstGeom prst="rect">
+            <a:avLst/>
+          </a:prstGeom>
+        </p:spPr>
+      </p:pic>
+      <p:pic>
+        <p:nvPicPr>
+          <p:cNvPr id="47" name="Picture 46"/>
+          <p:cNvPicPr>
+            <a:picLocks noChangeAspect="1"/>
+          </p:cNvPicPr>
+          <p:nvPr/>
+        </p:nvPicPr>
+        <p:blipFill>
+          <a:blip r:embed="rId10">
+            <a:extLst>
+              <a:ext uri="{BEBA8EAE-BF5A-486C-A8C5-ECC9F3942E4B}">
+                <a14:imgProps xmlns:a14="http://schemas.microsoft.com/office/drawing/2010/main">
+                  <a14:imgLayer r:embed="rId11">
+                    <a14:imgEffect>
+                      <a14:backgroundRemoval t="586" b="100000" l="0" r="100000">
+                        <a14:foregroundMark x1="23828" y1="16016" x2="23828" y2="16016"/>
+                        <a14:foregroundMark x1="73828" y1="16211" x2="73828" y2="16211"/>
+                        <a14:foregroundMark x1="62891" y1="44922" x2="62891" y2="44922"/>
+                        <a14:foregroundMark x1="81250" y1="47070" x2="81250" y2="47070"/>
+                        <a14:foregroundMark x1="79297" y1="60547" x2="79297" y2="60547"/>
+                        <a14:foregroundMark x1="53516" y1="67188" x2="53516" y2="67188"/>
+                        <a14:foregroundMark x1="37891" y1="67969" x2="37891" y2="67969"/>
+                        <a14:foregroundMark x1="26367" y1="66992" x2="26367" y2="66992"/>
+                        <a14:foregroundMark x1="25000" y1="75586" x2="25000" y2="75586"/>
+                        <a14:foregroundMark x1="39453" y1="79492" x2="39453" y2="79492"/>
+                        <a14:foregroundMark x1="61133" y1="79688" x2="61133" y2="79688"/>
+                        <a14:foregroundMark x1="81836" y1="79102" x2="81836" y2="79102"/>
+                      </a14:backgroundRemoval>
+                    </a14:imgEffect>
+                  </a14:imgLayer>
+                </a14:imgProps>
+              </a:ext>
+            </a:extLst>
+          </a:blip>
+          <a:stretch>
+            <a:fillRect/>
+          </a:stretch>
+        </p:blipFill>
+        <p:spPr>
+          <a:xfrm>
+            <a:off x="7119136" y="4457753"/>
+            <a:ext cx="206224" cy="206224"/>
+          </a:xfrm>
+          <a:prstGeom prst="rect">
+            <a:avLst/>
+          </a:prstGeom>
+        </p:spPr>
+      </p:pic>
     </p:spTree>
     <p:extLst>
       <p:ext uri="{BB962C8B-B14F-4D97-AF65-F5344CB8AC3E}">
-        <p14:creationId xmlns:p14="http://schemas.microsoft.com/office/powerpoint/2010/main" val="1485466603"/>
+        <p14:creationId xmlns:p14="http://schemas.microsoft.com/office/powerpoint/2010/main" val="3760697486"/>
       </p:ext>
     </p:extLst>
   </p:cSld>
   <p:clrMapOvr>
     <a:masterClrMapping/>
   </p:clrMapOvr>
-  <mc:AlternateContent xmlns:mc="http://schemas.openxmlformats.org/markup-compatibility/2006" xmlns:p14="http://schemas.microsoft.com/office/powerpoint/2010/main">
-    <mc:Choice Requires="p14">
+  <mc:AlternateContent xmlns:mc="http://schemas.openxmlformats.org/markup-compatibility/2006">
+    <mc:Choice xmlns:p14="http://schemas.microsoft.com/office/powerpoint/2010/main" Requires="p14">
       <p:transition spd="med" p14:dur="700">
         <p:fade/>
       </p:transition>
     </mc:Choice>
-    <mc:Fallback xmlns="">
+    <mc:Fallback>
       <p:transition spd="med">
         <p:fade/>
       </p:transition>
@@ -17388,47 +17413,6 @@
       </p:sp>
       <p:pic>
         <p:nvPicPr>
-          <p:cNvPr id="1026" name="Picture 2" descr="https://fbcdn-sphotos-c-a.akamaihd.net/hphotos-ak-prn2/v/t1.0-9/558617_496479173697011_745885139_n.jpg?oh=05f90387fce5a2ab60ff626da8046fb4&amp;oe=55B810BD&amp;__gda__=1441131251_b641de8fc77e4e86dec2fc55f843cd6a"/>
-          <p:cNvPicPr>
-            <a:picLocks noChangeAspect="1" noChangeArrowheads="1"/>
-          </p:cNvPicPr>
-          <p:nvPr/>
-        </p:nvPicPr>
-        <p:blipFill>
-          <a:blip r:embed="rId9" cstate="print">
-            <a:extLst>
-              <a:ext uri="{28A0092B-C50C-407E-A947-70E740481C1C}">
-                <a14:useLocalDpi xmlns:a14="http://schemas.microsoft.com/office/drawing/2010/main" val="0"/>
-              </a:ext>
-            </a:extLst>
-          </a:blip>
-          <a:srcRect/>
-          <a:stretch>
-            <a:fillRect/>
-          </a:stretch>
-        </p:blipFill>
-        <p:spPr bwMode="auto">
-          <a:xfrm>
-            <a:off x="6976077" y="824512"/>
-            <a:ext cx="537562" cy="537562"/>
-          </a:xfrm>
-          <a:prstGeom prst="rect">
-            <a:avLst/>
-          </a:prstGeom>
-          <a:noFill/>
-          <a:extLst>
-            <a:ext uri="{909E8E84-426E-40DD-AFC4-6F175D3DCCD1}">
-              <a14:hiddenFill xmlns:a14="http://schemas.microsoft.com/office/drawing/2010/main">
-                <a:solidFill>
-                  <a:srgbClr val="FFFFFF"/>
-                </a:solidFill>
-              </a14:hiddenFill>
-            </a:ext>
-          </a:extLst>
-        </p:spPr>
-      </p:pic>
-      <p:pic>
-        <p:nvPicPr>
           <p:cNvPr id="2" name="Picture 1"/>
           <p:cNvPicPr>
             <a:picLocks noChangeAspect="1"/>
@@ -17436,11 +17420,11 @@
           <p:nvPr/>
         </p:nvPicPr>
         <p:blipFill>
-          <a:blip r:embed="rId10">
+          <a:blip r:embed="rId9">
             <a:extLst>
               <a:ext uri="{BEBA8EAE-BF5A-486C-A8C5-ECC9F3942E4B}">
                 <a14:imgProps xmlns:a14="http://schemas.microsoft.com/office/drawing/2010/main">
-                  <a14:imgLayer r:embed="rId11">
+                  <a14:imgLayer r:embed="rId10">
                     <a14:imgEffect>
                       <a14:backgroundRemoval t="586" b="98438" l="0" r="100000">
                         <a14:foregroundMark x1="49219" y1="40820" x2="49609" y2="46289"/>
@@ -17545,7 +17529,7 @@
           <p:nvPr/>
         </p:nvPicPr>
         <p:blipFill>
-          <a:blip r:embed="rId12"/>
+          <a:blip r:embed="rId11"/>
           <a:stretch>
             <a:fillRect/>
           </a:stretch>
@@ -17661,7 +17645,7 @@
             <p:nvPr/>
           </p:nvPicPr>
           <p:blipFill>
-            <a:blip r:embed="rId13" cstate="print">
+            <a:blip r:embed="rId12" cstate="print">
               <a:extLst>
                 <a:ext uri="{28A0092B-C50C-407E-A947-70E740481C1C}">
                   <a14:useLocalDpi xmlns:a14="http://schemas.microsoft.com/office/drawing/2010/main" val="0"/>
@@ -17794,7 +17778,7 @@
             <p:nvPr/>
           </p:nvPicPr>
           <p:blipFill>
-            <a:blip r:embed="rId14"/>
+            <a:blip r:embed="rId13"/>
             <a:stretch>
               <a:fillRect/>
             </a:stretch>
@@ -17924,7 +17908,7 @@
             <p:nvPr/>
           </p:nvPicPr>
           <p:blipFill rotWithShape="1">
-            <a:blip r:embed="rId15" cstate="print">
+            <a:blip r:embed="rId14" cstate="print">
               <a:extLst>
                 <a:ext uri="{28A0092B-C50C-407E-A947-70E740481C1C}">
                   <a14:useLocalDpi xmlns:a14="http://schemas.microsoft.com/office/drawing/2010/main" val="0"/>
@@ -17985,11 +17969,11 @@
             <p:nvPr/>
           </p:nvPicPr>
           <p:blipFill>
-            <a:blip r:embed="rId16">
+            <a:blip r:embed="rId15">
               <a:extLst>
                 <a:ext uri="{BEBA8EAE-BF5A-486C-A8C5-ECC9F3942E4B}">
                   <a14:imgProps xmlns:a14="http://schemas.microsoft.com/office/drawing/2010/main">
-                    <a14:imgLayer r:embed="rId17">
+                    <a14:imgLayer r:embed="rId16">
                       <a14:imgEffect>
                         <a14:backgroundRemoval t="0" b="100000" l="9375" r="89844">
                           <a14:foregroundMark x1="21680" y1="29883" x2="21680" y2="29883"/>
@@ -18188,14 +18172,14 @@
           <p:nvPr/>
         </p:nvPicPr>
         <p:blipFill>
-          <a:blip r:embed="rId18"/>
+          <a:blip r:embed="rId17"/>
           <a:stretch>
             <a:fillRect/>
           </a:stretch>
         </p:blipFill>
         <p:spPr>
           <a:xfrm>
-            <a:off x="6662105" y="965126"/>
+            <a:off x="6746229" y="964780"/>
             <a:ext cx="249413" cy="249413"/>
           </a:xfrm>
           <a:prstGeom prst="rect">
@@ -18272,7 +18256,7 @@
             <p:nvPr/>
           </p:nvPicPr>
           <p:blipFill>
-            <a:blip r:embed="rId19"/>
+            <a:blip r:embed="rId18"/>
             <a:stretch>
               <a:fillRect/>
             </a:stretch>
@@ -18297,7 +18281,7 @@
           <p:nvPr/>
         </p:nvPicPr>
         <p:blipFill>
-          <a:blip r:embed="rId20" cstate="print">
+          <a:blip r:embed="rId19" cstate="print">
             <a:extLst>
               <a:ext uri="{28A0092B-C50C-407E-A947-70E740481C1C}">
                 <a14:useLocalDpi xmlns:a14="http://schemas.microsoft.com/office/drawing/2010/main" val="0"/>
@@ -18411,6 +18395,45 @@
           </a:p>
         </p:txBody>
       </p:sp>
+      <p:pic>
+        <p:nvPicPr>
+          <p:cNvPr id="52" name="Picture 51"/>
+          <p:cNvPicPr>
+            <a:picLocks noChangeAspect="1"/>
+          </p:cNvPicPr>
+          <p:nvPr/>
+        </p:nvPicPr>
+        <p:blipFill>
+          <a:blip r:embed="rId20">
+            <a:extLst>
+              <a:ext uri="{BEBA8EAE-BF5A-486C-A8C5-ECC9F3942E4B}">
+                <a14:imgProps xmlns:a14="http://schemas.microsoft.com/office/drawing/2010/main">
+                  <a14:imgLayer r:embed="rId21">
+                    <a14:imgEffect>
+                      <a14:backgroundRemoval t="9961" b="89844" l="0" r="100000">
+                        <a14:foregroundMark x1="49414" y1="14063" x2="49414" y2="14063"/>
+                        <a14:foregroundMark x1="63672" y1="52344" x2="63672" y2="52344"/>
+                      </a14:backgroundRemoval>
+                    </a14:imgEffect>
+                  </a14:imgLayer>
+                </a14:imgProps>
+              </a:ext>
+            </a:extLst>
+          </a:blip>
+          <a:stretch>
+            <a:fillRect/>
+          </a:stretch>
+        </p:blipFill>
+        <p:spPr>
+          <a:xfrm>
+            <a:off x="7120348" y="947669"/>
+            <a:ext cx="274816" cy="274816"/>
+          </a:xfrm>
+          <a:prstGeom prst="rect">
+            <a:avLst/>
+          </a:prstGeom>
+        </p:spPr>
+      </p:pic>
     </p:spTree>
     <p:extLst>
       <p:ext uri="{BB962C8B-B14F-4D97-AF65-F5344CB8AC3E}">
@@ -19458,47 +19481,6 @@
           </a:graphicData>
         </a:graphic>
       </p:graphicFrame>
-      <p:pic>
-        <p:nvPicPr>
-          <p:cNvPr id="1026" name="Picture 2" descr="https://fbcdn-sphotos-c-a.akamaihd.net/hphotos-ak-prn2/v/t1.0-9/558617_496479173697011_745885139_n.jpg?oh=05f90387fce5a2ab60ff626da8046fb4&amp;oe=55B810BD&amp;__gda__=1441131251_b641de8fc77e4e86dec2fc55f843cd6a"/>
-          <p:cNvPicPr>
-            <a:picLocks noChangeAspect="1" noChangeArrowheads="1"/>
-          </p:cNvPicPr>
-          <p:nvPr/>
-        </p:nvPicPr>
-        <p:blipFill>
-          <a:blip r:embed="rId7" cstate="print">
-            <a:extLst>
-              <a:ext uri="{28A0092B-C50C-407E-A947-70E740481C1C}">
-                <a14:useLocalDpi xmlns:a14="http://schemas.microsoft.com/office/drawing/2010/main" val="0"/>
-              </a:ext>
-            </a:extLst>
-          </a:blip>
-          <a:srcRect/>
-          <a:stretch>
-            <a:fillRect/>
-          </a:stretch>
-        </p:blipFill>
-        <p:spPr bwMode="auto">
-          <a:xfrm>
-            <a:off x="6976077" y="824512"/>
-            <a:ext cx="537562" cy="537562"/>
-          </a:xfrm>
-          <a:prstGeom prst="rect">
-            <a:avLst/>
-          </a:prstGeom>
-          <a:noFill/>
-          <a:extLst>
-            <a:ext uri="{909E8E84-426E-40DD-AFC4-6F175D3DCCD1}">
-              <a14:hiddenFill xmlns:a14="http://schemas.microsoft.com/office/drawing/2010/main">
-                <a:solidFill>
-                  <a:srgbClr val="FFFFFF"/>
-                </a:solidFill>
-              </a14:hiddenFill>
-            </a:ext>
-          </a:extLst>
-        </p:spPr>
-      </p:pic>
       <p:grpSp>
         <p:nvGrpSpPr>
           <p:cNvPr id="18" name="Group 17"/>
@@ -19522,7 +19504,7 @@
             <p:nvPr/>
           </p:nvPicPr>
           <p:blipFill>
-            <a:blip r:embed="rId8" cstate="print">
+            <a:blip r:embed="rId7" cstate="print">
               <a:extLst>
                 <a:ext uri="{28A0092B-C50C-407E-A947-70E740481C1C}">
                   <a14:useLocalDpi xmlns:a14="http://schemas.microsoft.com/office/drawing/2010/main" val="0"/>
@@ -19655,7 +19637,7 @@
             <p:nvPr/>
           </p:nvPicPr>
           <p:blipFill>
-            <a:blip r:embed="rId9"/>
+            <a:blip r:embed="rId8"/>
             <a:stretch>
               <a:fillRect/>
             </a:stretch>
@@ -19733,7 +19715,7 @@
             <p:nvPr/>
           </p:nvPicPr>
           <p:blipFill rotWithShape="1">
-            <a:blip r:embed="rId10" cstate="print">
+            <a:blip r:embed="rId9" cstate="print">
               <a:extLst>
                 <a:ext uri="{28A0092B-C50C-407E-A947-70E740481C1C}">
                   <a14:useLocalDpi xmlns:a14="http://schemas.microsoft.com/office/drawing/2010/main" val="0"/>
@@ -19794,11 +19776,11 @@
             <p:nvPr/>
           </p:nvPicPr>
           <p:blipFill>
-            <a:blip r:embed="rId11">
+            <a:blip r:embed="rId10">
               <a:extLst>
                 <a:ext uri="{BEBA8EAE-BF5A-486C-A8C5-ECC9F3942E4B}">
                   <a14:imgProps xmlns:a14="http://schemas.microsoft.com/office/drawing/2010/main">
-                    <a14:imgLayer r:embed="rId12">
+                    <a14:imgLayer r:embed="rId11">
                       <a14:imgEffect>
                         <a14:backgroundRemoval t="0" b="100000" l="9375" r="89844">
                           <a14:foregroundMark x1="21680" y1="29883" x2="21680" y2="29883"/>
@@ -19988,30 +19970,6 @@
           </p:txBody>
         </p:sp>
       </p:grpSp>
-      <p:pic>
-        <p:nvPicPr>
-          <p:cNvPr id="50" name="Picture 49"/>
-          <p:cNvPicPr>
-            <a:picLocks noChangeAspect="1"/>
-          </p:cNvPicPr>
-          <p:nvPr/>
-        </p:nvPicPr>
-        <p:blipFill>
-          <a:blip r:embed="rId13"/>
-          <a:stretch>
-            <a:fillRect/>
-          </a:stretch>
-        </p:blipFill>
-        <p:spPr>
-          <a:xfrm>
-            <a:off x="6662105" y="965126"/>
-            <a:ext cx="249413" cy="249413"/>
-          </a:xfrm>
-          <a:prstGeom prst="rect">
-            <a:avLst/>
-          </a:prstGeom>
-        </p:spPr>
-      </p:pic>
       <p:grpSp>
         <p:nvGrpSpPr>
           <p:cNvPr id="4" name="Group 3"/>
@@ -20035,7 +19993,7 @@
             <p:nvPr/>
           </p:nvPicPr>
           <p:blipFill>
-            <a:blip r:embed="rId14" cstate="print">
+            <a:blip r:embed="rId12" cstate="print">
               <a:extLst>
                 <a:ext uri="{28A0092B-C50C-407E-A947-70E740481C1C}">
                   <a14:useLocalDpi xmlns:a14="http://schemas.microsoft.com/office/drawing/2010/main" val="0"/>
@@ -20245,11 +20203,11 @@
             <p:nvPr/>
           </p:nvPicPr>
           <p:blipFill>
-            <a:blip r:embed="rId15">
+            <a:blip r:embed="rId13">
               <a:extLst>
                 <a:ext uri="{BEBA8EAE-BF5A-486C-A8C5-ECC9F3942E4B}">
                   <a14:imgProps xmlns:a14="http://schemas.microsoft.com/office/drawing/2010/main">
-                    <a14:imgLayer r:embed="rId16">
+                    <a14:imgLayer r:embed="rId14">
                       <a14:imgEffect>
                         <a14:backgroundRemoval t="586" b="98438" l="0" r="100000">
                           <a14:foregroundMark x1="49219" y1="40820" x2="49609" y2="46289"/>
@@ -20344,7 +20302,7 @@
             <p:nvPr/>
           </p:nvPicPr>
           <p:blipFill>
-            <a:blip r:embed="rId17"/>
+            <a:blip r:embed="rId15"/>
             <a:stretch>
               <a:fillRect/>
             </a:stretch>
@@ -20369,7 +20327,7 @@
           <p:nvPr/>
         </p:nvPicPr>
         <p:blipFill>
-          <a:blip r:embed="rId18" cstate="print">
+          <a:blip r:embed="rId16" cstate="print">
             <a:extLst>
               <a:ext uri="{28A0092B-C50C-407E-A947-70E740481C1C}">
                 <a14:useLocalDpi xmlns:a14="http://schemas.microsoft.com/office/drawing/2010/main" val="0"/>
@@ -20492,7 +20450,7 @@
           <p:nvPr/>
         </p:nvPicPr>
         <p:blipFill>
-          <a:blip r:embed="rId19" cstate="print">
+          <a:blip r:embed="rId17" cstate="print">
             <a:extLst>
               <a:ext uri="{28A0092B-C50C-407E-A947-70E740481C1C}">
                 <a14:useLocalDpi xmlns:a14="http://schemas.microsoft.com/office/drawing/2010/main" val="0"/>
@@ -20622,6 +20580,117 @@
               <a:t>users! Visit us a terminal 2.</a:t>
             </a:r>
             <a:endParaRPr lang="he-IL" sz="900" dirty="0"/>
+          </a:p>
+        </p:txBody>
+      </p:sp>
+      <p:pic>
+        <p:nvPicPr>
+          <p:cNvPr id="45" name="Picture 44"/>
+          <p:cNvPicPr>
+            <a:picLocks noChangeAspect="1"/>
+          </p:cNvPicPr>
+          <p:nvPr/>
+        </p:nvPicPr>
+        <p:blipFill>
+          <a:blip r:embed="rId18"/>
+          <a:stretch>
+            <a:fillRect/>
+          </a:stretch>
+        </p:blipFill>
+        <p:spPr>
+          <a:xfrm>
+            <a:off x="6746229" y="964780"/>
+            <a:ext cx="249413" cy="249413"/>
+          </a:xfrm>
+          <a:prstGeom prst="rect">
+            <a:avLst/>
+          </a:prstGeom>
+        </p:spPr>
+      </p:pic>
+      <p:pic>
+        <p:nvPicPr>
+          <p:cNvPr id="46" name="Picture 45"/>
+          <p:cNvPicPr>
+            <a:picLocks noChangeAspect="1"/>
+          </p:cNvPicPr>
+          <p:nvPr/>
+        </p:nvPicPr>
+        <p:blipFill>
+          <a:blip r:embed="rId19">
+            <a:extLst>
+              <a:ext uri="{BEBA8EAE-BF5A-486C-A8C5-ECC9F3942E4B}">
+                <a14:imgProps xmlns:a14="http://schemas.microsoft.com/office/drawing/2010/main">
+                  <a14:imgLayer r:embed="rId20">
+                    <a14:imgEffect>
+                      <a14:backgroundRemoval t="9961" b="89844" l="0" r="100000">
+                        <a14:foregroundMark x1="49414" y1="14063" x2="49414" y2="14063"/>
+                        <a14:foregroundMark x1="63672" y1="52344" x2="63672" y2="52344"/>
+                      </a14:backgroundRemoval>
+                    </a14:imgEffect>
+                  </a14:imgLayer>
+                </a14:imgProps>
+              </a:ext>
+            </a:extLst>
+          </a:blip>
+          <a:stretch>
+            <a:fillRect/>
+          </a:stretch>
+        </p:blipFill>
+        <p:spPr>
+          <a:xfrm>
+            <a:off x="7120348" y="947669"/>
+            <a:ext cx="274816" cy="274816"/>
+          </a:xfrm>
+          <a:prstGeom prst="rect">
+            <a:avLst/>
+          </a:prstGeom>
+        </p:spPr>
+      </p:pic>
+      <p:sp>
+        <p:nvSpPr>
+          <p:cNvPr id="47" name="Rectangle 46"/>
+          <p:cNvSpPr/>
+          <p:nvPr/>
+        </p:nvSpPr>
+        <p:spPr>
+          <a:xfrm flipV="1">
+            <a:off x="4687470" y="1589823"/>
+            <a:ext cx="941805" cy="45719"/>
+          </a:xfrm>
+          <a:prstGeom prst="rect">
+            <a:avLst/>
+          </a:prstGeom>
+          <a:solidFill>
+            <a:srgbClr val="C00000">
+              <a:alpha val="97000"/>
+            </a:srgbClr>
+          </a:solidFill>
+          <a:ln>
+            <a:noFill/>
+          </a:ln>
+        </p:spPr>
+        <p:style>
+          <a:lnRef idx="2">
+            <a:schemeClr val="accent1">
+              <a:shade val="50000"/>
+            </a:schemeClr>
+          </a:lnRef>
+          <a:fillRef idx="1">
+            <a:schemeClr val="accent1"/>
+          </a:fillRef>
+          <a:effectRef idx="0">
+            <a:schemeClr val="accent1"/>
+          </a:effectRef>
+          <a:fontRef idx="minor">
+            <a:schemeClr val="lt1"/>
+          </a:fontRef>
+        </p:style>
+        <p:txBody>
+          <a:bodyPr rtlCol="1" anchor="ctr"/>
+          <a:lstStyle/>
+          <a:p>
+            <a:pPr algn="ctr"/>
+            <a:endParaRPr lang="he-IL"/>
           </a:p>
         </p:txBody>
       </p:sp>
@@ -21655,47 +21724,6 @@
           </a:graphicData>
         </a:graphic>
       </p:graphicFrame>
-      <p:pic>
-        <p:nvPicPr>
-          <p:cNvPr id="1026" name="Picture 2" descr="https://fbcdn-sphotos-c-a.akamaihd.net/hphotos-ak-prn2/v/t1.0-9/558617_496479173697011_745885139_n.jpg?oh=05f90387fce5a2ab60ff626da8046fb4&amp;oe=55B810BD&amp;__gda__=1441131251_b641de8fc77e4e86dec2fc55f843cd6a"/>
-          <p:cNvPicPr>
-            <a:picLocks noChangeAspect="1" noChangeArrowheads="1"/>
-          </p:cNvPicPr>
-          <p:nvPr/>
-        </p:nvPicPr>
-        <p:blipFill>
-          <a:blip r:embed="rId7" cstate="print">
-            <a:extLst>
-              <a:ext uri="{28A0092B-C50C-407E-A947-70E740481C1C}">
-                <a14:useLocalDpi xmlns:a14="http://schemas.microsoft.com/office/drawing/2010/main" val="0"/>
-              </a:ext>
-            </a:extLst>
-          </a:blip>
-          <a:srcRect/>
-          <a:stretch>
-            <a:fillRect/>
-          </a:stretch>
-        </p:blipFill>
-        <p:spPr bwMode="auto">
-          <a:xfrm>
-            <a:off x="6976077" y="824512"/>
-            <a:ext cx="537562" cy="537562"/>
-          </a:xfrm>
-          <a:prstGeom prst="rect">
-            <a:avLst/>
-          </a:prstGeom>
-          <a:noFill/>
-          <a:extLst>
-            <a:ext uri="{909E8E84-426E-40DD-AFC4-6F175D3DCCD1}">
-              <a14:hiddenFill xmlns:a14="http://schemas.microsoft.com/office/drawing/2010/main">
-                <a:solidFill>
-                  <a:srgbClr val="FFFFFF"/>
-                </a:solidFill>
-              </a14:hiddenFill>
-            </a:ext>
-          </a:extLst>
-        </p:spPr>
-      </p:pic>
       <p:grpSp>
         <p:nvGrpSpPr>
           <p:cNvPr id="18" name="Group 17"/>
@@ -21719,7 +21747,7 @@
             <p:nvPr/>
           </p:nvPicPr>
           <p:blipFill>
-            <a:blip r:embed="rId8" cstate="print">
+            <a:blip r:embed="rId7" cstate="print">
               <a:extLst>
                 <a:ext uri="{28A0092B-C50C-407E-A947-70E740481C1C}">
                   <a14:useLocalDpi xmlns:a14="http://schemas.microsoft.com/office/drawing/2010/main" val="0"/>
@@ -21852,7 +21880,7 @@
             <p:nvPr/>
           </p:nvPicPr>
           <p:blipFill>
-            <a:blip r:embed="rId9"/>
+            <a:blip r:embed="rId8"/>
             <a:stretch>
               <a:fillRect/>
             </a:stretch>
@@ -21930,7 +21958,7 @@
             <p:nvPr/>
           </p:nvPicPr>
           <p:blipFill rotWithShape="1">
-            <a:blip r:embed="rId10" cstate="print">
+            <a:blip r:embed="rId9" cstate="print">
               <a:extLst>
                 <a:ext uri="{28A0092B-C50C-407E-A947-70E740481C1C}">
                   <a14:useLocalDpi xmlns:a14="http://schemas.microsoft.com/office/drawing/2010/main" val="0"/>
@@ -21991,11 +22019,11 @@
             <p:nvPr/>
           </p:nvPicPr>
           <p:blipFill>
-            <a:blip r:embed="rId11">
+            <a:blip r:embed="rId10">
               <a:extLst>
                 <a:ext uri="{BEBA8EAE-BF5A-486C-A8C5-ECC9F3942E4B}">
                   <a14:imgProps xmlns:a14="http://schemas.microsoft.com/office/drawing/2010/main">
-                    <a14:imgLayer r:embed="rId12">
+                    <a14:imgLayer r:embed="rId11">
                       <a14:imgEffect>
                         <a14:backgroundRemoval t="0" b="100000" l="9375" r="89844">
                           <a14:foregroundMark x1="21680" y1="29883" x2="21680" y2="29883"/>
@@ -22185,30 +22213,6 @@
           </p:txBody>
         </p:sp>
       </p:grpSp>
-      <p:pic>
-        <p:nvPicPr>
-          <p:cNvPr id="50" name="Picture 49"/>
-          <p:cNvPicPr>
-            <a:picLocks noChangeAspect="1"/>
-          </p:cNvPicPr>
-          <p:nvPr/>
-        </p:nvPicPr>
-        <p:blipFill>
-          <a:blip r:embed="rId13"/>
-          <a:stretch>
-            <a:fillRect/>
-          </a:stretch>
-        </p:blipFill>
-        <p:spPr>
-          <a:xfrm>
-            <a:off x="6662105" y="965126"/>
-            <a:ext cx="249413" cy="249413"/>
-          </a:xfrm>
-          <a:prstGeom prst="rect">
-            <a:avLst/>
-          </a:prstGeom>
-        </p:spPr>
-      </p:pic>
       <p:grpSp>
         <p:nvGrpSpPr>
           <p:cNvPr id="4" name="Group 3"/>
@@ -22232,7 +22236,7 @@
             <p:nvPr/>
           </p:nvPicPr>
           <p:blipFill>
-            <a:blip r:embed="rId14" cstate="print">
+            <a:blip r:embed="rId12" cstate="print">
               <a:extLst>
                 <a:ext uri="{28A0092B-C50C-407E-A947-70E740481C1C}">
                   <a14:useLocalDpi xmlns:a14="http://schemas.microsoft.com/office/drawing/2010/main" val="0"/>
@@ -22442,11 +22446,11 @@
             <p:nvPr/>
           </p:nvPicPr>
           <p:blipFill>
-            <a:blip r:embed="rId15">
+            <a:blip r:embed="rId13">
               <a:extLst>
                 <a:ext uri="{BEBA8EAE-BF5A-486C-A8C5-ECC9F3942E4B}">
                   <a14:imgProps xmlns:a14="http://schemas.microsoft.com/office/drawing/2010/main">
-                    <a14:imgLayer r:embed="rId16">
+                    <a14:imgLayer r:embed="rId14">
                       <a14:imgEffect>
                         <a14:backgroundRemoval t="586" b="98438" l="0" r="100000">
                           <a14:foregroundMark x1="49219" y1="40820" x2="49609" y2="46289"/>
@@ -22541,7 +22545,7 @@
             <p:nvPr/>
           </p:nvPicPr>
           <p:blipFill>
-            <a:blip r:embed="rId17"/>
+            <a:blip r:embed="rId15"/>
             <a:stretch>
               <a:fillRect/>
             </a:stretch>
@@ -22566,7 +22570,7 @@
           <p:nvPr/>
         </p:nvPicPr>
         <p:blipFill>
-          <a:blip r:embed="rId18" cstate="print">
+          <a:blip r:embed="rId16" cstate="print">
             <a:extLst>
               <a:ext uri="{28A0092B-C50C-407E-A947-70E740481C1C}">
                 <a14:useLocalDpi xmlns:a14="http://schemas.microsoft.com/office/drawing/2010/main" val="0"/>
@@ -22689,7 +22693,7 @@
           <p:nvPr/>
         </p:nvPicPr>
         <p:blipFill>
-          <a:blip r:embed="rId19" cstate="print">
+          <a:blip r:embed="rId17" cstate="print">
             <a:extLst>
               <a:ext uri="{28A0092B-C50C-407E-A947-70E740481C1C}">
                 <a14:useLocalDpi xmlns:a14="http://schemas.microsoft.com/office/drawing/2010/main" val="0"/>
@@ -22879,11 +22883,11 @@
           <p:nvPr/>
         </p:nvPicPr>
         <p:blipFill>
-          <a:blip r:embed="rId20">
+          <a:blip r:embed="rId18">
             <a:extLst>
               <a:ext uri="{BEBA8EAE-BF5A-486C-A8C5-ECC9F3942E4B}">
                 <a14:imgProps xmlns:a14="http://schemas.microsoft.com/office/drawing/2010/main">
-                  <a14:imgLayer r:embed="rId21">
+                  <a14:imgLayer r:embed="rId19">
                     <a14:imgEffect>
                       <a14:backgroundRemoval t="0" b="100000" l="0" r="100000"/>
                     </a14:imgEffect>
@@ -22900,6 +22904,69 @@
           <a:xfrm>
             <a:off x="4795791" y="3633048"/>
             <a:ext cx="242885" cy="242885"/>
+          </a:xfrm>
+          <a:prstGeom prst="rect">
+            <a:avLst/>
+          </a:prstGeom>
+        </p:spPr>
+      </p:pic>
+      <p:pic>
+        <p:nvPicPr>
+          <p:cNvPr id="54" name="Picture 53"/>
+          <p:cNvPicPr>
+            <a:picLocks noChangeAspect="1"/>
+          </p:cNvPicPr>
+          <p:nvPr/>
+        </p:nvPicPr>
+        <p:blipFill>
+          <a:blip r:embed="rId20"/>
+          <a:stretch>
+            <a:fillRect/>
+          </a:stretch>
+        </p:blipFill>
+        <p:spPr>
+          <a:xfrm>
+            <a:off x="6746229" y="964780"/>
+            <a:ext cx="249413" cy="249413"/>
+          </a:xfrm>
+          <a:prstGeom prst="rect">
+            <a:avLst/>
+          </a:prstGeom>
+        </p:spPr>
+      </p:pic>
+      <p:pic>
+        <p:nvPicPr>
+          <p:cNvPr id="55" name="Picture 54"/>
+          <p:cNvPicPr>
+            <a:picLocks noChangeAspect="1"/>
+          </p:cNvPicPr>
+          <p:nvPr/>
+        </p:nvPicPr>
+        <p:blipFill>
+          <a:blip r:embed="rId21">
+            <a:extLst>
+              <a:ext uri="{BEBA8EAE-BF5A-486C-A8C5-ECC9F3942E4B}">
+                <a14:imgProps xmlns:a14="http://schemas.microsoft.com/office/drawing/2010/main">
+                  <a14:imgLayer r:embed="rId22">
+                    <a14:imgEffect>
+                      <a14:backgroundRemoval t="9961" b="89844" l="0" r="100000">
+                        <a14:foregroundMark x1="49414" y1="14063" x2="49414" y2="14063"/>
+                        <a14:foregroundMark x1="63672" y1="52344" x2="63672" y2="52344"/>
+                      </a14:backgroundRemoval>
+                    </a14:imgEffect>
+                  </a14:imgLayer>
+                </a14:imgProps>
+              </a:ext>
+            </a:extLst>
+          </a:blip>
+          <a:stretch>
+            <a:fillRect/>
+          </a:stretch>
+        </p:blipFill>
+        <p:spPr>
+          <a:xfrm>
+            <a:off x="7120348" y="947669"/>
+            <a:ext cx="274816" cy="274816"/>
           </a:xfrm>
           <a:prstGeom prst="rect">
             <a:avLst/>
@@ -26617,47 +26684,6 @@
           </a:p>
         </p:txBody>
       </p:sp>
-      <p:pic>
-        <p:nvPicPr>
-          <p:cNvPr id="1026" name="Picture 2" descr="https://fbcdn-sphotos-c-a.akamaihd.net/hphotos-ak-prn2/v/t1.0-9/558617_496479173697011_745885139_n.jpg?oh=05f90387fce5a2ab60ff626da8046fb4&amp;oe=55B810BD&amp;__gda__=1441131251_b641de8fc77e4e86dec2fc55f843cd6a"/>
-          <p:cNvPicPr>
-            <a:picLocks noChangeAspect="1" noChangeArrowheads="1"/>
-          </p:cNvPicPr>
-          <p:nvPr/>
-        </p:nvPicPr>
-        <p:blipFill>
-          <a:blip r:embed="rId9" cstate="print">
-            <a:extLst>
-              <a:ext uri="{28A0092B-C50C-407E-A947-70E740481C1C}">
-                <a14:useLocalDpi xmlns:a14="http://schemas.microsoft.com/office/drawing/2010/main" val="0"/>
-              </a:ext>
-            </a:extLst>
-          </a:blip>
-          <a:srcRect/>
-          <a:stretch>
-            <a:fillRect/>
-          </a:stretch>
-        </p:blipFill>
-        <p:spPr bwMode="auto">
-          <a:xfrm>
-            <a:off x="6976077" y="824512"/>
-            <a:ext cx="537562" cy="537562"/>
-          </a:xfrm>
-          <a:prstGeom prst="rect">
-            <a:avLst/>
-          </a:prstGeom>
-          <a:noFill/>
-          <a:extLst>
-            <a:ext uri="{909E8E84-426E-40DD-AFC4-6F175D3DCCD1}">
-              <a14:hiddenFill xmlns:a14="http://schemas.microsoft.com/office/drawing/2010/main">
-                <a:solidFill>
-                  <a:srgbClr val="FFFFFF"/>
-                </a:solidFill>
-              </a14:hiddenFill>
-            </a:ext>
-          </a:extLst>
-        </p:spPr>
-      </p:pic>
       <p:sp>
         <p:nvSpPr>
           <p:cNvPr id="34" name="Rectangle 33"/>
@@ -26827,7 +26853,7 @@
           <p:nvPr/>
         </p:nvPicPr>
         <p:blipFill>
-          <a:blip r:embed="rId10"/>
+          <a:blip r:embed="rId9"/>
           <a:stretch>
             <a:fillRect/>
           </a:stretch>
@@ -26851,7 +26877,7 @@
           <p:nvPr/>
         </p:nvPicPr>
         <p:blipFill>
-          <a:blip r:embed="rId11" cstate="print">
+          <a:blip r:embed="rId10" cstate="print">
             <a:extLst>
               <a:ext uri="{28A0092B-C50C-407E-A947-70E740481C1C}">
                 <a14:useLocalDpi xmlns:a14="http://schemas.microsoft.com/office/drawing/2010/main" val="0"/>
@@ -26881,7 +26907,7 @@
           <p:nvPr/>
         </p:nvPicPr>
         <p:blipFill>
-          <a:blip r:embed="rId12" cstate="print">
+          <a:blip r:embed="rId11" cstate="print">
             <a:extLst>
               <a:ext uri="{28A0092B-C50C-407E-A947-70E740481C1C}">
                 <a14:useLocalDpi xmlns:a14="http://schemas.microsoft.com/office/drawing/2010/main" val="0"/>
@@ -27033,7 +27059,7 @@
             <p:nvPr/>
           </p:nvPicPr>
           <p:blipFill rotWithShape="1">
-            <a:blip r:embed="rId13" cstate="print">
+            <a:blip r:embed="rId12" cstate="print">
               <a:extLst>
                 <a:ext uri="{28A0092B-C50C-407E-A947-70E740481C1C}">
                   <a14:useLocalDpi xmlns:a14="http://schemas.microsoft.com/office/drawing/2010/main" val="0"/>
@@ -27063,7 +27089,7 @@
           <p:nvPr/>
         </p:nvPicPr>
         <p:blipFill>
-          <a:blip r:embed="rId14"/>
+          <a:blip r:embed="rId13"/>
           <a:stretch>
             <a:fillRect/>
           </a:stretch>
@@ -27130,7 +27156,7 @@
           <p:nvPr/>
         </p:nvPicPr>
         <p:blipFill>
-          <a:blip r:embed="rId10"/>
+          <a:blip r:embed="rId9"/>
           <a:stretch>
             <a:fillRect/>
           </a:stretch>
@@ -27232,7 +27258,7 @@
           <p:nvPr/>
         </p:nvPicPr>
         <p:blipFill>
-          <a:blip r:embed="rId15"/>
+          <a:blip r:embed="rId14"/>
           <a:stretch>
             <a:fillRect/>
           </a:stretch>
@@ -27334,7 +27360,7 @@
           <p:nvPr/>
         </p:nvPicPr>
         <p:blipFill>
-          <a:blip r:embed="rId15"/>
+          <a:blip r:embed="rId14"/>
           <a:stretch>
             <a:fillRect/>
           </a:stretch>
@@ -27458,11 +27484,11 @@
           <p:nvPr/>
         </p:nvPicPr>
         <p:blipFill>
-          <a:blip r:embed="rId16">
+          <a:blip r:embed="rId15">
             <a:extLst>
               <a:ext uri="{BEBA8EAE-BF5A-486C-A8C5-ECC9F3942E4B}">
                 <a14:imgProps xmlns:a14="http://schemas.microsoft.com/office/drawing/2010/main">
-                  <a14:imgLayer r:embed="rId17">
+                  <a14:imgLayer r:embed="rId16">
                     <a14:imgEffect>
                       <a14:backgroundRemoval t="9961" b="89844" l="0" r="100000">
                         <a14:foregroundMark x1="1953" y1="55469" x2="1953" y2="55469"/>
@@ -27497,7 +27523,7 @@
           <p:nvPr/>
         </p:nvPicPr>
         <p:blipFill>
-          <a:blip r:embed="rId15"/>
+          <a:blip r:embed="rId14"/>
           <a:stretch>
             <a:fillRect/>
           </a:stretch>
@@ -27521,7 +27547,7 @@
           <p:nvPr/>
         </p:nvPicPr>
         <p:blipFill>
-          <a:blip r:embed="rId14"/>
+          <a:blip r:embed="rId13"/>
           <a:stretch>
             <a:fillRect/>
           </a:stretch>
@@ -27545,11 +27571,11 @@
           <p:nvPr/>
         </p:nvPicPr>
         <p:blipFill>
-          <a:blip r:embed="rId18">
+          <a:blip r:embed="rId17">
             <a:extLst>
               <a:ext uri="{BEBA8EAE-BF5A-486C-A8C5-ECC9F3942E4B}">
                 <a14:imgProps xmlns:a14="http://schemas.microsoft.com/office/drawing/2010/main">
-                  <a14:imgLayer r:embed="rId19">
+                  <a14:imgLayer r:embed="rId18">
                     <a14:imgEffect>
                       <a14:backgroundRemoval t="1758" b="97852" l="0" r="100000"/>
                     </a14:imgEffect>
@@ -27581,11 +27607,11 @@
           <p:nvPr/>
         </p:nvPicPr>
         <p:blipFill>
-          <a:blip r:embed="rId20">
+          <a:blip r:embed="rId19">
             <a:extLst>
               <a:ext uri="{BEBA8EAE-BF5A-486C-A8C5-ECC9F3942E4B}">
                 <a14:imgProps xmlns:a14="http://schemas.microsoft.com/office/drawing/2010/main">
-                  <a14:imgLayer r:embed="rId21">
+                  <a14:imgLayer r:embed="rId20">
                     <a14:imgEffect>
                       <a14:backgroundRemoval t="0" b="100000" l="2344" r="96289">
                         <a14:foregroundMark x1="49805" y1="29492" x2="49805" y2="29492"/>
@@ -27620,11 +27646,11 @@
           <p:nvPr/>
         </p:nvPicPr>
         <p:blipFill>
-          <a:blip r:embed="rId22">
+          <a:blip r:embed="rId21">
             <a:extLst>
               <a:ext uri="{BEBA8EAE-BF5A-486C-A8C5-ECC9F3942E4B}">
                 <a14:imgProps xmlns:a14="http://schemas.microsoft.com/office/drawing/2010/main">
-                  <a14:imgLayer r:embed="rId23">
+                  <a14:imgLayer r:embed="rId22">
                     <a14:imgEffect>
                       <a14:backgroundRemoval t="9961" b="89844" l="0" r="100000">
                         <a14:foregroundMark x1="27148" y1="73242" x2="27148" y2="73242"/>
@@ -27698,7 +27724,7 @@
           <p:nvPr/>
         </p:nvPicPr>
         <p:blipFill>
-          <a:blip r:embed="rId15"/>
+          <a:blip r:embed="rId14"/>
           <a:stretch>
             <a:fillRect/>
           </a:stretch>
@@ -27722,11 +27748,11 @@
           <p:nvPr/>
         </p:nvPicPr>
         <p:blipFill>
-          <a:blip r:embed="rId24">
+          <a:blip r:embed="rId23">
             <a:extLst>
               <a:ext uri="{BEBA8EAE-BF5A-486C-A8C5-ECC9F3942E4B}">
                 <a14:imgProps xmlns:a14="http://schemas.microsoft.com/office/drawing/2010/main">
-                  <a14:imgLayer r:embed="rId25">
+                  <a14:imgLayer r:embed="rId24">
                     <a14:imgEffect>
                       <a14:backgroundRemoval t="1172" b="100000" l="0" r="100000"/>
                     </a14:imgEffect>
@@ -28009,22 +28035,61 @@
       </p:sp>
       <p:pic>
         <p:nvPicPr>
-          <p:cNvPr id="62" name="Picture 61"/>
+          <p:cNvPr id="63" name="Picture 62"/>
           <p:cNvPicPr>
             <a:picLocks noChangeAspect="1"/>
           </p:cNvPicPr>
           <p:nvPr/>
         </p:nvPicPr>
         <p:blipFill>
-          <a:blip r:embed="rId26"/>
+          <a:blip r:embed="rId25"/>
           <a:stretch>
             <a:fillRect/>
           </a:stretch>
         </p:blipFill>
         <p:spPr>
           <a:xfrm>
-            <a:off x="6662105" y="965126"/>
+            <a:off x="6746229" y="964780"/>
             <a:ext cx="249413" cy="249413"/>
+          </a:xfrm>
+          <a:prstGeom prst="rect">
+            <a:avLst/>
+          </a:prstGeom>
+        </p:spPr>
+      </p:pic>
+      <p:pic>
+        <p:nvPicPr>
+          <p:cNvPr id="64" name="Picture 63"/>
+          <p:cNvPicPr>
+            <a:picLocks noChangeAspect="1"/>
+          </p:cNvPicPr>
+          <p:nvPr/>
+        </p:nvPicPr>
+        <p:blipFill>
+          <a:blip r:embed="rId26">
+            <a:extLst>
+              <a:ext uri="{BEBA8EAE-BF5A-486C-A8C5-ECC9F3942E4B}">
+                <a14:imgProps xmlns:a14="http://schemas.microsoft.com/office/drawing/2010/main">
+                  <a14:imgLayer r:embed="rId27">
+                    <a14:imgEffect>
+                      <a14:backgroundRemoval t="9961" b="89844" l="0" r="100000">
+                        <a14:foregroundMark x1="49414" y1="14063" x2="49414" y2="14063"/>
+                        <a14:foregroundMark x1="63672" y1="52344" x2="63672" y2="52344"/>
+                      </a14:backgroundRemoval>
+                    </a14:imgEffect>
+                  </a14:imgLayer>
+                </a14:imgProps>
+              </a:ext>
+            </a:extLst>
+          </a:blip>
+          <a:stretch>
+            <a:fillRect/>
+          </a:stretch>
+        </p:blipFill>
+        <p:spPr>
+          <a:xfrm>
+            <a:off x="7120348" y="947669"/>
+            <a:ext cx="274816" cy="274816"/>
           </a:xfrm>
           <a:prstGeom prst="rect">
             <a:avLst/>

--- a/Design/Design.pptx
+++ b/Design/Design.pptx
@@ -5,7 +5,7 @@
     <p:sldMasterId id="2147483648" r:id="rId1"/>
   </p:sldMasterIdLst>
   <p:notesMasterIdLst>
-    <p:notesMasterId r:id="rId16"/>
+    <p:notesMasterId r:id="rId15"/>
   </p:notesMasterIdLst>
   <p:sldIdLst>
     <p:sldId id="302" r:id="rId2"/>
@@ -15,13 +15,12 @@
     <p:sldId id="304" r:id="rId6"/>
     <p:sldId id="315" r:id="rId7"/>
     <p:sldId id="316" r:id="rId8"/>
-    <p:sldId id="307" r:id="rId9"/>
-    <p:sldId id="306" r:id="rId10"/>
-    <p:sldId id="308" r:id="rId11"/>
-    <p:sldId id="309" r:id="rId12"/>
-    <p:sldId id="310" r:id="rId13"/>
-    <p:sldId id="311" r:id="rId14"/>
-    <p:sldId id="312" r:id="rId15"/>
+    <p:sldId id="306" r:id="rId9"/>
+    <p:sldId id="308" r:id="rId10"/>
+    <p:sldId id="309" r:id="rId11"/>
+    <p:sldId id="310" r:id="rId12"/>
+    <p:sldId id="311" r:id="rId13"/>
+    <p:sldId id="312" r:id="rId14"/>
   </p:sldIdLst>
   <p:sldSz cx="12192000" cy="6858000"/>
   <p:notesSz cx="6858000" cy="9144000"/>
@@ -235,7 +234,7 @@
           <a:p>
             <a:fld id="{D605995D-04EC-4879-93FD-3AB99F876804}" type="datetimeFigureOut">
               <a:rPr lang="he-IL" smtClean="0"/>
-              <a:t>י"ח/ניסן/תשע"ה</a:t>
+              <a:t>י"ט/ניסן/תשע"ה</a:t>
             </a:fld>
             <a:endParaRPr lang="he-IL" dirty="0"/>
           </a:p>
@@ -661,7 +660,7 @@
     </p:spTree>
     <p:extLst>
       <p:ext uri="{BB962C8B-B14F-4D97-AF65-F5344CB8AC3E}">
-        <p14:creationId xmlns:p14="http://schemas.microsoft.com/office/powerpoint/2010/main" val="681798892"/>
+        <p14:creationId xmlns:p14="http://schemas.microsoft.com/office/powerpoint/2010/main" val="4022479126"/>
       </p:ext>
     </p:extLst>
   </p:cSld>
@@ -745,7 +744,7 @@
     </p:spTree>
     <p:extLst>
       <p:ext uri="{BB962C8B-B14F-4D97-AF65-F5344CB8AC3E}">
-        <p14:creationId xmlns:p14="http://schemas.microsoft.com/office/powerpoint/2010/main" val="4022479126"/>
+        <p14:creationId xmlns:p14="http://schemas.microsoft.com/office/powerpoint/2010/main" val="2227026297"/>
       </p:ext>
     </p:extLst>
   </p:cSld>
@@ -821,90 +820,6 @@
             <a:fld id="{F83821B8-9E9A-4E7B-8ED8-A137BF87C344}" type="slidenum">
               <a:rPr lang="he-IL" smtClean="0"/>
               <a:t>13</a:t>
-            </a:fld>
-            <a:endParaRPr lang="he-IL" dirty="0"/>
-          </a:p>
-        </p:txBody>
-      </p:sp>
-    </p:spTree>
-    <p:extLst>
-      <p:ext uri="{BB962C8B-B14F-4D97-AF65-F5344CB8AC3E}">
-        <p14:creationId xmlns:p14="http://schemas.microsoft.com/office/powerpoint/2010/main" val="2227026297"/>
-      </p:ext>
-    </p:extLst>
-  </p:cSld>
-  <p:clrMapOvr>
-    <a:masterClrMapping/>
-  </p:clrMapOvr>
-</p:notes>
-</file>
-
-<file path=ppt/notesSlides/notesSlide13.xml><?xml version="1.0" encoding="utf-8"?>
-<p:notes xmlns:a="http://schemas.openxmlformats.org/drawingml/2006/main" xmlns:r="http://schemas.openxmlformats.org/officeDocument/2006/relationships" xmlns:p="http://schemas.openxmlformats.org/presentationml/2006/main">
-  <p:cSld>
-    <p:spTree>
-      <p:nvGrpSpPr>
-        <p:cNvPr id="1" name=""/>
-        <p:cNvGrpSpPr/>
-        <p:nvPr/>
-      </p:nvGrpSpPr>
-      <p:grpSpPr>
-        <a:xfrm>
-          <a:off x="0" y="0"/>
-          <a:ext cx="0" cy="0"/>
-          <a:chOff x="0" y="0"/>
-          <a:chExt cx="0" cy="0"/>
-        </a:xfrm>
-      </p:grpSpPr>
-      <p:sp>
-        <p:nvSpPr>
-          <p:cNvPr id="2" name="Slide Image Placeholder 1"/>
-          <p:cNvSpPr>
-            <a:spLocks noGrp="1" noRot="1" noChangeAspect="1"/>
-          </p:cNvSpPr>
-          <p:nvPr>
-            <p:ph type="sldImg"/>
-          </p:nvPr>
-        </p:nvSpPr>
-        <p:spPr/>
-      </p:sp>
-      <p:sp>
-        <p:nvSpPr>
-          <p:cNvPr id="3" name="Notes Placeholder 2"/>
-          <p:cNvSpPr>
-            <a:spLocks noGrp="1"/>
-          </p:cNvSpPr>
-          <p:nvPr>
-            <p:ph type="body" idx="1"/>
-          </p:nvPr>
-        </p:nvSpPr>
-        <p:spPr/>
-        <p:txBody>
-          <a:bodyPr/>
-          <a:lstStyle/>
-          <a:p>
-            <a:endParaRPr lang="he-IL" dirty="0"/>
-          </a:p>
-        </p:txBody>
-      </p:sp>
-      <p:sp>
-        <p:nvSpPr>
-          <p:cNvPr id="4" name="Slide Number Placeholder 3"/>
-          <p:cNvSpPr>
-            <a:spLocks noGrp="1"/>
-          </p:cNvSpPr>
-          <p:nvPr>
-            <p:ph type="sldNum" sz="quarter" idx="10"/>
-          </p:nvPr>
-        </p:nvSpPr>
-        <p:spPr/>
-        <p:txBody>
-          <a:bodyPr/>
-          <a:lstStyle/>
-          <a:p>
-            <a:fld id="{F83821B8-9E9A-4E7B-8ED8-A137BF87C344}" type="slidenum">
-              <a:rPr lang="he-IL" smtClean="0"/>
-              <a:t>14</a:t>
             </a:fld>
             <a:endParaRPr lang="he-IL" dirty="0"/>
           </a:p>
@@ -1417,7 +1332,7 @@
     </p:spTree>
     <p:extLst>
       <p:ext uri="{BB962C8B-B14F-4D97-AF65-F5344CB8AC3E}">
-        <p14:creationId xmlns:p14="http://schemas.microsoft.com/office/powerpoint/2010/main" val="2369502196"/>
+        <p14:creationId xmlns:p14="http://schemas.microsoft.com/office/powerpoint/2010/main" val="455818947"/>
       </p:ext>
     </p:extLst>
   </p:cSld>
@@ -1501,7 +1416,7 @@
     </p:spTree>
     <p:extLst>
       <p:ext uri="{BB962C8B-B14F-4D97-AF65-F5344CB8AC3E}">
-        <p14:creationId xmlns:p14="http://schemas.microsoft.com/office/powerpoint/2010/main" val="455818947"/>
+        <p14:creationId xmlns:p14="http://schemas.microsoft.com/office/powerpoint/2010/main" val="1856461946"/>
       </p:ext>
     </p:extLst>
   </p:cSld>
@@ -1585,7 +1500,7 @@
     </p:spTree>
     <p:extLst>
       <p:ext uri="{BB962C8B-B14F-4D97-AF65-F5344CB8AC3E}">
-        <p14:creationId xmlns:p14="http://schemas.microsoft.com/office/powerpoint/2010/main" val="1856461946"/>
+        <p14:creationId xmlns:p14="http://schemas.microsoft.com/office/powerpoint/2010/main" val="681798892"/>
       </p:ext>
     </p:extLst>
   </p:cSld>
@@ -1726,7 +1641,7 @@
           <a:p>
             <a:fld id="{C702C752-D58B-47F0-9F10-FECB43C6A0F9}" type="datetimeFigureOut">
               <a:rPr lang="he-IL" smtClean="0"/>
-              <a:t>י"ח/ניסן/תשע"ה</a:t>
+              <a:t>י"ט/ניסן/תשע"ה</a:t>
             </a:fld>
             <a:endParaRPr lang="he-IL" dirty="0"/>
           </a:p>
@@ -1896,7 +1811,7 @@
           <a:p>
             <a:fld id="{C702C752-D58B-47F0-9F10-FECB43C6A0F9}" type="datetimeFigureOut">
               <a:rPr lang="he-IL" smtClean="0"/>
-              <a:t>י"ח/ניסן/תשע"ה</a:t>
+              <a:t>י"ט/ניסן/תשע"ה</a:t>
             </a:fld>
             <a:endParaRPr lang="he-IL" dirty="0"/>
           </a:p>
@@ -2076,7 +1991,7 @@
           <a:p>
             <a:fld id="{C702C752-D58B-47F0-9F10-FECB43C6A0F9}" type="datetimeFigureOut">
               <a:rPr lang="he-IL" smtClean="0"/>
-              <a:t>י"ח/ניסן/תשע"ה</a:t>
+              <a:t>י"ט/ניסן/תשע"ה</a:t>
             </a:fld>
             <a:endParaRPr lang="he-IL" dirty="0"/>
           </a:p>
@@ -2246,7 +2161,7 @@
           <a:p>
             <a:fld id="{C702C752-D58B-47F0-9F10-FECB43C6A0F9}" type="datetimeFigureOut">
               <a:rPr lang="he-IL" smtClean="0"/>
-              <a:t>י"ח/ניסן/תשע"ה</a:t>
+              <a:t>י"ט/ניסן/תשע"ה</a:t>
             </a:fld>
             <a:endParaRPr lang="he-IL" dirty="0"/>
           </a:p>
@@ -2492,7 +2407,7 @@
           <a:p>
             <a:fld id="{C702C752-D58B-47F0-9F10-FECB43C6A0F9}" type="datetimeFigureOut">
               <a:rPr lang="he-IL" smtClean="0"/>
-              <a:t>י"ח/ניסן/תשע"ה</a:t>
+              <a:t>י"ט/ניסן/תשע"ה</a:t>
             </a:fld>
             <a:endParaRPr lang="he-IL" dirty="0"/>
           </a:p>
@@ -2724,7 +2639,7 @@
           <a:p>
             <a:fld id="{C702C752-D58B-47F0-9F10-FECB43C6A0F9}" type="datetimeFigureOut">
               <a:rPr lang="he-IL" smtClean="0"/>
-              <a:t>י"ח/ניסן/תשע"ה</a:t>
+              <a:t>י"ט/ניסן/תשע"ה</a:t>
             </a:fld>
             <a:endParaRPr lang="he-IL" dirty="0"/>
           </a:p>
@@ -3091,7 +3006,7 @@
           <a:p>
             <a:fld id="{C702C752-D58B-47F0-9F10-FECB43C6A0F9}" type="datetimeFigureOut">
               <a:rPr lang="he-IL" smtClean="0"/>
-              <a:t>י"ח/ניסן/תשע"ה</a:t>
+              <a:t>י"ט/ניסן/תשע"ה</a:t>
             </a:fld>
             <a:endParaRPr lang="he-IL" dirty="0"/>
           </a:p>
@@ -3209,7 +3124,7 @@
           <a:p>
             <a:fld id="{C702C752-D58B-47F0-9F10-FECB43C6A0F9}" type="datetimeFigureOut">
               <a:rPr lang="he-IL" smtClean="0"/>
-              <a:t>י"ח/ניסן/תשע"ה</a:t>
+              <a:t>י"ט/ניסן/תשע"ה</a:t>
             </a:fld>
             <a:endParaRPr lang="he-IL" dirty="0"/>
           </a:p>
@@ -3304,7 +3219,7 @@
           <a:p>
             <a:fld id="{C702C752-D58B-47F0-9F10-FECB43C6A0F9}" type="datetimeFigureOut">
               <a:rPr lang="he-IL" smtClean="0"/>
-              <a:t>י"ח/ניסן/תשע"ה</a:t>
+              <a:t>י"ט/ניסן/תשע"ה</a:t>
             </a:fld>
             <a:endParaRPr lang="he-IL" dirty="0"/>
           </a:p>
@@ -3581,7 +3496,7 @@
           <a:p>
             <a:fld id="{C702C752-D58B-47F0-9F10-FECB43C6A0F9}" type="datetimeFigureOut">
               <a:rPr lang="he-IL" smtClean="0"/>
-              <a:t>י"ח/ניסן/תשע"ה</a:t>
+              <a:t>י"ט/ניסן/תשע"ה</a:t>
             </a:fld>
             <a:endParaRPr lang="he-IL" dirty="0"/>
           </a:p>
@@ -3834,7 +3749,7 @@
           <a:p>
             <a:fld id="{C702C752-D58B-47F0-9F10-FECB43C6A0F9}" type="datetimeFigureOut">
               <a:rPr lang="he-IL" smtClean="0"/>
-              <a:t>י"ח/ניסן/תשע"ה</a:t>
+              <a:t>י"ט/ניסן/תשע"ה</a:t>
             </a:fld>
             <a:endParaRPr lang="he-IL" dirty="0"/>
           </a:p>
@@ -4050,7 +3965,7 @@
           <a:p>
             <a:fld id="{C702C752-D58B-47F0-9F10-FECB43C6A0F9}" type="datetimeFigureOut">
               <a:rPr lang="he-IL" smtClean="0"/>
-              <a:t>י"ח/ניסן/תשע"ה</a:t>
+              <a:t>י"ט/ניסן/תשע"ה</a:t>
             </a:fld>
             <a:endParaRPr lang="he-IL" dirty="0"/>
           </a:p>
@@ -7247,7 +7162,7 @@
                 </a:solidFill>
                 <a:latin typeface="Century Gothic" panose="020B0502020202020204" pitchFamily="34" charset="0"/>
               </a:rPr>
-              <a:t>hours until flight!</a:t>
+              <a:t>hours wait!</a:t>
             </a:r>
             <a:endParaRPr lang="he-IL" sz="800" dirty="0">
               <a:solidFill>
@@ -7403,14 +7318,14 @@
       </p:sp>
       <p:sp>
         <p:nvSpPr>
-          <p:cNvPr id="64" name="Rectangle 63"/>
+          <p:cNvPr id="62" name="Rectangle 61"/>
           <p:cNvSpPr/>
           <p:nvPr/>
         </p:nvSpPr>
         <p:spPr>
           <a:xfrm>
-            <a:off x="6182931" y="2521810"/>
-            <a:ext cx="1346564" cy="784597"/>
+            <a:off x="4680617" y="1684915"/>
+            <a:ext cx="1346564" cy="788629"/>
           </a:xfrm>
           <a:prstGeom prst="rect">
             <a:avLst/>
@@ -7451,7 +7366,7 @@
       </p:sp>
       <p:pic>
         <p:nvPicPr>
-          <p:cNvPr id="65" name="Picture 64"/>
+          <p:cNvPr id="63" name="Picture 62"/>
           <p:cNvPicPr>
             <a:picLocks noChangeAspect="1"/>
           </p:cNvPicPr>
@@ -7464,7 +7379,7 @@
                 <a14:imgProps xmlns:a14="http://schemas.microsoft.com/office/drawing/2010/main">
                   <a14:imgLayer r:embed="rId26">
                     <a14:imgEffect>
-                      <a14:backgroundRemoval t="0" b="100000" l="0" r="98828"/>
+                      <a14:backgroundRemoval t="0" b="100000" l="0" r="100000"/>
                     </a14:imgEffect>
                   </a14:imgLayer>
                 </a14:imgProps>
@@ -7477,8 +7392,8 @@
         </p:blipFill>
         <p:spPr>
           <a:xfrm>
-            <a:off x="7180060" y="2767971"/>
-            <a:ext cx="249642" cy="249642"/>
+            <a:off x="4794373" y="1970946"/>
+            <a:ext cx="242885" cy="242885"/>
           </a:xfrm>
           <a:prstGeom prst="rect">
             <a:avLst/>
@@ -7487,7 +7402,7 @@
       </p:pic>
       <p:pic>
         <p:nvPicPr>
-          <p:cNvPr id="63" name="Picture 62"/>
+          <p:cNvPr id="65" name="Picture 64"/>
           <p:cNvPicPr>
             <a:picLocks noChangeAspect="1"/>
           </p:cNvPicPr>
@@ -7551,7 +7466,7 @@
     </p:spTree>
     <p:extLst>
       <p:ext uri="{BB962C8B-B14F-4D97-AF65-F5344CB8AC3E}">
-        <p14:creationId xmlns:p14="http://schemas.microsoft.com/office/powerpoint/2010/main" val="3279893750"/>
+        <p14:creationId xmlns:p14="http://schemas.microsoft.com/office/powerpoint/2010/main" val="666095404"/>
       </p:ext>
     </p:extLst>
   </p:cSld>
@@ -7559,7 +7474,7 @@
     <a:masterClrMapping/>
   </p:clrMapOvr>
   <p:transition spd="slow">
-    <p:wipe/>
+    <p:wipe dir="r"/>
   </p:transition>
   <p:timing>
     <p:tnLst>
@@ -8233,7 +8148,7 @@
         </p:nvSpPr>
         <p:spPr>
           <a:xfrm flipV="1">
-            <a:off x="5633948" y="1589823"/>
+            <a:off x="6572405" y="1589823"/>
             <a:ext cx="941805" cy="45719"/>
           </a:xfrm>
           <a:prstGeom prst="rect">
@@ -8282,7 +8197,7 @@
           <p:nvPr>
             <p:extLst>
               <p:ext uri="{D42A27DB-BD31-4B8C-83A1-F6EECF244321}">
-                <p14:modId xmlns:p14="http://schemas.microsoft.com/office/powerpoint/2010/main" val="2916361566"/>
+                <p14:modId xmlns:p14="http://schemas.microsoft.com/office/powerpoint/2010/main" val="4089266151"/>
               </p:ext>
             </p:extLst>
           </p:nvPr>
@@ -8559,7 +8474,9 @@
                       <a:prstDash val="solid"/>
                     </a:lnBlToTr>
                     <a:solidFill>
-                      <a:schemeClr val="bg1"/>
+                      <a:schemeClr val="bg1">
+                        <a:lumMod val="85000"/>
+                      </a:schemeClr>
                     </a:solidFill>
                   </a:tcPr>
                 </a:tc>
@@ -8625,7 +8542,9 @@
                       <a:prstDash val="solid"/>
                     </a:lnBlToTr>
                     <a:solidFill>
-                      <a:schemeClr val="bg1"/>
+                      <a:schemeClr val="bg1">
+                        <a:lumMod val="85000"/>
+                      </a:schemeClr>
                     </a:solidFill>
                   </a:tcPr>
                 </a:tc>
@@ -8634,170 +8553,16 @@
           </a:graphicData>
         </a:graphic>
       </p:graphicFrame>
-      <p:grpSp>
-        <p:nvGrpSpPr>
-          <p:cNvPr id="4" name="Group 3"/>
-          <p:cNvGrpSpPr/>
-          <p:nvPr/>
-        </p:nvGrpSpPr>
-        <p:grpSpPr>
-          <a:xfrm>
-            <a:off x="4679918" y="2526037"/>
-            <a:ext cx="2836177" cy="777600"/>
-            <a:chOff x="4687470" y="1688556"/>
-            <a:chExt cx="2836177" cy="777600"/>
-          </a:xfrm>
-        </p:grpSpPr>
-        <p:pic>
-          <p:nvPicPr>
-            <p:cNvPr id="9" name="Picture 8"/>
-            <p:cNvPicPr>
-              <a:picLocks noChangeAspect="1"/>
-            </p:cNvPicPr>
-            <p:nvPr/>
-          </p:nvPicPr>
-          <p:blipFill>
-            <a:blip r:embed="rId7" cstate="print">
-              <a:extLst>
-                <a:ext uri="{28A0092B-C50C-407E-A947-70E740481C1C}">
-                  <a14:useLocalDpi xmlns:a14="http://schemas.microsoft.com/office/drawing/2010/main" val="0"/>
-                </a:ext>
-              </a:extLst>
-            </a:blip>
-            <a:stretch>
-              <a:fillRect/>
-            </a:stretch>
-          </p:blipFill>
-          <p:spPr>
-            <a:xfrm>
-              <a:off x="4687470" y="1688556"/>
-              <a:ext cx="777600" cy="777600"/>
-            </a:xfrm>
-            <a:prstGeom prst="rect">
-              <a:avLst/>
-            </a:prstGeom>
-          </p:spPr>
-        </p:pic>
-        <p:sp>
-          <p:nvSpPr>
-            <p:cNvPr id="7" name="Rectangle 6"/>
-            <p:cNvSpPr/>
-            <p:nvPr/>
-          </p:nvSpPr>
-          <p:spPr>
-            <a:xfrm>
-              <a:off x="5406545" y="1689460"/>
-              <a:ext cx="2117102" cy="307777"/>
-            </a:xfrm>
-            <a:prstGeom prst="rect">
-              <a:avLst/>
-            </a:prstGeom>
-          </p:spPr>
-          <p:txBody>
-            <a:bodyPr wrap="square">
-              <a:spAutoFit/>
-            </a:bodyPr>
-            <a:lstStyle/>
-            <a:p>
-              <a:pPr algn="l"/>
-              <a:r>
-                <a:rPr lang="en-US" sz="1400" dirty="0" smtClean="0">
-                  <a:latin typeface="Century Gothic" panose="020B0502020202020204" pitchFamily="34" charset="0"/>
-                </a:rPr>
-                <a:t>Kevin, 28</a:t>
-              </a:r>
-              <a:endParaRPr lang="he-IL" sz="1400" dirty="0"/>
-            </a:p>
-          </p:txBody>
-        </p:sp>
-      </p:grpSp>
-      <p:grpSp>
-        <p:nvGrpSpPr>
-          <p:cNvPr id="21" name="Group 20"/>
-          <p:cNvGrpSpPr/>
-          <p:nvPr/>
-        </p:nvGrpSpPr>
-        <p:grpSpPr>
-          <a:xfrm>
-            <a:off x="4683630" y="4191657"/>
-            <a:ext cx="2839534" cy="777600"/>
-            <a:chOff x="4684113" y="5019147"/>
-            <a:chExt cx="2839534" cy="777600"/>
-          </a:xfrm>
-        </p:grpSpPr>
-        <p:pic>
-          <p:nvPicPr>
-            <p:cNvPr id="26" name="Picture 25"/>
-            <p:cNvPicPr>
-              <a:picLocks noChangeAspect="1"/>
-            </p:cNvPicPr>
-            <p:nvPr/>
-          </p:nvPicPr>
-          <p:blipFill>
-            <a:blip r:embed="rId8" cstate="print">
-              <a:extLst>
-                <a:ext uri="{28A0092B-C50C-407E-A947-70E740481C1C}">
-                  <a14:useLocalDpi xmlns:a14="http://schemas.microsoft.com/office/drawing/2010/main" val="0"/>
-                </a:ext>
-              </a:extLst>
-            </a:blip>
-            <a:stretch>
-              <a:fillRect/>
-            </a:stretch>
-          </p:blipFill>
-          <p:spPr>
-            <a:xfrm>
-              <a:off x="4684113" y="5019147"/>
-              <a:ext cx="777600" cy="777600"/>
-            </a:xfrm>
-            <a:prstGeom prst="rect">
-              <a:avLst/>
-            </a:prstGeom>
-          </p:spPr>
-        </p:pic>
-        <p:sp>
-          <p:nvSpPr>
-            <p:cNvPr id="32" name="Rectangle 31"/>
-            <p:cNvSpPr/>
-            <p:nvPr/>
-          </p:nvSpPr>
-          <p:spPr>
-            <a:xfrm>
-              <a:off x="5406545" y="5031711"/>
-              <a:ext cx="2117102" cy="307777"/>
-            </a:xfrm>
-            <a:prstGeom prst="rect">
-              <a:avLst/>
-            </a:prstGeom>
-          </p:spPr>
-          <p:txBody>
-            <a:bodyPr wrap="square">
-              <a:spAutoFit/>
-            </a:bodyPr>
-            <a:lstStyle/>
-            <a:p>
-              <a:pPr algn="l"/>
-              <a:r>
-                <a:rPr lang="en-US" sz="1400" dirty="0" smtClean="0">
-                  <a:latin typeface="Century Gothic" panose="020B0502020202020204" pitchFamily="34" charset="0"/>
-                </a:rPr>
-                <a:t>Gal, 25</a:t>
-              </a:r>
-              <a:endParaRPr lang="he-IL" sz="1400" dirty="0"/>
-            </a:p>
-          </p:txBody>
-        </p:sp>
-      </p:grpSp>
       <p:sp>
         <p:nvSpPr>
-          <p:cNvPr id="30" name="Rectangle 29"/>
+          <p:cNvPr id="7" name="Rectangle 6"/>
           <p:cNvSpPr/>
           <p:nvPr/>
         </p:nvSpPr>
         <p:spPr>
           <a:xfrm>
-            <a:off x="5594539" y="1934732"/>
-            <a:ext cx="1862622" cy="246221"/>
+            <a:off x="5398993" y="2526941"/>
+            <a:ext cx="2117102" cy="307777"/>
           </a:xfrm>
           <a:prstGeom prst="rect">
             <a:avLst/>
@@ -8811,220 +8576,25 @@
           <a:p>
             <a:pPr algn="l"/>
             <a:r>
-              <a:rPr lang="en-US" sz="1000" dirty="0" smtClean="0">
-                <a:solidFill>
-                  <a:schemeClr val="accent1">
-                    <a:lumMod val="75000"/>
-                  </a:schemeClr>
-                </a:solidFill>
+              <a:rPr lang="en-US" sz="1400" dirty="0" err="1" smtClean="0">
                 <a:latin typeface="Century Gothic" panose="020B0502020202020204" pitchFamily="34" charset="0"/>
               </a:rPr>
-              <a:t>Flying your way!</a:t>
+              <a:t>Matan</a:t>
             </a:r>
-            <a:endParaRPr lang="he-IL" sz="1000" dirty="0">
-              <a:solidFill>
-                <a:schemeClr val="accent1">
-                  <a:lumMod val="75000"/>
-                </a:schemeClr>
-              </a:solidFill>
-            </a:endParaRPr>
-          </a:p>
-        </p:txBody>
-      </p:sp>
-      <p:sp>
-        <p:nvSpPr>
-          <p:cNvPr id="34" name="Rectangle 33"/>
-          <p:cNvSpPr/>
-          <p:nvPr/>
-        </p:nvSpPr>
-        <p:spPr>
-          <a:xfrm>
-            <a:off x="5595507" y="2110318"/>
-            <a:ext cx="1862622" cy="246221"/>
-          </a:xfrm>
-          <a:prstGeom prst="rect">
-            <a:avLst/>
-          </a:prstGeom>
-        </p:spPr>
-        <p:txBody>
-          <a:bodyPr wrap="square">
-            <a:spAutoFit/>
-          </a:bodyPr>
-          <a:lstStyle/>
-          <a:p>
-            <a:pPr algn="l"/>
-            <a:r>
-              <a:rPr lang="en-US" sz="1000" dirty="0" smtClean="0">
-                <a:solidFill>
-                  <a:srgbClr val="97C777"/>
-                </a:solidFill>
-                <a:latin typeface="Century Gothic" panose="020B0502020202020204" pitchFamily="34" charset="0"/>
-              </a:rPr>
-              <a:t>Same age as you!</a:t>
-            </a:r>
-            <a:endParaRPr lang="he-IL" sz="1000" dirty="0">
-              <a:solidFill>
-                <a:srgbClr val="97C777"/>
-              </a:solidFill>
-            </a:endParaRPr>
-          </a:p>
-        </p:txBody>
-      </p:sp>
-      <p:sp>
-        <p:nvSpPr>
-          <p:cNvPr id="38" name="Rectangle 37"/>
-          <p:cNvSpPr/>
-          <p:nvPr/>
-        </p:nvSpPr>
-        <p:spPr>
-          <a:xfrm>
-            <a:off x="5596265" y="3614750"/>
-            <a:ext cx="1862622" cy="246221"/>
-          </a:xfrm>
-          <a:prstGeom prst="rect">
-            <a:avLst/>
-          </a:prstGeom>
-        </p:spPr>
-        <p:txBody>
-          <a:bodyPr wrap="square">
-            <a:spAutoFit/>
-          </a:bodyPr>
-          <a:lstStyle/>
-          <a:p>
-            <a:pPr algn="l"/>
-            <a:r>
-              <a:rPr lang="en-US" sz="1000" dirty="0" smtClean="0">
-                <a:solidFill>
-                  <a:srgbClr val="FFC000"/>
-                </a:solidFill>
-                <a:latin typeface="Century Gothic" panose="020B0502020202020204" pitchFamily="34" charset="0"/>
-              </a:rPr>
-              <a:t>From your home, Israel!</a:t>
-            </a:r>
-            <a:endParaRPr lang="he-IL" sz="1000" dirty="0">
-              <a:solidFill>
-                <a:srgbClr val="FFC000"/>
-              </a:solidFill>
-            </a:endParaRPr>
-          </a:p>
-        </p:txBody>
-      </p:sp>
-      <p:sp>
-        <p:nvSpPr>
-          <p:cNvPr id="42" name="Rectangle 41"/>
-          <p:cNvSpPr/>
-          <p:nvPr/>
-        </p:nvSpPr>
-        <p:spPr>
-          <a:xfrm>
-            <a:off x="5584137" y="2947279"/>
-            <a:ext cx="1862622" cy="400110"/>
-          </a:xfrm>
-          <a:prstGeom prst="rect">
-            <a:avLst/>
-          </a:prstGeom>
-        </p:spPr>
-        <p:txBody>
-          <a:bodyPr wrap="square">
-            <a:spAutoFit/>
-          </a:bodyPr>
-          <a:lstStyle/>
-          <a:p>
-            <a:pPr algn="l"/>
-            <a:r>
-              <a:rPr lang="en-US" sz="1000" dirty="0" smtClean="0">
-                <a:solidFill>
-                  <a:srgbClr val="9E5ECE"/>
-                </a:solidFill>
-                <a:latin typeface="Century Gothic" panose="020B0502020202020204" pitchFamily="34" charset="0"/>
-              </a:rPr>
-              <a:t>Also studies Computer Science!</a:t>
-            </a:r>
-            <a:endParaRPr lang="he-IL" sz="1000" dirty="0">
-              <a:solidFill>
-                <a:srgbClr val="9E5ECE"/>
-              </a:solidFill>
-            </a:endParaRPr>
-          </a:p>
-        </p:txBody>
-      </p:sp>
-      <p:sp>
-        <p:nvSpPr>
-          <p:cNvPr id="45" name="Rectangle 44"/>
-          <p:cNvSpPr/>
-          <p:nvPr/>
-        </p:nvSpPr>
-        <p:spPr>
-          <a:xfrm>
-            <a:off x="5596265" y="5276329"/>
-            <a:ext cx="1862622" cy="246221"/>
-          </a:xfrm>
-          <a:prstGeom prst="rect">
-            <a:avLst/>
-          </a:prstGeom>
-        </p:spPr>
-        <p:txBody>
-          <a:bodyPr wrap="square">
-            <a:spAutoFit/>
-          </a:bodyPr>
-          <a:lstStyle/>
-          <a:p>
-            <a:pPr algn="l"/>
-            <a:r>
-              <a:rPr lang="en-US" sz="1000" dirty="0" smtClean="0">
-                <a:solidFill>
-                  <a:schemeClr val="accent1">
-                    <a:lumMod val="75000"/>
-                  </a:schemeClr>
-                </a:solidFill>
-                <a:latin typeface="Century Gothic" panose="020B0502020202020204" pitchFamily="34" charset="0"/>
-              </a:rPr>
-              <a:t>Here for business.</a:t>
-            </a:r>
-            <a:endParaRPr lang="he-IL" sz="1000" dirty="0">
-              <a:solidFill>
-                <a:schemeClr val="accent1">
-                  <a:lumMod val="75000"/>
-                </a:schemeClr>
-              </a:solidFill>
-            </a:endParaRPr>
+            <a:endParaRPr lang="he-IL" sz="1400" dirty="0"/>
           </a:p>
         </p:txBody>
       </p:sp>
       <p:pic>
         <p:nvPicPr>
-          <p:cNvPr id="52" name="Picture 51"/>
+          <p:cNvPr id="53" name="Picture 52"/>
           <p:cNvPicPr>
             <a:picLocks noChangeAspect="1"/>
           </p:cNvPicPr>
           <p:nvPr/>
         </p:nvPicPr>
         <p:blipFill>
-          <a:blip r:embed="rId9"/>
-          <a:stretch>
-            <a:fillRect/>
-          </a:stretch>
-        </p:blipFill>
-        <p:spPr>
-          <a:xfrm>
-            <a:off x="5502759" y="1986156"/>
-            <a:ext cx="164510" cy="164510"/>
-          </a:xfrm>
-          <a:prstGeom prst="rect">
-            <a:avLst/>
-          </a:prstGeom>
-        </p:spPr>
-      </p:pic>
-      <p:pic>
-        <p:nvPicPr>
-          <p:cNvPr id="36" name="Picture 35"/>
-          <p:cNvPicPr>
-            <a:picLocks noChangeAspect="1"/>
-          </p:cNvPicPr>
-          <p:nvPr/>
-        </p:nvPicPr>
-        <p:blipFill>
-          <a:blip r:embed="rId10" cstate="print">
+          <a:blip r:embed="rId7" cstate="print">
             <a:extLst>
               <a:ext uri="{28A0092B-C50C-407E-A947-70E740481C1C}">
                 <a14:useLocalDpi xmlns:a14="http://schemas.microsoft.com/office/drawing/2010/main" val="0"/>
@@ -9037,7 +8607,7 @@
         </p:blipFill>
         <p:spPr>
           <a:xfrm>
-            <a:off x="4684113" y="3357896"/>
+            <a:off x="4682322" y="2523248"/>
             <a:ext cx="777600" cy="777600"/>
           </a:xfrm>
           <a:prstGeom prst="rect">
@@ -9045,16 +8615,48 @@
           </a:prstGeom>
         </p:spPr>
       </p:pic>
+      <p:sp>
+        <p:nvSpPr>
+          <p:cNvPr id="56" name="Rectangle 55"/>
+          <p:cNvSpPr/>
+          <p:nvPr/>
+        </p:nvSpPr>
+        <p:spPr>
+          <a:xfrm>
+            <a:off x="5406545" y="1689460"/>
+            <a:ext cx="2117102" cy="307777"/>
+          </a:xfrm>
+          <a:prstGeom prst="rect">
+            <a:avLst/>
+          </a:prstGeom>
+        </p:spPr>
+        <p:txBody>
+          <a:bodyPr wrap="square">
+            <a:spAutoFit/>
+          </a:bodyPr>
+          <a:lstStyle/>
+          <a:p>
+            <a:pPr algn="l"/>
+            <a:r>
+              <a:rPr lang="en-US" sz="1400" dirty="0" err="1" smtClean="0">
+                <a:latin typeface="Century Gothic" panose="020B0502020202020204" pitchFamily="34" charset="0"/>
+              </a:rPr>
+              <a:t>Tomer</a:t>
+            </a:r>
+            <a:endParaRPr lang="he-IL" sz="1400" dirty="0"/>
+          </a:p>
+        </p:txBody>
+      </p:sp>
       <p:pic>
         <p:nvPicPr>
-          <p:cNvPr id="53" name="Picture 52"/>
+          <p:cNvPr id="62" name="Picture 61"/>
           <p:cNvPicPr>
             <a:picLocks noChangeAspect="1"/>
           </p:cNvPicPr>
           <p:nvPr/>
         </p:nvPicPr>
         <p:blipFill>
-          <a:blip r:embed="rId11" cstate="print">
+          <a:blip r:embed="rId8" cstate="print">
             <a:extLst>
               <a:ext uri="{28A0092B-C50C-407E-A947-70E740481C1C}">
                 <a14:useLocalDpi xmlns:a14="http://schemas.microsoft.com/office/drawing/2010/main" val="0"/>
@@ -9067,7 +8669,7 @@
         </p:blipFill>
         <p:spPr>
           <a:xfrm>
-            <a:off x="4688347" y="1691102"/>
+            <a:off x="4682791" y="1689457"/>
             <a:ext cx="777600" cy="777600"/>
           </a:xfrm>
           <a:prstGeom prst="rect">
@@ -9077,14 +8679,14 @@
       </p:pic>
       <p:sp>
         <p:nvSpPr>
-          <p:cNvPr id="56" name="Rectangle 55"/>
+          <p:cNvPr id="63" name="Rectangle 62"/>
           <p:cNvSpPr/>
           <p:nvPr/>
         </p:nvSpPr>
         <p:spPr>
           <a:xfrm>
-            <a:off x="5406545" y="1689460"/>
-            <a:ext cx="2117102" cy="307777"/>
+            <a:off x="5562600" y="2027433"/>
+            <a:ext cx="1943600" cy="215444"/>
           </a:xfrm>
           <a:prstGeom prst="rect">
             <a:avLst/>
@@ -9096,33 +8698,34 @@
           </a:bodyPr>
           <a:lstStyle/>
           <a:p>
-            <a:pPr algn="l"/>
+            <a:pPr algn="just" rtl="0"/>
             <a:r>
-              <a:rPr lang="en-US" sz="1400" dirty="0" err="1" smtClean="0">
+              <a:rPr lang="en-US" sz="800" dirty="0" smtClean="0">
                 <a:latin typeface="Century Gothic" panose="020B0502020202020204" pitchFamily="34" charset="0"/>
               </a:rPr>
-              <a:t>Matan</a:t>
+              <a:t>Great! </a:t>
             </a:r>
             <a:r>
-              <a:rPr lang="en-US" sz="1400" dirty="0" smtClean="0">
+              <a:rPr lang="en-US" sz="800" dirty="0" smtClean="0">
                 <a:latin typeface="Century Gothic" panose="020B0502020202020204" pitchFamily="34" charset="0"/>
+                <a:sym typeface="Wingdings" panose="05000000000000000000" pitchFamily="2" charset="2"/>
               </a:rPr>
-              <a:t>, 26</a:t>
+              <a:t>:) See you there!</a:t>
             </a:r>
-            <a:endParaRPr lang="he-IL" sz="1400" dirty="0"/>
+            <a:endParaRPr lang="he-IL" sz="800" dirty="0"/>
           </a:p>
         </p:txBody>
       </p:sp>
       <p:sp>
         <p:nvSpPr>
-          <p:cNvPr id="57" name="Rectangle 56"/>
+          <p:cNvPr id="65" name="Rectangle 64"/>
           <p:cNvSpPr/>
           <p:nvPr/>
         </p:nvSpPr>
         <p:spPr>
           <a:xfrm>
-            <a:off x="5406545" y="3363726"/>
-            <a:ext cx="2117102" cy="307777"/>
+            <a:off x="5028044" y="2267437"/>
+            <a:ext cx="2493616" cy="215444"/>
           </a:xfrm>
           <a:prstGeom prst="rect">
             <a:avLst/>
@@ -9134,133 +8737,34 @@
           </a:bodyPr>
           <a:lstStyle/>
           <a:p>
-            <a:pPr algn="l"/>
+            <a:pPr rtl="0"/>
             <a:r>
-              <a:rPr lang="en-US" sz="1400" dirty="0" err="1" smtClean="0">
+              <a:rPr lang="en-US" sz="800" dirty="0" smtClean="0">
+                <a:solidFill>
+                  <a:srgbClr val="C00000"/>
+                </a:solidFill>
                 <a:latin typeface="Century Gothic" panose="020B0502020202020204" pitchFamily="34" charset="0"/>
               </a:rPr>
-              <a:t>Aviya</a:t>
+              <a:t>seen 10 minutes ago</a:t>
             </a:r>
-            <a:r>
-              <a:rPr lang="en-US" sz="1400" dirty="0" smtClean="0">
-                <a:latin typeface="Century Gothic" panose="020B0502020202020204" pitchFamily="34" charset="0"/>
-              </a:rPr>
-              <a:t>, 26</a:t>
-            </a:r>
-            <a:endParaRPr lang="he-IL" sz="1400" dirty="0"/>
+            <a:endParaRPr lang="he-IL" sz="800" dirty="0">
+              <a:solidFill>
+                <a:srgbClr val="C00000"/>
+              </a:solidFill>
+            </a:endParaRPr>
           </a:p>
         </p:txBody>
       </p:sp>
-      <p:grpSp>
-        <p:nvGrpSpPr>
-          <p:cNvPr id="59" name="Group 58"/>
-          <p:cNvGrpSpPr/>
-          <p:nvPr/>
-        </p:nvGrpSpPr>
-        <p:grpSpPr>
-          <a:xfrm>
-            <a:off x="4684113" y="5010639"/>
-            <a:ext cx="2848877" cy="777600"/>
-            <a:chOff x="4674770" y="4173088"/>
-            <a:chExt cx="2848877" cy="777600"/>
-          </a:xfrm>
-        </p:grpSpPr>
-        <p:sp>
-          <p:nvSpPr>
-            <p:cNvPr id="60" name="Rectangle 59"/>
-            <p:cNvSpPr/>
-            <p:nvPr/>
-          </p:nvSpPr>
-          <p:spPr>
-            <a:xfrm>
-              <a:off x="5406545" y="4183087"/>
-              <a:ext cx="2117102" cy="307777"/>
-            </a:xfrm>
-            <a:prstGeom prst="rect">
-              <a:avLst/>
-            </a:prstGeom>
-          </p:spPr>
-          <p:txBody>
-            <a:bodyPr wrap="square">
-              <a:spAutoFit/>
-            </a:bodyPr>
-            <a:lstStyle/>
-            <a:p>
-              <a:pPr algn="l"/>
-              <a:r>
-                <a:rPr lang="en-US" sz="1400" dirty="0" smtClean="0">
-                  <a:latin typeface="Century Gothic" panose="020B0502020202020204" pitchFamily="34" charset="0"/>
-                </a:rPr>
-                <a:t>Donnie, 56</a:t>
-              </a:r>
-              <a:endParaRPr lang="he-IL" sz="1400" dirty="0"/>
-            </a:p>
-          </p:txBody>
-        </p:sp>
-        <p:pic>
-          <p:nvPicPr>
-            <p:cNvPr id="61" name="Picture 60"/>
-            <p:cNvPicPr>
-              <a:picLocks noChangeAspect="1"/>
-            </p:cNvPicPr>
-            <p:nvPr/>
-          </p:nvPicPr>
-          <p:blipFill rotWithShape="1">
-            <a:blip r:embed="rId12" cstate="print">
-              <a:extLst>
-                <a:ext uri="{28A0092B-C50C-407E-A947-70E740481C1C}">
-                  <a14:useLocalDpi xmlns:a14="http://schemas.microsoft.com/office/drawing/2010/main" val="0"/>
-                </a:ext>
-              </a:extLst>
-            </a:blip>
-            <a:srcRect l="14312" t="-504" r="10658" b="504"/>
-            <a:stretch/>
-          </p:blipFill>
-          <p:spPr>
-            <a:xfrm>
-              <a:off x="4674770" y="4173088"/>
-              <a:ext cx="777894" cy="777600"/>
-            </a:xfrm>
-            <a:prstGeom prst="rect">
-              <a:avLst/>
-            </a:prstGeom>
-          </p:spPr>
-        </p:pic>
-      </p:grpSp>
-      <p:pic>
-        <p:nvPicPr>
-          <p:cNvPr id="1024" name="Picture 1023"/>
-          <p:cNvPicPr>
-            <a:picLocks noChangeAspect="1"/>
-          </p:cNvPicPr>
-          <p:nvPr/>
-        </p:nvPicPr>
-        <p:blipFill>
-          <a:blip r:embed="rId13"/>
-          <a:stretch>
-            <a:fillRect/>
-          </a:stretch>
-        </p:blipFill>
-        <p:spPr>
-          <a:xfrm>
-            <a:off x="5497393" y="2145574"/>
-            <a:ext cx="158310" cy="158310"/>
-          </a:xfrm>
-          <a:prstGeom prst="rect">
-            <a:avLst/>
-          </a:prstGeom>
-        </p:spPr>
-      </p:pic>
       <p:sp>
         <p:nvSpPr>
-          <p:cNvPr id="66" name="Rectangle 65"/>
+          <p:cNvPr id="70" name="Rectangle 69"/>
           <p:cNvSpPr/>
           <p:nvPr/>
         </p:nvSpPr>
         <p:spPr>
           <a:xfrm>
-            <a:off x="5594539" y="2772788"/>
-            <a:ext cx="1862622" cy="246221"/>
+            <a:off x="5053863" y="3108278"/>
+            <a:ext cx="2493616" cy="215444"/>
           </a:xfrm>
           <a:prstGeom prst="rect">
             <a:avLst/>
@@ -9272,62 +8776,34 @@
           </a:bodyPr>
           <a:lstStyle/>
           <a:p>
-            <a:pPr algn="l"/>
+            <a:pPr rtl="0"/>
             <a:r>
-              <a:rPr lang="en-US" sz="1000" dirty="0" smtClean="0">
+              <a:rPr lang="en-US" sz="800" dirty="0" smtClean="0">
                 <a:solidFill>
-                  <a:schemeClr val="accent1">
-                    <a:lumMod val="75000"/>
-                  </a:schemeClr>
+                  <a:srgbClr val="C00000"/>
                 </a:solidFill>
                 <a:latin typeface="Century Gothic" panose="020B0502020202020204" pitchFamily="34" charset="0"/>
               </a:rPr>
-              <a:t>Flying your way!</a:t>
+              <a:t>seen 1 hour ago</a:t>
             </a:r>
-            <a:endParaRPr lang="he-IL" sz="1000" dirty="0">
+            <a:endParaRPr lang="he-IL" sz="800" dirty="0">
               <a:solidFill>
-                <a:schemeClr val="accent1">
-                  <a:lumMod val="75000"/>
-                </a:schemeClr>
+                <a:srgbClr val="C00000"/>
               </a:solidFill>
             </a:endParaRPr>
           </a:p>
         </p:txBody>
       </p:sp>
-      <p:pic>
-        <p:nvPicPr>
-          <p:cNvPr id="67" name="Picture 66"/>
-          <p:cNvPicPr>
-            <a:picLocks noChangeAspect="1"/>
-          </p:cNvPicPr>
-          <p:nvPr/>
-        </p:nvPicPr>
-        <p:blipFill>
-          <a:blip r:embed="rId9"/>
-          <a:stretch>
-            <a:fillRect/>
-          </a:stretch>
-        </p:blipFill>
-        <p:spPr>
-          <a:xfrm>
-            <a:off x="5502759" y="2824212"/>
-            <a:ext cx="164510" cy="164510"/>
-          </a:xfrm>
-          <a:prstGeom prst="rect">
-            <a:avLst/>
-          </a:prstGeom>
-        </p:spPr>
-      </p:pic>
       <p:sp>
         <p:nvSpPr>
-          <p:cNvPr id="68" name="Rectangle 67"/>
+          <p:cNvPr id="71" name="Rectangle 70"/>
           <p:cNvSpPr/>
           <p:nvPr/>
         </p:nvSpPr>
         <p:spPr>
           <a:xfrm>
-            <a:off x="5608617" y="3764616"/>
-            <a:ext cx="1862622" cy="246221"/>
+            <a:off x="5398993" y="2869960"/>
+            <a:ext cx="1987645" cy="215444"/>
           </a:xfrm>
           <a:prstGeom prst="rect">
             <a:avLst/>
@@ -9339,308 +8815,33 @@
           </a:bodyPr>
           <a:lstStyle/>
           <a:p>
-            <a:pPr algn="l"/>
+            <a:pPr algn="just"/>
             <a:r>
-              <a:rPr lang="en-US" sz="1000" dirty="0" smtClean="0">
-                <a:solidFill>
-                  <a:srgbClr val="97C777"/>
-                </a:solidFill>
+              <a:rPr lang="en-US" sz="800" dirty="0" smtClean="0">
                 <a:latin typeface="Century Gothic" panose="020B0502020202020204" pitchFamily="34" charset="0"/>
               </a:rPr>
-              <a:t>Same age as you!</a:t>
+              <a:t>Hey dude!</a:t>
             </a:r>
-            <a:endParaRPr lang="he-IL" sz="1000" dirty="0">
-              <a:solidFill>
-                <a:srgbClr val="97C777"/>
-              </a:solidFill>
-            </a:endParaRPr>
-          </a:p>
-        </p:txBody>
-      </p:sp>
-      <p:sp>
-        <p:nvSpPr>
-          <p:cNvPr id="69" name="Rectangle 68"/>
-          <p:cNvSpPr/>
-          <p:nvPr/>
-        </p:nvSpPr>
-        <p:spPr>
-          <a:xfrm>
-            <a:off x="5591274" y="2261448"/>
-            <a:ext cx="1862622" cy="246221"/>
-          </a:xfrm>
-          <a:prstGeom prst="rect">
-            <a:avLst/>
-          </a:prstGeom>
-        </p:spPr>
-        <p:txBody>
-          <a:bodyPr wrap="square">
-            <a:spAutoFit/>
-          </a:bodyPr>
-          <a:lstStyle/>
-          <a:p>
-            <a:pPr algn="l"/>
-            <a:r>
-              <a:rPr lang="en-US" sz="1000" dirty="0" smtClean="0">
-                <a:solidFill>
-                  <a:srgbClr val="FFC000"/>
-                </a:solidFill>
-                <a:latin typeface="Century Gothic" panose="020B0502020202020204" pitchFamily="34" charset="0"/>
-              </a:rPr>
-              <a:t>From your home, Israel!</a:t>
-            </a:r>
-            <a:endParaRPr lang="he-IL" sz="1000" dirty="0">
-              <a:solidFill>
-                <a:srgbClr val="FFC000"/>
-              </a:solidFill>
-            </a:endParaRPr>
+            <a:endParaRPr lang="he-IL" sz="800" dirty="0"/>
           </a:p>
         </p:txBody>
       </p:sp>
       <p:pic>
         <p:nvPicPr>
-          <p:cNvPr id="72" name="Picture 71"/>
+          <p:cNvPr id="2" name="Picture 1"/>
           <p:cNvPicPr>
             <a:picLocks noChangeAspect="1"/>
           </p:cNvPicPr>
           <p:nvPr/>
         </p:nvPicPr>
         <p:blipFill>
-          <a:blip r:embed="rId14"/>
-          <a:stretch>
-            <a:fillRect/>
-          </a:stretch>
-        </p:blipFill>
-        <p:spPr>
-          <a:xfrm>
-            <a:off x="5494621" y="2309712"/>
-            <a:ext cx="128260" cy="128258"/>
-          </a:xfrm>
-          <a:prstGeom prst="rect">
-            <a:avLst/>
-          </a:prstGeom>
-        </p:spPr>
-      </p:pic>
-      <p:sp>
-        <p:nvSpPr>
-          <p:cNvPr id="73" name="Rectangle 72"/>
-          <p:cNvSpPr/>
-          <p:nvPr/>
-        </p:nvSpPr>
-        <p:spPr>
-          <a:xfrm>
-            <a:off x="5591274" y="3918721"/>
-            <a:ext cx="1862622" cy="246221"/>
-          </a:xfrm>
-          <a:prstGeom prst="rect">
-            <a:avLst/>
-          </a:prstGeom>
-        </p:spPr>
-        <p:txBody>
-          <a:bodyPr wrap="square">
-            <a:spAutoFit/>
-          </a:bodyPr>
-          <a:lstStyle/>
-          <a:p>
-            <a:pPr algn="l"/>
-            <a:r>
-              <a:rPr lang="en-US" sz="1000" dirty="0" smtClean="0">
-                <a:solidFill>
-                  <a:srgbClr val="9E5ECE"/>
-                </a:solidFill>
-                <a:latin typeface="Century Gothic" panose="020B0502020202020204" pitchFamily="34" charset="0"/>
-              </a:rPr>
-              <a:t>Also loves dogs!</a:t>
-            </a:r>
-            <a:endParaRPr lang="he-IL" sz="1000" dirty="0">
-              <a:solidFill>
-                <a:srgbClr val="9E5ECE"/>
-              </a:solidFill>
-            </a:endParaRPr>
-          </a:p>
-        </p:txBody>
-      </p:sp>
-      <p:sp>
-        <p:nvSpPr>
-          <p:cNvPr id="76" name="Rectangle 75"/>
-          <p:cNvSpPr/>
-          <p:nvPr/>
-        </p:nvSpPr>
-        <p:spPr>
-          <a:xfrm>
-            <a:off x="5622881" y="4623117"/>
-            <a:ext cx="1862622" cy="246221"/>
-          </a:xfrm>
-          <a:prstGeom prst="rect">
-            <a:avLst/>
-          </a:prstGeom>
-        </p:spPr>
-        <p:txBody>
-          <a:bodyPr wrap="square">
-            <a:spAutoFit/>
-          </a:bodyPr>
-          <a:lstStyle/>
-          <a:p>
-            <a:pPr algn="l"/>
-            <a:r>
-              <a:rPr lang="en-US" sz="1000" dirty="0" smtClean="0">
-                <a:solidFill>
-                  <a:srgbClr val="FFC000"/>
-                </a:solidFill>
-                <a:latin typeface="Century Gothic" panose="020B0502020202020204" pitchFamily="34" charset="0"/>
-              </a:rPr>
-              <a:t>From your home, Israel!</a:t>
-            </a:r>
-            <a:endParaRPr lang="he-IL" sz="1000" dirty="0">
-              <a:solidFill>
-                <a:srgbClr val="FFC000"/>
-              </a:solidFill>
-            </a:endParaRPr>
-          </a:p>
-        </p:txBody>
-      </p:sp>
-      <p:pic>
-        <p:nvPicPr>
-          <p:cNvPr id="77" name="Picture 76"/>
-          <p:cNvPicPr>
-            <a:picLocks noChangeAspect="1"/>
-          </p:cNvPicPr>
-          <p:nvPr/>
-        </p:nvPicPr>
-        <p:blipFill>
-          <a:blip r:embed="rId14"/>
-          <a:stretch>
-            <a:fillRect/>
-          </a:stretch>
-        </p:blipFill>
-        <p:spPr>
-          <a:xfrm>
-            <a:off x="5526228" y="4671381"/>
-            <a:ext cx="128260" cy="128258"/>
-          </a:xfrm>
-          <a:prstGeom prst="rect">
-            <a:avLst/>
-          </a:prstGeom>
-        </p:spPr>
-      </p:pic>
-      <p:sp>
-        <p:nvSpPr>
-          <p:cNvPr id="78" name="Rectangle 77"/>
-          <p:cNvSpPr/>
-          <p:nvPr/>
-        </p:nvSpPr>
-        <p:spPr>
-          <a:xfrm>
-            <a:off x="5622881" y="4458862"/>
-            <a:ext cx="1862622" cy="246221"/>
-          </a:xfrm>
-          <a:prstGeom prst="rect">
-            <a:avLst/>
-          </a:prstGeom>
-        </p:spPr>
-        <p:txBody>
-          <a:bodyPr wrap="square">
-            <a:spAutoFit/>
-          </a:bodyPr>
-          <a:lstStyle/>
-          <a:p>
-            <a:pPr algn="l"/>
-            <a:r>
-              <a:rPr lang="en-US" sz="1000" dirty="0" smtClean="0">
-                <a:solidFill>
-                  <a:schemeClr val="accent1">
-                    <a:lumMod val="75000"/>
-                  </a:schemeClr>
-                </a:solidFill>
-                <a:latin typeface="Century Gothic" panose="020B0502020202020204" pitchFamily="34" charset="0"/>
-              </a:rPr>
-              <a:t>Here for a long time.</a:t>
-            </a:r>
-            <a:endParaRPr lang="he-IL" sz="1000" dirty="0">
-              <a:solidFill>
-                <a:schemeClr val="accent1">
-                  <a:lumMod val="75000"/>
-                </a:schemeClr>
-              </a:solidFill>
-            </a:endParaRPr>
-          </a:p>
-        </p:txBody>
-      </p:sp>
-      <p:sp>
-        <p:nvSpPr>
-          <p:cNvPr id="79" name="Rectangle 78"/>
-          <p:cNvSpPr/>
-          <p:nvPr/>
-        </p:nvSpPr>
-        <p:spPr>
-          <a:xfrm>
-            <a:off x="5584137" y="5434135"/>
-            <a:ext cx="1862622" cy="246221"/>
-          </a:xfrm>
-          <a:prstGeom prst="rect">
-            <a:avLst/>
-          </a:prstGeom>
-        </p:spPr>
-        <p:txBody>
-          <a:bodyPr wrap="square">
-            <a:spAutoFit/>
-          </a:bodyPr>
-          <a:lstStyle/>
-          <a:p>
-            <a:pPr algn="l"/>
-            <a:r>
-              <a:rPr lang="en-US" sz="1000" dirty="0" smtClean="0">
-                <a:solidFill>
-                  <a:srgbClr val="9E5ECE"/>
-                </a:solidFill>
-                <a:latin typeface="Century Gothic" panose="020B0502020202020204" pitchFamily="34" charset="0"/>
-              </a:rPr>
-              <a:t>Works in </a:t>
-            </a:r>
-            <a:r>
-              <a:rPr lang="en-US" sz="1000" dirty="0" err="1" smtClean="0">
-                <a:solidFill>
-                  <a:srgbClr val="9E5ECE"/>
-                </a:solidFill>
-                <a:latin typeface="Century Gothic" panose="020B0502020202020204" pitchFamily="34" charset="0"/>
-              </a:rPr>
-              <a:t>RedHat</a:t>
-            </a:r>
-            <a:r>
-              <a:rPr lang="en-US" sz="1000" dirty="0" smtClean="0">
-                <a:solidFill>
-                  <a:srgbClr val="9E5ECE"/>
-                </a:solidFill>
-                <a:latin typeface="Century Gothic" panose="020B0502020202020204" pitchFamily="34" charset="0"/>
-              </a:rPr>
-              <a:t>.</a:t>
-            </a:r>
-            <a:endParaRPr lang="he-IL" sz="1000" dirty="0">
-              <a:solidFill>
-                <a:srgbClr val="9E5ECE"/>
-              </a:solidFill>
-            </a:endParaRPr>
-          </a:p>
-        </p:txBody>
-      </p:sp>
-      <p:pic>
-        <p:nvPicPr>
-          <p:cNvPr id="1028" name="Picture 1027"/>
-          <p:cNvPicPr>
-            <a:picLocks noChangeAspect="1"/>
-          </p:cNvPicPr>
-          <p:nvPr/>
-        </p:nvPicPr>
-        <p:blipFill>
-          <a:blip r:embed="rId15">
+          <a:blip r:embed="rId9">
             <a:extLst>
               <a:ext uri="{BEBA8EAE-BF5A-486C-A8C5-ECC9F3942E4B}">
                 <a14:imgProps xmlns:a14="http://schemas.microsoft.com/office/drawing/2010/main">
-                  <a14:imgLayer r:embed="rId16">
+                  <a14:imgLayer r:embed="rId10">
                     <a14:imgEffect>
-                      <a14:backgroundRemoval t="9961" b="89844" l="0" r="100000">
-                        <a14:foregroundMark x1="1953" y1="55469" x2="1953" y2="55469"/>
-                        <a14:foregroundMark x1="41016" y1="59961" x2="41016" y2="59961"/>
-                      </a14:backgroundRemoval>
+                      <a14:backgroundRemoval t="9961" b="89844" l="0" r="100000"/>
                     </a14:imgEffect>
                   </a14:imgLayer>
                 </a14:imgProps>
@@ -9653,8 +8854,8 @@
         </p:blipFill>
         <p:spPr>
           <a:xfrm>
-            <a:off x="5505844" y="3071048"/>
-            <a:ext cx="145078" cy="145078"/>
+            <a:off x="5503016" y="2070710"/>
+            <a:ext cx="121737" cy="121737"/>
           </a:xfrm>
           <a:prstGeom prst="rect">
             <a:avLst/>
@@ -9663,68 +8864,20 @@
       </p:pic>
       <p:pic>
         <p:nvPicPr>
-          <p:cNvPr id="81" name="Picture 80"/>
+          <p:cNvPr id="4" name="Picture 3"/>
           <p:cNvPicPr>
             <a:picLocks noChangeAspect="1"/>
           </p:cNvPicPr>
           <p:nvPr/>
         </p:nvPicPr>
         <p:blipFill>
-          <a:blip r:embed="rId14"/>
-          <a:stretch>
-            <a:fillRect/>
-          </a:stretch>
-        </p:blipFill>
-        <p:spPr>
-          <a:xfrm>
-            <a:off x="5502759" y="3683991"/>
-            <a:ext cx="128260" cy="128258"/>
-          </a:xfrm>
-          <a:prstGeom prst="rect">
-            <a:avLst/>
-          </a:prstGeom>
-        </p:spPr>
-      </p:pic>
-      <p:pic>
-        <p:nvPicPr>
-          <p:cNvPr id="84" name="Picture 83"/>
-          <p:cNvPicPr>
-            <a:picLocks noChangeAspect="1"/>
-          </p:cNvPicPr>
-          <p:nvPr/>
-        </p:nvPicPr>
-        <p:blipFill>
-          <a:blip r:embed="rId13"/>
-          <a:stretch>
-            <a:fillRect/>
-          </a:stretch>
-        </p:blipFill>
-        <p:spPr>
-          <a:xfrm>
-            <a:off x="5493251" y="3804459"/>
-            <a:ext cx="158310" cy="158310"/>
-          </a:xfrm>
-          <a:prstGeom prst="rect">
-            <a:avLst/>
-          </a:prstGeom>
-        </p:spPr>
-      </p:pic>
-      <p:pic>
-        <p:nvPicPr>
-          <p:cNvPr id="1029" name="Picture 1028"/>
-          <p:cNvPicPr>
-            <a:picLocks noChangeAspect="1"/>
-          </p:cNvPicPr>
-          <p:nvPr/>
-        </p:nvPicPr>
-        <p:blipFill>
-          <a:blip r:embed="rId17">
+          <a:blip r:embed="rId11">
             <a:extLst>
               <a:ext uri="{BEBA8EAE-BF5A-486C-A8C5-ECC9F3942E4B}">
                 <a14:imgProps xmlns:a14="http://schemas.microsoft.com/office/drawing/2010/main">
-                  <a14:imgLayer r:embed="rId18">
+                  <a14:imgLayer r:embed="rId12">
                     <a14:imgEffect>
-                      <a14:backgroundRemoval t="1758" b="97852" l="0" r="100000"/>
+                      <a14:backgroundRemoval t="9961" b="89844" l="586" r="100000"/>
                     </a14:imgEffect>
                   </a14:imgLayer>
                 </a14:imgProps>
@@ -9737,33 +8890,169 @@
         </p:blipFill>
         <p:spPr>
           <a:xfrm>
-            <a:off x="5515309" y="4001573"/>
-            <a:ext cx="100850" cy="100850"/>
+            <a:off x="7315056" y="2916959"/>
+            <a:ext cx="121737" cy="121737"/>
           </a:xfrm>
           <a:prstGeom prst="rect">
             <a:avLst/>
           </a:prstGeom>
         </p:spPr>
       </p:pic>
+      <p:sp>
+        <p:nvSpPr>
+          <p:cNvPr id="25" name="Rectangle 24"/>
+          <p:cNvSpPr/>
+          <p:nvPr/>
+        </p:nvSpPr>
+        <p:spPr>
+          <a:xfrm>
+            <a:off x="5398993" y="3360732"/>
+            <a:ext cx="2117102" cy="307777"/>
+          </a:xfrm>
+          <a:prstGeom prst="rect">
+            <a:avLst/>
+          </a:prstGeom>
+        </p:spPr>
+        <p:txBody>
+          <a:bodyPr wrap="square">
+            <a:spAutoFit/>
+          </a:bodyPr>
+          <a:lstStyle/>
+          <a:p>
+            <a:pPr algn="l"/>
+            <a:r>
+              <a:rPr lang="en-US" sz="1400" dirty="0" smtClean="0">
+                <a:latin typeface="Century Gothic" panose="020B0502020202020204" pitchFamily="34" charset="0"/>
+              </a:rPr>
+              <a:t>Emily</a:t>
+            </a:r>
+            <a:endParaRPr lang="he-IL" sz="1400" dirty="0"/>
+          </a:p>
+        </p:txBody>
+      </p:sp>
+      <p:sp>
+        <p:nvSpPr>
+          <p:cNvPr id="28" name="Rectangle 27"/>
+          <p:cNvSpPr/>
+          <p:nvPr/>
+        </p:nvSpPr>
+        <p:spPr>
+          <a:xfrm>
+            <a:off x="5053863" y="3942069"/>
+            <a:ext cx="2493616" cy="215444"/>
+          </a:xfrm>
+          <a:prstGeom prst="rect">
+            <a:avLst/>
+          </a:prstGeom>
+        </p:spPr>
+        <p:txBody>
+          <a:bodyPr wrap="square">
+            <a:spAutoFit/>
+          </a:bodyPr>
+          <a:lstStyle/>
+          <a:p>
+            <a:pPr rtl="0"/>
+            <a:r>
+              <a:rPr lang="en-US" sz="800" dirty="0" smtClean="0">
+                <a:solidFill>
+                  <a:srgbClr val="C00000"/>
+                </a:solidFill>
+                <a:latin typeface="Century Gothic" panose="020B0502020202020204" pitchFamily="34" charset="0"/>
+              </a:rPr>
+              <a:t>seen </a:t>
+            </a:r>
+            <a:r>
+              <a:rPr lang="en-US" sz="800" dirty="0">
+                <a:solidFill>
+                  <a:srgbClr val="C00000"/>
+                </a:solidFill>
+                <a:latin typeface="Century Gothic" panose="020B0502020202020204" pitchFamily="34" charset="0"/>
+              </a:rPr>
+              <a:t>1</a:t>
+            </a:r>
+            <a:r>
+              <a:rPr lang="en-US" sz="800" dirty="0" smtClean="0">
+                <a:solidFill>
+                  <a:srgbClr val="C00000"/>
+                </a:solidFill>
+                <a:latin typeface="Century Gothic" panose="020B0502020202020204" pitchFamily="34" charset="0"/>
+              </a:rPr>
+              <a:t> hour and 20 </a:t>
+            </a:r>
+            <a:r>
+              <a:rPr lang="en-US" sz="800" dirty="0" err="1" smtClean="0">
+                <a:solidFill>
+                  <a:srgbClr val="C00000"/>
+                </a:solidFill>
+                <a:latin typeface="Century Gothic" panose="020B0502020202020204" pitchFamily="34" charset="0"/>
+              </a:rPr>
+              <a:t>minuts</a:t>
+            </a:r>
+            <a:r>
+              <a:rPr lang="en-US" sz="800" dirty="0" smtClean="0">
+                <a:solidFill>
+                  <a:srgbClr val="C00000"/>
+                </a:solidFill>
+                <a:latin typeface="Century Gothic" panose="020B0502020202020204" pitchFamily="34" charset="0"/>
+              </a:rPr>
+              <a:t> ago</a:t>
+            </a:r>
+            <a:endParaRPr lang="he-IL" sz="800" dirty="0">
+              <a:solidFill>
+                <a:srgbClr val="C00000"/>
+              </a:solidFill>
+            </a:endParaRPr>
+          </a:p>
+        </p:txBody>
+      </p:sp>
+      <p:sp>
+        <p:nvSpPr>
+          <p:cNvPr id="29" name="Rectangle 28"/>
+          <p:cNvSpPr/>
+          <p:nvPr/>
+        </p:nvSpPr>
+        <p:spPr>
+          <a:xfrm>
+            <a:off x="5398993" y="3703751"/>
+            <a:ext cx="1987645" cy="215444"/>
+          </a:xfrm>
+          <a:prstGeom prst="rect">
+            <a:avLst/>
+          </a:prstGeom>
+        </p:spPr>
+        <p:txBody>
+          <a:bodyPr wrap="square">
+            <a:spAutoFit/>
+          </a:bodyPr>
+          <a:lstStyle/>
+          <a:p>
+            <a:pPr algn="just"/>
+            <a:r>
+              <a:rPr lang="en-US" sz="800" dirty="0" smtClean="0">
+                <a:latin typeface="Century Gothic" panose="020B0502020202020204" pitchFamily="34" charset="0"/>
+              </a:rPr>
+              <a:t>I’ll will be at FCO at 11am.</a:t>
+            </a:r>
+            <a:endParaRPr lang="he-IL" sz="800" dirty="0"/>
+          </a:p>
+        </p:txBody>
+      </p:sp>
       <p:pic>
         <p:nvPicPr>
-          <p:cNvPr id="1030" name="Picture 1029"/>
+          <p:cNvPr id="30" name="Picture 29"/>
           <p:cNvPicPr>
             <a:picLocks noChangeAspect="1"/>
           </p:cNvPicPr>
           <p:nvPr/>
         </p:nvPicPr>
         <p:blipFill>
-          <a:blip r:embed="rId19">
+          <a:blip r:embed="rId11">
             <a:extLst>
               <a:ext uri="{BEBA8EAE-BF5A-486C-A8C5-ECC9F3942E4B}">
                 <a14:imgProps xmlns:a14="http://schemas.microsoft.com/office/drawing/2010/main">
-                  <a14:imgLayer r:embed="rId20">
+                  <a14:imgLayer r:embed="rId12">
                     <a14:imgEffect>
-                      <a14:backgroundRemoval t="0" b="100000" l="2344" r="96289">
-                        <a14:foregroundMark x1="49805" y1="29492" x2="49805" y2="29492"/>
-                        <a14:foregroundMark x1="49219" y1="78320" x2="49219" y2="78320"/>
-                      </a14:backgroundRemoval>
+                      <a14:backgroundRemoval t="9961" b="89844" l="586" r="100000"/>
                     </a14:imgEffect>
                   </a14:imgLayer>
                 </a14:imgProps>
@@ -9776,8 +9065,8 @@
         </p:blipFill>
         <p:spPr>
           <a:xfrm>
-            <a:off x="5532420" y="4530665"/>
-            <a:ext cx="111143" cy="111143"/>
+            <a:off x="7315056" y="3750750"/>
+            <a:ext cx="121737" cy="121737"/>
           </a:xfrm>
           <a:prstGeom prst="rect">
             <a:avLst/>
@@ -9786,26 +9075,17 @@
       </p:pic>
       <p:pic>
         <p:nvPicPr>
-          <p:cNvPr id="1032" name="Picture 1031"/>
+          <p:cNvPr id="8" name="Picture 7"/>
           <p:cNvPicPr>
             <a:picLocks noChangeAspect="1"/>
           </p:cNvPicPr>
           <p:nvPr/>
         </p:nvPicPr>
         <p:blipFill>
-          <a:blip r:embed="rId21">
+          <a:blip r:embed="rId13" cstate="print">
             <a:extLst>
-              <a:ext uri="{BEBA8EAE-BF5A-486C-A8C5-ECC9F3942E4B}">
-                <a14:imgProps xmlns:a14="http://schemas.microsoft.com/office/drawing/2010/main">
-                  <a14:imgLayer r:embed="rId22">
-                    <a14:imgEffect>
-                      <a14:backgroundRemoval t="9961" b="89844" l="0" r="100000">
-                        <a14:foregroundMark x1="27148" y1="73242" x2="27148" y2="73242"/>
-                        <a14:foregroundMark x1="78320" y1="26563" x2="78320" y2="26563"/>
-                      </a14:backgroundRemoval>
-                    </a14:imgEffect>
-                  </a14:imgLayer>
-                </a14:imgProps>
+              <a:ext uri="{28A0092B-C50C-407E-A947-70E740481C1C}">
+                <a14:useLocalDpi xmlns:a14="http://schemas.microsoft.com/office/drawing/2010/main" val="0"/>
               </a:ext>
             </a:extLst>
           </a:blip>
@@ -9814,57 +9094,18 @@
           </a:stretch>
         </p:blipFill>
         <p:spPr>
-          <a:xfrm>
-            <a:off x="5515309" y="5349815"/>
-            <a:ext cx="125290" cy="125290"/>
+          <a:xfrm flipH="1">
+            <a:off x="4682322" y="3354798"/>
+            <a:ext cx="777600" cy="777600"/>
           </a:xfrm>
           <a:prstGeom prst="rect">
             <a:avLst/>
           </a:prstGeom>
         </p:spPr>
       </p:pic>
-      <p:sp>
-        <p:nvSpPr>
-          <p:cNvPr id="89" name="Rectangle 88"/>
-          <p:cNvSpPr/>
-          <p:nvPr/>
-        </p:nvSpPr>
-        <p:spPr>
-          <a:xfrm>
-            <a:off x="5589904" y="5575462"/>
-            <a:ext cx="1862622" cy="246221"/>
-          </a:xfrm>
-          <a:prstGeom prst="rect">
-            <a:avLst/>
-          </a:prstGeom>
-        </p:spPr>
-        <p:txBody>
-          <a:bodyPr wrap="square">
-            <a:spAutoFit/>
-          </a:bodyPr>
-          <a:lstStyle/>
-          <a:p>
-            <a:pPr algn="l"/>
-            <a:r>
-              <a:rPr lang="en-US" sz="1000" dirty="0" smtClean="0">
-                <a:solidFill>
-                  <a:srgbClr val="FFC000"/>
-                </a:solidFill>
-                <a:latin typeface="Century Gothic" panose="020B0502020202020204" pitchFamily="34" charset="0"/>
-              </a:rPr>
-              <a:t>Visited Israel once.</a:t>
-            </a:r>
-            <a:endParaRPr lang="he-IL" sz="1000" dirty="0">
-              <a:solidFill>
-                <a:srgbClr val="FFC000"/>
-              </a:solidFill>
-            </a:endParaRPr>
-          </a:p>
-        </p:txBody>
-      </p:sp>
       <p:pic>
         <p:nvPicPr>
-          <p:cNvPr id="90" name="Picture 89"/>
+          <p:cNvPr id="31" name="Picture 30"/>
           <p:cNvPicPr>
             <a:picLocks noChangeAspect="1"/>
           </p:cNvPicPr>
@@ -9878,8 +9119,8 @@
         </p:blipFill>
         <p:spPr>
           <a:xfrm>
-            <a:off x="5501139" y="5634830"/>
-            <a:ext cx="128260" cy="128258"/>
+            <a:off x="6746229" y="964780"/>
+            <a:ext cx="249413" cy="249413"/>
           </a:xfrm>
           <a:prstGeom prst="rect">
             <a:avLst/>
@@ -9888,402 +9129,18 @@
       </p:pic>
       <p:pic>
         <p:nvPicPr>
-          <p:cNvPr id="1033" name="Picture 1032"/>
+          <p:cNvPr id="33" name="Picture 32"/>
           <p:cNvPicPr>
             <a:picLocks noChangeAspect="1"/>
           </p:cNvPicPr>
           <p:nvPr/>
         </p:nvPicPr>
         <p:blipFill>
-          <a:blip r:embed="rId23">
+          <a:blip r:embed="rId15">
             <a:extLst>
               <a:ext uri="{BEBA8EAE-BF5A-486C-A8C5-ECC9F3942E4B}">
                 <a14:imgProps xmlns:a14="http://schemas.microsoft.com/office/drawing/2010/main">
-                  <a14:imgLayer r:embed="rId24">
-                    <a14:imgEffect>
-                      <a14:backgroundRemoval t="1172" b="100000" l="0" r="100000"/>
-                    </a14:imgEffect>
-                  </a14:imgLayer>
-                </a14:imgProps>
-              </a:ext>
-            </a:extLst>
-          </a:blip>
-          <a:stretch>
-            <a:fillRect/>
-          </a:stretch>
-        </p:blipFill>
-        <p:spPr>
-          <a:xfrm>
-            <a:off x="5514379" y="5502878"/>
-            <a:ext cx="101780" cy="101780"/>
-          </a:xfrm>
-          <a:prstGeom prst="rect">
-            <a:avLst/>
-          </a:prstGeom>
-        </p:spPr>
-      </p:pic>
-      <p:sp>
-        <p:nvSpPr>
-          <p:cNvPr id="92" name="Rectangle 91"/>
-          <p:cNvSpPr/>
-          <p:nvPr/>
-        </p:nvSpPr>
-        <p:spPr>
-          <a:xfrm>
-            <a:off x="5050356" y="1688678"/>
-            <a:ext cx="2493616" cy="215444"/>
-          </a:xfrm>
-          <a:prstGeom prst="rect">
-            <a:avLst/>
-          </a:prstGeom>
-        </p:spPr>
-        <p:txBody>
-          <a:bodyPr wrap="square">
-            <a:spAutoFit/>
-          </a:bodyPr>
-          <a:lstStyle/>
-          <a:p>
-            <a:pPr rtl="0"/>
-            <a:r>
-              <a:rPr lang="en-US" sz="800" dirty="0" smtClean="0">
-                <a:solidFill>
-                  <a:srgbClr val="C00000"/>
-                </a:solidFill>
-                <a:latin typeface="Century Gothic" panose="020B0502020202020204" pitchFamily="34" charset="0"/>
-              </a:rPr>
-              <a:t>8 hours </a:t>
-            </a:r>
-            <a:r>
-              <a:rPr lang="en-US" sz="800" dirty="0">
-                <a:solidFill>
-                  <a:srgbClr val="C00000"/>
-                </a:solidFill>
-                <a:latin typeface="Century Gothic" panose="020B0502020202020204" pitchFamily="34" charset="0"/>
-              </a:rPr>
-              <a:t>wait!</a:t>
-            </a:r>
-            <a:endParaRPr lang="he-IL" sz="800" dirty="0">
-              <a:solidFill>
-                <a:srgbClr val="C00000"/>
-              </a:solidFill>
-            </a:endParaRPr>
-          </a:p>
-        </p:txBody>
-      </p:sp>
-      <p:sp>
-        <p:nvSpPr>
-          <p:cNvPr id="93" name="Rectangle 92"/>
-          <p:cNvSpPr/>
-          <p:nvPr/>
-        </p:nvSpPr>
-        <p:spPr>
-          <a:xfrm>
-            <a:off x="5068718" y="2522982"/>
-            <a:ext cx="2493616" cy="215444"/>
-          </a:xfrm>
-          <a:prstGeom prst="rect">
-            <a:avLst/>
-          </a:prstGeom>
-        </p:spPr>
-        <p:txBody>
-          <a:bodyPr wrap="square">
-            <a:spAutoFit/>
-          </a:bodyPr>
-          <a:lstStyle/>
-          <a:p>
-            <a:pPr rtl="0"/>
-            <a:r>
-              <a:rPr lang="en-US" sz="800" dirty="0" smtClean="0">
-                <a:solidFill>
-                  <a:srgbClr val="C00000"/>
-                </a:solidFill>
-                <a:latin typeface="Century Gothic" panose="020B0502020202020204" pitchFamily="34" charset="0"/>
-              </a:rPr>
-              <a:t>6 </a:t>
-            </a:r>
-            <a:r>
-              <a:rPr lang="en-US" sz="800" dirty="0">
-                <a:solidFill>
-                  <a:srgbClr val="C00000"/>
-                </a:solidFill>
-                <a:latin typeface="Century Gothic" panose="020B0502020202020204" pitchFamily="34" charset="0"/>
-              </a:rPr>
-              <a:t>hours wait!</a:t>
-            </a:r>
-            <a:endParaRPr lang="he-IL" sz="800" dirty="0">
-              <a:solidFill>
-                <a:srgbClr val="C00000"/>
-              </a:solidFill>
-            </a:endParaRPr>
-          </a:p>
-        </p:txBody>
-      </p:sp>
-      <p:sp>
-        <p:nvSpPr>
-          <p:cNvPr id="95" name="Rectangle 94"/>
-          <p:cNvSpPr/>
-          <p:nvPr/>
-        </p:nvSpPr>
-        <p:spPr>
-          <a:xfrm>
-            <a:off x="5050845" y="3348812"/>
-            <a:ext cx="2493616" cy="215444"/>
-          </a:xfrm>
-          <a:prstGeom prst="rect">
-            <a:avLst/>
-          </a:prstGeom>
-        </p:spPr>
-        <p:txBody>
-          <a:bodyPr wrap="square">
-            <a:spAutoFit/>
-          </a:bodyPr>
-          <a:lstStyle/>
-          <a:p>
-            <a:pPr rtl="0"/>
-            <a:r>
-              <a:rPr lang="en-US" sz="800" dirty="0" smtClean="0">
-                <a:solidFill>
-                  <a:srgbClr val="C00000"/>
-                </a:solidFill>
-                <a:latin typeface="Century Gothic" panose="020B0502020202020204" pitchFamily="34" charset="0"/>
-              </a:rPr>
-              <a:t>5 </a:t>
-            </a:r>
-            <a:r>
-              <a:rPr lang="en-US" sz="800" dirty="0">
-                <a:solidFill>
-                  <a:srgbClr val="C00000"/>
-                </a:solidFill>
-                <a:latin typeface="Century Gothic" panose="020B0502020202020204" pitchFamily="34" charset="0"/>
-              </a:rPr>
-              <a:t>hours wait!</a:t>
-            </a:r>
-            <a:endParaRPr lang="he-IL" sz="800" dirty="0">
-              <a:solidFill>
-                <a:srgbClr val="C00000"/>
-              </a:solidFill>
-            </a:endParaRPr>
-          </a:p>
-        </p:txBody>
-      </p:sp>
-      <p:sp>
-        <p:nvSpPr>
-          <p:cNvPr id="96" name="Rectangle 95"/>
-          <p:cNvSpPr/>
-          <p:nvPr/>
-        </p:nvSpPr>
-        <p:spPr>
-          <a:xfrm>
-            <a:off x="5029548" y="4197434"/>
-            <a:ext cx="2493616" cy="215444"/>
-          </a:xfrm>
-          <a:prstGeom prst="rect">
-            <a:avLst/>
-          </a:prstGeom>
-        </p:spPr>
-        <p:txBody>
-          <a:bodyPr wrap="square">
-            <a:spAutoFit/>
-          </a:bodyPr>
-          <a:lstStyle/>
-          <a:p>
-            <a:pPr rtl="0"/>
-            <a:r>
-              <a:rPr lang="en-US" sz="800" dirty="0" smtClean="0">
-                <a:solidFill>
-                  <a:srgbClr val="C00000"/>
-                </a:solidFill>
-                <a:latin typeface="Century Gothic" panose="020B0502020202020204" pitchFamily="34" charset="0"/>
-              </a:rPr>
-              <a:t>3 </a:t>
-            </a:r>
-            <a:r>
-              <a:rPr lang="en-US" sz="800" dirty="0">
-                <a:solidFill>
-                  <a:srgbClr val="C00000"/>
-                </a:solidFill>
-                <a:latin typeface="Century Gothic" panose="020B0502020202020204" pitchFamily="34" charset="0"/>
-              </a:rPr>
-              <a:t>hours wait!</a:t>
-            </a:r>
-            <a:endParaRPr lang="he-IL" sz="800" dirty="0">
-              <a:solidFill>
-                <a:srgbClr val="C00000"/>
-              </a:solidFill>
-            </a:endParaRPr>
-          </a:p>
-        </p:txBody>
-      </p:sp>
-      <p:sp>
-        <p:nvSpPr>
-          <p:cNvPr id="97" name="Rectangle 96"/>
-          <p:cNvSpPr/>
-          <p:nvPr/>
-        </p:nvSpPr>
-        <p:spPr>
-          <a:xfrm>
-            <a:off x="5029548" y="5033112"/>
-            <a:ext cx="2493616" cy="215444"/>
-          </a:xfrm>
-          <a:prstGeom prst="rect">
-            <a:avLst/>
-          </a:prstGeom>
-        </p:spPr>
-        <p:txBody>
-          <a:bodyPr wrap="square">
-            <a:spAutoFit/>
-          </a:bodyPr>
-          <a:lstStyle/>
-          <a:p>
-            <a:pPr rtl="0"/>
-            <a:r>
-              <a:rPr lang="en-US" sz="800" dirty="0" smtClean="0">
-                <a:solidFill>
-                  <a:srgbClr val="C00000"/>
-                </a:solidFill>
-                <a:latin typeface="Century Gothic" panose="020B0502020202020204" pitchFamily="34" charset="0"/>
-              </a:rPr>
-              <a:t>3 </a:t>
-            </a:r>
-            <a:r>
-              <a:rPr lang="en-US" sz="800" dirty="0">
-                <a:solidFill>
-                  <a:srgbClr val="C00000"/>
-                </a:solidFill>
-                <a:latin typeface="Century Gothic" panose="020B0502020202020204" pitchFamily="34" charset="0"/>
-              </a:rPr>
-              <a:t>hours wait!</a:t>
-            </a:r>
-            <a:endParaRPr lang="he-IL" sz="800" dirty="0">
-              <a:solidFill>
-                <a:srgbClr val="C00000"/>
-              </a:solidFill>
-            </a:endParaRPr>
-          </a:p>
-        </p:txBody>
-      </p:sp>
-      <p:sp>
-        <p:nvSpPr>
-          <p:cNvPr id="62" name="Rectangle 61"/>
-          <p:cNvSpPr/>
-          <p:nvPr/>
-        </p:nvSpPr>
-        <p:spPr>
-          <a:xfrm>
-            <a:off x="4680617" y="1684915"/>
-            <a:ext cx="1346564" cy="788629"/>
-          </a:xfrm>
-          <a:prstGeom prst="rect">
-            <a:avLst/>
-          </a:prstGeom>
-          <a:solidFill>
-            <a:srgbClr val="C00000">
-              <a:alpha val="97000"/>
-            </a:srgbClr>
-          </a:solidFill>
-          <a:ln>
-            <a:noFill/>
-          </a:ln>
-        </p:spPr>
-        <p:style>
-          <a:lnRef idx="2">
-            <a:schemeClr val="accent1">
-              <a:shade val="50000"/>
-            </a:schemeClr>
-          </a:lnRef>
-          <a:fillRef idx="1">
-            <a:schemeClr val="accent1"/>
-          </a:fillRef>
-          <a:effectRef idx="0">
-            <a:schemeClr val="accent1"/>
-          </a:effectRef>
-          <a:fontRef idx="minor">
-            <a:schemeClr val="lt1"/>
-          </a:fontRef>
-        </p:style>
-        <p:txBody>
-          <a:bodyPr rtlCol="1" anchor="ctr"/>
-          <a:lstStyle/>
-          <a:p>
-            <a:pPr algn="ctr"/>
-            <a:endParaRPr lang="he-IL" dirty="0"/>
-          </a:p>
-        </p:txBody>
-      </p:sp>
-      <p:pic>
-        <p:nvPicPr>
-          <p:cNvPr id="63" name="Picture 62"/>
-          <p:cNvPicPr>
-            <a:picLocks noChangeAspect="1"/>
-          </p:cNvPicPr>
-          <p:nvPr/>
-        </p:nvPicPr>
-        <p:blipFill>
-          <a:blip r:embed="rId25">
-            <a:extLst>
-              <a:ext uri="{BEBA8EAE-BF5A-486C-A8C5-ECC9F3942E4B}">
-                <a14:imgProps xmlns:a14="http://schemas.microsoft.com/office/drawing/2010/main">
-                  <a14:imgLayer r:embed="rId26">
-                    <a14:imgEffect>
-                      <a14:backgroundRemoval t="0" b="100000" l="0" r="100000"/>
-                    </a14:imgEffect>
-                  </a14:imgLayer>
-                </a14:imgProps>
-              </a:ext>
-            </a:extLst>
-          </a:blip>
-          <a:stretch>
-            <a:fillRect/>
-          </a:stretch>
-        </p:blipFill>
-        <p:spPr>
-          <a:xfrm>
-            <a:off x="4794373" y="1970946"/>
-            <a:ext cx="242885" cy="242885"/>
-          </a:xfrm>
-          <a:prstGeom prst="rect">
-            <a:avLst/>
-          </a:prstGeom>
-        </p:spPr>
-      </p:pic>
-      <p:pic>
-        <p:nvPicPr>
-          <p:cNvPr id="65" name="Picture 64"/>
-          <p:cNvPicPr>
-            <a:picLocks noChangeAspect="1"/>
-          </p:cNvPicPr>
-          <p:nvPr/>
-        </p:nvPicPr>
-        <p:blipFill>
-          <a:blip r:embed="rId27"/>
-          <a:stretch>
-            <a:fillRect/>
-          </a:stretch>
-        </p:blipFill>
-        <p:spPr>
-          <a:xfrm>
-            <a:off x="6746229" y="964780"/>
-            <a:ext cx="249413" cy="249413"/>
-          </a:xfrm>
-          <a:prstGeom prst="rect">
-            <a:avLst/>
-          </a:prstGeom>
-        </p:spPr>
-      </p:pic>
-      <p:pic>
-        <p:nvPicPr>
-          <p:cNvPr id="70" name="Picture 69"/>
-          <p:cNvPicPr>
-            <a:picLocks noChangeAspect="1"/>
-          </p:cNvPicPr>
-          <p:nvPr/>
-        </p:nvPicPr>
-        <p:blipFill>
-          <a:blip r:embed="rId28">
-            <a:extLst>
-              <a:ext uri="{BEBA8EAE-BF5A-486C-A8C5-ECC9F3942E4B}">
-                <a14:imgProps xmlns:a14="http://schemas.microsoft.com/office/drawing/2010/main">
-                  <a14:imgLayer r:embed="rId29">
+                  <a14:imgLayer r:embed="rId16">
                     <a14:imgEffect>
                       <a14:backgroundRemoval t="9961" b="89844" l="0" r="100000">
                         <a14:foregroundMark x1="49414" y1="14063" x2="49414" y2="14063"/>
@@ -10312,16 +9169,25 @@
     </p:spTree>
     <p:extLst>
       <p:ext uri="{BB962C8B-B14F-4D97-AF65-F5344CB8AC3E}">
-        <p14:creationId xmlns:p14="http://schemas.microsoft.com/office/powerpoint/2010/main" val="666095404"/>
+        <p14:creationId xmlns:p14="http://schemas.microsoft.com/office/powerpoint/2010/main" val="1524550443"/>
       </p:ext>
     </p:extLst>
   </p:cSld>
   <p:clrMapOvr>
     <a:masterClrMapping/>
   </p:clrMapOvr>
-  <p:transition spd="slow">
-    <p:wipe dir="r"/>
-  </p:transition>
+  <mc:AlternateContent xmlns:mc="http://schemas.openxmlformats.org/markup-compatibility/2006" xmlns:p14="http://schemas.microsoft.com/office/powerpoint/2010/main">
+    <mc:Choice Requires="p14">
+      <p:transition spd="med" p14:dur="700">
+        <p:fade/>
+      </p:transition>
+    </mc:Choice>
+    <mc:Fallback xmlns="">
+      <p:transition spd="med">
+        <p:fade/>
+      </p:transition>
+    </mc:Fallback>
+  </mc:AlternateContent>
   <p:timing>
     <p:tnLst>
       <p:par>
@@ -10986,1718 +9852,6 @@
           </a:graphicData>
         </a:graphic>
       </p:graphicFrame>
-      <p:sp>
-        <p:nvSpPr>
-          <p:cNvPr id="20" name="Rectangle 19"/>
-          <p:cNvSpPr/>
-          <p:nvPr/>
-        </p:nvSpPr>
-        <p:spPr>
-          <a:xfrm flipV="1">
-            <a:off x="6572405" y="1589823"/>
-            <a:ext cx="941805" cy="45719"/>
-          </a:xfrm>
-          <a:prstGeom prst="rect">
-            <a:avLst/>
-          </a:prstGeom>
-          <a:solidFill>
-            <a:srgbClr val="C00000">
-              <a:alpha val="97000"/>
-            </a:srgbClr>
-          </a:solidFill>
-          <a:ln>
-            <a:noFill/>
-          </a:ln>
-        </p:spPr>
-        <p:style>
-          <a:lnRef idx="2">
-            <a:schemeClr val="accent1">
-              <a:shade val="50000"/>
-            </a:schemeClr>
-          </a:lnRef>
-          <a:fillRef idx="1">
-            <a:schemeClr val="accent1"/>
-          </a:fillRef>
-          <a:effectRef idx="0">
-            <a:schemeClr val="accent1"/>
-          </a:effectRef>
-          <a:fontRef idx="minor">
-            <a:schemeClr val="lt1"/>
-          </a:fontRef>
-        </p:style>
-        <p:txBody>
-          <a:bodyPr rtlCol="1" anchor="ctr"/>
-          <a:lstStyle/>
-          <a:p>
-            <a:pPr algn="ctr"/>
-            <a:endParaRPr lang="he-IL"/>
-          </a:p>
-        </p:txBody>
-      </p:sp>
-      <p:graphicFrame>
-        <p:nvGraphicFramePr>
-          <p:cNvPr id="22" name="Table 21"/>
-          <p:cNvGraphicFramePr>
-            <a:graphicFrameLocks noGrp="1"/>
-          </p:cNvGraphicFramePr>
-          <p:nvPr>
-            <p:extLst>
-              <p:ext uri="{D42A27DB-BD31-4B8C-83A1-F6EECF244321}">
-                <p14:modId xmlns:p14="http://schemas.microsoft.com/office/powerpoint/2010/main" val="4089266151"/>
-              </p:ext>
-            </p:extLst>
-          </p:nvPr>
-        </p:nvGraphicFramePr>
-        <p:xfrm>
-          <a:off x="4684295" y="1663698"/>
-          <a:ext cx="2829827" cy="4158585"/>
-        </p:xfrm>
-        <a:graphic>
-          <a:graphicData uri="http://schemas.openxmlformats.org/drawingml/2006/table">
-            <a:tbl>
-              <a:tblPr rtl="1" firstRow="1" bandRow="1">
-                <a:tableStyleId>{5C22544A-7EE6-4342-B048-85BDC9FD1C3A}</a:tableStyleId>
-              </a:tblPr>
-              <a:tblGrid>
-                <a:gridCol w="2829827"/>
-              </a:tblGrid>
-              <a:tr h="831717">
-                <a:tc>
-                  <a:txBody>
-                    <a:bodyPr/>
-                    <a:lstStyle/>
-                    <a:p>
-                      <a:pPr algn="ctr" rtl="1"/>
-                      <a:endParaRPr lang="he-IL" sz="1200" b="0" dirty="0">
-                        <a:solidFill>
-                          <a:schemeClr val="tx1"/>
-                        </a:solidFill>
-                        <a:latin typeface="Century Gothic" panose="020B0502020202020204" pitchFamily="34" charset="0"/>
-                      </a:endParaRPr>
-                    </a:p>
-                  </a:txBody>
-                  <a:tcPr anchor="ctr">
-                    <a:lnL w="57150" cap="flat" cmpd="sng" algn="ctr">
-                      <a:noFill/>
-                      <a:prstDash val="solid"/>
-                      <a:round/>
-                      <a:headEnd type="none" w="med" len="med"/>
-                      <a:tailEnd type="none" w="med" len="med"/>
-                    </a:lnL>
-                    <a:lnR w="57150" cap="flat" cmpd="sng" algn="ctr">
-                      <a:noFill/>
-                      <a:prstDash val="solid"/>
-                      <a:round/>
-                      <a:headEnd type="none" w="med" len="med"/>
-                      <a:tailEnd type="none" w="med" len="med"/>
-                    </a:lnR>
-                    <a:lnT w="57150" cap="flat" cmpd="sng" algn="ctr">
-                      <a:solidFill>
-                        <a:schemeClr val="bg1">
-                          <a:lumMod val="85000"/>
-                        </a:schemeClr>
-                      </a:solidFill>
-                      <a:prstDash val="solid"/>
-                      <a:round/>
-                      <a:headEnd type="none" w="med" len="med"/>
-                      <a:tailEnd type="none" w="med" len="med"/>
-                    </a:lnT>
-                    <a:lnB w="57150" cap="flat" cmpd="sng" algn="ctr">
-                      <a:solidFill>
-                        <a:schemeClr val="bg1">
-                          <a:lumMod val="85000"/>
-                        </a:schemeClr>
-                      </a:solidFill>
-                      <a:prstDash val="solid"/>
-                      <a:round/>
-                      <a:headEnd type="none" w="med" len="med"/>
-                      <a:tailEnd type="none" w="med" len="med"/>
-                    </a:lnB>
-                    <a:lnTlToBr w="12700" cmpd="sng">
-                      <a:noFill/>
-                      <a:prstDash val="solid"/>
-                    </a:lnTlToBr>
-                    <a:lnBlToTr w="12700" cmpd="sng">
-                      <a:noFill/>
-                      <a:prstDash val="solid"/>
-                    </a:lnBlToTr>
-                    <a:solidFill>
-                      <a:schemeClr val="bg1"/>
-                    </a:solidFill>
-                  </a:tcPr>
-                </a:tc>
-              </a:tr>
-              <a:tr h="831717">
-                <a:tc>
-                  <a:txBody>
-                    <a:bodyPr/>
-                    <a:lstStyle/>
-                    <a:p>
-                      <a:pPr algn="ctr" rtl="1"/>
-                      <a:endParaRPr lang="he-IL" sz="1200" b="0" dirty="0">
-                        <a:solidFill>
-                          <a:schemeClr val="tx1"/>
-                        </a:solidFill>
-                        <a:latin typeface="Century Gothic" panose="020B0502020202020204" pitchFamily="34" charset="0"/>
-                      </a:endParaRPr>
-                    </a:p>
-                  </a:txBody>
-                  <a:tcPr anchor="ctr">
-                    <a:lnL w="57150" cap="flat" cmpd="sng" algn="ctr">
-                      <a:noFill/>
-                      <a:prstDash val="solid"/>
-                      <a:round/>
-                      <a:headEnd type="none" w="med" len="med"/>
-                      <a:tailEnd type="none" w="med" len="med"/>
-                    </a:lnL>
-                    <a:lnR w="57150" cap="flat" cmpd="sng" algn="ctr">
-                      <a:noFill/>
-                      <a:prstDash val="solid"/>
-                      <a:round/>
-                      <a:headEnd type="none" w="med" len="med"/>
-                      <a:tailEnd type="none" w="med" len="med"/>
-                    </a:lnR>
-                    <a:lnT w="57150" cap="flat" cmpd="sng" algn="ctr">
-                      <a:solidFill>
-                        <a:schemeClr val="bg1">
-                          <a:lumMod val="85000"/>
-                        </a:schemeClr>
-                      </a:solidFill>
-                      <a:prstDash val="solid"/>
-                      <a:round/>
-                      <a:headEnd type="none" w="med" len="med"/>
-                      <a:tailEnd type="none" w="med" len="med"/>
-                    </a:lnT>
-                    <a:lnB w="57150" cap="flat" cmpd="sng" algn="ctr">
-                      <a:solidFill>
-                        <a:schemeClr val="bg1">
-                          <a:lumMod val="85000"/>
-                        </a:schemeClr>
-                      </a:solidFill>
-                      <a:prstDash val="solid"/>
-                      <a:round/>
-                      <a:headEnd type="none" w="med" len="med"/>
-                      <a:tailEnd type="none" w="med" len="med"/>
-                    </a:lnB>
-                    <a:lnTlToBr w="12700" cmpd="sng">
-                      <a:noFill/>
-                      <a:prstDash val="solid"/>
-                    </a:lnTlToBr>
-                    <a:lnBlToTr w="12700" cmpd="sng">
-                      <a:noFill/>
-                      <a:prstDash val="solid"/>
-                    </a:lnBlToTr>
-                    <a:solidFill>
-                      <a:schemeClr val="bg1"/>
-                    </a:solidFill>
-                  </a:tcPr>
-                </a:tc>
-              </a:tr>
-              <a:tr h="831717">
-                <a:tc>
-                  <a:txBody>
-                    <a:bodyPr/>
-                    <a:lstStyle/>
-                    <a:p>
-                      <a:pPr algn="ctr" rtl="1"/>
-                      <a:endParaRPr lang="he-IL" sz="1200" b="0" dirty="0">
-                        <a:solidFill>
-                          <a:schemeClr val="tx1"/>
-                        </a:solidFill>
-                        <a:latin typeface="Century Gothic" panose="020B0502020202020204" pitchFamily="34" charset="0"/>
-                      </a:endParaRPr>
-                    </a:p>
-                  </a:txBody>
-                  <a:tcPr anchor="ctr">
-                    <a:lnL w="57150" cap="flat" cmpd="sng" algn="ctr">
-                      <a:noFill/>
-                      <a:prstDash val="solid"/>
-                      <a:round/>
-                      <a:headEnd type="none" w="med" len="med"/>
-                      <a:tailEnd type="none" w="med" len="med"/>
-                    </a:lnL>
-                    <a:lnR w="57150" cap="flat" cmpd="sng" algn="ctr">
-                      <a:noFill/>
-                      <a:prstDash val="solid"/>
-                      <a:round/>
-                      <a:headEnd type="none" w="med" len="med"/>
-                      <a:tailEnd type="none" w="med" len="med"/>
-                    </a:lnR>
-                    <a:lnT w="57150" cap="flat" cmpd="sng" algn="ctr">
-                      <a:solidFill>
-                        <a:schemeClr val="bg1">
-                          <a:lumMod val="85000"/>
-                        </a:schemeClr>
-                      </a:solidFill>
-                      <a:prstDash val="solid"/>
-                      <a:round/>
-                      <a:headEnd type="none" w="med" len="med"/>
-                      <a:tailEnd type="none" w="med" len="med"/>
-                    </a:lnT>
-                    <a:lnB w="57150" cap="flat" cmpd="sng" algn="ctr">
-                      <a:solidFill>
-                        <a:schemeClr val="bg1">
-                          <a:lumMod val="85000"/>
-                        </a:schemeClr>
-                      </a:solidFill>
-                      <a:prstDash val="solid"/>
-                      <a:round/>
-                      <a:headEnd type="none" w="med" len="med"/>
-                      <a:tailEnd type="none" w="med" len="med"/>
-                    </a:lnB>
-                    <a:lnTlToBr w="12700" cmpd="sng">
-                      <a:noFill/>
-                      <a:prstDash val="solid"/>
-                    </a:lnTlToBr>
-                    <a:lnBlToTr w="12700" cmpd="sng">
-                      <a:noFill/>
-                      <a:prstDash val="solid"/>
-                    </a:lnBlToTr>
-                    <a:solidFill>
-                      <a:schemeClr val="bg1"/>
-                    </a:solidFill>
-                  </a:tcPr>
-                </a:tc>
-              </a:tr>
-              <a:tr h="831717">
-                <a:tc>
-                  <a:txBody>
-                    <a:bodyPr/>
-                    <a:lstStyle/>
-                    <a:p>
-                      <a:pPr algn="ctr" rtl="1"/>
-                      <a:endParaRPr lang="he-IL" sz="1200" b="0" dirty="0">
-                        <a:solidFill>
-                          <a:schemeClr val="tx1"/>
-                        </a:solidFill>
-                        <a:latin typeface="Century Gothic" panose="020B0502020202020204" pitchFamily="34" charset="0"/>
-                      </a:endParaRPr>
-                    </a:p>
-                  </a:txBody>
-                  <a:tcPr anchor="ctr">
-                    <a:lnL w="57150" cap="flat" cmpd="sng" algn="ctr">
-                      <a:noFill/>
-                      <a:prstDash val="solid"/>
-                      <a:round/>
-                      <a:headEnd type="none" w="med" len="med"/>
-                      <a:tailEnd type="none" w="med" len="med"/>
-                    </a:lnL>
-                    <a:lnR w="57150" cap="flat" cmpd="sng" algn="ctr">
-                      <a:noFill/>
-                      <a:prstDash val="solid"/>
-                      <a:round/>
-                      <a:headEnd type="none" w="med" len="med"/>
-                      <a:tailEnd type="none" w="med" len="med"/>
-                    </a:lnR>
-                    <a:lnT w="57150" cap="flat" cmpd="sng" algn="ctr">
-                      <a:solidFill>
-                        <a:schemeClr val="bg1">
-                          <a:lumMod val="85000"/>
-                        </a:schemeClr>
-                      </a:solidFill>
-                      <a:prstDash val="solid"/>
-                      <a:round/>
-                      <a:headEnd type="none" w="med" len="med"/>
-                      <a:tailEnd type="none" w="med" len="med"/>
-                    </a:lnT>
-                    <a:lnB w="57150" cap="flat" cmpd="sng" algn="ctr">
-                      <a:solidFill>
-                        <a:schemeClr val="bg1">
-                          <a:lumMod val="85000"/>
-                        </a:schemeClr>
-                      </a:solidFill>
-                      <a:prstDash val="solid"/>
-                      <a:round/>
-                      <a:headEnd type="none" w="med" len="med"/>
-                      <a:tailEnd type="none" w="med" len="med"/>
-                    </a:lnB>
-                    <a:lnTlToBr w="12700" cmpd="sng">
-                      <a:noFill/>
-                      <a:prstDash val="solid"/>
-                    </a:lnTlToBr>
-                    <a:lnBlToTr w="12700" cmpd="sng">
-                      <a:noFill/>
-                      <a:prstDash val="solid"/>
-                    </a:lnBlToTr>
-                    <a:solidFill>
-                      <a:schemeClr val="bg1">
-                        <a:lumMod val="85000"/>
-                      </a:schemeClr>
-                    </a:solidFill>
-                  </a:tcPr>
-                </a:tc>
-              </a:tr>
-              <a:tr h="831717">
-                <a:tc>
-                  <a:txBody>
-                    <a:bodyPr/>
-                    <a:lstStyle/>
-                    <a:p>
-                      <a:pPr algn="ctr" rtl="1"/>
-                      <a:endParaRPr lang="he-IL" sz="1200" b="0" dirty="0">
-                        <a:solidFill>
-                          <a:schemeClr val="tx1"/>
-                        </a:solidFill>
-                        <a:latin typeface="Century Gothic" panose="020B0502020202020204" pitchFamily="34" charset="0"/>
-                      </a:endParaRPr>
-                    </a:p>
-                  </a:txBody>
-                  <a:tcPr anchor="ctr">
-                    <a:lnL w="57150" cap="flat" cmpd="sng" algn="ctr">
-                      <a:noFill/>
-                      <a:prstDash val="solid"/>
-                      <a:round/>
-                      <a:headEnd type="none" w="med" len="med"/>
-                      <a:tailEnd type="none" w="med" len="med"/>
-                    </a:lnL>
-                    <a:lnR w="57150" cap="flat" cmpd="sng" algn="ctr">
-                      <a:noFill/>
-                      <a:prstDash val="solid"/>
-                      <a:round/>
-                      <a:headEnd type="none" w="med" len="med"/>
-                      <a:tailEnd type="none" w="med" len="med"/>
-                    </a:lnR>
-                    <a:lnT w="57150" cap="flat" cmpd="sng" algn="ctr">
-                      <a:solidFill>
-                        <a:schemeClr val="bg1">
-                          <a:lumMod val="85000"/>
-                        </a:schemeClr>
-                      </a:solidFill>
-                      <a:prstDash val="solid"/>
-                      <a:round/>
-                      <a:headEnd type="none" w="med" len="med"/>
-                      <a:tailEnd type="none" w="med" len="med"/>
-                    </a:lnT>
-                    <a:lnB w="57150" cap="flat" cmpd="sng" algn="ctr">
-                      <a:solidFill>
-                        <a:schemeClr val="bg1">
-                          <a:lumMod val="85000"/>
-                        </a:schemeClr>
-                      </a:solidFill>
-                      <a:prstDash val="solid"/>
-                      <a:round/>
-                      <a:headEnd type="none" w="med" len="med"/>
-                      <a:tailEnd type="none" w="med" len="med"/>
-                    </a:lnB>
-                    <a:lnTlToBr w="12700" cmpd="sng">
-                      <a:noFill/>
-                      <a:prstDash val="solid"/>
-                    </a:lnTlToBr>
-                    <a:lnBlToTr w="12700" cmpd="sng">
-                      <a:noFill/>
-                      <a:prstDash val="solid"/>
-                    </a:lnBlToTr>
-                    <a:solidFill>
-                      <a:schemeClr val="bg1">
-                        <a:lumMod val="85000"/>
-                      </a:schemeClr>
-                    </a:solidFill>
-                  </a:tcPr>
-                </a:tc>
-              </a:tr>
-            </a:tbl>
-          </a:graphicData>
-        </a:graphic>
-      </p:graphicFrame>
-      <p:sp>
-        <p:nvSpPr>
-          <p:cNvPr id="7" name="Rectangle 6"/>
-          <p:cNvSpPr/>
-          <p:nvPr/>
-        </p:nvSpPr>
-        <p:spPr>
-          <a:xfrm>
-            <a:off x="5398993" y="2526941"/>
-            <a:ext cx="2117102" cy="307777"/>
-          </a:xfrm>
-          <a:prstGeom prst="rect">
-            <a:avLst/>
-          </a:prstGeom>
-        </p:spPr>
-        <p:txBody>
-          <a:bodyPr wrap="square">
-            <a:spAutoFit/>
-          </a:bodyPr>
-          <a:lstStyle/>
-          <a:p>
-            <a:pPr algn="l"/>
-            <a:r>
-              <a:rPr lang="en-US" sz="1400" dirty="0" err="1" smtClean="0">
-                <a:latin typeface="Century Gothic" panose="020B0502020202020204" pitchFamily="34" charset="0"/>
-              </a:rPr>
-              <a:t>Matan</a:t>
-            </a:r>
-            <a:endParaRPr lang="he-IL" sz="1400" dirty="0"/>
-          </a:p>
-        </p:txBody>
-      </p:sp>
-      <p:pic>
-        <p:nvPicPr>
-          <p:cNvPr id="53" name="Picture 52"/>
-          <p:cNvPicPr>
-            <a:picLocks noChangeAspect="1"/>
-          </p:cNvPicPr>
-          <p:nvPr/>
-        </p:nvPicPr>
-        <p:blipFill>
-          <a:blip r:embed="rId7" cstate="print">
-            <a:extLst>
-              <a:ext uri="{28A0092B-C50C-407E-A947-70E740481C1C}">
-                <a14:useLocalDpi xmlns:a14="http://schemas.microsoft.com/office/drawing/2010/main" val="0"/>
-              </a:ext>
-            </a:extLst>
-          </a:blip>
-          <a:stretch>
-            <a:fillRect/>
-          </a:stretch>
-        </p:blipFill>
-        <p:spPr>
-          <a:xfrm>
-            <a:off x="4682322" y="2523248"/>
-            <a:ext cx="777600" cy="777600"/>
-          </a:xfrm>
-          <a:prstGeom prst="rect">
-            <a:avLst/>
-          </a:prstGeom>
-        </p:spPr>
-      </p:pic>
-      <p:sp>
-        <p:nvSpPr>
-          <p:cNvPr id="56" name="Rectangle 55"/>
-          <p:cNvSpPr/>
-          <p:nvPr/>
-        </p:nvSpPr>
-        <p:spPr>
-          <a:xfrm>
-            <a:off x="5406545" y="1689460"/>
-            <a:ext cx="2117102" cy="307777"/>
-          </a:xfrm>
-          <a:prstGeom prst="rect">
-            <a:avLst/>
-          </a:prstGeom>
-        </p:spPr>
-        <p:txBody>
-          <a:bodyPr wrap="square">
-            <a:spAutoFit/>
-          </a:bodyPr>
-          <a:lstStyle/>
-          <a:p>
-            <a:pPr algn="l"/>
-            <a:r>
-              <a:rPr lang="en-US" sz="1400" dirty="0" err="1" smtClean="0">
-                <a:latin typeface="Century Gothic" panose="020B0502020202020204" pitchFamily="34" charset="0"/>
-              </a:rPr>
-              <a:t>Tomer</a:t>
-            </a:r>
-            <a:endParaRPr lang="he-IL" sz="1400" dirty="0"/>
-          </a:p>
-        </p:txBody>
-      </p:sp>
-      <p:pic>
-        <p:nvPicPr>
-          <p:cNvPr id="62" name="Picture 61"/>
-          <p:cNvPicPr>
-            <a:picLocks noChangeAspect="1"/>
-          </p:cNvPicPr>
-          <p:nvPr/>
-        </p:nvPicPr>
-        <p:blipFill>
-          <a:blip r:embed="rId8" cstate="print">
-            <a:extLst>
-              <a:ext uri="{28A0092B-C50C-407E-A947-70E740481C1C}">
-                <a14:useLocalDpi xmlns:a14="http://schemas.microsoft.com/office/drawing/2010/main" val="0"/>
-              </a:ext>
-            </a:extLst>
-          </a:blip>
-          <a:stretch>
-            <a:fillRect/>
-          </a:stretch>
-        </p:blipFill>
-        <p:spPr>
-          <a:xfrm>
-            <a:off x="4682791" y="1689457"/>
-            <a:ext cx="777600" cy="777600"/>
-          </a:xfrm>
-          <a:prstGeom prst="rect">
-            <a:avLst/>
-          </a:prstGeom>
-        </p:spPr>
-      </p:pic>
-      <p:sp>
-        <p:nvSpPr>
-          <p:cNvPr id="63" name="Rectangle 62"/>
-          <p:cNvSpPr/>
-          <p:nvPr/>
-        </p:nvSpPr>
-        <p:spPr>
-          <a:xfrm>
-            <a:off x="5562600" y="2027433"/>
-            <a:ext cx="1943600" cy="215444"/>
-          </a:xfrm>
-          <a:prstGeom prst="rect">
-            <a:avLst/>
-          </a:prstGeom>
-        </p:spPr>
-        <p:txBody>
-          <a:bodyPr wrap="square">
-            <a:spAutoFit/>
-          </a:bodyPr>
-          <a:lstStyle/>
-          <a:p>
-            <a:pPr algn="just" rtl="0"/>
-            <a:r>
-              <a:rPr lang="en-US" sz="800" dirty="0" smtClean="0">
-                <a:latin typeface="Century Gothic" panose="020B0502020202020204" pitchFamily="34" charset="0"/>
-              </a:rPr>
-              <a:t>Great! </a:t>
-            </a:r>
-            <a:r>
-              <a:rPr lang="en-US" sz="800" dirty="0" smtClean="0">
-                <a:latin typeface="Century Gothic" panose="020B0502020202020204" pitchFamily="34" charset="0"/>
-                <a:sym typeface="Wingdings" panose="05000000000000000000" pitchFamily="2" charset="2"/>
-              </a:rPr>
-              <a:t>:) See you there!</a:t>
-            </a:r>
-            <a:endParaRPr lang="he-IL" sz="800" dirty="0"/>
-          </a:p>
-        </p:txBody>
-      </p:sp>
-      <p:sp>
-        <p:nvSpPr>
-          <p:cNvPr id="65" name="Rectangle 64"/>
-          <p:cNvSpPr/>
-          <p:nvPr/>
-        </p:nvSpPr>
-        <p:spPr>
-          <a:xfrm>
-            <a:off x="5028044" y="2267437"/>
-            <a:ext cx="2493616" cy="215444"/>
-          </a:xfrm>
-          <a:prstGeom prst="rect">
-            <a:avLst/>
-          </a:prstGeom>
-        </p:spPr>
-        <p:txBody>
-          <a:bodyPr wrap="square">
-            <a:spAutoFit/>
-          </a:bodyPr>
-          <a:lstStyle/>
-          <a:p>
-            <a:pPr rtl="0"/>
-            <a:r>
-              <a:rPr lang="en-US" sz="800" dirty="0" smtClean="0">
-                <a:solidFill>
-                  <a:srgbClr val="C00000"/>
-                </a:solidFill>
-                <a:latin typeface="Century Gothic" panose="020B0502020202020204" pitchFamily="34" charset="0"/>
-              </a:rPr>
-              <a:t>seen 10 minutes ago</a:t>
-            </a:r>
-            <a:endParaRPr lang="he-IL" sz="800" dirty="0">
-              <a:solidFill>
-                <a:srgbClr val="C00000"/>
-              </a:solidFill>
-            </a:endParaRPr>
-          </a:p>
-        </p:txBody>
-      </p:sp>
-      <p:sp>
-        <p:nvSpPr>
-          <p:cNvPr id="70" name="Rectangle 69"/>
-          <p:cNvSpPr/>
-          <p:nvPr/>
-        </p:nvSpPr>
-        <p:spPr>
-          <a:xfrm>
-            <a:off x="5053863" y="3108278"/>
-            <a:ext cx="2493616" cy="215444"/>
-          </a:xfrm>
-          <a:prstGeom prst="rect">
-            <a:avLst/>
-          </a:prstGeom>
-        </p:spPr>
-        <p:txBody>
-          <a:bodyPr wrap="square">
-            <a:spAutoFit/>
-          </a:bodyPr>
-          <a:lstStyle/>
-          <a:p>
-            <a:pPr rtl="0"/>
-            <a:r>
-              <a:rPr lang="en-US" sz="800" dirty="0" smtClean="0">
-                <a:solidFill>
-                  <a:srgbClr val="C00000"/>
-                </a:solidFill>
-                <a:latin typeface="Century Gothic" panose="020B0502020202020204" pitchFamily="34" charset="0"/>
-              </a:rPr>
-              <a:t>seen 1 hour ago</a:t>
-            </a:r>
-            <a:endParaRPr lang="he-IL" sz="800" dirty="0">
-              <a:solidFill>
-                <a:srgbClr val="C00000"/>
-              </a:solidFill>
-            </a:endParaRPr>
-          </a:p>
-        </p:txBody>
-      </p:sp>
-      <p:sp>
-        <p:nvSpPr>
-          <p:cNvPr id="71" name="Rectangle 70"/>
-          <p:cNvSpPr/>
-          <p:nvPr/>
-        </p:nvSpPr>
-        <p:spPr>
-          <a:xfrm>
-            <a:off x="5398993" y="2869960"/>
-            <a:ext cx="1987645" cy="215444"/>
-          </a:xfrm>
-          <a:prstGeom prst="rect">
-            <a:avLst/>
-          </a:prstGeom>
-        </p:spPr>
-        <p:txBody>
-          <a:bodyPr wrap="square">
-            <a:spAutoFit/>
-          </a:bodyPr>
-          <a:lstStyle/>
-          <a:p>
-            <a:pPr algn="just"/>
-            <a:r>
-              <a:rPr lang="en-US" sz="800" dirty="0" smtClean="0">
-                <a:latin typeface="Century Gothic" panose="020B0502020202020204" pitchFamily="34" charset="0"/>
-              </a:rPr>
-              <a:t>Hey dude!</a:t>
-            </a:r>
-            <a:endParaRPr lang="he-IL" sz="800" dirty="0"/>
-          </a:p>
-        </p:txBody>
-      </p:sp>
-      <p:pic>
-        <p:nvPicPr>
-          <p:cNvPr id="2" name="Picture 1"/>
-          <p:cNvPicPr>
-            <a:picLocks noChangeAspect="1"/>
-          </p:cNvPicPr>
-          <p:nvPr/>
-        </p:nvPicPr>
-        <p:blipFill>
-          <a:blip r:embed="rId9">
-            <a:extLst>
-              <a:ext uri="{BEBA8EAE-BF5A-486C-A8C5-ECC9F3942E4B}">
-                <a14:imgProps xmlns:a14="http://schemas.microsoft.com/office/drawing/2010/main">
-                  <a14:imgLayer r:embed="rId10">
-                    <a14:imgEffect>
-                      <a14:backgroundRemoval t="9961" b="89844" l="0" r="100000"/>
-                    </a14:imgEffect>
-                  </a14:imgLayer>
-                </a14:imgProps>
-              </a:ext>
-            </a:extLst>
-          </a:blip>
-          <a:stretch>
-            <a:fillRect/>
-          </a:stretch>
-        </p:blipFill>
-        <p:spPr>
-          <a:xfrm>
-            <a:off x="5503016" y="2070710"/>
-            <a:ext cx="121737" cy="121737"/>
-          </a:xfrm>
-          <a:prstGeom prst="rect">
-            <a:avLst/>
-          </a:prstGeom>
-        </p:spPr>
-      </p:pic>
-      <p:pic>
-        <p:nvPicPr>
-          <p:cNvPr id="4" name="Picture 3"/>
-          <p:cNvPicPr>
-            <a:picLocks noChangeAspect="1"/>
-          </p:cNvPicPr>
-          <p:nvPr/>
-        </p:nvPicPr>
-        <p:blipFill>
-          <a:blip r:embed="rId11">
-            <a:extLst>
-              <a:ext uri="{BEBA8EAE-BF5A-486C-A8C5-ECC9F3942E4B}">
-                <a14:imgProps xmlns:a14="http://schemas.microsoft.com/office/drawing/2010/main">
-                  <a14:imgLayer r:embed="rId12">
-                    <a14:imgEffect>
-                      <a14:backgroundRemoval t="9961" b="89844" l="586" r="100000"/>
-                    </a14:imgEffect>
-                  </a14:imgLayer>
-                </a14:imgProps>
-              </a:ext>
-            </a:extLst>
-          </a:blip>
-          <a:stretch>
-            <a:fillRect/>
-          </a:stretch>
-        </p:blipFill>
-        <p:spPr>
-          <a:xfrm>
-            <a:off x="7315056" y="2916959"/>
-            <a:ext cx="121737" cy="121737"/>
-          </a:xfrm>
-          <a:prstGeom prst="rect">
-            <a:avLst/>
-          </a:prstGeom>
-        </p:spPr>
-      </p:pic>
-      <p:sp>
-        <p:nvSpPr>
-          <p:cNvPr id="25" name="Rectangle 24"/>
-          <p:cNvSpPr/>
-          <p:nvPr/>
-        </p:nvSpPr>
-        <p:spPr>
-          <a:xfrm>
-            <a:off x="5398993" y="3360732"/>
-            <a:ext cx="2117102" cy="307777"/>
-          </a:xfrm>
-          <a:prstGeom prst="rect">
-            <a:avLst/>
-          </a:prstGeom>
-        </p:spPr>
-        <p:txBody>
-          <a:bodyPr wrap="square">
-            <a:spAutoFit/>
-          </a:bodyPr>
-          <a:lstStyle/>
-          <a:p>
-            <a:pPr algn="l"/>
-            <a:r>
-              <a:rPr lang="en-US" sz="1400" dirty="0" smtClean="0">
-                <a:latin typeface="Century Gothic" panose="020B0502020202020204" pitchFamily="34" charset="0"/>
-              </a:rPr>
-              <a:t>Emily</a:t>
-            </a:r>
-            <a:endParaRPr lang="he-IL" sz="1400" dirty="0"/>
-          </a:p>
-        </p:txBody>
-      </p:sp>
-      <p:sp>
-        <p:nvSpPr>
-          <p:cNvPr id="28" name="Rectangle 27"/>
-          <p:cNvSpPr/>
-          <p:nvPr/>
-        </p:nvSpPr>
-        <p:spPr>
-          <a:xfrm>
-            <a:off x="5053863" y="3942069"/>
-            <a:ext cx="2493616" cy="215444"/>
-          </a:xfrm>
-          <a:prstGeom prst="rect">
-            <a:avLst/>
-          </a:prstGeom>
-        </p:spPr>
-        <p:txBody>
-          <a:bodyPr wrap="square">
-            <a:spAutoFit/>
-          </a:bodyPr>
-          <a:lstStyle/>
-          <a:p>
-            <a:pPr rtl="0"/>
-            <a:r>
-              <a:rPr lang="en-US" sz="800" dirty="0" smtClean="0">
-                <a:solidFill>
-                  <a:srgbClr val="C00000"/>
-                </a:solidFill>
-                <a:latin typeface="Century Gothic" panose="020B0502020202020204" pitchFamily="34" charset="0"/>
-              </a:rPr>
-              <a:t>seen </a:t>
-            </a:r>
-            <a:r>
-              <a:rPr lang="en-US" sz="800" dirty="0">
-                <a:solidFill>
-                  <a:srgbClr val="C00000"/>
-                </a:solidFill>
-                <a:latin typeface="Century Gothic" panose="020B0502020202020204" pitchFamily="34" charset="0"/>
-              </a:rPr>
-              <a:t>1</a:t>
-            </a:r>
-            <a:r>
-              <a:rPr lang="en-US" sz="800" dirty="0" smtClean="0">
-                <a:solidFill>
-                  <a:srgbClr val="C00000"/>
-                </a:solidFill>
-                <a:latin typeface="Century Gothic" panose="020B0502020202020204" pitchFamily="34" charset="0"/>
-              </a:rPr>
-              <a:t> hour and 20 </a:t>
-            </a:r>
-            <a:r>
-              <a:rPr lang="en-US" sz="800" dirty="0" err="1" smtClean="0">
-                <a:solidFill>
-                  <a:srgbClr val="C00000"/>
-                </a:solidFill>
-                <a:latin typeface="Century Gothic" panose="020B0502020202020204" pitchFamily="34" charset="0"/>
-              </a:rPr>
-              <a:t>minuts</a:t>
-            </a:r>
-            <a:r>
-              <a:rPr lang="en-US" sz="800" dirty="0" smtClean="0">
-                <a:solidFill>
-                  <a:srgbClr val="C00000"/>
-                </a:solidFill>
-                <a:latin typeface="Century Gothic" panose="020B0502020202020204" pitchFamily="34" charset="0"/>
-              </a:rPr>
-              <a:t> ago</a:t>
-            </a:r>
-            <a:endParaRPr lang="he-IL" sz="800" dirty="0">
-              <a:solidFill>
-                <a:srgbClr val="C00000"/>
-              </a:solidFill>
-            </a:endParaRPr>
-          </a:p>
-        </p:txBody>
-      </p:sp>
-      <p:sp>
-        <p:nvSpPr>
-          <p:cNvPr id="29" name="Rectangle 28"/>
-          <p:cNvSpPr/>
-          <p:nvPr/>
-        </p:nvSpPr>
-        <p:spPr>
-          <a:xfrm>
-            <a:off x="5398993" y="3703751"/>
-            <a:ext cx="1987645" cy="215444"/>
-          </a:xfrm>
-          <a:prstGeom prst="rect">
-            <a:avLst/>
-          </a:prstGeom>
-        </p:spPr>
-        <p:txBody>
-          <a:bodyPr wrap="square">
-            <a:spAutoFit/>
-          </a:bodyPr>
-          <a:lstStyle/>
-          <a:p>
-            <a:pPr algn="just"/>
-            <a:r>
-              <a:rPr lang="en-US" sz="800" dirty="0" smtClean="0">
-                <a:latin typeface="Century Gothic" panose="020B0502020202020204" pitchFamily="34" charset="0"/>
-              </a:rPr>
-              <a:t>I’ll will be at FCO at 11am.</a:t>
-            </a:r>
-            <a:endParaRPr lang="he-IL" sz="800" dirty="0"/>
-          </a:p>
-        </p:txBody>
-      </p:sp>
-      <p:pic>
-        <p:nvPicPr>
-          <p:cNvPr id="30" name="Picture 29"/>
-          <p:cNvPicPr>
-            <a:picLocks noChangeAspect="1"/>
-          </p:cNvPicPr>
-          <p:nvPr/>
-        </p:nvPicPr>
-        <p:blipFill>
-          <a:blip r:embed="rId11">
-            <a:extLst>
-              <a:ext uri="{BEBA8EAE-BF5A-486C-A8C5-ECC9F3942E4B}">
-                <a14:imgProps xmlns:a14="http://schemas.microsoft.com/office/drawing/2010/main">
-                  <a14:imgLayer r:embed="rId12">
-                    <a14:imgEffect>
-                      <a14:backgroundRemoval t="9961" b="89844" l="586" r="100000"/>
-                    </a14:imgEffect>
-                  </a14:imgLayer>
-                </a14:imgProps>
-              </a:ext>
-            </a:extLst>
-          </a:blip>
-          <a:stretch>
-            <a:fillRect/>
-          </a:stretch>
-        </p:blipFill>
-        <p:spPr>
-          <a:xfrm>
-            <a:off x="7315056" y="3750750"/>
-            <a:ext cx="121737" cy="121737"/>
-          </a:xfrm>
-          <a:prstGeom prst="rect">
-            <a:avLst/>
-          </a:prstGeom>
-        </p:spPr>
-      </p:pic>
-      <p:pic>
-        <p:nvPicPr>
-          <p:cNvPr id="8" name="Picture 7"/>
-          <p:cNvPicPr>
-            <a:picLocks noChangeAspect="1"/>
-          </p:cNvPicPr>
-          <p:nvPr/>
-        </p:nvPicPr>
-        <p:blipFill>
-          <a:blip r:embed="rId13" cstate="print">
-            <a:extLst>
-              <a:ext uri="{28A0092B-C50C-407E-A947-70E740481C1C}">
-                <a14:useLocalDpi xmlns:a14="http://schemas.microsoft.com/office/drawing/2010/main" val="0"/>
-              </a:ext>
-            </a:extLst>
-          </a:blip>
-          <a:stretch>
-            <a:fillRect/>
-          </a:stretch>
-        </p:blipFill>
-        <p:spPr>
-          <a:xfrm flipH="1">
-            <a:off x="4682322" y="3354798"/>
-            <a:ext cx="777600" cy="777600"/>
-          </a:xfrm>
-          <a:prstGeom prst="rect">
-            <a:avLst/>
-          </a:prstGeom>
-        </p:spPr>
-      </p:pic>
-      <p:pic>
-        <p:nvPicPr>
-          <p:cNvPr id="31" name="Picture 30"/>
-          <p:cNvPicPr>
-            <a:picLocks noChangeAspect="1"/>
-          </p:cNvPicPr>
-          <p:nvPr/>
-        </p:nvPicPr>
-        <p:blipFill>
-          <a:blip r:embed="rId14"/>
-          <a:stretch>
-            <a:fillRect/>
-          </a:stretch>
-        </p:blipFill>
-        <p:spPr>
-          <a:xfrm>
-            <a:off x="6746229" y="964780"/>
-            <a:ext cx="249413" cy="249413"/>
-          </a:xfrm>
-          <a:prstGeom prst="rect">
-            <a:avLst/>
-          </a:prstGeom>
-        </p:spPr>
-      </p:pic>
-      <p:pic>
-        <p:nvPicPr>
-          <p:cNvPr id="33" name="Picture 32"/>
-          <p:cNvPicPr>
-            <a:picLocks noChangeAspect="1"/>
-          </p:cNvPicPr>
-          <p:nvPr/>
-        </p:nvPicPr>
-        <p:blipFill>
-          <a:blip r:embed="rId15">
-            <a:extLst>
-              <a:ext uri="{BEBA8EAE-BF5A-486C-A8C5-ECC9F3942E4B}">
-                <a14:imgProps xmlns:a14="http://schemas.microsoft.com/office/drawing/2010/main">
-                  <a14:imgLayer r:embed="rId16">
-                    <a14:imgEffect>
-                      <a14:backgroundRemoval t="9961" b="89844" l="0" r="100000">
-                        <a14:foregroundMark x1="49414" y1="14063" x2="49414" y2="14063"/>
-                        <a14:foregroundMark x1="63672" y1="52344" x2="63672" y2="52344"/>
-                      </a14:backgroundRemoval>
-                    </a14:imgEffect>
-                  </a14:imgLayer>
-                </a14:imgProps>
-              </a:ext>
-            </a:extLst>
-          </a:blip>
-          <a:stretch>
-            <a:fillRect/>
-          </a:stretch>
-        </p:blipFill>
-        <p:spPr>
-          <a:xfrm>
-            <a:off x="7120348" y="947669"/>
-            <a:ext cx="274816" cy="274816"/>
-          </a:xfrm>
-          <a:prstGeom prst="rect">
-            <a:avLst/>
-          </a:prstGeom>
-        </p:spPr>
-      </p:pic>
-    </p:spTree>
-    <p:extLst>
-      <p:ext uri="{BB962C8B-B14F-4D97-AF65-F5344CB8AC3E}">
-        <p14:creationId xmlns:p14="http://schemas.microsoft.com/office/powerpoint/2010/main" val="1524550443"/>
-      </p:ext>
-    </p:extLst>
-  </p:cSld>
-  <p:clrMapOvr>
-    <a:masterClrMapping/>
-  </p:clrMapOvr>
-  <mc:AlternateContent xmlns:mc="http://schemas.openxmlformats.org/markup-compatibility/2006" xmlns:p14="http://schemas.microsoft.com/office/powerpoint/2010/main">
-    <mc:Choice Requires="p14">
-      <p:transition spd="med" p14:dur="700">
-        <p:fade/>
-      </p:transition>
-    </mc:Choice>
-    <mc:Fallback xmlns="">
-      <p:transition spd="med">
-        <p:fade/>
-      </p:transition>
-    </mc:Fallback>
-  </mc:AlternateContent>
-  <p:timing>
-    <p:tnLst>
-      <p:par>
-        <p:cTn id="1" dur="indefinite" restart="never" nodeType="tmRoot"/>
-      </p:par>
-    </p:tnLst>
-  </p:timing>
-</p:sld>
-</file>
-
-<file path=ppt/slides/slide13.xml><?xml version="1.0" encoding="utf-8"?>
-<p:sld xmlns:a="http://schemas.openxmlformats.org/drawingml/2006/main" xmlns:r="http://schemas.openxmlformats.org/officeDocument/2006/relationships" xmlns:p="http://schemas.openxmlformats.org/presentationml/2006/main">
-  <p:cSld>
-    <p:spTree>
-      <p:nvGrpSpPr>
-        <p:cNvPr id="1" name=""/>
-        <p:cNvGrpSpPr/>
-        <p:nvPr/>
-      </p:nvGrpSpPr>
-      <p:grpSpPr>
-        <a:xfrm>
-          <a:off x="0" y="0"/>
-          <a:ext cx="0" cy="0"/>
-          <a:chOff x="0" y="0"/>
-          <a:chExt cx="0" cy="0"/>
-        </a:xfrm>
-      </p:grpSpPr>
-      <p:pic>
-        <p:nvPicPr>
-          <p:cNvPr id="27" name="Picture 6" descr="http://www.technobuffalo.com/wp-content/uploads/2013/10/Nexus-5-Press-Image-001-1280x874.jpg"/>
-          <p:cNvPicPr>
-            <a:picLocks noChangeAspect="1" noChangeArrowheads="1"/>
-          </p:cNvPicPr>
-          <p:nvPr/>
-        </p:nvPicPr>
-        <p:blipFill>
-          <a:blip r:embed="rId3">
-            <a:extLst>
-              <a:ext uri="{BEBA8EAE-BF5A-486C-A8C5-ECC9F3942E4B}">
-                <a14:imgProps xmlns:a14="http://schemas.microsoft.com/office/drawing/2010/main">
-                  <a14:imgLayer r:embed="rId4">
-                    <a14:imgEffect>
-                      <a14:backgroundRemoval t="4119" b="95538" l="10000" r="90000"/>
-                    </a14:imgEffect>
-                  </a14:imgLayer>
-                </a14:imgProps>
-              </a:ext>
-              <a:ext uri="{28A0092B-C50C-407E-A947-70E740481C1C}">
-                <a14:useLocalDpi xmlns:a14="http://schemas.microsoft.com/office/drawing/2010/main" val="0"/>
-              </a:ext>
-            </a:extLst>
-          </a:blip>
-          <a:srcRect/>
-          <a:stretch>
-            <a:fillRect/>
-          </a:stretch>
-        </p:blipFill>
-        <p:spPr bwMode="auto">
-          <a:xfrm>
-            <a:off x="1050881" y="-38501"/>
-            <a:ext cx="10109488" cy="6902886"/>
-          </a:xfrm>
-          <a:prstGeom prst="rect">
-            <a:avLst/>
-          </a:prstGeom>
-          <a:noFill/>
-          <a:effectLst>
-            <a:outerShdw blurRad="50800" dist="38100" dir="10800000" algn="r" rotWithShape="0">
-              <a:prstClr val="black">
-                <a:alpha val="40000"/>
-              </a:prstClr>
-            </a:outerShdw>
-          </a:effectLst>
-          <a:extLst>
-            <a:ext uri="{909E8E84-426E-40DD-AFC4-6F175D3DCCD1}">
-              <a14:hiddenFill xmlns:a14="http://schemas.microsoft.com/office/drawing/2010/main">
-                <a:solidFill>
-                  <a:srgbClr val="FFFFFF"/>
-                </a:solidFill>
-              </a14:hiddenFill>
-            </a:ext>
-          </a:extLst>
-        </p:spPr>
-      </p:pic>
-      <p:sp>
-        <p:nvSpPr>
-          <p:cNvPr id="5" name="Rectangle 4"/>
-          <p:cNvSpPr/>
-          <p:nvPr/>
-        </p:nvSpPr>
-        <p:spPr>
-          <a:xfrm>
-            <a:off x="4684295" y="834830"/>
-            <a:ext cx="2829827" cy="4987453"/>
-          </a:xfrm>
-          <a:prstGeom prst="rect">
-            <a:avLst/>
-          </a:prstGeom>
-          <a:solidFill>
-            <a:schemeClr val="bg1"/>
-          </a:solidFill>
-          <a:ln>
-            <a:noFill/>
-          </a:ln>
-        </p:spPr>
-        <p:style>
-          <a:lnRef idx="2">
-            <a:schemeClr val="accent1">
-              <a:shade val="50000"/>
-            </a:schemeClr>
-          </a:lnRef>
-          <a:fillRef idx="1">
-            <a:schemeClr val="accent1"/>
-          </a:fillRef>
-          <a:effectRef idx="0">
-            <a:schemeClr val="accent1"/>
-          </a:effectRef>
-          <a:fontRef idx="minor">
-            <a:schemeClr val="lt1"/>
-          </a:fontRef>
-        </p:style>
-        <p:txBody>
-          <a:bodyPr rtlCol="1" anchor="ctr"/>
-          <a:lstStyle/>
-          <a:p>
-            <a:pPr algn="ctr"/>
-            <a:endParaRPr lang="he-IL"/>
-          </a:p>
-        </p:txBody>
-      </p:sp>
-      <p:sp>
-        <p:nvSpPr>
-          <p:cNvPr id="11" name="Rectangle 10"/>
-          <p:cNvSpPr/>
-          <p:nvPr/>
-        </p:nvSpPr>
-        <p:spPr>
-          <a:xfrm>
-            <a:off x="4684295" y="822492"/>
-            <a:ext cx="2829827" cy="539583"/>
-          </a:xfrm>
-          <a:prstGeom prst="rect">
-            <a:avLst/>
-          </a:prstGeom>
-          <a:solidFill>
-            <a:srgbClr val="F20000">
-              <a:alpha val="97000"/>
-            </a:srgbClr>
-          </a:solidFill>
-          <a:ln>
-            <a:noFill/>
-          </a:ln>
-        </p:spPr>
-        <p:style>
-          <a:lnRef idx="2">
-            <a:schemeClr val="accent1">
-              <a:shade val="50000"/>
-            </a:schemeClr>
-          </a:lnRef>
-          <a:fillRef idx="1">
-            <a:schemeClr val="accent1"/>
-          </a:fillRef>
-          <a:effectRef idx="0">
-            <a:schemeClr val="accent1"/>
-          </a:effectRef>
-          <a:fontRef idx="minor">
-            <a:schemeClr val="lt1"/>
-          </a:fontRef>
-        </p:style>
-        <p:txBody>
-          <a:bodyPr rtlCol="1" anchor="ctr"/>
-          <a:lstStyle/>
-          <a:p>
-            <a:pPr algn="ctr"/>
-            <a:endParaRPr lang="he-IL"/>
-          </a:p>
-        </p:txBody>
-      </p:sp>
-      <p:sp>
-        <p:nvSpPr>
-          <p:cNvPr id="13" name="TextBox 12"/>
-          <p:cNvSpPr txBox="1"/>
-          <p:nvPr/>
-        </p:nvSpPr>
-        <p:spPr>
-          <a:xfrm>
-            <a:off x="5053863" y="907617"/>
-            <a:ext cx="1217000" cy="369332"/>
-          </a:xfrm>
-          <a:prstGeom prst="rect">
-            <a:avLst/>
-          </a:prstGeom>
-          <a:noFill/>
-        </p:spPr>
-        <p:txBody>
-          <a:bodyPr wrap="none" rtlCol="1">
-            <a:spAutoFit/>
-          </a:bodyPr>
-          <a:lstStyle/>
-          <a:p>
-            <a:pPr algn="ctr"/>
-            <a:r>
-              <a:rPr lang="en-US" dirty="0" err="1" smtClean="0">
-                <a:solidFill>
-                  <a:schemeClr val="bg1"/>
-                </a:solidFill>
-                <a:latin typeface="Century Gothic" panose="020B0502020202020204" pitchFamily="34" charset="0"/>
-              </a:rPr>
-              <a:t>OnThe</a:t>
-            </a:r>
-            <a:r>
-              <a:rPr lang="en-US" b="1" dirty="0" err="1" smtClean="0">
-                <a:solidFill>
-                  <a:schemeClr val="bg1"/>
-                </a:solidFill>
-                <a:latin typeface="Century Gothic" panose="020B0502020202020204" pitchFamily="34" charset="0"/>
-              </a:rPr>
-              <a:t>Fly</a:t>
-            </a:r>
-            <a:endParaRPr lang="he-IL" sz="2000" b="1" dirty="0">
-              <a:solidFill>
-                <a:schemeClr val="bg1"/>
-              </a:solidFill>
-              <a:latin typeface="Century Gothic" panose="020B0502020202020204" pitchFamily="34" charset="0"/>
-            </a:endParaRPr>
-          </a:p>
-        </p:txBody>
-      </p:sp>
-      <p:grpSp>
-        <p:nvGrpSpPr>
-          <p:cNvPr id="14" name="Group 13"/>
-          <p:cNvGrpSpPr/>
-          <p:nvPr/>
-        </p:nvGrpSpPr>
-        <p:grpSpPr>
-          <a:xfrm>
-            <a:off x="4715953" y="874451"/>
-            <a:ext cx="376747" cy="424103"/>
-            <a:chOff x="8120846" y="1227385"/>
-            <a:chExt cx="3534412" cy="3978687"/>
-          </a:xfrm>
-        </p:grpSpPr>
-        <p:sp>
-          <p:nvSpPr>
-            <p:cNvPr id="15" name="Chord 14"/>
-            <p:cNvSpPr/>
-            <p:nvPr/>
-          </p:nvSpPr>
-          <p:spPr>
-            <a:xfrm rot="5400000">
-              <a:off x="8226724" y="1227385"/>
-              <a:ext cx="3428534" cy="3428534"/>
-            </a:xfrm>
-            <a:prstGeom prst="chord">
-              <a:avLst>
-                <a:gd name="adj1" fmla="val 2476101"/>
-                <a:gd name="adj2" fmla="val 13931417"/>
-              </a:avLst>
-            </a:prstGeom>
-            <a:solidFill>
-              <a:srgbClr val="C00000"/>
-            </a:solidFill>
-            <a:ln>
-              <a:noFill/>
-            </a:ln>
-          </p:spPr>
-          <p:style>
-            <a:lnRef idx="2">
-              <a:schemeClr val="accent1">
-                <a:shade val="50000"/>
-              </a:schemeClr>
-            </a:lnRef>
-            <a:fillRef idx="1">
-              <a:schemeClr val="accent1"/>
-            </a:fillRef>
-            <a:effectRef idx="0">
-              <a:schemeClr val="accent1"/>
-            </a:effectRef>
-            <a:fontRef idx="minor">
-              <a:schemeClr val="lt1"/>
-            </a:fontRef>
-          </p:style>
-          <p:txBody>
-            <a:bodyPr rtlCol="1" anchor="ctr"/>
-            <a:lstStyle/>
-            <a:p>
-              <a:pPr algn="ctr"/>
-              <a:endParaRPr lang="he-IL"/>
-            </a:p>
-          </p:txBody>
-        </p:sp>
-        <p:sp>
-          <p:nvSpPr>
-            <p:cNvPr id="16" name="Chord 15"/>
-            <p:cNvSpPr/>
-            <p:nvPr/>
-          </p:nvSpPr>
-          <p:spPr>
-            <a:xfrm rot="16200000">
-              <a:off x="8120846" y="1777538"/>
-              <a:ext cx="3428534" cy="3428534"/>
-            </a:xfrm>
-            <a:prstGeom prst="chord">
-              <a:avLst>
-                <a:gd name="adj1" fmla="val 2476101"/>
-                <a:gd name="adj2" fmla="val 13931417"/>
-              </a:avLst>
-            </a:prstGeom>
-            <a:solidFill>
-              <a:srgbClr val="8E0000"/>
-            </a:solidFill>
-            <a:ln>
-              <a:noFill/>
-            </a:ln>
-          </p:spPr>
-          <p:style>
-            <a:lnRef idx="2">
-              <a:schemeClr val="accent1">
-                <a:shade val="50000"/>
-              </a:schemeClr>
-            </a:lnRef>
-            <a:fillRef idx="1">
-              <a:schemeClr val="accent1"/>
-            </a:fillRef>
-            <a:effectRef idx="0">
-              <a:schemeClr val="accent1"/>
-            </a:effectRef>
-            <a:fontRef idx="minor">
-              <a:schemeClr val="lt1"/>
-            </a:fontRef>
-          </p:style>
-          <p:txBody>
-            <a:bodyPr rtlCol="1" anchor="ctr"/>
-            <a:lstStyle/>
-            <a:p>
-              <a:pPr algn="ctr"/>
-              <a:endParaRPr lang="he-IL"/>
-            </a:p>
-          </p:txBody>
-        </p:sp>
-        <p:pic>
-          <p:nvPicPr>
-            <p:cNvPr id="17" name="Picture 16"/>
-            <p:cNvPicPr>
-              <a:picLocks noChangeAspect="1"/>
-            </p:cNvPicPr>
-            <p:nvPr/>
-          </p:nvPicPr>
-          <p:blipFill>
-            <a:blip r:embed="rId5">
-              <a:extLst>
-                <a:ext uri="{BEBA8EAE-BF5A-486C-A8C5-ECC9F3942E4B}">
-                  <a14:imgProps xmlns:a14="http://schemas.microsoft.com/office/drawing/2010/main">
-                    <a14:imgLayer r:embed="rId6">
-                      <a14:imgEffect>
-                        <a14:backgroundRemoval t="0" b="100000" l="0" r="100000"/>
-                      </a14:imgEffect>
-                    </a14:imgLayer>
-                  </a14:imgProps>
-                </a:ext>
-              </a:extLst>
-            </a:blip>
-            <a:stretch>
-              <a:fillRect/>
-            </a:stretch>
-          </p:blipFill>
-          <p:spPr>
-            <a:xfrm rot="19771925">
-              <a:off x="8624053" y="2122638"/>
-              <a:ext cx="2301304" cy="2301304"/>
-            </a:xfrm>
-            <a:prstGeom prst="rect">
-              <a:avLst/>
-            </a:prstGeom>
-            <a:effectLst/>
-          </p:spPr>
-        </p:pic>
-      </p:grpSp>
-      <p:graphicFrame>
-        <p:nvGraphicFramePr>
-          <p:cNvPr id="6" name="Table 5"/>
-          <p:cNvGraphicFramePr>
-            <a:graphicFrameLocks noGrp="1"/>
-          </p:cNvGraphicFramePr>
-          <p:nvPr>
-            <p:extLst>
-              <p:ext uri="{D42A27DB-BD31-4B8C-83A1-F6EECF244321}">
-                <p14:modId xmlns:p14="http://schemas.microsoft.com/office/powerpoint/2010/main" val="1014884193"/>
-              </p:ext>
-            </p:extLst>
-          </p:nvPr>
-        </p:nvGraphicFramePr>
-        <p:xfrm>
-          <a:off x="4688974" y="1359602"/>
-          <a:ext cx="2819901" cy="274320"/>
-        </p:xfrm>
-        <a:graphic>
-          <a:graphicData uri="http://schemas.openxmlformats.org/drawingml/2006/table">
-            <a:tbl>
-              <a:tblPr rtl="1" firstRow="1" bandRow="1">
-                <a:tableStyleId>{5C22544A-7EE6-4342-B048-85BDC9FD1C3A}</a:tableStyleId>
-              </a:tblPr>
-              <a:tblGrid>
-                <a:gridCol w="939967"/>
-                <a:gridCol w="939967"/>
-                <a:gridCol w="939967"/>
-              </a:tblGrid>
-              <a:tr h="243773">
-                <a:tc>
-                  <a:txBody>
-                    <a:bodyPr/>
-                    <a:lstStyle/>
-                    <a:p>
-                      <a:pPr algn="ctr" rtl="1"/>
-                      <a:r>
-                        <a:rPr lang="en-US" sz="1200" b="0" kern="1200" dirty="0" smtClean="0">
-                          <a:solidFill>
-                            <a:schemeClr val="tx1"/>
-                          </a:solidFill>
-                          <a:latin typeface="Century Gothic" panose="020B0502020202020204" pitchFamily="34" charset="0"/>
-                          <a:ea typeface="+mn-ea"/>
-                          <a:cs typeface="+mn-cs"/>
-                        </a:rPr>
-                        <a:t>Chat</a:t>
-                      </a:r>
-                      <a:endParaRPr lang="he-IL" sz="1200" b="0" kern="1200" dirty="0">
-                        <a:solidFill>
-                          <a:schemeClr val="tx1"/>
-                        </a:solidFill>
-                        <a:latin typeface="Century Gothic" panose="020B0502020202020204" pitchFamily="34" charset="0"/>
-                        <a:ea typeface="+mn-ea"/>
-                        <a:cs typeface="+mn-cs"/>
-                      </a:endParaRPr>
-                    </a:p>
-                  </a:txBody>
-                  <a:tcPr anchor="ctr">
-                    <a:lnL w="6350" cap="flat" cmpd="sng" algn="ctr">
-                      <a:solidFill>
-                        <a:schemeClr val="bg1">
-                          <a:lumMod val="85000"/>
-                        </a:schemeClr>
-                      </a:solidFill>
-                      <a:prstDash val="solid"/>
-                      <a:round/>
-                      <a:headEnd type="none" w="med" len="med"/>
-                      <a:tailEnd type="none" w="med" len="med"/>
-                    </a:lnL>
-                    <a:lnR w="6350" cap="flat" cmpd="sng" algn="ctr">
-                      <a:solidFill>
-                        <a:schemeClr val="bg1">
-                          <a:lumMod val="85000"/>
-                        </a:schemeClr>
-                      </a:solidFill>
-                      <a:prstDash val="solid"/>
-                      <a:round/>
-                      <a:headEnd type="none" w="med" len="med"/>
-                      <a:tailEnd type="none" w="med" len="med"/>
-                    </a:lnR>
-                    <a:lnT w="6350" cap="flat" cmpd="sng" algn="ctr">
-                      <a:solidFill>
-                        <a:schemeClr val="bg1">
-                          <a:lumMod val="85000"/>
-                        </a:schemeClr>
-                      </a:solidFill>
-                      <a:prstDash val="solid"/>
-                      <a:round/>
-                      <a:headEnd type="none" w="med" len="med"/>
-                      <a:tailEnd type="none" w="med" len="med"/>
-                    </a:lnT>
-                    <a:lnB w="6350" cap="flat" cmpd="sng" algn="ctr">
-                      <a:solidFill>
-                        <a:schemeClr val="bg1">
-                          <a:lumMod val="85000"/>
-                        </a:schemeClr>
-                      </a:solidFill>
-                      <a:prstDash val="solid"/>
-                      <a:round/>
-                      <a:headEnd type="none" w="med" len="med"/>
-                      <a:tailEnd type="none" w="med" len="med"/>
-                    </a:lnB>
-                    <a:lnTlToBr w="12700" cmpd="sng">
-                      <a:noFill/>
-                      <a:prstDash val="solid"/>
-                    </a:lnTlToBr>
-                    <a:lnBlToTr w="12700" cmpd="sng">
-                      <a:noFill/>
-                      <a:prstDash val="solid"/>
-                    </a:lnBlToTr>
-                    <a:solidFill>
-                      <a:schemeClr val="bg1"/>
-                    </a:solidFill>
-                  </a:tcPr>
-                </a:tc>
-                <a:tc>
-                  <a:txBody>
-                    <a:bodyPr/>
-                    <a:lstStyle/>
-                    <a:p>
-                      <a:pPr algn="ctr" rtl="1"/>
-                      <a:r>
-                        <a:rPr lang="en-US" sz="1200" b="0" kern="1200" dirty="0" smtClean="0">
-                          <a:solidFill>
-                            <a:schemeClr val="tx1"/>
-                          </a:solidFill>
-                          <a:latin typeface="Century Gothic" panose="020B0502020202020204" pitchFamily="34" charset="0"/>
-                          <a:ea typeface="+mn-ea"/>
-                          <a:cs typeface="+mn-cs"/>
-                        </a:rPr>
-                        <a:t>People</a:t>
-                      </a:r>
-                      <a:endParaRPr lang="he-IL" sz="1200" b="0" kern="1200" dirty="0">
-                        <a:solidFill>
-                          <a:schemeClr val="tx1"/>
-                        </a:solidFill>
-                        <a:latin typeface="Century Gothic" panose="020B0502020202020204" pitchFamily="34" charset="0"/>
-                        <a:ea typeface="+mn-ea"/>
-                        <a:cs typeface="+mn-cs"/>
-                      </a:endParaRPr>
-                    </a:p>
-                  </a:txBody>
-                  <a:tcPr anchor="ctr">
-                    <a:lnL w="6350" cap="flat" cmpd="sng" algn="ctr">
-                      <a:solidFill>
-                        <a:schemeClr val="bg1">
-                          <a:lumMod val="85000"/>
-                        </a:schemeClr>
-                      </a:solidFill>
-                      <a:prstDash val="solid"/>
-                      <a:round/>
-                      <a:headEnd type="none" w="med" len="med"/>
-                      <a:tailEnd type="none" w="med" len="med"/>
-                    </a:lnL>
-                    <a:lnR w="6350" cap="flat" cmpd="sng" algn="ctr">
-                      <a:solidFill>
-                        <a:schemeClr val="bg1">
-                          <a:lumMod val="85000"/>
-                        </a:schemeClr>
-                      </a:solidFill>
-                      <a:prstDash val="solid"/>
-                      <a:round/>
-                      <a:headEnd type="none" w="med" len="med"/>
-                      <a:tailEnd type="none" w="med" len="med"/>
-                    </a:lnR>
-                    <a:lnT w="6350" cap="flat" cmpd="sng" algn="ctr">
-                      <a:solidFill>
-                        <a:schemeClr val="bg1">
-                          <a:lumMod val="85000"/>
-                        </a:schemeClr>
-                      </a:solidFill>
-                      <a:prstDash val="solid"/>
-                      <a:round/>
-                      <a:headEnd type="none" w="med" len="med"/>
-                      <a:tailEnd type="none" w="med" len="med"/>
-                    </a:lnT>
-                    <a:lnB w="6350" cap="flat" cmpd="sng" algn="ctr">
-                      <a:solidFill>
-                        <a:schemeClr val="bg1">
-                          <a:lumMod val="85000"/>
-                        </a:schemeClr>
-                      </a:solidFill>
-                      <a:prstDash val="solid"/>
-                      <a:round/>
-                      <a:headEnd type="none" w="med" len="med"/>
-                      <a:tailEnd type="none" w="med" len="med"/>
-                    </a:lnB>
-                    <a:lnTlToBr w="12700" cmpd="sng">
-                      <a:noFill/>
-                      <a:prstDash val="solid"/>
-                    </a:lnTlToBr>
-                    <a:lnBlToTr w="12700" cmpd="sng">
-                      <a:noFill/>
-                      <a:prstDash val="solid"/>
-                    </a:lnBlToTr>
-                    <a:solidFill>
-                      <a:schemeClr val="bg1"/>
-                    </a:solidFill>
-                  </a:tcPr>
-                </a:tc>
-                <a:tc>
-                  <a:txBody>
-                    <a:bodyPr/>
-                    <a:lstStyle/>
-                    <a:p>
-                      <a:pPr algn="ctr" rtl="1"/>
-                      <a:r>
-                        <a:rPr lang="en-US" sz="1200" b="0" dirty="0" smtClean="0">
-                          <a:solidFill>
-                            <a:schemeClr val="tx1"/>
-                          </a:solidFill>
-                          <a:latin typeface="Century Gothic" panose="020B0502020202020204" pitchFamily="34" charset="0"/>
-                        </a:rPr>
-                        <a:t>Feed</a:t>
-                      </a:r>
-                      <a:endParaRPr lang="he-IL" sz="1200" b="0" dirty="0">
-                        <a:solidFill>
-                          <a:schemeClr val="tx1"/>
-                        </a:solidFill>
-                        <a:latin typeface="Century Gothic" panose="020B0502020202020204" pitchFamily="34" charset="0"/>
-                      </a:endParaRPr>
-                    </a:p>
-                  </a:txBody>
-                  <a:tcPr anchor="ctr">
-                    <a:lnL w="6350" cap="flat" cmpd="sng" algn="ctr">
-                      <a:solidFill>
-                        <a:schemeClr val="bg1">
-                          <a:lumMod val="85000"/>
-                        </a:schemeClr>
-                      </a:solidFill>
-                      <a:prstDash val="solid"/>
-                      <a:round/>
-                      <a:headEnd type="none" w="med" len="med"/>
-                      <a:tailEnd type="none" w="med" len="med"/>
-                    </a:lnL>
-                    <a:lnR w="6350" cap="flat" cmpd="sng" algn="ctr">
-                      <a:solidFill>
-                        <a:schemeClr val="bg1">
-                          <a:lumMod val="85000"/>
-                        </a:schemeClr>
-                      </a:solidFill>
-                      <a:prstDash val="solid"/>
-                      <a:round/>
-                      <a:headEnd type="none" w="med" len="med"/>
-                      <a:tailEnd type="none" w="med" len="med"/>
-                    </a:lnR>
-                    <a:lnT w="6350" cap="flat" cmpd="sng" algn="ctr">
-                      <a:solidFill>
-                        <a:schemeClr val="bg1">
-                          <a:lumMod val="85000"/>
-                        </a:schemeClr>
-                      </a:solidFill>
-                      <a:prstDash val="solid"/>
-                      <a:round/>
-                      <a:headEnd type="none" w="med" len="med"/>
-                      <a:tailEnd type="none" w="med" len="med"/>
-                    </a:lnT>
-                    <a:lnB w="6350" cap="flat" cmpd="sng" algn="ctr">
-                      <a:solidFill>
-                        <a:schemeClr val="bg1">
-                          <a:lumMod val="85000"/>
-                        </a:schemeClr>
-                      </a:solidFill>
-                      <a:prstDash val="solid"/>
-                      <a:round/>
-                      <a:headEnd type="none" w="med" len="med"/>
-                      <a:tailEnd type="none" w="med" len="med"/>
-                    </a:lnB>
-                    <a:lnTlToBr w="12700" cmpd="sng">
-                      <a:noFill/>
-                      <a:prstDash val="solid"/>
-                    </a:lnTlToBr>
-                    <a:lnBlToTr w="12700" cmpd="sng">
-                      <a:noFill/>
-                      <a:prstDash val="solid"/>
-                    </a:lnBlToTr>
-                    <a:solidFill>
-                      <a:schemeClr val="bg1"/>
-                    </a:solidFill>
-                  </a:tcPr>
-                </a:tc>
-              </a:tr>
-            </a:tbl>
-          </a:graphicData>
-        </a:graphic>
-      </p:graphicFrame>
       <p:pic>
         <p:nvPicPr>
           <p:cNvPr id="9" name="Picture 8"/>
@@ -12852,7 +10006,7 @@
 </p:sld>
 </file>
 
-<file path=ppt/slides/slide14.xml><?xml version="1.0" encoding="utf-8"?>
+<file path=ppt/slides/slide13.xml><?xml version="1.0" encoding="utf-8"?>
 <p:sld xmlns:a="http://schemas.openxmlformats.org/drawingml/2006/main" xmlns:r="http://schemas.openxmlformats.org/officeDocument/2006/relationships" xmlns:p="http://schemas.openxmlformats.org/presentationml/2006/main">
   <p:cSld>
     <p:spTree>
@@ -15194,13 +12348,13 @@
   <p:clrMapOvr>
     <a:masterClrMapping/>
   </p:clrMapOvr>
-  <mc:AlternateContent xmlns:mc="http://schemas.openxmlformats.org/markup-compatibility/2006">
-    <mc:Choice xmlns:p14="http://schemas.microsoft.com/office/powerpoint/2010/main" Requires="p14">
+  <mc:AlternateContent xmlns:mc="http://schemas.openxmlformats.org/markup-compatibility/2006" xmlns:p14="http://schemas.microsoft.com/office/powerpoint/2010/main">
+    <mc:Choice Requires="p14">
       <p:transition spd="med" p14:dur="700">
         <p:fade/>
       </p:transition>
     </mc:Choice>
-    <mc:Fallback>
+    <mc:Fallback xmlns="">
       <p:transition spd="med">
         <p:fade/>
       </p:transition>
@@ -22973,6 +20127,54 @@
           </a:prstGeom>
         </p:spPr>
       </p:pic>
+      <p:sp>
+        <p:nvSpPr>
+          <p:cNvPr id="48" name="Rectangle 47"/>
+          <p:cNvSpPr/>
+          <p:nvPr/>
+        </p:nvSpPr>
+        <p:spPr>
+          <a:xfrm flipV="1">
+            <a:off x="4687470" y="1589823"/>
+            <a:ext cx="941805" cy="45719"/>
+          </a:xfrm>
+          <a:prstGeom prst="rect">
+            <a:avLst/>
+          </a:prstGeom>
+          <a:solidFill>
+            <a:srgbClr val="C00000">
+              <a:alpha val="97000"/>
+            </a:srgbClr>
+          </a:solidFill>
+          <a:ln>
+            <a:noFill/>
+          </a:ln>
+        </p:spPr>
+        <p:style>
+          <a:lnRef idx="2">
+            <a:schemeClr val="accent1">
+              <a:shade val="50000"/>
+            </a:schemeClr>
+          </a:lnRef>
+          <a:fillRef idx="1">
+            <a:schemeClr val="accent1"/>
+          </a:fillRef>
+          <a:effectRef idx="0">
+            <a:schemeClr val="accent1"/>
+          </a:effectRef>
+          <a:fontRef idx="minor">
+            <a:schemeClr val="lt1"/>
+          </a:fontRef>
+        </p:style>
+        <p:txBody>
+          <a:bodyPr rtlCol="1" anchor="ctr"/>
+          <a:lstStyle/>
+          <a:p>
+            <a:pPr algn="ctr"/>
+            <a:endParaRPr lang="he-IL"/>
+          </a:p>
+        </p:txBody>
+      </p:sp>
     </p:spTree>
     <p:extLst>
       <p:ext uri="{BB962C8B-B14F-4D97-AF65-F5344CB8AC3E}">
@@ -22997,7 +20199,7 @@
 </file>
 
 <file path=ppt/slides/slide8.xml><?xml version="1.0" encoding="utf-8"?>
-<p:sld xmlns:a="http://schemas.openxmlformats.org/drawingml/2006/main" xmlns:r="http://schemas.openxmlformats.org/officeDocument/2006/relationships" xmlns:p="http://schemas.openxmlformats.org/presentationml/2006/main" show="0">
+<p:sld xmlns:a="http://schemas.openxmlformats.org/drawingml/2006/main" xmlns:r="http://schemas.openxmlformats.org/officeDocument/2006/relationships" xmlns:p="http://schemas.openxmlformats.org/presentationml/2006/main">
   <p:cSld>
     <p:spTree>
       <p:nvGrpSpPr>
@@ -23658,7 +20860,7 @@
         </p:nvSpPr>
         <p:spPr>
           <a:xfrm flipV="1">
-            <a:off x="4687470" y="1589823"/>
+            <a:off x="5633948" y="1589823"/>
             <a:ext cx="941805" cy="45719"/>
           </a:xfrm>
           <a:prstGeom prst="rect">
@@ -23707,7 +20909,7 @@
           <p:nvPr>
             <p:extLst>
               <p:ext uri="{D42A27DB-BD31-4B8C-83A1-F6EECF244321}">
-                <p14:modId xmlns:p14="http://schemas.microsoft.com/office/powerpoint/2010/main" val="1371602171"/>
+                <p14:modId xmlns:p14="http://schemas.microsoft.com/office/powerpoint/2010/main" val="2916361566"/>
               </p:ext>
             </p:extLst>
           </p:nvPr>
@@ -24059,30 +21261,381 @@
           </a:graphicData>
         </a:graphic>
       </p:graphicFrame>
+      <p:grpSp>
+        <p:nvGrpSpPr>
+          <p:cNvPr id="4" name="Group 3"/>
+          <p:cNvGrpSpPr/>
+          <p:nvPr/>
+        </p:nvGrpSpPr>
+        <p:grpSpPr>
+          <a:xfrm>
+            <a:off x="4679918" y="2526037"/>
+            <a:ext cx="2836177" cy="777600"/>
+            <a:chOff x="4687470" y="1688556"/>
+            <a:chExt cx="2836177" cy="777600"/>
+          </a:xfrm>
+        </p:grpSpPr>
+        <p:pic>
+          <p:nvPicPr>
+            <p:cNvPr id="9" name="Picture 8"/>
+            <p:cNvPicPr>
+              <a:picLocks noChangeAspect="1"/>
+            </p:cNvPicPr>
+            <p:nvPr/>
+          </p:nvPicPr>
+          <p:blipFill>
+            <a:blip r:embed="rId7" cstate="print">
+              <a:extLst>
+                <a:ext uri="{28A0092B-C50C-407E-A947-70E740481C1C}">
+                  <a14:useLocalDpi xmlns:a14="http://schemas.microsoft.com/office/drawing/2010/main" val="0"/>
+                </a:ext>
+              </a:extLst>
+            </a:blip>
+            <a:stretch>
+              <a:fillRect/>
+            </a:stretch>
+          </p:blipFill>
+          <p:spPr>
+            <a:xfrm>
+              <a:off x="4687470" y="1688556"/>
+              <a:ext cx="777600" cy="777600"/>
+            </a:xfrm>
+            <a:prstGeom prst="rect">
+              <a:avLst/>
+            </a:prstGeom>
+          </p:spPr>
+        </p:pic>
+        <p:sp>
+          <p:nvSpPr>
+            <p:cNvPr id="7" name="Rectangle 6"/>
+            <p:cNvSpPr/>
+            <p:nvPr/>
+          </p:nvSpPr>
+          <p:spPr>
+            <a:xfrm>
+              <a:off x="5406545" y="1689460"/>
+              <a:ext cx="2117102" cy="307777"/>
+            </a:xfrm>
+            <a:prstGeom prst="rect">
+              <a:avLst/>
+            </a:prstGeom>
+          </p:spPr>
+          <p:txBody>
+            <a:bodyPr wrap="square">
+              <a:spAutoFit/>
+            </a:bodyPr>
+            <a:lstStyle/>
+            <a:p>
+              <a:pPr algn="l"/>
+              <a:r>
+                <a:rPr lang="en-US" sz="1400" dirty="0" smtClean="0">
+                  <a:latin typeface="Century Gothic" panose="020B0502020202020204" pitchFamily="34" charset="0"/>
+                </a:rPr>
+                <a:t>Kevin, 28</a:t>
+              </a:r>
+              <a:endParaRPr lang="he-IL" sz="1400" dirty="0"/>
+            </a:p>
+          </p:txBody>
+        </p:sp>
+      </p:grpSp>
+      <p:grpSp>
+        <p:nvGrpSpPr>
+          <p:cNvPr id="21" name="Group 20"/>
+          <p:cNvGrpSpPr/>
+          <p:nvPr/>
+        </p:nvGrpSpPr>
+        <p:grpSpPr>
+          <a:xfrm>
+            <a:off x="4683630" y="4191657"/>
+            <a:ext cx="2839534" cy="777600"/>
+            <a:chOff x="4684113" y="5019147"/>
+            <a:chExt cx="2839534" cy="777600"/>
+          </a:xfrm>
+        </p:grpSpPr>
+        <p:pic>
+          <p:nvPicPr>
+            <p:cNvPr id="26" name="Picture 25"/>
+            <p:cNvPicPr>
+              <a:picLocks noChangeAspect="1"/>
+            </p:cNvPicPr>
+            <p:nvPr/>
+          </p:nvPicPr>
+          <p:blipFill>
+            <a:blip r:embed="rId8" cstate="print">
+              <a:extLst>
+                <a:ext uri="{28A0092B-C50C-407E-A947-70E740481C1C}">
+                  <a14:useLocalDpi xmlns:a14="http://schemas.microsoft.com/office/drawing/2010/main" val="0"/>
+                </a:ext>
+              </a:extLst>
+            </a:blip>
+            <a:stretch>
+              <a:fillRect/>
+            </a:stretch>
+          </p:blipFill>
+          <p:spPr>
+            <a:xfrm>
+              <a:off x="4684113" y="5019147"/>
+              <a:ext cx="777600" cy="777600"/>
+            </a:xfrm>
+            <a:prstGeom prst="rect">
+              <a:avLst/>
+            </a:prstGeom>
+          </p:spPr>
+        </p:pic>
+        <p:sp>
+          <p:nvSpPr>
+            <p:cNvPr id="32" name="Rectangle 31"/>
+            <p:cNvSpPr/>
+            <p:nvPr/>
+          </p:nvSpPr>
+          <p:spPr>
+            <a:xfrm>
+              <a:off x="5406545" y="5031711"/>
+              <a:ext cx="2117102" cy="307777"/>
+            </a:xfrm>
+            <a:prstGeom prst="rect">
+              <a:avLst/>
+            </a:prstGeom>
+          </p:spPr>
+          <p:txBody>
+            <a:bodyPr wrap="square">
+              <a:spAutoFit/>
+            </a:bodyPr>
+            <a:lstStyle/>
+            <a:p>
+              <a:pPr algn="l"/>
+              <a:r>
+                <a:rPr lang="en-US" sz="1400" dirty="0" smtClean="0">
+                  <a:latin typeface="Century Gothic" panose="020B0502020202020204" pitchFamily="34" charset="0"/>
+                </a:rPr>
+                <a:t>Gal, 25</a:t>
+              </a:r>
+              <a:endParaRPr lang="he-IL" sz="1400" dirty="0"/>
+            </a:p>
+          </p:txBody>
+        </p:sp>
+      </p:grpSp>
+      <p:sp>
+        <p:nvSpPr>
+          <p:cNvPr id="30" name="Rectangle 29"/>
+          <p:cNvSpPr/>
+          <p:nvPr/>
+        </p:nvSpPr>
+        <p:spPr>
+          <a:xfrm>
+            <a:off x="5594539" y="1934732"/>
+            <a:ext cx="1862622" cy="246221"/>
+          </a:xfrm>
+          <a:prstGeom prst="rect">
+            <a:avLst/>
+          </a:prstGeom>
+        </p:spPr>
+        <p:txBody>
+          <a:bodyPr wrap="square">
+            <a:spAutoFit/>
+          </a:bodyPr>
+          <a:lstStyle/>
+          <a:p>
+            <a:pPr algn="l"/>
+            <a:r>
+              <a:rPr lang="en-US" sz="1000" dirty="0" smtClean="0">
+                <a:solidFill>
+                  <a:schemeClr val="accent1">
+                    <a:lumMod val="75000"/>
+                  </a:schemeClr>
+                </a:solidFill>
+                <a:latin typeface="Century Gothic" panose="020B0502020202020204" pitchFamily="34" charset="0"/>
+              </a:rPr>
+              <a:t>Flying your way!</a:t>
+            </a:r>
+            <a:endParaRPr lang="he-IL" sz="1000" dirty="0">
+              <a:solidFill>
+                <a:schemeClr val="accent1">
+                  <a:lumMod val="75000"/>
+                </a:schemeClr>
+              </a:solidFill>
+            </a:endParaRPr>
+          </a:p>
+        </p:txBody>
+      </p:sp>
+      <p:sp>
+        <p:nvSpPr>
+          <p:cNvPr id="34" name="Rectangle 33"/>
+          <p:cNvSpPr/>
+          <p:nvPr/>
+        </p:nvSpPr>
+        <p:spPr>
+          <a:xfrm>
+            <a:off x="5595507" y="2110318"/>
+            <a:ext cx="1862622" cy="246221"/>
+          </a:xfrm>
+          <a:prstGeom prst="rect">
+            <a:avLst/>
+          </a:prstGeom>
+        </p:spPr>
+        <p:txBody>
+          <a:bodyPr wrap="square">
+            <a:spAutoFit/>
+          </a:bodyPr>
+          <a:lstStyle/>
+          <a:p>
+            <a:pPr algn="l"/>
+            <a:r>
+              <a:rPr lang="en-US" sz="1000" dirty="0" smtClean="0">
+                <a:solidFill>
+                  <a:srgbClr val="97C777"/>
+                </a:solidFill>
+                <a:latin typeface="Century Gothic" panose="020B0502020202020204" pitchFamily="34" charset="0"/>
+              </a:rPr>
+              <a:t>Same age as you!</a:t>
+            </a:r>
+            <a:endParaRPr lang="he-IL" sz="1000" dirty="0">
+              <a:solidFill>
+                <a:srgbClr val="97C777"/>
+              </a:solidFill>
+            </a:endParaRPr>
+          </a:p>
+        </p:txBody>
+      </p:sp>
+      <p:sp>
+        <p:nvSpPr>
+          <p:cNvPr id="38" name="Rectangle 37"/>
+          <p:cNvSpPr/>
+          <p:nvPr/>
+        </p:nvSpPr>
+        <p:spPr>
+          <a:xfrm>
+            <a:off x="5596265" y="3614750"/>
+            <a:ext cx="1862622" cy="246221"/>
+          </a:xfrm>
+          <a:prstGeom prst="rect">
+            <a:avLst/>
+          </a:prstGeom>
+        </p:spPr>
+        <p:txBody>
+          <a:bodyPr wrap="square">
+            <a:spAutoFit/>
+          </a:bodyPr>
+          <a:lstStyle/>
+          <a:p>
+            <a:pPr algn="l"/>
+            <a:r>
+              <a:rPr lang="en-US" sz="1000" dirty="0" smtClean="0">
+                <a:solidFill>
+                  <a:srgbClr val="FFC000"/>
+                </a:solidFill>
+                <a:latin typeface="Century Gothic" panose="020B0502020202020204" pitchFamily="34" charset="0"/>
+              </a:rPr>
+              <a:t>From your home, Israel!</a:t>
+            </a:r>
+            <a:endParaRPr lang="he-IL" sz="1000" dirty="0">
+              <a:solidFill>
+                <a:srgbClr val="FFC000"/>
+              </a:solidFill>
+            </a:endParaRPr>
+          </a:p>
+        </p:txBody>
+      </p:sp>
+      <p:sp>
+        <p:nvSpPr>
+          <p:cNvPr id="42" name="Rectangle 41"/>
+          <p:cNvSpPr/>
+          <p:nvPr/>
+        </p:nvSpPr>
+        <p:spPr>
+          <a:xfrm>
+            <a:off x="5584137" y="2947279"/>
+            <a:ext cx="1862622" cy="400110"/>
+          </a:xfrm>
+          <a:prstGeom prst="rect">
+            <a:avLst/>
+          </a:prstGeom>
+        </p:spPr>
+        <p:txBody>
+          <a:bodyPr wrap="square">
+            <a:spAutoFit/>
+          </a:bodyPr>
+          <a:lstStyle/>
+          <a:p>
+            <a:pPr algn="l"/>
+            <a:r>
+              <a:rPr lang="en-US" sz="1000" dirty="0" smtClean="0">
+                <a:solidFill>
+                  <a:srgbClr val="9E5ECE"/>
+                </a:solidFill>
+                <a:latin typeface="Century Gothic" panose="020B0502020202020204" pitchFamily="34" charset="0"/>
+              </a:rPr>
+              <a:t>Also studies Computer Science!</a:t>
+            </a:r>
+            <a:endParaRPr lang="he-IL" sz="1000" dirty="0">
+              <a:solidFill>
+                <a:srgbClr val="9E5ECE"/>
+              </a:solidFill>
+            </a:endParaRPr>
+          </a:p>
+        </p:txBody>
+      </p:sp>
+      <p:sp>
+        <p:nvSpPr>
+          <p:cNvPr id="45" name="Rectangle 44"/>
+          <p:cNvSpPr/>
+          <p:nvPr/>
+        </p:nvSpPr>
+        <p:spPr>
+          <a:xfrm>
+            <a:off x="5596265" y="5276329"/>
+            <a:ext cx="1862622" cy="246221"/>
+          </a:xfrm>
+          <a:prstGeom prst="rect">
+            <a:avLst/>
+          </a:prstGeom>
+        </p:spPr>
+        <p:txBody>
+          <a:bodyPr wrap="square">
+            <a:spAutoFit/>
+          </a:bodyPr>
+          <a:lstStyle/>
+          <a:p>
+            <a:pPr algn="l"/>
+            <a:r>
+              <a:rPr lang="en-US" sz="1000" dirty="0" smtClean="0">
+                <a:solidFill>
+                  <a:schemeClr val="accent1">
+                    <a:lumMod val="75000"/>
+                  </a:schemeClr>
+                </a:solidFill>
+                <a:latin typeface="Century Gothic" panose="020B0502020202020204" pitchFamily="34" charset="0"/>
+              </a:rPr>
+              <a:t>Here for business.</a:t>
+            </a:r>
+            <a:endParaRPr lang="he-IL" sz="1000" dirty="0">
+              <a:solidFill>
+                <a:schemeClr val="accent1">
+                  <a:lumMod val="75000"/>
+                </a:schemeClr>
+              </a:solidFill>
+            </a:endParaRPr>
+          </a:p>
+        </p:txBody>
+      </p:sp>
       <p:pic>
         <p:nvPicPr>
-          <p:cNvPr id="9" name="Picture 8"/>
+          <p:cNvPr id="52" name="Picture 51"/>
           <p:cNvPicPr>
             <a:picLocks noChangeAspect="1"/>
           </p:cNvPicPr>
           <p:nvPr/>
         </p:nvPicPr>
         <p:blipFill>
-          <a:blip r:embed="rId7" cstate="print">
-            <a:extLst>
-              <a:ext uri="{28A0092B-C50C-407E-A947-70E740481C1C}">
-                <a14:useLocalDpi xmlns:a14="http://schemas.microsoft.com/office/drawing/2010/main" val="0"/>
-              </a:ext>
-            </a:extLst>
-          </a:blip>
+          <a:blip r:embed="rId9"/>
           <a:stretch>
             <a:fillRect/>
           </a:stretch>
         </p:blipFill>
         <p:spPr>
           <a:xfrm>
-            <a:off x="7131535" y="1689460"/>
-            <a:ext cx="392293" cy="392293"/>
+            <a:off x="5502759" y="1986156"/>
+            <a:ext cx="164510" cy="164510"/>
           </a:xfrm>
           <a:prstGeom prst="rect">
             <a:avLst/>
@@ -24091,66 +21644,7 @@
       </p:pic>
       <p:pic>
         <p:nvPicPr>
-          <p:cNvPr id="10" name="Picture 9"/>
-          <p:cNvPicPr>
-            <a:picLocks noChangeAspect="1"/>
-          </p:cNvPicPr>
-          <p:nvPr/>
-        </p:nvPicPr>
-        <p:blipFill rotWithShape="1">
-          <a:blip r:embed="rId8" cstate="print">
-            <a:extLst>
-              <a:ext uri="{28A0092B-C50C-407E-A947-70E740481C1C}">
-                <a14:useLocalDpi xmlns:a14="http://schemas.microsoft.com/office/drawing/2010/main" val="0"/>
-              </a:ext>
-            </a:extLst>
-          </a:blip>
-          <a:srcRect r="7419"/>
-          <a:stretch/>
-        </p:blipFill>
-        <p:spPr>
-          <a:xfrm>
-            <a:off x="7126904" y="4182362"/>
-            <a:ext cx="391452" cy="392293"/>
-          </a:xfrm>
-          <a:prstGeom prst="rect">
-            <a:avLst/>
-          </a:prstGeom>
-        </p:spPr>
-      </p:pic>
-      <p:pic>
-        <p:nvPicPr>
-          <p:cNvPr id="24" name="Picture 23"/>
-          <p:cNvPicPr>
-            <a:picLocks noChangeAspect="1"/>
-          </p:cNvPicPr>
-          <p:nvPr/>
-        </p:nvPicPr>
-        <p:blipFill>
-          <a:blip r:embed="rId9" cstate="print">
-            <a:extLst>
-              <a:ext uri="{28A0092B-C50C-407E-A947-70E740481C1C}">
-                <a14:useLocalDpi xmlns:a14="http://schemas.microsoft.com/office/drawing/2010/main" val="0"/>
-              </a:ext>
-            </a:extLst>
-          </a:blip>
-          <a:stretch>
-            <a:fillRect/>
-          </a:stretch>
-        </p:blipFill>
-        <p:spPr>
-          <a:xfrm>
-            <a:off x="7129237" y="2523249"/>
-            <a:ext cx="392293" cy="392293"/>
-          </a:xfrm>
-          <a:prstGeom prst="rect">
-            <a:avLst/>
-          </a:prstGeom>
-        </p:spPr>
-      </p:pic>
-      <p:pic>
-        <p:nvPicPr>
-          <p:cNvPr id="25" name="Picture 24"/>
+          <p:cNvPr id="36" name="Picture 35"/>
           <p:cNvPicPr>
             <a:picLocks noChangeAspect="1"/>
           </p:cNvPicPr>
@@ -24170,8 +21664,8 @@
         </p:blipFill>
         <p:spPr>
           <a:xfrm>
-            <a:off x="7129237" y="3355591"/>
-            <a:ext cx="392293" cy="392293"/>
+            <a:off x="4684113" y="3357896"/>
+            <a:ext cx="777600" cy="777600"/>
           </a:xfrm>
           <a:prstGeom prst="rect">
             <a:avLst/>
@@ -24180,7 +21674,7 @@
       </p:pic>
       <p:pic>
         <p:nvPicPr>
-          <p:cNvPr id="26" name="Picture 25"/>
+          <p:cNvPr id="53" name="Picture 52"/>
           <p:cNvPicPr>
             <a:picLocks noChangeAspect="1"/>
           </p:cNvPicPr>
@@ -24200,8 +21694,8 @@
         </p:blipFill>
         <p:spPr>
           <a:xfrm>
-            <a:off x="7125003" y="5016876"/>
-            <a:ext cx="392293" cy="392293"/>
+            <a:off x="4688347" y="1691102"/>
+            <a:ext cx="777600" cy="777600"/>
           </a:xfrm>
           <a:prstGeom prst="rect">
             <a:avLst/>
@@ -24210,13 +21704,13 @@
       </p:pic>
       <p:sp>
         <p:nvSpPr>
-          <p:cNvPr id="7" name="Rectangle 6"/>
+          <p:cNvPr id="56" name="Rectangle 55"/>
           <p:cNvSpPr/>
           <p:nvPr/>
         </p:nvSpPr>
         <p:spPr>
           <a:xfrm>
-            <a:off x="4630852" y="1688047"/>
+            <a:off x="5406545" y="1689460"/>
             <a:ext cx="2117102" cy="307777"/>
           </a:xfrm>
           <a:prstGeom prst="rect">
@@ -24231,10 +21725,16 @@
           <a:p>
             <a:pPr algn="l"/>
             <a:r>
+              <a:rPr lang="en-US" sz="1400" dirty="0" err="1" smtClean="0">
+                <a:latin typeface="Century Gothic" panose="020B0502020202020204" pitchFamily="34" charset="0"/>
+              </a:rPr>
+              <a:t>Matan</a:t>
+            </a:r>
+            <a:r>
               <a:rPr lang="en-US" sz="1400" dirty="0" smtClean="0">
                 <a:latin typeface="Century Gothic" panose="020B0502020202020204" pitchFamily="34" charset="0"/>
               </a:rPr>
-              <a:t>Kevin</a:t>
+              <a:t>, 26</a:t>
             </a:r>
             <a:endParaRPr lang="he-IL" sz="1400" dirty="0"/>
           </a:p>
@@ -24242,13 +21742,13 @@
       </p:sp>
       <p:sp>
         <p:nvSpPr>
-          <p:cNvPr id="28" name="Rectangle 27"/>
+          <p:cNvPr id="57" name="Rectangle 56"/>
           <p:cNvSpPr/>
           <p:nvPr/>
         </p:nvSpPr>
         <p:spPr>
           <a:xfrm>
-            <a:off x="4630852" y="2536671"/>
+            <a:off x="5406545" y="3363726"/>
             <a:ext cx="2117102" cy="307777"/>
           </a:xfrm>
           <a:prstGeom prst="rect">
@@ -24266,22 +21766,128 @@
               <a:rPr lang="en-US" sz="1400" dirty="0" err="1" smtClean="0">
                 <a:latin typeface="Century Gothic" panose="020B0502020202020204" pitchFamily="34" charset="0"/>
               </a:rPr>
-              <a:t>Tomer</a:t>
+              <a:t>Aviya</a:t>
+            </a:r>
+            <a:r>
+              <a:rPr lang="en-US" sz="1400" dirty="0" smtClean="0">
+                <a:latin typeface="Century Gothic" panose="020B0502020202020204" pitchFamily="34" charset="0"/>
+              </a:rPr>
+              <a:t>, 26</a:t>
             </a:r>
             <a:endParaRPr lang="he-IL" sz="1400" dirty="0"/>
           </a:p>
         </p:txBody>
       </p:sp>
+      <p:grpSp>
+        <p:nvGrpSpPr>
+          <p:cNvPr id="59" name="Group 58"/>
+          <p:cNvGrpSpPr/>
+          <p:nvPr/>
+        </p:nvGrpSpPr>
+        <p:grpSpPr>
+          <a:xfrm>
+            <a:off x="4684113" y="5010639"/>
+            <a:ext cx="2848877" cy="777600"/>
+            <a:chOff x="4674770" y="4173088"/>
+            <a:chExt cx="2848877" cy="777600"/>
+          </a:xfrm>
+        </p:grpSpPr>
+        <p:sp>
+          <p:nvSpPr>
+            <p:cNvPr id="60" name="Rectangle 59"/>
+            <p:cNvSpPr/>
+            <p:nvPr/>
+          </p:nvSpPr>
+          <p:spPr>
+            <a:xfrm>
+              <a:off x="5406545" y="4183087"/>
+              <a:ext cx="2117102" cy="307777"/>
+            </a:xfrm>
+            <a:prstGeom prst="rect">
+              <a:avLst/>
+            </a:prstGeom>
+          </p:spPr>
+          <p:txBody>
+            <a:bodyPr wrap="square">
+              <a:spAutoFit/>
+            </a:bodyPr>
+            <a:lstStyle/>
+            <a:p>
+              <a:pPr algn="l"/>
+              <a:r>
+                <a:rPr lang="en-US" sz="1400" dirty="0" smtClean="0">
+                  <a:latin typeface="Century Gothic" panose="020B0502020202020204" pitchFamily="34" charset="0"/>
+                </a:rPr>
+                <a:t>Donnie, 56</a:t>
+              </a:r>
+              <a:endParaRPr lang="he-IL" sz="1400" dirty="0"/>
+            </a:p>
+          </p:txBody>
+        </p:sp>
+        <p:pic>
+          <p:nvPicPr>
+            <p:cNvPr id="61" name="Picture 60"/>
+            <p:cNvPicPr>
+              <a:picLocks noChangeAspect="1"/>
+            </p:cNvPicPr>
+            <p:nvPr/>
+          </p:nvPicPr>
+          <p:blipFill rotWithShape="1">
+            <a:blip r:embed="rId12" cstate="print">
+              <a:extLst>
+                <a:ext uri="{28A0092B-C50C-407E-A947-70E740481C1C}">
+                  <a14:useLocalDpi xmlns:a14="http://schemas.microsoft.com/office/drawing/2010/main" val="0"/>
+                </a:ext>
+              </a:extLst>
+            </a:blip>
+            <a:srcRect l="14312" t="-504" r="10658" b="504"/>
+            <a:stretch/>
+          </p:blipFill>
+          <p:spPr>
+            <a:xfrm>
+              <a:off x="4674770" y="4173088"/>
+              <a:ext cx="777894" cy="777600"/>
+            </a:xfrm>
+            <a:prstGeom prst="rect">
+              <a:avLst/>
+            </a:prstGeom>
+          </p:spPr>
+        </p:pic>
+      </p:grpSp>
+      <p:pic>
+        <p:nvPicPr>
+          <p:cNvPr id="1024" name="Picture 1023"/>
+          <p:cNvPicPr>
+            <a:picLocks noChangeAspect="1"/>
+          </p:cNvPicPr>
+          <p:nvPr/>
+        </p:nvPicPr>
+        <p:blipFill>
+          <a:blip r:embed="rId13"/>
+          <a:stretch>
+            <a:fillRect/>
+          </a:stretch>
+        </p:blipFill>
+        <p:spPr>
+          <a:xfrm>
+            <a:off x="5497393" y="2145574"/>
+            <a:ext cx="158310" cy="158310"/>
+          </a:xfrm>
+          <a:prstGeom prst="rect">
+            <a:avLst/>
+          </a:prstGeom>
+        </p:spPr>
+      </p:pic>
       <p:sp>
         <p:nvSpPr>
-          <p:cNvPr id="29" name="Rectangle 28"/>
+          <p:cNvPr id="66" name="Rectangle 65"/>
           <p:cNvSpPr/>
           <p:nvPr/>
         </p:nvSpPr>
         <p:spPr>
           <a:xfrm>
-            <a:off x="4630852" y="3362313"/>
-            <a:ext cx="2117102" cy="307777"/>
+            <a:off x="5594539" y="2772788"/>
+            <a:ext cx="1862622" cy="246221"/>
           </a:xfrm>
           <a:prstGeom prst="rect">
             <a:avLst/>
@@ -24294,113 +21900,6 @@
           <a:lstStyle/>
           <a:p>
             <a:pPr algn="l"/>
-            <a:r>
-              <a:rPr lang="en-US" sz="1400" dirty="0" smtClean="0">
-                <a:latin typeface="Century Gothic" panose="020B0502020202020204" pitchFamily="34" charset="0"/>
-              </a:rPr>
-              <a:t>Catherine</a:t>
-            </a:r>
-            <a:endParaRPr lang="he-IL" sz="1400" dirty="0"/>
-          </a:p>
-        </p:txBody>
-      </p:sp>
-      <p:sp>
-        <p:nvSpPr>
-          <p:cNvPr id="31" name="Rectangle 30"/>
-          <p:cNvSpPr/>
-          <p:nvPr/>
-        </p:nvSpPr>
-        <p:spPr>
-          <a:xfrm>
-            <a:off x="4630852" y="4181674"/>
-            <a:ext cx="2117102" cy="307777"/>
-          </a:xfrm>
-          <a:prstGeom prst="rect">
-            <a:avLst/>
-          </a:prstGeom>
-        </p:spPr>
-        <p:txBody>
-          <a:bodyPr wrap="square">
-            <a:spAutoFit/>
-          </a:bodyPr>
-          <a:lstStyle/>
-          <a:p>
-            <a:pPr algn="l"/>
-            <a:r>
-              <a:rPr lang="en-US" sz="1400" dirty="0" err="1" smtClean="0">
-                <a:latin typeface="Century Gothic" panose="020B0502020202020204" pitchFamily="34" charset="0"/>
-              </a:rPr>
-              <a:t>Ofer</a:t>
-            </a:r>
-            <a:endParaRPr lang="he-IL" sz="1400" dirty="0"/>
-          </a:p>
-        </p:txBody>
-      </p:sp>
-      <p:sp>
-        <p:nvSpPr>
-          <p:cNvPr id="32" name="Rectangle 31"/>
-          <p:cNvSpPr/>
-          <p:nvPr/>
-        </p:nvSpPr>
-        <p:spPr>
-          <a:xfrm>
-            <a:off x="4630852" y="5030298"/>
-            <a:ext cx="2117102" cy="307777"/>
-          </a:xfrm>
-          <a:prstGeom prst="rect">
-            <a:avLst/>
-          </a:prstGeom>
-        </p:spPr>
-        <p:txBody>
-          <a:bodyPr wrap="square">
-            <a:spAutoFit/>
-          </a:bodyPr>
-          <a:lstStyle/>
-          <a:p>
-            <a:pPr algn="l"/>
-            <a:r>
-              <a:rPr lang="en-US" sz="1400" dirty="0" smtClean="0">
-                <a:latin typeface="Century Gothic" panose="020B0502020202020204" pitchFamily="34" charset="0"/>
-              </a:rPr>
-              <a:t>Gal</a:t>
-            </a:r>
-            <a:endParaRPr lang="he-IL" sz="1400" dirty="0"/>
-          </a:p>
-        </p:txBody>
-      </p:sp>
-      <p:sp>
-        <p:nvSpPr>
-          <p:cNvPr id="30" name="Rectangle 29"/>
-          <p:cNvSpPr/>
-          <p:nvPr/>
-        </p:nvSpPr>
-        <p:spPr>
-          <a:xfrm>
-            <a:off x="5136214" y="1734454"/>
-            <a:ext cx="1862622" cy="246221"/>
-          </a:xfrm>
-          <a:prstGeom prst="rect">
-            <a:avLst/>
-          </a:prstGeom>
-        </p:spPr>
-        <p:txBody>
-          <a:bodyPr wrap="square">
-            <a:spAutoFit/>
-          </a:bodyPr>
-          <a:lstStyle/>
-          <a:p>
-            <a:pPr algn="l"/>
-            <a:r>
-              <a:rPr lang="en-US" sz="1000" dirty="0">
-                <a:solidFill>
-                  <a:schemeClr val="accent1">
-                    <a:lumMod val="75000"/>
-                  </a:schemeClr>
-                </a:solidFill>
-                <a:latin typeface="Century Gothic" panose="020B0502020202020204" pitchFamily="34" charset="0"/>
-              </a:rPr>
-              <a:t>i</a:t>
-            </a:r>
             <a:r>
               <a:rPr lang="en-US" sz="1000" dirty="0" smtClean="0">
                 <a:solidFill>
@@ -24410,7 +21909,7 @@
                 </a:solidFill>
                 <a:latin typeface="Century Gothic" panose="020B0502020202020204" pitchFamily="34" charset="0"/>
               </a:rPr>
-              <a:t>s looking to pass time</a:t>
+              <a:t>Flying your way!</a:t>
             </a:r>
             <a:endParaRPr lang="he-IL" sz="1000" dirty="0">
               <a:solidFill>
@@ -24422,16 +21921,40 @@
           </a:p>
         </p:txBody>
       </p:sp>
+      <p:pic>
+        <p:nvPicPr>
+          <p:cNvPr id="67" name="Picture 66"/>
+          <p:cNvPicPr>
+            <a:picLocks noChangeAspect="1"/>
+          </p:cNvPicPr>
+          <p:nvPr/>
+        </p:nvPicPr>
+        <p:blipFill>
+          <a:blip r:embed="rId9"/>
+          <a:stretch>
+            <a:fillRect/>
+          </a:stretch>
+        </p:blipFill>
+        <p:spPr>
+          <a:xfrm>
+            <a:off x="5502759" y="2824212"/>
+            <a:ext cx="164510" cy="164510"/>
+          </a:xfrm>
+          <a:prstGeom prst="rect">
+            <a:avLst/>
+          </a:prstGeom>
+        </p:spPr>
+      </p:pic>
       <p:sp>
         <p:nvSpPr>
-          <p:cNvPr id="33" name="Rectangle 32"/>
+          <p:cNvPr id="68" name="Rectangle 67"/>
           <p:cNvSpPr/>
           <p:nvPr/>
         </p:nvSpPr>
         <p:spPr>
           <a:xfrm>
-            <a:off x="4645146" y="1949092"/>
-            <a:ext cx="2493616" cy="338554"/>
+            <a:off x="5608617" y="3764616"/>
+            <a:ext cx="1862622" cy="246221"/>
           </a:xfrm>
           <a:prstGeom prst="rect">
             <a:avLst/>
@@ -24443,87 +21966,307 @@
           </a:bodyPr>
           <a:lstStyle/>
           <a:p>
-            <a:pPr algn="just" rtl="0"/>
+            <a:pPr algn="l"/>
             <a:r>
-              <a:rPr lang="en-US" sz="800" dirty="0" smtClean="0">
+              <a:rPr lang="en-US" sz="1000" dirty="0" smtClean="0">
+                <a:solidFill>
+                  <a:srgbClr val="97C777"/>
+                </a:solidFill>
                 <a:latin typeface="Century Gothic" panose="020B0502020202020204" pitchFamily="34" charset="0"/>
               </a:rPr>
-              <a:t>Hey! How wants to hang out?? I’m in terminal 5 right next to </a:t>
+              <a:t>Same age as you!</a:t>
             </a:r>
+            <a:endParaRPr lang="he-IL" sz="1000" dirty="0">
+              <a:solidFill>
+                <a:srgbClr val="97C777"/>
+              </a:solidFill>
+            </a:endParaRPr>
+          </a:p>
+        </p:txBody>
+      </p:sp>
+      <p:sp>
+        <p:nvSpPr>
+          <p:cNvPr id="69" name="Rectangle 68"/>
+          <p:cNvSpPr/>
+          <p:nvPr/>
+        </p:nvSpPr>
+        <p:spPr>
+          <a:xfrm>
+            <a:off x="5591274" y="2261448"/>
+            <a:ext cx="1862622" cy="246221"/>
+          </a:xfrm>
+          <a:prstGeom prst="rect">
+            <a:avLst/>
+          </a:prstGeom>
+        </p:spPr>
+        <p:txBody>
+          <a:bodyPr wrap="square">
+            <a:spAutoFit/>
+          </a:bodyPr>
+          <a:lstStyle/>
+          <a:p>
+            <a:pPr algn="l"/>
             <a:r>
-              <a:rPr lang="en-US" sz="800" dirty="0" err="1" smtClean="0">
+              <a:rPr lang="en-US" sz="1000" dirty="0" smtClean="0">
+                <a:solidFill>
+                  <a:srgbClr val="FFC000"/>
+                </a:solidFill>
                 <a:latin typeface="Century Gothic" panose="020B0502020202020204" pitchFamily="34" charset="0"/>
               </a:rPr>
-              <a:t>starbucks</a:t>
+              <a:t>From your home, Israel!</a:t>
             </a:r>
-            <a:r>
-              <a:rPr lang="en-US" sz="800" dirty="0" smtClean="0">
-                <a:latin typeface="Century Gothic" panose="020B0502020202020204" pitchFamily="34" charset="0"/>
-              </a:rPr>
-              <a:t>…</a:t>
-            </a:r>
-            <a:endParaRPr lang="he-IL" sz="800" dirty="0"/>
+            <a:endParaRPr lang="he-IL" sz="1000" dirty="0">
+              <a:solidFill>
+                <a:srgbClr val="FFC000"/>
+              </a:solidFill>
+            </a:endParaRPr>
           </a:p>
         </p:txBody>
       </p:sp>
       <p:pic>
         <p:nvPicPr>
-          <p:cNvPr id="1026" name="Picture 2" descr="https://fbcdn-sphotos-c-a.akamaihd.net/hphotos-ak-prn2/v/t1.0-9/558617_496479173697011_745885139_n.jpg?oh=05f90387fce5a2ab60ff626da8046fb4&amp;oe=55B810BD&amp;__gda__=1441131251_b641de8fc77e4e86dec2fc55f843cd6a"/>
+          <p:cNvPr id="72" name="Picture 71"/>
           <p:cNvPicPr>
-            <a:picLocks noChangeAspect="1" noChangeArrowheads="1"/>
+            <a:picLocks noChangeAspect="1"/>
           </p:cNvPicPr>
           <p:nvPr/>
         </p:nvPicPr>
         <p:blipFill>
-          <a:blip r:embed="rId12" cstate="print">
-            <a:extLst>
-              <a:ext uri="{28A0092B-C50C-407E-A947-70E740481C1C}">
-                <a14:useLocalDpi xmlns:a14="http://schemas.microsoft.com/office/drawing/2010/main" val="0"/>
-              </a:ext>
-            </a:extLst>
-          </a:blip>
-          <a:srcRect/>
+          <a:blip r:embed="rId14"/>
           <a:stretch>
             <a:fillRect/>
           </a:stretch>
         </p:blipFill>
-        <p:spPr bwMode="auto">
-          <a:xfrm>
-            <a:off x="6976077" y="824512"/>
-            <a:ext cx="537562" cy="537562"/>
+        <p:spPr>
+          <a:xfrm>
+            <a:off x="5494621" y="2309712"/>
+            <a:ext cx="128260" cy="128258"/>
           </a:xfrm>
           <a:prstGeom prst="rect">
             <a:avLst/>
           </a:prstGeom>
-          <a:noFill/>
-          <a:extLst>
-            <a:ext uri="{909E8E84-426E-40DD-AFC4-6F175D3DCCD1}">
-              <a14:hiddenFill xmlns:a14="http://schemas.microsoft.com/office/drawing/2010/main">
+        </p:spPr>
+      </p:pic>
+      <p:sp>
+        <p:nvSpPr>
+          <p:cNvPr id="73" name="Rectangle 72"/>
+          <p:cNvSpPr/>
+          <p:nvPr/>
+        </p:nvSpPr>
+        <p:spPr>
+          <a:xfrm>
+            <a:off x="5591274" y="3918721"/>
+            <a:ext cx="1862622" cy="246221"/>
+          </a:xfrm>
+          <a:prstGeom prst="rect">
+            <a:avLst/>
+          </a:prstGeom>
+        </p:spPr>
+        <p:txBody>
+          <a:bodyPr wrap="square">
+            <a:spAutoFit/>
+          </a:bodyPr>
+          <a:lstStyle/>
+          <a:p>
+            <a:pPr algn="l"/>
+            <a:r>
+              <a:rPr lang="en-US" sz="1000" dirty="0" smtClean="0">
                 <a:solidFill>
-                  <a:srgbClr val="FFFFFF"/>
+                  <a:srgbClr val="9E5ECE"/>
                 </a:solidFill>
-              </a14:hiddenFill>
-            </a:ext>
-          </a:extLst>
-        </p:spPr>
-      </p:pic>
+                <a:latin typeface="Century Gothic" panose="020B0502020202020204" pitchFamily="34" charset="0"/>
+              </a:rPr>
+              <a:t>Also loves dogs!</a:t>
+            </a:r>
+            <a:endParaRPr lang="he-IL" sz="1000" dirty="0">
+              <a:solidFill>
+                <a:srgbClr val="9E5ECE"/>
+              </a:solidFill>
+            </a:endParaRPr>
+          </a:p>
+        </p:txBody>
+      </p:sp>
+      <p:sp>
+        <p:nvSpPr>
+          <p:cNvPr id="76" name="Rectangle 75"/>
+          <p:cNvSpPr/>
+          <p:nvPr/>
+        </p:nvSpPr>
+        <p:spPr>
+          <a:xfrm>
+            <a:off x="5622881" y="4623117"/>
+            <a:ext cx="1862622" cy="246221"/>
+          </a:xfrm>
+          <a:prstGeom prst="rect">
+            <a:avLst/>
+          </a:prstGeom>
+        </p:spPr>
+        <p:txBody>
+          <a:bodyPr wrap="square">
+            <a:spAutoFit/>
+          </a:bodyPr>
+          <a:lstStyle/>
+          <a:p>
+            <a:pPr algn="l"/>
+            <a:r>
+              <a:rPr lang="en-US" sz="1000" dirty="0" smtClean="0">
+                <a:solidFill>
+                  <a:srgbClr val="FFC000"/>
+                </a:solidFill>
+                <a:latin typeface="Century Gothic" panose="020B0502020202020204" pitchFamily="34" charset="0"/>
+              </a:rPr>
+              <a:t>From your home, Israel!</a:t>
+            </a:r>
+            <a:endParaRPr lang="he-IL" sz="1000" dirty="0">
+              <a:solidFill>
+                <a:srgbClr val="FFC000"/>
+              </a:solidFill>
+            </a:endParaRPr>
+          </a:p>
+        </p:txBody>
+      </p:sp>
       <p:pic>
         <p:nvPicPr>
-          <p:cNvPr id="2" name="Picture 1"/>
+          <p:cNvPr id="77" name="Picture 76"/>
           <p:cNvPicPr>
             <a:picLocks noChangeAspect="1"/>
           </p:cNvPicPr>
           <p:nvPr/>
         </p:nvPicPr>
         <p:blipFill>
-          <a:blip r:embed="rId13">
+          <a:blip r:embed="rId14"/>
+          <a:stretch>
+            <a:fillRect/>
+          </a:stretch>
+        </p:blipFill>
+        <p:spPr>
+          <a:xfrm>
+            <a:off x="5526228" y="4671381"/>
+            <a:ext cx="128260" cy="128258"/>
+          </a:xfrm>
+          <a:prstGeom prst="rect">
+            <a:avLst/>
+          </a:prstGeom>
+        </p:spPr>
+      </p:pic>
+      <p:sp>
+        <p:nvSpPr>
+          <p:cNvPr id="78" name="Rectangle 77"/>
+          <p:cNvSpPr/>
+          <p:nvPr/>
+        </p:nvSpPr>
+        <p:spPr>
+          <a:xfrm>
+            <a:off x="5622881" y="4458862"/>
+            <a:ext cx="1862622" cy="246221"/>
+          </a:xfrm>
+          <a:prstGeom prst="rect">
+            <a:avLst/>
+          </a:prstGeom>
+        </p:spPr>
+        <p:txBody>
+          <a:bodyPr wrap="square">
+            <a:spAutoFit/>
+          </a:bodyPr>
+          <a:lstStyle/>
+          <a:p>
+            <a:pPr algn="l"/>
+            <a:r>
+              <a:rPr lang="en-US" sz="1000" dirty="0" smtClean="0">
+                <a:solidFill>
+                  <a:schemeClr val="accent1">
+                    <a:lumMod val="75000"/>
+                  </a:schemeClr>
+                </a:solidFill>
+                <a:latin typeface="Century Gothic" panose="020B0502020202020204" pitchFamily="34" charset="0"/>
+              </a:rPr>
+              <a:t>Here for a long time.</a:t>
+            </a:r>
+            <a:endParaRPr lang="he-IL" sz="1000" dirty="0">
+              <a:solidFill>
+                <a:schemeClr val="accent1">
+                  <a:lumMod val="75000"/>
+                </a:schemeClr>
+              </a:solidFill>
+            </a:endParaRPr>
+          </a:p>
+        </p:txBody>
+      </p:sp>
+      <p:sp>
+        <p:nvSpPr>
+          <p:cNvPr id="79" name="Rectangle 78"/>
+          <p:cNvSpPr/>
+          <p:nvPr/>
+        </p:nvSpPr>
+        <p:spPr>
+          <a:xfrm>
+            <a:off x="5584137" y="5434135"/>
+            <a:ext cx="1862622" cy="246221"/>
+          </a:xfrm>
+          <a:prstGeom prst="rect">
+            <a:avLst/>
+          </a:prstGeom>
+        </p:spPr>
+        <p:txBody>
+          <a:bodyPr wrap="square">
+            <a:spAutoFit/>
+          </a:bodyPr>
+          <a:lstStyle/>
+          <a:p>
+            <a:pPr algn="l"/>
+            <a:r>
+              <a:rPr lang="en-US" sz="1000" dirty="0" smtClean="0">
+                <a:solidFill>
+                  <a:srgbClr val="9E5ECE"/>
+                </a:solidFill>
+                <a:latin typeface="Century Gothic" panose="020B0502020202020204" pitchFamily="34" charset="0"/>
+              </a:rPr>
+              <a:t>Works in </a:t>
+            </a:r>
+            <a:r>
+              <a:rPr lang="en-US" sz="1000" dirty="0" err="1" smtClean="0">
+                <a:solidFill>
+                  <a:srgbClr val="9E5ECE"/>
+                </a:solidFill>
+                <a:latin typeface="Century Gothic" panose="020B0502020202020204" pitchFamily="34" charset="0"/>
+              </a:rPr>
+              <a:t>RedHat</a:t>
+            </a:r>
+            <a:r>
+              <a:rPr lang="en-US" sz="1000" dirty="0" smtClean="0">
+                <a:solidFill>
+                  <a:srgbClr val="9E5ECE"/>
+                </a:solidFill>
+                <a:latin typeface="Century Gothic" panose="020B0502020202020204" pitchFamily="34" charset="0"/>
+              </a:rPr>
+              <a:t>.</a:t>
+            </a:r>
+            <a:endParaRPr lang="he-IL" sz="1000" dirty="0">
+              <a:solidFill>
+                <a:srgbClr val="9E5ECE"/>
+              </a:solidFill>
+            </a:endParaRPr>
+          </a:p>
+        </p:txBody>
+      </p:sp>
+      <p:pic>
+        <p:nvPicPr>
+          <p:cNvPr id="1028" name="Picture 1027"/>
+          <p:cNvPicPr>
+            <a:picLocks noChangeAspect="1"/>
+          </p:cNvPicPr>
+          <p:nvPr/>
+        </p:nvPicPr>
+        <p:blipFill>
+          <a:blip r:embed="rId15">
             <a:extLst>
               <a:ext uri="{BEBA8EAE-BF5A-486C-A8C5-ECC9F3942E4B}">
                 <a14:imgProps xmlns:a14="http://schemas.microsoft.com/office/drawing/2010/main">
-                  <a14:imgLayer r:embed="rId14">
+                  <a14:imgLayer r:embed="rId16">
                     <a14:imgEffect>
-                      <a14:backgroundRemoval t="586" b="98438" l="0" r="100000">
-                        <a14:foregroundMark x1="49219" y1="40820" x2="49609" y2="46289"/>
+                      <a14:backgroundRemoval t="9961" b="89844" l="0" r="100000">
+                        <a14:foregroundMark x1="1953" y1="55469" x2="1953" y2="55469"/>
+                        <a14:foregroundMark x1="41016" y1="59961" x2="41016" y2="59961"/>
                       </a14:backgroundRemoval>
                     </a14:imgEffect>
                   </a14:imgLayer>
@@ -24537,198 +22280,56 @@
         </p:blipFill>
         <p:spPr>
           <a:xfrm>
-            <a:off x="6604087" y="1784157"/>
-            <a:ext cx="134342" cy="134342"/>
+            <a:off x="5505844" y="3071048"/>
+            <a:ext cx="145078" cy="145078"/>
           </a:xfrm>
           <a:prstGeom prst="rect">
             <a:avLst/>
           </a:prstGeom>
         </p:spPr>
       </p:pic>
-      <p:sp>
-        <p:nvSpPr>
-          <p:cNvPr id="34" name="Rectangle 33"/>
-          <p:cNvSpPr/>
-          <p:nvPr/>
-        </p:nvSpPr>
-        <p:spPr>
-          <a:xfrm>
-            <a:off x="5204607" y="2585933"/>
-            <a:ext cx="1862622" cy="246221"/>
-          </a:xfrm>
-          <a:prstGeom prst="rect">
-            <a:avLst/>
-          </a:prstGeom>
-        </p:spPr>
-        <p:txBody>
-          <a:bodyPr wrap="square">
-            <a:spAutoFit/>
-          </a:bodyPr>
-          <a:lstStyle/>
-          <a:p>
-            <a:pPr algn="l"/>
-            <a:r>
-              <a:rPr lang="en-US" sz="1000" dirty="0" smtClean="0">
-                <a:solidFill>
-                  <a:srgbClr val="97C777"/>
-                </a:solidFill>
-                <a:latin typeface="Century Gothic" panose="020B0502020202020204" pitchFamily="34" charset="0"/>
-              </a:rPr>
-              <a:t>wants to eat something</a:t>
-            </a:r>
-            <a:endParaRPr lang="he-IL" sz="1000" dirty="0">
-              <a:solidFill>
-                <a:srgbClr val="97C777"/>
-              </a:solidFill>
-            </a:endParaRPr>
-          </a:p>
-        </p:txBody>
-      </p:sp>
-      <p:sp>
-        <p:nvSpPr>
-          <p:cNvPr id="35" name="Rectangle 34"/>
-          <p:cNvSpPr/>
-          <p:nvPr/>
-        </p:nvSpPr>
-        <p:spPr>
-          <a:xfrm>
-            <a:off x="4641189" y="2789573"/>
-            <a:ext cx="2488048" cy="215444"/>
-          </a:xfrm>
-          <a:prstGeom prst="rect">
-            <a:avLst/>
-          </a:prstGeom>
-        </p:spPr>
-        <p:txBody>
-          <a:bodyPr wrap="square">
-            <a:spAutoFit/>
-          </a:bodyPr>
-          <a:lstStyle/>
-          <a:p>
-            <a:pPr algn="just" rtl="0"/>
-            <a:r>
-              <a:rPr lang="en-US" sz="800" dirty="0" smtClean="0">
-                <a:latin typeface="Century Gothic" panose="020B0502020202020204" pitchFamily="34" charset="0"/>
-              </a:rPr>
-              <a:t>Who’s hungry…? In the mood for Chinese!</a:t>
-            </a:r>
-            <a:endParaRPr lang="he-IL" sz="800" dirty="0"/>
-          </a:p>
-        </p:txBody>
-      </p:sp>
       <p:pic>
         <p:nvPicPr>
-          <p:cNvPr id="37" name="Picture 36"/>
+          <p:cNvPr id="81" name="Picture 80"/>
           <p:cNvPicPr>
             <a:picLocks noChangeAspect="1"/>
           </p:cNvPicPr>
           <p:nvPr/>
         </p:nvPicPr>
         <p:blipFill>
-          <a:blip r:embed="rId15"/>
+          <a:blip r:embed="rId14"/>
           <a:stretch>
             <a:fillRect/>
           </a:stretch>
         </p:blipFill>
         <p:spPr>
           <a:xfrm>
-            <a:off x="6786876" y="2622578"/>
-            <a:ext cx="180933" cy="180933"/>
+            <a:off x="5502759" y="3683991"/>
+            <a:ext cx="128260" cy="128258"/>
           </a:xfrm>
           <a:prstGeom prst="rect">
             <a:avLst/>
           </a:prstGeom>
         </p:spPr>
       </p:pic>
-      <p:sp>
-        <p:nvSpPr>
-          <p:cNvPr id="38" name="Rectangle 37"/>
-          <p:cNvSpPr/>
-          <p:nvPr/>
-        </p:nvSpPr>
-        <p:spPr>
-          <a:xfrm>
-            <a:off x="5524957" y="3409465"/>
-            <a:ext cx="1862622" cy="246221"/>
-          </a:xfrm>
-          <a:prstGeom prst="rect">
-            <a:avLst/>
-          </a:prstGeom>
-        </p:spPr>
-        <p:txBody>
-          <a:bodyPr wrap="square">
-            <a:spAutoFit/>
-          </a:bodyPr>
-          <a:lstStyle/>
-          <a:p>
-            <a:pPr algn="l"/>
-            <a:r>
-              <a:rPr lang="en-US" sz="1000" dirty="0" smtClean="0">
-                <a:solidFill>
-                  <a:srgbClr val="FFC000"/>
-                </a:solidFill>
-                <a:latin typeface="Century Gothic" panose="020B0502020202020204" pitchFamily="34" charset="0"/>
-              </a:rPr>
-              <a:t>wants to share a cab</a:t>
-            </a:r>
-            <a:endParaRPr lang="he-IL" sz="1000" dirty="0">
-              <a:solidFill>
-                <a:srgbClr val="FFC000"/>
-              </a:solidFill>
-            </a:endParaRPr>
-          </a:p>
-        </p:txBody>
-      </p:sp>
-      <p:sp>
-        <p:nvSpPr>
-          <p:cNvPr id="39" name="Rectangle 38"/>
-          <p:cNvSpPr/>
-          <p:nvPr/>
-        </p:nvSpPr>
-        <p:spPr>
-          <a:xfrm>
-            <a:off x="4652525" y="3618605"/>
-            <a:ext cx="2486237" cy="338554"/>
-          </a:xfrm>
-          <a:prstGeom prst="rect">
-            <a:avLst/>
-          </a:prstGeom>
-        </p:spPr>
-        <p:txBody>
-          <a:bodyPr wrap="square">
-            <a:spAutoFit/>
-          </a:bodyPr>
-          <a:lstStyle/>
-          <a:p>
-            <a:pPr algn="just" rtl="0"/>
-            <a:r>
-              <a:rPr lang="en-US" sz="800" dirty="0" smtClean="0">
-                <a:latin typeface="Century Gothic" panose="020B0502020202020204" pitchFamily="34" charset="0"/>
-              </a:rPr>
-              <a:t>Going to the town’s central area, anyone up for sharing a taxi?</a:t>
-            </a:r>
-            <a:endParaRPr lang="he-IL" sz="800" dirty="0"/>
-          </a:p>
-        </p:txBody>
-      </p:sp>
       <p:pic>
         <p:nvPicPr>
-          <p:cNvPr id="41" name="Picture 40"/>
+          <p:cNvPr id="84" name="Picture 83"/>
           <p:cNvPicPr>
             <a:picLocks noChangeAspect="1"/>
           </p:cNvPicPr>
           <p:nvPr/>
         </p:nvPicPr>
         <p:blipFill>
-          <a:blip r:embed="rId16"/>
+          <a:blip r:embed="rId13"/>
           <a:stretch>
             <a:fillRect/>
           </a:stretch>
         </p:blipFill>
         <p:spPr>
           <a:xfrm>
-            <a:off x="6936868" y="3425341"/>
-            <a:ext cx="176494" cy="176494"/>
+            <a:off x="5493251" y="3804459"/>
+            <a:ext cx="158310" cy="158310"/>
           </a:xfrm>
           <a:prstGeom prst="rect">
             <a:avLst/>
@@ -24737,7 +22338,7 @@
       </p:pic>
       <p:pic>
         <p:nvPicPr>
-          <p:cNvPr id="19" name="Picture 18"/>
+          <p:cNvPr id="1029" name="Picture 1028"/>
           <p:cNvPicPr>
             <a:picLocks noChangeAspect="1"/>
           </p:cNvPicPr>
@@ -24750,10 +22351,45 @@
                 <a14:imgProps xmlns:a14="http://schemas.microsoft.com/office/drawing/2010/main">
                   <a14:imgLayer r:embed="rId18">
                     <a14:imgEffect>
-                      <a14:backgroundRemoval t="0" b="100000" l="9375" r="89844">
-                        <a14:foregroundMark x1="21680" y1="29883" x2="21680" y2="29883"/>
-                        <a14:foregroundMark x1="47461" y1="9766" x2="47461" y2="9766"/>
-                        <a14:foregroundMark x1="79688" y1="38477" x2="79688" y2="38477"/>
+                      <a14:backgroundRemoval t="1758" b="97852" l="0" r="100000"/>
+                    </a14:imgEffect>
+                  </a14:imgLayer>
+                </a14:imgProps>
+              </a:ext>
+            </a:extLst>
+          </a:blip>
+          <a:stretch>
+            <a:fillRect/>
+          </a:stretch>
+        </p:blipFill>
+        <p:spPr>
+          <a:xfrm>
+            <a:off x="5515309" y="4001573"/>
+            <a:ext cx="100850" cy="100850"/>
+          </a:xfrm>
+          <a:prstGeom prst="rect">
+            <a:avLst/>
+          </a:prstGeom>
+        </p:spPr>
+      </p:pic>
+      <p:pic>
+        <p:nvPicPr>
+          <p:cNvPr id="1030" name="Picture 1029"/>
+          <p:cNvPicPr>
+            <a:picLocks noChangeAspect="1"/>
+          </p:cNvPicPr>
+          <p:nvPr/>
+        </p:nvPicPr>
+        <p:blipFill>
+          <a:blip r:embed="rId19">
+            <a:extLst>
+              <a:ext uri="{BEBA8EAE-BF5A-486C-A8C5-ECC9F3942E4B}">
+                <a14:imgProps xmlns:a14="http://schemas.microsoft.com/office/drawing/2010/main">
+                  <a14:imgLayer r:embed="rId20">
+                    <a14:imgEffect>
+                      <a14:backgroundRemoval t="0" b="100000" l="2344" r="96289">
+                        <a14:foregroundMark x1="49805" y1="29492" x2="49805" y2="29492"/>
+                        <a14:foregroundMark x1="49219" y1="78320" x2="49219" y2="78320"/>
                       </a14:backgroundRemoval>
                     </a14:imgEffect>
                   </a14:imgLayer>
@@ -24767,24 +22403,63 @@
         </p:blipFill>
         <p:spPr>
           <a:xfrm>
-            <a:off x="6861129" y="4260137"/>
-            <a:ext cx="170318" cy="170318"/>
+            <a:off x="5532420" y="4530665"/>
+            <a:ext cx="111143" cy="111143"/>
           </a:xfrm>
           <a:prstGeom prst="rect">
             <a:avLst/>
           </a:prstGeom>
         </p:spPr>
       </p:pic>
+      <p:pic>
+        <p:nvPicPr>
+          <p:cNvPr id="1032" name="Picture 1031"/>
+          <p:cNvPicPr>
+            <a:picLocks noChangeAspect="1"/>
+          </p:cNvPicPr>
+          <p:nvPr/>
+        </p:nvPicPr>
+        <p:blipFill>
+          <a:blip r:embed="rId21">
+            <a:extLst>
+              <a:ext uri="{BEBA8EAE-BF5A-486C-A8C5-ECC9F3942E4B}">
+                <a14:imgProps xmlns:a14="http://schemas.microsoft.com/office/drawing/2010/main">
+                  <a14:imgLayer r:embed="rId22">
+                    <a14:imgEffect>
+                      <a14:backgroundRemoval t="9961" b="89844" l="0" r="100000">
+                        <a14:foregroundMark x1="27148" y1="73242" x2="27148" y2="73242"/>
+                        <a14:foregroundMark x1="78320" y1="26563" x2="78320" y2="26563"/>
+                      </a14:backgroundRemoval>
+                    </a14:imgEffect>
+                  </a14:imgLayer>
+                </a14:imgProps>
+              </a:ext>
+            </a:extLst>
+          </a:blip>
+          <a:stretch>
+            <a:fillRect/>
+          </a:stretch>
+        </p:blipFill>
+        <p:spPr>
+          <a:xfrm>
+            <a:off x="5515309" y="5349815"/>
+            <a:ext cx="125290" cy="125290"/>
+          </a:xfrm>
+          <a:prstGeom prst="rect">
+            <a:avLst/>
+          </a:prstGeom>
+        </p:spPr>
+      </p:pic>
       <p:sp>
         <p:nvSpPr>
-          <p:cNvPr id="42" name="Rectangle 41"/>
+          <p:cNvPr id="89" name="Rectangle 88"/>
           <p:cNvSpPr/>
           <p:nvPr/>
         </p:nvSpPr>
         <p:spPr>
           <a:xfrm>
-            <a:off x="5053863" y="4229150"/>
-            <a:ext cx="1907062" cy="246221"/>
+            <a:off x="5589904" y="5575462"/>
+            <a:ext cx="1862622" cy="246221"/>
           </a:xfrm>
           <a:prstGeom prst="rect">
             <a:avLst/>
@@ -24800,170 +22475,89 @@
             <a:r>
               <a:rPr lang="en-US" sz="1000" dirty="0" smtClean="0">
                 <a:solidFill>
-                  <a:srgbClr val="9E5ECE"/>
+                  <a:srgbClr val="FFC000"/>
                 </a:solidFill>
                 <a:latin typeface="Century Gothic" panose="020B0502020202020204" pitchFamily="34" charset="0"/>
               </a:rPr>
-              <a:t>is looking to explore the city</a:t>
+              <a:t>Visited Israel once.</a:t>
             </a:r>
             <a:endParaRPr lang="he-IL" sz="1000" dirty="0">
               <a:solidFill>
-                <a:srgbClr val="9E5ECE"/>
+                <a:srgbClr val="FFC000"/>
               </a:solidFill>
             </a:endParaRPr>
           </a:p>
         </p:txBody>
       </p:sp>
-      <p:sp>
-        <p:nvSpPr>
-          <p:cNvPr id="43" name="Rectangle 42"/>
-          <p:cNvSpPr/>
-          <p:nvPr/>
-        </p:nvSpPr>
+      <p:pic>
+        <p:nvPicPr>
+          <p:cNvPr id="90" name="Picture 89"/>
+          <p:cNvPicPr>
+            <a:picLocks noChangeAspect="1"/>
+          </p:cNvPicPr>
+          <p:nvPr/>
+        </p:nvPicPr>
+        <p:blipFill>
+          <a:blip r:embed="rId14"/>
+          <a:stretch>
+            <a:fillRect/>
+          </a:stretch>
+        </p:blipFill>
         <p:spPr>
           <a:xfrm>
-            <a:off x="4651171" y="4428360"/>
-            <a:ext cx="2487591" cy="338554"/>
+            <a:off x="5501139" y="5634830"/>
+            <a:ext cx="128260" cy="128258"/>
           </a:xfrm>
           <a:prstGeom prst="rect">
             <a:avLst/>
           </a:prstGeom>
         </p:spPr>
-        <p:txBody>
-          <a:bodyPr wrap="square">
-            <a:spAutoFit/>
-          </a:bodyPr>
-          <a:lstStyle/>
-          <a:p>
-            <a:pPr algn="just" rtl="0"/>
-            <a:r>
-              <a:rPr lang="en-US" sz="800" dirty="0" smtClean="0">
-                <a:latin typeface="Century Gothic" panose="020B0502020202020204" pitchFamily="34" charset="0"/>
-              </a:rPr>
-              <a:t>Long wait and thought of exploring the city. Who wants to come?</a:t>
-            </a:r>
-            <a:endParaRPr lang="he-IL" sz="800" dirty="0"/>
-          </a:p>
-        </p:txBody>
-      </p:sp>
-      <p:sp>
-        <p:nvSpPr>
-          <p:cNvPr id="45" name="Rectangle 44"/>
-          <p:cNvSpPr/>
-          <p:nvPr/>
-        </p:nvSpPr>
+      </p:pic>
+      <p:pic>
+        <p:nvPicPr>
+          <p:cNvPr id="1033" name="Picture 1032"/>
+          <p:cNvPicPr>
+            <a:picLocks noChangeAspect="1"/>
+          </p:cNvPicPr>
+          <p:nvPr/>
+        </p:nvPicPr>
+        <p:blipFill>
+          <a:blip r:embed="rId23">
+            <a:extLst>
+              <a:ext uri="{BEBA8EAE-BF5A-486C-A8C5-ECC9F3942E4B}">
+                <a14:imgProps xmlns:a14="http://schemas.microsoft.com/office/drawing/2010/main">
+                  <a14:imgLayer r:embed="rId24">
+                    <a14:imgEffect>
+                      <a14:backgroundRemoval t="1172" b="100000" l="0" r="100000"/>
+                    </a14:imgEffect>
+                  </a14:imgLayer>
+                </a14:imgProps>
+              </a:ext>
+            </a:extLst>
+          </a:blip>
+          <a:stretch>
+            <a:fillRect/>
+          </a:stretch>
+        </p:blipFill>
         <p:spPr>
           <a:xfrm>
-            <a:off x="4975948" y="5084439"/>
-            <a:ext cx="1862622" cy="246221"/>
+            <a:off x="5514379" y="5502878"/>
+            <a:ext cx="101780" cy="101780"/>
           </a:xfrm>
           <a:prstGeom prst="rect">
             <a:avLst/>
           </a:prstGeom>
         </p:spPr>
-        <p:txBody>
-          <a:bodyPr wrap="square">
-            <a:spAutoFit/>
-          </a:bodyPr>
-          <a:lstStyle/>
-          <a:p>
-            <a:pPr algn="l"/>
-            <a:r>
-              <a:rPr lang="en-US" sz="1000" dirty="0" smtClean="0">
-                <a:solidFill>
-                  <a:schemeClr val="accent1">
-                    <a:lumMod val="75000"/>
-                  </a:schemeClr>
-                </a:solidFill>
-                <a:latin typeface="Century Gothic" panose="020B0502020202020204" pitchFamily="34" charset="0"/>
-              </a:rPr>
-              <a:t>is </a:t>
-            </a:r>
-            <a:r>
-              <a:rPr lang="en-US" sz="1000" dirty="0">
-                <a:solidFill>
-                  <a:schemeClr val="accent1">
-                    <a:lumMod val="75000"/>
-                  </a:schemeClr>
-                </a:solidFill>
-                <a:latin typeface="Century Gothic" panose="020B0502020202020204" pitchFamily="34" charset="0"/>
-              </a:rPr>
-              <a:t>l</a:t>
-            </a:r>
-            <a:r>
-              <a:rPr lang="en-US" sz="1000" dirty="0" smtClean="0">
-                <a:solidFill>
-                  <a:schemeClr val="accent1">
-                    <a:lumMod val="75000"/>
-                  </a:schemeClr>
-                </a:solidFill>
-                <a:latin typeface="Century Gothic" panose="020B0502020202020204" pitchFamily="34" charset="0"/>
-              </a:rPr>
-              <a:t>ooking to pass time</a:t>
-            </a:r>
-            <a:endParaRPr lang="he-IL" sz="1000" dirty="0">
-              <a:solidFill>
-                <a:schemeClr val="accent1">
-                  <a:lumMod val="75000"/>
-                </a:schemeClr>
-              </a:solidFill>
-            </a:endParaRPr>
-          </a:p>
-        </p:txBody>
-      </p:sp>
+      </p:pic>
       <p:sp>
         <p:nvSpPr>
-          <p:cNvPr id="46" name="Rectangle 45"/>
+          <p:cNvPr id="92" name="Rectangle 91"/>
           <p:cNvSpPr/>
           <p:nvPr/>
         </p:nvSpPr>
         <p:spPr>
           <a:xfrm>
-            <a:off x="4641189" y="5287940"/>
-            <a:ext cx="2497573" cy="338554"/>
-          </a:xfrm>
-          <a:prstGeom prst="rect">
-            <a:avLst/>
-          </a:prstGeom>
-        </p:spPr>
-        <p:txBody>
-          <a:bodyPr wrap="square">
-            <a:spAutoFit/>
-          </a:bodyPr>
-          <a:lstStyle/>
-          <a:p>
-            <a:pPr algn="just" rtl="0"/>
-            <a:r>
-              <a:rPr lang="en-US" sz="800" dirty="0" smtClean="0">
-                <a:latin typeface="Century Gothic" panose="020B0502020202020204" pitchFamily="34" charset="0"/>
-              </a:rPr>
-              <a:t>10 hours to burn. Though of watching a long movie. </a:t>
-            </a:r>
-            <a:r>
-              <a:rPr lang="en-US" sz="800" dirty="0">
-                <a:latin typeface="Century Gothic" panose="020B0502020202020204" pitchFamily="34" charset="0"/>
-              </a:rPr>
-              <a:t>Any </a:t>
-            </a:r>
-            <a:r>
-              <a:rPr lang="en-US" sz="800" dirty="0" smtClean="0">
-                <a:latin typeface="Century Gothic" panose="020B0502020202020204" pitchFamily="34" charset="0"/>
-              </a:rPr>
-              <a:t>LOTR fans?</a:t>
-            </a:r>
-            <a:endParaRPr lang="he-IL" sz="800" dirty="0"/>
-          </a:p>
-        </p:txBody>
-      </p:sp>
-      <p:sp>
-        <p:nvSpPr>
-          <p:cNvPr id="54" name="Rectangle 53"/>
-          <p:cNvSpPr/>
-          <p:nvPr/>
-        </p:nvSpPr>
-        <p:spPr>
-          <a:xfrm>
-            <a:off x="5028044" y="2267437"/>
+            <a:off x="5050356" y="1688678"/>
             <a:ext cx="2493616" cy="215444"/>
           </a:xfrm>
           <a:prstGeom prst="rect">
@@ -24984,7 +22578,7 @@
                 </a:solidFill>
                 <a:latin typeface="Century Gothic" panose="020B0502020202020204" pitchFamily="34" charset="0"/>
               </a:rPr>
-              <a:t>3 comments</a:t>
+              <a:t>8 hours wait!</a:t>
             </a:r>
             <a:endParaRPr lang="he-IL" sz="800" dirty="0">
               <a:solidFill>
@@ -24996,13 +22590,13 @@
       </p:sp>
       <p:sp>
         <p:nvSpPr>
-          <p:cNvPr id="55" name="Rectangle 54"/>
+          <p:cNvPr id="93" name="Rectangle 92"/>
           <p:cNvSpPr/>
           <p:nvPr/>
         </p:nvSpPr>
         <p:spPr>
           <a:xfrm>
-            <a:off x="5011755" y="3084504"/>
+            <a:off x="5068718" y="2522982"/>
             <a:ext cx="2493616" cy="215444"/>
           </a:xfrm>
           <a:prstGeom prst="rect">
@@ -25023,7 +22617,25 @@
                 </a:solidFill>
                 <a:latin typeface="Century Gothic" panose="020B0502020202020204" pitchFamily="34" charset="0"/>
               </a:rPr>
-              <a:t>1 comments</a:t>
+              <a:t>6 </a:t>
+            </a:r>
+            <a:r>
+              <a:rPr lang="en-US" sz="800" dirty="0">
+                <a:solidFill>
+                  <a:srgbClr val="C00000"/>
+                </a:solidFill>
+                <a:latin typeface="Century Gothic" panose="020B0502020202020204" pitchFamily="34" charset="0"/>
+              </a:rPr>
+              <a:t>hours wait</a:t>
+            </a:r>
+            <a:r>
+              <a:rPr lang="en-US" sz="800" dirty="0" smtClean="0">
+                <a:solidFill>
+                  <a:srgbClr val="C00000"/>
+                </a:solidFill>
+                <a:latin typeface="Century Gothic" panose="020B0502020202020204" pitchFamily="34" charset="0"/>
+              </a:rPr>
+              <a:t>!</a:t>
             </a:r>
             <a:endParaRPr lang="he-IL" sz="800" dirty="0">
               <a:solidFill>
@@ -25035,13 +22647,13 @@
       </p:sp>
       <p:sp>
         <p:nvSpPr>
-          <p:cNvPr id="56" name="Rectangle 55"/>
+          <p:cNvPr id="95" name="Rectangle 94"/>
           <p:cNvSpPr/>
           <p:nvPr/>
         </p:nvSpPr>
         <p:spPr>
           <a:xfrm>
-            <a:off x="5011755" y="3935090"/>
+            <a:off x="5050845" y="3348812"/>
             <a:ext cx="2493616" cy="215444"/>
           </a:xfrm>
           <a:prstGeom prst="rect">
@@ -25062,7 +22674,25 @@
                 </a:solidFill>
                 <a:latin typeface="Century Gothic" panose="020B0502020202020204" pitchFamily="34" charset="0"/>
               </a:rPr>
-              <a:t>2 comments</a:t>
+              <a:t>5 </a:t>
+            </a:r>
+            <a:r>
+              <a:rPr lang="en-US" sz="800" dirty="0">
+                <a:solidFill>
+                  <a:srgbClr val="C00000"/>
+                </a:solidFill>
+                <a:latin typeface="Century Gothic" panose="020B0502020202020204" pitchFamily="34" charset="0"/>
+              </a:rPr>
+              <a:t>hours wait</a:t>
+            </a:r>
+            <a:r>
+              <a:rPr lang="en-US" sz="800" dirty="0" smtClean="0">
+                <a:solidFill>
+                  <a:srgbClr val="C00000"/>
+                </a:solidFill>
+                <a:latin typeface="Century Gothic" panose="020B0502020202020204" pitchFamily="34" charset="0"/>
+              </a:rPr>
+              <a:t>!</a:t>
             </a:r>
             <a:endParaRPr lang="he-IL" sz="800" dirty="0">
               <a:solidFill>
@@ -25074,13 +22704,13 @@
       </p:sp>
       <p:sp>
         <p:nvSpPr>
-          <p:cNvPr id="58" name="Rectangle 57"/>
+          <p:cNvPr id="96" name="Rectangle 95"/>
           <p:cNvSpPr/>
           <p:nvPr/>
         </p:nvSpPr>
         <p:spPr>
           <a:xfrm>
-            <a:off x="5003734" y="4744759"/>
+            <a:off x="5029548" y="4197434"/>
             <a:ext cx="2493616" cy="215444"/>
           </a:xfrm>
           <a:prstGeom prst="rect">
@@ -25101,7 +22731,25 @@
                 </a:solidFill>
                 <a:latin typeface="Century Gothic" panose="020B0502020202020204" pitchFamily="34" charset="0"/>
               </a:rPr>
-              <a:t>4 comments</a:t>
+              <a:t>3 </a:t>
+            </a:r>
+            <a:r>
+              <a:rPr lang="en-US" sz="800" dirty="0">
+                <a:solidFill>
+                  <a:srgbClr val="C00000"/>
+                </a:solidFill>
+                <a:latin typeface="Century Gothic" panose="020B0502020202020204" pitchFamily="34" charset="0"/>
+              </a:rPr>
+              <a:t>hours wait</a:t>
+            </a:r>
+            <a:r>
+              <a:rPr lang="en-US" sz="800" dirty="0" smtClean="0">
+                <a:solidFill>
+                  <a:srgbClr val="C00000"/>
+                </a:solidFill>
+                <a:latin typeface="Century Gothic" panose="020B0502020202020204" pitchFamily="34" charset="0"/>
+              </a:rPr>
+              <a:t>!</a:t>
             </a:r>
             <a:endParaRPr lang="he-IL" sz="800" dirty="0">
               <a:solidFill>
@@ -25113,13 +22761,13 @@
       </p:sp>
       <p:sp>
         <p:nvSpPr>
-          <p:cNvPr id="59" name="Rectangle 58"/>
+          <p:cNvPr id="97" name="Rectangle 96"/>
           <p:cNvSpPr/>
           <p:nvPr/>
         </p:nvSpPr>
         <p:spPr>
           <a:xfrm>
-            <a:off x="5028044" y="5573327"/>
+            <a:off x="5029548" y="5033112"/>
             <a:ext cx="2493616" cy="215444"/>
           </a:xfrm>
           <a:prstGeom prst="rect">
@@ -25140,7 +22788,16 @@
                 </a:solidFill>
                 <a:latin typeface="Century Gothic" panose="020B0502020202020204" pitchFamily="34" charset="0"/>
               </a:rPr>
-              <a:t>1 comments</a:t>
+              <a:t>3 </a:t>
+            </a:r>
+            <a:r>
+              <a:rPr lang="en-US" sz="800" dirty="0">
+                <a:solidFill>
+                  <a:srgbClr val="C00000"/>
+                </a:solidFill>
+                <a:latin typeface="Century Gothic" panose="020B0502020202020204" pitchFamily="34" charset="0"/>
+              </a:rPr>
+              <a:t>hours wait!</a:t>
             </a:r>
             <a:endParaRPr lang="he-IL" sz="800" dirty="0">
               <a:solidFill>
@@ -25150,251 +22807,63 @@
           </a:p>
         </p:txBody>
       </p:sp>
-      <p:grpSp>
-        <p:nvGrpSpPr>
-          <p:cNvPr id="8" name="Group 7"/>
-          <p:cNvGrpSpPr/>
-          <p:nvPr/>
-        </p:nvGrpSpPr>
-        <p:grpSpPr>
-          <a:xfrm>
-            <a:off x="6423133" y="5112620"/>
-            <a:ext cx="972031" cy="550244"/>
-            <a:chOff x="6423133" y="5112620"/>
-            <a:chExt cx="972031" cy="550244"/>
-          </a:xfrm>
-        </p:grpSpPr>
-        <p:pic>
-          <p:nvPicPr>
-            <p:cNvPr id="47" name="Picture 46"/>
-            <p:cNvPicPr>
-              <a:picLocks noChangeAspect="1"/>
-            </p:cNvPicPr>
-            <p:nvPr/>
-          </p:nvPicPr>
-          <p:blipFill>
-            <a:blip r:embed="rId13">
-              <a:extLst>
-                <a:ext uri="{BEBA8EAE-BF5A-486C-A8C5-ECC9F3942E4B}">
-                  <a14:imgProps xmlns:a14="http://schemas.microsoft.com/office/drawing/2010/main">
-                    <a14:imgLayer r:embed="rId14">
-                      <a14:imgEffect>
-                        <a14:backgroundRemoval t="586" b="98438" l="0" r="100000">
-                          <a14:foregroundMark x1="49219" y1="40820" x2="49609" y2="46289"/>
-                        </a14:backgroundRemoval>
-                      </a14:imgEffect>
-                    </a14:imgLayer>
-                  </a14:imgProps>
-                </a:ext>
-              </a:extLst>
-            </a:blip>
-            <a:stretch>
-              <a:fillRect/>
-            </a:stretch>
-          </p:blipFill>
-          <p:spPr>
-            <a:xfrm>
-              <a:off x="6423133" y="5130853"/>
-              <a:ext cx="134342" cy="134342"/>
-            </a:xfrm>
-            <a:prstGeom prst="rect">
-              <a:avLst/>
-            </a:prstGeom>
-          </p:spPr>
-        </p:pic>
-        <p:sp>
-          <p:nvSpPr>
-            <p:cNvPr id="61" name="Oval 60"/>
-            <p:cNvSpPr/>
-            <p:nvPr/>
-          </p:nvSpPr>
-          <p:spPr>
-            <a:xfrm>
-              <a:off x="6869708" y="5137196"/>
-              <a:ext cx="500668" cy="500668"/>
-            </a:xfrm>
-            <a:prstGeom prst="ellipse">
-              <a:avLst/>
-            </a:prstGeom>
-            <a:solidFill>
-              <a:schemeClr val="bg1"/>
-            </a:solidFill>
-            <a:ln>
-              <a:noFill/>
-            </a:ln>
-          </p:spPr>
-          <p:style>
-            <a:lnRef idx="2">
-              <a:schemeClr val="accent1">
-                <a:shade val="50000"/>
-              </a:schemeClr>
-            </a:lnRef>
-            <a:fillRef idx="1">
-              <a:schemeClr val="accent1"/>
-            </a:fillRef>
-            <a:effectRef idx="0">
-              <a:schemeClr val="accent1"/>
-            </a:effectRef>
-            <a:fontRef idx="minor">
-              <a:schemeClr val="lt1"/>
-            </a:fontRef>
-          </p:style>
-          <p:txBody>
-            <a:bodyPr rtlCol="1" anchor="ctr"/>
-            <a:lstStyle/>
-            <a:p>
-              <a:pPr algn="ctr"/>
-              <a:endParaRPr lang="he-IL"/>
-            </a:p>
-          </p:txBody>
-        </p:sp>
-        <p:pic>
-          <p:nvPicPr>
-            <p:cNvPr id="63" name="Picture 62"/>
-            <p:cNvPicPr>
-              <a:picLocks noChangeAspect="1"/>
-            </p:cNvPicPr>
-            <p:nvPr/>
-          </p:nvPicPr>
-          <p:blipFill>
-            <a:blip r:embed="rId19"/>
-            <a:stretch>
-              <a:fillRect/>
-            </a:stretch>
-          </p:blipFill>
-          <p:spPr>
-            <a:xfrm flipH="1" flipV="1">
-              <a:off x="6844920" y="5112620"/>
-              <a:ext cx="550244" cy="550244"/>
-            </a:xfrm>
-            <a:prstGeom prst="rect">
-              <a:avLst/>
-            </a:prstGeom>
-          </p:spPr>
-        </p:pic>
-      </p:grpSp>
-      <p:sp>
-        <p:nvSpPr>
-          <p:cNvPr id="65" name="Rectangle 64"/>
-          <p:cNvSpPr/>
-          <p:nvPr/>
-        </p:nvSpPr>
-        <p:spPr>
-          <a:xfrm>
-            <a:off x="4682609" y="3129253"/>
-            <a:ext cx="1036401" cy="170695"/>
-          </a:xfrm>
-          <a:prstGeom prst="rect">
-            <a:avLst/>
-          </a:prstGeom>
-          <a:solidFill>
-            <a:srgbClr val="C00000">
-              <a:alpha val="97000"/>
-            </a:srgbClr>
-          </a:solidFill>
-          <a:ln>
-            <a:noFill/>
-          </a:ln>
-        </p:spPr>
-        <p:style>
-          <a:lnRef idx="2">
-            <a:schemeClr val="accent1">
-              <a:shade val="50000"/>
-            </a:schemeClr>
-          </a:lnRef>
-          <a:fillRef idx="1">
-            <a:schemeClr val="accent1"/>
-          </a:fillRef>
-          <a:effectRef idx="0">
-            <a:schemeClr val="accent1"/>
-          </a:effectRef>
-          <a:fontRef idx="minor">
-            <a:schemeClr val="lt1"/>
-          </a:fontRef>
-        </p:style>
-        <p:txBody>
-          <a:bodyPr rtlCol="1" anchor="ctr"/>
-          <a:lstStyle/>
-          <a:p>
-            <a:pPr algn="l"/>
-            <a:r>
-              <a:rPr lang="en-US" sz="900" dirty="0" smtClean="0"/>
-              <a:t>You should meet!</a:t>
-            </a:r>
-            <a:endParaRPr lang="he-IL" sz="700" dirty="0"/>
-          </a:p>
-        </p:txBody>
-      </p:sp>
-      <p:sp>
-        <p:nvSpPr>
-          <p:cNvPr id="73" name="Rectangle 72"/>
-          <p:cNvSpPr/>
-          <p:nvPr/>
-        </p:nvSpPr>
-        <p:spPr>
-          <a:xfrm>
-            <a:off x="4682610" y="4797257"/>
-            <a:ext cx="954686" cy="170695"/>
-          </a:xfrm>
-          <a:prstGeom prst="rect">
-            <a:avLst/>
-          </a:prstGeom>
-          <a:solidFill>
-            <a:srgbClr val="C00000">
-              <a:alpha val="97000"/>
-            </a:srgbClr>
-          </a:solidFill>
-          <a:ln>
-            <a:noFill/>
-          </a:ln>
-        </p:spPr>
-        <p:style>
-          <a:lnRef idx="2">
-            <a:schemeClr val="accent1">
-              <a:shade val="50000"/>
-            </a:schemeClr>
-          </a:lnRef>
-          <a:fillRef idx="1">
-            <a:schemeClr val="accent1"/>
-          </a:fillRef>
-          <a:effectRef idx="0">
-            <a:schemeClr val="accent1"/>
-          </a:effectRef>
-          <a:fontRef idx="minor">
-            <a:schemeClr val="lt1"/>
-          </a:fontRef>
-        </p:style>
-        <p:txBody>
-          <a:bodyPr rtlCol="1" anchor="ctr"/>
-          <a:lstStyle/>
-          <a:p>
-            <a:pPr algn="l"/>
-            <a:r>
-              <a:rPr lang="en-US" sz="900" dirty="0" smtClean="0"/>
-              <a:t>This sounds fun!</a:t>
-            </a:r>
-            <a:endParaRPr lang="he-IL" sz="700" dirty="0"/>
-          </a:p>
-        </p:txBody>
-      </p:sp>
       <p:pic>
         <p:nvPicPr>
-          <p:cNvPr id="52" name="Picture 51"/>
+          <p:cNvPr id="63" name="Picture 62"/>
           <p:cNvPicPr>
             <a:picLocks noChangeAspect="1"/>
           </p:cNvPicPr>
           <p:nvPr/>
         </p:nvPicPr>
         <p:blipFill>
-          <a:blip r:embed="rId20"/>
+          <a:blip r:embed="rId25"/>
           <a:stretch>
             <a:fillRect/>
           </a:stretch>
         </p:blipFill>
         <p:spPr>
           <a:xfrm>
-            <a:off x="6662105" y="965126"/>
+            <a:off x="6746229" y="964780"/>
             <a:ext cx="249413" cy="249413"/>
+          </a:xfrm>
+          <a:prstGeom prst="rect">
+            <a:avLst/>
+          </a:prstGeom>
+        </p:spPr>
+      </p:pic>
+      <p:pic>
+        <p:nvPicPr>
+          <p:cNvPr id="64" name="Picture 63"/>
+          <p:cNvPicPr>
+            <a:picLocks noChangeAspect="1"/>
+          </p:cNvPicPr>
+          <p:nvPr/>
+        </p:nvPicPr>
+        <p:blipFill>
+          <a:blip r:embed="rId26">
+            <a:extLst>
+              <a:ext uri="{BEBA8EAE-BF5A-486C-A8C5-ECC9F3942E4B}">
+                <a14:imgProps xmlns:a14="http://schemas.microsoft.com/office/drawing/2010/main">
+                  <a14:imgLayer r:embed="rId27">
+                    <a14:imgEffect>
+                      <a14:backgroundRemoval t="9961" b="89844" l="0" r="100000">
+                        <a14:foregroundMark x1="49414" y1="14063" x2="49414" y2="14063"/>
+                        <a14:foregroundMark x1="63672" y1="52344" x2="63672" y2="52344"/>
+                      </a14:backgroundRemoval>
+                    </a14:imgEffect>
+                  </a14:imgLayer>
+                </a14:imgProps>
+              </a:ext>
+            </a:extLst>
+          </a:blip>
+          <a:stretch>
+            <a:fillRect/>
+          </a:stretch>
+        </p:blipFill>
+        <p:spPr>
+          <a:xfrm>
+            <a:off x="7120348" y="947669"/>
+            <a:ext cx="274816" cy="274816"/>
           </a:xfrm>
           <a:prstGeom prst="rect">
             <a:avLst/>
@@ -25404,16 +22873,25 @@
     </p:spTree>
     <p:extLst>
       <p:ext uri="{BB962C8B-B14F-4D97-AF65-F5344CB8AC3E}">
-        <p14:creationId xmlns:p14="http://schemas.microsoft.com/office/powerpoint/2010/main" val="2286584407"/>
+        <p14:creationId xmlns:p14="http://schemas.microsoft.com/office/powerpoint/2010/main" val="3431188606"/>
       </p:ext>
     </p:extLst>
   </p:cSld>
   <p:clrMapOvr>
     <a:masterClrMapping/>
   </p:clrMapOvr>
-  <p:transition spd="slow">
-    <p:wipe dir="r"/>
-  </p:transition>
+  <mc:AlternateContent xmlns:mc="http://schemas.openxmlformats.org/markup-compatibility/2006" xmlns:p14="http://schemas.microsoft.com/office/powerpoint/2010/main">
+    <mc:Choice Requires="p14">
+      <p:transition spd="med" p14:dur="700">
+        <p:fade/>
+      </p:transition>
+    </mc:Choice>
+    <mc:Fallback xmlns="">
+      <p:transition spd="med">
+        <p:fade/>
+      </p:transition>
+    </mc:Fallback>
+  </mc:AlternateContent>
   <p:timing>
     <p:tnLst>
       <p:par>
@@ -27804,7 +25282,16 @@
                 </a:solidFill>
                 <a:latin typeface="Century Gothic" panose="020B0502020202020204" pitchFamily="34" charset="0"/>
               </a:rPr>
-              <a:t>8 hours wait!</a:t>
+              <a:t>8 hours </a:t>
+            </a:r>
+            <a:r>
+              <a:rPr lang="en-US" sz="800" dirty="0">
+                <a:solidFill>
+                  <a:srgbClr val="C00000"/>
+                </a:solidFill>
+                <a:latin typeface="Century Gothic" panose="020B0502020202020204" pitchFamily="34" charset="0"/>
+              </a:rPr>
+              <a:t>wait!</a:t>
             </a:r>
             <a:endParaRPr lang="he-IL" sz="800" dirty="0">
               <a:solidFill>
@@ -27852,16 +25339,7 @@
                 </a:solidFill>
                 <a:latin typeface="Century Gothic" panose="020B0502020202020204" pitchFamily="34" charset="0"/>
               </a:rPr>
-              <a:t>hours wait</a:t>
-            </a:r>
-            <a:r>
-              <a:rPr lang="en-US" sz="800" dirty="0" smtClean="0">
-                <a:solidFill>
-                  <a:srgbClr val="C00000"/>
-                </a:solidFill>
-                <a:latin typeface="Century Gothic" panose="020B0502020202020204" pitchFamily="34" charset="0"/>
-              </a:rPr>
-              <a:t>!</a:t>
+              <a:t>hours until flight!</a:t>
             </a:r>
             <a:endParaRPr lang="he-IL" sz="800" dirty="0">
               <a:solidFill>
@@ -27909,16 +25387,7 @@
                 </a:solidFill>
                 <a:latin typeface="Century Gothic" panose="020B0502020202020204" pitchFamily="34" charset="0"/>
               </a:rPr>
-              <a:t>hours wait</a:t>
-            </a:r>
-            <a:r>
-              <a:rPr lang="en-US" sz="800" dirty="0" smtClean="0">
-                <a:solidFill>
-                  <a:srgbClr val="C00000"/>
-                </a:solidFill>
-                <a:latin typeface="Century Gothic" panose="020B0502020202020204" pitchFamily="34" charset="0"/>
-              </a:rPr>
-              <a:t>!</a:t>
+              <a:t>hours wait!</a:t>
             </a:r>
             <a:endParaRPr lang="he-IL" sz="800" dirty="0">
               <a:solidFill>
@@ -27937,63 +25406,6 @@
         <p:spPr>
           <a:xfrm>
             <a:off x="5029548" y="4197434"/>
-            <a:ext cx="2493616" cy="215444"/>
-          </a:xfrm>
-          <a:prstGeom prst="rect">
-            <a:avLst/>
-          </a:prstGeom>
-        </p:spPr>
-        <p:txBody>
-          <a:bodyPr wrap="square">
-            <a:spAutoFit/>
-          </a:bodyPr>
-          <a:lstStyle/>
-          <a:p>
-            <a:pPr rtl="0"/>
-            <a:r>
-              <a:rPr lang="en-US" sz="800" dirty="0" smtClean="0">
-                <a:solidFill>
-                  <a:srgbClr val="C00000"/>
-                </a:solidFill>
-                <a:latin typeface="Century Gothic" panose="020B0502020202020204" pitchFamily="34" charset="0"/>
-              </a:rPr>
-              <a:t>3 </a:t>
-            </a:r>
-            <a:r>
-              <a:rPr lang="en-US" sz="800" dirty="0">
-                <a:solidFill>
-                  <a:srgbClr val="C00000"/>
-                </a:solidFill>
-                <a:latin typeface="Century Gothic" panose="020B0502020202020204" pitchFamily="34" charset="0"/>
-              </a:rPr>
-              <a:t>hours wait</a:t>
-            </a:r>
-            <a:r>
-              <a:rPr lang="en-US" sz="800" dirty="0" smtClean="0">
-                <a:solidFill>
-                  <a:srgbClr val="C00000"/>
-                </a:solidFill>
-                <a:latin typeface="Century Gothic" panose="020B0502020202020204" pitchFamily="34" charset="0"/>
-              </a:rPr>
-              <a:t>!</a:t>
-            </a:r>
-            <a:endParaRPr lang="he-IL" sz="800" dirty="0">
-              <a:solidFill>
-                <a:srgbClr val="C00000"/>
-              </a:solidFill>
-            </a:endParaRPr>
-          </a:p>
-        </p:txBody>
-      </p:sp>
-      <p:sp>
-        <p:nvSpPr>
-          <p:cNvPr id="97" name="Rectangle 96"/>
-          <p:cNvSpPr/>
-          <p:nvPr/>
-        </p:nvSpPr>
-        <p:spPr>
-          <a:xfrm>
-            <a:off x="5029548" y="5033112"/>
             <a:ext cx="2493616" cy="215444"/>
           </a:xfrm>
           <a:prstGeom prst="rect">
@@ -28033,6 +25445,138 @@
           </a:p>
         </p:txBody>
       </p:sp>
+      <p:sp>
+        <p:nvSpPr>
+          <p:cNvPr id="97" name="Rectangle 96"/>
+          <p:cNvSpPr/>
+          <p:nvPr/>
+        </p:nvSpPr>
+        <p:spPr>
+          <a:xfrm>
+            <a:off x="5029548" y="5033112"/>
+            <a:ext cx="2493616" cy="215444"/>
+          </a:xfrm>
+          <a:prstGeom prst="rect">
+            <a:avLst/>
+          </a:prstGeom>
+        </p:spPr>
+        <p:txBody>
+          <a:bodyPr wrap="square">
+            <a:spAutoFit/>
+          </a:bodyPr>
+          <a:lstStyle/>
+          <a:p>
+            <a:pPr rtl="0"/>
+            <a:r>
+              <a:rPr lang="en-US" sz="800" dirty="0" smtClean="0">
+                <a:solidFill>
+                  <a:srgbClr val="C00000"/>
+                </a:solidFill>
+                <a:latin typeface="Century Gothic" panose="020B0502020202020204" pitchFamily="34" charset="0"/>
+              </a:rPr>
+              <a:t>3 </a:t>
+            </a:r>
+            <a:r>
+              <a:rPr lang="en-US" sz="800" dirty="0">
+                <a:solidFill>
+                  <a:srgbClr val="C00000"/>
+                </a:solidFill>
+                <a:latin typeface="Century Gothic" panose="020B0502020202020204" pitchFamily="34" charset="0"/>
+              </a:rPr>
+              <a:t>hours wait!</a:t>
+            </a:r>
+            <a:endParaRPr lang="he-IL" sz="800" dirty="0">
+              <a:solidFill>
+                <a:srgbClr val="C00000"/>
+              </a:solidFill>
+            </a:endParaRPr>
+          </a:p>
+        </p:txBody>
+      </p:sp>
+      <p:sp>
+        <p:nvSpPr>
+          <p:cNvPr id="64" name="Rectangle 63"/>
+          <p:cNvSpPr/>
+          <p:nvPr/>
+        </p:nvSpPr>
+        <p:spPr>
+          <a:xfrm>
+            <a:off x="6182931" y="2521810"/>
+            <a:ext cx="1346564" cy="784597"/>
+          </a:xfrm>
+          <a:prstGeom prst="rect">
+            <a:avLst/>
+          </a:prstGeom>
+          <a:solidFill>
+            <a:srgbClr val="C00000">
+              <a:alpha val="97000"/>
+            </a:srgbClr>
+          </a:solidFill>
+          <a:ln>
+            <a:noFill/>
+          </a:ln>
+        </p:spPr>
+        <p:style>
+          <a:lnRef idx="2">
+            <a:schemeClr val="accent1">
+              <a:shade val="50000"/>
+            </a:schemeClr>
+          </a:lnRef>
+          <a:fillRef idx="1">
+            <a:schemeClr val="accent1"/>
+          </a:fillRef>
+          <a:effectRef idx="0">
+            <a:schemeClr val="accent1"/>
+          </a:effectRef>
+          <a:fontRef idx="minor">
+            <a:schemeClr val="lt1"/>
+          </a:fontRef>
+        </p:style>
+        <p:txBody>
+          <a:bodyPr rtlCol="1" anchor="ctr"/>
+          <a:lstStyle/>
+          <a:p>
+            <a:pPr algn="ctr"/>
+            <a:endParaRPr lang="he-IL" dirty="0"/>
+          </a:p>
+        </p:txBody>
+      </p:sp>
+      <p:pic>
+        <p:nvPicPr>
+          <p:cNvPr id="65" name="Picture 64"/>
+          <p:cNvPicPr>
+            <a:picLocks noChangeAspect="1"/>
+          </p:cNvPicPr>
+          <p:nvPr/>
+        </p:nvPicPr>
+        <p:blipFill>
+          <a:blip r:embed="rId25">
+            <a:extLst>
+              <a:ext uri="{BEBA8EAE-BF5A-486C-A8C5-ECC9F3942E4B}">
+                <a14:imgProps xmlns:a14="http://schemas.microsoft.com/office/drawing/2010/main">
+                  <a14:imgLayer r:embed="rId26">
+                    <a14:imgEffect>
+                      <a14:backgroundRemoval t="0" b="100000" l="0" r="98828"/>
+                    </a14:imgEffect>
+                  </a14:imgLayer>
+                </a14:imgProps>
+              </a:ext>
+            </a:extLst>
+          </a:blip>
+          <a:stretch>
+            <a:fillRect/>
+          </a:stretch>
+        </p:blipFill>
+        <p:spPr>
+          <a:xfrm>
+            <a:off x="7180060" y="2767971"/>
+            <a:ext cx="249642" cy="249642"/>
+          </a:xfrm>
+          <a:prstGeom prst="rect">
+            <a:avLst/>
+          </a:prstGeom>
+        </p:spPr>
+      </p:pic>
       <p:pic>
         <p:nvPicPr>
           <p:cNvPr id="63" name="Picture 62"/>
@@ -28042,7 +25586,7 @@
           <p:nvPr/>
         </p:nvPicPr>
         <p:blipFill>
-          <a:blip r:embed="rId25"/>
+          <a:blip r:embed="rId27"/>
           <a:stretch>
             <a:fillRect/>
           </a:stretch>
@@ -28059,18 +25603,18 @@
       </p:pic>
       <p:pic>
         <p:nvPicPr>
-          <p:cNvPr id="64" name="Picture 63"/>
+          <p:cNvPr id="70" name="Picture 69"/>
           <p:cNvPicPr>
             <a:picLocks noChangeAspect="1"/>
           </p:cNvPicPr>
           <p:nvPr/>
         </p:nvPicPr>
         <p:blipFill>
-          <a:blip r:embed="rId26">
+          <a:blip r:embed="rId28">
             <a:extLst>
               <a:ext uri="{BEBA8EAE-BF5A-486C-A8C5-ECC9F3942E4B}">
                 <a14:imgProps xmlns:a14="http://schemas.microsoft.com/office/drawing/2010/main">
-                  <a14:imgLayer r:embed="rId27">
+                  <a14:imgLayer r:embed="rId29">
                     <a14:imgEffect>
                       <a14:backgroundRemoval t="9961" b="89844" l="0" r="100000">
                         <a14:foregroundMark x1="49414" y1="14063" x2="49414" y2="14063"/>
@@ -28099,25 +25643,16 @@
     </p:spTree>
     <p:extLst>
       <p:ext uri="{BB962C8B-B14F-4D97-AF65-F5344CB8AC3E}">
-        <p14:creationId xmlns:p14="http://schemas.microsoft.com/office/powerpoint/2010/main" val="3431188606"/>
+        <p14:creationId xmlns:p14="http://schemas.microsoft.com/office/powerpoint/2010/main" val="3279893750"/>
       </p:ext>
     </p:extLst>
   </p:cSld>
   <p:clrMapOvr>
     <a:masterClrMapping/>
   </p:clrMapOvr>
-  <mc:AlternateContent xmlns:mc="http://schemas.openxmlformats.org/markup-compatibility/2006" xmlns:p14="http://schemas.microsoft.com/office/powerpoint/2010/main">
-    <mc:Choice Requires="p14">
-      <p:transition spd="med" p14:dur="700">
-        <p:fade/>
-      </p:transition>
-    </mc:Choice>
-    <mc:Fallback xmlns="">
-      <p:transition spd="med">
-        <p:fade/>
-      </p:transition>
-    </mc:Fallback>
-  </mc:AlternateContent>
+  <p:transition spd="slow">
+    <p:wipe/>
+  </p:transition>
   <p:timing>
     <p:tnLst>
       <p:par>

--- a/Design/Design.pptx
+++ b/Design/Design.pptx
@@ -234,7 +234,7 @@
           <a:p>
             <a:fld id="{D605995D-04EC-4879-93FD-3AB99F876804}" type="datetimeFigureOut">
               <a:rPr lang="he-IL" smtClean="0"/>
-              <a:t>י"ט/ניסן/תשע"ה</a:t>
+              <a:t>כ'/ניסן/תשע"ה</a:t>
             </a:fld>
             <a:endParaRPr lang="he-IL" dirty="0"/>
           </a:p>
@@ -1641,7 +1641,7 @@
           <a:p>
             <a:fld id="{C702C752-D58B-47F0-9F10-FECB43C6A0F9}" type="datetimeFigureOut">
               <a:rPr lang="he-IL" smtClean="0"/>
-              <a:t>י"ט/ניסן/תשע"ה</a:t>
+              <a:t>כ'/ניסן/תשע"ה</a:t>
             </a:fld>
             <a:endParaRPr lang="he-IL" dirty="0"/>
           </a:p>
@@ -1811,7 +1811,7 @@
           <a:p>
             <a:fld id="{C702C752-D58B-47F0-9F10-FECB43C6A0F9}" type="datetimeFigureOut">
               <a:rPr lang="he-IL" smtClean="0"/>
-              <a:t>י"ט/ניסן/תשע"ה</a:t>
+              <a:t>כ'/ניסן/תשע"ה</a:t>
             </a:fld>
             <a:endParaRPr lang="he-IL" dirty="0"/>
           </a:p>
@@ -1991,7 +1991,7 @@
           <a:p>
             <a:fld id="{C702C752-D58B-47F0-9F10-FECB43C6A0F9}" type="datetimeFigureOut">
               <a:rPr lang="he-IL" smtClean="0"/>
-              <a:t>י"ט/ניסן/תשע"ה</a:t>
+              <a:t>כ'/ניסן/תשע"ה</a:t>
             </a:fld>
             <a:endParaRPr lang="he-IL" dirty="0"/>
           </a:p>
@@ -2161,7 +2161,7 @@
           <a:p>
             <a:fld id="{C702C752-D58B-47F0-9F10-FECB43C6A0F9}" type="datetimeFigureOut">
               <a:rPr lang="he-IL" smtClean="0"/>
-              <a:t>י"ט/ניסן/תשע"ה</a:t>
+              <a:t>כ'/ניסן/תשע"ה</a:t>
             </a:fld>
             <a:endParaRPr lang="he-IL" dirty="0"/>
           </a:p>
@@ -2407,7 +2407,7 @@
           <a:p>
             <a:fld id="{C702C752-D58B-47F0-9F10-FECB43C6A0F9}" type="datetimeFigureOut">
               <a:rPr lang="he-IL" smtClean="0"/>
-              <a:t>י"ט/ניסן/תשע"ה</a:t>
+              <a:t>כ'/ניסן/תשע"ה</a:t>
             </a:fld>
             <a:endParaRPr lang="he-IL" dirty="0"/>
           </a:p>
@@ -2639,7 +2639,7 @@
           <a:p>
             <a:fld id="{C702C752-D58B-47F0-9F10-FECB43C6A0F9}" type="datetimeFigureOut">
               <a:rPr lang="he-IL" smtClean="0"/>
-              <a:t>י"ט/ניסן/תשע"ה</a:t>
+              <a:t>כ'/ניסן/תשע"ה</a:t>
             </a:fld>
             <a:endParaRPr lang="he-IL" dirty="0"/>
           </a:p>
@@ -3006,7 +3006,7 @@
           <a:p>
             <a:fld id="{C702C752-D58B-47F0-9F10-FECB43C6A0F9}" type="datetimeFigureOut">
               <a:rPr lang="he-IL" smtClean="0"/>
-              <a:t>י"ט/ניסן/תשע"ה</a:t>
+              <a:t>כ'/ניסן/תשע"ה</a:t>
             </a:fld>
             <a:endParaRPr lang="he-IL" dirty="0"/>
           </a:p>
@@ -3124,7 +3124,7 @@
           <a:p>
             <a:fld id="{C702C752-D58B-47F0-9F10-FECB43C6A0F9}" type="datetimeFigureOut">
               <a:rPr lang="he-IL" smtClean="0"/>
-              <a:t>י"ט/ניסן/תשע"ה</a:t>
+              <a:t>כ'/ניסן/תשע"ה</a:t>
             </a:fld>
             <a:endParaRPr lang="he-IL" dirty="0"/>
           </a:p>
@@ -3219,7 +3219,7 @@
           <a:p>
             <a:fld id="{C702C752-D58B-47F0-9F10-FECB43C6A0F9}" type="datetimeFigureOut">
               <a:rPr lang="he-IL" smtClean="0"/>
-              <a:t>י"ט/ניסן/תשע"ה</a:t>
+              <a:t>כ'/ניסן/תשע"ה</a:t>
             </a:fld>
             <a:endParaRPr lang="he-IL" dirty="0"/>
           </a:p>
@@ -3496,7 +3496,7 @@
           <a:p>
             <a:fld id="{C702C752-D58B-47F0-9F10-FECB43C6A0F9}" type="datetimeFigureOut">
               <a:rPr lang="he-IL" smtClean="0"/>
-              <a:t>י"ט/ניסן/תשע"ה</a:t>
+              <a:t>כ'/ניסן/תשע"ה</a:t>
             </a:fld>
             <a:endParaRPr lang="he-IL" dirty="0"/>
           </a:p>
@@ -3749,7 +3749,7 @@
           <a:p>
             <a:fld id="{C702C752-D58B-47F0-9F10-FECB43C6A0F9}" type="datetimeFigureOut">
               <a:rPr lang="he-IL" smtClean="0"/>
-              <a:t>י"ט/ניסן/תשע"ה</a:t>
+              <a:t>כ'/ניסן/תשע"ה</a:t>
             </a:fld>
             <a:endParaRPr lang="he-IL" dirty="0"/>
           </a:p>
@@ -3965,7 +3965,7 @@
           <a:p>
             <a:fld id="{C702C752-D58B-47F0-9F10-FECB43C6A0F9}" type="datetimeFigureOut">
               <a:rPr lang="he-IL" smtClean="0"/>
-              <a:t>י"ט/ניסן/תשע"ה</a:t>
+              <a:t>כ'/ניסן/תשע"ה</a:t>
             </a:fld>
             <a:endParaRPr lang="he-IL" dirty="0"/>
           </a:p>
@@ -14547,7 +14547,25 @@
               <a:rPr lang="en-US" sz="800" dirty="0" smtClean="0">
                 <a:latin typeface="Century Gothic" panose="020B0502020202020204" pitchFamily="34" charset="0"/>
               </a:rPr>
-              <a:t>Hey! How wants to hang out?? I’m in terminal 5 right next to </a:t>
+              <a:t>Hey! </a:t>
+            </a:r>
+            <a:r>
+              <a:rPr lang="en-US" sz="800" smtClean="0">
+                <a:latin typeface="Century Gothic" panose="020B0502020202020204" pitchFamily="34" charset="0"/>
+              </a:rPr>
+              <a:t>Who</a:t>
+            </a:r>
+            <a:r>
+              <a:rPr lang="en-US" sz="800" smtClean="0">
+                <a:latin typeface="Century Gothic" panose="020B0502020202020204" pitchFamily="34" charset="0"/>
+              </a:rPr>
+              <a:t> </a:t>
+            </a:r>
+            <a:r>
+              <a:rPr lang="en-US" sz="800" dirty="0" smtClean="0">
+                <a:latin typeface="Century Gothic" panose="020B0502020202020204" pitchFamily="34" charset="0"/>
+              </a:rPr>
+              <a:t>wants to hang out?? I’m in terminal 5 right next to </a:t>
             </a:r>
             <a:r>
               <a:rPr lang="en-US" sz="800" dirty="0" err="1" smtClean="0">
